--- a/documentacao/PowerPoint.pptx
+++ b/documentacao/PowerPoint.pptx
@@ -140,10 +140,10 @@
   <c:roundedCorners val="0"/>
   <mc:AlternateContent xmlns:mc="http://schemas.openxmlformats.org/markup-compatibility/2006">
     <mc:Choice xmlns:c14="http://schemas.microsoft.com/office/drawing/2007/8/2/chart" Requires="c14">
-      <c14:style val="107"/>
+      <c14:style val="102"/>
     </mc:Choice>
     <mc:Fallback>
-      <c:style val="7"/>
+      <c:style val="2"/>
     </mc:Fallback>
   </mc:AlternateContent>
   <c:chart>
@@ -171,9 +171,7 @@
             <c:bubble3D val="0"/>
             <c:spPr>
               <a:solidFill>
-                <a:schemeClr val="accent5">
-                  <a:tint val="58000"/>
-                </a:schemeClr>
+                <a:schemeClr val="accent1"/>
               </a:solidFill>
               <a:ln>
                 <a:noFill/>
@@ -186,15 +184,18 @@
                 </a:outerShdw>
               </a:effectLst>
             </c:spPr>
+            <c:extLst>
+              <c:ext xmlns:c16="http://schemas.microsoft.com/office/drawing/2014/chart" uri="{C3380CC4-5D6E-409C-BE32-E72D297353CC}">
+                <c16:uniqueId val="{00000001-749E-4529-A1A6-5419C5DD7C65}"/>
+              </c:ext>
+            </c:extLst>
           </c:dPt>
           <c:dPt>
             <c:idx val="1"/>
             <c:bubble3D val="0"/>
             <c:spPr>
               <a:solidFill>
-                <a:schemeClr val="accent5">
-                  <a:tint val="86000"/>
-                </a:schemeClr>
+                <a:schemeClr val="accent2"/>
               </a:solidFill>
               <a:ln>
                 <a:noFill/>
@@ -207,15 +208,18 @@
                 </a:outerShdw>
               </a:effectLst>
             </c:spPr>
+            <c:extLst>
+              <c:ext xmlns:c16="http://schemas.microsoft.com/office/drawing/2014/chart" uri="{C3380CC4-5D6E-409C-BE32-E72D297353CC}">
+                <c16:uniqueId val="{00000003-749E-4529-A1A6-5419C5DD7C65}"/>
+              </c:ext>
+            </c:extLst>
           </c:dPt>
           <c:dPt>
             <c:idx val="2"/>
             <c:bubble3D val="0"/>
             <c:spPr>
               <a:solidFill>
-                <a:schemeClr val="accent5">
-                  <a:shade val="86000"/>
-                </a:schemeClr>
+                <a:schemeClr val="accent3"/>
               </a:solidFill>
               <a:ln>
                 <a:noFill/>
@@ -228,15 +232,18 @@
                 </a:outerShdw>
               </a:effectLst>
             </c:spPr>
+            <c:extLst>
+              <c:ext xmlns:c16="http://schemas.microsoft.com/office/drawing/2014/chart" uri="{C3380CC4-5D6E-409C-BE32-E72D297353CC}">
+                <c16:uniqueId val="{00000005-749E-4529-A1A6-5419C5DD7C65}"/>
+              </c:ext>
+            </c:extLst>
           </c:dPt>
           <c:dPt>
             <c:idx val="3"/>
             <c:bubble3D val="0"/>
             <c:spPr>
               <a:solidFill>
-                <a:schemeClr val="accent5">
-                  <a:shade val="58000"/>
-                </a:schemeClr>
+                <a:schemeClr val="accent4"/>
               </a:solidFill>
               <a:ln>
                 <a:noFill/>
@@ -249,6 +256,11 @@
                 </a:outerShdw>
               </a:effectLst>
             </c:spPr>
+            <c:extLst>
+              <c:ext xmlns:c16="http://schemas.microsoft.com/office/drawing/2014/chart" uri="{C3380CC4-5D6E-409C-BE32-E72D297353CC}">
+                <c16:uniqueId val="{00000007-749E-4529-A1A6-5419C5DD7C65}"/>
+              </c:ext>
+            </c:extLst>
           </c:dPt>
           <c:dLbls>
             <c:spPr>
@@ -369,9 +381,7 @@
             <c:bubble3D val="0"/>
             <c:spPr>
               <a:solidFill>
-                <a:schemeClr val="accent5">
-                  <a:tint val="58000"/>
-                </a:schemeClr>
+                <a:schemeClr val="accent1"/>
               </a:solidFill>
               <a:ln>
                 <a:noFill/>
@@ -384,15 +394,18 @@
                 </a:outerShdw>
               </a:effectLst>
             </c:spPr>
+            <c:extLst>
+              <c:ext xmlns:c16="http://schemas.microsoft.com/office/drawing/2014/chart" uri="{C3380CC4-5D6E-409C-BE32-E72D297353CC}">
+                <c16:uniqueId val="{00000009-749E-4529-A1A6-5419C5DD7C65}"/>
+              </c:ext>
+            </c:extLst>
           </c:dPt>
           <c:dPt>
             <c:idx val="1"/>
             <c:bubble3D val="0"/>
             <c:spPr>
               <a:solidFill>
-                <a:schemeClr val="accent5">
-                  <a:tint val="86000"/>
-                </a:schemeClr>
+                <a:schemeClr val="accent2"/>
               </a:solidFill>
               <a:ln>
                 <a:noFill/>
@@ -405,15 +418,18 @@
                 </a:outerShdw>
               </a:effectLst>
             </c:spPr>
+            <c:extLst>
+              <c:ext xmlns:c16="http://schemas.microsoft.com/office/drawing/2014/chart" uri="{C3380CC4-5D6E-409C-BE32-E72D297353CC}">
+                <c16:uniqueId val="{0000000B-749E-4529-A1A6-5419C5DD7C65}"/>
+              </c:ext>
+            </c:extLst>
           </c:dPt>
           <c:dPt>
             <c:idx val="2"/>
             <c:bubble3D val="0"/>
             <c:spPr>
               <a:solidFill>
-                <a:schemeClr val="accent5">
-                  <a:shade val="86000"/>
-                </a:schemeClr>
+                <a:schemeClr val="accent3"/>
               </a:solidFill>
               <a:ln>
                 <a:noFill/>
@@ -426,15 +442,18 @@
                 </a:outerShdw>
               </a:effectLst>
             </c:spPr>
+            <c:extLst>
+              <c:ext xmlns:c16="http://schemas.microsoft.com/office/drawing/2014/chart" uri="{C3380CC4-5D6E-409C-BE32-E72D297353CC}">
+                <c16:uniqueId val="{0000000D-749E-4529-A1A6-5419C5DD7C65}"/>
+              </c:ext>
+            </c:extLst>
           </c:dPt>
           <c:dPt>
             <c:idx val="3"/>
             <c:bubble3D val="0"/>
             <c:spPr>
               <a:solidFill>
-                <a:schemeClr val="accent5">
-                  <a:shade val="58000"/>
-                </a:schemeClr>
+                <a:schemeClr val="accent4"/>
               </a:solidFill>
               <a:ln>
                 <a:noFill/>
@@ -447,6 +466,11 @@
                 </a:outerShdw>
               </a:effectLst>
             </c:spPr>
+            <c:extLst>
+              <c:ext xmlns:c16="http://schemas.microsoft.com/office/drawing/2014/chart" uri="{C3380CC4-5D6E-409C-BE32-E72D297353CC}">
+                <c16:uniqueId val="{0000000F-749E-4529-A1A6-5419C5DD7C65}"/>
+              </c:ext>
+            </c:extLst>
           </c:dPt>
           <c:dLbls>
             <c:spPr>
@@ -567,9 +591,7 @@
             <c:bubble3D val="0"/>
             <c:spPr>
               <a:solidFill>
-                <a:schemeClr val="accent5">
-                  <a:tint val="58000"/>
-                </a:schemeClr>
+                <a:schemeClr val="accent1"/>
               </a:solidFill>
               <a:ln>
                 <a:noFill/>
@@ -582,15 +604,18 @@
                 </a:outerShdw>
               </a:effectLst>
             </c:spPr>
+            <c:extLst>
+              <c:ext xmlns:c16="http://schemas.microsoft.com/office/drawing/2014/chart" uri="{C3380CC4-5D6E-409C-BE32-E72D297353CC}">
+                <c16:uniqueId val="{00000011-749E-4529-A1A6-5419C5DD7C65}"/>
+              </c:ext>
+            </c:extLst>
           </c:dPt>
           <c:dPt>
             <c:idx val="1"/>
             <c:bubble3D val="0"/>
             <c:spPr>
               <a:solidFill>
-                <a:schemeClr val="accent5">
-                  <a:tint val="86000"/>
-                </a:schemeClr>
+                <a:schemeClr val="accent2"/>
               </a:solidFill>
               <a:ln>
                 <a:noFill/>
@@ -603,15 +628,18 @@
                 </a:outerShdw>
               </a:effectLst>
             </c:spPr>
+            <c:extLst>
+              <c:ext xmlns:c16="http://schemas.microsoft.com/office/drawing/2014/chart" uri="{C3380CC4-5D6E-409C-BE32-E72D297353CC}">
+                <c16:uniqueId val="{00000013-749E-4529-A1A6-5419C5DD7C65}"/>
+              </c:ext>
+            </c:extLst>
           </c:dPt>
           <c:dPt>
             <c:idx val="2"/>
             <c:bubble3D val="0"/>
             <c:spPr>
               <a:solidFill>
-                <a:schemeClr val="accent5">
-                  <a:shade val="86000"/>
-                </a:schemeClr>
+                <a:schemeClr val="accent3"/>
               </a:solidFill>
               <a:ln>
                 <a:noFill/>
@@ -624,15 +652,18 @@
                 </a:outerShdw>
               </a:effectLst>
             </c:spPr>
+            <c:extLst>
+              <c:ext xmlns:c16="http://schemas.microsoft.com/office/drawing/2014/chart" uri="{C3380CC4-5D6E-409C-BE32-E72D297353CC}">
+                <c16:uniqueId val="{00000015-749E-4529-A1A6-5419C5DD7C65}"/>
+              </c:ext>
+            </c:extLst>
           </c:dPt>
           <c:dPt>
             <c:idx val="3"/>
             <c:bubble3D val="0"/>
             <c:spPr>
               <a:solidFill>
-                <a:schemeClr val="accent5">
-                  <a:shade val="58000"/>
-                </a:schemeClr>
+                <a:schemeClr val="accent4"/>
               </a:solidFill>
               <a:ln>
                 <a:noFill/>
@@ -645,6 +676,11 @@
                 </a:outerShdw>
               </a:effectLst>
             </c:spPr>
+            <c:extLst>
+              <c:ext xmlns:c16="http://schemas.microsoft.com/office/drawing/2014/chart" uri="{C3380CC4-5D6E-409C-BE32-E72D297353CC}">
+                <c16:uniqueId val="{00000017-749E-4529-A1A6-5419C5DD7C65}"/>
+              </c:ext>
+            </c:extLst>
           </c:dPt>
           <c:dLbls>
             <c:spPr>
@@ -844,8 +880,42 @@
 </file>
 
 <file path=ppt/charts/colors1.xml><?xml version="1.0" encoding="utf-8"?>
-<cs:colorStyle xmlns:cs="http://schemas.microsoft.com/office/drawing/2012/chartStyle" xmlns:a="http://schemas.openxmlformats.org/drawingml/2006/main" meth="withinLinearReversed" id="25">
+<cs:colorStyle xmlns:cs="http://schemas.microsoft.com/office/drawing/2012/chartStyle" xmlns:a="http://schemas.openxmlformats.org/drawingml/2006/main" meth="cycle" id="10">
+  <a:schemeClr val="accent1"/>
+  <a:schemeClr val="accent2"/>
+  <a:schemeClr val="accent3"/>
+  <a:schemeClr val="accent4"/>
   <a:schemeClr val="accent5"/>
+  <a:schemeClr val="accent6"/>
+  <cs:variation/>
+  <cs:variation>
+    <a:lumMod val="60000"/>
+  </cs:variation>
+  <cs:variation>
+    <a:lumMod val="80000"/>
+    <a:lumOff val="20000"/>
+  </cs:variation>
+  <cs:variation>
+    <a:lumMod val="80000"/>
+  </cs:variation>
+  <cs:variation>
+    <a:lumMod val="60000"/>
+    <a:lumOff val="40000"/>
+  </cs:variation>
+  <cs:variation>
+    <a:lumMod val="50000"/>
+  </cs:variation>
+  <cs:variation>
+    <a:lumMod val="70000"/>
+    <a:lumOff val="30000"/>
+  </cs:variation>
+  <cs:variation>
+    <a:lumMod val="70000"/>
+  </cs:variation>
+  <cs:variation>
+    <a:lumMod val="50000"/>
+    <a:lumOff val="50000"/>
+  </cs:variation>
 </cs:colorStyle>
 </file>
 
@@ -2520,12 +2590,12 @@
         </a:fontRef>
       </dsp:style>
       <dsp:txBody>
-        <a:bodyPr spcFirstLastPara="0" vert="horz" wrap="square" lIns="108014" tIns="36005" rIns="36005" bIns="36005" numCol="1" spcCol="1270" rtlCol="0" anchor="ctr" anchorCtr="0">
+        <a:bodyPr spcFirstLastPara="0" vert="horz" wrap="square" lIns="120015" tIns="40005" rIns="40005" bIns="40005" numCol="1" spcCol="1270" rtlCol="0" anchor="ctr" anchorCtr="0">
           <a:noAutofit/>
         </a:bodyPr>
         <a:lstStyle/>
         <a:p>
-          <a:pPr marL="0" lvl="0" indent="0" algn="ctr" defTabSz="1200150" rtl="0">
+          <a:pPr marL="0" lvl="0" indent="0" algn="ctr" defTabSz="1333500" rtl="0">
             <a:lnSpc>
               <a:spcPct val="90000"/>
             </a:lnSpc>
@@ -2538,7 +2608,7 @@
             <a:buNone/>
           </a:pPr>
           <a:r>
-            <a:rPr lang="pt-BR" sz="2700" kern="1200" noProof="0" dirty="0"/>
+            <a:rPr lang="pt-BR" sz="3000" kern="1200" noProof="0" dirty="0"/>
             <a:t>Título da etapa 1</a:t>
           </a:r>
         </a:p>
@@ -2599,12 +2669,12 @@
         </a:fontRef>
       </dsp:style>
       <dsp:txBody>
-        <a:bodyPr spcFirstLastPara="0" vert="horz" wrap="square" lIns="108014" tIns="36005" rIns="36005" bIns="36005" numCol="1" spcCol="1270" rtlCol="0" anchor="ctr" anchorCtr="0">
+        <a:bodyPr spcFirstLastPara="0" vert="horz" wrap="square" lIns="120015" tIns="40005" rIns="40005" bIns="40005" numCol="1" spcCol="1270" rtlCol="0" anchor="ctr" anchorCtr="0">
           <a:noAutofit/>
         </a:bodyPr>
         <a:lstStyle/>
         <a:p>
-          <a:pPr marL="0" lvl="0" indent="0" algn="ctr" defTabSz="1200150" rtl="0">
+          <a:pPr marL="0" lvl="0" indent="0" algn="ctr" defTabSz="1333500" rtl="0">
             <a:lnSpc>
               <a:spcPct val="90000"/>
             </a:lnSpc>
@@ -2617,7 +2687,7 @@
             <a:buNone/>
           </a:pPr>
           <a:r>
-            <a:rPr lang="pt-BR" sz="2700" kern="1200" noProof="0" dirty="0"/>
+            <a:rPr lang="pt-BR" sz="3000" kern="1200" noProof="0" dirty="0"/>
             <a:t>Título da etapa 2</a:t>
           </a:r>
         </a:p>
@@ -2678,12 +2748,12 @@
         </a:fontRef>
       </dsp:style>
       <dsp:txBody>
-        <a:bodyPr spcFirstLastPara="0" vert="horz" wrap="square" lIns="108014" tIns="36005" rIns="36005" bIns="36005" numCol="1" spcCol="1270" rtlCol="0" anchor="ctr" anchorCtr="0">
+        <a:bodyPr spcFirstLastPara="0" vert="horz" wrap="square" lIns="120015" tIns="40005" rIns="40005" bIns="40005" numCol="1" spcCol="1270" rtlCol="0" anchor="ctr" anchorCtr="0">
           <a:noAutofit/>
         </a:bodyPr>
         <a:lstStyle/>
         <a:p>
-          <a:pPr marL="0" lvl="0" indent="0" algn="ctr" defTabSz="1200150" rtl="0">
+          <a:pPr marL="0" lvl="0" indent="0" algn="ctr" defTabSz="1333500" rtl="0">
             <a:lnSpc>
               <a:spcPct val="90000"/>
             </a:lnSpc>
@@ -2696,7 +2766,7 @@
             <a:buNone/>
           </a:pPr>
           <a:r>
-            <a:rPr lang="pt-BR" sz="2700" kern="1200" noProof="0" dirty="0"/>
+            <a:rPr lang="pt-BR" sz="3000" kern="1200" noProof="0" dirty="0"/>
             <a:t>Título da etapa 3</a:t>
           </a:r>
         </a:p>
@@ -2757,12 +2827,12 @@
         </a:fontRef>
       </dsp:style>
       <dsp:txBody>
-        <a:bodyPr spcFirstLastPara="0" vert="horz" wrap="square" lIns="108014" tIns="36005" rIns="36005" bIns="36005" numCol="1" spcCol="1270" rtlCol="0" anchor="ctr" anchorCtr="0">
+        <a:bodyPr spcFirstLastPara="0" vert="horz" wrap="square" lIns="120015" tIns="40005" rIns="40005" bIns="40005" numCol="1" spcCol="1270" rtlCol="0" anchor="ctr" anchorCtr="0">
           <a:noAutofit/>
         </a:bodyPr>
         <a:lstStyle/>
         <a:p>
-          <a:pPr marL="0" lvl="0" indent="0" algn="ctr" defTabSz="1200150" rtl="0">
+          <a:pPr marL="0" lvl="0" indent="0" algn="ctr" defTabSz="1333500" rtl="0">
             <a:lnSpc>
               <a:spcPct val="90000"/>
             </a:lnSpc>
@@ -2775,7 +2845,7 @@
             <a:buNone/>
           </a:pPr>
           <a:r>
-            <a:rPr lang="pt-BR" sz="2700" kern="1200" noProof="0" dirty="0"/>
+            <a:rPr lang="pt-BR" sz="3000" kern="1200" noProof="0" dirty="0"/>
             <a:t>Título da etapa 4</a:t>
           </a:r>
         </a:p>
@@ -4190,7 +4260,7 @@
             <a:pPr rtl="0"/>
             <a:fld id="{F769B0D5-7F55-455B-B769-84B61581E250}" type="datetime1">
               <a:rPr lang="pt-BR" smtClean="0"/>
-              <a:t>29/03/2019</a:t>
+              <a:t>14/04/2019</a:t>
             </a:fld>
             <a:endParaRPr lang="pt-BR" dirty="0"/>
           </a:p>
@@ -4360,7 +4430,7 @@
             <a:pPr rtl="0"/>
             <a:fld id="{1AFE56F6-A70B-491B-A989-29E38C94819E}" type="datetime1">
               <a:rPr lang="pt-BR" noProof="0" smtClean="0"/>
-              <a:t>29/03/2019</a:t>
+              <a:t>14/04/2019</a:t>
             </a:fld>
             <a:endParaRPr lang="pt-BR" noProof="0" dirty="0"/>
           </a:p>
@@ -6349,7 +6419,7 @@
             <a:pPr rtl="0"/>
             <a:fld id="{ED540BCD-A9BE-4069-AF5C-2A3DFF693F79}" type="datetime1">
               <a:rPr lang="pt-BR" noProof="0" smtClean="0"/>
-              <a:t>29/03/2019</a:t>
+              <a:t>14/04/2019</a:t>
             </a:fld>
             <a:endParaRPr lang="pt-BR" noProof="0" dirty="0"/>
           </a:p>
@@ -6963,7 +7033,7 @@
             <a:pPr rtl="0"/>
             <a:fld id="{1CECCB52-40C2-4E99-85EA-E8A293866E2D}" type="datetime1">
               <a:rPr lang="pt-BR" noProof="0" smtClean="0"/>
-              <a:t>29/03/2019</a:t>
+              <a:t>14/04/2019</a:t>
             </a:fld>
             <a:endParaRPr lang="pt-BR" noProof="0" dirty="0"/>
           </a:p>
@@ -7152,7 +7222,7 @@
             <a:pPr rtl="0"/>
             <a:fld id="{E24EF33E-C11E-476F-ABF9-879EF9D37700}" type="datetime1">
               <a:rPr lang="pt-BR" noProof="0" smtClean="0"/>
-              <a:t>29/03/2019</a:t>
+              <a:t>14/04/2019</a:t>
             </a:fld>
             <a:endParaRPr lang="pt-BR" noProof="0" dirty="0"/>
           </a:p>
@@ -7491,7 +7561,7 @@
             <a:pPr rtl="0"/>
             <a:fld id="{AF3A9F66-FD54-49C7-9D08-483FEB75E766}" type="datetime1">
               <a:rPr lang="pt-BR" noProof="0" smtClean="0"/>
-              <a:t>29/03/2019</a:t>
+              <a:t>14/04/2019</a:t>
             </a:fld>
             <a:endParaRPr lang="pt-BR" noProof="0" dirty="0"/>
           </a:p>
@@ -7689,7 +7759,7 @@
             <a:pPr rtl="0"/>
             <a:fld id="{B76F022E-73DC-465B-A81F-663C39E9C6BC}" type="datetime1">
               <a:rPr lang="pt-BR" noProof="0" smtClean="0"/>
-              <a:t>29/03/2019</a:t>
+              <a:t>14/04/2019</a:t>
             </a:fld>
             <a:endParaRPr lang="pt-BR" noProof="0" dirty="0"/>
           </a:p>
@@ -8870,7 +8940,7 @@
             <a:pPr rtl="0"/>
             <a:fld id="{D032D7E7-0E3D-42EA-B60A-46262A5D0676}" type="datetime1">
               <a:rPr lang="pt-BR" noProof="0" smtClean="0"/>
-              <a:t>29/03/2019</a:t>
+              <a:t>14/04/2019</a:t>
             </a:fld>
             <a:endParaRPr lang="pt-BR" noProof="0" dirty="0"/>
           </a:p>
@@ -9260,7 +9330,7 @@
             <a:pPr rtl="0"/>
             <a:fld id="{A0DCB2DA-9F14-430D-AF4F-64B6EB5E00E7}" type="datetime1">
               <a:rPr lang="pt-BR" noProof="0" smtClean="0"/>
-              <a:t>29/03/2019</a:t>
+              <a:t>14/04/2019</a:t>
             </a:fld>
             <a:endParaRPr lang="pt-BR" noProof="0" dirty="0"/>
           </a:p>
@@ -9397,7 +9467,7 @@
             <a:pPr rtl="0"/>
             <a:fld id="{58A91CED-09DA-4ECE-92C8-759A4ED95185}" type="datetime1">
               <a:rPr lang="pt-BR" noProof="0" smtClean="0"/>
-              <a:t>29/03/2019</a:t>
+              <a:t>14/04/2019</a:t>
             </a:fld>
             <a:endParaRPr lang="pt-BR" noProof="0" dirty="0"/>
           </a:p>
@@ -9510,7 +9580,7 @@
             <a:pPr rtl="0"/>
             <a:fld id="{84518F8F-CA65-4BFD-A461-B66071DAF05B}" type="datetime1">
               <a:rPr lang="pt-BR" noProof="0" smtClean="0"/>
-              <a:t>29/03/2019</a:t>
+              <a:t>14/04/2019</a:t>
             </a:fld>
             <a:endParaRPr lang="pt-BR" noProof="0" dirty="0"/>
           </a:p>
@@ -9808,7 +9878,7 @@
             <a:pPr rtl="0"/>
             <a:fld id="{1FF51EBE-146A-4C5F-B6C5-AA4426FEB226}" type="datetime1">
               <a:rPr lang="pt-BR" noProof="0" smtClean="0"/>
-              <a:t>29/03/2019</a:t>
+              <a:t>14/04/2019</a:t>
             </a:fld>
             <a:endParaRPr lang="pt-BR" noProof="0" dirty="0"/>
           </a:p>
@@ -10192,7 +10262,7 @@
             <a:pPr rtl="0"/>
             <a:fld id="{AF879DE6-BF0A-412B-BA5D-89651B90F81D}" type="datetime1">
               <a:rPr lang="pt-BR" noProof="0" smtClean="0"/>
-              <a:t>29/03/2019</a:t>
+              <a:t>14/04/2019</a:t>
             </a:fld>
             <a:endParaRPr lang="pt-BR" noProof="0" dirty="0"/>
           </a:p>
@@ -10591,68 +10661,6 @@
           <a:chExt cx="0" cy="0"/>
         </a:xfrm>
       </p:grpSpPr>
-      <p:sp>
-        <p:nvSpPr>
-          <p:cNvPr id="2" name="Título 1"/>
-          <p:cNvSpPr>
-            <a:spLocks noGrp="1"/>
-          </p:cNvSpPr>
-          <p:nvPr>
-            <p:ph type="ctrTitle"/>
-          </p:nvPr>
-        </p:nvSpPr>
-        <p:spPr/>
-        <p:txBody>
-          <a:bodyPr rtlCol="0">
-            <a:normAutofit/>
-          </a:bodyPr>
-          <a:lstStyle/>
-          <a:p>
-            <a:pPr rtl="0"/>
-            <a:r>
-              <a:rPr lang="pt-BR" sz="6000" dirty="0">
-                <a:solidFill>
-                  <a:schemeClr val="tx1">
-                    <a:lumMod val="75000"/>
-                  </a:schemeClr>
-                </a:solidFill>
-                <a:latin typeface="Arial" panose="020B0604020202020204" pitchFamily="34" charset="0"/>
-                <a:cs typeface="Arial" panose="020B0604020202020204" pitchFamily="34" charset="0"/>
-              </a:rPr>
-              <a:t>LOGO</a:t>
-            </a:r>
-          </a:p>
-        </p:txBody>
-      </p:sp>
-      <p:sp>
-        <p:nvSpPr>
-          <p:cNvPr id="3" name="Subtítulo 2"/>
-          <p:cNvSpPr>
-            <a:spLocks noGrp="1"/>
-          </p:cNvSpPr>
-          <p:nvPr>
-            <p:ph type="subTitle" idx="1"/>
-          </p:nvPr>
-        </p:nvSpPr>
-        <p:spPr/>
-        <p:txBody>
-          <a:bodyPr rtlCol="0"/>
-          <a:lstStyle/>
-          <a:p>
-            <a:pPr rtl="0"/>
-            <a:r>
-              <a:rPr lang="pt-BR" dirty="0">
-                <a:solidFill>
-                  <a:schemeClr val="tx1">
-                    <a:lumMod val="75000"/>
-                  </a:schemeClr>
-                </a:solidFill>
-              </a:rPr>
-              <a:t>Slogan</a:t>
-            </a:r>
-          </a:p>
-        </p:txBody>
-      </p:sp>
       <p:pic>
         <p:nvPicPr>
           <p:cNvPr id="16" name="Espaço Reservado para Imagem 15" descr="Uma imagem contendo céu, ao ar livre, água, pessoa&#10;&#10;Descrição gerada automaticamente">
@@ -10681,6 +10689,72 @@
           </a:xfrm>
         </p:spPr>
       </p:pic>
+      <p:pic>
+        <p:nvPicPr>
+          <p:cNvPr id="7" name="Imagem 6">
+            <a:extLst>
+              <a:ext uri="{FF2B5EF4-FFF2-40B4-BE49-F238E27FC236}">
+                <a16:creationId xmlns:a16="http://schemas.microsoft.com/office/drawing/2014/main" id="{38A54163-7CFF-48B0-BF59-34DC25B5ACCE}"/>
+              </a:ext>
+            </a:extLst>
+          </p:cNvPr>
+          <p:cNvPicPr>
+            <a:picLocks noChangeAspect="1"/>
+          </p:cNvPicPr>
+          <p:nvPr/>
+        </p:nvPicPr>
+        <p:blipFill>
+          <a:blip r:embed="rId4"/>
+          <a:stretch>
+            <a:fillRect/>
+          </a:stretch>
+        </p:blipFill>
+        <p:spPr>
+          <a:xfrm>
+            <a:off x="567082" y="1863969"/>
+            <a:ext cx="5528918" cy="1959688"/>
+          </a:xfrm>
+          <a:prstGeom prst="rect">
+            <a:avLst/>
+          </a:prstGeom>
+        </p:spPr>
+      </p:pic>
+      <p:sp>
+        <p:nvSpPr>
+          <p:cNvPr id="3" name="Subtítulo 2"/>
+          <p:cNvSpPr>
+            <a:spLocks noGrp="1"/>
+          </p:cNvSpPr>
+          <p:nvPr>
+            <p:ph type="subTitle" idx="1"/>
+          </p:nvPr>
+        </p:nvSpPr>
+        <p:spPr>
+          <a:xfrm>
+            <a:off x="1649149" y="3296118"/>
+            <a:ext cx="4353066" cy="771790"/>
+          </a:xfrm>
+        </p:spPr>
+        <p:txBody>
+          <a:bodyPr rtlCol="0"/>
+          <a:lstStyle/>
+          <a:p>
+            <a:pPr rtl="0"/>
+            <a:r>
+              <a:rPr lang="pt-BR" b="1" dirty="0">
+                <a:solidFill>
+                  <a:schemeClr val="tx1">
+                    <a:lumMod val="75000"/>
+                  </a:schemeClr>
+                </a:solidFill>
+                <a:latin typeface="Segoe UI" panose="020B0502040204020203" pitchFamily="34" charset="0"/>
+                <a:cs typeface="Segoe UI" panose="020B0502040204020203" pitchFamily="34" charset="0"/>
+              </a:rPr>
+              <a:t>Soluções para produtividade</a:t>
+            </a:r>
+          </a:p>
+        </p:txBody>
+      </p:sp>
     </p:spTree>
     <p:extLst>
       <p:ext uri="{BB962C8B-B14F-4D97-AF65-F5344CB8AC3E}">
@@ -11211,7 +11285,7 @@
             <p:ph idx="1"/>
             <p:extLst>
               <p:ext uri="{D42A27DB-BD31-4B8C-83A1-F6EECF244321}">
-                <p14:modId xmlns:p14="http://schemas.microsoft.com/office/powerpoint/2010/main" val="3352398515"/>
+                <p14:modId xmlns:p14="http://schemas.microsoft.com/office/powerpoint/2010/main" val="3788173342"/>
               </p:ext>
             </p:extLst>
           </p:nvPr>
@@ -12079,9 +12153,9 @@
 <file path=ppt/theme/theme1.xml><?xml version="1.0" encoding="utf-8"?>
 <a:theme xmlns:a="http://schemas.openxmlformats.org/drawingml/2006/main" name="Direção de Vendas 16:9">
   <a:themeElements>
-    <a:clrScheme name="Personalizada 6">
+    <a:clrScheme name="Personalizada 2">
       <a:dk1>
-        <a:srgbClr val="BFBFBF"/>
+        <a:srgbClr val="3F3F3F"/>
       </a:dk1>
       <a:lt1>
         <a:sysClr val="window" lastClr="FFFFFF"/>
@@ -12093,40 +12167,100 @@
         <a:srgbClr val="F9F9F9"/>
       </a:lt2>
       <a:accent1>
-        <a:srgbClr val="23D5ED"/>
+        <a:srgbClr val="C7E1F0"/>
       </a:accent1>
       <a:accent2>
-        <a:srgbClr val="4971F1"/>
+        <a:srgbClr val="34A1C4"/>
       </a:accent2>
       <a:accent3>
-        <a:srgbClr val="EFC119"/>
+        <a:srgbClr val="227ABA"/>
       </a:accent3>
       <a:accent4>
-        <a:srgbClr val="969890"/>
+        <a:srgbClr val="5F5F5F"/>
       </a:accent4>
       <a:accent5>
         <a:srgbClr val="69E0E7"/>
       </a:accent5>
       <a:accent6>
-        <a:srgbClr val="C05A3A"/>
+        <a:srgbClr val="006095"/>
       </a:accent6>
       <a:hlink>
-        <a:srgbClr val="EFC119"/>
+        <a:srgbClr val="227ABA"/>
       </a:hlink>
       <a:folHlink>
         <a:srgbClr val="969890"/>
       </a:folHlink>
     </a:clrScheme>
-    <a:fontScheme name="Book Antiqua">
+    <a:fontScheme name="Calibri">
       <a:majorFont>
-        <a:latin typeface="Book Antiqua"/>
+        <a:latin typeface="Calibri" panose="020F0502020204030204"/>
         <a:ea typeface=""/>
         <a:cs typeface=""/>
+        <a:font script="Jpan" typeface="メイリオ"/>
+        <a:font script="Hang" typeface="맑은 고딕"/>
+        <a:font script="Hans" typeface="宋体"/>
+        <a:font script="Hant" typeface="新細明體"/>
+        <a:font script="Arab" typeface="Arial"/>
+        <a:font script="Hebr" typeface="Arial"/>
+        <a:font script="Thai" typeface="Cordia New"/>
+        <a:font script="Ethi" typeface="Nyala"/>
+        <a:font script="Beng" typeface="Vrinda"/>
+        <a:font script="Gujr" typeface="Shruti"/>
+        <a:font script="Khmr" typeface="DaunPenh"/>
+        <a:font script="Knda" typeface="Tunga"/>
+        <a:font script="Guru" typeface="Raavi"/>
+        <a:font script="Cans" typeface="Euphemia"/>
+        <a:font script="Cher" typeface="Plantagenet Cherokee"/>
+        <a:font script="Yiii" typeface="Microsoft Yi Baiti"/>
+        <a:font script="Tibt" typeface="Microsoft Himalaya"/>
+        <a:font script="Thaa" typeface="MV Boli"/>
+        <a:font script="Deva" typeface="Mangal"/>
+        <a:font script="Telu" typeface="Gautami"/>
+        <a:font script="Taml" typeface="Latha"/>
+        <a:font script="Syrc" typeface="Estrangelo Edessa"/>
+        <a:font script="Orya" typeface="Kalinga"/>
+        <a:font script="Mlym" typeface="Kartika"/>
+        <a:font script="Laoo" typeface="DokChampa"/>
+        <a:font script="Sinh" typeface="Iskoola Pota"/>
+        <a:font script="Mong" typeface="Mongolian Baiti"/>
+        <a:font script="Viet" typeface="Tahoma"/>
+        <a:font script="Uigh" typeface="Microsoft Uighur"/>
+        <a:font script="Geor" typeface="Sylfaen"/>
       </a:majorFont>
       <a:minorFont>
-        <a:latin typeface="Book Antiqua"/>
+        <a:latin typeface="Calibri" panose="020F0502020204030204"/>
         <a:ea typeface=""/>
         <a:cs typeface=""/>
+        <a:font script="Jpan" typeface="メイリオ"/>
+        <a:font script="Hang" typeface="맑은 고딕"/>
+        <a:font script="Hans" typeface="宋体"/>
+        <a:font script="Hant" typeface="新細明體"/>
+        <a:font script="Arab" typeface="Arial"/>
+        <a:font script="Hebr" typeface="Arial"/>
+        <a:font script="Thai" typeface="Cordia New"/>
+        <a:font script="Ethi" typeface="Nyala"/>
+        <a:font script="Beng" typeface="Vrinda"/>
+        <a:font script="Gujr" typeface="Shruti"/>
+        <a:font script="Khmr" typeface="DaunPenh"/>
+        <a:font script="Knda" typeface="Tunga"/>
+        <a:font script="Guru" typeface="Raavi"/>
+        <a:font script="Cans" typeface="Euphemia"/>
+        <a:font script="Cher" typeface="Plantagenet Cherokee"/>
+        <a:font script="Yiii" typeface="Microsoft Yi Baiti"/>
+        <a:font script="Tibt" typeface="Microsoft Himalaya"/>
+        <a:font script="Thaa" typeface="MV Boli"/>
+        <a:font script="Deva" typeface="Mangal"/>
+        <a:font script="Telu" typeface="Gautami"/>
+        <a:font script="Taml" typeface="Latha"/>
+        <a:font script="Syrc" typeface="Estrangelo Edessa"/>
+        <a:font script="Orya" typeface="Kalinga"/>
+        <a:font script="Mlym" typeface="Kartika"/>
+        <a:font script="Laoo" typeface="DokChampa"/>
+        <a:font script="Sinh" typeface="Iskoola Pota"/>
+        <a:font script="Mong" typeface="Mongolian Baiti"/>
+        <a:font script="Viet" typeface="Tahoma"/>
+        <a:font script="Uigh" typeface="Microsoft Uighur"/>
+        <a:font script="Geor" typeface="Sylfaen"/>
       </a:minorFont>
     </a:fontScheme>
     <a:fmtScheme name="Office">

--- a/documentacao/PowerPoint.pptx
+++ b/documentacao/PowerPoint.pptx
@@ -5,25 +5,26 @@
     <p:sldMasterId id="2147483648" r:id="rId1"/>
   </p:sldMasterIdLst>
   <p:notesMasterIdLst>
-    <p:notesMasterId r:id="rId15"/>
+    <p:notesMasterId r:id="rId16"/>
   </p:notesMasterIdLst>
   <p:handoutMasterIdLst>
-    <p:handoutMasterId r:id="rId16"/>
+    <p:handoutMasterId r:id="rId17"/>
   </p:handoutMasterIdLst>
   <p:sldIdLst>
     <p:sldId id="257" r:id="rId2"/>
     <p:sldId id="258" r:id="rId3"/>
     <p:sldId id="259" r:id="rId4"/>
-    <p:sldId id="260" r:id="rId5"/>
-    <p:sldId id="261" r:id="rId6"/>
-    <p:sldId id="262" r:id="rId7"/>
-    <p:sldId id="263" r:id="rId8"/>
-    <p:sldId id="264" r:id="rId9"/>
-    <p:sldId id="265" r:id="rId10"/>
-    <p:sldId id="266" r:id="rId11"/>
-    <p:sldId id="267" r:id="rId12"/>
-    <p:sldId id="268" r:id="rId13"/>
-    <p:sldId id="269" r:id="rId14"/>
+    <p:sldId id="270" r:id="rId5"/>
+    <p:sldId id="260" r:id="rId6"/>
+    <p:sldId id="261" r:id="rId7"/>
+    <p:sldId id="262" r:id="rId8"/>
+    <p:sldId id="263" r:id="rId9"/>
+    <p:sldId id="264" r:id="rId10"/>
+    <p:sldId id="265" r:id="rId11"/>
+    <p:sldId id="266" r:id="rId12"/>
+    <p:sldId id="267" r:id="rId13"/>
+    <p:sldId id="268" r:id="rId14"/>
+    <p:sldId id="269" r:id="rId15"/>
   </p:sldIdLst>
   <p:sldSz cx="12192000" cy="6858000"/>
   <p:notesSz cx="6858000" cy="9144000"/>
@@ -312,7 +313,9 @@
               </c:spPr>
             </c:leaderLines>
             <c:extLst>
-              <c:ext xmlns:c15="http://schemas.microsoft.com/office/drawing/2012/chart" uri="{CE6537A1-D6FC-4f65-9D91-7224C49458BB}"/>
+              <c:ext xmlns:c15="http://schemas.microsoft.com/office/drawing/2012/chart" uri="{CE6537A1-D6FC-4f65-9D91-7224C49458BB}">
+                <c15:layout/>
+              </c:ext>
             </c:extLst>
           </c:dLbls>
           <c:cat>
@@ -804,6 +807,7 @@
     </c:plotArea>
     <c:legend>
       <c:legendPos val="b"/>
+      <c:layout/>
       <c:overlay val="0"/>
       <c:spPr>
         <a:solidFill>
@@ -2459,6 +2463,13 @@
         </dgm:presLayoutVars>
       </dgm:prSet>
       <dgm:spPr/>
+      <dgm:t>
+        <a:bodyPr/>
+        <a:lstStyle/>
+        <a:p>
+          <a:endParaRPr lang="pt-BR"/>
+        </a:p>
+      </dgm:t>
     </dgm:pt>
     <dgm:pt modelId="{705DFC51-4C30-4A07-9F0C-6EB770961C6F}" type="pres">
       <dgm:prSet presAssocID="{6CFF1BD9-AE1F-4488-8B72-01186EADA6FF}" presName="parTxOnlySpace" presStyleCnt="0"/>
@@ -2473,6 +2484,13 @@
         </dgm:presLayoutVars>
       </dgm:prSet>
       <dgm:spPr/>
+      <dgm:t>
+        <a:bodyPr/>
+        <a:lstStyle/>
+        <a:p>
+          <a:endParaRPr lang="pt-BR"/>
+        </a:p>
+      </dgm:t>
     </dgm:pt>
     <dgm:pt modelId="{01C6BCDE-530E-4D03-9CF5-9AB36CDC1FE1}" type="pres">
       <dgm:prSet presAssocID="{E1826C46-15A2-4345-B986-53D05F21F155}" presName="parTxOnlySpace" presStyleCnt="0"/>
@@ -2487,6 +2505,13 @@
         </dgm:presLayoutVars>
       </dgm:prSet>
       <dgm:spPr/>
+      <dgm:t>
+        <a:bodyPr/>
+        <a:lstStyle/>
+        <a:p>
+          <a:endParaRPr lang="pt-BR"/>
+        </a:p>
+      </dgm:t>
     </dgm:pt>
     <dgm:pt modelId="{8CB78EC1-7B74-4B6E-94C6-5F808A049A1F}" type="pres">
       <dgm:prSet presAssocID="{B6438016-7365-4FC0-A372-D90585B4B6EE}" presName="parTxOnlySpace" presStyleCnt="0"/>
@@ -2501,18 +2526,25 @@
         </dgm:presLayoutVars>
       </dgm:prSet>
       <dgm:spPr/>
+      <dgm:t>
+        <a:bodyPr/>
+        <a:lstStyle/>
+        <a:p>
+          <a:endParaRPr lang="pt-BR"/>
+        </a:p>
+      </dgm:t>
     </dgm:pt>
   </dgm:ptLst>
   <dgm:cxnLst>
+    <dgm:cxn modelId="{B8B909D0-D4F6-48D4-81DA-A58F34AE3646}" srcId="{44156040-AF98-4F2C-9909-9F2439F6F588}" destId="{A8B05E70-CCF1-4080-8EEE-6873C9D4B630}" srcOrd="2" destOrd="0" parTransId="{11D1F3D3-0002-4131-9F84-22FBF8692DA9}" sibTransId="{B6438016-7365-4FC0-A372-D90585B4B6EE}"/>
+    <dgm:cxn modelId="{777DC3C6-D336-4C94-A624-E5582A07ECAA}" srcId="{44156040-AF98-4F2C-9909-9F2439F6F588}" destId="{42147153-A6C2-4177-BA7D-2ACCC2C1B2F7}" srcOrd="3" destOrd="0" parTransId="{C6F68745-4C20-4204-96A6-585691399C14}" sibTransId="{0C6B132F-0347-46BA-86A4-3FAFB6676411}"/>
     <dgm:cxn modelId="{BF4A375F-A05B-45C3-9731-23DBACB9FC02}" type="presOf" srcId="{12E26E22-71B0-4386-A84F-ABF2FF66A99F}" destId="{919A589F-F74A-40C3-BE88-AB8730BCAB04}" srcOrd="0" destOrd="0" presId="urn:microsoft.com/office/officeart/2005/8/layout/chevron1"/>
     <dgm:cxn modelId="{B0E2386F-A443-4201-8130-FB9CC25AA154}" srcId="{44156040-AF98-4F2C-9909-9F2439F6F588}" destId="{74020AF3-C700-4606-8917-C6A353D7963A}" srcOrd="0" destOrd="0" parTransId="{87D99D21-0B4A-4259-89FB-0E5941CB535C}" sibTransId="{6CFF1BD9-AE1F-4488-8B72-01186EADA6FF}"/>
+    <dgm:cxn modelId="{937639B3-2352-48E4-A96B-F63DF2119D92}" srcId="{44156040-AF98-4F2C-9909-9F2439F6F588}" destId="{12E26E22-71B0-4386-A84F-ABF2FF66A99F}" srcOrd="1" destOrd="0" parTransId="{3A6CB3CB-0F71-4CA8-93AA-0E3E3D59D313}" sibTransId="{E1826C46-15A2-4345-B986-53D05F21F155}"/>
     <dgm:cxn modelId="{BB4F9699-C9DE-46C4-A04B-CD52EF57D4C5}" type="presOf" srcId="{74020AF3-C700-4606-8917-C6A353D7963A}" destId="{881B8FEC-9D20-4669-BB2E-FA9CEA0BE5A9}" srcOrd="0" destOrd="0" presId="urn:microsoft.com/office/officeart/2005/8/layout/chevron1"/>
+    <dgm:cxn modelId="{383A5CFE-2D64-4002-A7C0-1E621409BFD6}" type="presOf" srcId="{44156040-AF98-4F2C-9909-9F2439F6F588}" destId="{1C61A9A2-33F2-469B-8AC4-A104A5A98D78}" srcOrd="0" destOrd="0" presId="urn:microsoft.com/office/officeart/2005/8/layout/chevron1"/>
     <dgm:cxn modelId="{9E75EA9C-2122-47C1-897A-5BBDE8D78AC4}" type="presOf" srcId="{A8B05E70-CCF1-4080-8EEE-6873C9D4B630}" destId="{268F2328-4548-422B-9C65-80797E16B241}" srcOrd="0" destOrd="0" presId="urn:microsoft.com/office/officeart/2005/8/layout/chevron1"/>
-    <dgm:cxn modelId="{937639B3-2352-48E4-A96B-F63DF2119D92}" srcId="{44156040-AF98-4F2C-9909-9F2439F6F588}" destId="{12E26E22-71B0-4386-A84F-ABF2FF66A99F}" srcOrd="1" destOrd="0" parTransId="{3A6CB3CB-0F71-4CA8-93AA-0E3E3D59D313}" sibTransId="{E1826C46-15A2-4345-B986-53D05F21F155}"/>
     <dgm:cxn modelId="{37A858B6-D71C-4E86-A467-E8D17167DE19}" type="presOf" srcId="{42147153-A6C2-4177-BA7D-2ACCC2C1B2F7}" destId="{BDD0B0F7-A87C-4B5B-A4C3-4E4BE6EB0FE4}" srcOrd="0" destOrd="0" presId="urn:microsoft.com/office/officeart/2005/8/layout/chevron1"/>
-    <dgm:cxn modelId="{777DC3C6-D336-4C94-A624-E5582A07ECAA}" srcId="{44156040-AF98-4F2C-9909-9F2439F6F588}" destId="{42147153-A6C2-4177-BA7D-2ACCC2C1B2F7}" srcOrd="3" destOrd="0" parTransId="{C6F68745-4C20-4204-96A6-585691399C14}" sibTransId="{0C6B132F-0347-46BA-86A4-3FAFB6676411}"/>
-    <dgm:cxn modelId="{B8B909D0-D4F6-48D4-81DA-A58F34AE3646}" srcId="{44156040-AF98-4F2C-9909-9F2439F6F588}" destId="{A8B05E70-CCF1-4080-8EEE-6873C9D4B630}" srcOrd="2" destOrd="0" parTransId="{11D1F3D3-0002-4131-9F84-22FBF8692DA9}" sibTransId="{B6438016-7365-4FC0-A372-D90585B4B6EE}"/>
-    <dgm:cxn modelId="{383A5CFE-2D64-4002-A7C0-1E621409BFD6}" type="presOf" srcId="{44156040-AF98-4F2C-9909-9F2439F6F588}" destId="{1C61A9A2-33F2-469B-8AC4-A104A5A98D78}" srcOrd="0" destOrd="0" presId="urn:microsoft.com/office/officeart/2005/8/layout/chevron1"/>
     <dgm:cxn modelId="{EDA037DE-3D60-46A9-9DDB-074A05981F8D}" type="presParOf" srcId="{1C61A9A2-33F2-469B-8AC4-A104A5A98D78}" destId="{881B8FEC-9D20-4669-BB2E-FA9CEA0BE5A9}" srcOrd="0" destOrd="0" presId="urn:microsoft.com/office/officeart/2005/8/layout/chevron1"/>
     <dgm:cxn modelId="{8F2A48B2-4519-4F7D-931D-1EB2DDCF4663}" type="presParOf" srcId="{1C61A9A2-33F2-469B-8AC4-A104A5A98D78}" destId="{705DFC51-4C30-4A07-9F0C-6EB770961C6F}" srcOrd="1" destOrd="0" presId="urn:microsoft.com/office/officeart/2005/8/layout/chevron1"/>
     <dgm:cxn modelId="{A8C49188-74D0-46A6-A671-569711775D6B}" type="presParOf" srcId="{1C61A9A2-33F2-469B-8AC4-A104A5A98D78}" destId="{919A589F-F74A-40C3-BE88-AB8730BCAB04}" srcOrd="2" destOrd="0" presId="urn:microsoft.com/office/officeart/2005/8/layout/chevron1"/>
@@ -2595,7 +2627,7 @@
         </a:bodyPr>
         <a:lstStyle/>
         <a:p>
-          <a:pPr marL="0" lvl="0" indent="0" algn="ctr" defTabSz="1333500" rtl="0">
+          <a:pPr lvl="0" algn="ctr" defTabSz="1333500" rtl="0">
             <a:lnSpc>
               <a:spcPct val="90000"/>
             </a:lnSpc>
@@ -2605,7 +2637,6 @@
             <a:spcAft>
               <a:spcPct val="35000"/>
             </a:spcAft>
-            <a:buNone/>
           </a:pPr>
           <a:r>
             <a:rPr lang="pt-BR" sz="3000" kern="1200" noProof="0" dirty="0"/>
@@ -2674,7 +2705,7 @@
         </a:bodyPr>
         <a:lstStyle/>
         <a:p>
-          <a:pPr marL="0" lvl="0" indent="0" algn="ctr" defTabSz="1333500" rtl="0">
+          <a:pPr lvl="0" algn="ctr" defTabSz="1333500" rtl="0">
             <a:lnSpc>
               <a:spcPct val="90000"/>
             </a:lnSpc>
@@ -2684,7 +2715,6 @@
             <a:spcAft>
               <a:spcPct val="35000"/>
             </a:spcAft>
-            <a:buNone/>
           </a:pPr>
           <a:r>
             <a:rPr lang="pt-BR" sz="3000" kern="1200" noProof="0" dirty="0"/>
@@ -2753,7 +2783,7 @@
         </a:bodyPr>
         <a:lstStyle/>
         <a:p>
-          <a:pPr marL="0" lvl="0" indent="0" algn="ctr" defTabSz="1333500" rtl="0">
+          <a:pPr lvl="0" algn="ctr" defTabSz="1333500" rtl="0">
             <a:lnSpc>
               <a:spcPct val="90000"/>
             </a:lnSpc>
@@ -2763,7 +2793,6 @@
             <a:spcAft>
               <a:spcPct val="35000"/>
             </a:spcAft>
-            <a:buNone/>
           </a:pPr>
           <a:r>
             <a:rPr lang="pt-BR" sz="3000" kern="1200" noProof="0" dirty="0"/>
@@ -2832,7 +2861,7 @@
         </a:bodyPr>
         <a:lstStyle/>
         <a:p>
-          <a:pPr marL="0" lvl="0" indent="0" algn="ctr" defTabSz="1333500" rtl="0">
+          <a:pPr lvl="0" algn="ctr" defTabSz="1333500" rtl="0">
             <a:lnSpc>
               <a:spcPct val="90000"/>
             </a:lnSpc>
@@ -2842,7 +2871,6 @@
             <a:spcAft>
               <a:spcPct val="35000"/>
             </a:spcAft>
-            <a:buNone/>
           </a:pPr>
           <a:r>
             <a:rPr lang="pt-BR" sz="3000" kern="1200" noProof="0" dirty="0"/>
@@ -4260,7 +4288,7 @@
             <a:pPr rtl="0"/>
             <a:fld id="{F769B0D5-7F55-455B-B769-84B61581E250}" type="datetime1">
               <a:rPr lang="pt-BR" smtClean="0"/>
-              <a:t>14/04/2019</a:t>
+              <a:t>15/04/2019</a:t>
             </a:fld>
             <a:endParaRPr lang="pt-BR" dirty="0"/>
           </a:p>
@@ -4430,7 +4458,7 @@
             <a:pPr rtl="0"/>
             <a:fld id="{1AFE56F6-A70B-491B-A989-29E38C94819E}" type="datetime1">
               <a:rPr lang="pt-BR" noProof="0" smtClean="0"/>
-              <a:t>14/04/2019</a:t>
+              <a:t>15/04/2019</a:t>
             </a:fld>
             <a:endParaRPr lang="pt-BR" noProof="0" dirty="0"/>
           </a:p>
@@ -4872,7 +4900,7 @@
     </p:spTree>
     <p:extLst>
       <p:ext uri="{BB962C8B-B14F-4D97-AF65-F5344CB8AC3E}">
-        <p14:creationId xmlns:p14="http://schemas.microsoft.com/office/powerpoint/2010/main" val="3584379344"/>
+        <p14:creationId xmlns:p14="http://schemas.microsoft.com/office/powerpoint/2010/main" val="1405629098"/>
       </p:ext>
     </p:extLst>
   </p:cSld>
@@ -4957,7 +4985,7 @@
     </p:spTree>
     <p:extLst>
       <p:ext uri="{BB962C8B-B14F-4D97-AF65-F5344CB8AC3E}">
-        <p14:creationId xmlns:p14="http://schemas.microsoft.com/office/powerpoint/2010/main" val="180770049"/>
+        <p14:creationId xmlns:p14="http://schemas.microsoft.com/office/powerpoint/2010/main" val="3584379344"/>
       </p:ext>
     </p:extLst>
   </p:cSld>
@@ -5042,7 +5070,7 @@
     </p:spTree>
     <p:extLst>
       <p:ext uri="{BB962C8B-B14F-4D97-AF65-F5344CB8AC3E}">
-        <p14:creationId xmlns:p14="http://schemas.microsoft.com/office/powerpoint/2010/main" val="791221967"/>
+        <p14:creationId xmlns:p14="http://schemas.microsoft.com/office/powerpoint/2010/main" val="180770049"/>
       </p:ext>
     </p:extLst>
   </p:cSld>
@@ -5119,6 +5147,91 @@
             <a:fld id="{1B9A179D-2D27-49E2-B022-8EDDA2EFE682}" type="slidenum">
               <a:rPr lang="pt-BR" smtClean="0"/>
               <a:t>13</a:t>
+            </a:fld>
+            <a:endParaRPr lang="pt-BR" dirty="0"/>
+          </a:p>
+        </p:txBody>
+      </p:sp>
+    </p:spTree>
+    <p:extLst>
+      <p:ext uri="{BB962C8B-B14F-4D97-AF65-F5344CB8AC3E}">
+        <p14:creationId xmlns:p14="http://schemas.microsoft.com/office/powerpoint/2010/main" val="791221967"/>
+      </p:ext>
+    </p:extLst>
+  </p:cSld>
+  <p:clrMapOvr>
+    <a:masterClrMapping/>
+  </p:clrMapOvr>
+</p:notes>
+</file>
+
+<file path=ppt/notesSlides/notesSlide14.xml><?xml version="1.0" encoding="utf-8"?>
+<p:notes xmlns:a="http://schemas.openxmlformats.org/drawingml/2006/main" xmlns:r="http://schemas.openxmlformats.org/officeDocument/2006/relationships" xmlns:p="http://schemas.openxmlformats.org/presentationml/2006/main">
+  <p:cSld>
+    <p:spTree>
+      <p:nvGrpSpPr>
+        <p:cNvPr id="1" name=""/>
+        <p:cNvGrpSpPr/>
+        <p:nvPr/>
+      </p:nvGrpSpPr>
+      <p:grpSpPr>
+        <a:xfrm>
+          <a:off x="0" y="0"/>
+          <a:ext cx="0" cy="0"/>
+          <a:chOff x="0" y="0"/>
+          <a:chExt cx="0" cy="0"/>
+        </a:xfrm>
+      </p:grpSpPr>
+      <p:sp>
+        <p:nvSpPr>
+          <p:cNvPr id="2" name="Espaço Reservado para Imagem de Slide 1"/>
+          <p:cNvSpPr>
+            <a:spLocks noGrp="1" noRot="1" noChangeAspect="1"/>
+          </p:cNvSpPr>
+          <p:nvPr>
+            <p:ph type="sldImg"/>
+          </p:nvPr>
+        </p:nvSpPr>
+        <p:spPr/>
+      </p:sp>
+      <p:sp>
+        <p:nvSpPr>
+          <p:cNvPr id="3" name="Espaço Reservado para Anotações 2"/>
+          <p:cNvSpPr>
+            <a:spLocks noGrp="1"/>
+          </p:cNvSpPr>
+          <p:nvPr>
+            <p:ph type="body" idx="1"/>
+          </p:nvPr>
+        </p:nvSpPr>
+        <p:spPr/>
+        <p:txBody>
+          <a:bodyPr/>
+          <a:lstStyle/>
+          <a:p>
+            <a:endParaRPr lang="pt-BR" dirty="0"/>
+          </a:p>
+        </p:txBody>
+      </p:sp>
+      <p:sp>
+        <p:nvSpPr>
+          <p:cNvPr id="4" name="Espaço Reservado para Número de Slide 3"/>
+          <p:cNvSpPr>
+            <a:spLocks noGrp="1"/>
+          </p:cNvSpPr>
+          <p:nvPr>
+            <p:ph type="sldNum" sz="quarter" idx="10"/>
+          </p:nvPr>
+        </p:nvSpPr>
+        <p:spPr/>
+        <p:txBody>
+          <a:bodyPr/>
+          <a:lstStyle/>
+          <a:p>
+            <a:pPr rtl="0"/>
+            <a:fld id="{1B9A179D-2D27-49E2-B022-8EDDA2EFE682}" type="slidenum">
+              <a:rPr lang="pt-BR" smtClean="0"/>
+              <a:t>14</a:t>
             </a:fld>
             <a:endParaRPr lang="pt-BR" dirty="0"/>
           </a:p>
@@ -5382,7 +5495,7 @@
     </p:spTree>
     <p:extLst>
       <p:ext uri="{BB962C8B-B14F-4D97-AF65-F5344CB8AC3E}">
-        <p14:creationId xmlns:p14="http://schemas.microsoft.com/office/powerpoint/2010/main" val="3579125351"/>
+        <p14:creationId xmlns:p14="http://schemas.microsoft.com/office/powerpoint/2010/main" val="3851932273"/>
       </p:ext>
     </p:extLst>
   </p:cSld>
@@ -5467,7 +5580,7 @@
     </p:spTree>
     <p:extLst>
       <p:ext uri="{BB962C8B-B14F-4D97-AF65-F5344CB8AC3E}">
-        <p14:creationId xmlns:p14="http://schemas.microsoft.com/office/powerpoint/2010/main" val="715395530"/>
+        <p14:creationId xmlns:p14="http://schemas.microsoft.com/office/powerpoint/2010/main" val="3579125351"/>
       </p:ext>
     </p:extLst>
   </p:cSld>
@@ -5552,7 +5665,7 @@
     </p:spTree>
     <p:extLst>
       <p:ext uri="{BB962C8B-B14F-4D97-AF65-F5344CB8AC3E}">
-        <p14:creationId xmlns:p14="http://schemas.microsoft.com/office/powerpoint/2010/main" val="730316551"/>
+        <p14:creationId xmlns:p14="http://schemas.microsoft.com/office/powerpoint/2010/main" val="715395530"/>
       </p:ext>
     </p:extLst>
   </p:cSld>
@@ -5637,7 +5750,7 @@
     </p:spTree>
     <p:extLst>
       <p:ext uri="{BB962C8B-B14F-4D97-AF65-F5344CB8AC3E}">
-        <p14:creationId xmlns:p14="http://schemas.microsoft.com/office/powerpoint/2010/main" val="4155057352"/>
+        <p14:creationId xmlns:p14="http://schemas.microsoft.com/office/powerpoint/2010/main" val="730316551"/>
       </p:ext>
     </p:extLst>
   </p:cSld>
@@ -5722,7 +5835,7 @@
     </p:spTree>
     <p:extLst>
       <p:ext uri="{BB962C8B-B14F-4D97-AF65-F5344CB8AC3E}">
-        <p14:creationId xmlns:p14="http://schemas.microsoft.com/office/powerpoint/2010/main" val="3094019052"/>
+        <p14:creationId xmlns:p14="http://schemas.microsoft.com/office/powerpoint/2010/main" val="4155057352"/>
       </p:ext>
     </p:extLst>
   </p:cSld>
@@ -5807,7 +5920,7 @@
     </p:spTree>
     <p:extLst>
       <p:ext uri="{BB962C8B-B14F-4D97-AF65-F5344CB8AC3E}">
-        <p14:creationId xmlns:p14="http://schemas.microsoft.com/office/powerpoint/2010/main" val="1405629098"/>
+        <p14:creationId xmlns:p14="http://schemas.microsoft.com/office/powerpoint/2010/main" val="3094019052"/>
       </p:ext>
     </p:extLst>
   </p:cSld>
@@ -6419,7 +6532,7 @@
             <a:pPr rtl="0"/>
             <a:fld id="{ED540BCD-A9BE-4069-AF5C-2A3DFF693F79}" type="datetime1">
               <a:rPr lang="pt-BR" noProof="0" smtClean="0"/>
-              <a:t>14/04/2019</a:t>
+              <a:t>15/04/2019</a:t>
             </a:fld>
             <a:endParaRPr lang="pt-BR" noProof="0" dirty="0"/>
           </a:p>
@@ -7033,7 +7146,7 @@
             <a:pPr rtl="0"/>
             <a:fld id="{1CECCB52-40C2-4E99-85EA-E8A293866E2D}" type="datetime1">
               <a:rPr lang="pt-BR" noProof="0" smtClean="0"/>
-              <a:t>14/04/2019</a:t>
+              <a:t>15/04/2019</a:t>
             </a:fld>
             <a:endParaRPr lang="pt-BR" noProof="0" dirty="0"/>
           </a:p>
@@ -7222,7 +7335,7 @@
             <a:pPr rtl="0"/>
             <a:fld id="{E24EF33E-C11E-476F-ABF9-879EF9D37700}" type="datetime1">
               <a:rPr lang="pt-BR" noProof="0" smtClean="0"/>
-              <a:t>14/04/2019</a:t>
+              <a:t>15/04/2019</a:t>
             </a:fld>
             <a:endParaRPr lang="pt-BR" noProof="0" dirty="0"/>
           </a:p>
@@ -7561,7 +7674,7 @@
             <a:pPr rtl="0"/>
             <a:fld id="{AF3A9F66-FD54-49C7-9D08-483FEB75E766}" type="datetime1">
               <a:rPr lang="pt-BR" noProof="0" smtClean="0"/>
-              <a:t>14/04/2019</a:t>
+              <a:t>15/04/2019</a:t>
             </a:fld>
             <a:endParaRPr lang="pt-BR" noProof="0" dirty="0"/>
           </a:p>
@@ -7759,7 +7872,7 @@
             <a:pPr rtl="0"/>
             <a:fld id="{B76F022E-73DC-465B-A81F-663C39E9C6BC}" type="datetime1">
               <a:rPr lang="pt-BR" noProof="0" smtClean="0"/>
-              <a:t>14/04/2019</a:t>
+              <a:t>15/04/2019</a:t>
             </a:fld>
             <a:endParaRPr lang="pt-BR" noProof="0" dirty="0"/>
           </a:p>
@@ -8940,7 +9053,7 @@
             <a:pPr rtl="0"/>
             <a:fld id="{D032D7E7-0E3D-42EA-B60A-46262A5D0676}" type="datetime1">
               <a:rPr lang="pt-BR" noProof="0" smtClean="0"/>
-              <a:t>14/04/2019</a:t>
+              <a:t>15/04/2019</a:t>
             </a:fld>
             <a:endParaRPr lang="pt-BR" noProof="0" dirty="0"/>
           </a:p>
@@ -9330,7 +9443,7 @@
             <a:pPr rtl="0"/>
             <a:fld id="{A0DCB2DA-9F14-430D-AF4F-64B6EB5E00E7}" type="datetime1">
               <a:rPr lang="pt-BR" noProof="0" smtClean="0"/>
-              <a:t>14/04/2019</a:t>
+              <a:t>15/04/2019</a:t>
             </a:fld>
             <a:endParaRPr lang="pt-BR" noProof="0" dirty="0"/>
           </a:p>
@@ -9467,7 +9580,7 @@
             <a:pPr rtl="0"/>
             <a:fld id="{58A91CED-09DA-4ECE-92C8-759A4ED95185}" type="datetime1">
               <a:rPr lang="pt-BR" noProof="0" smtClean="0"/>
-              <a:t>14/04/2019</a:t>
+              <a:t>15/04/2019</a:t>
             </a:fld>
             <a:endParaRPr lang="pt-BR" noProof="0" dirty="0"/>
           </a:p>
@@ -9580,7 +9693,7 @@
             <a:pPr rtl="0"/>
             <a:fld id="{84518F8F-CA65-4BFD-A461-B66071DAF05B}" type="datetime1">
               <a:rPr lang="pt-BR" noProof="0" smtClean="0"/>
-              <a:t>14/04/2019</a:t>
+              <a:t>15/04/2019</a:t>
             </a:fld>
             <a:endParaRPr lang="pt-BR" noProof="0" dirty="0"/>
           </a:p>
@@ -9878,7 +9991,7 @@
             <a:pPr rtl="0"/>
             <a:fld id="{1FF51EBE-146A-4C5F-B6C5-AA4426FEB226}" type="datetime1">
               <a:rPr lang="pt-BR" noProof="0" smtClean="0"/>
-              <a:t>14/04/2019</a:t>
+              <a:t>15/04/2019</a:t>
             </a:fld>
             <a:endParaRPr lang="pt-BR" noProof="0" dirty="0"/>
           </a:p>
@@ -10262,7 +10375,7 @@
             <a:pPr rtl="0"/>
             <a:fld id="{AF879DE6-BF0A-412B-BA5D-89651B90F81D}" type="datetime1">
               <a:rPr lang="pt-BR" noProof="0" smtClean="0"/>
-              <a:t>14/04/2019</a:t>
+              <a:t>15/04/2019</a:t>
             </a:fld>
             <a:endParaRPr lang="pt-BR" noProof="0" dirty="0"/>
           </a:p>
@@ -10797,10 +10910,33 @@
           <a:chExt cx="0" cy="0"/>
         </a:xfrm>
       </p:grpSpPr>
+      <p:sp>
+        <p:nvSpPr>
+          <p:cNvPr id="2" name="Título 1"/>
+          <p:cNvSpPr>
+            <a:spLocks noGrp="1"/>
+          </p:cNvSpPr>
+          <p:nvPr>
+            <p:ph type="title"/>
+          </p:nvPr>
+        </p:nvSpPr>
+        <p:spPr/>
+        <p:txBody>
+          <a:bodyPr rtlCol="0"/>
+          <a:lstStyle/>
+          <a:p>
+            <a:pPr rtl="0"/>
+            <a:r>
+              <a:rPr lang="pt-BR" dirty="0"/>
+              <a:t>Adicionar título de slide – 4</a:t>
+            </a:r>
+          </a:p>
+        </p:txBody>
+      </p:sp>
     </p:spTree>
     <p:extLst>
       <p:ext uri="{BB962C8B-B14F-4D97-AF65-F5344CB8AC3E}">
-        <p14:creationId xmlns:p14="http://schemas.microsoft.com/office/powerpoint/2010/main" val="1455343978"/>
+        <p14:creationId xmlns:p14="http://schemas.microsoft.com/office/powerpoint/2010/main" val="3061729273"/>
       </p:ext>
     </p:extLst>
   </p:cSld>
@@ -10839,73 +10975,10 @@
           <a:chExt cx="0" cy="0"/>
         </a:xfrm>
       </p:grpSpPr>
-      <p:sp>
-        <p:nvSpPr>
-          <p:cNvPr id="2" name="Título 1"/>
-          <p:cNvSpPr>
-            <a:spLocks noGrp="1"/>
-          </p:cNvSpPr>
-          <p:nvPr>
-            <p:ph type="title"/>
-          </p:nvPr>
-        </p:nvSpPr>
-        <p:spPr/>
-        <p:txBody>
-          <a:bodyPr rtlCol="0"/>
-          <a:lstStyle/>
-          <a:p>
-            <a:pPr rtl="0"/>
-            <a:r>
-              <a:rPr lang="pt-BR" dirty="0"/>
-              <a:t>Adicionar título de slide – 5</a:t>
-            </a:r>
-          </a:p>
-        </p:txBody>
-      </p:sp>
-      <p:sp>
-        <p:nvSpPr>
-          <p:cNvPr id="5" name="Espaço reservado para conteúdo 4"/>
-          <p:cNvSpPr>
-            <a:spLocks noGrp="1"/>
-          </p:cNvSpPr>
-          <p:nvPr>
-            <p:ph idx="1"/>
-          </p:nvPr>
-        </p:nvSpPr>
-        <p:spPr/>
-        <p:txBody>
-          <a:bodyPr rtlCol="0"/>
-          <a:lstStyle/>
-          <a:p>
-            <a:pPr rtl="0"/>
-            <a:endParaRPr lang="pt-BR" dirty="0"/>
-          </a:p>
-        </p:txBody>
-      </p:sp>
-      <p:sp>
-        <p:nvSpPr>
-          <p:cNvPr id="6" name="Espaço reservado para texto 5"/>
-          <p:cNvSpPr>
-            <a:spLocks noGrp="1"/>
-          </p:cNvSpPr>
-          <p:nvPr>
-            <p:ph type="body" sz="half" idx="2"/>
-          </p:nvPr>
-        </p:nvSpPr>
-        <p:spPr/>
-        <p:txBody>
-          <a:bodyPr rtlCol="0"/>
-          <a:lstStyle/>
-          <a:p>
-            <a:pPr rtl="0"/>
-            <a:endParaRPr lang="pt-BR" dirty="0"/>
-          </a:p>
-        </p:txBody>
-      </p:sp>
     </p:spTree>
     <p:extLst>
       <p:ext uri="{BB962C8B-B14F-4D97-AF65-F5344CB8AC3E}">
-        <p14:creationId xmlns:p14="http://schemas.microsoft.com/office/powerpoint/2010/main" val="332843759"/>
+        <p14:creationId xmlns:p14="http://schemas.microsoft.com/office/powerpoint/2010/main" val="1455343978"/>
       </p:ext>
     </p:extLst>
   </p:cSld>
@@ -10962,6 +11035,111 @@
             <a:pPr rtl="0"/>
             <a:r>
               <a:rPr lang="pt-BR" dirty="0"/>
+              <a:t>Adicionar título de slide – 5</a:t>
+            </a:r>
+          </a:p>
+        </p:txBody>
+      </p:sp>
+      <p:sp>
+        <p:nvSpPr>
+          <p:cNvPr id="5" name="Espaço reservado para conteúdo 4"/>
+          <p:cNvSpPr>
+            <a:spLocks noGrp="1"/>
+          </p:cNvSpPr>
+          <p:nvPr>
+            <p:ph idx="1"/>
+          </p:nvPr>
+        </p:nvSpPr>
+        <p:spPr/>
+        <p:txBody>
+          <a:bodyPr rtlCol="0"/>
+          <a:lstStyle/>
+          <a:p>
+            <a:pPr rtl="0"/>
+            <a:endParaRPr lang="pt-BR" dirty="0"/>
+          </a:p>
+        </p:txBody>
+      </p:sp>
+      <p:sp>
+        <p:nvSpPr>
+          <p:cNvPr id="6" name="Espaço reservado para texto 5"/>
+          <p:cNvSpPr>
+            <a:spLocks noGrp="1"/>
+          </p:cNvSpPr>
+          <p:nvPr>
+            <p:ph type="body" sz="half" idx="2"/>
+          </p:nvPr>
+        </p:nvSpPr>
+        <p:spPr/>
+        <p:txBody>
+          <a:bodyPr rtlCol="0"/>
+          <a:lstStyle/>
+          <a:p>
+            <a:pPr rtl="0"/>
+            <a:endParaRPr lang="pt-BR" dirty="0"/>
+          </a:p>
+        </p:txBody>
+      </p:sp>
+    </p:spTree>
+    <p:extLst>
+      <p:ext uri="{BB962C8B-B14F-4D97-AF65-F5344CB8AC3E}">
+        <p14:creationId xmlns:p14="http://schemas.microsoft.com/office/powerpoint/2010/main" val="332843759"/>
+      </p:ext>
+    </p:extLst>
+  </p:cSld>
+  <p:clrMapOvr>
+    <a:masterClrMapping/>
+  </p:clrMapOvr>
+  <mc:AlternateContent xmlns:mc="http://schemas.openxmlformats.org/markup-compatibility/2006" xmlns:p14="http://schemas.microsoft.com/office/powerpoint/2010/main">
+    <mc:Choice Requires="p14">
+      <p:transition spd="med" p14:dur="700">
+        <p:fade/>
+      </p:transition>
+    </mc:Choice>
+    <mc:Fallback xmlns="">
+      <p:transition spd="med">
+        <p:fade/>
+      </p:transition>
+    </mc:Fallback>
+  </mc:AlternateContent>
+</p:sld>
+</file>
+
+<file path=ppt/slides/slide13.xml><?xml version="1.0" encoding="utf-8"?>
+<p:sld xmlns:a="http://schemas.openxmlformats.org/drawingml/2006/main" xmlns:r="http://schemas.openxmlformats.org/officeDocument/2006/relationships" xmlns:p="http://schemas.openxmlformats.org/presentationml/2006/main">
+  <p:cSld>
+    <p:spTree>
+      <p:nvGrpSpPr>
+        <p:cNvPr id="1" name=""/>
+        <p:cNvGrpSpPr/>
+        <p:nvPr/>
+      </p:nvGrpSpPr>
+      <p:grpSpPr>
+        <a:xfrm>
+          <a:off x="0" y="0"/>
+          <a:ext cx="0" cy="0"/>
+          <a:chOff x="0" y="0"/>
+          <a:chExt cx="0" cy="0"/>
+        </a:xfrm>
+      </p:grpSpPr>
+      <p:sp>
+        <p:nvSpPr>
+          <p:cNvPr id="2" name="Título 1"/>
+          <p:cNvSpPr>
+            <a:spLocks noGrp="1"/>
+          </p:cNvSpPr>
+          <p:nvPr>
+            <p:ph type="title"/>
+          </p:nvPr>
+        </p:nvSpPr>
+        <p:spPr/>
+        <p:txBody>
+          <a:bodyPr rtlCol="0"/>
+          <a:lstStyle/>
+          <a:p>
+            <a:pPr rtl="0"/>
+            <a:r>
+              <a:rPr lang="pt-BR" dirty="0"/>
               <a:t>Adicionar título de slide – 6</a:t>
             </a:r>
           </a:p>
@@ -11024,7 +11202,7 @@
 </p:sld>
 </file>
 
-<file path=ppt/slides/slide13.xml><?xml version="1.0" encoding="utf-8"?>
+<file path=ppt/slides/slide14.xml><?xml version="1.0" encoding="utf-8"?>
 <p:sld xmlns:a="http://schemas.openxmlformats.org/drawingml/2006/main" xmlns:r="http://schemas.openxmlformats.org/officeDocument/2006/relationships" xmlns:p="http://schemas.openxmlformats.org/presentationml/2006/main">
   <p:cSld>
     <p:spTree>
@@ -11186,6 +11364,10 @@
           <a:lstStyle/>
           <a:p>
             <a:pPr rtl="0"/>
+            <a:r>
+              <a:rPr lang="pt-BR" dirty="0" smtClean="0"/>
+              <a:t>Membros do Grupo</a:t>
+            </a:r>
             <a:endParaRPr lang="pt-BR" dirty="0"/>
           </a:p>
         </p:txBody>
@@ -11200,13 +11382,263 @@
             <p:ph idx="1"/>
           </p:nvPr>
         </p:nvSpPr>
-        <p:spPr/>
+        <p:spPr>
+          <a:xfrm>
+            <a:off x="6918277" y="1981200"/>
+            <a:ext cx="4327478" cy="3439236"/>
+          </a:xfrm>
+        </p:spPr>
         <p:txBody>
           <a:bodyPr rtlCol="0"/>
           <a:lstStyle/>
           <a:p>
-            <a:pPr rtl="0"/>
+            <a:pPr algn="just" rtl="0"/>
             <a:endParaRPr lang="pt-BR" dirty="0"/>
+          </a:p>
+          <a:p>
+            <a:pPr algn="just" rtl="0"/>
+            <a:endParaRPr lang="pt-BR" dirty="0" smtClean="0"/>
+          </a:p>
+          <a:p>
+            <a:pPr algn="just" rtl="0"/>
+            <a:r>
+              <a:rPr lang="pt-BR" dirty="0" smtClean="0"/>
+              <a:t>Leticia Lago</a:t>
+            </a:r>
+          </a:p>
+          <a:p>
+            <a:pPr algn="just" rtl="0"/>
+            <a:r>
+              <a:rPr lang="pt-BR" dirty="0" smtClean="0"/>
+              <a:t>Natália Medina</a:t>
+            </a:r>
+          </a:p>
+          <a:p>
+            <a:pPr algn="just" rtl="0"/>
+            <a:r>
+              <a:rPr lang="pt-BR" dirty="0" smtClean="0"/>
+              <a:t>Vitor Leonardo</a:t>
+            </a:r>
+            <a:endParaRPr lang="pt-BR" dirty="0"/>
+          </a:p>
+        </p:txBody>
+      </p:sp>
+      <p:sp>
+        <p:nvSpPr>
+          <p:cNvPr id="4" name="Espaço reservado para conteúdo 2"/>
+          <p:cNvSpPr txBox="1">
+            <a:spLocks/>
+          </p:cNvSpPr>
+          <p:nvPr/>
+        </p:nvSpPr>
+        <p:spPr>
+          <a:xfrm>
+            <a:off x="1447800" y="1981200"/>
+            <a:ext cx="4327478" cy="3439236"/>
+          </a:xfrm>
+          <a:prstGeom prst="rect">
+            <a:avLst/>
+          </a:prstGeom>
+        </p:spPr>
+        <p:txBody>
+          <a:bodyPr vert="horz" lIns="91440" tIns="45720" rIns="91440" bIns="45720" rtlCol="0">
+            <a:normAutofit/>
+          </a:bodyPr>
+          <a:lstStyle>
+            <a:lvl1pPr marL="274320" indent="-274320" algn="l" defTabSz="914400" rtl="0" eaLnBrk="1" latinLnBrk="0" hangingPunct="1">
+              <a:lnSpc>
+                <a:spcPct val="90000"/>
+              </a:lnSpc>
+              <a:spcBef>
+                <a:spcPts val="1800"/>
+              </a:spcBef>
+              <a:buFont typeface="Arial" panose="020B0604020202020204" pitchFamily="34" charset="0"/>
+              <a:buChar char="•"/>
+              <a:defRPr sz="2400" kern="1200">
+                <a:solidFill>
+                  <a:schemeClr val="tx1"/>
+                </a:solidFill>
+                <a:latin typeface="+mn-lt"/>
+                <a:ea typeface="+mn-ea"/>
+                <a:cs typeface="+mn-cs"/>
+              </a:defRPr>
+            </a:lvl1pPr>
+            <a:lvl2pPr marL="548640" indent="-228600" algn="l" defTabSz="914400" rtl="0" eaLnBrk="1" latinLnBrk="0" hangingPunct="1">
+              <a:lnSpc>
+                <a:spcPct val="90000"/>
+              </a:lnSpc>
+              <a:spcBef>
+                <a:spcPts val="1000"/>
+              </a:spcBef>
+              <a:buFont typeface="Arial" panose="020B0604020202020204" pitchFamily="34" charset="0"/>
+              <a:buChar char="•"/>
+              <a:defRPr sz="2000" kern="1200">
+                <a:solidFill>
+                  <a:schemeClr val="tx1"/>
+                </a:solidFill>
+                <a:latin typeface="+mn-lt"/>
+                <a:ea typeface="+mn-ea"/>
+                <a:cs typeface="+mn-cs"/>
+              </a:defRPr>
+            </a:lvl2pPr>
+            <a:lvl3pPr marL="822960" indent="-228600" algn="l" defTabSz="914400" rtl="0" eaLnBrk="1" latinLnBrk="0" hangingPunct="1">
+              <a:lnSpc>
+                <a:spcPct val="90000"/>
+              </a:lnSpc>
+              <a:spcBef>
+                <a:spcPts val="800"/>
+              </a:spcBef>
+              <a:buFont typeface="Arial" panose="020B0604020202020204" pitchFamily="34" charset="0"/>
+              <a:buChar char="•"/>
+              <a:defRPr sz="1800" kern="1200">
+                <a:solidFill>
+                  <a:schemeClr val="tx1"/>
+                </a:solidFill>
+                <a:latin typeface="+mn-lt"/>
+                <a:ea typeface="+mn-ea"/>
+                <a:cs typeface="+mn-cs"/>
+              </a:defRPr>
+            </a:lvl3pPr>
+            <a:lvl4pPr marL="1097280" indent="-228600" algn="l" defTabSz="914400" rtl="0" eaLnBrk="1" latinLnBrk="0" hangingPunct="1">
+              <a:lnSpc>
+                <a:spcPct val="90000"/>
+              </a:lnSpc>
+              <a:spcBef>
+                <a:spcPts val="800"/>
+              </a:spcBef>
+              <a:buFont typeface="Arial" panose="020B0604020202020204" pitchFamily="34" charset="0"/>
+              <a:buChar char="•"/>
+              <a:defRPr sz="1600" kern="1200">
+                <a:solidFill>
+                  <a:schemeClr val="tx1"/>
+                </a:solidFill>
+                <a:latin typeface="+mn-lt"/>
+                <a:ea typeface="+mn-ea"/>
+                <a:cs typeface="+mn-cs"/>
+              </a:defRPr>
+            </a:lvl4pPr>
+            <a:lvl5pPr marL="1325880" indent="-228600" algn="l" defTabSz="914400" rtl="0" eaLnBrk="1" latinLnBrk="0" hangingPunct="1">
+              <a:lnSpc>
+                <a:spcPct val="90000"/>
+              </a:lnSpc>
+              <a:spcBef>
+                <a:spcPts val="800"/>
+              </a:spcBef>
+              <a:buFont typeface="Arial" panose="020B0604020202020204" pitchFamily="34" charset="0"/>
+              <a:buChar char="•"/>
+              <a:defRPr sz="1600" kern="1200">
+                <a:solidFill>
+                  <a:schemeClr val="tx1"/>
+                </a:solidFill>
+                <a:latin typeface="+mn-lt"/>
+                <a:ea typeface="+mn-ea"/>
+                <a:cs typeface="+mn-cs"/>
+              </a:defRPr>
+            </a:lvl5pPr>
+            <a:lvl6pPr marL="1554480" indent="-228600" algn="l" defTabSz="914400" rtl="0" eaLnBrk="1" latinLnBrk="0" hangingPunct="1">
+              <a:lnSpc>
+                <a:spcPct val="90000"/>
+              </a:lnSpc>
+              <a:spcBef>
+                <a:spcPts val="800"/>
+              </a:spcBef>
+              <a:buFont typeface="Arial" panose="020B0604020202020204" pitchFamily="34" charset="0"/>
+              <a:buChar char="•"/>
+              <a:defRPr sz="1600" kern="1200">
+                <a:solidFill>
+                  <a:schemeClr val="tx1"/>
+                </a:solidFill>
+                <a:latin typeface="+mn-lt"/>
+                <a:ea typeface="+mn-ea"/>
+                <a:cs typeface="+mn-cs"/>
+              </a:defRPr>
+            </a:lvl6pPr>
+            <a:lvl7pPr marL="1783080" indent="-228600" algn="l" defTabSz="914400" rtl="0" eaLnBrk="1" latinLnBrk="0" hangingPunct="1">
+              <a:lnSpc>
+                <a:spcPct val="90000"/>
+              </a:lnSpc>
+              <a:spcBef>
+                <a:spcPts val="800"/>
+              </a:spcBef>
+              <a:buFont typeface="Arial" panose="020B0604020202020204" pitchFamily="34" charset="0"/>
+              <a:buChar char="•"/>
+              <a:defRPr sz="1600" kern="1200">
+                <a:solidFill>
+                  <a:schemeClr val="tx1"/>
+                </a:solidFill>
+                <a:latin typeface="+mn-lt"/>
+                <a:ea typeface="+mn-ea"/>
+                <a:cs typeface="+mn-cs"/>
+              </a:defRPr>
+            </a:lvl7pPr>
+            <a:lvl8pPr marL="2011680" indent="-228600" algn="l" defTabSz="914400" rtl="0" eaLnBrk="1" latinLnBrk="0" hangingPunct="1">
+              <a:lnSpc>
+                <a:spcPct val="90000"/>
+              </a:lnSpc>
+              <a:spcBef>
+                <a:spcPts val="800"/>
+              </a:spcBef>
+              <a:buFont typeface="Arial" panose="020B0604020202020204" pitchFamily="34" charset="0"/>
+              <a:buChar char="•"/>
+              <a:defRPr sz="1600" kern="1200">
+                <a:solidFill>
+                  <a:schemeClr val="tx1"/>
+                </a:solidFill>
+                <a:latin typeface="+mn-lt"/>
+                <a:ea typeface="+mn-ea"/>
+                <a:cs typeface="+mn-cs"/>
+              </a:defRPr>
+            </a:lvl8pPr>
+            <a:lvl9pPr marL="2240280" indent="-228600" algn="l" defTabSz="914400" rtl="0" eaLnBrk="1" latinLnBrk="0" hangingPunct="1">
+              <a:lnSpc>
+                <a:spcPct val="90000"/>
+              </a:lnSpc>
+              <a:spcBef>
+                <a:spcPts val="800"/>
+              </a:spcBef>
+              <a:buFont typeface="Arial" panose="020B0604020202020204" pitchFamily="34" charset="0"/>
+              <a:buChar char="•"/>
+              <a:defRPr sz="1600" kern="1200">
+                <a:solidFill>
+                  <a:schemeClr val="tx1"/>
+                </a:solidFill>
+                <a:latin typeface="+mn-lt"/>
+                <a:ea typeface="+mn-ea"/>
+                <a:cs typeface="+mn-cs"/>
+              </a:defRPr>
+            </a:lvl9pPr>
+          </a:lstStyle>
+          <a:p>
+            <a:endParaRPr lang="pt-BR" dirty="0" smtClean="0"/>
+          </a:p>
+          <a:p>
+            <a:endParaRPr lang="pt-BR" dirty="0" smtClean="0"/>
+          </a:p>
+          <a:p>
+            <a:r>
+              <a:rPr lang="pt-BR" dirty="0" smtClean="0"/>
+              <a:t>Adriana </a:t>
+            </a:r>
+            <a:r>
+              <a:rPr lang="pt-BR" dirty="0" err="1" smtClean="0"/>
+              <a:t>Elva</a:t>
+            </a:r>
+            <a:r>
+              <a:rPr lang="pt-BR" dirty="0" smtClean="0"/>
+              <a:t> </a:t>
+            </a:r>
+          </a:p>
+          <a:p>
+            <a:r>
+              <a:rPr lang="pt-BR" dirty="0" smtClean="0"/>
+              <a:t>Fernanda Esteves</a:t>
+            </a:r>
+          </a:p>
+          <a:p>
+            <a:r>
+              <a:rPr lang="pt-BR" dirty="0" smtClean="0"/>
+              <a:t>Gustavo Henrique</a:t>
+            </a:r>
           </a:p>
         </p:txBody>
       </p:sp>
@@ -11269,37 +11701,35 @@
           <a:p>
             <a:pPr rtl="0"/>
             <a:r>
-              <a:rPr lang="pt-BR" dirty="0"/>
-              <a:t>Título e layout de conteúdo com gráfico</a:t>
+              <a:rPr lang="pt-BR" dirty="0" smtClean="0"/>
+              <a:t>O Projeto</a:t>
             </a:r>
-          </a:p>
-        </p:txBody>
-      </p:sp>
-      <p:graphicFrame>
-        <p:nvGraphicFramePr>
-          <p:cNvPr id="6" name="Espaço reservado para conteúdo 5" descr="Gráfico de colunas clusterizado representando&#10;Gráfico de combinação de três séries para quatro categorias"/>
-          <p:cNvGraphicFramePr>
-            <a:graphicFrameLocks noGrp="1"/>
-          </p:cNvGraphicFramePr>
+            <a:endParaRPr lang="pt-BR" dirty="0"/>
+          </a:p>
+        </p:txBody>
+      </p:sp>
+      <p:sp>
+        <p:nvSpPr>
+          <p:cNvPr id="3" name="Espaço Reservado para Conteúdo 2"/>
+          <p:cNvSpPr>
+            <a:spLocks noGrp="1"/>
+          </p:cNvSpPr>
           <p:nvPr>
             <p:ph idx="1"/>
-            <p:extLst>
-              <p:ext uri="{D42A27DB-BD31-4B8C-83A1-F6EECF244321}">
-                <p14:modId xmlns:p14="http://schemas.microsoft.com/office/powerpoint/2010/main" val="3788173342"/>
-              </p:ext>
-            </p:extLst>
-          </p:nvPr>
-        </p:nvGraphicFramePr>
-        <p:xfrm>
-          <a:off x="1295400" y="1828800"/>
-          <a:ext cx="9601200" cy="4343400"/>
-        </p:xfrm>
-        <a:graphic>
-          <a:graphicData uri="http://schemas.openxmlformats.org/drawingml/2006/chart">
-            <c:chart xmlns:c="http://schemas.openxmlformats.org/drawingml/2006/chart" xmlns:r="http://schemas.openxmlformats.org/officeDocument/2006/relationships" r:id="rId3"/>
-          </a:graphicData>
-        </a:graphic>
-      </p:graphicFrame>
+          </p:nvPr>
+        </p:nvSpPr>
+        <p:spPr/>
+        <p:txBody>
+          <a:bodyPr/>
+          <a:lstStyle/>
+          <a:p>
+            <a:pPr marL="0" indent="0">
+              <a:buNone/>
+            </a:pPr>
+            <a:endParaRPr lang="pt-BR" dirty="0"/>
+          </a:p>
+        </p:txBody>
+      </p:sp>
     </p:spTree>
     <p:extLst>
       <p:ext uri="{BB962C8B-B14F-4D97-AF65-F5344CB8AC3E}">
@@ -11326,6 +11756,96 @@
 </file>
 
 <file path=ppt/slides/slide4.xml><?xml version="1.0" encoding="utf-8"?>
+<p:sld xmlns:a="http://schemas.openxmlformats.org/drawingml/2006/main" xmlns:r="http://schemas.openxmlformats.org/officeDocument/2006/relationships" xmlns:p="http://schemas.openxmlformats.org/presentationml/2006/main">
+  <p:cSld>
+    <p:spTree>
+      <p:nvGrpSpPr>
+        <p:cNvPr id="1" name=""/>
+        <p:cNvGrpSpPr/>
+        <p:nvPr/>
+      </p:nvGrpSpPr>
+      <p:grpSpPr>
+        <a:xfrm>
+          <a:off x="0" y="0"/>
+          <a:ext cx="0" cy="0"/>
+          <a:chOff x="0" y="0"/>
+          <a:chExt cx="0" cy="0"/>
+        </a:xfrm>
+      </p:grpSpPr>
+      <p:sp>
+        <p:nvSpPr>
+          <p:cNvPr id="2" name="Título 1"/>
+          <p:cNvSpPr>
+            <a:spLocks noGrp="1"/>
+          </p:cNvSpPr>
+          <p:nvPr>
+            <p:ph type="title"/>
+          </p:nvPr>
+        </p:nvSpPr>
+        <p:spPr/>
+        <p:txBody>
+          <a:bodyPr rtlCol="0"/>
+          <a:lstStyle/>
+          <a:p>
+            <a:pPr rtl="0"/>
+            <a:r>
+              <a:rPr lang="pt-BR" dirty="0"/>
+              <a:t>Título e layout de conteúdo com gráfico</a:t>
+            </a:r>
+          </a:p>
+        </p:txBody>
+      </p:sp>
+      <p:graphicFrame>
+        <p:nvGraphicFramePr>
+          <p:cNvPr id="6" name="Espaço reservado para conteúdo 5" descr="Gráfico de colunas clusterizado representando&#10;Gráfico de combinação de três séries para quatro categorias"/>
+          <p:cNvGraphicFramePr>
+            <a:graphicFrameLocks noGrp="1"/>
+          </p:cNvGraphicFramePr>
+          <p:nvPr>
+            <p:ph idx="1"/>
+            <p:extLst>
+              <p:ext uri="{D42A27DB-BD31-4B8C-83A1-F6EECF244321}">
+                <p14:modId xmlns:p14="http://schemas.microsoft.com/office/powerpoint/2010/main" val="3788173342"/>
+              </p:ext>
+            </p:extLst>
+          </p:nvPr>
+        </p:nvGraphicFramePr>
+        <p:xfrm>
+          <a:off x="1295400" y="1828800"/>
+          <a:ext cx="9601200" cy="4343400"/>
+        </p:xfrm>
+        <a:graphic>
+          <a:graphicData uri="http://schemas.openxmlformats.org/drawingml/2006/chart">
+            <c:chart xmlns:c="http://schemas.openxmlformats.org/drawingml/2006/chart" xmlns:r="http://schemas.openxmlformats.org/officeDocument/2006/relationships" r:id="rId3"/>
+          </a:graphicData>
+        </a:graphic>
+      </p:graphicFrame>
+    </p:spTree>
+    <p:extLst>
+      <p:ext uri="{BB962C8B-B14F-4D97-AF65-F5344CB8AC3E}">
+        <p14:creationId xmlns:p14="http://schemas.microsoft.com/office/powerpoint/2010/main" val="1179164655"/>
+      </p:ext>
+    </p:extLst>
+  </p:cSld>
+  <p:clrMapOvr>
+    <a:masterClrMapping/>
+  </p:clrMapOvr>
+  <mc:AlternateContent xmlns:mc="http://schemas.openxmlformats.org/markup-compatibility/2006" xmlns:p14="http://schemas.microsoft.com/office/powerpoint/2010/main">
+    <mc:Choice Requires="p14">
+      <p:transition spd="med" p14:dur="700">
+        <p:fade/>
+      </p:transition>
+    </mc:Choice>
+    <mc:Fallback xmlns="">
+      <p:transition spd="med">
+        <p:fade/>
+      </p:transition>
+    </mc:Fallback>
+  </mc:AlternateContent>
+</p:sld>
+</file>
+
+<file path=ppt/slides/slide5.xml><?xml version="1.0" encoding="utf-8"?>
 <p:sld xmlns:a="http://schemas.openxmlformats.org/drawingml/2006/main" xmlns:r="http://schemas.openxmlformats.org/officeDocument/2006/relationships" xmlns:p="http://schemas.openxmlformats.org/presentationml/2006/main">
   <p:cSld>
     <p:spTree>
@@ -11675,101 +12195,6 @@
 </p:sld>
 </file>
 
-<file path=ppt/slides/slide5.xml><?xml version="1.0" encoding="utf-8"?>
-<p:sld xmlns:a="http://schemas.openxmlformats.org/drawingml/2006/main" xmlns:r="http://schemas.openxmlformats.org/officeDocument/2006/relationships" xmlns:p="http://schemas.openxmlformats.org/presentationml/2006/main">
-  <p:cSld>
-    <p:spTree>
-      <p:nvGrpSpPr>
-        <p:cNvPr id="1" name=""/>
-        <p:cNvGrpSpPr/>
-        <p:nvPr/>
-      </p:nvGrpSpPr>
-      <p:grpSpPr>
-        <a:xfrm>
-          <a:off x="0" y="0"/>
-          <a:ext cx="0" cy="0"/>
-          <a:chOff x="0" y="0"/>
-          <a:chExt cx="0" cy="0"/>
-        </a:xfrm>
-      </p:grpSpPr>
-      <p:sp>
-        <p:nvSpPr>
-          <p:cNvPr id="2" name="Título 1"/>
-          <p:cNvSpPr>
-            <a:spLocks noGrp="1"/>
-          </p:cNvSpPr>
-          <p:nvPr>
-            <p:ph type="title"/>
-          </p:nvPr>
-        </p:nvSpPr>
-        <p:spPr/>
-        <p:txBody>
-          <a:bodyPr rtlCol="0"/>
-          <a:lstStyle/>
-          <a:p>
-            <a:pPr rtl="0"/>
-            <a:r>
-              <a:rPr lang="pt-BR" dirty="0"/>
-              <a:t>Título e layout de conteúdo com </a:t>
-            </a:r>
-            <a:r>
-              <a:rPr lang="pt-BR" dirty="0" err="1"/>
-              <a:t>SmartArt</a:t>
-            </a:r>
-            <a:endParaRPr lang="pt-BR" dirty="0"/>
-          </a:p>
-        </p:txBody>
-      </p:sp>
-      <p:graphicFrame>
-        <p:nvGraphicFramePr>
-          <p:cNvPr id="6" name="Espaço reservado para conteúdo 5" descr="Diagrama de Processo com divisa básico mostrando 4 etapas organizadas da esquerda para a direita"/>
-          <p:cNvGraphicFramePr>
-            <a:graphicFrameLocks noGrp="1"/>
-          </p:cNvGraphicFramePr>
-          <p:nvPr>
-            <p:ph idx="1"/>
-            <p:extLst>
-              <p:ext uri="{D42A27DB-BD31-4B8C-83A1-F6EECF244321}">
-                <p14:modId xmlns:p14="http://schemas.microsoft.com/office/powerpoint/2010/main" val="828014975"/>
-              </p:ext>
-            </p:extLst>
-          </p:nvPr>
-        </p:nvGraphicFramePr>
-        <p:xfrm>
-          <a:off x="1295400" y="1828800"/>
-          <a:ext cx="9601200" cy="4343400"/>
-        </p:xfrm>
-        <a:graphic>
-          <a:graphicData uri="http://schemas.openxmlformats.org/drawingml/2006/diagram">
-            <dgm:relIds xmlns:dgm="http://schemas.openxmlformats.org/drawingml/2006/diagram" xmlns:r="http://schemas.openxmlformats.org/officeDocument/2006/relationships" r:dm="rId3" r:lo="rId4" r:qs="rId5" r:cs="rId6"/>
-          </a:graphicData>
-        </a:graphic>
-      </p:graphicFrame>
-    </p:spTree>
-    <p:extLst>
-      <p:ext uri="{BB962C8B-B14F-4D97-AF65-F5344CB8AC3E}">
-        <p14:creationId xmlns:p14="http://schemas.microsoft.com/office/powerpoint/2010/main" val="3112142608"/>
-      </p:ext>
-    </p:extLst>
-  </p:cSld>
-  <p:clrMapOvr>
-    <a:masterClrMapping/>
-  </p:clrMapOvr>
-  <mc:AlternateContent xmlns:mc="http://schemas.openxmlformats.org/markup-compatibility/2006" xmlns:p14="http://schemas.microsoft.com/office/powerpoint/2010/main">
-    <mc:Choice Requires="p14">
-      <p:transition spd="med" p14:dur="700">
-        <p:fade/>
-      </p:transition>
-    </mc:Choice>
-    <mc:Fallback xmlns="">
-      <p:transition spd="med">
-        <p:fade/>
-      </p:transition>
-    </mc:Fallback>
-  </mc:AlternateContent>
-</p:sld>
-</file>
-
 <file path=ppt/slides/slide6.xml><?xml version="1.0" encoding="utf-8"?>
 <p:sld xmlns:a="http://schemas.openxmlformats.org/drawingml/2006/main" xmlns:r="http://schemas.openxmlformats.org/officeDocument/2006/relationships" xmlns:p="http://schemas.openxmlformats.org/presentationml/2006/main">
   <p:cSld>
@@ -11794,7 +12219,7 @@
             <a:spLocks noGrp="1"/>
           </p:cNvSpPr>
           <p:nvPr>
-            <p:ph type="ctrTitle"/>
+            <p:ph type="title"/>
           </p:nvPr>
         </p:nvSpPr>
         <p:spPr/>
@@ -11804,36 +12229,46 @@
           <a:p>
             <a:pPr rtl="0"/>
             <a:r>
-              <a:rPr lang="pt-BR" spc="-90" dirty="0"/>
-              <a:t>Adicionar título de slide – 1</a:t>
+              <a:rPr lang="pt-BR" dirty="0"/>
+              <a:t>Título e layout de conteúdo com </a:t>
             </a:r>
-          </a:p>
-        </p:txBody>
-      </p:sp>
-      <p:sp>
-        <p:nvSpPr>
-          <p:cNvPr id="4" name="Subtítulo 3"/>
-          <p:cNvSpPr>
-            <a:spLocks noGrp="1"/>
-          </p:cNvSpPr>
-          <p:nvPr>
-            <p:ph type="subTitle" idx="1"/>
-          </p:nvPr>
-        </p:nvSpPr>
-        <p:spPr/>
-        <p:txBody>
-          <a:bodyPr rtlCol="0"/>
-          <a:lstStyle/>
-          <a:p>
-            <a:pPr rtl="0"/>
+            <a:r>
+              <a:rPr lang="pt-BR" dirty="0" err="1"/>
+              <a:t>SmartArt</a:t>
+            </a:r>
             <a:endParaRPr lang="pt-BR" dirty="0"/>
           </a:p>
         </p:txBody>
       </p:sp>
+      <p:graphicFrame>
+        <p:nvGraphicFramePr>
+          <p:cNvPr id="6" name="Espaço reservado para conteúdo 5" descr="Diagrama de Processo com divisa básico mostrando 4 etapas organizadas da esquerda para a direita"/>
+          <p:cNvGraphicFramePr>
+            <a:graphicFrameLocks noGrp="1"/>
+          </p:cNvGraphicFramePr>
+          <p:nvPr>
+            <p:ph idx="1"/>
+            <p:extLst>
+              <p:ext uri="{D42A27DB-BD31-4B8C-83A1-F6EECF244321}">
+                <p14:modId xmlns:p14="http://schemas.microsoft.com/office/powerpoint/2010/main" val="828014975"/>
+              </p:ext>
+            </p:extLst>
+          </p:nvPr>
+        </p:nvGraphicFramePr>
+        <p:xfrm>
+          <a:off x="1295400" y="1828800"/>
+          <a:ext cx="9601200" cy="4343400"/>
+        </p:xfrm>
+        <a:graphic>
+          <a:graphicData uri="http://schemas.openxmlformats.org/drawingml/2006/diagram">
+            <dgm:relIds xmlns:dgm="http://schemas.openxmlformats.org/drawingml/2006/diagram" xmlns:r="http://schemas.openxmlformats.org/officeDocument/2006/relationships" r:dm="rId3" r:lo="rId4" r:qs="rId5" r:cs="rId6"/>
+          </a:graphicData>
+        </a:graphic>
+      </p:graphicFrame>
     </p:spTree>
     <p:extLst>
       <p:ext uri="{BB962C8B-B14F-4D97-AF65-F5344CB8AC3E}">
-        <p14:creationId xmlns:p14="http://schemas.microsoft.com/office/powerpoint/2010/main" val="1636679273"/>
+        <p14:creationId xmlns:p14="http://schemas.microsoft.com/office/powerpoint/2010/main" val="3112142608"/>
       </p:ext>
     </p:extLst>
   </p:cSld>
@@ -11879,7 +12314,7 @@
             <a:spLocks noGrp="1"/>
           </p:cNvSpPr>
           <p:nvPr>
-            <p:ph type="title"/>
+            <p:ph type="ctrTitle"/>
           </p:nvPr>
         </p:nvSpPr>
         <p:spPr/>
@@ -11889,20 +12324,20 @@
           <a:p>
             <a:pPr rtl="0"/>
             <a:r>
-              <a:rPr lang="pt-BR" dirty="0"/>
-              <a:t>Adicionar título de slide – 2</a:t>
+              <a:rPr lang="pt-BR" spc="-90" dirty="0"/>
+              <a:t>Adicionar título de slide – 1</a:t>
             </a:r>
           </a:p>
         </p:txBody>
       </p:sp>
       <p:sp>
         <p:nvSpPr>
-          <p:cNvPr id="4" name="Espaço reservado para texto 3"/>
-          <p:cNvSpPr>
-            <a:spLocks noGrp="1"/>
-          </p:cNvSpPr>
-          <p:nvPr>
-            <p:ph type="body" idx="1"/>
+          <p:cNvPr id="4" name="Subtítulo 3"/>
+          <p:cNvSpPr>
+            <a:spLocks noGrp="1"/>
+          </p:cNvSpPr>
+          <p:nvPr>
+            <p:ph type="subTitle" idx="1"/>
           </p:nvPr>
         </p:nvSpPr>
         <p:spPr/>
@@ -11918,7 +12353,7 @@
     </p:spTree>
     <p:extLst>
       <p:ext uri="{BB962C8B-B14F-4D97-AF65-F5344CB8AC3E}">
-        <p14:creationId xmlns:p14="http://schemas.microsoft.com/office/powerpoint/2010/main" val="3374778722"/>
+        <p14:creationId xmlns:p14="http://schemas.microsoft.com/office/powerpoint/2010/main" val="1636679273"/>
       </p:ext>
     </p:extLst>
   </p:cSld>
@@ -11975,79 +12410,19 @@
             <a:pPr rtl="0"/>
             <a:r>
               <a:rPr lang="pt-BR" dirty="0"/>
-              <a:t>Adicionar título de slide – 3</a:t>
+              <a:t>Adicionar título de slide – 2</a:t>
             </a:r>
           </a:p>
         </p:txBody>
       </p:sp>
       <p:sp>
         <p:nvSpPr>
-          <p:cNvPr id="11" name="Espaço reservado para texto 10"/>
+          <p:cNvPr id="4" name="Espaço reservado para texto 3"/>
           <p:cNvSpPr>
             <a:spLocks noGrp="1"/>
           </p:cNvSpPr>
           <p:nvPr>
             <p:ph type="body" idx="1"/>
-          </p:nvPr>
-        </p:nvSpPr>
-        <p:spPr/>
-        <p:txBody>
-          <a:bodyPr rtlCol="0"/>
-          <a:lstStyle/>
-          <a:p>
-            <a:pPr rtl="0"/>
-            <a:endParaRPr lang="pt-BR" dirty="0"/>
-          </a:p>
-        </p:txBody>
-      </p:sp>
-      <p:sp>
-        <p:nvSpPr>
-          <p:cNvPr id="12" name="Espaço reservado para conteúdo 11"/>
-          <p:cNvSpPr>
-            <a:spLocks noGrp="1"/>
-          </p:cNvSpPr>
-          <p:nvPr>
-            <p:ph sz="half" idx="2"/>
-          </p:nvPr>
-        </p:nvSpPr>
-        <p:spPr/>
-        <p:txBody>
-          <a:bodyPr rtlCol="0"/>
-          <a:lstStyle/>
-          <a:p>
-            <a:pPr rtl="0"/>
-            <a:endParaRPr lang="pt-BR" dirty="0"/>
-          </a:p>
-        </p:txBody>
-      </p:sp>
-      <p:sp>
-        <p:nvSpPr>
-          <p:cNvPr id="13" name="Espaço reservado para texto 12"/>
-          <p:cNvSpPr>
-            <a:spLocks noGrp="1"/>
-          </p:cNvSpPr>
-          <p:nvPr>
-            <p:ph type="body" sz="quarter" idx="3"/>
-          </p:nvPr>
-        </p:nvSpPr>
-        <p:spPr/>
-        <p:txBody>
-          <a:bodyPr rtlCol="0"/>
-          <a:lstStyle/>
-          <a:p>
-            <a:pPr rtl="0"/>
-            <a:endParaRPr lang="pt-BR" dirty="0"/>
-          </a:p>
-        </p:txBody>
-      </p:sp>
-      <p:sp>
-        <p:nvSpPr>
-          <p:cNvPr id="14" name="Espaço reservado para conteúdo 13"/>
-          <p:cNvSpPr>
-            <a:spLocks noGrp="1"/>
-          </p:cNvSpPr>
-          <p:nvPr>
-            <p:ph sz="quarter" idx="4"/>
           </p:nvPr>
         </p:nvSpPr>
         <p:spPr/>
@@ -12063,7 +12438,7 @@
     </p:spTree>
     <p:extLst>
       <p:ext uri="{BB962C8B-B14F-4D97-AF65-F5344CB8AC3E}">
-        <p14:creationId xmlns:p14="http://schemas.microsoft.com/office/powerpoint/2010/main" val="737118897"/>
+        <p14:creationId xmlns:p14="http://schemas.microsoft.com/office/powerpoint/2010/main" val="3374778722"/>
       </p:ext>
     </p:extLst>
   </p:cSld>
@@ -12120,15 +12495,95 @@
             <a:pPr rtl="0"/>
             <a:r>
               <a:rPr lang="pt-BR" dirty="0"/>
-              <a:t>Adicionar título de slide – 4</a:t>
+              <a:t>Adicionar título de slide – 3</a:t>
             </a:r>
+          </a:p>
+        </p:txBody>
+      </p:sp>
+      <p:sp>
+        <p:nvSpPr>
+          <p:cNvPr id="11" name="Espaço reservado para texto 10"/>
+          <p:cNvSpPr>
+            <a:spLocks noGrp="1"/>
+          </p:cNvSpPr>
+          <p:nvPr>
+            <p:ph type="body" idx="1"/>
+          </p:nvPr>
+        </p:nvSpPr>
+        <p:spPr/>
+        <p:txBody>
+          <a:bodyPr rtlCol="0"/>
+          <a:lstStyle/>
+          <a:p>
+            <a:pPr rtl="0"/>
+            <a:endParaRPr lang="pt-BR" dirty="0"/>
+          </a:p>
+        </p:txBody>
+      </p:sp>
+      <p:sp>
+        <p:nvSpPr>
+          <p:cNvPr id="12" name="Espaço reservado para conteúdo 11"/>
+          <p:cNvSpPr>
+            <a:spLocks noGrp="1"/>
+          </p:cNvSpPr>
+          <p:nvPr>
+            <p:ph sz="half" idx="2"/>
+          </p:nvPr>
+        </p:nvSpPr>
+        <p:spPr/>
+        <p:txBody>
+          <a:bodyPr rtlCol="0"/>
+          <a:lstStyle/>
+          <a:p>
+            <a:pPr rtl="0"/>
+            <a:endParaRPr lang="pt-BR" dirty="0"/>
+          </a:p>
+        </p:txBody>
+      </p:sp>
+      <p:sp>
+        <p:nvSpPr>
+          <p:cNvPr id="13" name="Espaço reservado para texto 12"/>
+          <p:cNvSpPr>
+            <a:spLocks noGrp="1"/>
+          </p:cNvSpPr>
+          <p:nvPr>
+            <p:ph type="body" sz="quarter" idx="3"/>
+          </p:nvPr>
+        </p:nvSpPr>
+        <p:spPr/>
+        <p:txBody>
+          <a:bodyPr rtlCol="0"/>
+          <a:lstStyle/>
+          <a:p>
+            <a:pPr rtl="0"/>
+            <a:endParaRPr lang="pt-BR" dirty="0"/>
+          </a:p>
+        </p:txBody>
+      </p:sp>
+      <p:sp>
+        <p:nvSpPr>
+          <p:cNvPr id="14" name="Espaço reservado para conteúdo 13"/>
+          <p:cNvSpPr>
+            <a:spLocks noGrp="1"/>
+          </p:cNvSpPr>
+          <p:nvPr>
+            <p:ph sz="quarter" idx="4"/>
+          </p:nvPr>
+        </p:nvSpPr>
+        <p:spPr/>
+        <p:txBody>
+          <a:bodyPr rtlCol="0"/>
+          <a:lstStyle/>
+          <a:p>
+            <a:pPr rtl="0"/>
+            <a:endParaRPr lang="pt-BR" dirty="0"/>
           </a:p>
         </p:txBody>
       </p:sp>
     </p:spTree>
     <p:extLst>
       <p:ext uri="{BB962C8B-B14F-4D97-AF65-F5344CB8AC3E}">
-        <p14:creationId xmlns:p14="http://schemas.microsoft.com/office/powerpoint/2010/main" val="3061729273"/>
+        <p14:creationId xmlns:p14="http://schemas.microsoft.com/office/powerpoint/2010/main" val="737118897"/>
       </p:ext>
     </p:extLst>
   </p:cSld>

--- a/documentacao/PowerPoint.pptx
+++ b/documentacao/PowerPoint.pptx
@@ -5,26 +5,32 @@
     <p:sldMasterId id="2147483648" r:id="rId1"/>
   </p:sldMasterIdLst>
   <p:notesMasterIdLst>
-    <p:notesMasterId r:id="rId16"/>
+    <p:notesMasterId r:id="rId22"/>
   </p:notesMasterIdLst>
   <p:handoutMasterIdLst>
-    <p:handoutMasterId r:id="rId17"/>
+    <p:handoutMasterId r:id="rId23"/>
   </p:handoutMasterIdLst>
   <p:sldIdLst>
     <p:sldId id="257" r:id="rId2"/>
-    <p:sldId id="258" r:id="rId3"/>
-    <p:sldId id="259" r:id="rId4"/>
-    <p:sldId id="270" r:id="rId5"/>
-    <p:sldId id="260" r:id="rId6"/>
-    <p:sldId id="261" r:id="rId7"/>
-    <p:sldId id="262" r:id="rId8"/>
-    <p:sldId id="263" r:id="rId9"/>
-    <p:sldId id="264" r:id="rId10"/>
-    <p:sldId id="265" r:id="rId11"/>
-    <p:sldId id="266" r:id="rId12"/>
-    <p:sldId id="267" r:id="rId13"/>
-    <p:sldId id="268" r:id="rId14"/>
-    <p:sldId id="269" r:id="rId15"/>
+    <p:sldId id="273" r:id="rId3"/>
+    <p:sldId id="258" r:id="rId4"/>
+    <p:sldId id="259" r:id="rId5"/>
+    <p:sldId id="271" r:id="rId6"/>
+    <p:sldId id="270" r:id="rId7"/>
+    <p:sldId id="272" r:id="rId8"/>
+    <p:sldId id="274" r:id="rId9"/>
+    <p:sldId id="275" r:id="rId10"/>
+    <p:sldId id="276" r:id="rId11"/>
+    <p:sldId id="262" r:id="rId12"/>
+    <p:sldId id="260" r:id="rId13"/>
+    <p:sldId id="261" r:id="rId14"/>
+    <p:sldId id="263" r:id="rId15"/>
+    <p:sldId id="264" r:id="rId16"/>
+    <p:sldId id="265" r:id="rId17"/>
+    <p:sldId id="266" r:id="rId18"/>
+    <p:sldId id="267" r:id="rId19"/>
+    <p:sldId id="268" r:id="rId20"/>
+    <p:sldId id="269" r:id="rId21"/>
   </p:sldIdLst>
   <p:sldSz cx="12192000" cy="6858000"/>
   <p:notesSz cx="6858000" cy="9144000"/>
@@ -151,8 +157,9 @@
     <c:autoTitleDeleted val="1"/>
     <c:plotArea>
       <c:layout/>
-      <c:pieChart>
-        <c:varyColors val="1"/>
+      <c:lineChart>
+        <c:grouping val="standard"/>
+        <c:varyColors val="0"/>
         <c:ser>
           <c:idx val="0"/>
           <c:order val="0"/>
@@ -162,29 +169,53 @@
               <c:strCache>
                 <c:ptCount val="1"/>
                 <c:pt idx="0">
-                  <c:v>Série 1</c:v>
+                  <c:v>Produtividade</c:v>
                 </c:pt>
               </c:strCache>
             </c:strRef>
           </c:tx>
-          <c:dPt>
-            <c:idx val="0"/>
-            <c:bubble3D val="0"/>
+          <c:spPr>
+            <a:ln w="28575" cap="rnd">
+              <a:solidFill>
+                <a:schemeClr val="accent1"/>
+              </a:solidFill>
+              <a:round/>
+            </a:ln>
+            <a:effectLst/>
+          </c:spPr>
+          <c:marker>
+            <c:symbol val="circle"/>
+            <c:size val="5"/>
             <c:spPr>
               <a:solidFill>
                 <a:schemeClr val="accent1"/>
               </a:solidFill>
-              <a:ln>
-                <a:noFill/>
+              <a:ln w="9525">
+                <a:solidFill>
+                  <a:schemeClr val="accent1"/>
+                </a:solidFill>
               </a:ln>
-              <a:effectLst>
-                <a:outerShdw blurRad="317500" algn="ctr" rotWithShape="0">
-                  <a:prstClr val="black">
-                    <a:alpha val="25000"/>
-                  </a:prstClr>
-                </a:outerShdw>
-              </a:effectLst>
+              <a:effectLst/>
             </c:spPr>
+          </c:marker>
+          <c:dPt>
+            <c:idx val="0"/>
+            <c:marker>
+              <c:symbol val="circle"/>
+              <c:size val="5"/>
+              <c:spPr>
+                <a:solidFill>
+                  <a:schemeClr val="accent1"/>
+                </a:solidFill>
+                <a:ln w="9525">
+                  <a:solidFill>
+                    <a:schemeClr val="accent1"/>
+                  </a:solidFill>
+                </a:ln>
+                <a:effectLst/>
+              </c:spPr>
+            </c:marker>
+            <c:bubble3D val="0"/>
             <c:extLst>
               <c:ext xmlns:c16="http://schemas.microsoft.com/office/drawing/2014/chart" uri="{C3380CC4-5D6E-409C-BE32-E72D297353CC}">
                 <c16:uniqueId val="{00000001-749E-4529-A1A6-5419C5DD7C65}"/>
@@ -193,22 +224,22 @@
           </c:dPt>
           <c:dPt>
             <c:idx val="1"/>
+            <c:marker>
+              <c:symbol val="circle"/>
+              <c:size val="5"/>
+              <c:spPr>
+                <a:solidFill>
+                  <a:schemeClr val="accent1"/>
+                </a:solidFill>
+                <a:ln w="9525">
+                  <a:solidFill>
+                    <a:schemeClr val="accent1"/>
+                  </a:solidFill>
+                </a:ln>
+                <a:effectLst/>
+              </c:spPr>
+            </c:marker>
             <c:bubble3D val="0"/>
-            <c:spPr>
-              <a:solidFill>
-                <a:schemeClr val="accent2"/>
-              </a:solidFill>
-              <a:ln>
-                <a:noFill/>
-              </a:ln>
-              <a:effectLst>
-                <a:outerShdw blurRad="317500" algn="ctr" rotWithShape="0">
-                  <a:prstClr val="black">
-                    <a:alpha val="25000"/>
-                  </a:prstClr>
-                </a:outerShdw>
-              </a:effectLst>
-            </c:spPr>
             <c:extLst>
               <c:ext xmlns:c16="http://schemas.microsoft.com/office/drawing/2014/chart" uri="{C3380CC4-5D6E-409C-BE32-E72D297353CC}">
                 <c16:uniqueId val="{00000003-749E-4529-A1A6-5419C5DD7C65}"/>
@@ -217,22 +248,22 @@
           </c:dPt>
           <c:dPt>
             <c:idx val="2"/>
+            <c:marker>
+              <c:symbol val="circle"/>
+              <c:size val="5"/>
+              <c:spPr>
+                <a:solidFill>
+                  <a:schemeClr val="accent1"/>
+                </a:solidFill>
+                <a:ln w="9525">
+                  <a:solidFill>
+                    <a:schemeClr val="accent1"/>
+                  </a:solidFill>
+                </a:ln>
+                <a:effectLst/>
+              </c:spPr>
+            </c:marker>
             <c:bubble3D val="0"/>
-            <c:spPr>
-              <a:solidFill>
-                <a:schemeClr val="accent3"/>
-              </a:solidFill>
-              <a:ln>
-                <a:noFill/>
-              </a:ln>
-              <a:effectLst>
-                <a:outerShdw blurRad="317500" algn="ctr" rotWithShape="0">
-                  <a:prstClr val="black">
-                    <a:alpha val="25000"/>
-                  </a:prstClr>
-                </a:outerShdw>
-              </a:effectLst>
-            </c:spPr>
             <c:extLst>
               <c:ext xmlns:c16="http://schemas.microsoft.com/office/drawing/2014/chart" uri="{C3380CC4-5D6E-409C-BE32-E72D297353CC}">
                 <c16:uniqueId val="{00000005-749E-4529-A1A6-5419C5DD7C65}"/>
@@ -241,22 +272,22 @@
           </c:dPt>
           <c:dPt>
             <c:idx val="3"/>
+            <c:marker>
+              <c:symbol val="circle"/>
+              <c:size val="5"/>
+              <c:spPr>
+                <a:solidFill>
+                  <a:schemeClr val="accent1"/>
+                </a:solidFill>
+                <a:ln w="9525">
+                  <a:solidFill>
+                    <a:schemeClr val="accent1"/>
+                  </a:solidFill>
+                </a:ln>
+                <a:effectLst/>
+              </c:spPr>
+            </c:marker>
             <c:bubble3D val="0"/>
-            <c:spPr>
-              <a:solidFill>
-                <a:schemeClr val="accent4"/>
-              </a:solidFill>
-              <a:ln>
-                <a:noFill/>
-              </a:ln>
-              <a:effectLst>
-                <a:outerShdw blurRad="317500" algn="ctr" rotWithShape="0">
-                  <a:prstClr val="black">
-                    <a:alpha val="25000"/>
-                  </a:prstClr>
-                </a:outerShdw>
-              </a:effectLst>
-            </c:spPr>
             <c:extLst>
               <c:ext xmlns:c16="http://schemas.microsoft.com/office/drawing/2014/chart" uri="{C3380CC4-5D6E-409C-BE32-E72D297353CC}">
                 <c16:uniqueId val="{00000007-749E-4529-A1A6-5419C5DD7C65}"/>
@@ -264,6 +295,48 @@
             </c:extLst>
           </c:dPt>
           <c:dLbls>
+            <c:dLbl>
+              <c:idx val="1"/>
+              <c:layout>
+                <c:manualLayout>
+                  <c:x val="-1.3227513227513713E-3"/>
+                  <c:y val="8.7719298245612955E-3"/>
+                </c:manualLayout>
+              </c:layout>
+              <c:showLegendKey val="0"/>
+              <c:showVal val="1"/>
+              <c:showCatName val="0"/>
+              <c:showSerName val="0"/>
+              <c:showPercent val="0"/>
+              <c:showBubbleSize val="0"/>
+              <c:extLst>
+                <c:ext xmlns:c15="http://schemas.microsoft.com/office/drawing/2012/chart" uri="{CE6537A1-D6FC-4f65-9D91-7224C49458BB}"/>
+                <c:ext xmlns:c16="http://schemas.microsoft.com/office/drawing/2014/chart" uri="{C3380CC4-5D6E-409C-BE32-E72D297353CC}">
+                  <c16:uniqueId val="{00000003-749E-4529-A1A6-5419C5DD7C65}"/>
+                </c:ext>
+              </c:extLst>
+            </c:dLbl>
+            <c:dLbl>
+              <c:idx val="2"/>
+              <c:layout>
+                <c:manualLayout>
+                  <c:x val="-4.850032155436188E-17"/>
+                  <c:y val="1.1695906432748537E-2"/>
+                </c:manualLayout>
+              </c:layout>
+              <c:showLegendKey val="0"/>
+              <c:showVal val="1"/>
+              <c:showCatName val="0"/>
+              <c:showSerName val="0"/>
+              <c:showPercent val="0"/>
+              <c:showBubbleSize val="0"/>
+              <c:extLst>
+                <c:ext xmlns:c15="http://schemas.microsoft.com/office/drawing/2012/chart" uri="{CE6537A1-D6FC-4f65-9D91-7224C49458BB}"/>
+                <c:ext xmlns:c16="http://schemas.microsoft.com/office/drawing/2014/chart" uri="{C3380CC4-5D6E-409C-BE32-E72D297353CC}">
+                  <c16:uniqueId val="{00000005-749E-4529-A1A6-5419C5DD7C65}"/>
+                </c:ext>
+              </c:extLst>
+            </c:dLbl>
             <c:spPr>
               <a:noFill/>
               <a:ln>
@@ -278,9 +351,12 @@
               <a:lstStyle/>
               <a:p>
                 <a:pPr>
-                  <a:defRPr sz="1197" b="1" i="0" u="none" strike="noStrike" kern="1200" baseline="0">
+                  <a:defRPr sz="1197" b="0" i="0" u="none" strike="noStrike" kern="1200" baseline="0">
                     <a:solidFill>
-                      <a:schemeClr val="lt1"/>
+                      <a:schemeClr val="tx1">
+                        <a:lumMod val="75000"/>
+                        <a:lumOff val="25000"/>
+                      </a:schemeClr>
                     </a:solidFill>
                     <a:latin typeface="+mn-lt"/>
                     <a:ea typeface="+mn-ea"/>
@@ -290,75 +366,99 @@
                 <a:endParaRPr lang="pt-BR"/>
               </a:p>
             </c:txPr>
-            <c:dLblPos val="inEnd"/>
             <c:showLegendKey val="0"/>
-            <c:showVal val="0"/>
+            <c:showVal val="1"/>
             <c:showCatName val="0"/>
             <c:showSerName val="0"/>
-            <c:showPercent val="1"/>
+            <c:showPercent val="0"/>
             <c:showBubbleSize val="0"/>
-            <c:showLeaderLines val="1"/>
-            <c:leaderLines>
-              <c:spPr>
-                <a:ln w="9525" cap="flat" cmpd="sng" algn="ctr">
-                  <a:solidFill>
-                    <a:schemeClr val="dk1">
-                      <a:lumMod val="35000"/>
-                      <a:lumOff val="65000"/>
-                    </a:schemeClr>
-                  </a:solidFill>
-                  <a:round/>
-                </a:ln>
-                <a:effectLst/>
-              </c:spPr>
-            </c:leaderLines>
+            <c:showLeaderLines val="0"/>
             <c:extLst>
               <c:ext xmlns:c15="http://schemas.microsoft.com/office/drawing/2012/chart" uri="{CE6537A1-D6FC-4f65-9D91-7224C49458BB}">
-                <c15:layout/>
+                <c15:showLeaderLines val="1"/>
+                <c15:leaderLines>
+                  <c:spPr>
+                    <a:ln w="9525" cap="flat" cmpd="sng" algn="ctr">
+                      <a:solidFill>
+                        <a:schemeClr val="tx1">
+                          <a:lumMod val="35000"/>
+                          <a:lumOff val="65000"/>
+                        </a:schemeClr>
+                      </a:solidFill>
+                      <a:round/>
+                    </a:ln>
+                    <a:effectLst/>
+                  </c:spPr>
+                </c15:leaderLines>
               </c:ext>
             </c:extLst>
           </c:dLbls>
           <c:cat>
             <c:strRef>
-              <c:f>Sheet1!$A$2:$A$5</c:f>
+              <c:f>Sheet1!$A$2:$A$9</c:f>
               <c:strCache>
-                <c:ptCount val="4"/>
+                <c:ptCount val="8"/>
                 <c:pt idx="0">
-                  <c:v>Categoria 1</c:v>
+                  <c:v>19ºC</c:v>
                 </c:pt>
                 <c:pt idx="1">
-                  <c:v>Categoria 2</c:v>
+                  <c:v>24ºC</c:v>
                 </c:pt>
                 <c:pt idx="2">
-                  <c:v>Categoria 3</c:v>
+                  <c:v>26ºC</c:v>
                 </c:pt>
                 <c:pt idx="3">
-                  <c:v>Categoria 4</c:v>
+                  <c:v>28ºC</c:v>
+                </c:pt>
+                <c:pt idx="4">
+                  <c:v>30ºC</c:v>
+                </c:pt>
+                <c:pt idx="5">
+                  <c:v>32ºC</c:v>
+                </c:pt>
+                <c:pt idx="6">
+                  <c:v>34ºC</c:v>
+                </c:pt>
+                <c:pt idx="7">
+                  <c:v>36ºC</c:v>
                 </c:pt>
               </c:strCache>
             </c:strRef>
           </c:cat>
           <c:val>
             <c:numRef>
-              <c:f>Sheet1!$B$2:$B$5</c:f>
+              <c:f>Sheet1!$B$2:$B$9</c:f>
               <c:numCache>
-                <c:formatCode>General</c:formatCode>
-                <c:ptCount val="4"/>
+                <c:formatCode>0</c:formatCode>
+                <c:ptCount val="8"/>
                 <c:pt idx="0">
-                  <c:v>4.3</c:v>
+                  <c:v>-44</c:v>
                 </c:pt>
                 <c:pt idx="1">
-                  <c:v>2.5</c:v>
+                  <c:v>-3</c:v>
                 </c:pt>
                 <c:pt idx="2">
-                  <c:v>3.5</c:v>
+                  <c:v>-6.5</c:v>
                 </c:pt>
                 <c:pt idx="3">
-                  <c:v>4.5</c:v>
+                  <c:v>-12.5</c:v>
+                </c:pt>
+                <c:pt idx="4">
+                  <c:v>-20</c:v>
+                </c:pt>
+                <c:pt idx="5">
+                  <c:v>-28.5</c:v>
+                </c:pt>
+                <c:pt idx="6">
+                  <c:v>-39</c:v>
+                </c:pt>
+                <c:pt idx="7">
+                  <c:v>-51</c:v>
                 </c:pt>
               </c:numCache>
             </c:numRef>
           </c:val>
+          <c:smooth val="0"/>
           <c:extLst>
             <c:ext xmlns:c16="http://schemas.microsoft.com/office/drawing/2014/chart" uri="{C3380CC4-5D6E-409C-BE32-E72D297353CC}">
               <c16:uniqueId val="{00000000-A655-4A76-B9D5-8F6E90FF977F}"/>
@@ -374,29 +474,53 @@
               <c:strCache>
                 <c:ptCount val="1"/>
                 <c:pt idx="0">
-                  <c:v>Série 2</c:v>
+                  <c:v>Freq. Erros</c:v>
                 </c:pt>
               </c:strCache>
             </c:strRef>
           </c:tx>
+          <c:spPr>
+            <a:ln w="28575" cap="rnd">
+              <a:solidFill>
+                <a:schemeClr val="accent2"/>
+              </a:solidFill>
+              <a:round/>
+            </a:ln>
+            <a:effectLst/>
+          </c:spPr>
+          <c:marker>
+            <c:symbol val="circle"/>
+            <c:size val="5"/>
+            <c:spPr>
+              <a:solidFill>
+                <a:schemeClr val="accent2"/>
+              </a:solidFill>
+              <a:ln w="9525">
+                <a:solidFill>
+                  <a:schemeClr val="accent2"/>
+                </a:solidFill>
+              </a:ln>
+              <a:effectLst/>
+            </c:spPr>
+          </c:marker>
           <c:dPt>
             <c:idx val="0"/>
+            <c:marker>
+              <c:symbol val="circle"/>
+              <c:size val="5"/>
+              <c:spPr>
+                <a:solidFill>
+                  <a:schemeClr val="accent2"/>
+                </a:solidFill>
+                <a:ln w="9525">
+                  <a:solidFill>
+                    <a:schemeClr val="accent2"/>
+                  </a:solidFill>
+                </a:ln>
+                <a:effectLst/>
+              </c:spPr>
+            </c:marker>
             <c:bubble3D val="0"/>
-            <c:spPr>
-              <a:solidFill>
-                <a:schemeClr val="accent1"/>
-              </a:solidFill>
-              <a:ln>
-                <a:noFill/>
-              </a:ln>
-              <a:effectLst>
-                <a:outerShdw blurRad="317500" algn="ctr" rotWithShape="0">
-                  <a:prstClr val="black">
-                    <a:alpha val="25000"/>
-                  </a:prstClr>
-                </a:outerShdw>
-              </a:effectLst>
-            </c:spPr>
             <c:extLst>
               <c:ext xmlns:c16="http://schemas.microsoft.com/office/drawing/2014/chart" uri="{C3380CC4-5D6E-409C-BE32-E72D297353CC}">
                 <c16:uniqueId val="{00000009-749E-4529-A1A6-5419C5DD7C65}"/>
@@ -405,22 +529,22 @@
           </c:dPt>
           <c:dPt>
             <c:idx val="1"/>
+            <c:marker>
+              <c:symbol val="circle"/>
+              <c:size val="5"/>
+              <c:spPr>
+                <a:solidFill>
+                  <a:schemeClr val="accent2"/>
+                </a:solidFill>
+                <a:ln w="9525">
+                  <a:solidFill>
+                    <a:schemeClr val="accent2"/>
+                  </a:solidFill>
+                </a:ln>
+                <a:effectLst/>
+              </c:spPr>
+            </c:marker>
             <c:bubble3D val="0"/>
-            <c:spPr>
-              <a:solidFill>
-                <a:schemeClr val="accent2"/>
-              </a:solidFill>
-              <a:ln>
-                <a:noFill/>
-              </a:ln>
-              <a:effectLst>
-                <a:outerShdw blurRad="317500" algn="ctr" rotWithShape="0">
-                  <a:prstClr val="black">
-                    <a:alpha val="25000"/>
-                  </a:prstClr>
-                </a:outerShdw>
-              </a:effectLst>
-            </c:spPr>
             <c:extLst>
               <c:ext xmlns:c16="http://schemas.microsoft.com/office/drawing/2014/chart" uri="{C3380CC4-5D6E-409C-BE32-E72D297353CC}">
                 <c16:uniqueId val="{0000000B-749E-4529-A1A6-5419C5DD7C65}"/>
@@ -429,22 +553,22 @@
           </c:dPt>
           <c:dPt>
             <c:idx val="2"/>
+            <c:marker>
+              <c:symbol val="circle"/>
+              <c:size val="5"/>
+              <c:spPr>
+                <a:solidFill>
+                  <a:schemeClr val="accent2"/>
+                </a:solidFill>
+                <a:ln w="9525">
+                  <a:solidFill>
+                    <a:schemeClr val="accent2"/>
+                  </a:solidFill>
+                </a:ln>
+                <a:effectLst/>
+              </c:spPr>
+            </c:marker>
             <c:bubble3D val="0"/>
-            <c:spPr>
-              <a:solidFill>
-                <a:schemeClr val="accent3"/>
-              </a:solidFill>
-              <a:ln>
-                <a:noFill/>
-              </a:ln>
-              <a:effectLst>
-                <a:outerShdw blurRad="317500" algn="ctr" rotWithShape="0">
-                  <a:prstClr val="black">
-                    <a:alpha val="25000"/>
-                  </a:prstClr>
-                </a:outerShdw>
-              </a:effectLst>
-            </c:spPr>
             <c:extLst>
               <c:ext xmlns:c16="http://schemas.microsoft.com/office/drawing/2014/chart" uri="{C3380CC4-5D6E-409C-BE32-E72D297353CC}">
                 <c16:uniqueId val="{0000000D-749E-4529-A1A6-5419C5DD7C65}"/>
@@ -453,22 +577,22 @@
           </c:dPt>
           <c:dPt>
             <c:idx val="3"/>
+            <c:marker>
+              <c:symbol val="circle"/>
+              <c:size val="5"/>
+              <c:spPr>
+                <a:solidFill>
+                  <a:schemeClr val="accent2"/>
+                </a:solidFill>
+                <a:ln w="9525">
+                  <a:solidFill>
+                    <a:schemeClr val="accent2"/>
+                  </a:solidFill>
+                </a:ln>
+                <a:effectLst/>
+              </c:spPr>
+            </c:marker>
             <c:bubble3D val="0"/>
-            <c:spPr>
-              <a:solidFill>
-                <a:schemeClr val="accent4"/>
-              </a:solidFill>
-              <a:ln>
-                <a:noFill/>
-              </a:ln>
-              <a:effectLst>
-                <a:outerShdw blurRad="317500" algn="ctr" rotWithShape="0">
-                  <a:prstClr val="black">
-                    <a:alpha val="25000"/>
-                  </a:prstClr>
-                </a:outerShdw>
-              </a:effectLst>
-            </c:spPr>
             <c:extLst>
               <c:ext xmlns:c16="http://schemas.microsoft.com/office/drawing/2014/chart" uri="{C3380CC4-5D6E-409C-BE32-E72D297353CC}">
                 <c16:uniqueId val="{0000000F-749E-4529-A1A6-5419C5DD7C65}"/>
@@ -476,6 +600,69 @@
             </c:extLst>
           </c:dPt>
           <c:dLbls>
+            <c:dLbl>
+              <c:idx val="1"/>
+              <c:layout>
+                <c:manualLayout>
+                  <c:x val="-5.2910052910052907E-3"/>
+                  <c:y val="-2.0467836257310048E-2"/>
+                </c:manualLayout>
+              </c:layout>
+              <c:showLegendKey val="0"/>
+              <c:showVal val="1"/>
+              <c:showCatName val="0"/>
+              <c:showSerName val="0"/>
+              <c:showPercent val="0"/>
+              <c:showBubbleSize val="0"/>
+              <c:extLst>
+                <c:ext xmlns:c15="http://schemas.microsoft.com/office/drawing/2012/chart" uri="{CE6537A1-D6FC-4f65-9D91-7224C49458BB}"/>
+                <c:ext xmlns:c16="http://schemas.microsoft.com/office/drawing/2014/chart" uri="{C3380CC4-5D6E-409C-BE32-E72D297353CC}">
+                  <c16:uniqueId val="{0000000B-749E-4529-A1A6-5419C5DD7C65}"/>
+                </c:ext>
+              </c:extLst>
+            </c:dLbl>
+            <c:dLbl>
+              <c:idx val="2"/>
+              <c:layout>
+                <c:manualLayout>
+                  <c:x val="-1.3227513227513275E-2"/>
+                  <c:y val="-2.6315789473684209E-2"/>
+                </c:manualLayout>
+              </c:layout>
+              <c:showLegendKey val="0"/>
+              <c:showVal val="1"/>
+              <c:showCatName val="0"/>
+              <c:showSerName val="0"/>
+              <c:showPercent val="0"/>
+              <c:showBubbleSize val="0"/>
+              <c:extLst>
+                <c:ext xmlns:c15="http://schemas.microsoft.com/office/drawing/2012/chart" uri="{CE6537A1-D6FC-4f65-9D91-7224C49458BB}"/>
+                <c:ext xmlns:c16="http://schemas.microsoft.com/office/drawing/2014/chart" uri="{C3380CC4-5D6E-409C-BE32-E72D297353CC}">
+                  <c16:uniqueId val="{0000000D-749E-4529-A1A6-5419C5DD7C65}"/>
+                </c:ext>
+              </c:extLst>
+            </c:dLbl>
+            <c:dLbl>
+              <c:idx val="3"/>
+              <c:layout>
+                <c:manualLayout>
+                  <c:x val="-9.2592592592592587E-3"/>
+                  <c:y val="-4.0935672514619881E-2"/>
+                </c:manualLayout>
+              </c:layout>
+              <c:showLegendKey val="0"/>
+              <c:showVal val="1"/>
+              <c:showCatName val="0"/>
+              <c:showSerName val="0"/>
+              <c:showPercent val="0"/>
+              <c:showBubbleSize val="0"/>
+              <c:extLst>
+                <c:ext xmlns:c15="http://schemas.microsoft.com/office/drawing/2012/chart" uri="{CE6537A1-D6FC-4f65-9D91-7224C49458BB}"/>
+                <c:ext xmlns:c16="http://schemas.microsoft.com/office/drawing/2014/chart" uri="{C3380CC4-5D6E-409C-BE32-E72D297353CC}">
+                  <c16:uniqueId val="{0000000F-749E-4529-A1A6-5419C5DD7C65}"/>
+                </c:ext>
+              </c:extLst>
+            </c:dLbl>
             <c:spPr>
               <a:noFill/>
               <a:ln>
@@ -490,9 +677,12 @@
               <a:lstStyle/>
               <a:p>
                 <a:pPr>
-                  <a:defRPr sz="1197" b="1" i="0" u="none" strike="noStrike" kern="1200" baseline="0">
+                  <a:defRPr sz="1197" b="0" i="0" u="none" strike="noStrike" kern="1200" baseline="0">
                     <a:solidFill>
-                      <a:schemeClr val="lt1"/>
+                      <a:schemeClr val="tx1">
+                        <a:lumMod val="75000"/>
+                        <a:lumOff val="25000"/>
+                      </a:schemeClr>
                     </a:solidFill>
                     <a:latin typeface="+mn-lt"/>
                     <a:ea typeface="+mn-ea"/>
@@ -502,301 +692,223 @@
                 <a:endParaRPr lang="pt-BR"/>
               </a:p>
             </c:txPr>
-            <c:dLblPos val="inEnd"/>
             <c:showLegendKey val="0"/>
-            <c:showVal val="0"/>
+            <c:showVal val="1"/>
             <c:showCatName val="0"/>
             <c:showSerName val="0"/>
-            <c:showPercent val="1"/>
+            <c:showPercent val="0"/>
             <c:showBubbleSize val="0"/>
-            <c:showLeaderLines val="1"/>
-            <c:leaderLines>
-              <c:spPr>
-                <a:ln w="9525" cap="flat" cmpd="sng" algn="ctr">
-                  <a:solidFill>
-                    <a:schemeClr val="dk1">
-                      <a:lumMod val="35000"/>
-                      <a:lumOff val="65000"/>
-                    </a:schemeClr>
-                  </a:solidFill>
-                  <a:round/>
-                </a:ln>
-                <a:effectLst/>
-              </c:spPr>
-            </c:leaderLines>
+            <c:showLeaderLines val="0"/>
             <c:extLst>
-              <c:ext xmlns:c15="http://schemas.microsoft.com/office/drawing/2012/chart" uri="{CE6537A1-D6FC-4f65-9D91-7224C49458BB}"/>
+              <c:ext xmlns:c15="http://schemas.microsoft.com/office/drawing/2012/chart" uri="{CE6537A1-D6FC-4f65-9D91-7224C49458BB}">
+                <c15:showLeaderLines val="1"/>
+                <c15:leaderLines>
+                  <c:spPr>
+                    <a:ln w="9525" cap="flat" cmpd="sng" algn="ctr">
+                      <a:solidFill>
+                        <a:schemeClr val="tx1">
+                          <a:lumMod val="35000"/>
+                          <a:lumOff val="65000"/>
+                        </a:schemeClr>
+                      </a:solidFill>
+                      <a:round/>
+                    </a:ln>
+                    <a:effectLst/>
+                  </c:spPr>
+                </c15:leaderLines>
+              </c:ext>
             </c:extLst>
           </c:dLbls>
           <c:cat>
             <c:strRef>
-              <c:f>Sheet1!$A$2:$A$5</c:f>
+              <c:f>Sheet1!$A$2:$A$9</c:f>
               <c:strCache>
-                <c:ptCount val="4"/>
+                <c:ptCount val="8"/>
                 <c:pt idx="0">
-                  <c:v>Categoria 1</c:v>
+                  <c:v>19ºC</c:v>
                 </c:pt>
                 <c:pt idx="1">
-                  <c:v>Categoria 2</c:v>
+                  <c:v>24ºC</c:v>
                 </c:pt>
                 <c:pt idx="2">
-                  <c:v>Categoria 3</c:v>
+                  <c:v>26ºC</c:v>
                 </c:pt>
                 <c:pt idx="3">
-                  <c:v>Categoria 4</c:v>
+                  <c:v>28ºC</c:v>
+                </c:pt>
+                <c:pt idx="4">
+                  <c:v>30ºC</c:v>
+                </c:pt>
+                <c:pt idx="5">
+                  <c:v>32ºC</c:v>
+                </c:pt>
+                <c:pt idx="6">
+                  <c:v>34ºC</c:v>
+                </c:pt>
+                <c:pt idx="7">
+                  <c:v>36ºC</c:v>
                 </c:pt>
               </c:strCache>
             </c:strRef>
           </c:cat>
           <c:val>
             <c:numRef>
-              <c:f>Sheet1!$C$2:$C$5</c:f>
+              <c:f>Sheet1!$C$2:$C$9</c:f>
               <c:numCache>
-                <c:formatCode>General</c:formatCode>
-                <c:ptCount val="4"/>
+                <c:formatCode>0</c:formatCode>
+                <c:ptCount val="8"/>
                 <c:pt idx="0">
-                  <c:v>2.4</c:v>
+                  <c:v>89</c:v>
                 </c:pt>
                 <c:pt idx="1">
-                  <c:v>4.4000000000000004</c:v>
+                  <c:v>5</c:v>
                 </c:pt>
                 <c:pt idx="2">
-                  <c:v>1.8</c:v>
+                  <c:v>3.5</c:v>
                 </c:pt>
                 <c:pt idx="3">
-                  <c:v>2.8</c:v>
+                  <c:v>12</c:v>
+                </c:pt>
+                <c:pt idx="4">
+                  <c:v>75</c:v>
+                </c:pt>
+                <c:pt idx="5">
+                  <c:v>270</c:v>
+                </c:pt>
+                <c:pt idx="6">
+                  <c:v>550</c:v>
+                </c:pt>
+                <c:pt idx="7">
+                  <c:v>700</c:v>
                 </c:pt>
               </c:numCache>
             </c:numRef>
           </c:val>
+          <c:smooth val="0"/>
           <c:extLst>
             <c:ext xmlns:c16="http://schemas.microsoft.com/office/drawing/2014/chart" uri="{C3380CC4-5D6E-409C-BE32-E72D297353CC}">
               <c16:uniqueId val="{00000001-A655-4A76-B9D5-8F6E90FF977F}"/>
             </c:ext>
           </c:extLst>
         </c:ser>
-        <c:ser>
-          <c:idx val="2"/>
-          <c:order val="2"/>
-          <c:tx>
-            <c:strRef>
-              <c:f>Sheet1!$D$1</c:f>
-              <c:strCache>
-                <c:ptCount val="1"/>
-                <c:pt idx="0">
-                  <c:v>Série 3</c:v>
-                </c:pt>
-              </c:strCache>
-            </c:strRef>
-          </c:tx>
-          <c:dPt>
-            <c:idx val="0"/>
-            <c:bubble3D val="0"/>
-            <c:spPr>
-              <a:solidFill>
-                <a:schemeClr val="accent1"/>
-              </a:solidFill>
-              <a:ln>
-                <a:noFill/>
-              </a:ln>
-              <a:effectLst>
-                <a:outerShdw blurRad="317500" algn="ctr" rotWithShape="0">
-                  <a:prstClr val="black">
-                    <a:alpha val="25000"/>
-                  </a:prstClr>
-                </a:outerShdw>
-              </a:effectLst>
-            </c:spPr>
-            <c:extLst>
-              <c:ext xmlns:c16="http://schemas.microsoft.com/office/drawing/2014/chart" uri="{C3380CC4-5D6E-409C-BE32-E72D297353CC}">
-                <c16:uniqueId val="{00000011-749E-4529-A1A6-5419C5DD7C65}"/>
-              </c:ext>
-            </c:extLst>
-          </c:dPt>
-          <c:dPt>
-            <c:idx val="1"/>
-            <c:bubble3D val="0"/>
-            <c:spPr>
-              <a:solidFill>
-                <a:schemeClr val="accent2"/>
-              </a:solidFill>
-              <a:ln>
-                <a:noFill/>
-              </a:ln>
-              <a:effectLst>
-                <a:outerShdw blurRad="317500" algn="ctr" rotWithShape="0">
-                  <a:prstClr val="black">
-                    <a:alpha val="25000"/>
-                  </a:prstClr>
-                </a:outerShdw>
-              </a:effectLst>
-            </c:spPr>
-            <c:extLst>
-              <c:ext xmlns:c16="http://schemas.microsoft.com/office/drawing/2014/chart" uri="{C3380CC4-5D6E-409C-BE32-E72D297353CC}">
-                <c16:uniqueId val="{00000013-749E-4529-A1A6-5419C5DD7C65}"/>
-              </c:ext>
-            </c:extLst>
-          </c:dPt>
-          <c:dPt>
-            <c:idx val="2"/>
-            <c:bubble3D val="0"/>
-            <c:spPr>
-              <a:solidFill>
-                <a:schemeClr val="accent3"/>
-              </a:solidFill>
-              <a:ln>
-                <a:noFill/>
-              </a:ln>
-              <a:effectLst>
-                <a:outerShdw blurRad="317500" algn="ctr" rotWithShape="0">
-                  <a:prstClr val="black">
-                    <a:alpha val="25000"/>
-                  </a:prstClr>
-                </a:outerShdw>
-              </a:effectLst>
-            </c:spPr>
-            <c:extLst>
-              <c:ext xmlns:c16="http://schemas.microsoft.com/office/drawing/2014/chart" uri="{C3380CC4-5D6E-409C-BE32-E72D297353CC}">
-                <c16:uniqueId val="{00000015-749E-4529-A1A6-5419C5DD7C65}"/>
-              </c:ext>
-            </c:extLst>
-          </c:dPt>
-          <c:dPt>
-            <c:idx val="3"/>
-            <c:bubble3D val="0"/>
-            <c:spPr>
-              <a:solidFill>
-                <a:schemeClr val="accent4"/>
-              </a:solidFill>
-              <a:ln>
-                <a:noFill/>
-              </a:ln>
-              <a:effectLst>
-                <a:outerShdw blurRad="317500" algn="ctr" rotWithShape="0">
-                  <a:prstClr val="black">
-                    <a:alpha val="25000"/>
-                  </a:prstClr>
-                </a:outerShdw>
-              </a:effectLst>
-            </c:spPr>
-            <c:extLst>
-              <c:ext xmlns:c16="http://schemas.microsoft.com/office/drawing/2014/chart" uri="{C3380CC4-5D6E-409C-BE32-E72D297353CC}">
-                <c16:uniqueId val="{00000017-749E-4529-A1A6-5419C5DD7C65}"/>
-              </c:ext>
-            </c:extLst>
-          </c:dPt>
-          <c:dLbls>
-            <c:spPr>
-              <a:noFill/>
-              <a:ln>
-                <a:noFill/>
-              </a:ln>
-              <a:effectLst/>
-            </c:spPr>
-            <c:txPr>
-              <a:bodyPr rot="0" spcFirstLastPara="1" vertOverflow="ellipsis" vert="horz" wrap="square" lIns="38100" tIns="19050" rIns="38100" bIns="19050" anchor="ctr" anchorCtr="1">
-                <a:spAutoFit/>
-              </a:bodyPr>
-              <a:lstStyle/>
-              <a:p>
-                <a:pPr>
-                  <a:defRPr sz="1197" b="1" i="0" u="none" strike="noStrike" kern="1200" baseline="0">
-                    <a:solidFill>
-                      <a:schemeClr val="lt1"/>
-                    </a:solidFill>
-                    <a:latin typeface="+mn-lt"/>
-                    <a:ea typeface="+mn-ea"/>
-                    <a:cs typeface="+mn-cs"/>
-                  </a:defRPr>
-                </a:pPr>
-                <a:endParaRPr lang="pt-BR"/>
-              </a:p>
-            </c:txPr>
-            <c:dLblPos val="inEnd"/>
-            <c:showLegendKey val="0"/>
-            <c:showVal val="0"/>
-            <c:showCatName val="0"/>
-            <c:showSerName val="0"/>
-            <c:showPercent val="1"/>
-            <c:showBubbleSize val="0"/>
-            <c:showLeaderLines val="1"/>
-            <c:leaderLines>
-              <c:spPr>
-                <a:ln w="9525" cap="flat" cmpd="sng" algn="ctr">
-                  <a:solidFill>
-                    <a:schemeClr val="dk1">
-                      <a:lumMod val="35000"/>
-                      <a:lumOff val="65000"/>
-                    </a:schemeClr>
-                  </a:solidFill>
-                  <a:round/>
-                </a:ln>
-                <a:effectLst/>
-              </c:spPr>
-            </c:leaderLines>
-            <c:extLst>
-              <c:ext xmlns:c15="http://schemas.microsoft.com/office/drawing/2012/chart" uri="{CE6537A1-D6FC-4f65-9D91-7224C49458BB}"/>
-            </c:extLst>
-          </c:dLbls>
-          <c:cat>
-            <c:strRef>
-              <c:f>Sheet1!$A$2:$A$5</c:f>
-              <c:strCache>
-                <c:ptCount val="4"/>
-                <c:pt idx="0">
-                  <c:v>Categoria 1</c:v>
-                </c:pt>
-                <c:pt idx="1">
-                  <c:v>Categoria 2</c:v>
-                </c:pt>
-                <c:pt idx="2">
-                  <c:v>Categoria 3</c:v>
-                </c:pt>
-                <c:pt idx="3">
-                  <c:v>Categoria 4</c:v>
-                </c:pt>
-              </c:strCache>
-            </c:strRef>
-          </c:cat>
-          <c:val>
-            <c:numRef>
-              <c:f>Sheet1!$D$2:$D$5</c:f>
-              <c:numCache>
-                <c:formatCode>General</c:formatCode>
-                <c:ptCount val="4"/>
-                <c:pt idx="0">
-                  <c:v>2</c:v>
-                </c:pt>
-                <c:pt idx="1">
-                  <c:v>2</c:v>
-                </c:pt>
-                <c:pt idx="2">
-                  <c:v>3</c:v>
-                </c:pt>
-                <c:pt idx="3">
-                  <c:v>5</c:v>
-                </c:pt>
-              </c:numCache>
-            </c:numRef>
-          </c:val>
-          <c:extLst>
-            <c:ext xmlns:c16="http://schemas.microsoft.com/office/drawing/2014/chart" uri="{C3380CC4-5D6E-409C-BE32-E72D297353CC}">
-              <c16:uniqueId val="{00000002-A655-4A76-B9D5-8F6E90FF977F}"/>
-            </c:ext>
-          </c:extLst>
-        </c:ser>
         <c:dLbls>
-          <c:dLblPos val="inEnd"/>
           <c:showLegendKey val="0"/>
           <c:showVal val="0"/>
           <c:showCatName val="0"/>
           <c:showSerName val="0"/>
-          <c:showPercent val="1"/>
+          <c:showPercent val="0"/>
           <c:showBubbleSize val="0"/>
-          <c:showLeaderLines val="1"/>
         </c:dLbls>
-        <c:firstSliceAng val="0"/>
-      </c:pieChart>
+        <c:marker val="1"/>
+        <c:smooth val="0"/>
+        <c:axId val="263410872"/>
+        <c:axId val="263403656"/>
+      </c:lineChart>
+      <c:catAx>
+        <c:axId val="263410872"/>
+        <c:scaling>
+          <c:orientation val="minMax"/>
+        </c:scaling>
+        <c:delete val="0"/>
+        <c:axPos val="b"/>
+        <c:numFmt formatCode="General" sourceLinked="1"/>
+        <c:majorTickMark val="none"/>
+        <c:minorTickMark val="none"/>
+        <c:tickLblPos val="nextTo"/>
+        <c:spPr>
+          <a:noFill/>
+          <a:ln w="9525" cap="flat" cmpd="sng" algn="ctr">
+            <a:solidFill>
+              <a:schemeClr val="tx1">
+                <a:lumMod val="15000"/>
+                <a:lumOff val="85000"/>
+              </a:schemeClr>
+            </a:solidFill>
+            <a:round/>
+          </a:ln>
+          <a:effectLst/>
+        </c:spPr>
+        <c:txPr>
+          <a:bodyPr rot="-60000000" spcFirstLastPara="1" vertOverflow="ellipsis" vert="horz" wrap="square" anchor="ctr" anchorCtr="1"/>
+          <a:lstStyle/>
+          <a:p>
+            <a:pPr>
+              <a:defRPr sz="1197" b="0" i="0" u="none" strike="noStrike" kern="1200" baseline="0">
+                <a:solidFill>
+                  <a:schemeClr val="tx1">
+                    <a:lumMod val="65000"/>
+                    <a:lumOff val="35000"/>
+                  </a:schemeClr>
+                </a:solidFill>
+                <a:latin typeface="+mn-lt"/>
+                <a:ea typeface="+mn-ea"/>
+                <a:cs typeface="+mn-cs"/>
+              </a:defRPr>
+            </a:pPr>
+            <a:endParaRPr lang="pt-BR"/>
+          </a:p>
+        </c:txPr>
+        <c:crossAx val="263403656"/>
+        <c:auto val="1"/>
+        <c:lblAlgn val="ctr"/>
+        <c:lblOffset val="100"/>
+        <c:noMultiLvlLbl val="0"/>
+      </c:catAx>
+      <c:valAx>
+        <c:axId val="263403656"/>
+        <c:scaling>
+          <c:orientation val="minMax"/>
+        </c:scaling>
+        <c:delete val="0"/>
+        <c:axPos val="l"/>
+        <c:majorGridlines>
+          <c:spPr>
+            <a:ln w="9525" cap="flat" cmpd="sng" algn="ctr">
+              <a:solidFill>
+                <a:schemeClr val="tx1">
+                  <a:lumMod val="15000"/>
+                  <a:lumOff val="85000"/>
+                </a:schemeClr>
+              </a:solidFill>
+              <a:round/>
+            </a:ln>
+            <a:effectLst/>
+          </c:spPr>
+        </c:majorGridlines>
+        <c:numFmt formatCode="0" sourceLinked="1"/>
+        <c:majorTickMark val="none"/>
+        <c:minorTickMark val="none"/>
+        <c:tickLblPos val="nextTo"/>
+        <c:spPr>
+          <a:noFill/>
+          <a:ln>
+            <a:noFill/>
+          </a:ln>
+          <a:effectLst/>
+        </c:spPr>
+        <c:txPr>
+          <a:bodyPr rot="-60000000" spcFirstLastPara="1" vertOverflow="ellipsis" vert="horz" wrap="square" anchor="ctr" anchorCtr="1"/>
+          <a:lstStyle/>
+          <a:p>
+            <a:pPr>
+              <a:defRPr sz="1197" b="0" i="0" u="none" strike="noStrike" kern="1200" baseline="0">
+                <a:solidFill>
+                  <a:schemeClr val="tx1">
+                    <a:lumMod val="65000"/>
+                    <a:lumOff val="35000"/>
+                  </a:schemeClr>
+                </a:solidFill>
+                <a:latin typeface="+mn-lt"/>
+                <a:ea typeface="+mn-ea"/>
+                <a:cs typeface="+mn-cs"/>
+              </a:defRPr>
+            </a:pPr>
+            <a:endParaRPr lang="pt-BR"/>
+          </a:p>
+        </c:txPr>
+        <c:crossAx val="263410872"/>
+        <c:crossBetween val="between"/>
+      </c:valAx>
       <c:spPr>
         <a:noFill/>
         <a:ln>
@@ -807,14 +919,9 @@
     </c:plotArea>
     <c:legend>
       <c:legendPos val="b"/>
-      <c:layout/>
       <c:overlay val="0"/>
       <c:spPr>
-        <a:solidFill>
-          <a:schemeClr val="lt1">
-            <a:alpha val="78000"/>
-          </a:schemeClr>
-        </a:solidFill>
+        <a:noFill/>
         <a:ln>
           <a:noFill/>
         </a:ln>
@@ -827,7 +934,7 @@
           <a:pPr>
             <a:defRPr sz="1197" b="0" i="0" u="none" strike="noStrike" kern="1200" baseline="0">
               <a:solidFill>
-                <a:schemeClr val="dk1">
+                <a:schemeClr val="tx1">
                   <a:lumMod val="65000"/>
                   <a:lumOff val="35000"/>
                 </a:schemeClr>
@@ -846,24 +953,9 @@
     <c:showDLblsOverMax val="0"/>
   </c:chart>
   <c:spPr>
-    <a:pattFill prst="dkDnDiag">
-      <a:fgClr>
-        <a:schemeClr val="lt1">
-          <a:lumMod val="95000"/>
-        </a:schemeClr>
-      </a:fgClr>
-      <a:bgClr>
-        <a:schemeClr val="lt1"/>
-      </a:bgClr>
-    </a:pattFill>
-    <a:ln w="9525" cap="flat" cmpd="sng" algn="ctr">
-      <a:solidFill>
-        <a:schemeClr val="dk1">
-          <a:lumMod val="15000"/>
-          <a:lumOff val="85000"/>
-        </a:schemeClr>
-      </a:solidFill>
-      <a:round/>
+    <a:noFill/>
+    <a:ln>
+      <a:noFill/>
     </a:ln>
     <a:effectLst/>
   </c:spPr>
@@ -924,52 +1016,33 @@
 </file>
 
 <file path=ppt/charts/style1.xml><?xml version="1.0" encoding="utf-8"?>
-<cs:chartStyle xmlns:cs="http://schemas.microsoft.com/office/drawing/2012/chartStyle" xmlns:a="http://schemas.openxmlformats.org/drawingml/2006/main" id="261">
+<cs:chartStyle xmlns:cs="http://schemas.microsoft.com/office/drawing/2012/chartStyle" xmlns:a="http://schemas.openxmlformats.org/drawingml/2006/main" id="227">
   <cs:axisTitle>
     <cs:lnRef idx="0"/>
     <cs:fillRef idx="0"/>
     <cs:effectRef idx="0"/>
     <cs:fontRef idx="minor">
-      <a:schemeClr val="dk1">
+      <a:schemeClr val="tx1">
         <a:lumMod val="65000"/>
         <a:lumOff val="35000"/>
       </a:schemeClr>
     </cs:fontRef>
-    <cs:defRPr sz="1197" kern="1200"/>
+    <cs:defRPr sz="1330" kern="1200"/>
   </cs:axisTitle>
   <cs:categoryAxis>
     <cs:lnRef idx="0"/>
     <cs:fillRef idx="0"/>
     <cs:effectRef idx="0"/>
     <cs:fontRef idx="minor">
-      <a:schemeClr val="dk1">
+      <a:schemeClr val="tx1">
         <a:lumMod val="65000"/>
         <a:lumOff val="35000"/>
       </a:schemeClr>
     </cs:fontRef>
-    <cs:defRPr sz="1197" kern="1200"/>
-  </cs:categoryAxis>
-  <cs:chartArea>
-    <cs:lnRef idx="0"/>
-    <cs:fillRef idx="0"/>
-    <cs:effectRef idx="0"/>
-    <cs:fontRef idx="minor">
-      <a:schemeClr val="dk1"/>
-    </cs:fontRef>
     <cs:spPr>
-      <a:pattFill prst="dkDnDiag">
-        <a:fgClr>
-          <a:schemeClr val="lt1">
-            <a:lumMod val="95000"/>
-          </a:schemeClr>
-        </a:fgClr>
-        <a:bgClr>
-          <a:schemeClr val="lt1"/>
-        </a:bgClr>
-      </a:pattFill>
       <a:ln w="9525" cap="flat" cmpd="sng" algn="ctr">
         <a:solidFill>
-          <a:schemeClr val="dk1">
+          <a:schemeClr val="tx1">
             <a:lumMod val="15000"/>
             <a:lumOff val="85000"/>
           </a:schemeClr>
@@ -978,15 +1051,41 @@
       </a:ln>
     </cs:spPr>
     <cs:defRPr sz="1197" kern="1200"/>
+  </cs:categoryAxis>
+  <cs:chartArea mods="allowNoFillOverride allowNoLineOverride">
+    <cs:lnRef idx="0"/>
+    <cs:fillRef idx="0"/>
+    <cs:effectRef idx="0"/>
+    <cs:fontRef idx="minor">
+      <a:schemeClr val="tx1"/>
+    </cs:fontRef>
+    <cs:spPr>
+      <a:solidFill>
+        <a:schemeClr val="bg1"/>
+      </a:solidFill>
+      <a:ln w="9525" cap="flat" cmpd="sng" algn="ctr">
+        <a:solidFill>
+          <a:schemeClr val="tx1">
+            <a:lumMod val="15000"/>
+            <a:lumOff val="85000"/>
+          </a:schemeClr>
+        </a:solidFill>
+        <a:round/>
+      </a:ln>
+    </cs:spPr>
+    <cs:defRPr sz="1330" kern="1200"/>
   </cs:chartArea>
   <cs:dataLabel>
     <cs:lnRef idx="0"/>
     <cs:fillRef idx="0"/>
     <cs:effectRef idx="0"/>
     <cs:fontRef idx="minor">
-      <a:schemeClr val="lt1"/>
+      <a:schemeClr val="tx1">
+        <a:lumMod val="75000"/>
+        <a:lumOff val="25000"/>
+      </a:schemeClr>
     </cs:fontRef>
-    <cs:defRPr sz="1197" b="1" i="0" u="none" strike="noStrike" kern="1200" baseline="0"/>
+    <cs:defRPr sz="1197" kern="1200"/>
   </cs:dataLabel>
   <cs:dataLabelCallout>
     <cs:lnRef idx="0"/>
@@ -1000,11 +1099,9 @@
     </cs:fontRef>
     <cs:spPr>
       <a:solidFill>
-        <a:schemeClr val="lt1">
-          <a:alpha val="75000"/>
-        </a:schemeClr>
+        <a:schemeClr val="lt1"/>
       </a:solidFill>
-      <a:ln w="9525">
+      <a:ln>
         <a:solidFill>
           <a:schemeClr val="dk1">
             <a:lumMod val="25000"/>
@@ -1020,61 +1117,42 @@
   </cs:dataLabelCallout>
   <cs:dataPoint>
     <cs:lnRef idx="0"/>
-    <cs:fillRef idx="0">
+    <cs:fillRef idx="1">
       <cs:styleClr val="auto"/>
     </cs:fillRef>
     <cs:effectRef idx="0"/>
     <cs:fontRef idx="minor">
-      <a:schemeClr val="dk1"/>
+      <a:schemeClr val="tx1"/>
     </cs:fontRef>
     <cs:spPr>
       <a:solidFill>
         <a:schemeClr val="phClr"/>
       </a:solidFill>
-      <a:effectLst>
-        <a:outerShdw blurRad="317500" algn="ctr" rotWithShape="0">
-          <a:prstClr val="black">
-            <a:alpha val="25000"/>
-          </a:prstClr>
-        </a:outerShdw>
-      </a:effectLst>
     </cs:spPr>
   </cs:dataPoint>
   <cs:dataPoint3D>
     <cs:lnRef idx="0"/>
-    <cs:fillRef idx="0">
+    <cs:fillRef idx="1">
       <cs:styleClr val="auto"/>
     </cs:fillRef>
     <cs:effectRef idx="0"/>
     <cs:fontRef idx="minor">
-      <a:schemeClr val="dk1"/>
+      <a:schemeClr val="tx1"/>
     </cs:fontRef>
     <cs:spPr>
       <a:solidFill>
         <a:schemeClr val="phClr"/>
       </a:solidFill>
-      <a:effectLst>
-        <a:outerShdw blurRad="88900" sx="102000" sy="102000" algn="ctr" rotWithShape="0">
-          <a:prstClr val="black">
-            <a:alpha val="20000"/>
-          </a:prstClr>
-        </a:outerShdw>
-      </a:effectLst>
-      <a:scene3d>
-        <a:camera prst="orthographicFront"/>
-        <a:lightRig rig="threePt" dir="t"/>
-      </a:scene3d>
-      <a:sp3d prstMaterial="matte"/>
     </cs:spPr>
   </cs:dataPoint3D>
   <cs:dataPointLine>
     <cs:lnRef idx="0">
       <cs:styleClr val="auto"/>
     </cs:lnRef>
-    <cs:fillRef idx="0"/>
+    <cs:fillRef idx="1"/>
     <cs:effectRef idx="0"/>
     <cs:fontRef idx="minor">
-      <a:schemeClr val="dk1"/>
+      <a:schemeClr val="tx1"/>
     </cs:fontRef>
     <cs:spPr>
       <a:ln w="28575" cap="rnd">
@@ -1086,13 +1164,15 @@
     </cs:spPr>
   </cs:dataPointLine>
   <cs:dataPointMarker>
-    <cs:lnRef idx="0"/>
-    <cs:fillRef idx="0">
+    <cs:lnRef idx="0">
+      <cs:styleClr val="auto"/>
+    </cs:lnRef>
+    <cs:fillRef idx="1">
       <cs:styleClr val="auto"/>
     </cs:fillRef>
     <cs:effectRef idx="0"/>
     <cs:fontRef idx="minor">
-      <a:schemeClr val="dk1"/>
+      <a:schemeClr val="tx1"/>
     </cs:fontRef>
     <cs:spPr>
       <a:solidFill>
@@ -1100,20 +1180,20 @@
       </a:solidFill>
       <a:ln w="9525">
         <a:solidFill>
-          <a:schemeClr val="lt1"/>
+          <a:schemeClr val="phClr"/>
         </a:solidFill>
       </a:ln>
     </cs:spPr>
   </cs:dataPointMarker>
-  <cs:dataPointMarkerLayout symbol="circle" size="6"/>
+  <cs:dataPointMarkerLayout symbol="circle" size="5"/>
   <cs:dataPointWireframe>
     <cs:lnRef idx="0">
       <cs:styleClr val="auto"/>
     </cs:lnRef>
-    <cs:fillRef idx="0"/>
+    <cs:fillRef idx="1"/>
     <cs:effectRef idx="0"/>
     <cs:fontRef idx="minor">
-      <a:schemeClr val="dk1"/>
+      <a:schemeClr val="tx1"/>
     </cs:fontRef>
     <cs:spPr>
       <a:ln w="9525" cap="rnd">
@@ -1129,7 +1209,7 @@
     <cs:fillRef idx="0"/>
     <cs:effectRef idx="0"/>
     <cs:fontRef idx="minor">
-      <a:schemeClr val="dk1">
+      <a:schemeClr val="tx1">
         <a:lumMod val="65000"/>
         <a:lumOff val="35000"/>
       </a:schemeClr>
@@ -1138,7 +1218,7 @@
       <a:noFill/>
       <a:ln w="9525" cap="flat" cmpd="sng" algn="ctr">
         <a:solidFill>
-          <a:schemeClr val="dk1">
+          <a:schemeClr val="tx1">
             <a:lumMod val="15000"/>
             <a:lumOff val="85000"/>
           </a:schemeClr>
@@ -1158,18 +1238,17 @@
     <cs:spPr>
       <a:solidFill>
         <a:schemeClr val="dk1">
-          <a:lumMod val="75000"/>
-          <a:lumOff val="25000"/>
+          <a:lumMod val="65000"/>
+          <a:lumOff val="35000"/>
         </a:schemeClr>
       </a:solidFill>
-      <a:ln w="9525" cap="flat" cmpd="sng" algn="ctr">
+      <a:ln w="9525">
         <a:solidFill>
-          <a:schemeClr val="dk1">
+          <a:schemeClr val="tx1">
             <a:lumMod val="65000"/>
             <a:lumOff val="35000"/>
           </a:schemeClr>
         </a:solidFill>
-        <a:round/>
       </a:ln>
     </cs:spPr>
   </cs:downBar>
@@ -1178,12 +1257,12 @@
     <cs:fillRef idx="0"/>
     <cs:effectRef idx="0"/>
     <cs:fontRef idx="minor">
-      <a:schemeClr val="dk1"/>
+      <a:schemeClr val="tx1"/>
     </cs:fontRef>
     <cs:spPr>
       <a:ln w="9525" cap="flat" cmpd="sng" algn="ctr">
         <a:solidFill>
-          <a:schemeClr val="dk1">
+          <a:schemeClr val="tx1">
             <a:lumMod val="35000"/>
             <a:lumOff val="65000"/>
           </a:schemeClr>
@@ -1197,12 +1276,12 @@
     <cs:fillRef idx="0"/>
     <cs:effectRef idx="0"/>
     <cs:fontRef idx="minor">
-      <a:schemeClr val="dk1"/>
+      <a:schemeClr val="tx1"/>
     </cs:fontRef>
     <cs:spPr>
       <a:ln w="9525" cap="flat" cmpd="sng" algn="ctr">
         <a:solidFill>
-          <a:schemeClr val="dk1">
+          <a:schemeClr val="tx1">
             <a:lumMod val="65000"/>
             <a:lumOff val="35000"/>
           </a:schemeClr>
@@ -1216,7 +1295,7 @@
     <cs:fillRef idx="0"/>
     <cs:effectRef idx="0"/>
     <cs:fontRef idx="minor">
-      <a:schemeClr val="dk1"/>
+      <a:schemeClr val="tx1"/>
     </cs:fontRef>
     <cs:spPr>
       <a:noFill/>
@@ -1230,12 +1309,12 @@
     <cs:fillRef idx="0"/>
     <cs:effectRef idx="0"/>
     <cs:fontRef idx="minor">
-      <a:schemeClr val="dk1"/>
+      <a:schemeClr val="tx1"/>
     </cs:fontRef>
     <cs:spPr>
       <a:ln w="9525" cap="flat" cmpd="sng" algn="ctr">
         <a:solidFill>
-          <a:schemeClr val="dk1">
+          <a:schemeClr val="tx1">
             <a:lumMod val="15000"/>
             <a:lumOff val="85000"/>
           </a:schemeClr>
@@ -1249,12 +1328,12 @@
     <cs:fillRef idx="0"/>
     <cs:effectRef idx="0"/>
     <cs:fontRef idx="minor">
-      <a:schemeClr val="dk1"/>
+      <a:schemeClr val="tx1"/>
     </cs:fontRef>
     <cs:spPr>
       <a:ln w="9525" cap="flat" cmpd="sng" algn="ctr">
         <a:solidFill>
-          <a:schemeClr val="dk1">
+          <a:schemeClr val="tx1">
             <a:lumMod val="5000"/>
             <a:lumOff val="95000"/>
           </a:schemeClr>
@@ -1268,14 +1347,14 @@
     <cs:fillRef idx="0"/>
     <cs:effectRef idx="0"/>
     <cs:fontRef idx="minor">
-      <a:schemeClr val="dk1"/>
+      <a:schemeClr val="tx1"/>
     </cs:fontRef>
     <cs:spPr>
       <a:ln w="9525" cap="flat" cmpd="sng" algn="ctr">
         <a:solidFill>
-          <a:schemeClr val="dk1">
-            <a:lumMod val="50000"/>
-            <a:lumOff val="50000"/>
+          <a:schemeClr val="tx1">
+            <a:lumMod val="75000"/>
+            <a:lumOff val="25000"/>
           </a:schemeClr>
         </a:solidFill>
         <a:round/>
@@ -1287,12 +1366,12 @@
     <cs:fillRef idx="0"/>
     <cs:effectRef idx="0"/>
     <cs:fontRef idx="minor">
-      <a:schemeClr val="dk1"/>
+      <a:schemeClr val="tx1"/>
     </cs:fontRef>
     <cs:spPr>
       <a:ln w="9525" cap="flat" cmpd="sng" algn="ctr">
         <a:solidFill>
-          <a:schemeClr val="dk1">
+          <a:schemeClr val="tx1">
             <a:lumMod val="35000"/>
             <a:lumOff val="65000"/>
           </a:schemeClr>
@@ -1306,18 +1385,11 @@
     <cs:fillRef idx="0"/>
     <cs:effectRef idx="0"/>
     <cs:fontRef idx="minor">
-      <a:schemeClr val="dk1">
+      <a:schemeClr val="tx1">
         <a:lumMod val="65000"/>
         <a:lumOff val="35000"/>
       </a:schemeClr>
     </cs:fontRef>
-    <cs:spPr>
-      <a:solidFill>
-        <a:schemeClr val="lt1">
-          <a:alpha val="78000"/>
-        </a:schemeClr>
-      </a:solidFill>
-    </cs:spPr>
     <cs:defRPr sz="1197" kern="1200"/>
   </cs:legend>
   <cs:plotArea mods="allowNoFillOverride allowNoLineOverride">
@@ -1325,7 +1397,7 @@
     <cs:fillRef idx="0"/>
     <cs:effectRef idx="0"/>
     <cs:fontRef idx="minor">
-      <a:schemeClr val="dk1"/>
+      <a:schemeClr val="tx1"/>
     </cs:fontRef>
   </cs:plotArea>
   <cs:plotArea3D mods="allowNoFillOverride allowNoLineOverride">
@@ -1333,7 +1405,7 @@
     <cs:fillRef idx="0"/>
     <cs:effectRef idx="0"/>
     <cs:fontRef idx="minor">
-      <a:schemeClr val="dk1"/>
+      <a:schemeClr val="tx1"/>
     </cs:fontRef>
   </cs:plotArea3D>
   <cs:seriesAxis>
@@ -1341,7 +1413,7 @@
     <cs:fillRef idx="0"/>
     <cs:effectRef idx="0"/>
     <cs:fontRef idx="minor">
-      <a:schemeClr val="dk1">
+      <a:schemeClr val="tx1">
         <a:lumMod val="65000"/>
         <a:lumOff val="35000"/>
       </a:schemeClr>
@@ -1353,12 +1425,12 @@
     <cs:fillRef idx="0"/>
     <cs:effectRef idx="0"/>
     <cs:fontRef idx="minor">
-      <a:schemeClr val="dk1"/>
+      <a:schemeClr val="tx1"/>
     </cs:fontRef>
     <cs:spPr>
       <a:ln w="9525" cap="flat" cmpd="sng" algn="ctr">
         <a:solidFill>
-          <a:schemeClr val="dk1">
+          <a:schemeClr val="tx1">
             <a:lumMod val="35000"/>
             <a:lumOff val="65000"/>
           </a:schemeClr>
@@ -1372,12 +1444,12 @@
     <cs:fillRef idx="0"/>
     <cs:effectRef idx="0"/>
     <cs:fontRef idx="minor">
-      <a:schemeClr val="dk1">
+      <a:schemeClr val="tx1">
         <a:lumMod val="65000"/>
         <a:lumOff val="35000"/>
       </a:schemeClr>
     </cs:fontRef>
-    <cs:defRPr sz="2200" b="1" kern="1200" baseline="0"/>
+    <cs:defRPr sz="1862" b="0" kern="1200" spc="0" baseline="0"/>
   </cs:title>
   <cs:trendline>
     <cs:lnRef idx="0">
@@ -1386,14 +1458,14 @@
     <cs:fillRef idx="0"/>
     <cs:effectRef idx="0"/>
     <cs:fontRef idx="minor">
-      <a:schemeClr val="dk1"/>
+      <a:schemeClr val="tx1"/>
     </cs:fontRef>
     <cs:spPr>
       <a:ln w="19050" cap="rnd">
         <a:solidFill>
           <a:schemeClr val="phClr"/>
         </a:solidFill>
-        <a:prstDash val="sysDash"/>
+        <a:prstDash val="sysDot"/>
       </a:ln>
     </cs:spPr>
   </cs:trendline>
@@ -1402,7 +1474,7 @@
     <cs:fillRef idx="0"/>
     <cs:effectRef idx="0"/>
     <cs:fontRef idx="minor">
-      <a:schemeClr val="dk1">
+      <a:schemeClr val="tx1">
         <a:lumMod val="65000"/>
         <a:lumOff val="35000"/>
       </a:schemeClr>
@@ -1420,14 +1492,13 @@
       <a:solidFill>
         <a:schemeClr val="lt1"/>
       </a:solidFill>
-      <a:ln w="9525" cap="flat" cmpd="sng" algn="ctr">
+      <a:ln w="9525">
         <a:solidFill>
-          <a:schemeClr val="dk1">
-            <a:lumMod val="65000"/>
-            <a:lumOff val="35000"/>
+          <a:schemeClr val="tx1">
+            <a:lumMod val="15000"/>
+            <a:lumOff val="85000"/>
           </a:schemeClr>
         </a:solidFill>
-        <a:round/>
       </a:ln>
     </cs:spPr>
   </cs:upBar>
@@ -1436,7 +1507,7 @@
     <cs:fillRef idx="0"/>
     <cs:effectRef idx="0"/>
     <cs:fontRef idx="minor">
-      <a:schemeClr val="dk1">
+      <a:schemeClr val="tx1">
         <a:lumMod val="65000"/>
         <a:lumOff val="35000"/>
       </a:schemeClr>
@@ -1448,8 +1519,14 @@
     <cs:fillRef idx="0"/>
     <cs:effectRef idx="0"/>
     <cs:fontRef idx="minor">
-      <a:schemeClr val="dk1"/>
+      <a:schemeClr val="tx1"/>
     </cs:fontRef>
+    <cs:spPr>
+      <a:noFill/>
+      <a:ln>
+        <a:noFill/>
+      </a:ln>
+    </cs:spPr>
   </cs:wall>
 </cs:chartStyle>
 </file>
@@ -2463,13 +2540,6 @@
         </dgm:presLayoutVars>
       </dgm:prSet>
       <dgm:spPr/>
-      <dgm:t>
-        <a:bodyPr/>
-        <a:lstStyle/>
-        <a:p>
-          <a:endParaRPr lang="pt-BR"/>
-        </a:p>
-      </dgm:t>
     </dgm:pt>
     <dgm:pt modelId="{705DFC51-4C30-4A07-9F0C-6EB770961C6F}" type="pres">
       <dgm:prSet presAssocID="{6CFF1BD9-AE1F-4488-8B72-01186EADA6FF}" presName="parTxOnlySpace" presStyleCnt="0"/>
@@ -2484,13 +2554,6 @@
         </dgm:presLayoutVars>
       </dgm:prSet>
       <dgm:spPr/>
-      <dgm:t>
-        <a:bodyPr/>
-        <a:lstStyle/>
-        <a:p>
-          <a:endParaRPr lang="pt-BR"/>
-        </a:p>
-      </dgm:t>
     </dgm:pt>
     <dgm:pt modelId="{01C6BCDE-530E-4D03-9CF5-9AB36CDC1FE1}" type="pres">
       <dgm:prSet presAssocID="{E1826C46-15A2-4345-B986-53D05F21F155}" presName="parTxOnlySpace" presStyleCnt="0"/>
@@ -2505,13 +2568,6 @@
         </dgm:presLayoutVars>
       </dgm:prSet>
       <dgm:spPr/>
-      <dgm:t>
-        <a:bodyPr/>
-        <a:lstStyle/>
-        <a:p>
-          <a:endParaRPr lang="pt-BR"/>
-        </a:p>
-      </dgm:t>
     </dgm:pt>
     <dgm:pt modelId="{8CB78EC1-7B74-4B6E-94C6-5F808A049A1F}" type="pres">
       <dgm:prSet presAssocID="{B6438016-7365-4FC0-A372-D90585B4B6EE}" presName="parTxOnlySpace" presStyleCnt="0"/>
@@ -2526,25 +2582,18 @@
         </dgm:presLayoutVars>
       </dgm:prSet>
       <dgm:spPr/>
-      <dgm:t>
-        <a:bodyPr/>
-        <a:lstStyle/>
-        <a:p>
-          <a:endParaRPr lang="pt-BR"/>
-        </a:p>
-      </dgm:t>
     </dgm:pt>
   </dgm:ptLst>
   <dgm:cxnLst>
-    <dgm:cxn modelId="{B8B909D0-D4F6-48D4-81DA-A58F34AE3646}" srcId="{44156040-AF98-4F2C-9909-9F2439F6F588}" destId="{A8B05E70-CCF1-4080-8EEE-6873C9D4B630}" srcOrd="2" destOrd="0" parTransId="{11D1F3D3-0002-4131-9F84-22FBF8692DA9}" sibTransId="{B6438016-7365-4FC0-A372-D90585B4B6EE}"/>
-    <dgm:cxn modelId="{777DC3C6-D336-4C94-A624-E5582A07ECAA}" srcId="{44156040-AF98-4F2C-9909-9F2439F6F588}" destId="{42147153-A6C2-4177-BA7D-2ACCC2C1B2F7}" srcOrd="3" destOrd="0" parTransId="{C6F68745-4C20-4204-96A6-585691399C14}" sibTransId="{0C6B132F-0347-46BA-86A4-3FAFB6676411}"/>
     <dgm:cxn modelId="{BF4A375F-A05B-45C3-9731-23DBACB9FC02}" type="presOf" srcId="{12E26E22-71B0-4386-A84F-ABF2FF66A99F}" destId="{919A589F-F74A-40C3-BE88-AB8730BCAB04}" srcOrd="0" destOrd="0" presId="urn:microsoft.com/office/officeart/2005/8/layout/chevron1"/>
     <dgm:cxn modelId="{B0E2386F-A443-4201-8130-FB9CC25AA154}" srcId="{44156040-AF98-4F2C-9909-9F2439F6F588}" destId="{74020AF3-C700-4606-8917-C6A353D7963A}" srcOrd="0" destOrd="0" parTransId="{87D99D21-0B4A-4259-89FB-0E5941CB535C}" sibTransId="{6CFF1BD9-AE1F-4488-8B72-01186EADA6FF}"/>
+    <dgm:cxn modelId="{BB4F9699-C9DE-46C4-A04B-CD52EF57D4C5}" type="presOf" srcId="{74020AF3-C700-4606-8917-C6A353D7963A}" destId="{881B8FEC-9D20-4669-BB2E-FA9CEA0BE5A9}" srcOrd="0" destOrd="0" presId="urn:microsoft.com/office/officeart/2005/8/layout/chevron1"/>
+    <dgm:cxn modelId="{9E75EA9C-2122-47C1-897A-5BBDE8D78AC4}" type="presOf" srcId="{A8B05E70-CCF1-4080-8EEE-6873C9D4B630}" destId="{268F2328-4548-422B-9C65-80797E16B241}" srcOrd="0" destOrd="0" presId="urn:microsoft.com/office/officeart/2005/8/layout/chevron1"/>
     <dgm:cxn modelId="{937639B3-2352-48E4-A96B-F63DF2119D92}" srcId="{44156040-AF98-4F2C-9909-9F2439F6F588}" destId="{12E26E22-71B0-4386-A84F-ABF2FF66A99F}" srcOrd="1" destOrd="0" parTransId="{3A6CB3CB-0F71-4CA8-93AA-0E3E3D59D313}" sibTransId="{E1826C46-15A2-4345-B986-53D05F21F155}"/>
-    <dgm:cxn modelId="{BB4F9699-C9DE-46C4-A04B-CD52EF57D4C5}" type="presOf" srcId="{74020AF3-C700-4606-8917-C6A353D7963A}" destId="{881B8FEC-9D20-4669-BB2E-FA9CEA0BE5A9}" srcOrd="0" destOrd="0" presId="urn:microsoft.com/office/officeart/2005/8/layout/chevron1"/>
+    <dgm:cxn modelId="{37A858B6-D71C-4E86-A467-E8D17167DE19}" type="presOf" srcId="{42147153-A6C2-4177-BA7D-2ACCC2C1B2F7}" destId="{BDD0B0F7-A87C-4B5B-A4C3-4E4BE6EB0FE4}" srcOrd="0" destOrd="0" presId="urn:microsoft.com/office/officeart/2005/8/layout/chevron1"/>
+    <dgm:cxn modelId="{777DC3C6-D336-4C94-A624-E5582A07ECAA}" srcId="{44156040-AF98-4F2C-9909-9F2439F6F588}" destId="{42147153-A6C2-4177-BA7D-2ACCC2C1B2F7}" srcOrd="3" destOrd="0" parTransId="{C6F68745-4C20-4204-96A6-585691399C14}" sibTransId="{0C6B132F-0347-46BA-86A4-3FAFB6676411}"/>
+    <dgm:cxn modelId="{B8B909D0-D4F6-48D4-81DA-A58F34AE3646}" srcId="{44156040-AF98-4F2C-9909-9F2439F6F588}" destId="{A8B05E70-CCF1-4080-8EEE-6873C9D4B630}" srcOrd="2" destOrd="0" parTransId="{11D1F3D3-0002-4131-9F84-22FBF8692DA9}" sibTransId="{B6438016-7365-4FC0-A372-D90585B4B6EE}"/>
     <dgm:cxn modelId="{383A5CFE-2D64-4002-A7C0-1E621409BFD6}" type="presOf" srcId="{44156040-AF98-4F2C-9909-9F2439F6F588}" destId="{1C61A9A2-33F2-469B-8AC4-A104A5A98D78}" srcOrd="0" destOrd="0" presId="urn:microsoft.com/office/officeart/2005/8/layout/chevron1"/>
-    <dgm:cxn modelId="{9E75EA9C-2122-47C1-897A-5BBDE8D78AC4}" type="presOf" srcId="{A8B05E70-CCF1-4080-8EEE-6873C9D4B630}" destId="{268F2328-4548-422B-9C65-80797E16B241}" srcOrd="0" destOrd="0" presId="urn:microsoft.com/office/officeart/2005/8/layout/chevron1"/>
-    <dgm:cxn modelId="{37A858B6-D71C-4E86-A467-E8D17167DE19}" type="presOf" srcId="{42147153-A6C2-4177-BA7D-2ACCC2C1B2F7}" destId="{BDD0B0F7-A87C-4B5B-A4C3-4E4BE6EB0FE4}" srcOrd="0" destOrd="0" presId="urn:microsoft.com/office/officeart/2005/8/layout/chevron1"/>
     <dgm:cxn modelId="{EDA037DE-3D60-46A9-9DDB-074A05981F8D}" type="presParOf" srcId="{1C61A9A2-33F2-469B-8AC4-A104A5A98D78}" destId="{881B8FEC-9D20-4669-BB2E-FA9CEA0BE5A9}" srcOrd="0" destOrd="0" presId="urn:microsoft.com/office/officeart/2005/8/layout/chevron1"/>
     <dgm:cxn modelId="{8F2A48B2-4519-4F7D-931D-1EB2DDCF4663}" type="presParOf" srcId="{1C61A9A2-33F2-469B-8AC4-A104A5A98D78}" destId="{705DFC51-4C30-4A07-9F0C-6EB770961C6F}" srcOrd="1" destOrd="0" presId="urn:microsoft.com/office/officeart/2005/8/layout/chevron1"/>
     <dgm:cxn modelId="{A8C49188-74D0-46A6-A671-569711775D6B}" type="presParOf" srcId="{1C61A9A2-33F2-469B-8AC4-A104A5A98D78}" destId="{919A589F-F74A-40C3-BE88-AB8730BCAB04}" srcOrd="2" destOrd="0" presId="urn:microsoft.com/office/officeart/2005/8/layout/chevron1"/>
@@ -2627,7 +2676,7 @@
         </a:bodyPr>
         <a:lstStyle/>
         <a:p>
-          <a:pPr lvl="0" algn="ctr" defTabSz="1333500" rtl="0">
+          <a:pPr marL="0" lvl="0" indent="0" algn="ctr" defTabSz="1333500" rtl="0">
             <a:lnSpc>
               <a:spcPct val="90000"/>
             </a:lnSpc>
@@ -2637,6 +2686,7 @@
             <a:spcAft>
               <a:spcPct val="35000"/>
             </a:spcAft>
+            <a:buNone/>
           </a:pPr>
           <a:r>
             <a:rPr lang="pt-BR" sz="3000" kern="1200" noProof="0" dirty="0"/>
@@ -2705,7 +2755,7 @@
         </a:bodyPr>
         <a:lstStyle/>
         <a:p>
-          <a:pPr lvl="0" algn="ctr" defTabSz="1333500" rtl="0">
+          <a:pPr marL="0" lvl="0" indent="0" algn="ctr" defTabSz="1333500" rtl="0">
             <a:lnSpc>
               <a:spcPct val="90000"/>
             </a:lnSpc>
@@ -2715,6 +2765,7 @@
             <a:spcAft>
               <a:spcPct val="35000"/>
             </a:spcAft>
+            <a:buNone/>
           </a:pPr>
           <a:r>
             <a:rPr lang="pt-BR" sz="3000" kern="1200" noProof="0" dirty="0"/>
@@ -2783,7 +2834,7 @@
         </a:bodyPr>
         <a:lstStyle/>
         <a:p>
-          <a:pPr lvl="0" algn="ctr" defTabSz="1333500" rtl="0">
+          <a:pPr marL="0" lvl="0" indent="0" algn="ctr" defTabSz="1333500" rtl="0">
             <a:lnSpc>
               <a:spcPct val="90000"/>
             </a:lnSpc>
@@ -2793,6 +2844,7 @@
             <a:spcAft>
               <a:spcPct val="35000"/>
             </a:spcAft>
+            <a:buNone/>
           </a:pPr>
           <a:r>
             <a:rPr lang="pt-BR" sz="3000" kern="1200" noProof="0" dirty="0"/>
@@ -2861,7 +2913,7 @@
         </a:bodyPr>
         <a:lstStyle/>
         <a:p>
-          <a:pPr lvl="0" algn="ctr" defTabSz="1333500" rtl="0">
+          <a:pPr marL="0" lvl="0" indent="0" algn="ctr" defTabSz="1333500" rtl="0">
             <a:lnSpc>
               <a:spcPct val="90000"/>
             </a:lnSpc>
@@ -2871,6 +2923,7 @@
             <a:spcAft>
               <a:spcPct val="35000"/>
             </a:spcAft>
+            <a:buNone/>
           </a:pPr>
           <a:r>
             <a:rPr lang="pt-BR" sz="3000" kern="1200" noProof="0" dirty="0"/>
@@ -4288,7 +4341,7 @@
             <a:pPr rtl="0"/>
             <a:fld id="{F769B0D5-7F55-455B-B769-84B61581E250}" type="datetime1">
               <a:rPr lang="pt-BR" smtClean="0"/>
-              <a:t>15/04/2019</a:t>
+              <a:t>22/04/2019</a:t>
             </a:fld>
             <a:endParaRPr lang="pt-BR" dirty="0"/>
           </a:p>
@@ -4458,7 +4511,7 @@
             <a:pPr rtl="0"/>
             <a:fld id="{1AFE56F6-A70B-491B-A989-29E38C94819E}" type="datetime1">
               <a:rPr lang="pt-BR" noProof="0" smtClean="0"/>
-              <a:t>15/04/2019</a:t>
+              <a:t>22/04/2019</a:t>
             </a:fld>
             <a:endParaRPr lang="pt-BR" noProof="0" dirty="0"/>
           </a:p>
@@ -4891,7 +4944,7 @@
             <a:pPr rtl="0"/>
             <a:fld id="{1B9A179D-2D27-49E2-B022-8EDDA2EFE682}" type="slidenum">
               <a:rPr lang="pt-BR" smtClean="0"/>
-              <a:t>10</a:t>
+              <a:t>14</a:t>
             </a:fld>
             <a:endParaRPr lang="pt-BR" dirty="0"/>
           </a:p>
@@ -4900,7 +4953,7 @@
     </p:spTree>
     <p:extLst>
       <p:ext uri="{BB962C8B-B14F-4D97-AF65-F5344CB8AC3E}">
-        <p14:creationId xmlns:p14="http://schemas.microsoft.com/office/powerpoint/2010/main" val="1405629098"/>
+        <p14:creationId xmlns:p14="http://schemas.microsoft.com/office/powerpoint/2010/main" val="4155057352"/>
       </p:ext>
     </p:extLst>
   </p:cSld>
@@ -4976,7 +5029,7 @@
             <a:pPr rtl="0"/>
             <a:fld id="{1B9A179D-2D27-49E2-B022-8EDDA2EFE682}" type="slidenum">
               <a:rPr lang="pt-BR" smtClean="0"/>
-              <a:t>11</a:t>
+              <a:t>15</a:t>
             </a:fld>
             <a:endParaRPr lang="pt-BR" dirty="0"/>
           </a:p>
@@ -4985,7 +5038,7 @@
     </p:spTree>
     <p:extLst>
       <p:ext uri="{BB962C8B-B14F-4D97-AF65-F5344CB8AC3E}">
-        <p14:creationId xmlns:p14="http://schemas.microsoft.com/office/powerpoint/2010/main" val="3584379344"/>
+        <p14:creationId xmlns:p14="http://schemas.microsoft.com/office/powerpoint/2010/main" val="3094019052"/>
       </p:ext>
     </p:extLst>
   </p:cSld>
@@ -5061,7 +5114,7 @@
             <a:pPr rtl="0"/>
             <a:fld id="{1B9A179D-2D27-49E2-B022-8EDDA2EFE682}" type="slidenum">
               <a:rPr lang="pt-BR" smtClean="0"/>
-              <a:t>12</a:t>
+              <a:t>16</a:t>
             </a:fld>
             <a:endParaRPr lang="pt-BR" dirty="0"/>
           </a:p>
@@ -5070,7 +5123,7 @@
     </p:spTree>
     <p:extLst>
       <p:ext uri="{BB962C8B-B14F-4D97-AF65-F5344CB8AC3E}">
-        <p14:creationId xmlns:p14="http://schemas.microsoft.com/office/powerpoint/2010/main" val="180770049"/>
+        <p14:creationId xmlns:p14="http://schemas.microsoft.com/office/powerpoint/2010/main" val="1405629098"/>
       </p:ext>
     </p:extLst>
   </p:cSld>
@@ -5146,7 +5199,7 @@
             <a:pPr rtl="0"/>
             <a:fld id="{1B9A179D-2D27-49E2-B022-8EDDA2EFE682}" type="slidenum">
               <a:rPr lang="pt-BR" smtClean="0"/>
-              <a:t>13</a:t>
+              <a:t>17</a:t>
             </a:fld>
             <a:endParaRPr lang="pt-BR" dirty="0"/>
           </a:p>
@@ -5155,7 +5208,7 @@
     </p:spTree>
     <p:extLst>
       <p:ext uri="{BB962C8B-B14F-4D97-AF65-F5344CB8AC3E}">
-        <p14:creationId xmlns:p14="http://schemas.microsoft.com/office/powerpoint/2010/main" val="791221967"/>
+        <p14:creationId xmlns:p14="http://schemas.microsoft.com/office/powerpoint/2010/main" val="3584379344"/>
       </p:ext>
     </p:extLst>
   </p:cSld>
@@ -5231,7 +5284,177 @@
             <a:pPr rtl="0"/>
             <a:fld id="{1B9A179D-2D27-49E2-B022-8EDDA2EFE682}" type="slidenum">
               <a:rPr lang="pt-BR" smtClean="0"/>
-              <a:t>14</a:t>
+              <a:t>18</a:t>
+            </a:fld>
+            <a:endParaRPr lang="pt-BR" dirty="0"/>
+          </a:p>
+        </p:txBody>
+      </p:sp>
+    </p:spTree>
+    <p:extLst>
+      <p:ext uri="{BB962C8B-B14F-4D97-AF65-F5344CB8AC3E}">
+        <p14:creationId xmlns:p14="http://schemas.microsoft.com/office/powerpoint/2010/main" val="180770049"/>
+      </p:ext>
+    </p:extLst>
+  </p:cSld>
+  <p:clrMapOvr>
+    <a:masterClrMapping/>
+  </p:clrMapOvr>
+</p:notes>
+</file>
+
+<file path=ppt/notesSlides/notesSlide15.xml><?xml version="1.0" encoding="utf-8"?>
+<p:notes xmlns:a="http://schemas.openxmlformats.org/drawingml/2006/main" xmlns:r="http://schemas.openxmlformats.org/officeDocument/2006/relationships" xmlns:p="http://schemas.openxmlformats.org/presentationml/2006/main">
+  <p:cSld>
+    <p:spTree>
+      <p:nvGrpSpPr>
+        <p:cNvPr id="1" name=""/>
+        <p:cNvGrpSpPr/>
+        <p:nvPr/>
+      </p:nvGrpSpPr>
+      <p:grpSpPr>
+        <a:xfrm>
+          <a:off x="0" y="0"/>
+          <a:ext cx="0" cy="0"/>
+          <a:chOff x="0" y="0"/>
+          <a:chExt cx="0" cy="0"/>
+        </a:xfrm>
+      </p:grpSpPr>
+      <p:sp>
+        <p:nvSpPr>
+          <p:cNvPr id="2" name="Espaço Reservado para Imagem de Slide 1"/>
+          <p:cNvSpPr>
+            <a:spLocks noGrp="1" noRot="1" noChangeAspect="1"/>
+          </p:cNvSpPr>
+          <p:nvPr>
+            <p:ph type="sldImg"/>
+          </p:nvPr>
+        </p:nvSpPr>
+        <p:spPr/>
+      </p:sp>
+      <p:sp>
+        <p:nvSpPr>
+          <p:cNvPr id="3" name="Espaço Reservado para Anotações 2"/>
+          <p:cNvSpPr>
+            <a:spLocks noGrp="1"/>
+          </p:cNvSpPr>
+          <p:nvPr>
+            <p:ph type="body" idx="1"/>
+          </p:nvPr>
+        </p:nvSpPr>
+        <p:spPr/>
+        <p:txBody>
+          <a:bodyPr/>
+          <a:lstStyle/>
+          <a:p>
+            <a:endParaRPr lang="pt-BR" dirty="0"/>
+          </a:p>
+        </p:txBody>
+      </p:sp>
+      <p:sp>
+        <p:nvSpPr>
+          <p:cNvPr id="4" name="Espaço Reservado para Número de Slide 3"/>
+          <p:cNvSpPr>
+            <a:spLocks noGrp="1"/>
+          </p:cNvSpPr>
+          <p:nvPr>
+            <p:ph type="sldNum" sz="quarter" idx="10"/>
+          </p:nvPr>
+        </p:nvSpPr>
+        <p:spPr/>
+        <p:txBody>
+          <a:bodyPr/>
+          <a:lstStyle/>
+          <a:p>
+            <a:pPr rtl="0"/>
+            <a:fld id="{1B9A179D-2D27-49E2-B022-8EDDA2EFE682}" type="slidenum">
+              <a:rPr lang="pt-BR" smtClean="0"/>
+              <a:t>19</a:t>
+            </a:fld>
+            <a:endParaRPr lang="pt-BR" dirty="0"/>
+          </a:p>
+        </p:txBody>
+      </p:sp>
+    </p:spTree>
+    <p:extLst>
+      <p:ext uri="{BB962C8B-B14F-4D97-AF65-F5344CB8AC3E}">
+        <p14:creationId xmlns:p14="http://schemas.microsoft.com/office/powerpoint/2010/main" val="791221967"/>
+      </p:ext>
+    </p:extLst>
+  </p:cSld>
+  <p:clrMapOvr>
+    <a:masterClrMapping/>
+  </p:clrMapOvr>
+</p:notes>
+</file>
+
+<file path=ppt/notesSlides/notesSlide16.xml><?xml version="1.0" encoding="utf-8"?>
+<p:notes xmlns:a="http://schemas.openxmlformats.org/drawingml/2006/main" xmlns:r="http://schemas.openxmlformats.org/officeDocument/2006/relationships" xmlns:p="http://schemas.openxmlformats.org/presentationml/2006/main">
+  <p:cSld>
+    <p:spTree>
+      <p:nvGrpSpPr>
+        <p:cNvPr id="1" name=""/>
+        <p:cNvGrpSpPr/>
+        <p:nvPr/>
+      </p:nvGrpSpPr>
+      <p:grpSpPr>
+        <a:xfrm>
+          <a:off x="0" y="0"/>
+          <a:ext cx="0" cy="0"/>
+          <a:chOff x="0" y="0"/>
+          <a:chExt cx="0" cy="0"/>
+        </a:xfrm>
+      </p:grpSpPr>
+      <p:sp>
+        <p:nvSpPr>
+          <p:cNvPr id="2" name="Espaço Reservado para Imagem de Slide 1"/>
+          <p:cNvSpPr>
+            <a:spLocks noGrp="1" noRot="1" noChangeAspect="1"/>
+          </p:cNvSpPr>
+          <p:nvPr>
+            <p:ph type="sldImg"/>
+          </p:nvPr>
+        </p:nvSpPr>
+        <p:spPr/>
+      </p:sp>
+      <p:sp>
+        <p:nvSpPr>
+          <p:cNvPr id="3" name="Espaço Reservado para Anotações 2"/>
+          <p:cNvSpPr>
+            <a:spLocks noGrp="1"/>
+          </p:cNvSpPr>
+          <p:nvPr>
+            <p:ph type="body" idx="1"/>
+          </p:nvPr>
+        </p:nvSpPr>
+        <p:spPr/>
+        <p:txBody>
+          <a:bodyPr/>
+          <a:lstStyle/>
+          <a:p>
+            <a:endParaRPr lang="pt-BR" dirty="0"/>
+          </a:p>
+        </p:txBody>
+      </p:sp>
+      <p:sp>
+        <p:nvSpPr>
+          <p:cNvPr id="4" name="Espaço Reservado para Número de Slide 3"/>
+          <p:cNvSpPr>
+            <a:spLocks noGrp="1"/>
+          </p:cNvSpPr>
+          <p:nvPr>
+            <p:ph type="sldNum" sz="quarter" idx="10"/>
+          </p:nvPr>
+        </p:nvSpPr>
+        <p:spPr/>
+        <p:txBody>
+          <a:bodyPr/>
+          <a:lstStyle/>
+          <a:p>
+            <a:pPr rtl="0"/>
+            <a:fld id="{1B9A179D-2D27-49E2-B022-8EDDA2EFE682}" type="slidenum">
+              <a:rPr lang="pt-BR" smtClean="0"/>
+              <a:t>20</a:t>
             </a:fld>
             <a:endParaRPr lang="pt-BR" dirty="0"/>
           </a:p>
@@ -5269,7 +5492,7 @@
       </p:grpSpPr>
       <p:sp>
         <p:nvSpPr>
-          <p:cNvPr id="2" name="Espaço Reservado para Imagem de Slide 1"/>
+          <p:cNvPr id="2" name="Espaço reservado para a imagem do slide 1"/>
           <p:cNvSpPr>
             <a:spLocks noGrp="1" noRot="1" noChangeAspect="1"/>
           </p:cNvSpPr>
@@ -5281,7 +5504,7 @@
       </p:sp>
       <p:sp>
         <p:nvSpPr>
-          <p:cNvPr id="3" name="Espaço Reservado para Anotações 2"/>
+          <p:cNvPr id="3" name="Espaço reservado para anotações 2"/>
           <p:cNvSpPr>
             <a:spLocks noGrp="1"/>
           </p:cNvSpPr>
@@ -5291,16 +5514,27 @@
         </p:nvSpPr>
         <p:spPr/>
         <p:txBody>
-          <a:bodyPr/>
+          <a:bodyPr rtlCol="0"/>
           <a:lstStyle/>
           <a:p>
+            <a:pPr rtl="0"/>
+            <a:r>
+              <a:rPr lang="pt-BR" sz="1200" i="1" dirty="0">
+                <a:latin typeface="Arial" pitchFamily="34" charset="0"/>
+                <a:cs typeface="Arial" pitchFamily="34" charset="0"/>
+              </a:rPr>
+              <a:t>Para alterar a imagem no slide, selecione e exclua a imagem. Em seguida, use o ícone Imagens no espaço reservado para inserir sua própria imagem.</a:t>
+            </a:r>
+          </a:p>
+          <a:p>
+            <a:pPr rtl="0"/>
             <a:endParaRPr lang="pt-BR" dirty="0"/>
           </a:p>
         </p:txBody>
       </p:sp>
       <p:sp>
         <p:nvSpPr>
-          <p:cNvPr id="4" name="Espaço Reservado para Número de Slide 3"/>
+          <p:cNvPr id="4" name="Espaço reservado para o número do slide 3"/>
           <p:cNvSpPr>
             <a:spLocks noGrp="1"/>
           </p:cNvSpPr>
@@ -5310,7 +5544,7 @@
         </p:nvSpPr>
         <p:spPr/>
         <p:txBody>
-          <a:bodyPr/>
+          <a:bodyPr rtlCol="0"/>
           <a:lstStyle/>
           <a:p>
             <a:pPr rtl="0"/>
@@ -5325,7 +5559,7 @@
     </p:spTree>
     <p:extLst>
       <p:ext uri="{BB962C8B-B14F-4D97-AF65-F5344CB8AC3E}">
-        <p14:creationId xmlns:p14="http://schemas.microsoft.com/office/powerpoint/2010/main" val="2425084913"/>
+        <p14:creationId xmlns:p14="http://schemas.microsoft.com/office/powerpoint/2010/main" val="3948613495"/>
       </p:ext>
     </p:extLst>
   </p:cSld>
@@ -5410,7 +5644,7 @@
     </p:spTree>
     <p:extLst>
       <p:ext uri="{BB962C8B-B14F-4D97-AF65-F5344CB8AC3E}">
-        <p14:creationId xmlns:p14="http://schemas.microsoft.com/office/powerpoint/2010/main" val="3138297910"/>
+        <p14:creationId xmlns:p14="http://schemas.microsoft.com/office/powerpoint/2010/main" val="2425084913"/>
       </p:ext>
     </p:extLst>
   </p:cSld>
@@ -5495,7 +5729,7 @@
     </p:spTree>
     <p:extLst>
       <p:ext uri="{BB962C8B-B14F-4D97-AF65-F5344CB8AC3E}">
-        <p14:creationId xmlns:p14="http://schemas.microsoft.com/office/powerpoint/2010/main" val="3851932273"/>
+        <p14:creationId xmlns:p14="http://schemas.microsoft.com/office/powerpoint/2010/main" val="3138297910"/>
       </p:ext>
     </p:extLst>
   </p:cSld>
@@ -5580,7 +5814,7 @@
     </p:spTree>
     <p:extLst>
       <p:ext uri="{BB962C8B-B14F-4D97-AF65-F5344CB8AC3E}">
-        <p14:creationId xmlns:p14="http://schemas.microsoft.com/office/powerpoint/2010/main" val="3579125351"/>
+        <p14:creationId xmlns:p14="http://schemas.microsoft.com/office/powerpoint/2010/main" val="876702353"/>
       </p:ext>
     </p:extLst>
   </p:cSld>
@@ -5665,7 +5899,7 @@
     </p:spTree>
     <p:extLst>
       <p:ext uri="{BB962C8B-B14F-4D97-AF65-F5344CB8AC3E}">
-        <p14:creationId xmlns:p14="http://schemas.microsoft.com/office/powerpoint/2010/main" val="715395530"/>
+        <p14:creationId xmlns:p14="http://schemas.microsoft.com/office/powerpoint/2010/main" val="3851932273"/>
       </p:ext>
     </p:extLst>
   </p:cSld>
@@ -5741,7 +5975,7 @@
             <a:pPr rtl="0"/>
             <a:fld id="{1B9A179D-2D27-49E2-B022-8EDDA2EFE682}" type="slidenum">
               <a:rPr lang="pt-BR" smtClean="0"/>
-              <a:t>7</a:t>
+              <a:t>11</a:t>
             </a:fld>
             <a:endParaRPr lang="pt-BR" dirty="0"/>
           </a:p>
@@ -5826,7 +6060,7 @@
             <a:pPr rtl="0"/>
             <a:fld id="{1B9A179D-2D27-49E2-B022-8EDDA2EFE682}" type="slidenum">
               <a:rPr lang="pt-BR" smtClean="0"/>
-              <a:t>8</a:t>
+              <a:t>12</a:t>
             </a:fld>
             <a:endParaRPr lang="pt-BR" dirty="0"/>
           </a:p>
@@ -5835,7 +6069,7 @@
     </p:spTree>
     <p:extLst>
       <p:ext uri="{BB962C8B-B14F-4D97-AF65-F5344CB8AC3E}">
-        <p14:creationId xmlns:p14="http://schemas.microsoft.com/office/powerpoint/2010/main" val="4155057352"/>
+        <p14:creationId xmlns:p14="http://schemas.microsoft.com/office/powerpoint/2010/main" val="3579125351"/>
       </p:ext>
     </p:extLst>
   </p:cSld>
@@ -5911,7 +6145,7 @@
             <a:pPr rtl="0"/>
             <a:fld id="{1B9A179D-2D27-49E2-B022-8EDDA2EFE682}" type="slidenum">
               <a:rPr lang="pt-BR" smtClean="0"/>
-              <a:t>9</a:t>
+              <a:t>13</a:t>
             </a:fld>
             <a:endParaRPr lang="pt-BR" dirty="0"/>
           </a:p>
@@ -5920,7 +6154,7 @@
     </p:spTree>
     <p:extLst>
       <p:ext uri="{BB962C8B-B14F-4D97-AF65-F5344CB8AC3E}">
-        <p14:creationId xmlns:p14="http://schemas.microsoft.com/office/powerpoint/2010/main" val="3094019052"/>
+        <p14:creationId xmlns:p14="http://schemas.microsoft.com/office/powerpoint/2010/main" val="715395530"/>
       </p:ext>
     </p:extLst>
   </p:cSld>
@@ -6532,7 +6766,7 @@
             <a:pPr rtl="0"/>
             <a:fld id="{ED540BCD-A9BE-4069-AF5C-2A3DFF693F79}" type="datetime1">
               <a:rPr lang="pt-BR" noProof="0" smtClean="0"/>
-              <a:t>15/04/2019</a:t>
+              <a:t>22/04/2019</a:t>
             </a:fld>
             <a:endParaRPr lang="pt-BR" noProof="0" dirty="0"/>
           </a:p>
@@ -7146,7 +7380,7 @@
             <a:pPr rtl="0"/>
             <a:fld id="{1CECCB52-40C2-4E99-85EA-E8A293866E2D}" type="datetime1">
               <a:rPr lang="pt-BR" noProof="0" smtClean="0"/>
-              <a:t>15/04/2019</a:t>
+              <a:t>22/04/2019</a:t>
             </a:fld>
             <a:endParaRPr lang="pt-BR" noProof="0" dirty="0"/>
           </a:p>
@@ -7335,7 +7569,7 @@
             <a:pPr rtl="0"/>
             <a:fld id="{E24EF33E-C11E-476F-ABF9-879EF9D37700}" type="datetime1">
               <a:rPr lang="pt-BR" noProof="0" smtClean="0"/>
-              <a:t>15/04/2019</a:t>
+              <a:t>22/04/2019</a:t>
             </a:fld>
             <a:endParaRPr lang="pt-BR" noProof="0" dirty="0"/>
           </a:p>
@@ -7674,7 +7908,7 @@
             <a:pPr rtl="0"/>
             <a:fld id="{AF3A9F66-FD54-49C7-9D08-483FEB75E766}" type="datetime1">
               <a:rPr lang="pt-BR" noProof="0" smtClean="0"/>
-              <a:t>15/04/2019</a:t>
+              <a:t>22/04/2019</a:t>
             </a:fld>
             <a:endParaRPr lang="pt-BR" noProof="0" dirty="0"/>
           </a:p>
@@ -7872,7 +8106,7 @@
             <a:pPr rtl="0"/>
             <a:fld id="{B76F022E-73DC-465B-A81F-663C39E9C6BC}" type="datetime1">
               <a:rPr lang="pt-BR" noProof="0" smtClean="0"/>
-              <a:t>15/04/2019</a:t>
+              <a:t>22/04/2019</a:t>
             </a:fld>
             <a:endParaRPr lang="pt-BR" noProof="0" dirty="0"/>
           </a:p>
@@ -9053,7 +9287,7 @@
             <a:pPr rtl="0"/>
             <a:fld id="{D032D7E7-0E3D-42EA-B60A-46262A5D0676}" type="datetime1">
               <a:rPr lang="pt-BR" noProof="0" smtClean="0"/>
-              <a:t>15/04/2019</a:t>
+              <a:t>22/04/2019</a:t>
             </a:fld>
             <a:endParaRPr lang="pt-BR" noProof="0" dirty="0"/>
           </a:p>
@@ -9443,7 +9677,7 @@
             <a:pPr rtl="0"/>
             <a:fld id="{A0DCB2DA-9F14-430D-AF4F-64B6EB5E00E7}" type="datetime1">
               <a:rPr lang="pt-BR" noProof="0" smtClean="0"/>
-              <a:t>15/04/2019</a:t>
+              <a:t>22/04/2019</a:t>
             </a:fld>
             <a:endParaRPr lang="pt-BR" noProof="0" dirty="0"/>
           </a:p>
@@ -9580,7 +9814,7 @@
             <a:pPr rtl="0"/>
             <a:fld id="{58A91CED-09DA-4ECE-92C8-759A4ED95185}" type="datetime1">
               <a:rPr lang="pt-BR" noProof="0" smtClean="0"/>
-              <a:t>15/04/2019</a:t>
+              <a:t>22/04/2019</a:t>
             </a:fld>
             <a:endParaRPr lang="pt-BR" noProof="0" dirty="0"/>
           </a:p>
@@ -9693,7 +9927,7 @@
             <a:pPr rtl="0"/>
             <a:fld id="{84518F8F-CA65-4BFD-A461-B66071DAF05B}" type="datetime1">
               <a:rPr lang="pt-BR" noProof="0" smtClean="0"/>
-              <a:t>15/04/2019</a:t>
+              <a:t>22/04/2019</a:t>
             </a:fld>
             <a:endParaRPr lang="pt-BR" noProof="0" dirty="0"/>
           </a:p>
@@ -9991,7 +10225,7 @@
             <a:pPr rtl="0"/>
             <a:fld id="{1FF51EBE-146A-4C5F-B6C5-AA4426FEB226}" type="datetime1">
               <a:rPr lang="pt-BR" noProof="0" smtClean="0"/>
-              <a:t>15/04/2019</a:t>
+              <a:t>22/04/2019</a:t>
             </a:fld>
             <a:endParaRPr lang="pt-BR" noProof="0" dirty="0"/>
           </a:p>
@@ -10375,7 +10609,7 @@
             <a:pPr rtl="0"/>
             <a:fld id="{AF879DE6-BF0A-412B-BA5D-89651B90F81D}" type="datetime1">
               <a:rPr lang="pt-BR" noProof="0" smtClean="0"/>
-              <a:t>15/04/2019</a:t>
+              <a:t>22/04/2019</a:t>
             </a:fld>
             <a:endParaRPr lang="pt-BR" noProof="0" dirty="0"/>
           </a:p>
@@ -10817,14 +11051,38 @@
           <p:nvPr/>
         </p:nvPicPr>
         <p:blipFill>
-          <a:blip r:embed="rId4"/>
+          <a:blip r:embed="rId4">
+            <a:extLst>
+              <a:ext uri="{BEBA8EAE-BF5A-486C-A8C5-ECC9F3942E4B}">
+                <a14:imgProps xmlns:a14="http://schemas.microsoft.com/office/drawing/2010/main">
+                  <a14:imgLayer r:embed="rId5">
+                    <a14:imgEffect>
+                      <a14:backgroundRemoval t="9798" b="89914" l="9908" r="90501">
+                        <a14:foregroundMark x1="14300" y1="29683" x2="16139" y2="54179"/>
+                        <a14:foregroundMark x1="16139" y1="54179" x2="15628" y2="63112"/>
+                        <a14:foregroundMark x1="23596" y1="46398" x2="23596" y2="56484"/>
+                        <a14:foregroundMark x1="32686" y1="47839" x2="32074" y2="53602"/>
+                        <a14:foregroundMark x1="41471" y1="42075" x2="41471" y2="53602"/>
+                        <a14:foregroundMark x1="64454" y1="49856" x2="64454" y2="59366"/>
+                        <a14:foregroundMark x1="77120" y1="44957" x2="81205" y2="46974"/>
+                        <a14:foregroundMark x1="89990" y1="46974" x2="90501" y2="49280"/>
+                        <a14:foregroundMark x1="90296" y1="34582" x2="90296" y2="34582"/>
+                        <a14:foregroundMark x1="59040" y1="54467" x2="58529" y2="49856"/>
+                        <a14:foregroundMark x1="19714" y1="53026" x2="20020" y2="56484"/>
+                      </a14:backgroundRemoval>
+                    </a14:imgEffect>
+                  </a14:imgLayer>
+                </a14:imgProps>
+              </a:ext>
+            </a:extLst>
+          </a:blip>
           <a:stretch>
             <a:fillRect/>
           </a:stretch>
         </p:blipFill>
         <p:spPr>
           <a:xfrm>
-            <a:off x="567082" y="1863969"/>
+            <a:off x="724244" y="2821232"/>
             <a:ext cx="5528918" cy="1959688"/>
           </a:xfrm>
           <a:prstGeom prst="rect">
@@ -10834,7 +11092,13 @@
       </p:pic>
       <p:sp>
         <p:nvSpPr>
-          <p:cNvPr id="3" name="Subtítulo 2"/>
+          <p:cNvPr id="4" name="Subtítulo 3">
+            <a:extLst>
+              <a:ext uri="{FF2B5EF4-FFF2-40B4-BE49-F238E27FC236}">
+                <a16:creationId xmlns:a16="http://schemas.microsoft.com/office/drawing/2014/main" id="{A03A11CC-27AA-4471-82B6-98BA97F98436}"/>
+              </a:ext>
+            </a:extLst>
+          </p:cNvPr>
           <p:cNvSpPr>
             <a:spLocks noGrp="1"/>
           </p:cNvSpPr>
@@ -10842,29 +11106,12 @@
             <p:ph type="subTitle" idx="1"/>
           </p:nvPr>
         </p:nvSpPr>
-        <p:spPr>
-          <a:xfrm>
-            <a:off x="1649149" y="3296118"/>
-            <a:ext cx="4353066" cy="771790"/>
-          </a:xfrm>
-        </p:spPr>
-        <p:txBody>
-          <a:bodyPr rtlCol="0"/>
+        <p:spPr/>
+        <p:txBody>
+          <a:bodyPr/>
           <a:lstStyle/>
           <a:p>
-            <a:pPr rtl="0"/>
-            <a:r>
-              <a:rPr lang="pt-BR" b="1" dirty="0">
-                <a:solidFill>
-                  <a:schemeClr val="tx1">
-                    <a:lumMod val="75000"/>
-                  </a:schemeClr>
-                </a:solidFill>
-                <a:latin typeface="Segoe UI" panose="020B0502040204020203" pitchFamily="34" charset="0"/>
-                <a:cs typeface="Segoe UI" panose="020B0502040204020203" pitchFamily="34" charset="0"/>
-              </a:rPr>
-              <a:t>Soluções para produtividade</a:t>
-            </a:r>
+            <a:endParaRPr lang="pt-BR"/>
           </a:p>
         </p:txBody>
       </p:sp>
@@ -10878,16 +11125,12 @@
   <p:clrMapOvr>
     <a:masterClrMapping/>
   </p:clrMapOvr>
-  <mc:AlternateContent xmlns:mc="http://schemas.openxmlformats.org/markup-compatibility/2006" xmlns:p14="http://schemas.microsoft.com/office/powerpoint/2010/main">
-    <mc:Choice Requires="p14">
-      <p:transition spd="med" p14:dur="700">
-        <p:fade/>
-      </p:transition>
+  <mc:AlternateContent xmlns:mc="http://schemas.openxmlformats.org/markup-compatibility/2006">
+    <mc:Choice xmlns:p14="http://schemas.microsoft.com/office/powerpoint/2010/main" Requires="p14">
+      <p:transition p14:dur="0"/>
     </mc:Choice>
-    <mc:Fallback xmlns="">
-      <p:transition spd="med">
-        <p:fade/>
-      </p:transition>
+    <mc:Fallback>
+      <p:transition/>
     </mc:Fallback>
   </mc:AlternateContent>
 </p:sld>
@@ -10912,7 +11155,13 @@
       </p:grpSpPr>
       <p:sp>
         <p:nvSpPr>
-          <p:cNvPr id="2" name="Título 1"/>
+          <p:cNvPr id="2" name="Título 1">
+            <a:extLst>
+              <a:ext uri="{FF2B5EF4-FFF2-40B4-BE49-F238E27FC236}">
+                <a16:creationId xmlns:a16="http://schemas.microsoft.com/office/drawing/2014/main" id="{8C31434F-F5E5-4957-A030-E76CB2F323E7}"/>
+              </a:ext>
+            </a:extLst>
+          </p:cNvPr>
           <p:cNvSpPr>
             <a:spLocks noGrp="1"/>
           </p:cNvSpPr>
@@ -10922,13 +11171,25 @@
         </p:nvSpPr>
         <p:spPr/>
         <p:txBody>
-          <a:bodyPr rtlCol="0"/>
+          <a:bodyPr/>
           <a:lstStyle/>
           <a:p>
-            <a:pPr rtl="0"/>
+            <a:pPr algn="ctr"/>
+            <a:r>
+              <a:rPr lang="pt-BR" dirty="0" err="1"/>
+              <a:t>Low</a:t>
+            </a:r>
             <a:r>
               <a:rPr lang="pt-BR" dirty="0"/>
-              <a:t>Adicionar título de slide – 4</a:t>
+              <a:t> </a:t>
+            </a:r>
+            <a:r>
+              <a:rPr lang="pt-BR" dirty="0" err="1"/>
+              <a:t>Level</a:t>
+            </a:r>
+            <a:r>
+              <a:rPr lang="pt-BR" dirty="0"/>
+              <a:t> Design</a:t>
             </a:r>
           </a:p>
         </p:txBody>
@@ -10936,21 +11197,21 @@
     </p:spTree>
     <p:extLst>
       <p:ext uri="{BB962C8B-B14F-4D97-AF65-F5344CB8AC3E}">
-        <p14:creationId xmlns:p14="http://schemas.microsoft.com/office/powerpoint/2010/main" val="3061729273"/>
+        <p14:creationId xmlns:p14="http://schemas.microsoft.com/office/powerpoint/2010/main" val="1824932081"/>
       </p:ext>
     </p:extLst>
   </p:cSld>
   <p:clrMapOvr>
     <a:masterClrMapping/>
   </p:clrMapOvr>
-  <mc:AlternateContent xmlns:mc="http://schemas.openxmlformats.org/markup-compatibility/2006" xmlns:p14="http://schemas.microsoft.com/office/powerpoint/2010/main">
-    <mc:Choice Requires="p14">
-      <p:transition spd="med" p14:dur="700">
-        <p:fade/>
+  <mc:AlternateContent xmlns:mc="http://schemas.openxmlformats.org/markup-compatibility/2006">
+    <mc:Choice xmlns:p159="http://schemas.microsoft.com/office/powerpoint/2015/09/main" Requires="p159">
+      <p:transition xmlns:p14="http://schemas.microsoft.com/office/powerpoint/2010/main" spd="slow" p14:dur="2000">
+        <p159:morph option="byObject"/>
       </p:transition>
     </mc:Choice>
-    <mc:Fallback xmlns="">
-      <p:transition spd="med">
+    <mc:Fallback>
+      <p:transition spd="slow">
         <p:fade/>
       </p:transition>
     </mc:Fallback>
@@ -10975,10 +11236,40 @@
           <a:chExt cx="0" cy="0"/>
         </a:xfrm>
       </p:grpSpPr>
+      <p:pic>
+        <p:nvPicPr>
+          <p:cNvPr id="6" name="Imagem 5">
+            <a:extLst>
+              <a:ext uri="{FF2B5EF4-FFF2-40B4-BE49-F238E27FC236}">
+                <a16:creationId xmlns:a16="http://schemas.microsoft.com/office/drawing/2014/main" id="{84ED9CF0-A186-47EE-AD5A-9F1572E2E486}"/>
+              </a:ext>
+            </a:extLst>
+          </p:cNvPr>
+          <p:cNvPicPr>
+            <a:picLocks noChangeAspect="1"/>
+          </p:cNvPicPr>
+          <p:nvPr/>
+        </p:nvPicPr>
+        <p:blipFill>
+          <a:blip r:embed="rId3"/>
+          <a:stretch>
+            <a:fillRect/>
+          </a:stretch>
+        </p:blipFill>
+        <p:spPr>
+          <a:xfrm>
+            <a:off x="0" y="656367"/>
+            <a:ext cx="11958638" cy="5545265"/>
+          </a:xfrm>
+          <a:prstGeom prst="rect">
+            <a:avLst/>
+          </a:prstGeom>
+        </p:spPr>
+      </p:pic>
     </p:spTree>
     <p:extLst>
       <p:ext uri="{BB962C8B-B14F-4D97-AF65-F5344CB8AC3E}">
-        <p14:creationId xmlns:p14="http://schemas.microsoft.com/office/powerpoint/2010/main" val="1455343978"/>
+        <p14:creationId xmlns:p14="http://schemas.microsoft.com/office/powerpoint/2010/main" val="1636679273"/>
       </p:ext>
     </p:extLst>
   </p:cSld>
@@ -11001,851 +11292,6 @@
 </file>
 
 <file path=ppt/slides/slide12.xml><?xml version="1.0" encoding="utf-8"?>
-<p:sld xmlns:a="http://schemas.openxmlformats.org/drawingml/2006/main" xmlns:r="http://schemas.openxmlformats.org/officeDocument/2006/relationships" xmlns:p="http://schemas.openxmlformats.org/presentationml/2006/main">
-  <p:cSld>
-    <p:spTree>
-      <p:nvGrpSpPr>
-        <p:cNvPr id="1" name=""/>
-        <p:cNvGrpSpPr/>
-        <p:nvPr/>
-      </p:nvGrpSpPr>
-      <p:grpSpPr>
-        <a:xfrm>
-          <a:off x="0" y="0"/>
-          <a:ext cx="0" cy="0"/>
-          <a:chOff x="0" y="0"/>
-          <a:chExt cx="0" cy="0"/>
-        </a:xfrm>
-      </p:grpSpPr>
-      <p:sp>
-        <p:nvSpPr>
-          <p:cNvPr id="2" name="Título 1"/>
-          <p:cNvSpPr>
-            <a:spLocks noGrp="1"/>
-          </p:cNvSpPr>
-          <p:nvPr>
-            <p:ph type="title"/>
-          </p:nvPr>
-        </p:nvSpPr>
-        <p:spPr/>
-        <p:txBody>
-          <a:bodyPr rtlCol="0"/>
-          <a:lstStyle/>
-          <a:p>
-            <a:pPr rtl="0"/>
-            <a:r>
-              <a:rPr lang="pt-BR" dirty="0"/>
-              <a:t>Adicionar título de slide – 5</a:t>
-            </a:r>
-          </a:p>
-        </p:txBody>
-      </p:sp>
-      <p:sp>
-        <p:nvSpPr>
-          <p:cNvPr id="5" name="Espaço reservado para conteúdo 4"/>
-          <p:cNvSpPr>
-            <a:spLocks noGrp="1"/>
-          </p:cNvSpPr>
-          <p:nvPr>
-            <p:ph idx="1"/>
-          </p:nvPr>
-        </p:nvSpPr>
-        <p:spPr/>
-        <p:txBody>
-          <a:bodyPr rtlCol="0"/>
-          <a:lstStyle/>
-          <a:p>
-            <a:pPr rtl="0"/>
-            <a:endParaRPr lang="pt-BR" dirty="0"/>
-          </a:p>
-        </p:txBody>
-      </p:sp>
-      <p:sp>
-        <p:nvSpPr>
-          <p:cNvPr id="6" name="Espaço reservado para texto 5"/>
-          <p:cNvSpPr>
-            <a:spLocks noGrp="1"/>
-          </p:cNvSpPr>
-          <p:nvPr>
-            <p:ph type="body" sz="half" idx="2"/>
-          </p:nvPr>
-        </p:nvSpPr>
-        <p:spPr/>
-        <p:txBody>
-          <a:bodyPr rtlCol="0"/>
-          <a:lstStyle/>
-          <a:p>
-            <a:pPr rtl="0"/>
-            <a:endParaRPr lang="pt-BR" dirty="0"/>
-          </a:p>
-        </p:txBody>
-      </p:sp>
-    </p:spTree>
-    <p:extLst>
-      <p:ext uri="{BB962C8B-B14F-4D97-AF65-F5344CB8AC3E}">
-        <p14:creationId xmlns:p14="http://schemas.microsoft.com/office/powerpoint/2010/main" val="332843759"/>
-      </p:ext>
-    </p:extLst>
-  </p:cSld>
-  <p:clrMapOvr>
-    <a:masterClrMapping/>
-  </p:clrMapOvr>
-  <mc:AlternateContent xmlns:mc="http://schemas.openxmlformats.org/markup-compatibility/2006" xmlns:p14="http://schemas.microsoft.com/office/powerpoint/2010/main">
-    <mc:Choice Requires="p14">
-      <p:transition spd="med" p14:dur="700">
-        <p:fade/>
-      </p:transition>
-    </mc:Choice>
-    <mc:Fallback xmlns="">
-      <p:transition spd="med">
-        <p:fade/>
-      </p:transition>
-    </mc:Fallback>
-  </mc:AlternateContent>
-</p:sld>
-</file>
-
-<file path=ppt/slides/slide13.xml><?xml version="1.0" encoding="utf-8"?>
-<p:sld xmlns:a="http://schemas.openxmlformats.org/drawingml/2006/main" xmlns:r="http://schemas.openxmlformats.org/officeDocument/2006/relationships" xmlns:p="http://schemas.openxmlformats.org/presentationml/2006/main">
-  <p:cSld>
-    <p:spTree>
-      <p:nvGrpSpPr>
-        <p:cNvPr id="1" name=""/>
-        <p:cNvGrpSpPr/>
-        <p:nvPr/>
-      </p:nvGrpSpPr>
-      <p:grpSpPr>
-        <a:xfrm>
-          <a:off x="0" y="0"/>
-          <a:ext cx="0" cy="0"/>
-          <a:chOff x="0" y="0"/>
-          <a:chExt cx="0" cy="0"/>
-        </a:xfrm>
-      </p:grpSpPr>
-      <p:sp>
-        <p:nvSpPr>
-          <p:cNvPr id="2" name="Título 1"/>
-          <p:cNvSpPr>
-            <a:spLocks noGrp="1"/>
-          </p:cNvSpPr>
-          <p:nvPr>
-            <p:ph type="title"/>
-          </p:nvPr>
-        </p:nvSpPr>
-        <p:spPr/>
-        <p:txBody>
-          <a:bodyPr rtlCol="0"/>
-          <a:lstStyle/>
-          <a:p>
-            <a:pPr rtl="0"/>
-            <a:r>
-              <a:rPr lang="pt-BR" dirty="0"/>
-              <a:t>Adicionar título de slide – 6</a:t>
-            </a:r>
-          </a:p>
-        </p:txBody>
-      </p:sp>
-      <p:sp>
-        <p:nvSpPr>
-          <p:cNvPr id="5" name="Espaço reservado para imagem 4" descr="Um espaço reservado vazio para adicionar uma imagem. Clique no espaço reservado e selecione a imagem que você deseja adicionar"/>
-          <p:cNvSpPr>
-            <a:spLocks noGrp="1"/>
-          </p:cNvSpPr>
-          <p:nvPr>
-            <p:ph type="pic" idx="1"/>
-          </p:nvPr>
-        </p:nvSpPr>
-        <p:spPr/>
-      </p:sp>
-      <p:sp>
-        <p:nvSpPr>
-          <p:cNvPr id="6" name="Espaço reservado para texto 5"/>
-          <p:cNvSpPr>
-            <a:spLocks noGrp="1"/>
-          </p:cNvSpPr>
-          <p:nvPr>
-            <p:ph type="body" sz="half" idx="2"/>
-          </p:nvPr>
-        </p:nvSpPr>
-        <p:spPr/>
-        <p:txBody>
-          <a:bodyPr rtlCol="0"/>
-          <a:lstStyle/>
-          <a:p>
-            <a:pPr rtl="0"/>
-            <a:endParaRPr lang="pt-BR" dirty="0"/>
-          </a:p>
-        </p:txBody>
-      </p:sp>
-    </p:spTree>
-    <p:extLst>
-      <p:ext uri="{BB962C8B-B14F-4D97-AF65-F5344CB8AC3E}">
-        <p14:creationId xmlns:p14="http://schemas.microsoft.com/office/powerpoint/2010/main" val="4129926194"/>
-      </p:ext>
-    </p:extLst>
-  </p:cSld>
-  <p:clrMapOvr>
-    <a:masterClrMapping/>
-  </p:clrMapOvr>
-  <mc:AlternateContent xmlns:mc="http://schemas.openxmlformats.org/markup-compatibility/2006" xmlns:p14="http://schemas.microsoft.com/office/powerpoint/2010/main">
-    <mc:Choice Requires="p14">
-      <p:transition spd="med" p14:dur="700">
-        <p:fade/>
-      </p:transition>
-    </mc:Choice>
-    <mc:Fallback xmlns="">
-      <p:transition spd="med">
-        <p:fade/>
-      </p:transition>
-    </mc:Fallback>
-  </mc:AlternateContent>
-</p:sld>
-</file>
-
-<file path=ppt/slides/slide14.xml><?xml version="1.0" encoding="utf-8"?>
-<p:sld xmlns:a="http://schemas.openxmlformats.org/drawingml/2006/main" xmlns:r="http://schemas.openxmlformats.org/officeDocument/2006/relationships" xmlns:p="http://schemas.openxmlformats.org/presentationml/2006/main">
-  <p:cSld>
-    <p:spTree>
-      <p:nvGrpSpPr>
-        <p:cNvPr id="1" name=""/>
-        <p:cNvGrpSpPr/>
-        <p:nvPr/>
-      </p:nvGrpSpPr>
-      <p:grpSpPr>
-        <a:xfrm>
-          <a:off x="0" y="0"/>
-          <a:ext cx="0" cy="0"/>
-          <a:chOff x="0" y="0"/>
-          <a:chExt cx="0" cy="0"/>
-        </a:xfrm>
-      </p:grpSpPr>
-      <p:sp>
-        <p:nvSpPr>
-          <p:cNvPr id="2" name="Título 1"/>
-          <p:cNvSpPr>
-            <a:spLocks noGrp="1"/>
-          </p:cNvSpPr>
-          <p:nvPr>
-            <p:ph type="title"/>
-          </p:nvPr>
-        </p:nvSpPr>
-        <p:spPr/>
-        <p:txBody>
-          <a:bodyPr rtlCol="0"/>
-          <a:lstStyle/>
-          <a:p>
-            <a:pPr rtl="0"/>
-            <a:r>
-              <a:rPr lang="pt-BR" dirty="0"/>
-              <a:t>Adicionar título de slide – 7</a:t>
-            </a:r>
-          </a:p>
-        </p:txBody>
-      </p:sp>
-      <p:sp>
-        <p:nvSpPr>
-          <p:cNvPr id="4" name="Espaço reservado para imagem 3"/>
-          <p:cNvSpPr>
-            <a:spLocks noGrp="1"/>
-          </p:cNvSpPr>
-          <p:nvPr>
-            <p:ph type="pic" idx="1"/>
-          </p:nvPr>
-        </p:nvSpPr>
-        <p:spPr/>
-      </p:sp>
-      <p:sp>
-        <p:nvSpPr>
-          <p:cNvPr id="5" name="Espaço reservado para texto 4"/>
-          <p:cNvSpPr>
-            <a:spLocks noGrp="1"/>
-          </p:cNvSpPr>
-          <p:nvPr>
-            <p:ph type="body" sz="half" idx="2"/>
-          </p:nvPr>
-        </p:nvSpPr>
-        <p:spPr/>
-        <p:txBody>
-          <a:bodyPr rtlCol="0"/>
-          <a:lstStyle/>
-          <a:p>
-            <a:pPr rtl="0"/>
-            <a:endParaRPr lang="pt-BR" dirty="0"/>
-          </a:p>
-        </p:txBody>
-      </p:sp>
-      <p:sp>
-        <p:nvSpPr>
-          <p:cNvPr id="6" name="Espaço reservado para imagem 5"/>
-          <p:cNvSpPr>
-            <a:spLocks noGrp="1"/>
-          </p:cNvSpPr>
-          <p:nvPr>
-            <p:ph type="pic" idx="13"/>
-          </p:nvPr>
-        </p:nvSpPr>
-        <p:spPr/>
-      </p:sp>
-      <p:sp>
-        <p:nvSpPr>
-          <p:cNvPr id="11" name="Espaço reservado para texto 10"/>
-          <p:cNvSpPr>
-            <a:spLocks noGrp="1"/>
-          </p:cNvSpPr>
-          <p:nvPr>
-            <p:ph type="body" sz="half" idx="14"/>
-          </p:nvPr>
-        </p:nvSpPr>
-        <p:spPr/>
-        <p:txBody>
-          <a:bodyPr rtlCol="0"/>
-          <a:lstStyle/>
-          <a:p>
-            <a:pPr rtl="0"/>
-            <a:endParaRPr lang="pt-BR" dirty="0"/>
-          </a:p>
-        </p:txBody>
-      </p:sp>
-    </p:spTree>
-    <p:extLst>
-      <p:ext uri="{BB962C8B-B14F-4D97-AF65-F5344CB8AC3E}">
-        <p14:creationId xmlns:p14="http://schemas.microsoft.com/office/powerpoint/2010/main" val="188841400"/>
-      </p:ext>
-    </p:extLst>
-  </p:cSld>
-  <p:clrMapOvr>
-    <a:masterClrMapping/>
-  </p:clrMapOvr>
-  <mc:AlternateContent xmlns:mc="http://schemas.openxmlformats.org/markup-compatibility/2006" xmlns:p14="http://schemas.microsoft.com/office/powerpoint/2010/main">
-    <mc:Choice Requires="p14">
-      <p:transition spd="med" p14:dur="700">
-        <p:fade/>
-      </p:transition>
-    </mc:Choice>
-    <mc:Fallback xmlns="">
-      <p:transition spd="med">
-        <p:fade/>
-      </p:transition>
-    </mc:Fallback>
-  </mc:AlternateContent>
-</p:sld>
-</file>
-
-<file path=ppt/slides/slide2.xml><?xml version="1.0" encoding="utf-8"?>
-<p:sld xmlns:a="http://schemas.openxmlformats.org/drawingml/2006/main" xmlns:r="http://schemas.openxmlformats.org/officeDocument/2006/relationships" xmlns:p="http://schemas.openxmlformats.org/presentationml/2006/main">
-  <p:cSld>
-    <p:spTree>
-      <p:nvGrpSpPr>
-        <p:cNvPr id="1" name=""/>
-        <p:cNvGrpSpPr/>
-        <p:nvPr/>
-      </p:nvGrpSpPr>
-      <p:grpSpPr>
-        <a:xfrm>
-          <a:off x="0" y="0"/>
-          <a:ext cx="0" cy="0"/>
-          <a:chOff x="0" y="0"/>
-          <a:chExt cx="0" cy="0"/>
-        </a:xfrm>
-      </p:grpSpPr>
-      <p:sp>
-        <p:nvSpPr>
-          <p:cNvPr id="2" name="Título 1"/>
-          <p:cNvSpPr>
-            <a:spLocks noGrp="1"/>
-          </p:cNvSpPr>
-          <p:nvPr>
-            <p:ph type="title"/>
-          </p:nvPr>
-        </p:nvSpPr>
-        <p:spPr/>
-        <p:txBody>
-          <a:bodyPr rtlCol="0"/>
-          <a:lstStyle/>
-          <a:p>
-            <a:pPr rtl="0"/>
-            <a:r>
-              <a:rPr lang="pt-BR" dirty="0" smtClean="0"/>
-              <a:t>Membros do Grupo</a:t>
-            </a:r>
-            <a:endParaRPr lang="pt-BR" dirty="0"/>
-          </a:p>
-        </p:txBody>
-      </p:sp>
-      <p:sp>
-        <p:nvSpPr>
-          <p:cNvPr id="3" name="Espaço reservado para conteúdo 2"/>
-          <p:cNvSpPr>
-            <a:spLocks noGrp="1"/>
-          </p:cNvSpPr>
-          <p:nvPr>
-            <p:ph idx="1"/>
-          </p:nvPr>
-        </p:nvSpPr>
-        <p:spPr>
-          <a:xfrm>
-            <a:off x="6918277" y="1981200"/>
-            <a:ext cx="4327478" cy="3439236"/>
-          </a:xfrm>
-        </p:spPr>
-        <p:txBody>
-          <a:bodyPr rtlCol="0"/>
-          <a:lstStyle/>
-          <a:p>
-            <a:pPr algn="just" rtl="0"/>
-            <a:endParaRPr lang="pt-BR" dirty="0"/>
-          </a:p>
-          <a:p>
-            <a:pPr algn="just" rtl="0"/>
-            <a:endParaRPr lang="pt-BR" dirty="0" smtClean="0"/>
-          </a:p>
-          <a:p>
-            <a:pPr algn="just" rtl="0"/>
-            <a:r>
-              <a:rPr lang="pt-BR" dirty="0" smtClean="0"/>
-              <a:t>Leticia Lago</a:t>
-            </a:r>
-          </a:p>
-          <a:p>
-            <a:pPr algn="just" rtl="0"/>
-            <a:r>
-              <a:rPr lang="pt-BR" dirty="0" smtClean="0"/>
-              <a:t>Natália Medina</a:t>
-            </a:r>
-          </a:p>
-          <a:p>
-            <a:pPr algn="just" rtl="0"/>
-            <a:r>
-              <a:rPr lang="pt-BR" dirty="0" smtClean="0"/>
-              <a:t>Vitor Leonardo</a:t>
-            </a:r>
-            <a:endParaRPr lang="pt-BR" dirty="0"/>
-          </a:p>
-        </p:txBody>
-      </p:sp>
-      <p:sp>
-        <p:nvSpPr>
-          <p:cNvPr id="4" name="Espaço reservado para conteúdo 2"/>
-          <p:cNvSpPr txBox="1">
-            <a:spLocks/>
-          </p:cNvSpPr>
-          <p:nvPr/>
-        </p:nvSpPr>
-        <p:spPr>
-          <a:xfrm>
-            <a:off x="1447800" y="1981200"/>
-            <a:ext cx="4327478" cy="3439236"/>
-          </a:xfrm>
-          <a:prstGeom prst="rect">
-            <a:avLst/>
-          </a:prstGeom>
-        </p:spPr>
-        <p:txBody>
-          <a:bodyPr vert="horz" lIns="91440" tIns="45720" rIns="91440" bIns="45720" rtlCol="0">
-            <a:normAutofit/>
-          </a:bodyPr>
-          <a:lstStyle>
-            <a:lvl1pPr marL="274320" indent="-274320" algn="l" defTabSz="914400" rtl="0" eaLnBrk="1" latinLnBrk="0" hangingPunct="1">
-              <a:lnSpc>
-                <a:spcPct val="90000"/>
-              </a:lnSpc>
-              <a:spcBef>
-                <a:spcPts val="1800"/>
-              </a:spcBef>
-              <a:buFont typeface="Arial" panose="020B0604020202020204" pitchFamily="34" charset="0"/>
-              <a:buChar char="•"/>
-              <a:defRPr sz="2400" kern="1200">
-                <a:solidFill>
-                  <a:schemeClr val="tx1"/>
-                </a:solidFill>
-                <a:latin typeface="+mn-lt"/>
-                <a:ea typeface="+mn-ea"/>
-                <a:cs typeface="+mn-cs"/>
-              </a:defRPr>
-            </a:lvl1pPr>
-            <a:lvl2pPr marL="548640" indent="-228600" algn="l" defTabSz="914400" rtl="0" eaLnBrk="1" latinLnBrk="0" hangingPunct="1">
-              <a:lnSpc>
-                <a:spcPct val="90000"/>
-              </a:lnSpc>
-              <a:spcBef>
-                <a:spcPts val="1000"/>
-              </a:spcBef>
-              <a:buFont typeface="Arial" panose="020B0604020202020204" pitchFamily="34" charset="0"/>
-              <a:buChar char="•"/>
-              <a:defRPr sz="2000" kern="1200">
-                <a:solidFill>
-                  <a:schemeClr val="tx1"/>
-                </a:solidFill>
-                <a:latin typeface="+mn-lt"/>
-                <a:ea typeface="+mn-ea"/>
-                <a:cs typeface="+mn-cs"/>
-              </a:defRPr>
-            </a:lvl2pPr>
-            <a:lvl3pPr marL="822960" indent="-228600" algn="l" defTabSz="914400" rtl="0" eaLnBrk="1" latinLnBrk="0" hangingPunct="1">
-              <a:lnSpc>
-                <a:spcPct val="90000"/>
-              </a:lnSpc>
-              <a:spcBef>
-                <a:spcPts val="800"/>
-              </a:spcBef>
-              <a:buFont typeface="Arial" panose="020B0604020202020204" pitchFamily="34" charset="0"/>
-              <a:buChar char="•"/>
-              <a:defRPr sz="1800" kern="1200">
-                <a:solidFill>
-                  <a:schemeClr val="tx1"/>
-                </a:solidFill>
-                <a:latin typeface="+mn-lt"/>
-                <a:ea typeface="+mn-ea"/>
-                <a:cs typeface="+mn-cs"/>
-              </a:defRPr>
-            </a:lvl3pPr>
-            <a:lvl4pPr marL="1097280" indent="-228600" algn="l" defTabSz="914400" rtl="0" eaLnBrk="1" latinLnBrk="0" hangingPunct="1">
-              <a:lnSpc>
-                <a:spcPct val="90000"/>
-              </a:lnSpc>
-              <a:spcBef>
-                <a:spcPts val="800"/>
-              </a:spcBef>
-              <a:buFont typeface="Arial" panose="020B0604020202020204" pitchFamily="34" charset="0"/>
-              <a:buChar char="•"/>
-              <a:defRPr sz="1600" kern="1200">
-                <a:solidFill>
-                  <a:schemeClr val="tx1"/>
-                </a:solidFill>
-                <a:latin typeface="+mn-lt"/>
-                <a:ea typeface="+mn-ea"/>
-                <a:cs typeface="+mn-cs"/>
-              </a:defRPr>
-            </a:lvl4pPr>
-            <a:lvl5pPr marL="1325880" indent="-228600" algn="l" defTabSz="914400" rtl="0" eaLnBrk="1" latinLnBrk="0" hangingPunct="1">
-              <a:lnSpc>
-                <a:spcPct val="90000"/>
-              </a:lnSpc>
-              <a:spcBef>
-                <a:spcPts val="800"/>
-              </a:spcBef>
-              <a:buFont typeface="Arial" panose="020B0604020202020204" pitchFamily="34" charset="0"/>
-              <a:buChar char="•"/>
-              <a:defRPr sz="1600" kern="1200">
-                <a:solidFill>
-                  <a:schemeClr val="tx1"/>
-                </a:solidFill>
-                <a:latin typeface="+mn-lt"/>
-                <a:ea typeface="+mn-ea"/>
-                <a:cs typeface="+mn-cs"/>
-              </a:defRPr>
-            </a:lvl5pPr>
-            <a:lvl6pPr marL="1554480" indent="-228600" algn="l" defTabSz="914400" rtl="0" eaLnBrk="1" latinLnBrk="0" hangingPunct="1">
-              <a:lnSpc>
-                <a:spcPct val="90000"/>
-              </a:lnSpc>
-              <a:spcBef>
-                <a:spcPts val="800"/>
-              </a:spcBef>
-              <a:buFont typeface="Arial" panose="020B0604020202020204" pitchFamily="34" charset="0"/>
-              <a:buChar char="•"/>
-              <a:defRPr sz="1600" kern="1200">
-                <a:solidFill>
-                  <a:schemeClr val="tx1"/>
-                </a:solidFill>
-                <a:latin typeface="+mn-lt"/>
-                <a:ea typeface="+mn-ea"/>
-                <a:cs typeface="+mn-cs"/>
-              </a:defRPr>
-            </a:lvl6pPr>
-            <a:lvl7pPr marL="1783080" indent="-228600" algn="l" defTabSz="914400" rtl="0" eaLnBrk="1" latinLnBrk="0" hangingPunct="1">
-              <a:lnSpc>
-                <a:spcPct val="90000"/>
-              </a:lnSpc>
-              <a:spcBef>
-                <a:spcPts val="800"/>
-              </a:spcBef>
-              <a:buFont typeface="Arial" panose="020B0604020202020204" pitchFamily="34" charset="0"/>
-              <a:buChar char="•"/>
-              <a:defRPr sz="1600" kern="1200">
-                <a:solidFill>
-                  <a:schemeClr val="tx1"/>
-                </a:solidFill>
-                <a:latin typeface="+mn-lt"/>
-                <a:ea typeface="+mn-ea"/>
-                <a:cs typeface="+mn-cs"/>
-              </a:defRPr>
-            </a:lvl7pPr>
-            <a:lvl8pPr marL="2011680" indent="-228600" algn="l" defTabSz="914400" rtl="0" eaLnBrk="1" latinLnBrk="0" hangingPunct="1">
-              <a:lnSpc>
-                <a:spcPct val="90000"/>
-              </a:lnSpc>
-              <a:spcBef>
-                <a:spcPts val="800"/>
-              </a:spcBef>
-              <a:buFont typeface="Arial" panose="020B0604020202020204" pitchFamily="34" charset="0"/>
-              <a:buChar char="•"/>
-              <a:defRPr sz="1600" kern="1200">
-                <a:solidFill>
-                  <a:schemeClr val="tx1"/>
-                </a:solidFill>
-                <a:latin typeface="+mn-lt"/>
-                <a:ea typeface="+mn-ea"/>
-                <a:cs typeface="+mn-cs"/>
-              </a:defRPr>
-            </a:lvl8pPr>
-            <a:lvl9pPr marL="2240280" indent="-228600" algn="l" defTabSz="914400" rtl="0" eaLnBrk="1" latinLnBrk="0" hangingPunct="1">
-              <a:lnSpc>
-                <a:spcPct val="90000"/>
-              </a:lnSpc>
-              <a:spcBef>
-                <a:spcPts val="800"/>
-              </a:spcBef>
-              <a:buFont typeface="Arial" panose="020B0604020202020204" pitchFamily="34" charset="0"/>
-              <a:buChar char="•"/>
-              <a:defRPr sz="1600" kern="1200">
-                <a:solidFill>
-                  <a:schemeClr val="tx1"/>
-                </a:solidFill>
-                <a:latin typeface="+mn-lt"/>
-                <a:ea typeface="+mn-ea"/>
-                <a:cs typeface="+mn-cs"/>
-              </a:defRPr>
-            </a:lvl9pPr>
-          </a:lstStyle>
-          <a:p>
-            <a:endParaRPr lang="pt-BR" dirty="0" smtClean="0"/>
-          </a:p>
-          <a:p>
-            <a:endParaRPr lang="pt-BR" dirty="0" smtClean="0"/>
-          </a:p>
-          <a:p>
-            <a:r>
-              <a:rPr lang="pt-BR" dirty="0" smtClean="0"/>
-              <a:t>Adriana </a:t>
-            </a:r>
-            <a:r>
-              <a:rPr lang="pt-BR" dirty="0" err="1" smtClean="0"/>
-              <a:t>Elva</a:t>
-            </a:r>
-            <a:r>
-              <a:rPr lang="pt-BR" dirty="0" smtClean="0"/>
-              <a:t> </a:t>
-            </a:r>
-          </a:p>
-          <a:p>
-            <a:r>
-              <a:rPr lang="pt-BR" dirty="0" smtClean="0"/>
-              <a:t>Fernanda Esteves</a:t>
-            </a:r>
-          </a:p>
-          <a:p>
-            <a:r>
-              <a:rPr lang="pt-BR" dirty="0" smtClean="0"/>
-              <a:t>Gustavo Henrique</a:t>
-            </a:r>
-          </a:p>
-        </p:txBody>
-      </p:sp>
-    </p:spTree>
-    <p:extLst>
-      <p:ext uri="{BB962C8B-B14F-4D97-AF65-F5344CB8AC3E}">
-        <p14:creationId xmlns:p14="http://schemas.microsoft.com/office/powerpoint/2010/main" val="3639872359"/>
-      </p:ext>
-    </p:extLst>
-  </p:cSld>
-  <p:clrMapOvr>
-    <a:masterClrMapping/>
-  </p:clrMapOvr>
-  <mc:AlternateContent xmlns:mc="http://schemas.openxmlformats.org/markup-compatibility/2006" xmlns:p14="http://schemas.microsoft.com/office/powerpoint/2010/main">
-    <mc:Choice Requires="p14">
-      <p:transition spd="med" p14:dur="700">
-        <p:fade/>
-      </p:transition>
-    </mc:Choice>
-    <mc:Fallback xmlns="">
-      <p:transition spd="med">
-        <p:fade/>
-      </p:transition>
-    </mc:Fallback>
-  </mc:AlternateContent>
-</p:sld>
-</file>
-
-<file path=ppt/slides/slide3.xml><?xml version="1.0" encoding="utf-8"?>
-<p:sld xmlns:a="http://schemas.openxmlformats.org/drawingml/2006/main" xmlns:r="http://schemas.openxmlformats.org/officeDocument/2006/relationships" xmlns:p="http://schemas.openxmlformats.org/presentationml/2006/main">
-  <p:cSld>
-    <p:spTree>
-      <p:nvGrpSpPr>
-        <p:cNvPr id="1" name=""/>
-        <p:cNvGrpSpPr/>
-        <p:nvPr/>
-      </p:nvGrpSpPr>
-      <p:grpSpPr>
-        <a:xfrm>
-          <a:off x="0" y="0"/>
-          <a:ext cx="0" cy="0"/>
-          <a:chOff x="0" y="0"/>
-          <a:chExt cx="0" cy="0"/>
-        </a:xfrm>
-      </p:grpSpPr>
-      <p:sp>
-        <p:nvSpPr>
-          <p:cNvPr id="2" name="Título 1"/>
-          <p:cNvSpPr>
-            <a:spLocks noGrp="1"/>
-          </p:cNvSpPr>
-          <p:nvPr>
-            <p:ph type="title"/>
-          </p:nvPr>
-        </p:nvSpPr>
-        <p:spPr/>
-        <p:txBody>
-          <a:bodyPr rtlCol="0"/>
-          <a:lstStyle/>
-          <a:p>
-            <a:pPr rtl="0"/>
-            <a:r>
-              <a:rPr lang="pt-BR" dirty="0" smtClean="0"/>
-              <a:t>O Projeto</a:t>
-            </a:r>
-            <a:endParaRPr lang="pt-BR" dirty="0"/>
-          </a:p>
-        </p:txBody>
-      </p:sp>
-      <p:sp>
-        <p:nvSpPr>
-          <p:cNvPr id="3" name="Espaço Reservado para Conteúdo 2"/>
-          <p:cNvSpPr>
-            <a:spLocks noGrp="1"/>
-          </p:cNvSpPr>
-          <p:nvPr>
-            <p:ph idx="1"/>
-          </p:nvPr>
-        </p:nvSpPr>
-        <p:spPr/>
-        <p:txBody>
-          <a:bodyPr/>
-          <a:lstStyle/>
-          <a:p>
-            <a:pPr marL="0" indent="0">
-              <a:buNone/>
-            </a:pPr>
-            <a:endParaRPr lang="pt-BR" dirty="0"/>
-          </a:p>
-        </p:txBody>
-      </p:sp>
-    </p:spTree>
-    <p:extLst>
-      <p:ext uri="{BB962C8B-B14F-4D97-AF65-F5344CB8AC3E}">
-        <p14:creationId xmlns:p14="http://schemas.microsoft.com/office/powerpoint/2010/main" val="3574231650"/>
-      </p:ext>
-    </p:extLst>
-  </p:cSld>
-  <p:clrMapOvr>
-    <a:masterClrMapping/>
-  </p:clrMapOvr>
-  <mc:AlternateContent xmlns:mc="http://schemas.openxmlformats.org/markup-compatibility/2006" xmlns:p14="http://schemas.microsoft.com/office/powerpoint/2010/main">
-    <mc:Choice Requires="p14">
-      <p:transition spd="med" p14:dur="700">
-        <p:fade/>
-      </p:transition>
-    </mc:Choice>
-    <mc:Fallback xmlns="">
-      <p:transition spd="med">
-        <p:fade/>
-      </p:transition>
-    </mc:Fallback>
-  </mc:AlternateContent>
-</p:sld>
-</file>
-
-<file path=ppt/slides/slide4.xml><?xml version="1.0" encoding="utf-8"?>
-<p:sld xmlns:a="http://schemas.openxmlformats.org/drawingml/2006/main" xmlns:r="http://schemas.openxmlformats.org/officeDocument/2006/relationships" xmlns:p="http://schemas.openxmlformats.org/presentationml/2006/main">
-  <p:cSld>
-    <p:spTree>
-      <p:nvGrpSpPr>
-        <p:cNvPr id="1" name=""/>
-        <p:cNvGrpSpPr/>
-        <p:nvPr/>
-      </p:nvGrpSpPr>
-      <p:grpSpPr>
-        <a:xfrm>
-          <a:off x="0" y="0"/>
-          <a:ext cx="0" cy="0"/>
-          <a:chOff x="0" y="0"/>
-          <a:chExt cx="0" cy="0"/>
-        </a:xfrm>
-      </p:grpSpPr>
-      <p:sp>
-        <p:nvSpPr>
-          <p:cNvPr id="2" name="Título 1"/>
-          <p:cNvSpPr>
-            <a:spLocks noGrp="1"/>
-          </p:cNvSpPr>
-          <p:nvPr>
-            <p:ph type="title"/>
-          </p:nvPr>
-        </p:nvSpPr>
-        <p:spPr/>
-        <p:txBody>
-          <a:bodyPr rtlCol="0"/>
-          <a:lstStyle/>
-          <a:p>
-            <a:pPr rtl="0"/>
-            <a:r>
-              <a:rPr lang="pt-BR" dirty="0"/>
-              <a:t>Título e layout de conteúdo com gráfico</a:t>
-            </a:r>
-          </a:p>
-        </p:txBody>
-      </p:sp>
-      <p:graphicFrame>
-        <p:nvGraphicFramePr>
-          <p:cNvPr id="6" name="Espaço reservado para conteúdo 5" descr="Gráfico de colunas clusterizado representando&#10;Gráfico de combinação de três séries para quatro categorias"/>
-          <p:cNvGraphicFramePr>
-            <a:graphicFrameLocks noGrp="1"/>
-          </p:cNvGraphicFramePr>
-          <p:nvPr>
-            <p:ph idx="1"/>
-            <p:extLst>
-              <p:ext uri="{D42A27DB-BD31-4B8C-83A1-F6EECF244321}">
-                <p14:modId xmlns:p14="http://schemas.microsoft.com/office/powerpoint/2010/main" val="3788173342"/>
-              </p:ext>
-            </p:extLst>
-          </p:nvPr>
-        </p:nvGraphicFramePr>
-        <p:xfrm>
-          <a:off x="1295400" y="1828800"/>
-          <a:ext cx="9601200" cy="4343400"/>
-        </p:xfrm>
-        <a:graphic>
-          <a:graphicData uri="http://schemas.openxmlformats.org/drawingml/2006/chart">
-            <c:chart xmlns:c="http://schemas.openxmlformats.org/drawingml/2006/chart" xmlns:r="http://schemas.openxmlformats.org/officeDocument/2006/relationships" r:id="rId3"/>
-          </a:graphicData>
-        </a:graphic>
-      </p:graphicFrame>
-    </p:spTree>
-    <p:extLst>
-      <p:ext uri="{BB962C8B-B14F-4D97-AF65-F5344CB8AC3E}">
-        <p14:creationId xmlns:p14="http://schemas.microsoft.com/office/powerpoint/2010/main" val="1179164655"/>
-      </p:ext>
-    </p:extLst>
-  </p:cSld>
-  <p:clrMapOvr>
-    <a:masterClrMapping/>
-  </p:clrMapOvr>
-  <mc:AlternateContent xmlns:mc="http://schemas.openxmlformats.org/markup-compatibility/2006" xmlns:p14="http://schemas.microsoft.com/office/powerpoint/2010/main">
-    <mc:Choice Requires="p14">
-      <p:transition spd="med" p14:dur="700">
-        <p:fade/>
-      </p:transition>
-    </mc:Choice>
-    <mc:Fallback xmlns="">
-      <p:transition spd="med">
-        <p:fade/>
-      </p:transition>
-    </mc:Fallback>
-  </mc:AlternateContent>
-</p:sld>
-</file>
-
-<file path=ppt/slides/slide5.xml><?xml version="1.0" encoding="utf-8"?>
 <p:sld xmlns:a="http://schemas.openxmlformats.org/drawingml/2006/main" xmlns:r="http://schemas.openxmlformats.org/officeDocument/2006/relationships" xmlns:p="http://schemas.openxmlformats.org/presentationml/2006/main">
   <p:cSld>
     <p:spTree>
@@ -12195,7 +11641,7 @@
 </p:sld>
 </file>
 
-<file path=ppt/slides/slide6.xml><?xml version="1.0" encoding="utf-8"?>
+<file path=ppt/slides/slide13.xml><?xml version="1.0" encoding="utf-8"?>
 <p:sld xmlns:a="http://schemas.openxmlformats.org/drawingml/2006/main" xmlns:r="http://schemas.openxmlformats.org/officeDocument/2006/relationships" xmlns:p="http://schemas.openxmlformats.org/presentationml/2006/main">
   <p:cSld>
     <p:spTree>
@@ -12290,92 +11736,7 @@
 </p:sld>
 </file>
 
-<file path=ppt/slides/slide7.xml><?xml version="1.0" encoding="utf-8"?>
-<p:sld xmlns:a="http://schemas.openxmlformats.org/drawingml/2006/main" xmlns:r="http://schemas.openxmlformats.org/officeDocument/2006/relationships" xmlns:p="http://schemas.openxmlformats.org/presentationml/2006/main">
-  <p:cSld>
-    <p:spTree>
-      <p:nvGrpSpPr>
-        <p:cNvPr id="1" name=""/>
-        <p:cNvGrpSpPr/>
-        <p:nvPr/>
-      </p:nvGrpSpPr>
-      <p:grpSpPr>
-        <a:xfrm>
-          <a:off x="0" y="0"/>
-          <a:ext cx="0" cy="0"/>
-          <a:chOff x="0" y="0"/>
-          <a:chExt cx="0" cy="0"/>
-        </a:xfrm>
-      </p:grpSpPr>
-      <p:sp>
-        <p:nvSpPr>
-          <p:cNvPr id="2" name="Título 1"/>
-          <p:cNvSpPr>
-            <a:spLocks noGrp="1"/>
-          </p:cNvSpPr>
-          <p:nvPr>
-            <p:ph type="ctrTitle"/>
-          </p:nvPr>
-        </p:nvSpPr>
-        <p:spPr/>
-        <p:txBody>
-          <a:bodyPr rtlCol="0"/>
-          <a:lstStyle/>
-          <a:p>
-            <a:pPr rtl="0"/>
-            <a:r>
-              <a:rPr lang="pt-BR" spc="-90" dirty="0"/>
-              <a:t>Adicionar título de slide – 1</a:t>
-            </a:r>
-          </a:p>
-        </p:txBody>
-      </p:sp>
-      <p:sp>
-        <p:nvSpPr>
-          <p:cNvPr id="4" name="Subtítulo 3"/>
-          <p:cNvSpPr>
-            <a:spLocks noGrp="1"/>
-          </p:cNvSpPr>
-          <p:nvPr>
-            <p:ph type="subTitle" idx="1"/>
-          </p:nvPr>
-        </p:nvSpPr>
-        <p:spPr/>
-        <p:txBody>
-          <a:bodyPr rtlCol="0"/>
-          <a:lstStyle/>
-          <a:p>
-            <a:pPr rtl="0"/>
-            <a:endParaRPr lang="pt-BR" dirty="0"/>
-          </a:p>
-        </p:txBody>
-      </p:sp>
-    </p:spTree>
-    <p:extLst>
-      <p:ext uri="{BB962C8B-B14F-4D97-AF65-F5344CB8AC3E}">
-        <p14:creationId xmlns:p14="http://schemas.microsoft.com/office/powerpoint/2010/main" val="1636679273"/>
-      </p:ext>
-    </p:extLst>
-  </p:cSld>
-  <p:clrMapOvr>
-    <a:masterClrMapping/>
-  </p:clrMapOvr>
-  <mc:AlternateContent xmlns:mc="http://schemas.openxmlformats.org/markup-compatibility/2006" xmlns:p14="http://schemas.microsoft.com/office/powerpoint/2010/main">
-    <mc:Choice Requires="p14">
-      <p:transition spd="med" p14:dur="700">
-        <p:fade/>
-      </p:transition>
-    </mc:Choice>
-    <mc:Fallback xmlns="">
-      <p:transition spd="med">
-        <p:fade/>
-      </p:transition>
-    </mc:Fallback>
-  </mc:AlternateContent>
-</p:sld>
-</file>
-
-<file path=ppt/slides/slide8.xml><?xml version="1.0" encoding="utf-8"?>
+<file path=ppt/slides/slide14.xml><?xml version="1.0" encoding="utf-8"?>
 <p:sld xmlns:a="http://schemas.openxmlformats.org/drawingml/2006/main" xmlns:r="http://schemas.openxmlformats.org/officeDocument/2006/relationships" xmlns:p="http://schemas.openxmlformats.org/presentationml/2006/main">
   <p:cSld>
     <p:spTree>
@@ -12460,7 +11821,7 @@
 </p:sld>
 </file>
 
-<file path=ppt/slides/slide9.xml><?xml version="1.0" encoding="utf-8"?>
+<file path=ppt/slides/slide15.xml><?xml version="1.0" encoding="utf-8"?>
 <p:sld xmlns:a="http://schemas.openxmlformats.org/drawingml/2006/main" xmlns:r="http://schemas.openxmlformats.org/officeDocument/2006/relationships" xmlns:p="http://schemas.openxmlformats.org/presentationml/2006/main">
   <p:cSld>
     <p:spTree>
@@ -12598,6 +11959,3051 @@
     </mc:Choice>
     <mc:Fallback xmlns="">
       <p:transition spd="med">
+        <p:fade/>
+      </p:transition>
+    </mc:Fallback>
+  </mc:AlternateContent>
+</p:sld>
+</file>
+
+<file path=ppt/slides/slide16.xml><?xml version="1.0" encoding="utf-8"?>
+<p:sld xmlns:a="http://schemas.openxmlformats.org/drawingml/2006/main" xmlns:r="http://schemas.openxmlformats.org/officeDocument/2006/relationships" xmlns:p="http://schemas.openxmlformats.org/presentationml/2006/main">
+  <p:cSld>
+    <p:spTree>
+      <p:nvGrpSpPr>
+        <p:cNvPr id="1" name=""/>
+        <p:cNvGrpSpPr/>
+        <p:nvPr/>
+      </p:nvGrpSpPr>
+      <p:grpSpPr>
+        <a:xfrm>
+          <a:off x="0" y="0"/>
+          <a:ext cx="0" cy="0"/>
+          <a:chOff x="0" y="0"/>
+          <a:chExt cx="0" cy="0"/>
+        </a:xfrm>
+      </p:grpSpPr>
+      <p:sp>
+        <p:nvSpPr>
+          <p:cNvPr id="2" name="Título 1"/>
+          <p:cNvSpPr>
+            <a:spLocks noGrp="1"/>
+          </p:cNvSpPr>
+          <p:nvPr>
+            <p:ph type="title"/>
+          </p:nvPr>
+        </p:nvSpPr>
+        <p:spPr/>
+        <p:txBody>
+          <a:bodyPr rtlCol="0"/>
+          <a:lstStyle/>
+          <a:p>
+            <a:pPr rtl="0"/>
+            <a:r>
+              <a:rPr lang="pt-BR" dirty="0"/>
+              <a:t>Adicionar título de slide – 4</a:t>
+            </a:r>
+          </a:p>
+        </p:txBody>
+      </p:sp>
+    </p:spTree>
+    <p:extLst>
+      <p:ext uri="{BB962C8B-B14F-4D97-AF65-F5344CB8AC3E}">
+        <p14:creationId xmlns:p14="http://schemas.microsoft.com/office/powerpoint/2010/main" val="3061729273"/>
+      </p:ext>
+    </p:extLst>
+  </p:cSld>
+  <p:clrMapOvr>
+    <a:masterClrMapping/>
+  </p:clrMapOvr>
+  <mc:AlternateContent xmlns:mc="http://schemas.openxmlformats.org/markup-compatibility/2006" xmlns:p14="http://schemas.microsoft.com/office/powerpoint/2010/main">
+    <mc:Choice Requires="p14">
+      <p:transition spd="med" p14:dur="700">
+        <p:fade/>
+      </p:transition>
+    </mc:Choice>
+    <mc:Fallback xmlns="">
+      <p:transition spd="med">
+        <p:fade/>
+      </p:transition>
+    </mc:Fallback>
+  </mc:AlternateContent>
+</p:sld>
+</file>
+
+<file path=ppt/slides/slide17.xml><?xml version="1.0" encoding="utf-8"?>
+<p:sld xmlns:a="http://schemas.openxmlformats.org/drawingml/2006/main" xmlns:r="http://schemas.openxmlformats.org/officeDocument/2006/relationships" xmlns:p="http://schemas.openxmlformats.org/presentationml/2006/main">
+  <p:cSld>
+    <p:spTree>
+      <p:nvGrpSpPr>
+        <p:cNvPr id="1" name=""/>
+        <p:cNvGrpSpPr/>
+        <p:nvPr/>
+      </p:nvGrpSpPr>
+      <p:grpSpPr>
+        <a:xfrm>
+          <a:off x="0" y="0"/>
+          <a:ext cx="0" cy="0"/>
+          <a:chOff x="0" y="0"/>
+          <a:chExt cx="0" cy="0"/>
+        </a:xfrm>
+      </p:grpSpPr>
+    </p:spTree>
+    <p:extLst>
+      <p:ext uri="{BB962C8B-B14F-4D97-AF65-F5344CB8AC3E}">
+        <p14:creationId xmlns:p14="http://schemas.microsoft.com/office/powerpoint/2010/main" val="1455343978"/>
+      </p:ext>
+    </p:extLst>
+  </p:cSld>
+  <p:clrMapOvr>
+    <a:masterClrMapping/>
+  </p:clrMapOvr>
+  <mc:AlternateContent xmlns:mc="http://schemas.openxmlformats.org/markup-compatibility/2006" xmlns:p14="http://schemas.microsoft.com/office/powerpoint/2010/main">
+    <mc:Choice Requires="p14">
+      <p:transition spd="med" p14:dur="700">
+        <p:fade/>
+      </p:transition>
+    </mc:Choice>
+    <mc:Fallback xmlns="">
+      <p:transition spd="med">
+        <p:fade/>
+      </p:transition>
+    </mc:Fallback>
+  </mc:AlternateContent>
+</p:sld>
+</file>
+
+<file path=ppt/slides/slide18.xml><?xml version="1.0" encoding="utf-8"?>
+<p:sld xmlns:a="http://schemas.openxmlformats.org/drawingml/2006/main" xmlns:r="http://schemas.openxmlformats.org/officeDocument/2006/relationships" xmlns:p="http://schemas.openxmlformats.org/presentationml/2006/main">
+  <p:cSld>
+    <p:spTree>
+      <p:nvGrpSpPr>
+        <p:cNvPr id="1" name=""/>
+        <p:cNvGrpSpPr/>
+        <p:nvPr/>
+      </p:nvGrpSpPr>
+      <p:grpSpPr>
+        <a:xfrm>
+          <a:off x="0" y="0"/>
+          <a:ext cx="0" cy="0"/>
+          <a:chOff x="0" y="0"/>
+          <a:chExt cx="0" cy="0"/>
+        </a:xfrm>
+      </p:grpSpPr>
+      <p:sp>
+        <p:nvSpPr>
+          <p:cNvPr id="2" name="Título 1"/>
+          <p:cNvSpPr>
+            <a:spLocks noGrp="1"/>
+          </p:cNvSpPr>
+          <p:nvPr>
+            <p:ph type="title"/>
+          </p:nvPr>
+        </p:nvSpPr>
+        <p:spPr/>
+        <p:txBody>
+          <a:bodyPr rtlCol="0"/>
+          <a:lstStyle/>
+          <a:p>
+            <a:pPr rtl="0"/>
+            <a:r>
+              <a:rPr lang="pt-BR" dirty="0"/>
+              <a:t>Adicionar título de slide – 5</a:t>
+            </a:r>
+          </a:p>
+        </p:txBody>
+      </p:sp>
+      <p:sp>
+        <p:nvSpPr>
+          <p:cNvPr id="5" name="Espaço reservado para conteúdo 4"/>
+          <p:cNvSpPr>
+            <a:spLocks noGrp="1"/>
+          </p:cNvSpPr>
+          <p:nvPr>
+            <p:ph idx="1"/>
+          </p:nvPr>
+        </p:nvSpPr>
+        <p:spPr/>
+        <p:txBody>
+          <a:bodyPr rtlCol="0"/>
+          <a:lstStyle/>
+          <a:p>
+            <a:pPr rtl="0"/>
+            <a:endParaRPr lang="pt-BR" dirty="0"/>
+          </a:p>
+        </p:txBody>
+      </p:sp>
+      <p:sp>
+        <p:nvSpPr>
+          <p:cNvPr id="6" name="Espaço reservado para texto 5"/>
+          <p:cNvSpPr>
+            <a:spLocks noGrp="1"/>
+          </p:cNvSpPr>
+          <p:nvPr>
+            <p:ph type="body" sz="half" idx="2"/>
+          </p:nvPr>
+        </p:nvSpPr>
+        <p:spPr/>
+        <p:txBody>
+          <a:bodyPr rtlCol="0"/>
+          <a:lstStyle/>
+          <a:p>
+            <a:pPr rtl="0"/>
+            <a:endParaRPr lang="pt-BR" dirty="0"/>
+          </a:p>
+        </p:txBody>
+      </p:sp>
+    </p:spTree>
+    <p:extLst>
+      <p:ext uri="{BB962C8B-B14F-4D97-AF65-F5344CB8AC3E}">
+        <p14:creationId xmlns:p14="http://schemas.microsoft.com/office/powerpoint/2010/main" val="332843759"/>
+      </p:ext>
+    </p:extLst>
+  </p:cSld>
+  <p:clrMapOvr>
+    <a:masterClrMapping/>
+  </p:clrMapOvr>
+  <mc:AlternateContent xmlns:mc="http://schemas.openxmlformats.org/markup-compatibility/2006" xmlns:p14="http://schemas.microsoft.com/office/powerpoint/2010/main">
+    <mc:Choice Requires="p14">
+      <p:transition spd="med" p14:dur="700">
+        <p:fade/>
+      </p:transition>
+    </mc:Choice>
+    <mc:Fallback xmlns="">
+      <p:transition spd="med">
+        <p:fade/>
+      </p:transition>
+    </mc:Fallback>
+  </mc:AlternateContent>
+</p:sld>
+</file>
+
+<file path=ppt/slides/slide19.xml><?xml version="1.0" encoding="utf-8"?>
+<p:sld xmlns:a="http://schemas.openxmlformats.org/drawingml/2006/main" xmlns:r="http://schemas.openxmlformats.org/officeDocument/2006/relationships" xmlns:p="http://schemas.openxmlformats.org/presentationml/2006/main">
+  <p:cSld>
+    <p:spTree>
+      <p:nvGrpSpPr>
+        <p:cNvPr id="1" name=""/>
+        <p:cNvGrpSpPr/>
+        <p:nvPr/>
+      </p:nvGrpSpPr>
+      <p:grpSpPr>
+        <a:xfrm>
+          <a:off x="0" y="0"/>
+          <a:ext cx="0" cy="0"/>
+          <a:chOff x="0" y="0"/>
+          <a:chExt cx="0" cy="0"/>
+        </a:xfrm>
+      </p:grpSpPr>
+      <p:sp>
+        <p:nvSpPr>
+          <p:cNvPr id="2" name="Título 1"/>
+          <p:cNvSpPr>
+            <a:spLocks noGrp="1"/>
+          </p:cNvSpPr>
+          <p:nvPr>
+            <p:ph type="title"/>
+          </p:nvPr>
+        </p:nvSpPr>
+        <p:spPr/>
+        <p:txBody>
+          <a:bodyPr rtlCol="0"/>
+          <a:lstStyle/>
+          <a:p>
+            <a:pPr rtl="0"/>
+            <a:r>
+              <a:rPr lang="pt-BR" dirty="0"/>
+              <a:t>Adicionar título de slide – 6</a:t>
+            </a:r>
+          </a:p>
+        </p:txBody>
+      </p:sp>
+      <p:sp>
+        <p:nvSpPr>
+          <p:cNvPr id="5" name="Espaço reservado para imagem 4" descr="Um espaço reservado vazio para adicionar uma imagem. Clique no espaço reservado e selecione a imagem que você deseja adicionar"/>
+          <p:cNvSpPr>
+            <a:spLocks noGrp="1"/>
+          </p:cNvSpPr>
+          <p:nvPr>
+            <p:ph type="pic" idx="1"/>
+          </p:nvPr>
+        </p:nvSpPr>
+        <p:spPr/>
+      </p:sp>
+      <p:sp>
+        <p:nvSpPr>
+          <p:cNvPr id="6" name="Espaço reservado para texto 5"/>
+          <p:cNvSpPr>
+            <a:spLocks noGrp="1"/>
+          </p:cNvSpPr>
+          <p:nvPr>
+            <p:ph type="body" sz="half" idx="2"/>
+          </p:nvPr>
+        </p:nvSpPr>
+        <p:spPr/>
+        <p:txBody>
+          <a:bodyPr rtlCol="0"/>
+          <a:lstStyle/>
+          <a:p>
+            <a:pPr rtl="0"/>
+            <a:endParaRPr lang="pt-BR" dirty="0"/>
+          </a:p>
+        </p:txBody>
+      </p:sp>
+    </p:spTree>
+    <p:extLst>
+      <p:ext uri="{BB962C8B-B14F-4D97-AF65-F5344CB8AC3E}">
+        <p14:creationId xmlns:p14="http://schemas.microsoft.com/office/powerpoint/2010/main" val="4129926194"/>
+      </p:ext>
+    </p:extLst>
+  </p:cSld>
+  <p:clrMapOvr>
+    <a:masterClrMapping/>
+  </p:clrMapOvr>
+  <mc:AlternateContent xmlns:mc="http://schemas.openxmlformats.org/markup-compatibility/2006" xmlns:p14="http://schemas.microsoft.com/office/powerpoint/2010/main">
+    <mc:Choice Requires="p14">
+      <p:transition spd="med" p14:dur="700">
+        <p:fade/>
+      </p:transition>
+    </mc:Choice>
+    <mc:Fallback xmlns="">
+      <p:transition spd="med">
+        <p:fade/>
+      </p:transition>
+    </mc:Fallback>
+  </mc:AlternateContent>
+</p:sld>
+</file>
+
+<file path=ppt/slides/slide2.xml><?xml version="1.0" encoding="utf-8"?>
+<p:sld xmlns:a="http://schemas.openxmlformats.org/drawingml/2006/main" xmlns:r="http://schemas.openxmlformats.org/officeDocument/2006/relationships" xmlns:p="http://schemas.openxmlformats.org/presentationml/2006/main">
+  <p:cSld>
+    <p:spTree>
+      <p:nvGrpSpPr>
+        <p:cNvPr id="1" name=""/>
+        <p:cNvGrpSpPr/>
+        <p:nvPr/>
+      </p:nvGrpSpPr>
+      <p:grpSpPr>
+        <a:xfrm>
+          <a:off x="0" y="0"/>
+          <a:ext cx="0" cy="0"/>
+          <a:chOff x="0" y="0"/>
+          <a:chExt cx="0" cy="0"/>
+        </a:xfrm>
+      </p:grpSpPr>
+      <p:pic>
+        <p:nvPicPr>
+          <p:cNvPr id="16" name="Espaço Reservado para Imagem 15" descr="Uma imagem contendo céu, ao ar livre, água, pessoa&#10;&#10;Descrição gerada automaticamente">
+            <a:extLst>
+              <a:ext uri="{FF2B5EF4-FFF2-40B4-BE49-F238E27FC236}">
+                <a16:creationId xmlns:a16="http://schemas.microsoft.com/office/drawing/2014/main" id="{09A7FCBB-ACCF-4FCF-803E-2C3B9DDC1E31}"/>
+              </a:ext>
+            </a:extLst>
+          </p:cNvPr>
+          <p:cNvPicPr>
+            <a:picLocks noGrp="1" noChangeAspect="1"/>
+          </p:cNvPicPr>
+          <p:nvPr>
+            <p:ph type="pic" sz="quarter" idx="10"/>
+          </p:nvPr>
+        </p:nvPicPr>
+        <p:blipFill rotWithShape="1">
+          <a:blip r:embed="rId3"/>
+          <a:srcRect l="8150" r="38889"/>
+          <a:stretch/>
+        </p:blipFill>
+        <p:spPr>
+          <a:xfrm>
+            <a:off x="6743703" y="0"/>
+            <a:ext cx="5448297" cy="6858000"/>
+          </a:xfrm>
+        </p:spPr>
+      </p:pic>
+      <p:pic>
+        <p:nvPicPr>
+          <p:cNvPr id="7" name="Imagem 6">
+            <a:extLst>
+              <a:ext uri="{FF2B5EF4-FFF2-40B4-BE49-F238E27FC236}">
+                <a16:creationId xmlns:a16="http://schemas.microsoft.com/office/drawing/2014/main" id="{38A54163-7CFF-48B0-BF59-34DC25B5ACCE}"/>
+              </a:ext>
+            </a:extLst>
+          </p:cNvPr>
+          <p:cNvPicPr>
+            <a:picLocks noChangeAspect="1"/>
+          </p:cNvPicPr>
+          <p:nvPr/>
+        </p:nvPicPr>
+        <p:blipFill>
+          <a:blip r:embed="rId4">
+            <a:extLst>
+              <a:ext uri="{BEBA8EAE-BF5A-486C-A8C5-ECC9F3942E4B}">
+                <a14:imgProps xmlns:a14="http://schemas.microsoft.com/office/drawing/2010/main">
+                  <a14:imgLayer r:embed="rId5">
+                    <a14:imgEffect>
+                      <a14:backgroundRemoval t="9798" b="89914" l="9908" r="90501">
+                        <a14:foregroundMark x1="14300" y1="29683" x2="16139" y2="54179"/>
+                        <a14:foregroundMark x1="16139" y1="54179" x2="15628" y2="63112"/>
+                        <a14:foregroundMark x1="23596" y1="46398" x2="23596" y2="56484"/>
+                        <a14:foregroundMark x1="32686" y1="47839" x2="32074" y2="53602"/>
+                        <a14:foregroundMark x1="41471" y1="42075" x2="41471" y2="53602"/>
+                        <a14:foregroundMark x1="64454" y1="49856" x2="64454" y2="59366"/>
+                        <a14:foregroundMark x1="77120" y1="44957" x2="81205" y2="46974"/>
+                        <a14:foregroundMark x1="89990" y1="46974" x2="90501" y2="49280"/>
+                        <a14:foregroundMark x1="90296" y1="34582" x2="90296" y2="34582"/>
+                        <a14:foregroundMark x1="59040" y1="54467" x2="58529" y2="49856"/>
+                        <a14:foregroundMark x1="19714" y1="53026" x2="20020" y2="56484"/>
+                      </a14:backgroundRemoval>
+                    </a14:imgEffect>
+                  </a14:imgLayer>
+                </a14:imgProps>
+              </a:ext>
+            </a:extLst>
+          </a:blip>
+          <a:stretch>
+            <a:fillRect/>
+          </a:stretch>
+        </p:blipFill>
+        <p:spPr>
+          <a:xfrm>
+            <a:off x="724244" y="2821232"/>
+            <a:ext cx="5528918" cy="1959688"/>
+          </a:xfrm>
+          <a:prstGeom prst="rect">
+            <a:avLst/>
+          </a:prstGeom>
+        </p:spPr>
+      </p:pic>
+      <p:sp>
+        <p:nvSpPr>
+          <p:cNvPr id="3" name="Subtítulo 2"/>
+          <p:cNvSpPr>
+            <a:spLocks noGrp="1"/>
+          </p:cNvSpPr>
+          <p:nvPr>
+            <p:ph type="subTitle" idx="1"/>
+          </p:nvPr>
+        </p:nvSpPr>
+        <p:spPr>
+          <a:xfrm>
+            <a:off x="1742934" y="4124793"/>
+            <a:ext cx="4353066" cy="771790"/>
+          </a:xfrm>
+        </p:spPr>
+        <p:txBody>
+          <a:bodyPr rtlCol="0"/>
+          <a:lstStyle/>
+          <a:p>
+            <a:pPr rtl="0"/>
+            <a:r>
+              <a:rPr lang="pt-BR" b="1" dirty="0">
+                <a:solidFill>
+                  <a:schemeClr val="tx1">
+                    <a:lumMod val="75000"/>
+                  </a:schemeClr>
+                </a:solidFill>
+                <a:latin typeface="Segoe UI" panose="020B0502040204020203" pitchFamily="34" charset="0"/>
+                <a:cs typeface="Segoe UI" panose="020B0502040204020203" pitchFamily="34" charset="0"/>
+              </a:rPr>
+              <a:t>Soluções para produtividade</a:t>
+            </a:r>
+          </a:p>
+        </p:txBody>
+      </p:sp>
+    </p:spTree>
+    <p:extLst>
+      <p:ext uri="{BB962C8B-B14F-4D97-AF65-F5344CB8AC3E}">
+        <p14:creationId xmlns:p14="http://schemas.microsoft.com/office/powerpoint/2010/main" val="4261023970"/>
+      </p:ext>
+    </p:extLst>
+  </p:cSld>
+  <p:clrMapOvr>
+    <a:masterClrMapping/>
+  </p:clrMapOvr>
+  <mc:AlternateContent xmlns:mc="http://schemas.openxmlformats.org/markup-compatibility/2006">
+    <mc:Choice xmlns:p159="http://schemas.microsoft.com/office/powerpoint/2015/09/main" Requires="p159">
+      <p:transition xmlns:p14="http://schemas.microsoft.com/office/powerpoint/2010/main" spd="slow" p14:dur="2000">
+        <p159:morph option="byObject"/>
+      </p:transition>
+    </mc:Choice>
+    <mc:Fallback>
+      <p:transition spd="slow">
+        <p:fade/>
+      </p:transition>
+    </mc:Fallback>
+  </mc:AlternateContent>
+</p:sld>
+</file>
+
+<file path=ppt/slides/slide20.xml><?xml version="1.0" encoding="utf-8"?>
+<p:sld xmlns:a="http://schemas.openxmlformats.org/drawingml/2006/main" xmlns:r="http://schemas.openxmlformats.org/officeDocument/2006/relationships" xmlns:p="http://schemas.openxmlformats.org/presentationml/2006/main">
+  <p:cSld>
+    <p:spTree>
+      <p:nvGrpSpPr>
+        <p:cNvPr id="1" name=""/>
+        <p:cNvGrpSpPr/>
+        <p:nvPr/>
+      </p:nvGrpSpPr>
+      <p:grpSpPr>
+        <a:xfrm>
+          <a:off x="0" y="0"/>
+          <a:ext cx="0" cy="0"/>
+          <a:chOff x="0" y="0"/>
+          <a:chExt cx="0" cy="0"/>
+        </a:xfrm>
+      </p:grpSpPr>
+      <p:sp>
+        <p:nvSpPr>
+          <p:cNvPr id="2" name="Título 1"/>
+          <p:cNvSpPr>
+            <a:spLocks noGrp="1"/>
+          </p:cNvSpPr>
+          <p:nvPr>
+            <p:ph type="title"/>
+          </p:nvPr>
+        </p:nvSpPr>
+        <p:spPr/>
+        <p:txBody>
+          <a:bodyPr rtlCol="0"/>
+          <a:lstStyle/>
+          <a:p>
+            <a:pPr rtl="0"/>
+            <a:r>
+              <a:rPr lang="pt-BR" dirty="0"/>
+              <a:t>Adicionar título de slide – 7</a:t>
+            </a:r>
+          </a:p>
+        </p:txBody>
+      </p:sp>
+      <p:sp>
+        <p:nvSpPr>
+          <p:cNvPr id="4" name="Espaço reservado para imagem 3"/>
+          <p:cNvSpPr>
+            <a:spLocks noGrp="1"/>
+          </p:cNvSpPr>
+          <p:nvPr>
+            <p:ph type="pic" idx="1"/>
+          </p:nvPr>
+        </p:nvSpPr>
+        <p:spPr/>
+      </p:sp>
+      <p:sp>
+        <p:nvSpPr>
+          <p:cNvPr id="5" name="Espaço reservado para texto 4"/>
+          <p:cNvSpPr>
+            <a:spLocks noGrp="1"/>
+          </p:cNvSpPr>
+          <p:nvPr>
+            <p:ph type="body" sz="half" idx="2"/>
+          </p:nvPr>
+        </p:nvSpPr>
+        <p:spPr/>
+        <p:txBody>
+          <a:bodyPr rtlCol="0"/>
+          <a:lstStyle/>
+          <a:p>
+            <a:pPr rtl="0"/>
+            <a:endParaRPr lang="pt-BR" dirty="0"/>
+          </a:p>
+        </p:txBody>
+      </p:sp>
+      <p:sp>
+        <p:nvSpPr>
+          <p:cNvPr id="6" name="Espaço reservado para imagem 5"/>
+          <p:cNvSpPr>
+            <a:spLocks noGrp="1"/>
+          </p:cNvSpPr>
+          <p:nvPr>
+            <p:ph type="pic" idx="13"/>
+          </p:nvPr>
+        </p:nvSpPr>
+        <p:spPr/>
+      </p:sp>
+      <p:sp>
+        <p:nvSpPr>
+          <p:cNvPr id="11" name="Espaço reservado para texto 10"/>
+          <p:cNvSpPr>
+            <a:spLocks noGrp="1"/>
+          </p:cNvSpPr>
+          <p:nvPr>
+            <p:ph type="body" sz="half" idx="14"/>
+          </p:nvPr>
+        </p:nvSpPr>
+        <p:spPr/>
+        <p:txBody>
+          <a:bodyPr rtlCol="0"/>
+          <a:lstStyle/>
+          <a:p>
+            <a:pPr rtl="0"/>
+            <a:endParaRPr lang="pt-BR" dirty="0"/>
+          </a:p>
+        </p:txBody>
+      </p:sp>
+    </p:spTree>
+    <p:extLst>
+      <p:ext uri="{BB962C8B-B14F-4D97-AF65-F5344CB8AC3E}">
+        <p14:creationId xmlns:p14="http://schemas.microsoft.com/office/powerpoint/2010/main" val="188841400"/>
+      </p:ext>
+    </p:extLst>
+  </p:cSld>
+  <p:clrMapOvr>
+    <a:masterClrMapping/>
+  </p:clrMapOvr>
+  <mc:AlternateContent xmlns:mc="http://schemas.openxmlformats.org/markup-compatibility/2006" xmlns:p14="http://schemas.microsoft.com/office/powerpoint/2010/main">
+    <mc:Choice Requires="p14">
+      <p:transition spd="med" p14:dur="700">
+        <p:fade/>
+      </p:transition>
+    </mc:Choice>
+    <mc:Fallback xmlns="">
+      <p:transition spd="med">
+        <p:fade/>
+      </p:transition>
+    </mc:Fallback>
+  </mc:AlternateContent>
+</p:sld>
+</file>
+
+<file path=ppt/slides/slide3.xml><?xml version="1.0" encoding="utf-8"?>
+<p:sld xmlns:a="http://schemas.openxmlformats.org/drawingml/2006/main" xmlns:r="http://schemas.openxmlformats.org/officeDocument/2006/relationships" xmlns:p="http://schemas.openxmlformats.org/presentationml/2006/main">
+  <p:cSld>
+    <p:spTree>
+      <p:nvGrpSpPr>
+        <p:cNvPr id="1" name=""/>
+        <p:cNvGrpSpPr/>
+        <p:nvPr/>
+      </p:nvGrpSpPr>
+      <p:grpSpPr>
+        <a:xfrm>
+          <a:off x="0" y="0"/>
+          <a:ext cx="0" cy="0"/>
+          <a:chOff x="0" y="0"/>
+          <a:chExt cx="0" cy="0"/>
+        </a:xfrm>
+      </p:grpSpPr>
+      <p:sp>
+        <p:nvSpPr>
+          <p:cNvPr id="2" name="Título 1"/>
+          <p:cNvSpPr>
+            <a:spLocks noGrp="1"/>
+          </p:cNvSpPr>
+          <p:nvPr>
+            <p:ph type="title"/>
+          </p:nvPr>
+        </p:nvSpPr>
+        <p:spPr/>
+        <p:txBody>
+          <a:bodyPr rtlCol="0"/>
+          <a:lstStyle/>
+          <a:p>
+            <a:pPr rtl="0"/>
+            <a:r>
+              <a:rPr lang="pt-BR" dirty="0"/>
+              <a:t>Membros do Grupo</a:t>
+            </a:r>
+          </a:p>
+        </p:txBody>
+      </p:sp>
+      <p:sp>
+        <p:nvSpPr>
+          <p:cNvPr id="3" name="Espaço reservado para conteúdo 2"/>
+          <p:cNvSpPr>
+            <a:spLocks noGrp="1"/>
+          </p:cNvSpPr>
+          <p:nvPr>
+            <p:ph idx="1"/>
+          </p:nvPr>
+        </p:nvSpPr>
+        <p:spPr>
+          <a:xfrm>
+            <a:off x="6975427" y="2767013"/>
+            <a:ext cx="4327478" cy="2462213"/>
+          </a:xfrm>
+        </p:spPr>
+        <p:txBody>
+          <a:bodyPr rtlCol="0"/>
+          <a:lstStyle/>
+          <a:p>
+            <a:pPr algn="just" rtl="0">
+              <a:lnSpc>
+                <a:spcPct val="150000"/>
+              </a:lnSpc>
+              <a:buBlip>
+                <a:blip r:embed="rId3">
+                  <a:extLst/>
+                </a:blip>
+              </a:buBlip>
+            </a:pPr>
+            <a:r>
+              <a:rPr lang="pt-BR" dirty="0"/>
+              <a:t>Leticia Lago</a:t>
+            </a:r>
+          </a:p>
+          <a:p>
+            <a:pPr algn="just" rtl="0">
+              <a:lnSpc>
+                <a:spcPct val="150000"/>
+              </a:lnSpc>
+              <a:buBlip>
+                <a:blip r:embed="rId3">
+                  <a:extLst/>
+                </a:blip>
+              </a:buBlip>
+            </a:pPr>
+            <a:r>
+              <a:rPr lang="pt-BR" dirty="0"/>
+              <a:t>Natália Medina</a:t>
+            </a:r>
+          </a:p>
+          <a:p>
+            <a:pPr algn="just" rtl="0">
+              <a:lnSpc>
+                <a:spcPct val="150000"/>
+              </a:lnSpc>
+              <a:buBlip>
+                <a:blip r:embed="rId3">
+                  <a:extLst/>
+                </a:blip>
+              </a:buBlip>
+            </a:pPr>
+            <a:r>
+              <a:rPr lang="pt-BR" dirty="0"/>
+              <a:t>Vitor Leonardo</a:t>
+            </a:r>
+          </a:p>
+        </p:txBody>
+      </p:sp>
+      <p:sp>
+        <p:nvSpPr>
+          <p:cNvPr id="4" name="Espaço reservado para conteúdo 2"/>
+          <p:cNvSpPr txBox="1">
+            <a:spLocks/>
+          </p:cNvSpPr>
+          <p:nvPr/>
+        </p:nvSpPr>
+        <p:spPr>
+          <a:xfrm>
+            <a:off x="1768522" y="2767013"/>
+            <a:ext cx="4327478" cy="2205038"/>
+          </a:xfrm>
+          <a:prstGeom prst="rect">
+            <a:avLst/>
+          </a:prstGeom>
+        </p:spPr>
+        <p:txBody>
+          <a:bodyPr vert="horz" lIns="91440" tIns="45720" rIns="91440" bIns="45720" rtlCol="0">
+            <a:normAutofit/>
+          </a:bodyPr>
+          <a:lstStyle>
+            <a:lvl1pPr marL="274320" indent="-274320" algn="l" defTabSz="914400" rtl="0" eaLnBrk="1" latinLnBrk="0" hangingPunct="1">
+              <a:lnSpc>
+                <a:spcPct val="90000"/>
+              </a:lnSpc>
+              <a:spcBef>
+                <a:spcPts val="1800"/>
+              </a:spcBef>
+              <a:buFont typeface="Arial" panose="020B0604020202020204" pitchFamily="34" charset="0"/>
+              <a:buChar char="•"/>
+              <a:defRPr sz="2400" kern="1200">
+                <a:solidFill>
+                  <a:schemeClr val="tx1"/>
+                </a:solidFill>
+                <a:latin typeface="+mn-lt"/>
+                <a:ea typeface="+mn-ea"/>
+                <a:cs typeface="+mn-cs"/>
+              </a:defRPr>
+            </a:lvl1pPr>
+            <a:lvl2pPr marL="548640" indent="-228600" algn="l" defTabSz="914400" rtl="0" eaLnBrk="1" latinLnBrk="0" hangingPunct="1">
+              <a:lnSpc>
+                <a:spcPct val="90000"/>
+              </a:lnSpc>
+              <a:spcBef>
+                <a:spcPts val="1000"/>
+              </a:spcBef>
+              <a:buFont typeface="Arial" panose="020B0604020202020204" pitchFamily="34" charset="0"/>
+              <a:buChar char="•"/>
+              <a:defRPr sz="2000" kern="1200">
+                <a:solidFill>
+                  <a:schemeClr val="tx1"/>
+                </a:solidFill>
+                <a:latin typeface="+mn-lt"/>
+                <a:ea typeface="+mn-ea"/>
+                <a:cs typeface="+mn-cs"/>
+              </a:defRPr>
+            </a:lvl2pPr>
+            <a:lvl3pPr marL="822960" indent="-228600" algn="l" defTabSz="914400" rtl="0" eaLnBrk="1" latinLnBrk="0" hangingPunct="1">
+              <a:lnSpc>
+                <a:spcPct val="90000"/>
+              </a:lnSpc>
+              <a:spcBef>
+                <a:spcPts val="800"/>
+              </a:spcBef>
+              <a:buFont typeface="Arial" panose="020B0604020202020204" pitchFamily="34" charset="0"/>
+              <a:buChar char="•"/>
+              <a:defRPr sz="1800" kern="1200">
+                <a:solidFill>
+                  <a:schemeClr val="tx1"/>
+                </a:solidFill>
+                <a:latin typeface="+mn-lt"/>
+                <a:ea typeface="+mn-ea"/>
+                <a:cs typeface="+mn-cs"/>
+              </a:defRPr>
+            </a:lvl3pPr>
+            <a:lvl4pPr marL="1097280" indent="-228600" algn="l" defTabSz="914400" rtl="0" eaLnBrk="1" latinLnBrk="0" hangingPunct="1">
+              <a:lnSpc>
+                <a:spcPct val="90000"/>
+              </a:lnSpc>
+              <a:spcBef>
+                <a:spcPts val="800"/>
+              </a:spcBef>
+              <a:buFont typeface="Arial" panose="020B0604020202020204" pitchFamily="34" charset="0"/>
+              <a:buChar char="•"/>
+              <a:defRPr sz="1600" kern="1200">
+                <a:solidFill>
+                  <a:schemeClr val="tx1"/>
+                </a:solidFill>
+                <a:latin typeface="+mn-lt"/>
+                <a:ea typeface="+mn-ea"/>
+                <a:cs typeface="+mn-cs"/>
+              </a:defRPr>
+            </a:lvl4pPr>
+            <a:lvl5pPr marL="1325880" indent="-228600" algn="l" defTabSz="914400" rtl="0" eaLnBrk="1" latinLnBrk="0" hangingPunct="1">
+              <a:lnSpc>
+                <a:spcPct val="90000"/>
+              </a:lnSpc>
+              <a:spcBef>
+                <a:spcPts val="800"/>
+              </a:spcBef>
+              <a:buFont typeface="Arial" panose="020B0604020202020204" pitchFamily="34" charset="0"/>
+              <a:buChar char="•"/>
+              <a:defRPr sz="1600" kern="1200">
+                <a:solidFill>
+                  <a:schemeClr val="tx1"/>
+                </a:solidFill>
+                <a:latin typeface="+mn-lt"/>
+                <a:ea typeface="+mn-ea"/>
+                <a:cs typeface="+mn-cs"/>
+              </a:defRPr>
+            </a:lvl5pPr>
+            <a:lvl6pPr marL="1554480" indent="-228600" algn="l" defTabSz="914400" rtl="0" eaLnBrk="1" latinLnBrk="0" hangingPunct="1">
+              <a:lnSpc>
+                <a:spcPct val="90000"/>
+              </a:lnSpc>
+              <a:spcBef>
+                <a:spcPts val="800"/>
+              </a:spcBef>
+              <a:buFont typeface="Arial" panose="020B0604020202020204" pitchFamily="34" charset="0"/>
+              <a:buChar char="•"/>
+              <a:defRPr sz="1600" kern="1200">
+                <a:solidFill>
+                  <a:schemeClr val="tx1"/>
+                </a:solidFill>
+                <a:latin typeface="+mn-lt"/>
+                <a:ea typeface="+mn-ea"/>
+                <a:cs typeface="+mn-cs"/>
+              </a:defRPr>
+            </a:lvl6pPr>
+            <a:lvl7pPr marL="1783080" indent="-228600" algn="l" defTabSz="914400" rtl="0" eaLnBrk="1" latinLnBrk="0" hangingPunct="1">
+              <a:lnSpc>
+                <a:spcPct val="90000"/>
+              </a:lnSpc>
+              <a:spcBef>
+                <a:spcPts val="800"/>
+              </a:spcBef>
+              <a:buFont typeface="Arial" panose="020B0604020202020204" pitchFamily="34" charset="0"/>
+              <a:buChar char="•"/>
+              <a:defRPr sz="1600" kern="1200">
+                <a:solidFill>
+                  <a:schemeClr val="tx1"/>
+                </a:solidFill>
+                <a:latin typeface="+mn-lt"/>
+                <a:ea typeface="+mn-ea"/>
+                <a:cs typeface="+mn-cs"/>
+              </a:defRPr>
+            </a:lvl7pPr>
+            <a:lvl8pPr marL="2011680" indent="-228600" algn="l" defTabSz="914400" rtl="0" eaLnBrk="1" latinLnBrk="0" hangingPunct="1">
+              <a:lnSpc>
+                <a:spcPct val="90000"/>
+              </a:lnSpc>
+              <a:spcBef>
+                <a:spcPts val="800"/>
+              </a:spcBef>
+              <a:buFont typeface="Arial" panose="020B0604020202020204" pitchFamily="34" charset="0"/>
+              <a:buChar char="•"/>
+              <a:defRPr sz="1600" kern="1200">
+                <a:solidFill>
+                  <a:schemeClr val="tx1"/>
+                </a:solidFill>
+                <a:latin typeface="+mn-lt"/>
+                <a:ea typeface="+mn-ea"/>
+                <a:cs typeface="+mn-cs"/>
+              </a:defRPr>
+            </a:lvl8pPr>
+            <a:lvl9pPr marL="2240280" indent="-228600" algn="l" defTabSz="914400" rtl="0" eaLnBrk="1" latinLnBrk="0" hangingPunct="1">
+              <a:lnSpc>
+                <a:spcPct val="90000"/>
+              </a:lnSpc>
+              <a:spcBef>
+                <a:spcPts val="800"/>
+              </a:spcBef>
+              <a:buFont typeface="Arial" panose="020B0604020202020204" pitchFamily="34" charset="0"/>
+              <a:buChar char="•"/>
+              <a:defRPr sz="1600" kern="1200">
+                <a:solidFill>
+                  <a:schemeClr val="tx1"/>
+                </a:solidFill>
+                <a:latin typeface="+mn-lt"/>
+                <a:ea typeface="+mn-ea"/>
+                <a:cs typeface="+mn-cs"/>
+              </a:defRPr>
+            </a:lvl9pPr>
+          </a:lstStyle>
+          <a:p>
+            <a:pPr>
+              <a:lnSpc>
+                <a:spcPct val="150000"/>
+              </a:lnSpc>
+              <a:buBlip>
+                <a:blip r:embed="rId3"/>
+              </a:buBlip>
+            </a:pPr>
+            <a:r>
+              <a:rPr lang="pt-BR" dirty="0"/>
+              <a:t>Adriana </a:t>
+            </a:r>
+            <a:r>
+              <a:rPr lang="pt-BR" dirty="0" err="1"/>
+              <a:t>Elva</a:t>
+            </a:r>
+            <a:r>
+              <a:rPr lang="pt-BR" dirty="0"/>
+              <a:t> </a:t>
+            </a:r>
+          </a:p>
+          <a:p>
+            <a:pPr>
+              <a:lnSpc>
+                <a:spcPct val="150000"/>
+              </a:lnSpc>
+              <a:buBlip>
+                <a:blip r:embed="rId3"/>
+              </a:buBlip>
+            </a:pPr>
+            <a:r>
+              <a:rPr lang="pt-BR" dirty="0"/>
+              <a:t>Fernanda Esteves</a:t>
+            </a:r>
+          </a:p>
+          <a:p>
+            <a:pPr>
+              <a:lnSpc>
+                <a:spcPct val="150000"/>
+              </a:lnSpc>
+              <a:buBlip>
+                <a:blip r:embed="rId3"/>
+              </a:buBlip>
+            </a:pPr>
+            <a:r>
+              <a:rPr lang="pt-BR" dirty="0"/>
+              <a:t>Gustavo Henrique</a:t>
+            </a:r>
+          </a:p>
+        </p:txBody>
+      </p:sp>
+      <p:pic>
+        <p:nvPicPr>
+          <p:cNvPr id="6" name="Imagem 5">
+            <a:extLst>
+              <a:ext uri="{FF2B5EF4-FFF2-40B4-BE49-F238E27FC236}">
+                <a16:creationId xmlns:a16="http://schemas.microsoft.com/office/drawing/2014/main" id="{9A536BC0-71D5-493A-AC82-8C238B612FD9}"/>
+              </a:ext>
+            </a:extLst>
+          </p:cNvPr>
+          <p:cNvPicPr>
+            <a:picLocks noChangeAspect="1"/>
+          </p:cNvPicPr>
+          <p:nvPr/>
+        </p:nvPicPr>
+        <p:blipFill>
+          <a:blip r:embed="rId4"/>
+          <a:stretch>
+            <a:fillRect/>
+          </a:stretch>
+        </p:blipFill>
+        <p:spPr>
+          <a:xfrm>
+            <a:off x="9740158" y="6109652"/>
+            <a:ext cx="2312884" cy="482321"/>
+          </a:xfrm>
+          <a:prstGeom prst="rect">
+            <a:avLst/>
+          </a:prstGeom>
+        </p:spPr>
+      </p:pic>
+    </p:spTree>
+    <p:extLst>
+      <p:ext uri="{BB962C8B-B14F-4D97-AF65-F5344CB8AC3E}">
+        <p14:creationId xmlns:p14="http://schemas.microsoft.com/office/powerpoint/2010/main" val="3639872359"/>
+      </p:ext>
+    </p:extLst>
+  </p:cSld>
+  <p:clrMapOvr>
+    <a:masterClrMapping/>
+  </p:clrMapOvr>
+  <p:transition spd="slow">
+    <p:push dir="u"/>
+  </p:transition>
+</p:sld>
+</file>
+
+<file path=ppt/slides/slide4.xml><?xml version="1.0" encoding="utf-8"?>
+<p:sld xmlns:a="http://schemas.openxmlformats.org/drawingml/2006/main" xmlns:r="http://schemas.openxmlformats.org/officeDocument/2006/relationships" xmlns:p="http://schemas.openxmlformats.org/presentationml/2006/main">
+  <p:cSld>
+    <p:spTree>
+      <p:nvGrpSpPr>
+        <p:cNvPr id="1" name=""/>
+        <p:cNvGrpSpPr/>
+        <p:nvPr/>
+      </p:nvGrpSpPr>
+      <p:grpSpPr>
+        <a:xfrm>
+          <a:off x="0" y="0"/>
+          <a:ext cx="0" cy="0"/>
+          <a:chOff x="0" y="0"/>
+          <a:chExt cx="0" cy="0"/>
+        </a:xfrm>
+      </p:grpSpPr>
+      <p:sp>
+        <p:nvSpPr>
+          <p:cNvPr id="2" name="Título 1"/>
+          <p:cNvSpPr>
+            <a:spLocks noGrp="1"/>
+          </p:cNvSpPr>
+          <p:nvPr>
+            <p:ph type="title"/>
+          </p:nvPr>
+        </p:nvSpPr>
+        <p:spPr/>
+        <p:txBody>
+          <a:bodyPr rtlCol="0"/>
+          <a:lstStyle/>
+          <a:p>
+            <a:pPr rtl="0"/>
+            <a:r>
+              <a:rPr lang="pt-BR" dirty="0"/>
+              <a:t>O que é umidade?</a:t>
+            </a:r>
+          </a:p>
+        </p:txBody>
+      </p:sp>
+      <p:sp>
+        <p:nvSpPr>
+          <p:cNvPr id="3" name="Espaço Reservado para Conteúdo 2"/>
+          <p:cNvSpPr>
+            <a:spLocks noGrp="1"/>
+          </p:cNvSpPr>
+          <p:nvPr>
+            <p:ph idx="1"/>
+          </p:nvPr>
+        </p:nvSpPr>
+        <p:spPr>
+          <a:xfrm>
+            <a:off x="457200" y="2886074"/>
+            <a:ext cx="6115050" cy="3286125"/>
+          </a:xfrm>
+        </p:spPr>
+        <p:txBody>
+          <a:bodyPr>
+            <a:normAutofit/>
+          </a:bodyPr>
+          <a:lstStyle/>
+          <a:p>
+            <a:pPr>
+              <a:lnSpc>
+                <a:spcPct val="150000"/>
+              </a:lnSpc>
+              <a:buBlip>
+                <a:blip r:embed="rId3"/>
+              </a:buBlip>
+            </a:pPr>
+            <a:r>
+              <a:rPr lang="pt-BR" dirty="0"/>
+              <a:t> Quantidade de vapor de água na atmosfera.</a:t>
+            </a:r>
+          </a:p>
+          <a:p>
+            <a:pPr>
+              <a:lnSpc>
+                <a:spcPct val="150000"/>
+              </a:lnSpc>
+              <a:buBlip>
+                <a:blip r:embed="rId3"/>
+              </a:buBlip>
+            </a:pPr>
+            <a:r>
+              <a:rPr lang="pt-BR" dirty="0"/>
+              <a:t> Regiões afetadas.</a:t>
+            </a:r>
+          </a:p>
+          <a:p>
+            <a:pPr>
+              <a:lnSpc>
+                <a:spcPct val="150000"/>
+              </a:lnSpc>
+              <a:buBlip>
+                <a:blip r:embed="rId3"/>
+              </a:buBlip>
+            </a:pPr>
+            <a:r>
+              <a:rPr lang="pt-BR" dirty="0"/>
+              <a:t> Umidade ideal entre 50% a 60%(OMS).</a:t>
+            </a:r>
+          </a:p>
+        </p:txBody>
+      </p:sp>
+      <p:sp>
+        <p:nvSpPr>
+          <p:cNvPr id="5" name="Espaço Reservado para Conteúdo 2">
+            <a:extLst>
+              <a:ext uri="{FF2B5EF4-FFF2-40B4-BE49-F238E27FC236}">
+                <a16:creationId xmlns:a16="http://schemas.microsoft.com/office/drawing/2014/main" id="{F24AA2B1-7AA6-4752-A7B7-D8B1E32B2966}"/>
+              </a:ext>
+            </a:extLst>
+          </p:cNvPr>
+          <p:cNvSpPr txBox="1">
+            <a:spLocks/>
+          </p:cNvSpPr>
+          <p:nvPr/>
+        </p:nvSpPr>
+        <p:spPr>
+          <a:xfrm>
+            <a:off x="6915150" y="2886074"/>
+            <a:ext cx="5276850" cy="3286126"/>
+          </a:xfrm>
+          <a:prstGeom prst="rect">
+            <a:avLst/>
+          </a:prstGeom>
+        </p:spPr>
+        <p:txBody>
+          <a:bodyPr vert="horz" lIns="91440" tIns="45720" rIns="91440" bIns="45720" rtlCol="0">
+            <a:normAutofit/>
+          </a:bodyPr>
+          <a:lstStyle>
+            <a:lvl1pPr marL="274320" indent="-274320" algn="l" defTabSz="914400" rtl="0" eaLnBrk="1" latinLnBrk="0" hangingPunct="1">
+              <a:lnSpc>
+                <a:spcPct val="90000"/>
+              </a:lnSpc>
+              <a:spcBef>
+                <a:spcPts val="1800"/>
+              </a:spcBef>
+              <a:buFont typeface="Arial" panose="020B0604020202020204" pitchFamily="34" charset="0"/>
+              <a:buChar char="•"/>
+              <a:defRPr sz="2400" kern="1200">
+                <a:solidFill>
+                  <a:schemeClr val="tx1"/>
+                </a:solidFill>
+                <a:latin typeface="+mn-lt"/>
+                <a:ea typeface="+mn-ea"/>
+                <a:cs typeface="+mn-cs"/>
+              </a:defRPr>
+            </a:lvl1pPr>
+            <a:lvl2pPr marL="548640" indent="-228600" algn="l" defTabSz="914400" rtl="0" eaLnBrk="1" latinLnBrk="0" hangingPunct="1">
+              <a:lnSpc>
+                <a:spcPct val="90000"/>
+              </a:lnSpc>
+              <a:spcBef>
+                <a:spcPts val="1000"/>
+              </a:spcBef>
+              <a:buFont typeface="Arial" panose="020B0604020202020204" pitchFamily="34" charset="0"/>
+              <a:buChar char="•"/>
+              <a:defRPr sz="2000" kern="1200">
+                <a:solidFill>
+                  <a:schemeClr val="tx1"/>
+                </a:solidFill>
+                <a:latin typeface="+mn-lt"/>
+                <a:ea typeface="+mn-ea"/>
+                <a:cs typeface="+mn-cs"/>
+              </a:defRPr>
+            </a:lvl2pPr>
+            <a:lvl3pPr marL="822960" indent="-228600" algn="l" defTabSz="914400" rtl="0" eaLnBrk="1" latinLnBrk="0" hangingPunct="1">
+              <a:lnSpc>
+                <a:spcPct val="90000"/>
+              </a:lnSpc>
+              <a:spcBef>
+                <a:spcPts val="800"/>
+              </a:spcBef>
+              <a:buFont typeface="Arial" panose="020B0604020202020204" pitchFamily="34" charset="0"/>
+              <a:buChar char="•"/>
+              <a:defRPr sz="1800" kern="1200">
+                <a:solidFill>
+                  <a:schemeClr val="tx1"/>
+                </a:solidFill>
+                <a:latin typeface="+mn-lt"/>
+                <a:ea typeface="+mn-ea"/>
+                <a:cs typeface="+mn-cs"/>
+              </a:defRPr>
+            </a:lvl3pPr>
+            <a:lvl4pPr marL="1097280" indent="-228600" algn="l" defTabSz="914400" rtl="0" eaLnBrk="1" latinLnBrk="0" hangingPunct="1">
+              <a:lnSpc>
+                <a:spcPct val="90000"/>
+              </a:lnSpc>
+              <a:spcBef>
+                <a:spcPts val="800"/>
+              </a:spcBef>
+              <a:buFont typeface="Arial" panose="020B0604020202020204" pitchFamily="34" charset="0"/>
+              <a:buChar char="•"/>
+              <a:defRPr sz="1600" kern="1200">
+                <a:solidFill>
+                  <a:schemeClr val="tx1"/>
+                </a:solidFill>
+                <a:latin typeface="+mn-lt"/>
+                <a:ea typeface="+mn-ea"/>
+                <a:cs typeface="+mn-cs"/>
+              </a:defRPr>
+            </a:lvl4pPr>
+            <a:lvl5pPr marL="1325880" indent="-228600" algn="l" defTabSz="914400" rtl="0" eaLnBrk="1" latinLnBrk="0" hangingPunct="1">
+              <a:lnSpc>
+                <a:spcPct val="90000"/>
+              </a:lnSpc>
+              <a:spcBef>
+                <a:spcPts val="800"/>
+              </a:spcBef>
+              <a:buFont typeface="Arial" panose="020B0604020202020204" pitchFamily="34" charset="0"/>
+              <a:buChar char="•"/>
+              <a:defRPr sz="1600" kern="1200">
+                <a:solidFill>
+                  <a:schemeClr val="tx1"/>
+                </a:solidFill>
+                <a:latin typeface="+mn-lt"/>
+                <a:ea typeface="+mn-ea"/>
+                <a:cs typeface="+mn-cs"/>
+              </a:defRPr>
+            </a:lvl5pPr>
+            <a:lvl6pPr marL="1554480" indent="-228600" algn="l" defTabSz="914400" rtl="0" eaLnBrk="1" latinLnBrk="0" hangingPunct="1">
+              <a:lnSpc>
+                <a:spcPct val="90000"/>
+              </a:lnSpc>
+              <a:spcBef>
+                <a:spcPts val="800"/>
+              </a:spcBef>
+              <a:buFont typeface="Arial" panose="020B0604020202020204" pitchFamily="34" charset="0"/>
+              <a:buChar char="•"/>
+              <a:defRPr sz="1600" kern="1200">
+                <a:solidFill>
+                  <a:schemeClr val="tx1"/>
+                </a:solidFill>
+                <a:latin typeface="+mn-lt"/>
+                <a:ea typeface="+mn-ea"/>
+                <a:cs typeface="+mn-cs"/>
+              </a:defRPr>
+            </a:lvl6pPr>
+            <a:lvl7pPr marL="1783080" indent="-228600" algn="l" defTabSz="914400" rtl="0" eaLnBrk="1" latinLnBrk="0" hangingPunct="1">
+              <a:lnSpc>
+                <a:spcPct val="90000"/>
+              </a:lnSpc>
+              <a:spcBef>
+                <a:spcPts val="800"/>
+              </a:spcBef>
+              <a:buFont typeface="Arial" panose="020B0604020202020204" pitchFamily="34" charset="0"/>
+              <a:buChar char="•"/>
+              <a:defRPr sz="1600" kern="1200">
+                <a:solidFill>
+                  <a:schemeClr val="tx1"/>
+                </a:solidFill>
+                <a:latin typeface="+mn-lt"/>
+                <a:ea typeface="+mn-ea"/>
+                <a:cs typeface="+mn-cs"/>
+              </a:defRPr>
+            </a:lvl7pPr>
+            <a:lvl8pPr marL="2011680" indent="-228600" algn="l" defTabSz="914400" rtl="0" eaLnBrk="1" latinLnBrk="0" hangingPunct="1">
+              <a:lnSpc>
+                <a:spcPct val="90000"/>
+              </a:lnSpc>
+              <a:spcBef>
+                <a:spcPts val="800"/>
+              </a:spcBef>
+              <a:buFont typeface="Arial" panose="020B0604020202020204" pitchFamily="34" charset="0"/>
+              <a:buChar char="•"/>
+              <a:defRPr sz="1600" kern="1200">
+                <a:solidFill>
+                  <a:schemeClr val="tx1"/>
+                </a:solidFill>
+                <a:latin typeface="+mn-lt"/>
+                <a:ea typeface="+mn-ea"/>
+                <a:cs typeface="+mn-cs"/>
+              </a:defRPr>
+            </a:lvl8pPr>
+            <a:lvl9pPr marL="2240280" indent="-228600" algn="l" defTabSz="914400" rtl="0" eaLnBrk="1" latinLnBrk="0" hangingPunct="1">
+              <a:lnSpc>
+                <a:spcPct val="90000"/>
+              </a:lnSpc>
+              <a:spcBef>
+                <a:spcPts val="800"/>
+              </a:spcBef>
+              <a:buFont typeface="Arial" panose="020B0604020202020204" pitchFamily="34" charset="0"/>
+              <a:buChar char="•"/>
+              <a:defRPr sz="1600" kern="1200">
+                <a:solidFill>
+                  <a:schemeClr val="tx1"/>
+                </a:solidFill>
+                <a:latin typeface="+mn-lt"/>
+                <a:ea typeface="+mn-ea"/>
+                <a:cs typeface="+mn-cs"/>
+              </a:defRPr>
+            </a:lvl9pPr>
+          </a:lstStyle>
+          <a:p>
+            <a:pPr>
+              <a:lnSpc>
+                <a:spcPct val="150000"/>
+              </a:lnSpc>
+              <a:buBlip>
+                <a:blip r:embed="rId3"/>
+              </a:buBlip>
+            </a:pPr>
+            <a:r>
+              <a:rPr lang="pt-BR" dirty="0"/>
+              <a:t>Proliferação de malefícios.</a:t>
+            </a:r>
+          </a:p>
+          <a:p>
+            <a:pPr>
+              <a:lnSpc>
+                <a:spcPct val="150000"/>
+              </a:lnSpc>
+              <a:buBlip>
+                <a:blip r:embed="rId3"/>
+              </a:buBlip>
+            </a:pPr>
+            <a:r>
+              <a:rPr lang="pt-BR" dirty="0"/>
+              <a:t> Problemas respiratórios.</a:t>
+            </a:r>
+          </a:p>
+          <a:p>
+            <a:pPr>
+              <a:lnSpc>
+                <a:spcPct val="150000"/>
+              </a:lnSpc>
+              <a:buBlip>
+                <a:blip r:embed="rId3"/>
+              </a:buBlip>
+            </a:pPr>
+            <a:r>
+              <a:rPr lang="pt-BR" dirty="0"/>
+              <a:t> Edifício doente.</a:t>
+            </a:r>
+          </a:p>
+        </p:txBody>
+      </p:sp>
+      <p:pic>
+        <p:nvPicPr>
+          <p:cNvPr id="6" name="Imagem 5">
+            <a:extLst>
+              <a:ext uri="{FF2B5EF4-FFF2-40B4-BE49-F238E27FC236}">
+                <a16:creationId xmlns:a16="http://schemas.microsoft.com/office/drawing/2014/main" id="{603FA2DC-D939-44F1-AE5B-5BDFF8F081B7}"/>
+              </a:ext>
+            </a:extLst>
+          </p:cNvPr>
+          <p:cNvPicPr>
+            <a:picLocks noChangeAspect="1"/>
+          </p:cNvPicPr>
+          <p:nvPr/>
+        </p:nvPicPr>
+        <p:blipFill>
+          <a:blip r:embed="rId4"/>
+          <a:stretch>
+            <a:fillRect/>
+          </a:stretch>
+        </p:blipFill>
+        <p:spPr>
+          <a:xfrm>
+            <a:off x="9740158" y="6109652"/>
+            <a:ext cx="2312884" cy="482321"/>
+          </a:xfrm>
+          <a:prstGeom prst="rect">
+            <a:avLst/>
+          </a:prstGeom>
+        </p:spPr>
+      </p:pic>
+    </p:spTree>
+    <p:extLst>
+      <p:ext uri="{BB962C8B-B14F-4D97-AF65-F5344CB8AC3E}">
+        <p14:creationId xmlns:p14="http://schemas.microsoft.com/office/powerpoint/2010/main" val="3574231650"/>
+      </p:ext>
+    </p:extLst>
+  </p:cSld>
+  <p:clrMapOvr>
+    <a:masterClrMapping/>
+  </p:clrMapOvr>
+  <p:transition spd="slow">
+    <p:push dir="u"/>
+  </p:transition>
+</p:sld>
+</file>
+
+<file path=ppt/slides/slide5.xml><?xml version="1.0" encoding="utf-8"?>
+<p:sld xmlns:a="http://schemas.openxmlformats.org/drawingml/2006/main" xmlns:r="http://schemas.openxmlformats.org/officeDocument/2006/relationships" xmlns:p="http://schemas.openxmlformats.org/presentationml/2006/main">
+  <p:cSld>
+    <p:spTree>
+      <p:nvGrpSpPr>
+        <p:cNvPr id="1" name=""/>
+        <p:cNvGrpSpPr/>
+        <p:nvPr/>
+      </p:nvGrpSpPr>
+      <p:grpSpPr>
+        <a:xfrm>
+          <a:off x="0" y="0"/>
+          <a:ext cx="0" cy="0"/>
+          <a:chOff x="0" y="0"/>
+          <a:chExt cx="0" cy="0"/>
+        </a:xfrm>
+      </p:grpSpPr>
+      <p:sp>
+        <p:nvSpPr>
+          <p:cNvPr id="2" name="Título 1"/>
+          <p:cNvSpPr>
+            <a:spLocks noGrp="1"/>
+          </p:cNvSpPr>
+          <p:nvPr>
+            <p:ph type="title"/>
+          </p:nvPr>
+        </p:nvSpPr>
+        <p:spPr/>
+        <p:txBody>
+          <a:bodyPr rtlCol="0"/>
+          <a:lstStyle/>
+          <a:p>
+            <a:pPr rtl="0"/>
+            <a:r>
+              <a:rPr lang="pt-BR" dirty="0"/>
+              <a:t>Bem estar</a:t>
+            </a:r>
+          </a:p>
+        </p:txBody>
+      </p:sp>
+      <p:sp>
+        <p:nvSpPr>
+          <p:cNvPr id="3" name="Espaço Reservado para Conteúdo 2"/>
+          <p:cNvSpPr>
+            <a:spLocks noGrp="1"/>
+          </p:cNvSpPr>
+          <p:nvPr>
+            <p:ph idx="1"/>
+          </p:nvPr>
+        </p:nvSpPr>
+        <p:spPr>
+          <a:xfrm>
+            <a:off x="1295400" y="2400300"/>
+            <a:ext cx="9601200" cy="3771900"/>
+          </a:xfrm>
+        </p:spPr>
+        <p:txBody>
+          <a:bodyPr/>
+          <a:lstStyle/>
+          <a:p>
+            <a:pPr>
+              <a:lnSpc>
+                <a:spcPct val="150000"/>
+              </a:lnSpc>
+              <a:buBlip>
+                <a:blip r:embed="rId3"/>
+              </a:buBlip>
+            </a:pPr>
+            <a:r>
+              <a:rPr lang="pt-BR" dirty="0"/>
+              <a:t> Impacto causado no ambiente de trabalho.</a:t>
+            </a:r>
+          </a:p>
+          <a:p>
+            <a:pPr>
+              <a:lnSpc>
+                <a:spcPct val="150000"/>
+              </a:lnSpc>
+              <a:buBlip>
+                <a:blip r:embed="rId3"/>
+              </a:buBlip>
+            </a:pPr>
+            <a:r>
+              <a:rPr lang="pt-BR" dirty="0"/>
+              <a:t> NR17 (Ministério do Trabalho).</a:t>
+            </a:r>
+          </a:p>
+          <a:p>
+            <a:pPr>
+              <a:lnSpc>
+                <a:spcPct val="150000"/>
+              </a:lnSpc>
+              <a:buBlip>
+                <a:blip r:embed="rId3"/>
+              </a:buBlip>
+            </a:pPr>
+            <a:r>
+              <a:rPr lang="pt-BR" dirty="0"/>
+              <a:t>Umidade mínima de 40% e temperatura de 20ºC a 23ºC.</a:t>
+            </a:r>
+          </a:p>
+          <a:p>
+            <a:pPr>
+              <a:lnSpc>
+                <a:spcPct val="150000"/>
+              </a:lnSpc>
+              <a:buBlip>
+                <a:blip r:embed="rId3"/>
+              </a:buBlip>
+            </a:pPr>
+            <a:r>
+              <a:rPr lang="pt-BR" dirty="0"/>
+              <a:t> Bem fisiológico e psicológico do funcionário.</a:t>
+            </a:r>
+          </a:p>
+          <a:p>
+            <a:pPr marL="0" indent="0">
+              <a:buNone/>
+            </a:pPr>
+            <a:endParaRPr lang="pt-BR" dirty="0"/>
+          </a:p>
+          <a:p>
+            <a:pPr>
+              <a:buBlip>
+                <a:blip r:embed="rId3"/>
+              </a:buBlip>
+            </a:pPr>
+            <a:endParaRPr lang="pt-BR" dirty="0"/>
+          </a:p>
+        </p:txBody>
+      </p:sp>
+      <p:pic>
+        <p:nvPicPr>
+          <p:cNvPr id="4" name="Imagem 3">
+            <a:extLst>
+              <a:ext uri="{FF2B5EF4-FFF2-40B4-BE49-F238E27FC236}">
+                <a16:creationId xmlns:a16="http://schemas.microsoft.com/office/drawing/2014/main" id="{8ACFAA25-4F8B-4D41-8D5D-5344F670A3DD}"/>
+              </a:ext>
+            </a:extLst>
+          </p:cNvPr>
+          <p:cNvPicPr>
+            <a:picLocks noChangeAspect="1"/>
+          </p:cNvPicPr>
+          <p:nvPr/>
+        </p:nvPicPr>
+        <p:blipFill>
+          <a:blip r:embed="rId4"/>
+          <a:stretch>
+            <a:fillRect/>
+          </a:stretch>
+        </p:blipFill>
+        <p:spPr>
+          <a:xfrm>
+            <a:off x="9740158" y="6109652"/>
+            <a:ext cx="2312884" cy="482321"/>
+          </a:xfrm>
+          <a:prstGeom prst="rect">
+            <a:avLst/>
+          </a:prstGeom>
+        </p:spPr>
+      </p:pic>
+    </p:spTree>
+    <p:extLst>
+      <p:ext uri="{BB962C8B-B14F-4D97-AF65-F5344CB8AC3E}">
+        <p14:creationId xmlns:p14="http://schemas.microsoft.com/office/powerpoint/2010/main" val="464969786"/>
+      </p:ext>
+    </p:extLst>
+  </p:cSld>
+  <p:clrMapOvr>
+    <a:masterClrMapping/>
+  </p:clrMapOvr>
+  <p:transition spd="slow">
+    <p:push dir="u"/>
+  </p:transition>
+</p:sld>
+</file>
+
+<file path=ppt/slides/slide6.xml><?xml version="1.0" encoding="utf-8"?>
+<p:sld xmlns:a="http://schemas.openxmlformats.org/drawingml/2006/main" xmlns:r="http://schemas.openxmlformats.org/officeDocument/2006/relationships" xmlns:p="http://schemas.openxmlformats.org/presentationml/2006/main">
+  <p:cSld>
+    <p:spTree>
+      <p:nvGrpSpPr>
+        <p:cNvPr id="1" name=""/>
+        <p:cNvGrpSpPr/>
+        <p:nvPr/>
+      </p:nvGrpSpPr>
+      <p:grpSpPr>
+        <a:xfrm>
+          <a:off x="0" y="0"/>
+          <a:ext cx="0" cy="0"/>
+          <a:chOff x="0" y="0"/>
+          <a:chExt cx="0" cy="0"/>
+        </a:xfrm>
+      </p:grpSpPr>
+      <p:sp>
+        <p:nvSpPr>
+          <p:cNvPr id="2" name="Título 1"/>
+          <p:cNvSpPr>
+            <a:spLocks noGrp="1"/>
+          </p:cNvSpPr>
+          <p:nvPr>
+            <p:ph type="title"/>
+          </p:nvPr>
+        </p:nvSpPr>
+        <p:spPr/>
+        <p:txBody>
+          <a:bodyPr rtlCol="0"/>
+          <a:lstStyle/>
+          <a:p>
+            <a:pPr rtl="0"/>
+            <a:r>
+              <a:rPr lang="pt-BR" dirty="0"/>
+              <a:t>Relação Produtividade x Temperatura</a:t>
+            </a:r>
+          </a:p>
+        </p:txBody>
+      </p:sp>
+      <p:graphicFrame>
+        <p:nvGraphicFramePr>
+          <p:cNvPr id="6" name="Espaço reservado para conteúdo 5" descr="Gráfico de colunas clusterizado representando&#10;Gráfico de combinação de três séries para quatro categorias"/>
+          <p:cNvGraphicFramePr>
+            <a:graphicFrameLocks noGrp="1"/>
+          </p:cNvGraphicFramePr>
+          <p:nvPr>
+            <p:ph idx="1"/>
+            <p:extLst>
+              <p:ext uri="{D42A27DB-BD31-4B8C-83A1-F6EECF244321}">
+                <p14:modId xmlns:p14="http://schemas.microsoft.com/office/powerpoint/2010/main" val="453197788"/>
+              </p:ext>
+            </p:extLst>
+          </p:nvPr>
+        </p:nvGraphicFramePr>
+        <p:xfrm>
+          <a:off x="1295400" y="1828800"/>
+          <a:ext cx="9601200" cy="4343400"/>
+        </p:xfrm>
+        <a:graphic>
+          <a:graphicData uri="http://schemas.openxmlformats.org/drawingml/2006/chart">
+            <c:chart xmlns:c="http://schemas.openxmlformats.org/drawingml/2006/chart" xmlns:r="http://schemas.openxmlformats.org/officeDocument/2006/relationships" r:id="rId3"/>
+          </a:graphicData>
+        </a:graphic>
+      </p:graphicFrame>
+      <p:sp>
+        <p:nvSpPr>
+          <p:cNvPr id="3" name="CaixaDeTexto 2">
+            <a:extLst>
+              <a:ext uri="{FF2B5EF4-FFF2-40B4-BE49-F238E27FC236}">
+                <a16:creationId xmlns:a16="http://schemas.microsoft.com/office/drawing/2014/main" id="{193E2AA3-D61E-4E72-A82B-8C8A58488B92}"/>
+              </a:ext>
+            </a:extLst>
+          </p:cNvPr>
+          <p:cNvSpPr txBox="1"/>
+          <p:nvPr/>
+        </p:nvSpPr>
+        <p:spPr>
+          <a:xfrm>
+            <a:off x="8029576" y="6172200"/>
+            <a:ext cx="3691267" cy="369332"/>
+          </a:xfrm>
+          <a:prstGeom prst="rect">
+            <a:avLst/>
+          </a:prstGeom>
+          <a:noFill/>
+        </p:spPr>
+        <p:txBody>
+          <a:bodyPr wrap="none" rtlCol="0">
+            <a:spAutoFit/>
+          </a:bodyPr>
+          <a:lstStyle/>
+          <a:p>
+            <a:r>
+              <a:rPr lang="pt-BR" dirty="0"/>
+              <a:t>Fonte: Taís Larissa – CESUMAR (2010)</a:t>
+            </a:r>
+          </a:p>
+        </p:txBody>
+      </p:sp>
+    </p:spTree>
+    <p:extLst>
+      <p:ext uri="{BB962C8B-B14F-4D97-AF65-F5344CB8AC3E}">
+        <p14:creationId xmlns:p14="http://schemas.microsoft.com/office/powerpoint/2010/main" val="1179164655"/>
+      </p:ext>
+    </p:extLst>
+  </p:cSld>
+  <p:clrMapOvr>
+    <a:masterClrMapping/>
+  </p:clrMapOvr>
+  <p:transition spd="med">
+    <p:pull/>
+  </p:transition>
+</p:sld>
+</file>
+
+<file path=ppt/slides/slide7.xml><?xml version="1.0" encoding="utf-8"?>
+<p:sld xmlns:a="http://schemas.openxmlformats.org/drawingml/2006/main" xmlns:r="http://schemas.openxmlformats.org/officeDocument/2006/relationships" xmlns:p="http://schemas.openxmlformats.org/presentationml/2006/main">
+  <p:cSld>
+    <p:spTree>
+      <p:nvGrpSpPr>
+        <p:cNvPr id="1" name=""/>
+        <p:cNvGrpSpPr/>
+        <p:nvPr/>
+      </p:nvGrpSpPr>
+      <p:grpSpPr>
+        <a:xfrm>
+          <a:off x="0" y="0"/>
+          <a:ext cx="0" cy="0"/>
+          <a:chOff x="0" y="0"/>
+          <a:chExt cx="0" cy="0"/>
+        </a:xfrm>
+      </p:grpSpPr>
+      <p:sp>
+        <p:nvSpPr>
+          <p:cNvPr id="2" name="Título 1">
+            <a:extLst>
+              <a:ext uri="{FF2B5EF4-FFF2-40B4-BE49-F238E27FC236}">
+                <a16:creationId xmlns:a16="http://schemas.microsoft.com/office/drawing/2014/main" id="{8C31434F-F5E5-4957-A030-E76CB2F323E7}"/>
+              </a:ext>
+            </a:extLst>
+          </p:cNvPr>
+          <p:cNvSpPr>
+            <a:spLocks noGrp="1"/>
+          </p:cNvSpPr>
+          <p:nvPr>
+            <p:ph type="title"/>
+          </p:nvPr>
+        </p:nvSpPr>
+        <p:spPr/>
+        <p:txBody>
+          <a:bodyPr/>
+          <a:lstStyle/>
+          <a:p>
+            <a:r>
+              <a:rPr lang="pt-BR" dirty="0"/>
+              <a:t>Projeto</a:t>
+            </a:r>
+          </a:p>
+        </p:txBody>
+      </p:sp>
+      <p:sp>
+        <p:nvSpPr>
+          <p:cNvPr id="3" name="Espaço Reservado para Conteúdo 2">
+            <a:extLst>
+              <a:ext uri="{FF2B5EF4-FFF2-40B4-BE49-F238E27FC236}">
+                <a16:creationId xmlns:a16="http://schemas.microsoft.com/office/drawing/2014/main" id="{B57B8BE6-C298-4F45-A38D-0B98FAC14530}"/>
+              </a:ext>
+            </a:extLst>
+          </p:cNvPr>
+          <p:cNvSpPr>
+            <a:spLocks noGrp="1"/>
+          </p:cNvSpPr>
+          <p:nvPr>
+            <p:ph idx="1"/>
+          </p:nvPr>
+        </p:nvSpPr>
+        <p:spPr/>
+        <p:txBody>
+          <a:bodyPr/>
+          <a:lstStyle/>
+          <a:p>
+            <a:pPr>
+              <a:buBlip>
+                <a:blip r:embed="rId2"/>
+              </a:buBlip>
+            </a:pPr>
+            <a:r>
+              <a:rPr lang="pt-BR" dirty="0"/>
+              <a:t> Adequação às normas.</a:t>
+            </a:r>
+          </a:p>
+          <a:p>
+            <a:pPr>
+              <a:buBlip>
+                <a:blip r:embed="rId2"/>
+              </a:buBlip>
+            </a:pPr>
+            <a:r>
+              <a:rPr lang="pt-BR" dirty="0"/>
+              <a:t> Monitoramento constante, seguro e automatizado. </a:t>
+            </a:r>
+          </a:p>
+          <a:p>
+            <a:pPr>
+              <a:buBlip>
+                <a:blip r:embed="rId2"/>
+              </a:buBlip>
+            </a:pPr>
+            <a:r>
+              <a:rPr lang="pt-BR" dirty="0"/>
+              <a:t> Economia de energia e tempo.</a:t>
+            </a:r>
+          </a:p>
+          <a:p>
+            <a:pPr>
+              <a:buBlip>
+                <a:blip r:embed="rId2"/>
+              </a:buBlip>
+            </a:pPr>
+            <a:r>
+              <a:rPr lang="pt-BR" dirty="0"/>
+              <a:t> Como funciona.</a:t>
+            </a:r>
+          </a:p>
+          <a:p>
+            <a:pPr>
+              <a:buBlip>
+                <a:blip r:embed="rId2"/>
+              </a:buBlip>
+            </a:pPr>
+            <a:r>
+              <a:rPr lang="pt-BR" dirty="0"/>
+              <a:t> Tecnologias e ferramentas utilizadas.</a:t>
+            </a:r>
+          </a:p>
+          <a:p>
+            <a:pPr>
+              <a:buBlip>
+                <a:blip r:embed="rId2"/>
+              </a:buBlip>
+            </a:pPr>
+            <a:endParaRPr lang="pt-BR" dirty="0"/>
+          </a:p>
+          <a:p>
+            <a:pPr>
+              <a:buBlip>
+                <a:blip r:embed="rId2"/>
+              </a:buBlip>
+            </a:pPr>
+            <a:endParaRPr lang="pt-BR" dirty="0"/>
+          </a:p>
+        </p:txBody>
+      </p:sp>
+      <p:pic>
+        <p:nvPicPr>
+          <p:cNvPr id="6" name="Imagem 5" descr="Uma imagem contendo kit de primeiros socorros, objeto&#10;&#10;Descrição gerada automaticamente">
+            <a:extLst>
+              <a:ext uri="{FF2B5EF4-FFF2-40B4-BE49-F238E27FC236}">
+                <a16:creationId xmlns:a16="http://schemas.microsoft.com/office/drawing/2014/main" id="{9F2EE745-88E1-4E73-91B1-6CAE0C0A7BA5}"/>
+              </a:ext>
+            </a:extLst>
+          </p:cNvPr>
+          <p:cNvPicPr>
+            <a:picLocks noChangeAspect="1"/>
+          </p:cNvPicPr>
+          <p:nvPr/>
+        </p:nvPicPr>
+        <p:blipFill>
+          <a:blip r:embed="rId3"/>
+          <a:stretch>
+            <a:fillRect/>
+          </a:stretch>
+        </p:blipFill>
+        <p:spPr>
+          <a:xfrm>
+            <a:off x="5400723" y="2854643"/>
+            <a:ext cx="77930" cy="45719"/>
+          </a:xfrm>
+          <a:prstGeom prst="rect">
+            <a:avLst/>
+          </a:prstGeom>
+        </p:spPr>
+      </p:pic>
+      <p:pic>
+        <p:nvPicPr>
+          <p:cNvPr id="7" name="Imagem 6">
+            <a:extLst>
+              <a:ext uri="{FF2B5EF4-FFF2-40B4-BE49-F238E27FC236}">
+                <a16:creationId xmlns:a16="http://schemas.microsoft.com/office/drawing/2014/main" id="{1F751F11-FC5E-48B7-9F3C-F5D2206C1216}"/>
+              </a:ext>
+            </a:extLst>
+          </p:cNvPr>
+          <p:cNvPicPr>
+            <a:picLocks noChangeAspect="1"/>
+          </p:cNvPicPr>
+          <p:nvPr/>
+        </p:nvPicPr>
+        <p:blipFill>
+          <a:blip r:embed="rId4"/>
+          <a:stretch>
+            <a:fillRect/>
+          </a:stretch>
+        </p:blipFill>
+        <p:spPr>
+          <a:xfrm>
+            <a:off x="10803732" y="6020043"/>
+            <a:ext cx="45719" cy="54185"/>
+          </a:xfrm>
+          <a:prstGeom prst="rect">
+            <a:avLst/>
+          </a:prstGeom>
+        </p:spPr>
+      </p:pic>
+      <p:pic>
+        <p:nvPicPr>
+          <p:cNvPr id="8" name="Imagem 7">
+            <a:extLst>
+              <a:ext uri="{FF2B5EF4-FFF2-40B4-BE49-F238E27FC236}">
+                <a16:creationId xmlns:a16="http://schemas.microsoft.com/office/drawing/2014/main" id="{6CBDF92B-009C-4005-A6BB-AAA3F599F914}"/>
+              </a:ext>
+            </a:extLst>
+          </p:cNvPr>
+          <p:cNvPicPr>
+            <a:picLocks noChangeAspect="1"/>
+          </p:cNvPicPr>
+          <p:nvPr/>
+        </p:nvPicPr>
+        <p:blipFill>
+          <a:blip r:embed="rId5"/>
+          <a:stretch>
+            <a:fillRect/>
+          </a:stretch>
+        </p:blipFill>
+        <p:spPr>
+          <a:xfrm>
+            <a:off x="9098107" y="2640554"/>
+            <a:ext cx="74633" cy="45719"/>
+          </a:xfrm>
+          <a:prstGeom prst="rect">
+            <a:avLst/>
+          </a:prstGeom>
+        </p:spPr>
+      </p:pic>
+      <p:pic>
+        <p:nvPicPr>
+          <p:cNvPr id="9" name="Imagem 8">
+            <a:extLst>
+              <a:ext uri="{FF2B5EF4-FFF2-40B4-BE49-F238E27FC236}">
+                <a16:creationId xmlns:a16="http://schemas.microsoft.com/office/drawing/2014/main" id="{62DE481A-E7DE-4748-80E9-038D7A25C07A}"/>
+              </a:ext>
+            </a:extLst>
+          </p:cNvPr>
+          <p:cNvPicPr>
+            <a:picLocks noChangeAspect="1"/>
+          </p:cNvPicPr>
+          <p:nvPr/>
+        </p:nvPicPr>
+        <p:blipFill>
+          <a:blip r:embed="rId6"/>
+          <a:stretch>
+            <a:fillRect/>
+          </a:stretch>
+        </p:blipFill>
+        <p:spPr>
+          <a:xfrm>
+            <a:off x="746088" y="2377582"/>
+            <a:ext cx="148755" cy="45719"/>
+          </a:xfrm>
+          <a:prstGeom prst="rect">
+            <a:avLst/>
+          </a:prstGeom>
+        </p:spPr>
+      </p:pic>
+      <p:pic>
+        <p:nvPicPr>
+          <p:cNvPr id="10" name="Imagem 9">
+            <a:extLst>
+              <a:ext uri="{FF2B5EF4-FFF2-40B4-BE49-F238E27FC236}">
+                <a16:creationId xmlns:a16="http://schemas.microsoft.com/office/drawing/2014/main" id="{6632E0F7-697B-40D4-BFDE-A954FAA1AF34}"/>
+              </a:ext>
+            </a:extLst>
+          </p:cNvPr>
+          <p:cNvPicPr>
+            <a:picLocks noChangeAspect="1"/>
+          </p:cNvPicPr>
+          <p:nvPr/>
+        </p:nvPicPr>
+        <p:blipFill>
+          <a:blip r:embed="rId7"/>
+          <a:stretch>
+            <a:fillRect/>
+          </a:stretch>
+        </p:blipFill>
+        <p:spPr>
+          <a:xfrm>
+            <a:off x="11070294" y="3751577"/>
+            <a:ext cx="45898" cy="45719"/>
+          </a:xfrm>
+          <a:prstGeom prst="rect">
+            <a:avLst/>
+          </a:prstGeom>
+        </p:spPr>
+      </p:pic>
+      <p:pic>
+        <p:nvPicPr>
+          <p:cNvPr id="11" name="Imagem 10" descr="Uma imagem contendo objeto&#10;&#10;Descrição gerada automaticamente">
+            <a:extLst>
+              <a:ext uri="{FF2B5EF4-FFF2-40B4-BE49-F238E27FC236}">
+                <a16:creationId xmlns:a16="http://schemas.microsoft.com/office/drawing/2014/main" id="{A5BD4CBC-243F-4E21-9359-2583706E0420}"/>
+              </a:ext>
+            </a:extLst>
+          </p:cNvPr>
+          <p:cNvPicPr>
+            <a:picLocks noChangeAspect="1"/>
+          </p:cNvPicPr>
+          <p:nvPr/>
+        </p:nvPicPr>
+        <p:blipFill>
+          <a:blip r:embed="rId8"/>
+          <a:stretch>
+            <a:fillRect/>
+          </a:stretch>
+        </p:blipFill>
+        <p:spPr>
+          <a:xfrm>
+            <a:off x="6847480" y="5925132"/>
+            <a:ext cx="158163" cy="45719"/>
+          </a:xfrm>
+          <a:prstGeom prst="rect">
+            <a:avLst/>
+          </a:prstGeom>
+        </p:spPr>
+      </p:pic>
+      <p:pic>
+        <p:nvPicPr>
+          <p:cNvPr id="12" name="Imagem 11" descr="Uma imagem contendo objeto, kit de primeiros socorros&#10;&#10;Descrição gerada automaticamente">
+            <a:extLst>
+              <a:ext uri="{FF2B5EF4-FFF2-40B4-BE49-F238E27FC236}">
+                <a16:creationId xmlns:a16="http://schemas.microsoft.com/office/drawing/2014/main" id="{839ABE05-5271-4677-8BEF-671EEA2E9B3C}"/>
+              </a:ext>
+            </a:extLst>
+          </p:cNvPr>
+          <p:cNvPicPr>
+            <a:picLocks noChangeAspect="1"/>
+          </p:cNvPicPr>
+          <p:nvPr/>
+        </p:nvPicPr>
+        <p:blipFill>
+          <a:blip r:embed="rId9"/>
+          <a:stretch>
+            <a:fillRect/>
+          </a:stretch>
+        </p:blipFill>
+        <p:spPr>
+          <a:xfrm>
+            <a:off x="8703723" y="4232394"/>
+            <a:ext cx="67375" cy="45719"/>
+          </a:xfrm>
+          <a:prstGeom prst="rect">
+            <a:avLst/>
+          </a:prstGeom>
+        </p:spPr>
+      </p:pic>
+      <p:pic>
+        <p:nvPicPr>
+          <p:cNvPr id="13" name="Imagem 12" descr="Uma imagem contendo gráficos vetoriais&#10;&#10;Descrição gerada automaticamente">
+            <a:extLst>
+              <a:ext uri="{FF2B5EF4-FFF2-40B4-BE49-F238E27FC236}">
+                <a16:creationId xmlns:a16="http://schemas.microsoft.com/office/drawing/2014/main" id="{8BB7BDF5-B3FB-4ED2-87FD-9DBA98B52BBC}"/>
+              </a:ext>
+            </a:extLst>
+          </p:cNvPr>
+          <p:cNvPicPr>
+            <a:picLocks noChangeAspect="1"/>
+          </p:cNvPicPr>
+          <p:nvPr/>
+        </p:nvPicPr>
+        <p:blipFill>
+          <a:blip r:embed="rId10"/>
+          <a:stretch>
+            <a:fillRect/>
+          </a:stretch>
+        </p:blipFill>
+        <p:spPr>
+          <a:xfrm>
+            <a:off x="5883525" y="4646268"/>
+            <a:ext cx="65742" cy="45719"/>
+          </a:xfrm>
+          <a:prstGeom prst="rect">
+            <a:avLst/>
+          </a:prstGeom>
+        </p:spPr>
+      </p:pic>
+      <p:pic>
+        <p:nvPicPr>
+          <p:cNvPr id="14" name="Imagem 13">
+            <a:extLst>
+              <a:ext uri="{FF2B5EF4-FFF2-40B4-BE49-F238E27FC236}">
+                <a16:creationId xmlns:a16="http://schemas.microsoft.com/office/drawing/2014/main" id="{655B674C-A38E-45C4-AC6F-0040B44BF8D2}"/>
+              </a:ext>
+            </a:extLst>
+          </p:cNvPr>
+          <p:cNvPicPr>
+            <a:picLocks noChangeAspect="1"/>
+          </p:cNvPicPr>
+          <p:nvPr/>
+        </p:nvPicPr>
+        <p:blipFill>
+          <a:blip r:embed="rId11"/>
+          <a:stretch>
+            <a:fillRect/>
+          </a:stretch>
+        </p:blipFill>
+        <p:spPr>
+          <a:xfrm>
+            <a:off x="959026" y="3876620"/>
+            <a:ext cx="111883" cy="45719"/>
+          </a:xfrm>
+          <a:prstGeom prst="rect">
+            <a:avLst/>
+          </a:prstGeom>
+        </p:spPr>
+      </p:pic>
+      <p:pic>
+        <p:nvPicPr>
+          <p:cNvPr id="15" name="Imagem 14" descr="Uma imagem contendo relógio, objeto, verde, medidor&#10;&#10;Descrição gerada automaticamente">
+            <a:extLst>
+              <a:ext uri="{FF2B5EF4-FFF2-40B4-BE49-F238E27FC236}">
+                <a16:creationId xmlns:a16="http://schemas.microsoft.com/office/drawing/2014/main" id="{928529D5-18B2-4DAF-8DBD-7C26BEB77950}"/>
+              </a:ext>
+            </a:extLst>
+          </p:cNvPr>
+          <p:cNvPicPr>
+            <a:picLocks noChangeAspect="1"/>
+          </p:cNvPicPr>
+          <p:nvPr/>
+        </p:nvPicPr>
+        <p:blipFill>
+          <a:blip r:embed="rId12"/>
+          <a:stretch>
+            <a:fillRect/>
+          </a:stretch>
+        </p:blipFill>
+        <p:spPr>
+          <a:xfrm>
+            <a:off x="4460820" y="6388823"/>
+            <a:ext cx="45719" cy="45719"/>
+          </a:xfrm>
+          <a:prstGeom prst="rect">
+            <a:avLst/>
+          </a:prstGeom>
+        </p:spPr>
+      </p:pic>
+      <p:pic>
+        <p:nvPicPr>
+          <p:cNvPr id="16" name="Imagem 15">
+            <a:extLst>
+              <a:ext uri="{FF2B5EF4-FFF2-40B4-BE49-F238E27FC236}">
+                <a16:creationId xmlns:a16="http://schemas.microsoft.com/office/drawing/2014/main" id="{4FCAB8D1-C6CB-4A28-A850-865829EF45A6}"/>
+              </a:ext>
+            </a:extLst>
+          </p:cNvPr>
+          <p:cNvPicPr>
+            <a:picLocks noChangeAspect="1"/>
+          </p:cNvPicPr>
+          <p:nvPr/>
+        </p:nvPicPr>
+        <p:blipFill>
+          <a:blip r:embed="rId13"/>
+          <a:stretch>
+            <a:fillRect/>
+          </a:stretch>
+        </p:blipFill>
+        <p:spPr>
+          <a:xfrm>
+            <a:off x="4121688" y="4184282"/>
+            <a:ext cx="45719" cy="45719"/>
+          </a:xfrm>
+          <a:prstGeom prst="rect">
+            <a:avLst/>
+          </a:prstGeom>
+        </p:spPr>
+      </p:pic>
+      <p:pic>
+        <p:nvPicPr>
+          <p:cNvPr id="17" name="Imagem 16">
+            <a:extLst>
+              <a:ext uri="{FF2B5EF4-FFF2-40B4-BE49-F238E27FC236}">
+                <a16:creationId xmlns:a16="http://schemas.microsoft.com/office/drawing/2014/main" id="{5B4E495B-B79C-43A0-898C-6DAE413D8AF3}"/>
+              </a:ext>
+            </a:extLst>
+          </p:cNvPr>
+          <p:cNvPicPr>
+            <a:picLocks noChangeAspect="1"/>
+          </p:cNvPicPr>
+          <p:nvPr/>
+        </p:nvPicPr>
+        <p:blipFill>
+          <a:blip r:embed="rId14"/>
+          <a:stretch>
+            <a:fillRect/>
+          </a:stretch>
+        </p:blipFill>
+        <p:spPr>
+          <a:xfrm>
+            <a:off x="1540676" y="5217767"/>
+            <a:ext cx="45719" cy="45719"/>
+          </a:xfrm>
+          <a:prstGeom prst="rect">
+            <a:avLst/>
+          </a:prstGeom>
+        </p:spPr>
+      </p:pic>
+      <p:pic>
+        <p:nvPicPr>
+          <p:cNvPr id="18" name="Imagem 17">
+            <a:extLst>
+              <a:ext uri="{FF2B5EF4-FFF2-40B4-BE49-F238E27FC236}">
+                <a16:creationId xmlns:a16="http://schemas.microsoft.com/office/drawing/2014/main" id="{E47C558C-4A08-4E3D-ADA2-A095A43435F4}"/>
+              </a:ext>
+            </a:extLst>
+          </p:cNvPr>
+          <p:cNvPicPr>
+            <a:picLocks noChangeAspect="1"/>
+          </p:cNvPicPr>
+          <p:nvPr/>
+        </p:nvPicPr>
+        <p:blipFill>
+          <a:blip r:embed="rId15"/>
+          <a:stretch>
+            <a:fillRect/>
+          </a:stretch>
+        </p:blipFill>
+        <p:spPr>
+          <a:xfrm>
+            <a:off x="847726" y="6283643"/>
+            <a:ext cx="111510" cy="45719"/>
+          </a:xfrm>
+          <a:prstGeom prst="rect">
+            <a:avLst/>
+          </a:prstGeom>
+        </p:spPr>
+      </p:pic>
+      <p:sp>
+        <p:nvSpPr>
+          <p:cNvPr id="20" name="Retângulo 19">
+            <a:extLst>
+              <a:ext uri="{FF2B5EF4-FFF2-40B4-BE49-F238E27FC236}">
+                <a16:creationId xmlns:a16="http://schemas.microsoft.com/office/drawing/2014/main" id="{9382ED7D-F4E2-4CD0-87CA-3CCE17939886}"/>
+              </a:ext>
+            </a:extLst>
+          </p:cNvPr>
+          <p:cNvSpPr/>
+          <p:nvPr/>
+        </p:nvSpPr>
+        <p:spPr>
+          <a:xfrm>
+            <a:off x="171450" y="1657350"/>
+            <a:ext cx="1076801" cy="4886325"/>
+          </a:xfrm>
+          <a:prstGeom prst="rect">
+            <a:avLst/>
+          </a:prstGeom>
+          <a:solidFill>
+            <a:schemeClr val="bg2"/>
+          </a:solidFill>
+          <a:ln>
+            <a:solidFill>
+              <a:schemeClr val="bg2"/>
+            </a:solidFill>
+          </a:ln>
+        </p:spPr>
+        <p:style>
+          <a:lnRef idx="2">
+            <a:schemeClr val="accent1">
+              <a:shade val="50000"/>
+            </a:schemeClr>
+          </a:lnRef>
+          <a:fillRef idx="1">
+            <a:schemeClr val="accent1"/>
+          </a:fillRef>
+          <a:effectRef idx="0">
+            <a:schemeClr val="accent1"/>
+          </a:effectRef>
+          <a:fontRef idx="minor">
+            <a:schemeClr val="lt1"/>
+          </a:fontRef>
+        </p:style>
+        <p:txBody>
+          <a:bodyPr rtlCol="0" anchor="ctr"/>
+          <a:lstStyle/>
+          <a:p>
+            <a:pPr algn="ctr"/>
+            <a:endParaRPr lang="pt-BR"/>
+          </a:p>
+        </p:txBody>
+      </p:sp>
+      <p:sp>
+        <p:nvSpPr>
+          <p:cNvPr id="21" name="Retângulo 20">
+            <a:extLst>
+              <a:ext uri="{FF2B5EF4-FFF2-40B4-BE49-F238E27FC236}">
+                <a16:creationId xmlns:a16="http://schemas.microsoft.com/office/drawing/2014/main" id="{441FEBA0-1E0D-4927-8FD8-F9AB27A3B0DE}"/>
+              </a:ext>
+            </a:extLst>
+          </p:cNvPr>
+          <p:cNvSpPr/>
+          <p:nvPr/>
+        </p:nvSpPr>
+        <p:spPr>
+          <a:xfrm>
+            <a:off x="10369111" y="1636339"/>
+            <a:ext cx="1076801" cy="4886325"/>
+          </a:xfrm>
+          <a:prstGeom prst="rect">
+            <a:avLst/>
+          </a:prstGeom>
+          <a:solidFill>
+            <a:schemeClr val="bg2"/>
+          </a:solidFill>
+          <a:ln>
+            <a:solidFill>
+              <a:schemeClr val="bg2"/>
+            </a:solidFill>
+          </a:ln>
+        </p:spPr>
+        <p:style>
+          <a:lnRef idx="2">
+            <a:schemeClr val="accent1">
+              <a:shade val="50000"/>
+            </a:schemeClr>
+          </a:lnRef>
+          <a:fillRef idx="1">
+            <a:schemeClr val="accent1"/>
+          </a:fillRef>
+          <a:effectRef idx="0">
+            <a:schemeClr val="accent1"/>
+          </a:effectRef>
+          <a:fontRef idx="minor">
+            <a:schemeClr val="lt1"/>
+          </a:fontRef>
+        </p:style>
+        <p:txBody>
+          <a:bodyPr rtlCol="0" anchor="ctr"/>
+          <a:lstStyle/>
+          <a:p>
+            <a:pPr algn="ctr"/>
+            <a:endParaRPr lang="pt-BR"/>
+          </a:p>
+        </p:txBody>
+      </p:sp>
+      <p:sp>
+        <p:nvSpPr>
+          <p:cNvPr id="22" name="Retângulo 21">
+            <a:extLst>
+              <a:ext uri="{FF2B5EF4-FFF2-40B4-BE49-F238E27FC236}">
+                <a16:creationId xmlns:a16="http://schemas.microsoft.com/office/drawing/2014/main" id="{64B9BE8B-72A1-4A03-8958-945AAB71D917}"/>
+              </a:ext>
+            </a:extLst>
+          </p:cNvPr>
+          <p:cNvSpPr/>
+          <p:nvPr/>
+        </p:nvSpPr>
+        <p:spPr>
+          <a:xfrm>
+            <a:off x="8507175" y="1600199"/>
+            <a:ext cx="1076801" cy="4886325"/>
+          </a:xfrm>
+          <a:prstGeom prst="rect">
+            <a:avLst/>
+          </a:prstGeom>
+          <a:solidFill>
+            <a:schemeClr val="bg2"/>
+          </a:solidFill>
+          <a:ln>
+            <a:solidFill>
+              <a:schemeClr val="bg2"/>
+            </a:solidFill>
+          </a:ln>
+        </p:spPr>
+        <p:style>
+          <a:lnRef idx="2">
+            <a:schemeClr val="accent1">
+              <a:shade val="50000"/>
+            </a:schemeClr>
+          </a:lnRef>
+          <a:fillRef idx="1">
+            <a:schemeClr val="accent1"/>
+          </a:fillRef>
+          <a:effectRef idx="0">
+            <a:schemeClr val="accent1"/>
+          </a:effectRef>
+          <a:fontRef idx="minor">
+            <a:schemeClr val="lt1"/>
+          </a:fontRef>
+        </p:style>
+        <p:txBody>
+          <a:bodyPr rtlCol="0" anchor="ctr"/>
+          <a:lstStyle/>
+          <a:p>
+            <a:pPr algn="ctr"/>
+            <a:endParaRPr lang="pt-BR"/>
+          </a:p>
+        </p:txBody>
+      </p:sp>
+      <p:sp>
+        <p:nvSpPr>
+          <p:cNvPr id="23" name="Retângulo 22">
+            <a:extLst>
+              <a:ext uri="{FF2B5EF4-FFF2-40B4-BE49-F238E27FC236}">
+                <a16:creationId xmlns:a16="http://schemas.microsoft.com/office/drawing/2014/main" id="{EC1D33F6-2704-4E01-A47B-A4D1E77519C2}"/>
+              </a:ext>
+            </a:extLst>
+          </p:cNvPr>
+          <p:cNvSpPr/>
+          <p:nvPr/>
+        </p:nvSpPr>
+        <p:spPr>
+          <a:xfrm>
+            <a:off x="1393858" y="4646268"/>
+            <a:ext cx="6486158" cy="2075007"/>
+          </a:xfrm>
+          <a:prstGeom prst="rect">
+            <a:avLst/>
+          </a:prstGeom>
+          <a:solidFill>
+            <a:schemeClr val="bg2"/>
+          </a:solidFill>
+          <a:ln>
+            <a:solidFill>
+              <a:schemeClr val="bg2"/>
+            </a:solidFill>
+          </a:ln>
+        </p:spPr>
+        <p:style>
+          <a:lnRef idx="2">
+            <a:schemeClr val="accent1">
+              <a:shade val="50000"/>
+            </a:schemeClr>
+          </a:lnRef>
+          <a:fillRef idx="1">
+            <a:schemeClr val="accent1"/>
+          </a:fillRef>
+          <a:effectRef idx="0">
+            <a:schemeClr val="accent1"/>
+          </a:effectRef>
+          <a:fontRef idx="minor">
+            <a:schemeClr val="lt1"/>
+          </a:fontRef>
+        </p:style>
+        <p:txBody>
+          <a:bodyPr rtlCol="0" anchor="ctr"/>
+          <a:lstStyle/>
+          <a:p>
+            <a:pPr algn="ctr"/>
+            <a:endParaRPr lang="pt-BR"/>
+          </a:p>
+        </p:txBody>
+      </p:sp>
+      <p:sp>
+        <p:nvSpPr>
+          <p:cNvPr id="24" name="Retângulo 23">
+            <a:extLst>
+              <a:ext uri="{FF2B5EF4-FFF2-40B4-BE49-F238E27FC236}">
+                <a16:creationId xmlns:a16="http://schemas.microsoft.com/office/drawing/2014/main" id="{953D079A-AA5F-4015-97DF-A43C040B5CC3}"/>
+              </a:ext>
+            </a:extLst>
+          </p:cNvPr>
+          <p:cNvSpPr/>
+          <p:nvPr/>
+        </p:nvSpPr>
+        <p:spPr>
+          <a:xfrm>
+            <a:off x="5363527" y="2775775"/>
+            <a:ext cx="390536" cy="203454"/>
+          </a:xfrm>
+          <a:prstGeom prst="rect">
+            <a:avLst/>
+          </a:prstGeom>
+          <a:solidFill>
+            <a:schemeClr val="bg2"/>
+          </a:solidFill>
+          <a:ln>
+            <a:solidFill>
+              <a:schemeClr val="bg2"/>
+            </a:solidFill>
+          </a:ln>
+        </p:spPr>
+        <p:style>
+          <a:lnRef idx="2">
+            <a:schemeClr val="accent1">
+              <a:shade val="50000"/>
+            </a:schemeClr>
+          </a:lnRef>
+          <a:fillRef idx="1">
+            <a:schemeClr val="accent1"/>
+          </a:fillRef>
+          <a:effectRef idx="0">
+            <a:schemeClr val="accent1"/>
+          </a:effectRef>
+          <a:fontRef idx="minor">
+            <a:schemeClr val="lt1"/>
+          </a:fontRef>
+        </p:style>
+        <p:txBody>
+          <a:bodyPr rtlCol="0" anchor="ctr"/>
+          <a:lstStyle/>
+          <a:p>
+            <a:pPr algn="ctr"/>
+            <a:endParaRPr lang="pt-BR"/>
+          </a:p>
+        </p:txBody>
+      </p:sp>
+      <p:pic>
+        <p:nvPicPr>
+          <p:cNvPr id="25" name="Imagem 24">
+            <a:extLst>
+              <a:ext uri="{FF2B5EF4-FFF2-40B4-BE49-F238E27FC236}">
+                <a16:creationId xmlns:a16="http://schemas.microsoft.com/office/drawing/2014/main" id="{AEDB7EED-94EE-4483-B0C8-40C576DE6F9D}"/>
+              </a:ext>
+            </a:extLst>
+          </p:cNvPr>
+          <p:cNvPicPr>
+            <a:picLocks noChangeAspect="1"/>
+          </p:cNvPicPr>
+          <p:nvPr/>
+        </p:nvPicPr>
+        <p:blipFill>
+          <a:blip r:embed="rId16"/>
+          <a:stretch>
+            <a:fillRect/>
+          </a:stretch>
+        </p:blipFill>
+        <p:spPr>
+          <a:xfrm>
+            <a:off x="9740158" y="6109652"/>
+            <a:ext cx="2312884" cy="482321"/>
+          </a:xfrm>
+          <a:prstGeom prst="rect">
+            <a:avLst/>
+          </a:prstGeom>
+        </p:spPr>
+      </p:pic>
+    </p:spTree>
+    <p:extLst>
+      <p:ext uri="{BB962C8B-B14F-4D97-AF65-F5344CB8AC3E}">
+        <p14:creationId xmlns:p14="http://schemas.microsoft.com/office/powerpoint/2010/main" val="642359476"/>
+      </p:ext>
+    </p:extLst>
+  </p:cSld>
+  <p:clrMapOvr>
+    <a:masterClrMapping/>
+  </p:clrMapOvr>
+  <p:transition spd="slow">
+    <p:push dir="u"/>
+  </p:transition>
+</p:sld>
+</file>
+
+<file path=ppt/slides/slide8.xml><?xml version="1.0" encoding="utf-8"?>
+<p:sld xmlns:a="http://schemas.openxmlformats.org/drawingml/2006/main" xmlns:r="http://schemas.openxmlformats.org/officeDocument/2006/relationships" xmlns:p="http://schemas.openxmlformats.org/presentationml/2006/main">
+  <p:cSld>
+    <p:spTree>
+      <p:nvGrpSpPr>
+        <p:cNvPr id="1" name=""/>
+        <p:cNvGrpSpPr/>
+        <p:nvPr/>
+      </p:nvGrpSpPr>
+      <p:grpSpPr>
+        <a:xfrm>
+          <a:off x="0" y="0"/>
+          <a:ext cx="0" cy="0"/>
+          <a:chOff x="0" y="0"/>
+          <a:chExt cx="0" cy="0"/>
+        </a:xfrm>
+      </p:grpSpPr>
+      <p:sp>
+        <p:nvSpPr>
+          <p:cNvPr id="2" name="Título 1">
+            <a:extLst>
+              <a:ext uri="{FF2B5EF4-FFF2-40B4-BE49-F238E27FC236}">
+                <a16:creationId xmlns:a16="http://schemas.microsoft.com/office/drawing/2014/main" id="{8C31434F-F5E5-4957-A030-E76CB2F323E7}"/>
+              </a:ext>
+            </a:extLst>
+          </p:cNvPr>
+          <p:cNvSpPr>
+            <a:spLocks noGrp="1"/>
+          </p:cNvSpPr>
+          <p:nvPr>
+            <p:ph type="title"/>
+          </p:nvPr>
+        </p:nvSpPr>
+        <p:spPr/>
+        <p:txBody>
+          <a:bodyPr/>
+          <a:lstStyle/>
+          <a:p>
+            <a:pPr algn="ctr"/>
+            <a:r>
+              <a:rPr lang="pt-BR" dirty="0"/>
+              <a:t>Tecnologias e Ferramentas Utilizadas</a:t>
+            </a:r>
+          </a:p>
+        </p:txBody>
+      </p:sp>
+      <p:pic>
+        <p:nvPicPr>
+          <p:cNvPr id="7" name="Imagem 6" descr="Uma imagem contendo kit de primeiros socorros, objeto&#10;&#10;Descrição gerada automaticamente">
+            <a:extLst>
+              <a:ext uri="{FF2B5EF4-FFF2-40B4-BE49-F238E27FC236}">
+                <a16:creationId xmlns:a16="http://schemas.microsoft.com/office/drawing/2014/main" id="{90B12A99-9D35-4890-BD5E-B7578258BE5E}"/>
+              </a:ext>
+            </a:extLst>
+          </p:cNvPr>
+          <p:cNvPicPr>
+            <a:picLocks noChangeAspect="1"/>
+          </p:cNvPicPr>
+          <p:nvPr/>
+        </p:nvPicPr>
+        <p:blipFill>
+          <a:blip r:embed="rId2"/>
+          <a:stretch>
+            <a:fillRect/>
+          </a:stretch>
+        </p:blipFill>
+        <p:spPr>
+          <a:xfrm>
+            <a:off x="4743498" y="1504546"/>
+            <a:ext cx="3280320" cy="1924454"/>
+          </a:xfrm>
+          <a:prstGeom prst="rect">
+            <a:avLst/>
+          </a:prstGeom>
+        </p:spPr>
+      </p:pic>
+      <p:pic>
+        <p:nvPicPr>
+          <p:cNvPr id="9" name="Imagem 8">
+            <a:extLst>
+              <a:ext uri="{FF2B5EF4-FFF2-40B4-BE49-F238E27FC236}">
+                <a16:creationId xmlns:a16="http://schemas.microsoft.com/office/drawing/2014/main" id="{DFDF8951-3F5C-47AC-8D19-380C37257EC7}"/>
+              </a:ext>
+            </a:extLst>
+          </p:cNvPr>
+          <p:cNvPicPr>
+            <a:picLocks noChangeAspect="1"/>
+          </p:cNvPicPr>
+          <p:nvPr/>
+        </p:nvPicPr>
+        <p:blipFill>
+          <a:blip r:embed="rId3"/>
+          <a:stretch>
+            <a:fillRect/>
+          </a:stretch>
+        </p:blipFill>
+        <p:spPr>
+          <a:xfrm>
+            <a:off x="10146507" y="4675288"/>
+            <a:ext cx="1626394" cy="1927578"/>
+          </a:xfrm>
+          <a:prstGeom prst="rect">
+            <a:avLst/>
+          </a:prstGeom>
+        </p:spPr>
+      </p:pic>
+      <p:pic>
+        <p:nvPicPr>
+          <p:cNvPr id="11" name="Imagem 10">
+            <a:extLst>
+              <a:ext uri="{FF2B5EF4-FFF2-40B4-BE49-F238E27FC236}">
+                <a16:creationId xmlns:a16="http://schemas.microsoft.com/office/drawing/2014/main" id="{7715635A-68C2-4CF3-A056-F955AF49E8C8}"/>
+              </a:ext>
+            </a:extLst>
+          </p:cNvPr>
+          <p:cNvPicPr>
+            <a:picLocks noChangeAspect="1"/>
+          </p:cNvPicPr>
+          <p:nvPr/>
+        </p:nvPicPr>
+        <p:blipFill>
+          <a:blip r:embed="rId4"/>
+          <a:stretch>
+            <a:fillRect/>
+          </a:stretch>
+        </p:blipFill>
+        <p:spPr>
+          <a:xfrm>
+            <a:off x="8440882" y="1480311"/>
+            <a:ext cx="2831591" cy="1734599"/>
+          </a:xfrm>
+          <a:prstGeom prst="rect">
+            <a:avLst/>
+          </a:prstGeom>
+        </p:spPr>
+      </p:pic>
+      <p:pic>
+        <p:nvPicPr>
+          <p:cNvPr id="13" name="Imagem 12">
+            <a:extLst>
+              <a:ext uri="{FF2B5EF4-FFF2-40B4-BE49-F238E27FC236}">
+                <a16:creationId xmlns:a16="http://schemas.microsoft.com/office/drawing/2014/main" id="{43C2AD72-F574-4C9E-8D9F-FEF37CB793A1}"/>
+              </a:ext>
+            </a:extLst>
+          </p:cNvPr>
+          <p:cNvPicPr>
+            <a:picLocks noChangeAspect="1"/>
+          </p:cNvPicPr>
+          <p:nvPr/>
+        </p:nvPicPr>
+        <p:blipFill>
+          <a:blip r:embed="rId5"/>
+          <a:stretch>
+            <a:fillRect/>
+          </a:stretch>
+        </p:blipFill>
+        <p:spPr>
+          <a:xfrm>
+            <a:off x="88863" y="1611433"/>
+            <a:ext cx="4361569" cy="1340505"/>
+          </a:xfrm>
+          <a:prstGeom prst="rect">
+            <a:avLst/>
+          </a:prstGeom>
+        </p:spPr>
+      </p:pic>
+      <p:pic>
+        <p:nvPicPr>
+          <p:cNvPr id="15" name="Imagem 14">
+            <a:extLst>
+              <a:ext uri="{FF2B5EF4-FFF2-40B4-BE49-F238E27FC236}">
+                <a16:creationId xmlns:a16="http://schemas.microsoft.com/office/drawing/2014/main" id="{59EF7266-E820-496A-9841-3B14D7CC61DC}"/>
+              </a:ext>
+            </a:extLst>
+          </p:cNvPr>
+          <p:cNvPicPr>
+            <a:picLocks noChangeAspect="1"/>
+          </p:cNvPicPr>
+          <p:nvPr/>
+        </p:nvPicPr>
+        <p:blipFill>
+          <a:blip r:embed="rId6"/>
+          <a:stretch>
+            <a:fillRect/>
+          </a:stretch>
+        </p:blipFill>
+        <p:spPr>
+          <a:xfrm>
+            <a:off x="10413069" y="2854550"/>
+            <a:ext cx="1477130" cy="1471383"/>
+          </a:xfrm>
+          <a:prstGeom prst="rect">
+            <a:avLst/>
+          </a:prstGeom>
+        </p:spPr>
+      </p:pic>
+      <p:pic>
+        <p:nvPicPr>
+          <p:cNvPr id="17" name="Imagem 16" descr="Uma imagem contendo objeto&#10;&#10;Descrição gerada automaticamente">
+            <a:extLst>
+              <a:ext uri="{FF2B5EF4-FFF2-40B4-BE49-F238E27FC236}">
+                <a16:creationId xmlns:a16="http://schemas.microsoft.com/office/drawing/2014/main" id="{E609E85E-28F7-49E7-B22F-12B8E8B22B0C}"/>
+              </a:ext>
+            </a:extLst>
+          </p:cNvPr>
+          <p:cNvPicPr>
+            <a:picLocks noChangeAspect="1"/>
+          </p:cNvPicPr>
+          <p:nvPr/>
+        </p:nvPicPr>
+        <p:blipFill>
+          <a:blip r:embed="rId7"/>
+          <a:stretch>
+            <a:fillRect/>
+          </a:stretch>
+        </p:blipFill>
+        <p:spPr>
+          <a:xfrm>
+            <a:off x="6190255" y="5639077"/>
+            <a:ext cx="2976562" cy="860412"/>
+          </a:xfrm>
+          <a:prstGeom prst="rect">
+            <a:avLst/>
+          </a:prstGeom>
+        </p:spPr>
+      </p:pic>
+      <p:pic>
+        <p:nvPicPr>
+          <p:cNvPr id="19" name="Imagem 18" descr="Uma imagem contendo objeto, kit de primeiros socorros&#10;&#10;Descrição gerada automaticamente">
+            <a:extLst>
+              <a:ext uri="{FF2B5EF4-FFF2-40B4-BE49-F238E27FC236}">
+                <a16:creationId xmlns:a16="http://schemas.microsoft.com/office/drawing/2014/main" id="{E6F56BA2-DF13-49E7-97B8-0C007DDC2B86}"/>
+              </a:ext>
+            </a:extLst>
+          </p:cNvPr>
+          <p:cNvPicPr>
+            <a:picLocks noChangeAspect="1"/>
+          </p:cNvPicPr>
+          <p:nvPr/>
+        </p:nvPicPr>
+        <p:blipFill>
+          <a:blip r:embed="rId8"/>
+          <a:stretch>
+            <a:fillRect/>
+          </a:stretch>
+        </p:blipFill>
+        <p:spPr>
+          <a:xfrm>
+            <a:off x="8046498" y="3633363"/>
+            <a:ext cx="1729202" cy="1173387"/>
+          </a:xfrm>
+          <a:prstGeom prst="rect">
+            <a:avLst/>
+          </a:prstGeom>
+        </p:spPr>
+      </p:pic>
+      <p:pic>
+        <p:nvPicPr>
+          <p:cNvPr id="21" name="Imagem 20" descr="Uma imagem contendo gráficos vetoriais&#10;&#10;Descrição gerada automaticamente">
+            <a:extLst>
+              <a:ext uri="{FF2B5EF4-FFF2-40B4-BE49-F238E27FC236}">
+                <a16:creationId xmlns:a16="http://schemas.microsoft.com/office/drawing/2014/main" id="{F1A806DF-6158-4EF4-A561-6269A4524A12}"/>
+              </a:ext>
+            </a:extLst>
+          </p:cNvPr>
+          <p:cNvPicPr>
+            <a:picLocks noChangeAspect="1"/>
+          </p:cNvPicPr>
+          <p:nvPr/>
+        </p:nvPicPr>
+        <p:blipFill>
+          <a:blip r:embed="rId9"/>
+          <a:stretch>
+            <a:fillRect/>
+          </a:stretch>
+        </p:blipFill>
+        <p:spPr>
+          <a:xfrm>
+            <a:off x="5226300" y="3498953"/>
+            <a:ext cx="2475688" cy="1721671"/>
+          </a:xfrm>
+          <a:prstGeom prst="rect">
+            <a:avLst/>
+          </a:prstGeom>
+        </p:spPr>
+      </p:pic>
+      <p:pic>
+        <p:nvPicPr>
+          <p:cNvPr id="23" name="Imagem 22">
+            <a:extLst>
+              <a:ext uri="{FF2B5EF4-FFF2-40B4-BE49-F238E27FC236}">
+                <a16:creationId xmlns:a16="http://schemas.microsoft.com/office/drawing/2014/main" id="{A6C4C144-9229-4AF5-9AF0-BF6A5FA9923A}"/>
+              </a:ext>
+            </a:extLst>
+          </p:cNvPr>
+          <p:cNvPicPr>
+            <a:picLocks noChangeAspect="1"/>
+          </p:cNvPicPr>
+          <p:nvPr/>
+        </p:nvPicPr>
+        <p:blipFill>
+          <a:blip r:embed="rId10"/>
+          <a:stretch>
+            <a:fillRect/>
+          </a:stretch>
+        </p:blipFill>
+        <p:spPr>
+          <a:xfrm>
+            <a:off x="301801" y="3361149"/>
+            <a:ext cx="2667000" cy="1089827"/>
+          </a:xfrm>
+          <a:prstGeom prst="rect">
+            <a:avLst/>
+          </a:prstGeom>
+        </p:spPr>
+      </p:pic>
+      <p:pic>
+        <p:nvPicPr>
+          <p:cNvPr id="25" name="Imagem 24" descr="Uma imagem contendo relógio, objeto, verde, medidor&#10;&#10;Descrição gerada automaticamente">
+            <a:extLst>
+              <a:ext uri="{FF2B5EF4-FFF2-40B4-BE49-F238E27FC236}">
+                <a16:creationId xmlns:a16="http://schemas.microsoft.com/office/drawing/2014/main" id="{46AA173A-F220-46A8-BBB7-92F7CA2D28D4}"/>
+              </a:ext>
+            </a:extLst>
+          </p:cNvPr>
+          <p:cNvPicPr>
+            <a:picLocks noChangeAspect="1"/>
+          </p:cNvPicPr>
+          <p:nvPr/>
+        </p:nvPicPr>
+        <p:blipFill>
+          <a:blip r:embed="rId11"/>
+          <a:stretch>
+            <a:fillRect/>
+          </a:stretch>
+        </p:blipFill>
+        <p:spPr>
+          <a:xfrm>
+            <a:off x="3803595" y="5353454"/>
+            <a:ext cx="1609725" cy="1609725"/>
+          </a:xfrm>
+          <a:prstGeom prst="rect">
+            <a:avLst/>
+          </a:prstGeom>
+        </p:spPr>
+      </p:pic>
+      <p:pic>
+        <p:nvPicPr>
+          <p:cNvPr id="27" name="Imagem 26">
+            <a:extLst>
+              <a:ext uri="{FF2B5EF4-FFF2-40B4-BE49-F238E27FC236}">
+                <a16:creationId xmlns:a16="http://schemas.microsoft.com/office/drawing/2014/main" id="{EEB3AB1F-1543-44D3-8D87-B239633E7547}"/>
+              </a:ext>
+            </a:extLst>
+          </p:cNvPr>
+          <p:cNvPicPr>
+            <a:picLocks noChangeAspect="1"/>
+          </p:cNvPicPr>
+          <p:nvPr/>
+        </p:nvPicPr>
+        <p:blipFill>
+          <a:blip r:embed="rId12"/>
+          <a:stretch>
+            <a:fillRect/>
+          </a:stretch>
+        </p:blipFill>
+        <p:spPr>
+          <a:xfrm>
+            <a:off x="3464463" y="3418133"/>
+            <a:ext cx="1340505" cy="1340505"/>
+          </a:xfrm>
+          <a:prstGeom prst="rect">
+            <a:avLst/>
+          </a:prstGeom>
+        </p:spPr>
+      </p:pic>
+      <p:pic>
+        <p:nvPicPr>
+          <p:cNvPr id="29" name="Imagem 28">
+            <a:extLst>
+              <a:ext uri="{FF2B5EF4-FFF2-40B4-BE49-F238E27FC236}">
+                <a16:creationId xmlns:a16="http://schemas.microsoft.com/office/drawing/2014/main" id="{CF65B9C5-1452-48DB-BDB3-F02525284182}"/>
+              </a:ext>
+            </a:extLst>
+          </p:cNvPr>
+          <p:cNvPicPr>
+            <a:picLocks noChangeAspect="1"/>
+          </p:cNvPicPr>
+          <p:nvPr/>
+        </p:nvPicPr>
+        <p:blipFill>
+          <a:blip r:embed="rId13"/>
+          <a:stretch>
+            <a:fillRect/>
+          </a:stretch>
+        </p:blipFill>
+        <p:spPr>
+          <a:xfrm>
+            <a:off x="883451" y="4649124"/>
+            <a:ext cx="1143000" cy="1143000"/>
+          </a:xfrm>
+          <a:prstGeom prst="rect">
+            <a:avLst/>
+          </a:prstGeom>
+        </p:spPr>
+      </p:pic>
+      <p:pic>
+        <p:nvPicPr>
+          <p:cNvPr id="31" name="Imagem 30">
+            <a:extLst>
+              <a:ext uri="{FF2B5EF4-FFF2-40B4-BE49-F238E27FC236}">
+                <a16:creationId xmlns:a16="http://schemas.microsoft.com/office/drawing/2014/main" id="{C59CB842-2ACA-4CAB-A11B-11F4745547AB}"/>
+              </a:ext>
+            </a:extLst>
+          </p:cNvPr>
+          <p:cNvPicPr>
+            <a:picLocks noChangeAspect="1"/>
+          </p:cNvPicPr>
+          <p:nvPr/>
+        </p:nvPicPr>
+        <p:blipFill>
+          <a:blip r:embed="rId14"/>
+          <a:stretch>
+            <a:fillRect/>
+          </a:stretch>
+        </p:blipFill>
+        <p:spPr>
+          <a:xfrm>
+            <a:off x="190500" y="5821150"/>
+            <a:ext cx="2528903" cy="1036850"/>
+          </a:xfrm>
+          <a:prstGeom prst="rect">
+            <a:avLst/>
+          </a:prstGeom>
+        </p:spPr>
+      </p:pic>
+    </p:spTree>
+    <p:extLst>
+      <p:ext uri="{BB962C8B-B14F-4D97-AF65-F5344CB8AC3E}">
+        <p14:creationId xmlns:p14="http://schemas.microsoft.com/office/powerpoint/2010/main" val="399739138"/>
+      </p:ext>
+    </p:extLst>
+  </p:cSld>
+  <p:clrMapOvr>
+    <a:masterClrMapping/>
+  </p:clrMapOvr>
+  <mc:AlternateContent xmlns:mc="http://schemas.openxmlformats.org/markup-compatibility/2006">
+    <mc:Choice xmlns:p159="http://schemas.microsoft.com/office/powerpoint/2015/09/main" Requires="p159">
+      <p:transition xmlns:p14="http://schemas.microsoft.com/office/powerpoint/2010/main" spd="slow" p14:dur="2000">
+        <p159:morph option="byObject"/>
+      </p:transition>
+    </mc:Choice>
+    <mc:Fallback>
+      <p:transition spd="slow">
+        <p:fade/>
+      </p:transition>
+    </mc:Fallback>
+  </mc:AlternateContent>
+</p:sld>
+</file>
+
+<file path=ppt/slides/slide9.xml><?xml version="1.0" encoding="utf-8"?>
+<p:sld xmlns:a="http://schemas.openxmlformats.org/drawingml/2006/main" xmlns:r="http://schemas.openxmlformats.org/officeDocument/2006/relationships" xmlns:p="http://schemas.openxmlformats.org/presentationml/2006/main">
+  <p:cSld>
+    <p:spTree>
+      <p:nvGrpSpPr>
+        <p:cNvPr id="1" name=""/>
+        <p:cNvGrpSpPr/>
+        <p:nvPr/>
+      </p:nvGrpSpPr>
+      <p:grpSpPr>
+        <a:xfrm>
+          <a:off x="0" y="0"/>
+          <a:ext cx="0" cy="0"/>
+          <a:chOff x="0" y="0"/>
+          <a:chExt cx="0" cy="0"/>
+        </a:xfrm>
+      </p:grpSpPr>
+      <p:sp>
+        <p:nvSpPr>
+          <p:cNvPr id="2" name="Título 1">
+            <a:extLst>
+              <a:ext uri="{FF2B5EF4-FFF2-40B4-BE49-F238E27FC236}">
+                <a16:creationId xmlns:a16="http://schemas.microsoft.com/office/drawing/2014/main" id="{8C31434F-F5E5-4957-A030-E76CB2F323E7}"/>
+              </a:ext>
+            </a:extLst>
+          </p:cNvPr>
+          <p:cNvSpPr>
+            <a:spLocks noGrp="1"/>
+          </p:cNvSpPr>
+          <p:nvPr>
+            <p:ph type="title"/>
+          </p:nvPr>
+        </p:nvSpPr>
+        <p:spPr/>
+        <p:txBody>
+          <a:bodyPr/>
+          <a:lstStyle/>
+          <a:p>
+            <a:pPr algn="ctr"/>
+            <a:r>
+              <a:rPr lang="pt-BR" dirty="0"/>
+              <a:t>Desenho de Solução</a:t>
+            </a:r>
+          </a:p>
+        </p:txBody>
+      </p:sp>
+    </p:spTree>
+    <p:extLst>
+      <p:ext uri="{BB962C8B-B14F-4D97-AF65-F5344CB8AC3E}">
+        <p14:creationId xmlns:p14="http://schemas.microsoft.com/office/powerpoint/2010/main" val="3260387452"/>
+      </p:ext>
+    </p:extLst>
+  </p:cSld>
+  <p:clrMapOvr>
+    <a:masterClrMapping/>
+  </p:clrMapOvr>
+  <mc:AlternateContent xmlns:mc="http://schemas.openxmlformats.org/markup-compatibility/2006">
+    <mc:Choice xmlns:p159="http://schemas.microsoft.com/office/powerpoint/2015/09/main" Requires="p159">
+      <p:transition xmlns:p14="http://schemas.microsoft.com/office/powerpoint/2010/main" spd="slow" p14:dur="2000">
+        <p159:morph option="byObject"/>
+      </p:transition>
+    </mc:Choice>
+    <mc:Fallback>
+      <p:transition spd="slow">
         <p:fade/>
       </p:transition>
     </mc:Fallback>

--- a/documentacao/PowerPoint.pptx
+++ b/documentacao/PowerPoint.pptx
@@ -5,10 +5,10 @@
     <p:sldMasterId id="2147483648" r:id="rId1"/>
   </p:sldMasterIdLst>
   <p:notesMasterIdLst>
-    <p:notesMasterId r:id="rId22"/>
+    <p:notesMasterId r:id="rId15"/>
   </p:notesMasterIdLst>
   <p:handoutMasterIdLst>
-    <p:handoutMasterId r:id="rId23"/>
+    <p:handoutMasterId r:id="rId16"/>
   </p:handoutMasterIdLst>
   <p:sldIdLst>
     <p:sldId id="257" r:id="rId2"/>
@@ -21,16 +21,9 @@
     <p:sldId id="274" r:id="rId9"/>
     <p:sldId id="275" r:id="rId10"/>
     <p:sldId id="276" r:id="rId11"/>
-    <p:sldId id="262" r:id="rId12"/>
-    <p:sldId id="260" r:id="rId13"/>
-    <p:sldId id="261" r:id="rId14"/>
-    <p:sldId id="263" r:id="rId15"/>
-    <p:sldId id="264" r:id="rId16"/>
-    <p:sldId id="265" r:id="rId17"/>
-    <p:sldId id="266" r:id="rId18"/>
-    <p:sldId id="267" r:id="rId19"/>
-    <p:sldId id="268" r:id="rId20"/>
-    <p:sldId id="269" r:id="rId21"/>
+    <p:sldId id="277" r:id="rId12"/>
+    <p:sldId id="278" r:id="rId13"/>
+    <p:sldId id="266" r:id="rId14"/>
   </p:sldIdLst>
   <p:sldSz cx="12192000" cy="6858000"/>
   <p:notesSz cx="6858000" cy="9144000"/>
@@ -138,6 +131,18 @@
     </p:ext>
   </p:extLst>
 </p:presentation>
+</file>
+
+<file path=ppt/commentAuthors.xml><?xml version="1.0" encoding="utf-8"?>
+<p:cmAuthorLst xmlns:a="http://schemas.openxmlformats.org/drawingml/2006/main" xmlns:r="http://schemas.openxmlformats.org/officeDocument/2006/relationships" xmlns:p="http://schemas.openxmlformats.org/presentationml/2006/main">
+  <p:cmAuthor id="1" name="LETICIA LAGO MÓRI" initials="LLM" lastIdx="0" clrIdx="0">
+    <p:extLst>
+      <p:ext uri="{19B8F6BF-5375-455C-9EA6-DF929625EA0E}">
+        <p15:presenceInfo xmlns:p15="http://schemas.microsoft.com/office/powerpoint/2012/main" userId="LETICIA LAGO MÓRI" providerId="None"/>
+      </p:ext>
+    </p:extLst>
+  </p:cmAuthor>
+</p:cmAuthorLst>
 </file>
 
 <file path=ppt/charts/chart1.xml><?xml version="1.0" encoding="utf-8"?>
@@ -849,6 +854,7 @@
           </a:p>
         </c:txPr>
         <c:crossAx val="263403656"/>
+        <c:crosses val="autoZero"/>
         <c:auto val="1"/>
         <c:lblAlgn val="ctr"/>
         <c:lblOffset val="100"/>
@@ -907,6 +913,7 @@
           </a:p>
         </c:txPr>
         <c:crossAx val="263410872"/>
+        <c:crosses val="autoZero"/>
         <c:crossBetween val="between"/>
       </c:valAx>
       <c:spPr>
@@ -1531,2732 +1538,6 @@
 </cs:chartStyle>
 </file>
 
-<file path=ppt/diagrams/colors1.xml><?xml version="1.0" encoding="utf-8"?>
-<dgm:colorsDef xmlns:dgm="http://schemas.openxmlformats.org/drawingml/2006/diagram" xmlns:a="http://schemas.openxmlformats.org/drawingml/2006/main" uniqueId="urn:microsoft.com/office/officeart/2005/8/colors/accent1_1">
-  <dgm:title val=""/>
-  <dgm:desc val=""/>
-  <dgm:catLst>
-    <dgm:cat type="accent1" pri="11100"/>
-  </dgm:catLst>
-  <dgm:styleLbl name="node0">
-    <dgm:fillClrLst meth="repeat">
-      <a:schemeClr val="lt1"/>
-    </dgm:fillClrLst>
-    <dgm:linClrLst meth="repeat">
-      <a:schemeClr val="accent1">
-        <a:shade val="80000"/>
-      </a:schemeClr>
-    </dgm:linClrLst>
-    <dgm:effectClrLst/>
-    <dgm:txLinClrLst/>
-    <dgm:txFillClrLst meth="repeat">
-      <a:schemeClr val="dk1"/>
-    </dgm:txFillClrLst>
-    <dgm:txEffectClrLst/>
-  </dgm:styleLbl>
-  <dgm:styleLbl name="alignNode1">
-    <dgm:fillClrLst meth="repeat">
-      <a:schemeClr val="lt1"/>
-    </dgm:fillClrLst>
-    <dgm:linClrLst meth="repeat">
-      <a:schemeClr val="accent1">
-        <a:shade val="80000"/>
-      </a:schemeClr>
-    </dgm:linClrLst>
-    <dgm:effectClrLst/>
-    <dgm:txLinClrLst/>
-    <dgm:txFillClrLst meth="repeat">
-      <a:schemeClr val="dk1"/>
-    </dgm:txFillClrLst>
-    <dgm:txEffectClrLst/>
-  </dgm:styleLbl>
-  <dgm:styleLbl name="node1">
-    <dgm:fillClrLst meth="repeat">
-      <a:schemeClr val="lt1"/>
-    </dgm:fillClrLst>
-    <dgm:linClrLst meth="repeat">
-      <a:schemeClr val="accent1">
-        <a:shade val="80000"/>
-      </a:schemeClr>
-    </dgm:linClrLst>
-    <dgm:effectClrLst/>
-    <dgm:txLinClrLst/>
-    <dgm:txFillClrLst meth="repeat">
-      <a:schemeClr val="dk1"/>
-    </dgm:txFillClrLst>
-    <dgm:txEffectClrLst/>
-  </dgm:styleLbl>
-  <dgm:styleLbl name="lnNode1">
-    <dgm:fillClrLst meth="repeat">
-      <a:schemeClr val="lt1"/>
-    </dgm:fillClrLst>
-    <dgm:linClrLst meth="repeat">
-      <a:schemeClr val="accent1">
-        <a:shade val="80000"/>
-      </a:schemeClr>
-    </dgm:linClrLst>
-    <dgm:effectClrLst/>
-    <dgm:txLinClrLst/>
-    <dgm:txFillClrLst meth="repeat">
-      <a:schemeClr val="dk1"/>
-    </dgm:txFillClrLst>
-    <dgm:txEffectClrLst/>
-  </dgm:styleLbl>
-  <dgm:styleLbl name="vennNode1">
-    <dgm:fillClrLst meth="repeat">
-      <a:schemeClr val="lt1">
-        <a:alpha val="50000"/>
-      </a:schemeClr>
-    </dgm:fillClrLst>
-    <dgm:linClrLst meth="repeat">
-      <a:schemeClr val="accent1">
-        <a:shade val="80000"/>
-      </a:schemeClr>
-    </dgm:linClrLst>
-    <dgm:effectClrLst/>
-    <dgm:txLinClrLst/>
-    <dgm:txFillClrLst/>
-    <dgm:txEffectClrLst/>
-  </dgm:styleLbl>
-  <dgm:styleLbl name="node2">
-    <dgm:fillClrLst meth="repeat">
-      <a:schemeClr val="lt1"/>
-    </dgm:fillClrLst>
-    <dgm:linClrLst meth="repeat">
-      <a:schemeClr val="accent1">
-        <a:shade val="80000"/>
-      </a:schemeClr>
-    </dgm:linClrLst>
-    <dgm:effectClrLst/>
-    <dgm:txLinClrLst/>
-    <dgm:txFillClrLst meth="repeat">
-      <a:schemeClr val="dk1"/>
-    </dgm:txFillClrLst>
-    <dgm:txEffectClrLst/>
-  </dgm:styleLbl>
-  <dgm:styleLbl name="node3">
-    <dgm:fillClrLst meth="repeat">
-      <a:schemeClr val="lt1"/>
-    </dgm:fillClrLst>
-    <dgm:linClrLst meth="repeat">
-      <a:schemeClr val="accent1">
-        <a:shade val="80000"/>
-      </a:schemeClr>
-    </dgm:linClrLst>
-    <dgm:effectClrLst/>
-    <dgm:txLinClrLst/>
-    <dgm:txFillClrLst meth="repeat">
-      <a:schemeClr val="dk1"/>
-    </dgm:txFillClrLst>
-    <dgm:txEffectClrLst/>
-  </dgm:styleLbl>
-  <dgm:styleLbl name="node4">
-    <dgm:fillClrLst meth="repeat">
-      <a:schemeClr val="lt1"/>
-    </dgm:fillClrLst>
-    <dgm:linClrLst meth="repeat">
-      <a:schemeClr val="accent1">
-        <a:shade val="80000"/>
-      </a:schemeClr>
-    </dgm:linClrLst>
-    <dgm:effectClrLst/>
-    <dgm:txLinClrLst/>
-    <dgm:txFillClrLst meth="repeat">
-      <a:schemeClr val="dk1"/>
-    </dgm:txFillClrLst>
-    <dgm:txEffectClrLst/>
-  </dgm:styleLbl>
-  <dgm:styleLbl name="fgImgPlace1">
-    <dgm:fillClrLst meth="repeat">
-      <a:schemeClr val="accent1">
-        <a:tint val="40000"/>
-      </a:schemeClr>
-    </dgm:fillClrLst>
-    <dgm:linClrLst meth="repeat">
-      <a:schemeClr val="accent1">
-        <a:shade val="80000"/>
-      </a:schemeClr>
-    </dgm:linClrLst>
-    <dgm:effectClrLst/>
-    <dgm:txLinClrLst/>
-    <dgm:txFillClrLst meth="repeat">
-      <a:schemeClr val="lt1"/>
-    </dgm:txFillClrLst>
-    <dgm:txEffectClrLst/>
-  </dgm:styleLbl>
-  <dgm:styleLbl name="alignImgPlace1">
-    <dgm:fillClrLst meth="repeat">
-      <a:schemeClr val="accent1">
-        <a:tint val="40000"/>
-      </a:schemeClr>
-    </dgm:fillClrLst>
-    <dgm:linClrLst meth="repeat">
-      <a:schemeClr val="accent1">
-        <a:shade val="80000"/>
-      </a:schemeClr>
-    </dgm:linClrLst>
-    <dgm:effectClrLst/>
-    <dgm:txLinClrLst/>
-    <dgm:txFillClrLst meth="repeat">
-      <a:schemeClr val="lt1"/>
-    </dgm:txFillClrLst>
-    <dgm:txEffectClrLst/>
-  </dgm:styleLbl>
-  <dgm:styleLbl name="bgImgPlace1">
-    <dgm:fillClrLst meth="repeat">
-      <a:schemeClr val="accent1">
-        <a:tint val="40000"/>
-      </a:schemeClr>
-    </dgm:fillClrLst>
-    <dgm:linClrLst meth="repeat">
-      <a:schemeClr val="accent1">
-        <a:shade val="80000"/>
-      </a:schemeClr>
-    </dgm:linClrLst>
-    <dgm:effectClrLst/>
-    <dgm:txLinClrLst/>
-    <dgm:txFillClrLst meth="repeat">
-      <a:schemeClr val="lt1"/>
-    </dgm:txFillClrLst>
-    <dgm:txEffectClrLst/>
-  </dgm:styleLbl>
-  <dgm:styleLbl name="sibTrans2D1">
-    <dgm:fillClrLst meth="repeat">
-      <a:schemeClr val="accent1">
-        <a:tint val="60000"/>
-      </a:schemeClr>
-    </dgm:fillClrLst>
-    <dgm:linClrLst meth="repeat">
-      <a:schemeClr val="accent1">
-        <a:tint val="60000"/>
-      </a:schemeClr>
-    </dgm:linClrLst>
-    <dgm:effectClrLst/>
-    <dgm:txLinClrLst/>
-    <dgm:txFillClrLst meth="repeat">
-      <a:schemeClr val="dk1"/>
-    </dgm:txFillClrLst>
-    <dgm:txEffectClrLst/>
-  </dgm:styleLbl>
-  <dgm:styleLbl name="fgSibTrans2D1">
-    <dgm:fillClrLst meth="repeat">
-      <a:schemeClr val="accent1">
-        <a:tint val="60000"/>
-      </a:schemeClr>
-    </dgm:fillClrLst>
-    <dgm:linClrLst meth="repeat">
-      <a:schemeClr val="accent1">
-        <a:tint val="60000"/>
-      </a:schemeClr>
-    </dgm:linClrLst>
-    <dgm:effectClrLst/>
-    <dgm:txLinClrLst/>
-    <dgm:txFillClrLst meth="repeat">
-      <a:schemeClr val="dk1"/>
-    </dgm:txFillClrLst>
-    <dgm:txEffectClrLst/>
-  </dgm:styleLbl>
-  <dgm:styleLbl name="bgSibTrans2D1">
-    <dgm:fillClrLst meth="repeat">
-      <a:schemeClr val="accent1">
-        <a:tint val="60000"/>
-      </a:schemeClr>
-    </dgm:fillClrLst>
-    <dgm:linClrLst meth="repeat">
-      <a:schemeClr val="accent1">
-        <a:tint val="60000"/>
-      </a:schemeClr>
-    </dgm:linClrLst>
-    <dgm:effectClrLst/>
-    <dgm:txLinClrLst/>
-    <dgm:txFillClrLst meth="repeat">
-      <a:schemeClr val="dk1"/>
-    </dgm:txFillClrLst>
-    <dgm:txEffectClrLst/>
-  </dgm:styleLbl>
-  <dgm:styleLbl name="sibTrans1D1">
-    <dgm:fillClrLst meth="repeat">
-      <a:schemeClr val="accent1"/>
-    </dgm:fillClrLst>
-    <dgm:linClrLst meth="repeat">
-      <a:schemeClr val="accent1"/>
-    </dgm:linClrLst>
-    <dgm:effectClrLst/>
-    <dgm:txLinClrLst/>
-    <dgm:txFillClrLst meth="repeat">
-      <a:schemeClr val="tx1"/>
-    </dgm:txFillClrLst>
-    <dgm:txEffectClrLst/>
-  </dgm:styleLbl>
-  <dgm:styleLbl name="callout">
-    <dgm:fillClrLst meth="repeat">
-      <a:schemeClr val="accent1"/>
-    </dgm:fillClrLst>
-    <dgm:linClrLst meth="repeat">
-      <a:schemeClr val="accent1"/>
-    </dgm:linClrLst>
-    <dgm:effectClrLst/>
-    <dgm:txLinClrLst/>
-    <dgm:txFillClrLst meth="repeat">
-      <a:schemeClr val="tx1"/>
-    </dgm:txFillClrLst>
-    <dgm:txEffectClrLst/>
-  </dgm:styleLbl>
-  <dgm:styleLbl name="asst0">
-    <dgm:fillClrLst meth="repeat">
-      <a:schemeClr val="lt1"/>
-    </dgm:fillClrLst>
-    <dgm:linClrLst meth="repeat">
-      <a:schemeClr val="accent1">
-        <a:shade val="80000"/>
-      </a:schemeClr>
-    </dgm:linClrLst>
-    <dgm:effectClrLst/>
-    <dgm:txLinClrLst/>
-    <dgm:txFillClrLst meth="repeat">
-      <a:schemeClr val="dk1"/>
-    </dgm:txFillClrLst>
-    <dgm:txEffectClrLst/>
-  </dgm:styleLbl>
-  <dgm:styleLbl name="asst1">
-    <dgm:fillClrLst meth="repeat">
-      <a:schemeClr val="lt1"/>
-    </dgm:fillClrLst>
-    <dgm:linClrLst meth="repeat">
-      <a:schemeClr val="accent1">
-        <a:shade val="80000"/>
-      </a:schemeClr>
-    </dgm:linClrLst>
-    <dgm:effectClrLst/>
-    <dgm:txLinClrLst/>
-    <dgm:txFillClrLst meth="repeat">
-      <a:schemeClr val="dk1"/>
-    </dgm:txFillClrLst>
-    <dgm:txEffectClrLst/>
-  </dgm:styleLbl>
-  <dgm:styleLbl name="asst2">
-    <dgm:fillClrLst meth="repeat">
-      <a:schemeClr val="lt1"/>
-    </dgm:fillClrLst>
-    <dgm:linClrLst meth="repeat">
-      <a:schemeClr val="accent1">
-        <a:shade val="80000"/>
-      </a:schemeClr>
-    </dgm:linClrLst>
-    <dgm:effectClrLst/>
-    <dgm:txLinClrLst/>
-    <dgm:txFillClrLst meth="repeat">
-      <a:schemeClr val="dk1"/>
-    </dgm:txFillClrLst>
-    <dgm:txEffectClrLst/>
-  </dgm:styleLbl>
-  <dgm:styleLbl name="asst3">
-    <dgm:fillClrLst meth="repeat">
-      <a:schemeClr val="lt1"/>
-    </dgm:fillClrLst>
-    <dgm:linClrLst meth="repeat">
-      <a:schemeClr val="accent1">
-        <a:shade val="80000"/>
-      </a:schemeClr>
-    </dgm:linClrLst>
-    <dgm:effectClrLst/>
-    <dgm:txLinClrLst/>
-    <dgm:txFillClrLst meth="repeat">
-      <a:schemeClr val="dk1"/>
-    </dgm:txFillClrLst>
-    <dgm:txEffectClrLst/>
-  </dgm:styleLbl>
-  <dgm:styleLbl name="asst4">
-    <dgm:fillClrLst meth="repeat">
-      <a:schemeClr val="lt1"/>
-    </dgm:fillClrLst>
-    <dgm:linClrLst meth="repeat">
-      <a:schemeClr val="accent1">
-        <a:shade val="80000"/>
-      </a:schemeClr>
-    </dgm:linClrLst>
-    <dgm:effectClrLst/>
-    <dgm:txLinClrLst/>
-    <dgm:txFillClrLst meth="repeat">
-      <a:schemeClr val="dk1"/>
-    </dgm:txFillClrLst>
-    <dgm:txEffectClrLst/>
-  </dgm:styleLbl>
-  <dgm:styleLbl name="parChTrans2D1">
-    <dgm:fillClrLst meth="repeat">
-      <a:schemeClr val="accent1">
-        <a:tint val="60000"/>
-      </a:schemeClr>
-    </dgm:fillClrLst>
-    <dgm:linClrLst meth="repeat">
-      <a:schemeClr val="accent1">
-        <a:tint val="60000"/>
-      </a:schemeClr>
-    </dgm:linClrLst>
-    <dgm:effectClrLst/>
-    <dgm:txLinClrLst/>
-    <dgm:txFillClrLst/>
-    <dgm:txEffectClrLst/>
-  </dgm:styleLbl>
-  <dgm:styleLbl name="parChTrans2D2">
-    <dgm:fillClrLst meth="repeat">
-      <a:schemeClr val="accent1"/>
-    </dgm:fillClrLst>
-    <dgm:linClrLst meth="repeat">
-      <a:schemeClr val="accent1"/>
-    </dgm:linClrLst>
-    <dgm:effectClrLst/>
-    <dgm:txLinClrLst/>
-    <dgm:txFillClrLst/>
-    <dgm:txEffectClrLst/>
-  </dgm:styleLbl>
-  <dgm:styleLbl name="parChTrans2D3">
-    <dgm:fillClrLst meth="repeat">
-      <a:schemeClr val="accent1"/>
-    </dgm:fillClrLst>
-    <dgm:linClrLst meth="repeat">
-      <a:schemeClr val="accent1"/>
-    </dgm:linClrLst>
-    <dgm:effectClrLst/>
-    <dgm:txLinClrLst/>
-    <dgm:txFillClrLst/>
-    <dgm:txEffectClrLst/>
-  </dgm:styleLbl>
-  <dgm:styleLbl name="parChTrans2D4">
-    <dgm:fillClrLst meth="repeat">
-      <a:schemeClr val="accent1"/>
-    </dgm:fillClrLst>
-    <dgm:linClrLst meth="repeat">
-      <a:schemeClr val="accent1"/>
-    </dgm:linClrLst>
-    <dgm:effectClrLst/>
-    <dgm:txLinClrLst/>
-    <dgm:txFillClrLst meth="repeat">
-      <a:schemeClr val="lt1"/>
-    </dgm:txFillClrLst>
-    <dgm:txEffectClrLst/>
-  </dgm:styleLbl>
-  <dgm:styleLbl name="parChTrans1D1">
-    <dgm:fillClrLst meth="repeat">
-      <a:schemeClr val="accent1"/>
-    </dgm:fillClrLst>
-    <dgm:linClrLst meth="repeat">
-      <a:schemeClr val="accent1">
-        <a:shade val="60000"/>
-      </a:schemeClr>
-    </dgm:linClrLst>
-    <dgm:effectClrLst/>
-    <dgm:txLinClrLst/>
-    <dgm:txFillClrLst meth="repeat">
-      <a:schemeClr val="tx1"/>
-    </dgm:txFillClrLst>
-    <dgm:txEffectClrLst/>
-  </dgm:styleLbl>
-  <dgm:styleLbl name="parChTrans1D2">
-    <dgm:fillClrLst meth="repeat">
-      <a:schemeClr val="accent1"/>
-    </dgm:fillClrLst>
-    <dgm:linClrLst meth="repeat">
-      <a:schemeClr val="accent1">
-        <a:shade val="60000"/>
-      </a:schemeClr>
-    </dgm:linClrLst>
-    <dgm:effectClrLst/>
-    <dgm:txLinClrLst/>
-    <dgm:txFillClrLst meth="repeat">
-      <a:schemeClr val="tx1"/>
-    </dgm:txFillClrLst>
-    <dgm:txEffectClrLst/>
-  </dgm:styleLbl>
-  <dgm:styleLbl name="parChTrans1D3">
-    <dgm:fillClrLst meth="repeat">
-      <a:schemeClr val="accent1"/>
-    </dgm:fillClrLst>
-    <dgm:linClrLst meth="repeat">
-      <a:schemeClr val="accent1">
-        <a:shade val="80000"/>
-      </a:schemeClr>
-    </dgm:linClrLst>
-    <dgm:effectClrLst/>
-    <dgm:txLinClrLst/>
-    <dgm:txFillClrLst meth="repeat">
-      <a:schemeClr val="tx1"/>
-    </dgm:txFillClrLst>
-    <dgm:txEffectClrLst/>
-  </dgm:styleLbl>
-  <dgm:styleLbl name="parChTrans1D4">
-    <dgm:fillClrLst meth="repeat">
-      <a:schemeClr val="accent1"/>
-    </dgm:fillClrLst>
-    <dgm:linClrLst meth="repeat">
-      <a:schemeClr val="accent1">
-        <a:shade val="80000"/>
-      </a:schemeClr>
-    </dgm:linClrLst>
-    <dgm:effectClrLst/>
-    <dgm:txLinClrLst/>
-    <dgm:txFillClrLst meth="repeat">
-      <a:schemeClr val="tx1"/>
-    </dgm:txFillClrLst>
-    <dgm:txEffectClrLst/>
-  </dgm:styleLbl>
-  <dgm:styleLbl name="fgAcc1">
-    <dgm:fillClrLst meth="repeat">
-      <a:schemeClr val="accent1">
-        <a:alpha val="90000"/>
-        <a:tint val="40000"/>
-      </a:schemeClr>
-    </dgm:fillClrLst>
-    <dgm:linClrLst meth="repeat">
-      <a:schemeClr val="accent1"/>
-    </dgm:linClrLst>
-    <dgm:effectClrLst/>
-    <dgm:txLinClrLst/>
-    <dgm:txFillClrLst meth="repeat">
-      <a:schemeClr val="dk1"/>
-    </dgm:txFillClrLst>
-    <dgm:txEffectClrLst/>
-  </dgm:styleLbl>
-  <dgm:styleLbl name="conFgAcc1">
-    <dgm:fillClrLst meth="repeat">
-      <a:schemeClr val="accent1">
-        <a:alpha val="90000"/>
-        <a:tint val="40000"/>
-      </a:schemeClr>
-    </dgm:fillClrLst>
-    <dgm:linClrLst meth="repeat">
-      <a:schemeClr val="accent1"/>
-    </dgm:linClrLst>
-    <dgm:effectClrLst/>
-    <dgm:txLinClrLst/>
-    <dgm:txFillClrLst meth="repeat">
-      <a:schemeClr val="dk1"/>
-    </dgm:txFillClrLst>
-    <dgm:txEffectClrLst/>
-  </dgm:styleLbl>
-  <dgm:styleLbl name="alignAcc1">
-    <dgm:fillClrLst meth="repeat">
-      <a:schemeClr val="accent1">
-        <a:alpha val="90000"/>
-        <a:tint val="40000"/>
-      </a:schemeClr>
-    </dgm:fillClrLst>
-    <dgm:linClrLst meth="repeat">
-      <a:schemeClr val="accent1"/>
-    </dgm:linClrLst>
-    <dgm:effectClrLst/>
-    <dgm:txLinClrLst/>
-    <dgm:txFillClrLst meth="repeat">
-      <a:schemeClr val="dk1"/>
-    </dgm:txFillClrLst>
-    <dgm:txEffectClrLst/>
-  </dgm:styleLbl>
-  <dgm:styleLbl name="trAlignAcc1">
-    <dgm:fillClrLst meth="repeat">
-      <a:schemeClr val="accent1">
-        <a:alpha val="40000"/>
-        <a:tint val="40000"/>
-      </a:schemeClr>
-    </dgm:fillClrLst>
-    <dgm:linClrLst meth="repeat">
-      <a:schemeClr val="accent1"/>
-    </dgm:linClrLst>
-    <dgm:effectClrLst/>
-    <dgm:txLinClrLst/>
-    <dgm:txFillClrLst meth="repeat">
-      <a:schemeClr val="dk1"/>
-    </dgm:txFillClrLst>
-    <dgm:txEffectClrLst/>
-  </dgm:styleLbl>
-  <dgm:styleLbl name="bgAcc1">
-    <dgm:fillClrLst meth="repeat">
-      <a:schemeClr val="accent1">
-        <a:alpha val="90000"/>
-        <a:tint val="40000"/>
-      </a:schemeClr>
-    </dgm:fillClrLst>
-    <dgm:linClrLst meth="repeat">
-      <a:schemeClr val="accent1"/>
-    </dgm:linClrLst>
-    <dgm:effectClrLst/>
-    <dgm:txLinClrLst/>
-    <dgm:txFillClrLst meth="repeat">
-      <a:schemeClr val="dk1"/>
-    </dgm:txFillClrLst>
-    <dgm:txEffectClrLst/>
-  </dgm:styleLbl>
-  <dgm:styleLbl name="solidFgAcc1">
-    <dgm:fillClrLst meth="repeat">
-      <a:schemeClr val="lt1"/>
-    </dgm:fillClrLst>
-    <dgm:linClrLst meth="repeat">
-      <a:schemeClr val="accent1"/>
-    </dgm:linClrLst>
-    <dgm:effectClrLst/>
-    <dgm:txLinClrLst/>
-    <dgm:txFillClrLst meth="repeat">
-      <a:schemeClr val="dk1"/>
-    </dgm:txFillClrLst>
-    <dgm:txEffectClrLst/>
-  </dgm:styleLbl>
-  <dgm:styleLbl name="solidAlignAcc1">
-    <dgm:fillClrLst meth="repeat">
-      <a:schemeClr val="lt1"/>
-    </dgm:fillClrLst>
-    <dgm:linClrLst meth="repeat">
-      <a:schemeClr val="accent1"/>
-    </dgm:linClrLst>
-    <dgm:effectClrLst/>
-    <dgm:txLinClrLst/>
-    <dgm:txFillClrLst meth="repeat">
-      <a:schemeClr val="dk1"/>
-    </dgm:txFillClrLst>
-    <dgm:txEffectClrLst/>
-  </dgm:styleLbl>
-  <dgm:styleLbl name="solidBgAcc1">
-    <dgm:fillClrLst meth="repeat">
-      <a:schemeClr val="lt1"/>
-    </dgm:fillClrLst>
-    <dgm:linClrLst meth="repeat">
-      <a:schemeClr val="accent1"/>
-    </dgm:linClrLst>
-    <dgm:effectClrLst/>
-    <dgm:txLinClrLst/>
-    <dgm:txFillClrLst meth="repeat">
-      <a:schemeClr val="dk1"/>
-    </dgm:txFillClrLst>
-    <dgm:txEffectClrLst/>
-  </dgm:styleLbl>
-  <dgm:styleLbl name="fgAccFollowNode1">
-    <dgm:fillClrLst meth="repeat">
-      <a:schemeClr val="lt1">
-        <a:alpha val="90000"/>
-        <a:tint val="40000"/>
-      </a:schemeClr>
-    </dgm:fillClrLst>
-    <dgm:linClrLst meth="repeat">
-      <a:schemeClr val="accent1">
-        <a:alpha val="90000"/>
-      </a:schemeClr>
-    </dgm:linClrLst>
-    <dgm:effectClrLst/>
-    <dgm:txLinClrLst/>
-    <dgm:txFillClrLst meth="repeat">
-      <a:schemeClr val="dk1"/>
-    </dgm:txFillClrLst>
-    <dgm:txEffectClrLst/>
-  </dgm:styleLbl>
-  <dgm:styleLbl name="alignAccFollowNode1">
-    <dgm:fillClrLst meth="repeat">
-      <a:schemeClr val="lt1">
-        <a:alpha val="90000"/>
-        <a:tint val="40000"/>
-      </a:schemeClr>
-    </dgm:fillClrLst>
-    <dgm:linClrLst meth="repeat">
-      <a:schemeClr val="accent1">
-        <a:alpha val="90000"/>
-      </a:schemeClr>
-    </dgm:linClrLst>
-    <dgm:effectClrLst/>
-    <dgm:txLinClrLst/>
-    <dgm:txFillClrLst meth="repeat">
-      <a:schemeClr val="dk1"/>
-    </dgm:txFillClrLst>
-    <dgm:txEffectClrLst/>
-  </dgm:styleLbl>
-  <dgm:styleLbl name="bgAccFollowNode1">
-    <dgm:fillClrLst meth="repeat">
-      <a:schemeClr val="lt1">
-        <a:alpha val="90000"/>
-        <a:tint val="40000"/>
-      </a:schemeClr>
-    </dgm:fillClrLst>
-    <dgm:linClrLst meth="repeat">
-      <a:schemeClr val="accent1">
-        <a:alpha val="90000"/>
-      </a:schemeClr>
-    </dgm:linClrLst>
-    <dgm:effectClrLst/>
-    <dgm:txLinClrLst/>
-    <dgm:txFillClrLst meth="repeat">
-      <a:schemeClr val="dk1"/>
-    </dgm:txFillClrLst>
-    <dgm:txEffectClrLst/>
-  </dgm:styleLbl>
-  <dgm:styleLbl name="fgAcc0">
-    <dgm:fillClrLst meth="repeat">
-      <a:schemeClr val="accent1">
-        <a:alpha val="90000"/>
-        <a:tint val="40000"/>
-      </a:schemeClr>
-    </dgm:fillClrLst>
-    <dgm:linClrLst meth="repeat">
-      <a:schemeClr val="accent1"/>
-    </dgm:linClrLst>
-    <dgm:effectClrLst/>
-    <dgm:txLinClrLst/>
-    <dgm:txFillClrLst meth="repeat">
-      <a:schemeClr val="dk1"/>
-    </dgm:txFillClrLst>
-    <dgm:txEffectClrLst/>
-  </dgm:styleLbl>
-  <dgm:styleLbl name="fgAcc2">
-    <dgm:fillClrLst meth="repeat">
-      <a:schemeClr val="accent1">
-        <a:alpha val="90000"/>
-        <a:tint val="40000"/>
-      </a:schemeClr>
-    </dgm:fillClrLst>
-    <dgm:linClrLst meth="repeat">
-      <a:schemeClr val="accent1"/>
-    </dgm:linClrLst>
-    <dgm:effectClrLst/>
-    <dgm:txLinClrLst/>
-    <dgm:txFillClrLst meth="repeat">
-      <a:schemeClr val="dk1"/>
-    </dgm:txFillClrLst>
-    <dgm:txEffectClrLst/>
-  </dgm:styleLbl>
-  <dgm:styleLbl name="fgAcc3">
-    <dgm:fillClrLst meth="repeat">
-      <a:schemeClr val="accent1">
-        <a:alpha val="90000"/>
-        <a:tint val="40000"/>
-      </a:schemeClr>
-    </dgm:fillClrLst>
-    <dgm:linClrLst meth="repeat">
-      <a:schemeClr val="accent1"/>
-    </dgm:linClrLst>
-    <dgm:effectClrLst/>
-    <dgm:txLinClrLst/>
-    <dgm:txFillClrLst meth="repeat">
-      <a:schemeClr val="dk1"/>
-    </dgm:txFillClrLst>
-    <dgm:txEffectClrLst/>
-  </dgm:styleLbl>
-  <dgm:styleLbl name="fgAcc4">
-    <dgm:fillClrLst meth="repeat">
-      <a:schemeClr val="accent1">
-        <a:alpha val="90000"/>
-        <a:tint val="40000"/>
-      </a:schemeClr>
-    </dgm:fillClrLst>
-    <dgm:linClrLst meth="repeat">
-      <a:schemeClr val="accent1"/>
-    </dgm:linClrLst>
-    <dgm:effectClrLst/>
-    <dgm:txLinClrLst/>
-    <dgm:txFillClrLst meth="repeat">
-      <a:schemeClr val="dk1"/>
-    </dgm:txFillClrLst>
-    <dgm:txEffectClrLst/>
-  </dgm:styleLbl>
-  <dgm:styleLbl name="bgShp">
-    <dgm:fillClrLst meth="repeat">
-      <a:schemeClr val="accent1">
-        <a:tint val="40000"/>
-      </a:schemeClr>
-    </dgm:fillClrLst>
-    <dgm:linClrLst meth="repeat">
-      <a:schemeClr val="accent1"/>
-    </dgm:linClrLst>
-    <dgm:effectClrLst/>
-    <dgm:txLinClrLst/>
-    <dgm:txFillClrLst meth="repeat">
-      <a:schemeClr val="dk1"/>
-    </dgm:txFillClrLst>
-    <dgm:txEffectClrLst/>
-  </dgm:styleLbl>
-  <dgm:styleLbl name="dkBgShp">
-    <dgm:fillClrLst meth="repeat">
-      <a:schemeClr val="accent1">
-        <a:shade val="80000"/>
-      </a:schemeClr>
-    </dgm:fillClrLst>
-    <dgm:linClrLst meth="repeat">
-      <a:schemeClr val="accent1"/>
-    </dgm:linClrLst>
-    <dgm:effectClrLst/>
-    <dgm:txLinClrLst/>
-    <dgm:txFillClrLst meth="repeat">
-      <a:schemeClr val="lt1"/>
-    </dgm:txFillClrLst>
-    <dgm:txEffectClrLst/>
-  </dgm:styleLbl>
-  <dgm:styleLbl name="trBgShp">
-    <dgm:fillClrLst meth="repeat">
-      <a:schemeClr val="accent1">
-        <a:tint val="50000"/>
-        <a:alpha val="40000"/>
-      </a:schemeClr>
-    </dgm:fillClrLst>
-    <dgm:linClrLst meth="repeat">
-      <a:schemeClr val="accent1"/>
-    </dgm:linClrLst>
-    <dgm:effectClrLst/>
-    <dgm:txLinClrLst/>
-    <dgm:txFillClrLst meth="repeat">
-      <a:schemeClr val="lt1"/>
-    </dgm:txFillClrLst>
-    <dgm:txEffectClrLst/>
-  </dgm:styleLbl>
-  <dgm:styleLbl name="fgShp">
-    <dgm:fillClrLst meth="repeat">
-      <a:schemeClr val="accent1">
-        <a:tint val="60000"/>
-      </a:schemeClr>
-    </dgm:fillClrLst>
-    <dgm:linClrLst meth="repeat">
-      <a:schemeClr val="lt1"/>
-    </dgm:linClrLst>
-    <dgm:effectClrLst/>
-    <dgm:txLinClrLst/>
-    <dgm:txFillClrLst meth="repeat">
-      <a:schemeClr val="dk1"/>
-    </dgm:txFillClrLst>
-    <dgm:txEffectClrLst/>
-  </dgm:styleLbl>
-  <dgm:styleLbl name="revTx">
-    <dgm:fillClrLst meth="repeat">
-      <a:schemeClr val="lt1">
-        <a:alpha val="0"/>
-      </a:schemeClr>
-    </dgm:fillClrLst>
-    <dgm:linClrLst meth="repeat">
-      <a:schemeClr val="dk1">
-        <a:alpha val="0"/>
-      </a:schemeClr>
-    </dgm:linClrLst>
-    <dgm:effectClrLst/>
-    <dgm:txLinClrLst/>
-    <dgm:txFillClrLst meth="repeat">
-      <a:schemeClr val="tx1"/>
-    </dgm:txFillClrLst>
-    <dgm:txEffectClrLst/>
-  </dgm:styleLbl>
-</dgm:colorsDef>
-</file>
-
-<file path=ppt/diagrams/data1.xml><?xml version="1.0" encoding="utf-8"?>
-<dgm:dataModel xmlns:dgm="http://schemas.openxmlformats.org/drawingml/2006/diagram" xmlns:a="http://schemas.openxmlformats.org/drawingml/2006/main">
-  <dgm:ptLst>
-    <dgm:pt modelId="{44156040-AF98-4F2C-9909-9F2439F6F588}" type="doc">
-      <dgm:prSet loTypeId="urn:microsoft.com/office/officeart/2005/8/layout/chevron1" loCatId="process" qsTypeId="urn:microsoft.com/office/officeart/2005/8/quickstyle/simple1" qsCatId="simple" csTypeId="urn:microsoft.com/office/officeart/2005/8/colors/accent1_1" csCatId="accent1" phldr="1"/>
-      <dgm:spPr/>
-    </dgm:pt>
-    <dgm:pt modelId="{74020AF3-C700-4606-8917-C6A353D7963A}">
-      <dgm:prSet phldrT="[Text]"/>
-      <dgm:spPr/>
-      <dgm:t>
-        <a:bodyPr rtlCol="0"/>
-        <a:lstStyle/>
-        <a:p>
-          <a:pPr rtl="0"/>
-          <a:r>
-            <a:rPr lang="pt-BR" noProof="0" dirty="0"/>
-            <a:t>Título da etapa 1</a:t>
-          </a:r>
-        </a:p>
-      </dgm:t>
-      <dgm:extLst>
-        <a:ext uri="{E40237B7-FDA0-4F09-8148-C483321AD2D9}">
-          <dgm14:cNvPr xmlns:dgm14="http://schemas.microsoft.com/office/drawing/2010/diagram" id="0" name="" title="Step 1 title"/>
-        </a:ext>
-      </dgm:extLst>
-    </dgm:pt>
-    <dgm:pt modelId="{87D99D21-0B4A-4259-89FB-0E5941CB535C}" type="parTrans" cxnId="{B0E2386F-A443-4201-8130-FB9CC25AA154}">
-      <dgm:prSet/>
-      <dgm:spPr/>
-      <dgm:t>
-        <a:bodyPr rtlCol="0"/>
-        <a:lstStyle/>
-        <a:p>
-          <a:pPr rtl="0"/>
-          <a:endParaRPr lang="pt-BR" noProof="0" dirty="0"/>
-        </a:p>
-      </dgm:t>
-    </dgm:pt>
-    <dgm:pt modelId="{6CFF1BD9-AE1F-4488-8B72-01186EADA6FF}" type="sibTrans" cxnId="{B0E2386F-A443-4201-8130-FB9CC25AA154}">
-      <dgm:prSet/>
-      <dgm:spPr/>
-      <dgm:t>
-        <a:bodyPr rtlCol="0"/>
-        <a:lstStyle/>
-        <a:p>
-          <a:pPr rtl="0"/>
-          <a:endParaRPr lang="pt-BR" noProof="0" dirty="0"/>
-        </a:p>
-      </dgm:t>
-    </dgm:pt>
-    <dgm:pt modelId="{12E26E22-71B0-4386-A84F-ABF2FF66A99F}">
-      <dgm:prSet phldrT="[Text]"/>
-      <dgm:spPr/>
-      <dgm:t>
-        <a:bodyPr rtlCol="0"/>
-        <a:lstStyle/>
-        <a:p>
-          <a:pPr rtl="0"/>
-          <a:r>
-            <a:rPr lang="pt-BR" noProof="0" dirty="0"/>
-            <a:t>Título da etapa 2</a:t>
-          </a:r>
-        </a:p>
-      </dgm:t>
-      <dgm:extLst>
-        <a:ext uri="{E40237B7-FDA0-4F09-8148-C483321AD2D9}">
-          <dgm14:cNvPr xmlns:dgm14="http://schemas.microsoft.com/office/drawing/2010/diagram" id="0" name="" title="Step 2 title"/>
-        </a:ext>
-      </dgm:extLst>
-    </dgm:pt>
-    <dgm:pt modelId="{3A6CB3CB-0F71-4CA8-93AA-0E3E3D59D313}" type="parTrans" cxnId="{937639B3-2352-48E4-A96B-F63DF2119D92}">
-      <dgm:prSet/>
-      <dgm:spPr/>
-      <dgm:t>
-        <a:bodyPr rtlCol="0"/>
-        <a:lstStyle/>
-        <a:p>
-          <a:pPr rtl="0"/>
-          <a:endParaRPr lang="pt-BR" noProof="0" dirty="0"/>
-        </a:p>
-      </dgm:t>
-    </dgm:pt>
-    <dgm:pt modelId="{E1826C46-15A2-4345-B986-53D05F21F155}" type="sibTrans" cxnId="{937639B3-2352-48E4-A96B-F63DF2119D92}">
-      <dgm:prSet/>
-      <dgm:spPr/>
-      <dgm:t>
-        <a:bodyPr rtlCol="0"/>
-        <a:lstStyle/>
-        <a:p>
-          <a:pPr rtl="0"/>
-          <a:endParaRPr lang="pt-BR" noProof="0" dirty="0"/>
-        </a:p>
-      </dgm:t>
-    </dgm:pt>
-    <dgm:pt modelId="{A8B05E70-CCF1-4080-8EEE-6873C9D4B630}">
-      <dgm:prSet phldrT="[Text]"/>
-      <dgm:spPr/>
-      <dgm:t>
-        <a:bodyPr rtlCol="0"/>
-        <a:lstStyle/>
-        <a:p>
-          <a:pPr rtl="0"/>
-          <a:r>
-            <a:rPr lang="pt-BR" noProof="0" dirty="0"/>
-            <a:t>Título da etapa 3</a:t>
-          </a:r>
-        </a:p>
-      </dgm:t>
-      <dgm:extLst>
-        <a:ext uri="{E40237B7-FDA0-4F09-8148-C483321AD2D9}">
-          <dgm14:cNvPr xmlns:dgm14="http://schemas.microsoft.com/office/drawing/2010/diagram" id="0" name="" title="Step 3 title"/>
-        </a:ext>
-      </dgm:extLst>
-    </dgm:pt>
-    <dgm:pt modelId="{11D1F3D3-0002-4131-9F84-22FBF8692DA9}" type="parTrans" cxnId="{B8B909D0-D4F6-48D4-81DA-A58F34AE3646}">
-      <dgm:prSet/>
-      <dgm:spPr/>
-      <dgm:t>
-        <a:bodyPr rtlCol="0"/>
-        <a:lstStyle/>
-        <a:p>
-          <a:pPr rtl="0"/>
-          <a:endParaRPr lang="pt-BR" noProof="0" dirty="0"/>
-        </a:p>
-      </dgm:t>
-    </dgm:pt>
-    <dgm:pt modelId="{B6438016-7365-4FC0-A372-D90585B4B6EE}" type="sibTrans" cxnId="{B8B909D0-D4F6-48D4-81DA-A58F34AE3646}">
-      <dgm:prSet/>
-      <dgm:spPr/>
-      <dgm:t>
-        <a:bodyPr rtlCol="0"/>
-        <a:lstStyle/>
-        <a:p>
-          <a:pPr rtl="0"/>
-          <a:endParaRPr lang="pt-BR" noProof="0" dirty="0"/>
-        </a:p>
-      </dgm:t>
-    </dgm:pt>
-    <dgm:pt modelId="{42147153-A6C2-4177-BA7D-2ACCC2C1B2F7}">
-      <dgm:prSet phldrT="[Text]"/>
-      <dgm:spPr/>
-      <dgm:t>
-        <a:bodyPr rtlCol="0"/>
-        <a:lstStyle/>
-        <a:p>
-          <a:pPr rtl="0"/>
-          <a:r>
-            <a:rPr lang="pt-BR" noProof="0" dirty="0"/>
-            <a:t>Título da etapa 4</a:t>
-          </a:r>
-        </a:p>
-      </dgm:t>
-      <dgm:extLst>
-        <a:ext uri="{E40237B7-FDA0-4F09-8148-C483321AD2D9}">
-          <dgm14:cNvPr xmlns:dgm14="http://schemas.microsoft.com/office/drawing/2010/diagram" id="0" name="" title="Step 4 title"/>
-        </a:ext>
-      </dgm:extLst>
-    </dgm:pt>
-    <dgm:pt modelId="{C6F68745-4C20-4204-96A6-585691399C14}" type="parTrans" cxnId="{777DC3C6-D336-4C94-A624-E5582A07ECAA}">
-      <dgm:prSet/>
-      <dgm:spPr/>
-      <dgm:t>
-        <a:bodyPr rtlCol="0"/>
-        <a:lstStyle/>
-        <a:p>
-          <a:pPr rtl="0"/>
-          <a:endParaRPr lang="pt-BR" noProof="0" dirty="0"/>
-        </a:p>
-      </dgm:t>
-    </dgm:pt>
-    <dgm:pt modelId="{0C6B132F-0347-46BA-86A4-3FAFB6676411}" type="sibTrans" cxnId="{777DC3C6-D336-4C94-A624-E5582A07ECAA}">
-      <dgm:prSet/>
-      <dgm:spPr/>
-      <dgm:t>
-        <a:bodyPr rtlCol="0"/>
-        <a:lstStyle/>
-        <a:p>
-          <a:pPr rtl="0"/>
-          <a:endParaRPr lang="pt-BR" noProof="0" dirty="0"/>
-        </a:p>
-      </dgm:t>
-    </dgm:pt>
-    <dgm:pt modelId="{1C61A9A2-33F2-469B-8AC4-A104A5A98D78}" type="pres">
-      <dgm:prSet presAssocID="{44156040-AF98-4F2C-9909-9F2439F6F588}" presName="Name0" presStyleCnt="0">
-        <dgm:presLayoutVars>
-          <dgm:dir/>
-          <dgm:animLvl val="lvl"/>
-          <dgm:resizeHandles val="exact"/>
-        </dgm:presLayoutVars>
-      </dgm:prSet>
-      <dgm:spPr/>
-    </dgm:pt>
-    <dgm:pt modelId="{881B8FEC-9D20-4669-BB2E-FA9CEA0BE5A9}" type="pres">
-      <dgm:prSet presAssocID="{74020AF3-C700-4606-8917-C6A353D7963A}" presName="parTxOnly" presStyleLbl="node1" presStyleIdx="0" presStyleCnt="4">
-        <dgm:presLayoutVars>
-          <dgm:chMax val="0"/>
-          <dgm:chPref val="0"/>
-          <dgm:bulletEnabled val="1"/>
-        </dgm:presLayoutVars>
-      </dgm:prSet>
-      <dgm:spPr/>
-    </dgm:pt>
-    <dgm:pt modelId="{705DFC51-4C30-4A07-9F0C-6EB770961C6F}" type="pres">
-      <dgm:prSet presAssocID="{6CFF1BD9-AE1F-4488-8B72-01186EADA6FF}" presName="parTxOnlySpace" presStyleCnt="0"/>
-      <dgm:spPr/>
-    </dgm:pt>
-    <dgm:pt modelId="{919A589F-F74A-40C3-BE88-AB8730BCAB04}" type="pres">
-      <dgm:prSet presAssocID="{12E26E22-71B0-4386-A84F-ABF2FF66A99F}" presName="parTxOnly" presStyleLbl="node1" presStyleIdx="1" presStyleCnt="4">
-        <dgm:presLayoutVars>
-          <dgm:chMax val="0"/>
-          <dgm:chPref val="0"/>
-          <dgm:bulletEnabled val="1"/>
-        </dgm:presLayoutVars>
-      </dgm:prSet>
-      <dgm:spPr/>
-    </dgm:pt>
-    <dgm:pt modelId="{01C6BCDE-530E-4D03-9CF5-9AB36CDC1FE1}" type="pres">
-      <dgm:prSet presAssocID="{E1826C46-15A2-4345-B986-53D05F21F155}" presName="parTxOnlySpace" presStyleCnt="0"/>
-      <dgm:spPr/>
-    </dgm:pt>
-    <dgm:pt modelId="{268F2328-4548-422B-9C65-80797E16B241}" type="pres">
-      <dgm:prSet presAssocID="{A8B05E70-CCF1-4080-8EEE-6873C9D4B630}" presName="parTxOnly" presStyleLbl="node1" presStyleIdx="2" presStyleCnt="4">
-        <dgm:presLayoutVars>
-          <dgm:chMax val="0"/>
-          <dgm:chPref val="0"/>
-          <dgm:bulletEnabled val="1"/>
-        </dgm:presLayoutVars>
-      </dgm:prSet>
-      <dgm:spPr/>
-    </dgm:pt>
-    <dgm:pt modelId="{8CB78EC1-7B74-4B6E-94C6-5F808A049A1F}" type="pres">
-      <dgm:prSet presAssocID="{B6438016-7365-4FC0-A372-D90585B4B6EE}" presName="parTxOnlySpace" presStyleCnt="0"/>
-      <dgm:spPr/>
-    </dgm:pt>
-    <dgm:pt modelId="{BDD0B0F7-A87C-4B5B-A4C3-4E4BE6EB0FE4}" type="pres">
-      <dgm:prSet presAssocID="{42147153-A6C2-4177-BA7D-2ACCC2C1B2F7}" presName="parTxOnly" presStyleLbl="node1" presStyleIdx="3" presStyleCnt="4">
-        <dgm:presLayoutVars>
-          <dgm:chMax val="0"/>
-          <dgm:chPref val="0"/>
-          <dgm:bulletEnabled val="1"/>
-        </dgm:presLayoutVars>
-      </dgm:prSet>
-      <dgm:spPr/>
-    </dgm:pt>
-  </dgm:ptLst>
-  <dgm:cxnLst>
-    <dgm:cxn modelId="{BF4A375F-A05B-45C3-9731-23DBACB9FC02}" type="presOf" srcId="{12E26E22-71B0-4386-A84F-ABF2FF66A99F}" destId="{919A589F-F74A-40C3-BE88-AB8730BCAB04}" srcOrd="0" destOrd="0" presId="urn:microsoft.com/office/officeart/2005/8/layout/chevron1"/>
-    <dgm:cxn modelId="{B0E2386F-A443-4201-8130-FB9CC25AA154}" srcId="{44156040-AF98-4F2C-9909-9F2439F6F588}" destId="{74020AF3-C700-4606-8917-C6A353D7963A}" srcOrd="0" destOrd="0" parTransId="{87D99D21-0B4A-4259-89FB-0E5941CB535C}" sibTransId="{6CFF1BD9-AE1F-4488-8B72-01186EADA6FF}"/>
-    <dgm:cxn modelId="{BB4F9699-C9DE-46C4-A04B-CD52EF57D4C5}" type="presOf" srcId="{74020AF3-C700-4606-8917-C6A353D7963A}" destId="{881B8FEC-9D20-4669-BB2E-FA9CEA0BE5A9}" srcOrd="0" destOrd="0" presId="urn:microsoft.com/office/officeart/2005/8/layout/chevron1"/>
-    <dgm:cxn modelId="{9E75EA9C-2122-47C1-897A-5BBDE8D78AC4}" type="presOf" srcId="{A8B05E70-CCF1-4080-8EEE-6873C9D4B630}" destId="{268F2328-4548-422B-9C65-80797E16B241}" srcOrd="0" destOrd="0" presId="urn:microsoft.com/office/officeart/2005/8/layout/chevron1"/>
-    <dgm:cxn modelId="{937639B3-2352-48E4-A96B-F63DF2119D92}" srcId="{44156040-AF98-4F2C-9909-9F2439F6F588}" destId="{12E26E22-71B0-4386-A84F-ABF2FF66A99F}" srcOrd="1" destOrd="0" parTransId="{3A6CB3CB-0F71-4CA8-93AA-0E3E3D59D313}" sibTransId="{E1826C46-15A2-4345-B986-53D05F21F155}"/>
-    <dgm:cxn modelId="{37A858B6-D71C-4E86-A467-E8D17167DE19}" type="presOf" srcId="{42147153-A6C2-4177-BA7D-2ACCC2C1B2F7}" destId="{BDD0B0F7-A87C-4B5B-A4C3-4E4BE6EB0FE4}" srcOrd="0" destOrd="0" presId="urn:microsoft.com/office/officeart/2005/8/layout/chevron1"/>
-    <dgm:cxn modelId="{777DC3C6-D336-4C94-A624-E5582A07ECAA}" srcId="{44156040-AF98-4F2C-9909-9F2439F6F588}" destId="{42147153-A6C2-4177-BA7D-2ACCC2C1B2F7}" srcOrd="3" destOrd="0" parTransId="{C6F68745-4C20-4204-96A6-585691399C14}" sibTransId="{0C6B132F-0347-46BA-86A4-3FAFB6676411}"/>
-    <dgm:cxn modelId="{B8B909D0-D4F6-48D4-81DA-A58F34AE3646}" srcId="{44156040-AF98-4F2C-9909-9F2439F6F588}" destId="{A8B05E70-CCF1-4080-8EEE-6873C9D4B630}" srcOrd="2" destOrd="0" parTransId="{11D1F3D3-0002-4131-9F84-22FBF8692DA9}" sibTransId="{B6438016-7365-4FC0-A372-D90585B4B6EE}"/>
-    <dgm:cxn modelId="{383A5CFE-2D64-4002-A7C0-1E621409BFD6}" type="presOf" srcId="{44156040-AF98-4F2C-9909-9F2439F6F588}" destId="{1C61A9A2-33F2-469B-8AC4-A104A5A98D78}" srcOrd="0" destOrd="0" presId="urn:microsoft.com/office/officeart/2005/8/layout/chevron1"/>
-    <dgm:cxn modelId="{EDA037DE-3D60-46A9-9DDB-074A05981F8D}" type="presParOf" srcId="{1C61A9A2-33F2-469B-8AC4-A104A5A98D78}" destId="{881B8FEC-9D20-4669-BB2E-FA9CEA0BE5A9}" srcOrd="0" destOrd="0" presId="urn:microsoft.com/office/officeart/2005/8/layout/chevron1"/>
-    <dgm:cxn modelId="{8F2A48B2-4519-4F7D-931D-1EB2DDCF4663}" type="presParOf" srcId="{1C61A9A2-33F2-469B-8AC4-A104A5A98D78}" destId="{705DFC51-4C30-4A07-9F0C-6EB770961C6F}" srcOrd="1" destOrd="0" presId="urn:microsoft.com/office/officeart/2005/8/layout/chevron1"/>
-    <dgm:cxn modelId="{A8C49188-74D0-46A6-A671-569711775D6B}" type="presParOf" srcId="{1C61A9A2-33F2-469B-8AC4-A104A5A98D78}" destId="{919A589F-F74A-40C3-BE88-AB8730BCAB04}" srcOrd="2" destOrd="0" presId="urn:microsoft.com/office/officeart/2005/8/layout/chevron1"/>
-    <dgm:cxn modelId="{DF828B00-7F32-4A0D-9D43-9FD5AE3C854B}" type="presParOf" srcId="{1C61A9A2-33F2-469B-8AC4-A104A5A98D78}" destId="{01C6BCDE-530E-4D03-9CF5-9AB36CDC1FE1}" srcOrd="3" destOrd="0" presId="urn:microsoft.com/office/officeart/2005/8/layout/chevron1"/>
-    <dgm:cxn modelId="{2FC0E474-8734-4209-BD6D-C297DEE76CB4}" type="presParOf" srcId="{1C61A9A2-33F2-469B-8AC4-A104A5A98D78}" destId="{268F2328-4548-422B-9C65-80797E16B241}" srcOrd="4" destOrd="0" presId="urn:microsoft.com/office/officeart/2005/8/layout/chevron1"/>
-    <dgm:cxn modelId="{30A10B48-C159-4CE5-AFE2-9908BF17AD25}" type="presParOf" srcId="{1C61A9A2-33F2-469B-8AC4-A104A5A98D78}" destId="{8CB78EC1-7B74-4B6E-94C6-5F808A049A1F}" srcOrd="5" destOrd="0" presId="urn:microsoft.com/office/officeart/2005/8/layout/chevron1"/>
-    <dgm:cxn modelId="{3065F5B9-06B1-4353-A251-703F2693DE95}" type="presParOf" srcId="{1C61A9A2-33F2-469B-8AC4-A104A5A98D78}" destId="{BDD0B0F7-A87C-4B5B-A4C3-4E4BE6EB0FE4}" srcOrd="6" destOrd="0" presId="urn:microsoft.com/office/officeart/2005/8/layout/chevron1"/>
-  </dgm:cxnLst>
-  <dgm:bg/>
-  <dgm:whole/>
-  <dgm:extLst>
-    <a:ext uri="http://schemas.microsoft.com/office/drawing/2008/diagram">
-      <dsp:dataModelExt xmlns:dsp="http://schemas.microsoft.com/office/drawing/2008/diagram" relId="rId7" minVer="http://schemas.openxmlformats.org/drawingml/2006/diagram"/>
-    </a:ext>
-  </dgm:extLst>
-</dgm:dataModel>
-</file>
-
-<file path=ppt/diagrams/drawing1.xml><?xml version="1.0" encoding="utf-8"?>
-<dsp:drawing xmlns:dgm="http://schemas.openxmlformats.org/drawingml/2006/diagram" xmlns:dsp="http://schemas.microsoft.com/office/drawing/2008/diagram" xmlns:a="http://schemas.openxmlformats.org/drawingml/2006/main">
-  <dsp:spTree>
-    <dsp:nvGrpSpPr>
-      <dsp:cNvPr id="0" name=""/>
-      <dsp:cNvGrpSpPr/>
-    </dsp:nvGrpSpPr>
-    <dsp:grpSpPr/>
-    <dsp:sp modelId="{881B8FEC-9D20-4669-BB2E-FA9CEA0BE5A9}">
-      <dsp:nvSpPr>
-        <dsp:cNvPr id="0" name=""/>
-        <dsp:cNvSpPr/>
-      </dsp:nvSpPr>
-      <dsp:spPr>
-        <a:xfrm>
-          <a:off x="4453" y="1653197"/>
-          <a:ext cx="2592511" cy="1037004"/>
-        </a:xfrm>
-        <a:prstGeom prst="chevron">
-          <a:avLst/>
-        </a:prstGeom>
-        <a:solidFill>
-          <a:schemeClr val="lt1">
-            <a:hueOff val="0"/>
-            <a:satOff val="0"/>
-            <a:lumOff val="0"/>
-            <a:alphaOff val="0"/>
-          </a:schemeClr>
-        </a:solidFill>
-        <a:ln w="12700" cap="flat" cmpd="sng" algn="ctr">
-          <a:solidFill>
-            <a:schemeClr val="accent1">
-              <a:shade val="80000"/>
-              <a:hueOff val="0"/>
-              <a:satOff val="0"/>
-              <a:lumOff val="0"/>
-              <a:alphaOff val="0"/>
-            </a:schemeClr>
-          </a:solidFill>
-          <a:prstDash val="solid"/>
-          <a:miter lim="800000"/>
-        </a:ln>
-        <a:effectLst/>
-      </dsp:spPr>
-      <dsp:style>
-        <a:lnRef idx="2">
-          <a:scrgbClr r="0" g="0" b="0"/>
-        </a:lnRef>
-        <a:fillRef idx="1">
-          <a:scrgbClr r="0" g="0" b="0"/>
-        </a:fillRef>
-        <a:effectRef idx="0">
-          <a:scrgbClr r="0" g="0" b="0"/>
-        </a:effectRef>
-        <a:fontRef idx="minor">
-          <a:schemeClr val="lt1"/>
-        </a:fontRef>
-      </dsp:style>
-      <dsp:txBody>
-        <a:bodyPr spcFirstLastPara="0" vert="horz" wrap="square" lIns="120015" tIns="40005" rIns="40005" bIns="40005" numCol="1" spcCol="1270" rtlCol="0" anchor="ctr" anchorCtr="0">
-          <a:noAutofit/>
-        </a:bodyPr>
-        <a:lstStyle/>
-        <a:p>
-          <a:pPr marL="0" lvl="0" indent="0" algn="ctr" defTabSz="1333500" rtl="0">
-            <a:lnSpc>
-              <a:spcPct val="90000"/>
-            </a:lnSpc>
-            <a:spcBef>
-              <a:spcPct val="0"/>
-            </a:spcBef>
-            <a:spcAft>
-              <a:spcPct val="35000"/>
-            </a:spcAft>
-            <a:buNone/>
-          </a:pPr>
-          <a:r>
-            <a:rPr lang="pt-BR" sz="3000" kern="1200" noProof="0" dirty="0"/>
-            <a:t>Título da etapa 1</a:t>
-          </a:r>
-        </a:p>
-      </dsp:txBody>
-      <dsp:txXfrm>
-        <a:off x="522955" y="1653197"/>
-        <a:ext cx="1555507" cy="1037004"/>
-      </dsp:txXfrm>
-    </dsp:sp>
-    <dsp:sp modelId="{919A589F-F74A-40C3-BE88-AB8730BCAB04}">
-      <dsp:nvSpPr>
-        <dsp:cNvPr id="0" name=""/>
-        <dsp:cNvSpPr/>
-      </dsp:nvSpPr>
-      <dsp:spPr>
-        <a:xfrm>
-          <a:off x="2337714" y="1653197"/>
-          <a:ext cx="2592511" cy="1037004"/>
-        </a:xfrm>
-        <a:prstGeom prst="chevron">
-          <a:avLst/>
-        </a:prstGeom>
-        <a:solidFill>
-          <a:schemeClr val="lt1">
-            <a:hueOff val="0"/>
-            <a:satOff val="0"/>
-            <a:lumOff val="0"/>
-            <a:alphaOff val="0"/>
-          </a:schemeClr>
-        </a:solidFill>
-        <a:ln w="12700" cap="flat" cmpd="sng" algn="ctr">
-          <a:solidFill>
-            <a:schemeClr val="accent1">
-              <a:shade val="80000"/>
-              <a:hueOff val="0"/>
-              <a:satOff val="0"/>
-              <a:lumOff val="0"/>
-              <a:alphaOff val="0"/>
-            </a:schemeClr>
-          </a:solidFill>
-          <a:prstDash val="solid"/>
-          <a:miter lim="800000"/>
-        </a:ln>
-        <a:effectLst/>
-      </dsp:spPr>
-      <dsp:style>
-        <a:lnRef idx="2">
-          <a:scrgbClr r="0" g="0" b="0"/>
-        </a:lnRef>
-        <a:fillRef idx="1">
-          <a:scrgbClr r="0" g="0" b="0"/>
-        </a:fillRef>
-        <a:effectRef idx="0">
-          <a:scrgbClr r="0" g="0" b="0"/>
-        </a:effectRef>
-        <a:fontRef idx="minor">
-          <a:schemeClr val="lt1"/>
-        </a:fontRef>
-      </dsp:style>
-      <dsp:txBody>
-        <a:bodyPr spcFirstLastPara="0" vert="horz" wrap="square" lIns="120015" tIns="40005" rIns="40005" bIns="40005" numCol="1" spcCol="1270" rtlCol="0" anchor="ctr" anchorCtr="0">
-          <a:noAutofit/>
-        </a:bodyPr>
-        <a:lstStyle/>
-        <a:p>
-          <a:pPr marL="0" lvl="0" indent="0" algn="ctr" defTabSz="1333500" rtl="0">
-            <a:lnSpc>
-              <a:spcPct val="90000"/>
-            </a:lnSpc>
-            <a:spcBef>
-              <a:spcPct val="0"/>
-            </a:spcBef>
-            <a:spcAft>
-              <a:spcPct val="35000"/>
-            </a:spcAft>
-            <a:buNone/>
-          </a:pPr>
-          <a:r>
-            <a:rPr lang="pt-BR" sz="3000" kern="1200" noProof="0" dirty="0"/>
-            <a:t>Título da etapa 2</a:t>
-          </a:r>
-        </a:p>
-      </dsp:txBody>
-      <dsp:txXfrm>
-        <a:off x="2856216" y="1653197"/>
-        <a:ext cx="1555507" cy="1037004"/>
-      </dsp:txXfrm>
-    </dsp:sp>
-    <dsp:sp modelId="{268F2328-4548-422B-9C65-80797E16B241}">
-      <dsp:nvSpPr>
-        <dsp:cNvPr id="0" name=""/>
-        <dsp:cNvSpPr/>
-      </dsp:nvSpPr>
-      <dsp:spPr>
-        <a:xfrm>
-          <a:off x="4670974" y="1653197"/>
-          <a:ext cx="2592511" cy="1037004"/>
-        </a:xfrm>
-        <a:prstGeom prst="chevron">
-          <a:avLst/>
-        </a:prstGeom>
-        <a:solidFill>
-          <a:schemeClr val="lt1">
-            <a:hueOff val="0"/>
-            <a:satOff val="0"/>
-            <a:lumOff val="0"/>
-            <a:alphaOff val="0"/>
-          </a:schemeClr>
-        </a:solidFill>
-        <a:ln w="12700" cap="flat" cmpd="sng" algn="ctr">
-          <a:solidFill>
-            <a:schemeClr val="accent1">
-              <a:shade val="80000"/>
-              <a:hueOff val="0"/>
-              <a:satOff val="0"/>
-              <a:lumOff val="0"/>
-              <a:alphaOff val="0"/>
-            </a:schemeClr>
-          </a:solidFill>
-          <a:prstDash val="solid"/>
-          <a:miter lim="800000"/>
-        </a:ln>
-        <a:effectLst/>
-      </dsp:spPr>
-      <dsp:style>
-        <a:lnRef idx="2">
-          <a:scrgbClr r="0" g="0" b="0"/>
-        </a:lnRef>
-        <a:fillRef idx="1">
-          <a:scrgbClr r="0" g="0" b="0"/>
-        </a:fillRef>
-        <a:effectRef idx="0">
-          <a:scrgbClr r="0" g="0" b="0"/>
-        </a:effectRef>
-        <a:fontRef idx="minor">
-          <a:schemeClr val="lt1"/>
-        </a:fontRef>
-      </dsp:style>
-      <dsp:txBody>
-        <a:bodyPr spcFirstLastPara="0" vert="horz" wrap="square" lIns="120015" tIns="40005" rIns="40005" bIns="40005" numCol="1" spcCol="1270" rtlCol="0" anchor="ctr" anchorCtr="0">
-          <a:noAutofit/>
-        </a:bodyPr>
-        <a:lstStyle/>
-        <a:p>
-          <a:pPr marL="0" lvl="0" indent="0" algn="ctr" defTabSz="1333500" rtl="0">
-            <a:lnSpc>
-              <a:spcPct val="90000"/>
-            </a:lnSpc>
-            <a:spcBef>
-              <a:spcPct val="0"/>
-            </a:spcBef>
-            <a:spcAft>
-              <a:spcPct val="35000"/>
-            </a:spcAft>
-            <a:buNone/>
-          </a:pPr>
-          <a:r>
-            <a:rPr lang="pt-BR" sz="3000" kern="1200" noProof="0" dirty="0"/>
-            <a:t>Título da etapa 3</a:t>
-          </a:r>
-        </a:p>
-      </dsp:txBody>
-      <dsp:txXfrm>
-        <a:off x="5189476" y="1653197"/>
-        <a:ext cx="1555507" cy="1037004"/>
-      </dsp:txXfrm>
-    </dsp:sp>
-    <dsp:sp modelId="{BDD0B0F7-A87C-4B5B-A4C3-4E4BE6EB0FE4}">
-      <dsp:nvSpPr>
-        <dsp:cNvPr id="0" name=""/>
-        <dsp:cNvSpPr/>
-      </dsp:nvSpPr>
-      <dsp:spPr>
-        <a:xfrm>
-          <a:off x="7004234" y="1653197"/>
-          <a:ext cx="2592511" cy="1037004"/>
-        </a:xfrm>
-        <a:prstGeom prst="chevron">
-          <a:avLst/>
-        </a:prstGeom>
-        <a:solidFill>
-          <a:schemeClr val="lt1">
-            <a:hueOff val="0"/>
-            <a:satOff val="0"/>
-            <a:lumOff val="0"/>
-            <a:alphaOff val="0"/>
-          </a:schemeClr>
-        </a:solidFill>
-        <a:ln w="12700" cap="flat" cmpd="sng" algn="ctr">
-          <a:solidFill>
-            <a:schemeClr val="accent1">
-              <a:shade val="80000"/>
-              <a:hueOff val="0"/>
-              <a:satOff val="0"/>
-              <a:lumOff val="0"/>
-              <a:alphaOff val="0"/>
-            </a:schemeClr>
-          </a:solidFill>
-          <a:prstDash val="solid"/>
-          <a:miter lim="800000"/>
-        </a:ln>
-        <a:effectLst/>
-      </dsp:spPr>
-      <dsp:style>
-        <a:lnRef idx="2">
-          <a:scrgbClr r="0" g="0" b="0"/>
-        </a:lnRef>
-        <a:fillRef idx="1">
-          <a:scrgbClr r="0" g="0" b="0"/>
-        </a:fillRef>
-        <a:effectRef idx="0">
-          <a:scrgbClr r="0" g="0" b="0"/>
-        </a:effectRef>
-        <a:fontRef idx="minor">
-          <a:schemeClr val="lt1"/>
-        </a:fontRef>
-      </dsp:style>
-      <dsp:txBody>
-        <a:bodyPr spcFirstLastPara="0" vert="horz" wrap="square" lIns="120015" tIns="40005" rIns="40005" bIns="40005" numCol="1" spcCol="1270" rtlCol="0" anchor="ctr" anchorCtr="0">
-          <a:noAutofit/>
-        </a:bodyPr>
-        <a:lstStyle/>
-        <a:p>
-          <a:pPr marL="0" lvl="0" indent="0" algn="ctr" defTabSz="1333500" rtl="0">
-            <a:lnSpc>
-              <a:spcPct val="90000"/>
-            </a:lnSpc>
-            <a:spcBef>
-              <a:spcPct val="0"/>
-            </a:spcBef>
-            <a:spcAft>
-              <a:spcPct val="35000"/>
-            </a:spcAft>
-            <a:buNone/>
-          </a:pPr>
-          <a:r>
-            <a:rPr lang="pt-BR" sz="3000" kern="1200" noProof="0" dirty="0"/>
-            <a:t>Título da etapa 4</a:t>
-          </a:r>
-        </a:p>
-      </dsp:txBody>
-      <dsp:txXfrm>
-        <a:off x="7522736" y="1653197"/>
-        <a:ext cx="1555507" cy="1037004"/>
-      </dsp:txXfrm>
-    </dsp:sp>
-  </dsp:spTree>
-</dsp:drawing>
-</file>
-
-<file path=ppt/diagrams/layout1.xml><?xml version="1.0" encoding="utf-8"?>
-<dgm:layoutDef xmlns:dgm="http://schemas.openxmlformats.org/drawingml/2006/diagram" xmlns:a="http://schemas.openxmlformats.org/drawingml/2006/main" uniqueId="urn:microsoft.com/office/officeart/2005/8/layout/chevron1">
-  <dgm:title val=""/>
-  <dgm:desc val=""/>
-  <dgm:catLst>
-    <dgm:cat type="process" pri="9000"/>
-  </dgm:catLst>
-  <dgm:sampData useDef="1">
-    <dgm:dataModel>
-      <dgm:ptLst/>
-      <dgm:bg/>
-      <dgm:whole/>
-    </dgm:dataModel>
-  </dgm:sampData>
-  <dgm:styleData>
-    <dgm:dataModel>
-      <dgm:ptLst>
-        <dgm:pt modelId="0" type="doc"/>
-        <dgm:pt modelId="1"/>
-        <dgm:pt modelId="2"/>
-      </dgm:ptLst>
-      <dgm:cxnLst>
-        <dgm:cxn modelId="3" srcId="0" destId="1" srcOrd="0" destOrd="0"/>
-        <dgm:cxn modelId="4" srcId="0" destId="2" srcOrd="1" destOrd="0"/>
-      </dgm:cxnLst>
-      <dgm:bg/>
-      <dgm:whole/>
-    </dgm:dataModel>
-  </dgm:styleData>
-  <dgm:clrData>
-    <dgm:dataModel>
-      <dgm:ptLst>
-        <dgm:pt modelId="0" type="doc"/>
-        <dgm:pt modelId="1"/>
-        <dgm:pt modelId="2"/>
-        <dgm:pt modelId="3"/>
-        <dgm:pt modelId="4"/>
-      </dgm:ptLst>
-      <dgm:cxnLst>
-        <dgm:cxn modelId="5" srcId="0" destId="1" srcOrd="0" destOrd="0"/>
-        <dgm:cxn modelId="6" srcId="0" destId="2" srcOrd="1" destOrd="0"/>
-        <dgm:cxn modelId="7" srcId="0" destId="3" srcOrd="2" destOrd="0"/>
-        <dgm:cxn modelId="8" srcId="0" destId="4" srcOrd="3" destOrd="0"/>
-      </dgm:cxnLst>
-      <dgm:bg/>
-      <dgm:whole/>
-    </dgm:dataModel>
-  </dgm:clrData>
-  <dgm:layoutNode name="Name0">
-    <dgm:varLst>
-      <dgm:dir/>
-      <dgm:animLvl val="lvl"/>
-      <dgm:resizeHandles val="exact"/>
-    </dgm:varLst>
-    <dgm:choose name="Name1">
-      <dgm:if name="Name2" func="var" arg="dir" op="equ" val="norm">
-        <dgm:alg type="lin"/>
-      </dgm:if>
-      <dgm:else name="Name3">
-        <dgm:alg type="lin">
-          <dgm:param type="linDir" val="fromR"/>
-        </dgm:alg>
-      </dgm:else>
-    </dgm:choose>
-    <dgm:shape xmlns:r="http://schemas.openxmlformats.org/officeDocument/2006/relationships" r:blip="">
-      <dgm:adjLst/>
-    </dgm:shape>
-    <dgm:presOf/>
-    <dgm:choose name="Name4">
-      <dgm:if name="Name5" axis="des" func="maxDepth" op="gte" val="2">
-        <dgm:constrLst>
-          <dgm:constr type="h" for="ch" forName="composite" refType="h"/>
-          <dgm:constr type="w" for="ch" forName="composite" refType="w"/>
-          <dgm:constr type="w" for="des" forName="parTx"/>
-          <dgm:constr type="h" for="des" forName="parTx" op="equ"/>
-          <dgm:constr type="w" for="des" forName="desTx"/>
-          <dgm:constr type="h" for="des" forName="desTx" op="equ"/>
-          <dgm:constr type="primFontSz" for="des" forName="parTx" val="65"/>
-          <dgm:constr type="secFontSz" for="des" forName="desTx" refType="primFontSz" refFor="des" refForName="parTx" op="equ"/>
-          <dgm:constr type="h" for="des" forName="parTx" refType="primFontSz" refFor="des" refForName="parTx" fact="1.5"/>
-          <dgm:constr type="h" for="des" forName="desTx" refType="primFontSz" refFor="des" refForName="parTx" fact="0.5"/>
-          <dgm:constr type="w" for="ch" forName="space" op="equ" val="-6"/>
-        </dgm:constrLst>
-        <dgm:ruleLst>
-          <dgm:rule type="w" for="ch" forName="composite" val="0" fact="NaN" max="NaN"/>
-          <dgm:rule type="primFontSz" for="des" forName="parTx" val="5" fact="NaN" max="NaN"/>
-        </dgm:ruleLst>
-        <dgm:forEach name="Name6" axis="ch" ptType="node">
-          <dgm:layoutNode name="composite">
-            <dgm:alg type="composite"/>
-            <dgm:shape xmlns:r="http://schemas.openxmlformats.org/officeDocument/2006/relationships" r:blip="">
-              <dgm:adjLst/>
-            </dgm:shape>
-            <dgm:presOf/>
-            <dgm:choose name="Name7">
-              <dgm:if name="Name8" func="var" arg="dir" op="equ" val="norm">
-                <dgm:constrLst>
-                  <dgm:constr type="l" for="ch" forName="parTx"/>
-                  <dgm:constr type="w" for="ch" forName="parTx" refType="w"/>
-                  <dgm:constr type="t" for="ch" forName="parTx"/>
-                  <dgm:constr type="l" for="ch" forName="desTx"/>
-                  <dgm:constr type="w" for="ch" forName="desTx" refType="w" refFor="ch" refForName="parTx" fact="0.8"/>
-                  <dgm:constr type="t" for="ch" forName="desTx" refType="h" refFor="ch" refForName="parTx" fact="1.125"/>
-                </dgm:constrLst>
-              </dgm:if>
-              <dgm:else name="Name9">
-                <dgm:constrLst>
-                  <dgm:constr type="l" for="ch" forName="parTx"/>
-                  <dgm:constr type="w" for="ch" forName="parTx" refType="w"/>
-                  <dgm:constr type="t" for="ch" forName="parTx"/>
-                  <dgm:constr type="l" for="ch" forName="desTx" refType="w" fact="0.2"/>
-                  <dgm:constr type="w" for="ch" forName="desTx" refType="w" refFor="ch" refForName="parTx" fact="0.8"/>
-                  <dgm:constr type="t" for="ch" forName="desTx" refType="h" refFor="ch" refForName="parTx" fact="1.125"/>
-                </dgm:constrLst>
-              </dgm:else>
-            </dgm:choose>
-            <dgm:ruleLst>
-              <dgm:rule type="h" val="INF" fact="NaN" max="NaN"/>
-            </dgm:ruleLst>
-            <dgm:layoutNode name="parTx">
-              <dgm:varLst>
-                <dgm:chMax val="0"/>
-                <dgm:chPref val="0"/>
-                <dgm:bulletEnabled val="1"/>
-              </dgm:varLst>
-              <dgm:alg type="tx"/>
-              <dgm:choose name="Name10">
-                <dgm:if name="Name11" func="var" arg="dir" op="equ" val="norm">
-                  <dgm:shape xmlns:r="http://schemas.openxmlformats.org/officeDocument/2006/relationships" type="chevron" r:blip="">
-                    <dgm:adjLst/>
-                  </dgm:shape>
-                </dgm:if>
-                <dgm:else name="Name12">
-                  <dgm:shape xmlns:r="http://schemas.openxmlformats.org/officeDocument/2006/relationships" rot="180" type="chevron" r:blip="">
-                    <dgm:adjLst/>
-                  </dgm:shape>
-                </dgm:else>
-              </dgm:choose>
-              <dgm:presOf axis="self" ptType="node"/>
-              <dgm:choose name="Name13">
-                <dgm:if name="Name14" func="var" arg="dir" op="equ" val="norm">
-                  <dgm:constrLst>
-                    <dgm:constr type="h" refType="w" op="lte" fact="0.4"/>
-                    <dgm:constr type="h"/>
-                    <dgm:constr type="tMarg" refType="primFontSz" fact="0.105"/>
-                    <dgm:constr type="bMarg" refType="primFontSz" fact="0.105"/>
-                    <dgm:constr type="lMarg" refType="primFontSz" fact="0.315"/>
-                    <dgm:constr type="rMarg" refType="primFontSz" fact="0.105"/>
-                  </dgm:constrLst>
-                </dgm:if>
-                <dgm:else name="Name15">
-                  <dgm:constrLst>
-                    <dgm:constr type="h" refType="w" op="lte" fact="0.4"/>
-                    <dgm:constr type="h"/>
-                    <dgm:constr type="tMarg" refType="primFontSz" fact="0.105"/>
-                    <dgm:constr type="bMarg" refType="primFontSz" fact="0.105"/>
-                    <dgm:constr type="lMarg" refType="primFontSz" fact="0.105"/>
-                    <dgm:constr type="rMarg" refType="primFontSz" fact="0.315"/>
-                  </dgm:constrLst>
-                </dgm:else>
-              </dgm:choose>
-              <dgm:ruleLst>
-                <dgm:rule type="h" val="INF" fact="NaN" max="NaN"/>
-              </dgm:ruleLst>
-            </dgm:layoutNode>
-            <dgm:layoutNode name="desTx" styleLbl="revTx">
-              <dgm:varLst>
-                <dgm:bulletEnabled val="1"/>
-              </dgm:varLst>
-              <dgm:alg type="tx">
-                <dgm:param type="stBulletLvl" val="1"/>
-              </dgm:alg>
-              <dgm:choose name="Name16">
-                <dgm:if name="Name17" axis="ch" ptType="node" func="cnt" op="gte" val="1">
-                  <dgm:shape xmlns:r="http://schemas.openxmlformats.org/officeDocument/2006/relationships" type="rect" r:blip="">
-                    <dgm:adjLst/>
-                  </dgm:shape>
-                </dgm:if>
-                <dgm:else name="Name18">
-                  <dgm:shape xmlns:r="http://schemas.openxmlformats.org/officeDocument/2006/relationships" type="rect" r:blip="" hideGeom="1">
-                    <dgm:adjLst/>
-                  </dgm:shape>
-                </dgm:else>
-              </dgm:choose>
-              <dgm:presOf axis="des" ptType="node"/>
-              <dgm:constrLst>
-                <dgm:constr type="secFontSz" val="65"/>
-                <dgm:constr type="primFontSz" refType="secFontSz"/>
-                <dgm:constr type="h"/>
-                <dgm:constr type="tMarg"/>
-                <dgm:constr type="bMarg"/>
-                <dgm:constr type="rMarg"/>
-                <dgm:constr type="lMarg"/>
-              </dgm:constrLst>
-              <dgm:ruleLst>
-                <dgm:rule type="h" val="INF" fact="NaN" max="NaN"/>
-              </dgm:ruleLst>
-            </dgm:layoutNode>
-          </dgm:layoutNode>
-          <dgm:forEach name="Name19" axis="followSib" ptType="sibTrans" cnt="1">
-            <dgm:layoutNode name="space">
-              <dgm:alg type="sp"/>
-              <dgm:shape xmlns:r="http://schemas.openxmlformats.org/officeDocument/2006/relationships" r:blip="">
-                <dgm:adjLst/>
-              </dgm:shape>
-              <dgm:presOf/>
-              <dgm:constrLst/>
-              <dgm:ruleLst/>
-            </dgm:layoutNode>
-          </dgm:forEach>
-        </dgm:forEach>
-      </dgm:if>
-      <dgm:else name="Name20">
-        <dgm:constrLst>
-          <dgm:constr type="w" for="ch" forName="parTxOnly" refType="w"/>
-          <dgm:constr type="h" for="des" forName="parTxOnly" op="equ"/>
-          <dgm:constr type="primFontSz" for="des" forName="parTxOnly" op="equ" val="65"/>
-          <dgm:constr type="w" for="ch" forName="parTxOnlySpace" refType="w" refFor="ch" refForName="parTxOnly" fact="-0.1"/>
-        </dgm:constrLst>
-        <dgm:ruleLst/>
-        <dgm:forEach name="Name21" axis="ch" ptType="node">
-          <dgm:layoutNode name="parTxOnly">
-            <dgm:varLst>
-              <dgm:chMax val="0"/>
-              <dgm:chPref val="0"/>
-              <dgm:bulletEnabled val="1"/>
-            </dgm:varLst>
-            <dgm:alg type="tx"/>
-            <dgm:choose name="Name22">
-              <dgm:if name="Name23" func="var" arg="dir" op="equ" val="norm">
-                <dgm:shape xmlns:r="http://schemas.openxmlformats.org/officeDocument/2006/relationships" type="chevron" r:blip="">
-                  <dgm:adjLst/>
-                </dgm:shape>
-              </dgm:if>
-              <dgm:else name="Name24">
-                <dgm:shape xmlns:r="http://schemas.openxmlformats.org/officeDocument/2006/relationships" rot="180" type="chevron" r:blip="">
-                  <dgm:adjLst/>
-                </dgm:shape>
-              </dgm:else>
-            </dgm:choose>
-            <dgm:presOf axis="self" ptType="node"/>
-            <dgm:choose name="Name25">
-              <dgm:if name="Name26" func="var" arg="dir" op="equ" val="norm">
-                <dgm:constrLst>
-                  <dgm:constr type="h" refType="w" op="equ" fact="0.4"/>
-                  <dgm:constr type="tMarg" refType="primFontSz" fact="0.105"/>
-                  <dgm:constr type="bMarg" refType="primFontSz" fact="0.105"/>
-                  <dgm:constr type="lMarg" refType="primFontSz" fact="0.315"/>
-                  <dgm:constr type="rMarg" refType="primFontSz" fact="0.105"/>
-                </dgm:constrLst>
-              </dgm:if>
-              <dgm:else name="Name27">
-                <dgm:constrLst>
-                  <dgm:constr type="h" refType="w" op="equ" fact="0.4"/>
-                  <dgm:constr type="tMarg" refType="primFontSz" fact="0.105"/>
-                  <dgm:constr type="bMarg" refType="primFontSz" fact="0.105"/>
-                  <dgm:constr type="lMarg" refType="primFontSz" fact="0.105"/>
-                  <dgm:constr type="rMarg" refType="primFontSz" fact="0.315"/>
-                </dgm:constrLst>
-              </dgm:else>
-            </dgm:choose>
-            <dgm:ruleLst>
-              <dgm:rule type="primFontSz" val="5" fact="NaN" max="NaN"/>
-            </dgm:ruleLst>
-          </dgm:layoutNode>
-          <dgm:forEach name="Name28" axis="followSib" ptType="sibTrans" cnt="1">
-            <dgm:layoutNode name="parTxOnlySpace">
-              <dgm:alg type="sp"/>
-              <dgm:shape xmlns:r="http://schemas.openxmlformats.org/officeDocument/2006/relationships" r:blip="">
-                <dgm:adjLst/>
-              </dgm:shape>
-              <dgm:presOf/>
-              <dgm:constrLst/>
-              <dgm:ruleLst/>
-            </dgm:layoutNode>
-          </dgm:forEach>
-        </dgm:forEach>
-      </dgm:else>
-    </dgm:choose>
-  </dgm:layoutNode>
-</dgm:layoutDef>
-</file>
-
-<file path=ppt/diagrams/quickStyle1.xml><?xml version="1.0" encoding="utf-8"?>
-<dgm:styleDef xmlns:dgm="http://schemas.openxmlformats.org/drawingml/2006/diagram" xmlns:a="http://schemas.openxmlformats.org/drawingml/2006/main" uniqueId="urn:microsoft.com/office/officeart/2005/8/quickstyle/simple1">
-  <dgm:title val=""/>
-  <dgm:desc val=""/>
-  <dgm:catLst>
-    <dgm:cat type="simple" pri="10100"/>
-  </dgm:catLst>
-  <dgm:scene3d>
-    <a:camera prst="orthographicFront"/>
-    <a:lightRig rig="threePt" dir="t"/>
-  </dgm:scene3d>
-  <dgm:styleLbl name="node0">
-    <dgm:scene3d>
-      <a:camera prst="orthographicFront"/>
-      <a:lightRig rig="threePt" dir="t"/>
-    </dgm:scene3d>
-    <dgm:sp3d/>
-    <dgm:txPr/>
-    <dgm:style>
-      <a:lnRef idx="2">
-        <a:scrgbClr r="0" g="0" b="0"/>
-      </a:lnRef>
-      <a:fillRef idx="1">
-        <a:scrgbClr r="0" g="0" b="0"/>
-      </a:fillRef>
-      <a:effectRef idx="0">
-        <a:scrgbClr r="0" g="0" b="0"/>
-      </a:effectRef>
-      <a:fontRef idx="minor">
-        <a:schemeClr val="lt1"/>
-      </a:fontRef>
-    </dgm:style>
-  </dgm:styleLbl>
-  <dgm:styleLbl name="lnNode1">
-    <dgm:scene3d>
-      <a:camera prst="orthographicFront"/>
-      <a:lightRig rig="threePt" dir="t"/>
-    </dgm:scene3d>
-    <dgm:sp3d/>
-    <dgm:txPr/>
-    <dgm:style>
-      <a:lnRef idx="2">
-        <a:scrgbClr r="0" g="0" b="0"/>
-      </a:lnRef>
-      <a:fillRef idx="1">
-        <a:scrgbClr r="0" g="0" b="0"/>
-      </a:fillRef>
-      <a:effectRef idx="0">
-        <a:scrgbClr r="0" g="0" b="0"/>
-      </a:effectRef>
-      <a:fontRef idx="minor">
-        <a:schemeClr val="lt1"/>
-      </a:fontRef>
-    </dgm:style>
-  </dgm:styleLbl>
-  <dgm:styleLbl name="vennNode1">
-    <dgm:scene3d>
-      <a:camera prst="orthographicFront"/>
-      <a:lightRig rig="threePt" dir="t"/>
-    </dgm:scene3d>
-    <dgm:sp3d/>
-    <dgm:txPr/>
-    <dgm:style>
-      <a:lnRef idx="2">
-        <a:scrgbClr r="0" g="0" b="0"/>
-      </a:lnRef>
-      <a:fillRef idx="1">
-        <a:scrgbClr r="0" g="0" b="0"/>
-      </a:fillRef>
-      <a:effectRef idx="0">
-        <a:scrgbClr r="0" g="0" b="0"/>
-      </a:effectRef>
-      <a:fontRef idx="minor">
-        <a:schemeClr val="tx1"/>
-      </a:fontRef>
-    </dgm:style>
-  </dgm:styleLbl>
-  <dgm:styleLbl name="alignNode1">
-    <dgm:scene3d>
-      <a:camera prst="orthographicFront"/>
-      <a:lightRig rig="threePt" dir="t"/>
-    </dgm:scene3d>
-    <dgm:sp3d/>
-    <dgm:txPr/>
-    <dgm:style>
-      <a:lnRef idx="2">
-        <a:scrgbClr r="0" g="0" b="0"/>
-      </a:lnRef>
-      <a:fillRef idx="1">
-        <a:scrgbClr r="0" g="0" b="0"/>
-      </a:fillRef>
-      <a:effectRef idx="0">
-        <a:scrgbClr r="0" g="0" b="0"/>
-      </a:effectRef>
-      <a:fontRef idx="minor">
-        <a:schemeClr val="lt1"/>
-      </a:fontRef>
-    </dgm:style>
-  </dgm:styleLbl>
-  <dgm:styleLbl name="node1">
-    <dgm:scene3d>
-      <a:camera prst="orthographicFront"/>
-      <a:lightRig rig="threePt" dir="t"/>
-    </dgm:scene3d>
-    <dgm:sp3d/>
-    <dgm:txPr/>
-    <dgm:style>
-      <a:lnRef idx="2">
-        <a:scrgbClr r="0" g="0" b="0"/>
-      </a:lnRef>
-      <a:fillRef idx="1">
-        <a:scrgbClr r="0" g="0" b="0"/>
-      </a:fillRef>
-      <a:effectRef idx="0">
-        <a:scrgbClr r="0" g="0" b="0"/>
-      </a:effectRef>
-      <a:fontRef idx="minor">
-        <a:schemeClr val="lt1"/>
-      </a:fontRef>
-    </dgm:style>
-  </dgm:styleLbl>
-  <dgm:styleLbl name="node2">
-    <dgm:scene3d>
-      <a:camera prst="orthographicFront"/>
-      <a:lightRig rig="threePt" dir="t"/>
-    </dgm:scene3d>
-    <dgm:sp3d/>
-    <dgm:txPr/>
-    <dgm:style>
-      <a:lnRef idx="2">
-        <a:scrgbClr r="0" g="0" b="0"/>
-      </a:lnRef>
-      <a:fillRef idx="1">
-        <a:scrgbClr r="0" g="0" b="0"/>
-      </a:fillRef>
-      <a:effectRef idx="0">
-        <a:scrgbClr r="0" g="0" b="0"/>
-      </a:effectRef>
-      <a:fontRef idx="minor">
-        <a:schemeClr val="lt1"/>
-      </a:fontRef>
-    </dgm:style>
-  </dgm:styleLbl>
-  <dgm:styleLbl name="node3">
-    <dgm:scene3d>
-      <a:camera prst="orthographicFront"/>
-      <a:lightRig rig="threePt" dir="t"/>
-    </dgm:scene3d>
-    <dgm:sp3d/>
-    <dgm:txPr/>
-    <dgm:style>
-      <a:lnRef idx="2">
-        <a:scrgbClr r="0" g="0" b="0"/>
-      </a:lnRef>
-      <a:fillRef idx="1">
-        <a:scrgbClr r="0" g="0" b="0"/>
-      </a:fillRef>
-      <a:effectRef idx="0">
-        <a:scrgbClr r="0" g="0" b="0"/>
-      </a:effectRef>
-      <a:fontRef idx="minor">
-        <a:schemeClr val="lt1"/>
-      </a:fontRef>
-    </dgm:style>
-  </dgm:styleLbl>
-  <dgm:styleLbl name="node4">
-    <dgm:scene3d>
-      <a:camera prst="orthographicFront"/>
-      <a:lightRig rig="threePt" dir="t"/>
-    </dgm:scene3d>
-    <dgm:sp3d/>
-    <dgm:txPr/>
-    <dgm:style>
-      <a:lnRef idx="2">
-        <a:scrgbClr r="0" g="0" b="0"/>
-      </a:lnRef>
-      <a:fillRef idx="1">
-        <a:scrgbClr r="0" g="0" b="0"/>
-      </a:fillRef>
-      <a:effectRef idx="0">
-        <a:scrgbClr r="0" g="0" b="0"/>
-      </a:effectRef>
-      <a:fontRef idx="minor">
-        <a:schemeClr val="lt1"/>
-      </a:fontRef>
-    </dgm:style>
-  </dgm:styleLbl>
-  <dgm:styleLbl name="fgImgPlace1">
-    <dgm:scene3d>
-      <a:camera prst="orthographicFront"/>
-      <a:lightRig rig="threePt" dir="t"/>
-    </dgm:scene3d>
-    <dgm:sp3d/>
-    <dgm:txPr/>
-    <dgm:style>
-      <a:lnRef idx="2">
-        <a:scrgbClr r="0" g="0" b="0"/>
-      </a:lnRef>
-      <a:fillRef idx="1">
-        <a:scrgbClr r="0" g="0" b="0"/>
-      </a:fillRef>
-      <a:effectRef idx="0">
-        <a:scrgbClr r="0" g="0" b="0"/>
-      </a:effectRef>
-      <a:fontRef idx="minor"/>
-    </dgm:style>
-  </dgm:styleLbl>
-  <dgm:styleLbl name="alignImgPlace1">
-    <dgm:scene3d>
-      <a:camera prst="orthographicFront"/>
-      <a:lightRig rig="threePt" dir="t"/>
-    </dgm:scene3d>
-    <dgm:sp3d/>
-    <dgm:txPr/>
-    <dgm:style>
-      <a:lnRef idx="2">
-        <a:scrgbClr r="0" g="0" b="0"/>
-      </a:lnRef>
-      <a:fillRef idx="1">
-        <a:scrgbClr r="0" g="0" b="0"/>
-      </a:fillRef>
-      <a:effectRef idx="0">
-        <a:scrgbClr r="0" g="0" b="0"/>
-      </a:effectRef>
-      <a:fontRef idx="minor"/>
-    </dgm:style>
-  </dgm:styleLbl>
-  <dgm:styleLbl name="bgImgPlace1">
-    <dgm:scene3d>
-      <a:camera prst="orthographicFront"/>
-      <a:lightRig rig="threePt" dir="t"/>
-    </dgm:scene3d>
-    <dgm:sp3d/>
-    <dgm:txPr/>
-    <dgm:style>
-      <a:lnRef idx="2">
-        <a:scrgbClr r="0" g="0" b="0"/>
-      </a:lnRef>
-      <a:fillRef idx="1">
-        <a:scrgbClr r="0" g="0" b="0"/>
-      </a:fillRef>
-      <a:effectRef idx="0">
-        <a:scrgbClr r="0" g="0" b="0"/>
-      </a:effectRef>
-      <a:fontRef idx="minor"/>
-    </dgm:style>
-  </dgm:styleLbl>
-  <dgm:styleLbl name="sibTrans2D1">
-    <dgm:scene3d>
-      <a:camera prst="orthographicFront"/>
-      <a:lightRig rig="threePt" dir="t"/>
-    </dgm:scene3d>
-    <dgm:sp3d/>
-    <dgm:txPr/>
-    <dgm:style>
-      <a:lnRef idx="0">
-        <a:scrgbClr r="0" g="0" b="0"/>
-      </a:lnRef>
-      <a:fillRef idx="1">
-        <a:scrgbClr r="0" g="0" b="0"/>
-      </a:fillRef>
-      <a:effectRef idx="0">
-        <a:scrgbClr r="0" g="0" b="0"/>
-      </a:effectRef>
-      <a:fontRef idx="minor">
-        <a:schemeClr val="lt1"/>
-      </a:fontRef>
-    </dgm:style>
-  </dgm:styleLbl>
-  <dgm:styleLbl name="fgSibTrans2D1">
-    <dgm:scene3d>
-      <a:camera prst="orthographicFront"/>
-      <a:lightRig rig="threePt" dir="t"/>
-    </dgm:scene3d>
-    <dgm:sp3d/>
-    <dgm:txPr/>
-    <dgm:style>
-      <a:lnRef idx="0">
-        <a:scrgbClr r="0" g="0" b="0"/>
-      </a:lnRef>
-      <a:fillRef idx="1">
-        <a:scrgbClr r="0" g="0" b="0"/>
-      </a:fillRef>
-      <a:effectRef idx="0">
-        <a:scrgbClr r="0" g="0" b="0"/>
-      </a:effectRef>
-      <a:fontRef idx="minor">
-        <a:schemeClr val="lt1"/>
-      </a:fontRef>
-    </dgm:style>
-  </dgm:styleLbl>
-  <dgm:styleLbl name="bgSibTrans2D1">
-    <dgm:scene3d>
-      <a:camera prst="orthographicFront"/>
-      <a:lightRig rig="threePt" dir="t"/>
-    </dgm:scene3d>
-    <dgm:sp3d/>
-    <dgm:txPr/>
-    <dgm:style>
-      <a:lnRef idx="0">
-        <a:scrgbClr r="0" g="0" b="0"/>
-      </a:lnRef>
-      <a:fillRef idx="1">
-        <a:scrgbClr r="0" g="0" b="0"/>
-      </a:fillRef>
-      <a:effectRef idx="0">
-        <a:scrgbClr r="0" g="0" b="0"/>
-      </a:effectRef>
-      <a:fontRef idx="minor">
-        <a:schemeClr val="lt1"/>
-      </a:fontRef>
-    </dgm:style>
-  </dgm:styleLbl>
-  <dgm:styleLbl name="sibTrans1D1">
-    <dgm:scene3d>
-      <a:camera prst="orthographicFront"/>
-      <a:lightRig rig="threePt" dir="t"/>
-    </dgm:scene3d>
-    <dgm:sp3d/>
-    <dgm:txPr/>
-    <dgm:style>
-      <a:lnRef idx="1">
-        <a:scrgbClr r="0" g="0" b="0"/>
-      </a:lnRef>
-      <a:fillRef idx="0">
-        <a:scrgbClr r="0" g="0" b="0"/>
-      </a:fillRef>
-      <a:effectRef idx="0">
-        <a:scrgbClr r="0" g="0" b="0"/>
-      </a:effectRef>
-      <a:fontRef idx="minor"/>
-    </dgm:style>
-  </dgm:styleLbl>
-  <dgm:styleLbl name="callout">
-    <dgm:scene3d>
-      <a:camera prst="orthographicFront"/>
-      <a:lightRig rig="threePt" dir="t"/>
-    </dgm:scene3d>
-    <dgm:sp3d/>
-    <dgm:txPr/>
-    <dgm:style>
-      <a:lnRef idx="2">
-        <a:scrgbClr r="0" g="0" b="0"/>
-      </a:lnRef>
-      <a:fillRef idx="1">
-        <a:scrgbClr r="0" g="0" b="0"/>
-      </a:fillRef>
-      <a:effectRef idx="0">
-        <a:scrgbClr r="0" g="0" b="0"/>
-      </a:effectRef>
-      <a:fontRef idx="minor"/>
-    </dgm:style>
-  </dgm:styleLbl>
-  <dgm:styleLbl name="asst0">
-    <dgm:scene3d>
-      <a:camera prst="orthographicFront"/>
-      <a:lightRig rig="threePt" dir="t"/>
-    </dgm:scene3d>
-    <dgm:sp3d/>
-    <dgm:txPr/>
-    <dgm:style>
-      <a:lnRef idx="2">
-        <a:scrgbClr r="0" g="0" b="0"/>
-      </a:lnRef>
-      <a:fillRef idx="1">
-        <a:scrgbClr r="0" g="0" b="0"/>
-      </a:fillRef>
-      <a:effectRef idx="0">
-        <a:scrgbClr r="0" g="0" b="0"/>
-      </a:effectRef>
-      <a:fontRef idx="minor">
-        <a:schemeClr val="lt1"/>
-      </a:fontRef>
-    </dgm:style>
-  </dgm:styleLbl>
-  <dgm:styleLbl name="asst1">
-    <dgm:scene3d>
-      <a:camera prst="orthographicFront"/>
-      <a:lightRig rig="threePt" dir="t"/>
-    </dgm:scene3d>
-    <dgm:sp3d/>
-    <dgm:txPr/>
-    <dgm:style>
-      <a:lnRef idx="2">
-        <a:scrgbClr r="0" g="0" b="0"/>
-      </a:lnRef>
-      <a:fillRef idx="1">
-        <a:scrgbClr r="0" g="0" b="0"/>
-      </a:fillRef>
-      <a:effectRef idx="0">
-        <a:scrgbClr r="0" g="0" b="0"/>
-      </a:effectRef>
-      <a:fontRef idx="minor">
-        <a:schemeClr val="lt1"/>
-      </a:fontRef>
-    </dgm:style>
-  </dgm:styleLbl>
-  <dgm:styleLbl name="asst2">
-    <dgm:scene3d>
-      <a:camera prst="orthographicFront"/>
-      <a:lightRig rig="threePt" dir="t"/>
-    </dgm:scene3d>
-    <dgm:sp3d/>
-    <dgm:txPr/>
-    <dgm:style>
-      <a:lnRef idx="2">
-        <a:scrgbClr r="0" g="0" b="0"/>
-      </a:lnRef>
-      <a:fillRef idx="1">
-        <a:scrgbClr r="0" g="0" b="0"/>
-      </a:fillRef>
-      <a:effectRef idx="0">
-        <a:scrgbClr r="0" g="0" b="0"/>
-      </a:effectRef>
-      <a:fontRef idx="minor">
-        <a:schemeClr val="lt1"/>
-      </a:fontRef>
-    </dgm:style>
-  </dgm:styleLbl>
-  <dgm:styleLbl name="asst3">
-    <dgm:scene3d>
-      <a:camera prst="orthographicFront"/>
-      <a:lightRig rig="threePt" dir="t"/>
-    </dgm:scene3d>
-    <dgm:sp3d/>
-    <dgm:txPr/>
-    <dgm:style>
-      <a:lnRef idx="2">
-        <a:scrgbClr r="0" g="0" b="0"/>
-      </a:lnRef>
-      <a:fillRef idx="1">
-        <a:scrgbClr r="0" g="0" b="0"/>
-      </a:fillRef>
-      <a:effectRef idx="0">
-        <a:scrgbClr r="0" g="0" b="0"/>
-      </a:effectRef>
-      <a:fontRef idx="minor">
-        <a:schemeClr val="lt1"/>
-      </a:fontRef>
-    </dgm:style>
-  </dgm:styleLbl>
-  <dgm:styleLbl name="asst4">
-    <dgm:scene3d>
-      <a:camera prst="orthographicFront"/>
-      <a:lightRig rig="threePt" dir="t"/>
-    </dgm:scene3d>
-    <dgm:sp3d/>
-    <dgm:txPr/>
-    <dgm:style>
-      <a:lnRef idx="2">
-        <a:scrgbClr r="0" g="0" b="0"/>
-      </a:lnRef>
-      <a:fillRef idx="1">
-        <a:scrgbClr r="0" g="0" b="0"/>
-      </a:fillRef>
-      <a:effectRef idx="0">
-        <a:scrgbClr r="0" g="0" b="0"/>
-      </a:effectRef>
-      <a:fontRef idx="minor">
-        <a:schemeClr val="lt1"/>
-      </a:fontRef>
-    </dgm:style>
-  </dgm:styleLbl>
-  <dgm:styleLbl name="parChTrans2D1">
-    <dgm:scene3d>
-      <a:camera prst="orthographicFront"/>
-      <a:lightRig rig="threePt" dir="t"/>
-    </dgm:scene3d>
-    <dgm:sp3d/>
-    <dgm:txPr/>
-    <dgm:style>
-      <a:lnRef idx="2">
-        <a:scrgbClr r="0" g="0" b="0"/>
-      </a:lnRef>
-      <a:fillRef idx="1">
-        <a:scrgbClr r="0" g="0" b="0"/>
-      </a:fillRef>
-      <a:effectRef idx="0">
-        <a:scrgbClr r="0" g="0" b="0"/>
-      </a:effectRef>
-      <a:fontRef idx="minor">
-        <a:schemeClr val="lt1"/>
-      </a:fontRef>
-    </dgm:style>
-  </dgm:styleLbl>
-  <dgm:styleLbl name="parChTrans2D2">
-    <dgm:scene3d>
-      <a:camera prst="orthographicFront"/>
-      <a:lightRig rig="threePt" dir="t"/>
-    </dgm:scene3d>
-    <dgm:sp3d/>
-    <dgm:txPr/>
-    <dgm:style>
-      <a:lnRef idx="2">
-        <a:scrgbClr r="0" g="0" b="0"/>
-      </a:lnRef>
-      <a:fillRef idx="1">
-        <a:scrgbClr r="0" g="0" b="0"/>
-      </a:fillRef>
-      <a:effectRef idx="0">
-        <a:scrgbClr r="0" g="0" b="0"/>
-      </a:effectRef>
-      <a:fontRef idx="minor">
-        <a:schemeClr val="lt1"/>
-      </a:fontRef>
-    </dgm:style>
-  </dgm:styleLbl>
-  <dgm:styleLbl name="parChTrans2D3">
-    <dgm:scene3d>
-      <a:camera prst="orthographicFront"/>
-      <a:lightRig rig="threePt" dir="t"/>
-    </dgm:scene3d>
-    <dgm:sp3d/>
-    <dgm:txPr/>
-    <dgm:style>
-      <a:lnRef idx="2">
-        <a:scrgbClr r="0" g="0" b="0"/>
-      </a:lnRef>
-      <a:fillRef idx="1">
-        <a:scrgbClr r="0" g="0" b="0"/>
-      </a:fillRef>
-      <a:effectRef idx="0">
-        <a:scrgbClr r="0" g="0" b="0"/>
-      </a:effectRef>
-      <a:fontRef idx="minor">
-        <a:schemeClr val="lt1"/>
-      </a:fontRef>
-    </dgm:style>
-  </dgm:styleLbl>
-  <dgm:styleLbl name="parChTrans2D4">
-    <dgm:scene3d>
-      <a:camera prst="orthographicFront"/>
-      <a:lightRig rig="threePt" dir="t"/>
-    </dgm:scene3d>
-    <dgm:sp3d/>
-    <dgm:txPr/>
-    <dgm:style>
-      <a:lnRef idx="2">
-        <a:scrgbClr r="0" g="0" b="0"/>
-      </a:lnRef>
-      <a:fillRef idx="1">
-        <a:scrgbClr r="0" g="0" b="0"/>
-      </a:fillRef>
-      <a:effectRef idx="0">
-        <a:scrgbClr r="0" g="0" b="0"/>
-      </a:effectRef>
-      <a:fontRef idx="minor">
-        <a:schemeClr val="lt1"/>
-      </a:fontRef>
-    </dgm:style>
-  </dgm:styleLbl>
-  <dgm:styleLbl name="parChTrans1D1">
-    <dgm:scene3d>
-      <a:camera prst="orthographicFront"/>
-      <a:lightRig rig="threePt" dir="t"/>
-    </dgm:scene3d>
-    <dgm:sp3d/>
-    <dgm:txPr/>
-    <dgm:style>
-      <a:lnRef idx="2">
-        <a:scrgbClr r="0" g="0" b="0"/>
-      </a:lnRef>
-      <a:fillRef idx="0">
-        <a:scrgbClr r="0" g="0" b="0"/>
-      </a:fillRef>
-      <a:effectRef idx="0">
-        <a:scrgbClr r="0" g="0" b="0"/>
-      </a:effectRef>
-      <a:fontRef idx="minor"/>
-    </dgm:style>
-  </dgm:styleLbl>
-  <dgm:styleLbl name="parChTrans1D2">
-    <dgm:scene3d>
-      <a:camera prst="orthographicFront"/>
-      <a:lightRig rig="threePt" dir="t"/>
-    </dgm:scene3d>
-    <dgm:sp3d/>
-    <dgm:txPr/>
-    <dgm:style>
-      <a:lnRef idx="2">
-        <a:scrgbClr r="0" g="0" b="0"/>
-      </a:lnRef>
-      <a:fillRef idx="0">
-        <a:scrgbClr r="0" g="0" b="0"/>
-      </a:fillRef>
-      <a:effectRef idx="0">
-        <a:scrgbClr r="0" g="0" b="0"/>
-      </a:effectRef>
-      <a:fontRef idx="minor"/>
-    </dgm:style>
-  </dgm:styleLbl>
-  <dgm:styleLbl name="parChTrans1D3">
-    <dgm:scene3d>
-      <a:camera prst="orthographicFront"/>
-      <a:lightRig rig="threePt" dir="t"/>
-    </dgm:scene3d>
-    <dgm:sp3d/>
-    <dgm:txPr/>
-    <dgm:style>
-      <a:lnRef idx="2">
-        <a:scrgbClr r="0" g="0" b="0"/>
-      </a:lnRef>
-      <a:fillRef idx="0">
-        <a:scrgbClr r="0" g="0" b="0"/>
-      </a:fillRef>
-      <a:effectRef idx="0">
-        <a:scrgbClr r="0" g="0" b="0"/>
-      </a:effectRef>
-      <a:fontRef idx="minor"/>
-    </dgm:style>
-  </dgm:styleLbl>
-  <dgm:styleLbl name="parChTrans1D4">
-    <dgm:scene3d>
-      <a:camera prst="orthographicFront"/>
-      <a:lightRig rig="threePt" dir="t"/>
-    </dgm:scene3d>
-    <dgm:sp3d/>
-    <dgm:txPr/>
-    <dgm:style>
-      <a:lnRef idx="2">
-        <a:scrgbClr r="0" g="0" b="0"/>
-      </a:lnRef>
-      <a:fillRef idx="0">
-        <a:scrgbClr r="0" g="0" b="0"/>
-      </a:fillRef>
-      <a:effectRef idx="0">
-        <a:scrgbClr r="0" g="0" b="0"/>
-      </a:effectRef>
-      <a:fontRef idx="minor"/>
-    </dgm:style>
-  </dgm:styleLbl>
-  <dgm:styleLbl name="fgAcc1">
-    <dgm:scene3d>
-      <a:camera prst="orthographicFront"/>
-      <a:lightRig rig="threePt" dir="t"/>
-    </dgm:scene3d>
-    <dgm:sp3d/>
-    <dgm:txPr/>
-    <dgm:style>
-      <a:lnRef idx="2">
-        <a:scrgbClr r="0" g="0" b="0"/>
-      </a:lnRef>
-      <a:fillRef idx="1">
-        <a:scrgbClr r="0" g="0" b="0"/>
-      </a:fillRef>
-      <a:effectRef idx="0">
-        <a:scrgbClr r="0" g="0" b="0"/>
-      </a:effectRef>
-      <a:fontRef idx="minor"/>
-    </dgm:style>
-  </dgm:styleLbl>
-  <dgm:styleLbl name="conFgAcc1">
-    <dgm:scene3d>
-      <a:camera prst="orthographicFront"/>
-      <a:lightRig rig="threePt" dir="t"/>
-    </dgm:scene3d>
-    <dgm:sp3d/>
-    <dgm:txPr/>
-    <dgm:style>
-      <a:lnRef idx="2">
-        <a:scrgbClr r="0" g="0" b="0"/>
-      </a:lnRef>
-      <a:fillRef idx="1">
-        <a:scrgbClr r="0" g="0" b="0"/>
-      </a:fillRef>
-      <a:effectRef idx="0">
-        <a:scrgbClr r="0" g="0" b="0"/>
-      </a:effectRef>
-      <a:fontRef idx="minor"/>
-    </dgm:style>
-  </dgm:styleLbl>
-  <dgm:styleLbl name="alignAcc1">
-    <dgm:scene3d>
-      <a:camera prst="orthographicFront"/>
-      <a:lightRig rig="threePt" dir="t"/>
-    </dgm:scene3d>
-    <dgm:sp3d/>
-    <dgm:txPr/>
-    <dgm:style>
-      <a:lnRef idx="2">
-        <a:scrgbClr r="0" g="0" b="0"/>
-      </a:lnRef>
-      <a:fillRef idx="1">
-        <a:scrgbClr r="0" g="0" b="0"/>
-      </a:fillRef>
-      <a:effectRef idx="0">
-        <a:scrgbClr r="0" g="0" b="0"/>
-      </a:effectRef>
-      <a:fontRef idx="minor"/>
-    </dgm:style>
-  </dgm:styleLbl>
-  <dgm:styleLbl name="trAlignAcc1">
-    <dgm:scene3d>
-      <a:camera prst="orthographicFront"/>
-      <a:lightRig rig="threePt" dir="t"/>
-    </dgm:scene3d>
-    <dgm:sp3d/>
-    <dgm:txPr/>
-    <dgm:style>
-      <a:lnRef idx="1">
-        <a:scrgbClr r="0" g="0" b="0"/>
-      </a:lnRef>
-      <a:fillRef idx="1">
-        <a:scrgbClr r="0" g="0" b="0"/>
-      </a:fillRef>
-      <a:effectRef idx="0">
-        <a:scrgbClr r="0" g="0" b="0"/>
-      </a:effectRef>
-      <a:fontRef idx="minor"/>
-    </dgm:style>
-  </dgm:styleLbl>
-  <dgm:styleLbl name="bgAcc1">
-    <dgm:scene3d>
-      <a:camera prst="orthographicFront"/>
-      <a:lightRig rig="threePt" dir="t"/>
-    </dgm:scene3d>
-    <dgm:sp3d/>
-    <dgm:txPr/>
-    <dgm:style>
-      <a:lnRef idx="2">
-        <a:scrgbClr r="0" g="0" b="0"/>
-      </a:lnRef>
-      <a:fillRef idx="1">
-        <a:scrgbClr r="0" g="0" b="0"/>
-      </a:fillRef>
-      <a:effectRef idx="0">
-        <a:scrgbClr r="0" g="0" b="0"/>
-      </a:effectRef>
-      <a:fontRef idx="minor"/>
-    </dgm:style>
-  </dgm:styleLbl>
-  <dgm:styleLbl name="solidFgAcc1">
-    <dgm:scene3d>
-      <a:camera prst="orthographicFront"/>
-      <a:lightRig rig="threePt" dir="t"/>
-    </dgm:scene3d>
-    <dgm:sp3d/>
-    <dgm:txPr/>
-    <dgm:style>
-      <a:lnRef idx="2">
-        <a:scrgbClr r="0" g="0" b="0"/>
-      </a:lnRef>
-      <a:fillRef idx="1">
-        <a:scrgbClr r="0" g="0" b="0"/>
-      </a:fillRef>
-      <a:effectRef idx="0">
-        <a:scrgbClr r="0" g="0" b="0"/>
-      </a:effectRef>
-      <a:fontRef idx="minor"/>
-    </dgm:style>
-  </dgm:styleLbl>
-  <dgm:styleLbl name="solidAlignAcc1">
-    <dgm:scene3d>
-      <a:camera prst="orthographicFront"/>
-      <a:lightRig rig="threePt" dir="t"/>
-    </dgm:scene3d>
-    <dgm:sp3d/>
-    <dgm:txPr/>
-    <dgm:style>
-      <a:lnRef idx="2">
-        <a:scrgbClr r="0" g="0" b="0"/>
-      </a:lnRef>
-      <a:fillRef idx="1">
-        <a:scrgbClr r="0" g="0" b="0"/>
-      </a:fillRef>
-      <a:effectRef idx="0">
-        <a:scrgbClr r="0" g="0" b="0"/>
-      </a:effectRef>
-      <a:fontRef idx="minor"/>
-    </dgm:style>
-  </dgm:styleLbl>
-  <dgm:styleLbl name="solidBgAcc1">
-    <dgm:scene3d>
-      <a:camera prst="orthographicFront"/>
-      <a:lightRig rig="threePt" dir="t"/>
-    </dgm:scene3d>
-    <dgm:sp3d/>
-    <dgm:txPr/>
-    <dgm:style>
-      <a:lnRef idx="2">
-        <a:scrgbClr r="0" g="0" b="0"/>
-      </a:lnRef>
-      <a:fillRef idx="1">
-        <a:scrgbClr r="0" g="0" b="0"/>
-      </a:fillRef>
-      <a:effectRef idx="0">
-        <a:scrgbClr r="0" g="0" b="0"/>
-      </a:effectRef>
-      <a:fontRef idx="minor"/>
-    </dgm:style>
-  </dgm:styleLbl>
-  <dgm:styleLbl name="fgAccFollowNode1">
-    <dgm:scene3d>
-      <a:camera prst="orthographicFront"/>
-      <a:lightRig rig="threePt" dir="t"/>
-    </dgm:scene3d>
-    <dgm:sp3d/>
-    <dgm:txPr/>
-    <dgm:style>
-      <a:lnRef idx="2">
-        <a:scrgbClr r="0" g="0" b="0"/>
-      </a:lnRef>
-      <a:fillRef idx="1">
-        <a:scrgbClr r="0" g="0" b="0"/>
-      </a:fillRef>
-      <a:effectRef idx="0">
-        <a:scrgbClr r="0" g="0" b="0"/>
-      </a:effectRef>
-      <a:fontRef idx="minor"/>
-    </dgm:style>
-  </dgm:styleLbl>
-  <dgm:styleLbl name="alignAccFollowNode1">
-    <dgm:scene3d>
-      <a:camera prst="orthographicFront"/>
-      <a:lightRig rig="threePt" dir="t"/>
-    </dgm:scene3d>
-    <dgm:sp3d/>
-    <dgm:txPr/>
-    <dgm:style>
-      <a:lnRef idx="2">
-        <a:scrgbClr r="0" g="0" b="0"/>
-      </a:lnRef>
-      <a:fillRef idx="1">
-        <a:scrgbClr r="0" g="0" b="0"/>
-      </a:fillRef>
-      <a:effectRef idx="0">
-        <a:scrgbClr r="0" g="0" b="0"/>
-      </a:effectRef>
-      <a:fontRef idx="minor"/>
-    </dgm:style>
-  </dgm:styleLbl>
-  <dgm:styleLbl name="bgAccFollowNode1">
-    <dgm:scene3d>
-      <a:camera prst="orthographicFront"/>
-      <a:lightRig rig="threePt" dir="t"/>
-    </dgm:scene3d>
-    <dgm:sp3d/>
-    <dgm:txPr/>
-    <dgm:style>
-      <a:lnRef idx="2">
-        <a:scrgbClr r="0" g="0" b="0"/>
-      </a:lnRef>
-      <a:fillRef idx="1">
-        <a:scrgbClr r="0" g="0" b="0"/>
-      </a:fillRef>
-      <a:effectRef idx="0">
-        <a:scrgbClr r="0" g="0" b="0"/>
-      </a:effectRef>
-      <a:fontRef idx="minor"/>
-    </dgm:style>
-  </dgm:styleLbl>
-  <dgm:styleLbl name="fgAcc0">
-    <dgm:scene3d>
-      <a:camera prst="orthographicFront"/>
-      <a:lightRig rig="threePt" dir="t"/>
-    </dgm:scene3d>
-    <dgm:sp3d/>
-    <dgm:txPr/>
-    <dgm:style>
-      <a:lnRef idx="2">
-        <a:scrgbClr r="0" g="0" b="0"/>
-      </a:lnRef>
-      <a:fillRef idx="1">
-        <a:scrgbClr r="0" g="0" b="0"/>
-      </a:fillRef>
-      <a:effectRef idx="0">
-        <a:scrgbClr r="0" g="0" b="0"/>
-      </a:effectRef>
-      <a:fontRef idx="minor"/>
-    </dgm:style>
-  </dgm:styleLbl>
-  <dgm:styleLbl name="fgAcc2">
-    <dgm:scene3d>
-      <a:camera prst="orthographicFront"/>
-      <a:lightRig rig="threePt" dir="t"/>
-    </dgm:scene3d>
-    <dgm:sp3d/>
-    <dgm:txPr/>
-    <dgm:style>
-      <a:lnRef idx="2">
-        <a:scrgbClr r="0" g="0" b="0"/>
-      </a:lnRef>
-      <a:fillRef idx="1">
-        <a:scrgbClr r="0" g="0" b="0"/>
-      </a:fillRef>
-      <a:effectRef idx="0">
-        <a:scrgbClr r="0" g="0" b="0"/>
-      </a:effectRef>
-      <a:fontRef idx="minor"/>
-    </dgm:style>
-  </dgm:styleLbl>
-  <dgm:styleLbl name="fgAcc3">
-    <dgm:scene3d>
-      <a:camera prst="orthographicFront"/>
-      <a:lightRig rig="threePt" dir="t"/>
-    </dgm:scene3d>
-    <dgm:sp3d/>
-    <dgm:txPr/>
-    <dgm:style>
-      <a:lnRef idx="2">
-        <a:scrgbClr r="0" g="0" b="0"/>
-      </a:lnRef>
-      <a:fillRef idx="1">
-        <a:scrgbClr r="0" g="0" b="0"/>
-      </a:fillRef>
-      <a:effectRef idx="0">
-        <a:scrgbClr r="0" g="0" b="0"/>
-      </a:effectRef>
-      <a:fontRef idx="minor"/>
-    </dgm:style>
-  </dgm:styleLbl>
-  <dgm:styleLbl name="fgAcc4">
-    <dgm:scene3d>
-      <a:camera prst="orthographicFront"/>
-      <a:lightRig rig="threePt" dir="t"/>
-    </dgm:scene3d>
-    <dgm:sp3d/>
-    <dgm:txPr/>
-    <dgm:style>
-      <a:lnRef idx="2">
-        <a:scrgbClr r="0" g="0" b="0"/>
-      </a:lnRef>
-      <a:fillRef idx="1">
-        <a:scrgbClr r="0" g="0" b="0"/>
-      </a:fillRef>
-      <a:effectRef idx="0">
-        <a:scrgbClr r="0" g="0" b="0"/>
-      </a:effectRef>
-      <a:fontRef idx="minor"/>
-    </dgm:style>
-  </dgm:styleLbl>
-  <dgm:styleLbl name="bgShp">
-    <dgm:scene3d>
-      <a:camera prst="orthographicFront"/>
-      <a:lightRig rig="threePt" dir="t"/>
-    </dgm:scene3d>
-    <dgm:sp3d/>
-    <dgm:txPr/>
-    <dgm:style>
-      <a:lnRef idx="0">
-        <a:scrgbClr r="0" g="0" b="0"/>
-      </a:lnRef>
-      <a:fillRef idx="1">
-        <a:scrgbClr r="0" g="0" b="0"/>
-      </a:fillRef>
-      <a:effectRef idx="0">
-        <a:scrgbClr r="0" g="0" b="0"/>
-      </a:effectRef>
-      <a:fontRef idx="minor"/>
-    </dgm:style>
-  </dgm:styleLbl>
-  <dgm:styleLbl name="dkBgShp">
-    <dgm:scene3d>
-      <a:camera prst="orthographicFront"/>
-      <a:lightRig rig="threePt" dir="t"/>
-    </dgm:scene3d>
-    <dgm:sp3d/>
-    <dgm:txPr/>
-    <dgm:style>
-      <a:lnRef idx="0">
-        <a:scrgbClr r="0" g="0" b="0"/>
-      </a:lnRef>
-      <a:fillRef idx="1">
-        <a:scrgbClr r="0" g="0" b="0"/>
-      </a:fillRef>
-      <a:effectRef idx="0">
-        <a:scrgbClr r="0" g="0" b="0"/>
-      </a:effectRef>
-      <a:fontRef idx="minor"/>
-    </dgm:style>
-  </dgm:styleLbl>
-  <dgm:styleLbl name="trBgShp">
-    <dgm:scene3d>
-      <a:camera prst="orthographicFront"/>
-      <a:lightRig rig="threePt" dir="t"/>
-    </dgm:scene3d>
-    <dgm:sp3d/>
-    <dgm:txPr/>
-    <dgm:style>
-      <a:lnRef idx="0">
-        <a:scrgbClr r="0" g="0" b="0"/>
-      </a:lnRef>
-      <a:fillRef idx="1">
-        <a:scrgbClr r="0" g="0" b="0"/>
-      </a:fillRef>
-      <a:effectRef idx="0">
-        <a:scrgbClr r="0" g="0" b="0"/>
-      </a:effectRef>
-      <a:fontRef idx="minor"/>
-    </dgm:style>
-  </dgm:styleLbl>
-  <dgm:styleLbl name="fgShp">
-    <dgm:scene3d>
-      <a:camera prst="orthographicFront"/>
-      <a:lightRig rig="threePt" dir="t"/>
-    </dgm:scene3d>
-    <dgm:sp3d/>
-    <dgm:txPr/>
-    <dgm:style>
-      <a:lnRef idx="2">
-        <a:scrgbClr r="0" g="0" b="0"/>
-      </a:lnRef>
-      <a:fillRef idx="1">
-        <a:scrgbClr r="0" g="0" b="0"/>
-      </a:fillRef>
-      <a:effectRef idx="0">
-        <a:scrgbClr r="0" g="0" b="0"/>
-      </a:effectRef>
-      <a:fontRef idx="minor"/>
-    </dgm:style>
-  </dgm:styleLbl>
-  <dgm:styleLbl name="revTx">
-    <dgm:scene3d>
-      <a:camera prst="orthographicFront"/>
-      <a:lightRig rig="threePt" dir="t"/>
-    </dgm:scene3d>
-    <dgm:sp3d/>
-    <dgm:txPr/>
-    <dgm:style>
-      <a:lnRef idx="0">
-        <a:scrgbClr r="0" g="0" b="0"/>
-      </a:lnRef>
-      <a:fillRef idx="0">
-        <a:scrgbClr r="0" g="0" b="0"/>
-      </a:fillRef>
-      <a:effectRef idx="0">
-        <a:scrgbClr r="0" g="0" b="0"/>
-      </a:effectRef>
-      <a:fontRef idx="minor"/>
-    </dgm:style>
-  </dgm:styleLbl>
-</dgm:styleDef>
-</file>
-
 <file path=ppt/handoutMasters/handoutMaster1.xml><?xml version="1.0" encoding="utf-8"?>
 <p:handoutMaster xmlns:a="http://schemas.openxmlformats.org/drawingml/2006/main" xmlns:r="http://schemas.openxmlformats.org/officeDocument/2006/relationships" xmlns:p="http://schemas.openxmlformats.org/presentationml/2006/main">
   <p:cSld>
@@ -4341,7 +1622,7 @@
             <a:pPr rtl="0"/>
             <a:fld id="{F769B0D5-7F55-455B-B769-84B61581E250}" type="datetime1">
               <a:rPr lang="pt-BR" smtClean="0"/>
-              <a:t>22/04/2019</a:t>
+              <a:t>23/04/2019</a:t>
             </a:fld>
             <a:endParaRPr lang="pt-BR" dirty="0"/>
           </a:p>
@@ -4511,7 +1792,7 @@
             <a:pPr rtl="0"/>
             <a:fld id="{1AFE56F6-A70B-491B-A989-29E38C94819E}" type="datetime1">
               <a:rPr lang="pt-BR" noProof="0" smtClean="0"/>
-              <a:t>22/04/2019</a:t>
+              <a:t>23/04/2019</a:t>
             </a:fld>
             <a:endParaRPr lang="pt-BR" noProof="0" dirty="0"/>
           </a:p>
@@ -4878,601 +2159,6 @@
 </p:notes>
 </file>
 
-<file path=ppt/notesSlides/notesSlide10.xml><?xml version="1.0" encoding="utf-8"?>
-<p:notes xmlns:a="http://schemas.openxmlformats.org/drawingml/2006/main" xmlns:r="http://schemas.openxmlformats.org/officeDocument/2006/relationships" xmlns:p="http://schemas.openxmlformats.org/presentationml/2006/main">
-  <p:cSld>
-    <p:spTree>
-      <p:nvGrpSpPr>
-        <p:cNvPr id="1" name=""/>
-        <p:cNvGrpSpPr/>
-        <p:nvPr/>
-      </p:nvGrpSpPr>
-      <p:grpSpPr>
-        <a:xfrm>
-          <a:off x="0" y="0"/>
-          <a:ext cx="0" cy="0"/>
-          <a:chOff x="0" y="0"/>
-          <a:chExt cx="0" cy="0"/>
-        </a:xfrm>
-      </p:grpSpPr>
-      <p:sp>
-        <p:nvSpPr>
-          <p:cNvPr id="2" name="Espaço Reservado para Imagem de Slide 1"/>
-          <p:cNvSpPr>
-            <a:spLocks noGrp="1" noRot="1" noChangeAspect="1"/>
-          </p:cNvSpPr>
-          <p:nvPr>
-            <p:ph type="sldImg"/>
-          </p:nvPr>
-        </p:nvSpPr>
-        <p:spPr/>
-      </p:sp>
-      <p:sp>
-        <p:nvSpPr>
-          <p:cNvPr id="3" name="Espaço Reservado para Anotações 2"/>
-          <p:cNvSpPr>
-            <a:spLocks noGrp="1"/>
-          </p:cNvSpPr>
-          <p:nvPr>
-            <p:ph type="body" idx="1"/>
-          </p:nvPr>
-        </p:nvSpPr>
-        <p:spPr/>
-        <p:txBody>
-          <a:bodyPr/>
-          <a:lstStyle/>
-          <a:p>
-            <a:endParaRPr lang="pt-BR" dirty="0"/>
-          </a:p>
-        </p:txBody>
-      </p:sp>
-      <p:sp>
-        <p:nvSpPr>
-          <p:cNvPr id="4" name="Espaço Reservado para Número de Slide 3"/>
-          <p:cNvSpPr>
-            <a:spLocks noGrp="1"/>
-          </p:cNvSpPr>
-          <p:nvPr>
-            <p:ph type="sldNum" sz="quarter" idx="10"/>
-          </p:nvPr>
-        </p:nvSpPr>
-        <p:spPr/>
-        <p:txBody>
-          <a:bodyPr/>
-          <a:lstStyle/>
-          <a:p>
-            <a:pPr rtl="0"/>
-            <a:fld id="{1B9A179D-2D27-49E2-B022-8EDDA2EFE682}" type="slidenum">
-              <a:rPr lang="pt-BR" smtClean="0"/>
-              <a:t>14</a:t>
-            </a:fld>
-            <a:endParaRPr lang="pt-BR" dirty="0"/>
-          </a:p>
-        </p:txBody>
-      </p:sp>
-    </p:spTree>
-    <p:extLst>
-      <p:ext uri="{BB962C8B-B14F-4D97-AF65-F5344CB8AC3E}">
-        <p14:creationId xmlns:p14="http://schemas.microsoft.com/office/powerpoint/2010/main" val="4155057352"/>
-      </p:ext>
-    </p:extLst>
-  </p:cSld>
-  <p:clrMapOvr>
-    <a:masterClrMapping/>
-  </p:clrMapOvr>
-</p:notes>
-</file>
-
-<file path=ppt/notesSlides/notesSlide11.xml><?xml version="1.0" encoding="utf-8"?>
-<p:notes xmlns:a="http://schemas.openxmlformats.org/drawingml/2006/main" xmlns:r="http://schemas.openxmlformats.org/officeDocument/2006/relationships" xmlns:p="http://schemas.openxmlformats.org/presentationml/2006/main">
-  <p:cSld>
-    <p:spTree>
-      <p:nvGrpSpPr>
-        <p:cNvPr id="1" name=""/>
-        <p:cNvGrpSpPr/>
-        <p:nvPr/>
-      </p:nvGrpSpPr>
-      <p:grpSpPr>
-        <a:xfrm>
-          <a:off x="0" y="0"/>
-          <a:ext cx="0" cy="0"/>
-          <a:chOff x="0" y="0"/>
-          <a:chExt cx="0" cy="0"/>
-        </a:xfrm>
-      </p:grpSpPr>
-      <p:sp>
-        <p:nvSpPr>
-          <p:cNvPr id="2" name="Espaço Reservado para Imagem de Slide 1"/>
-          <p:cNvSpPr>
-            <a:spLocks noGrp="1" noRot="1" noChangeAspect="1"/>
-          </p:cNvSpPr>
-          <p:nvPr>
-            <p:ph type="sldImg"/>
-          </p:nvPr>
-        </p:nvSpPr>
-        <p:spPr/>
-      </p:sp>
-      <p:sp>
-        <p:nvSpPr>
-          <p:cNvPr id="3" name="Espaço Reservado para Anotações 2"/>
-          <p:cNvSpPr>
-            <a:spLocks noGrp="1"/>
-          </p:cNvSpPr>
-          <p:nvPr>
-            <p:ph type="body" idx="1"/>
-          </p:nvPr>
-        </p:nvSpPr>
-        <p:spPr/>
-        <p:txBody>
-          <a:bodyPr/>
-          <a:lstStyle/>
-          <a:p>
-            <a:endParaRPr lang="pt-BR" dirty="0"/>
-          </a:p>
-        </p:txBody>
-      </p:sp>
-      <p:sp>
-        <p:nvSpPr>
-          <p:cNvPr id="4" name="Espaço Reservado para Número de Slide 3"/>
-          <p:cNvSpPr>
-            <a:spLocks noGrp="1"/>
-          </p:cNvSpPr>
-          <p:nvPr>
-            <p:ph type="sldNum" sz="quarter" idx="10"/>
-          </p:nvPr>
-        </p:nvSpPr>
-        <p:spPr/>
-        <p:txBody>
-          <a:bodyPr/>
-          <a:lstStyle/>
-          <a:p>
-            <a:pPr rtl="0"/>
-            <a:fld id="{1B9A179D-2D27-49E2-B022-8EDDA2EFE682}" type="slidenum">
-              <a:rPr lang="pt-BR" smtClean="0"/>
-              <a:t>15</a:t>
-            </a:fld>
-            <a:endParaRPr lang="pt-BR" dirty="0"/>
-          </a:p>
-        </p:txBody>
-      </p:sp>
-    </p:spTree>
-    <p:extLst>
-      <p:ext uri="{BB962C8B-B14F-4D97-AF65-F5344CB8AC3E}">
-        <p14:creationId xmlns:p14="http://schemas.microsoft.com/office/powerpoint/2010/main" val="3094019052"/>
-      </p:ext>
-    </p:extLst>
-  </p:cSld>
-  <p:clrMapOvr>
-    <a:masterClrMapping/>
-  </p:clrMapOvr>
-</p:notes>
-</file>
-
-<file path=ppt/notesSlides/notesSlide12.xml><?xml version="1.0" encoding="utf-8"?>
-<p:notes xmlns:a="http://schemas.openxmlformats.org/drawingml/2006/main" xmlns:r="http://schemas.openxmlformats.org/officeDocument/2006/relationships" xmlns:p="http://schemas.openxmlformats.org/presentationml/2006/main">
-  <p:cSld>
-    <p:spTree>
-      <p:nvGrpSpPr>
-        <p:cNvPr id="1" name=""/>
-        <p:cNvGrpSpPr/>
-        <p:nvPr/>
-      </p:nvGrpSpPr>
-      <p:grpSpPr>
-        <a:xfrm>
-          <a:off x="0" y="0"/>
-          <a:ext cx="0" cy="0"/>
-          <a:chOff x="0" y="0"/>
-          <a:chExt cx="0" cy="0"/>
-        </a:xfrm>
-      </p:grpSpPr>
-      <p:sp>
-        <p:nvSpPr>
-          <p:cNvPr id="2" name="Espaço Reservado para Imagem de Slide 1"/>
-          <p:cNvSpPr>
-            <a:spLocks noGrp="1" noRot="1" noChangeAspect="1"/>
-          </p:cNvSpPr>
-          <p:nvPr>
-            <p:ph type="sldImg"/>
-          </p:nvPr>
-        </p:nvSpPr>
-        <p:spPr/>
-      </p:sp>
-      <p:sp>
-        <p:nvSpPr>
-          <p:cNvPr id="3" name="Espaço Reservado para Anotações 2"/>
-          <p:cNvSpPr>
-            <a:spLocks noGrp="1"/>
-          </p:cNvSpPr>
-          <p:nvPr>
-            <p:ph type="body" idx="1"/>
-          </p:nvPr>
-        </p:nvSpPr>
-        <p:spPr/>
-        <p:txBody>
-          <a:bodyPr/>
-          <a:lstStyle/>
-          <a:p>
-            <a:endParaRPr lang="pt-BR" dirty="0"/>
-          </a:p>
-        </p:txBody>
-      </p:sp>
-      <p:sp>
-        <p:nvSpPr>
-          <p:cNvPr id="4" name="Espaço Reservado para Número de Slide 3"/>
-          <p:cNvSpPr>
-            <a:spLocks noGrp="1"/>
-          </p:cNvSpPr>
-          <p:nvPr>
-            <p:ph type="sldNum" sz="quarter" idx="10"/>
-          </p:nvPr>
-        </p:nvSpPr>
-        <p:spPr/>
-        <p:txBody>
-          <a:bodyPr/>
-          <a:lstStyle/>
-          <a:p>
-            <a:pPr rtl="0"/>
-            <a:fld id="{1B9A179D-2D27-49E2-B022-8EDDA2EFE682}" type="slidenum">
-              <a:rPr lang="pt-BR" smtClean="0"/>
-              <a:t>16</a:t>
-            </a:fld>
-            <a:endParaRPr lang="pt-BR" dirty="0"/>
-          </a:p>
-        </p:txBody>
-      </p:sp>
-    </p:spTree>
-    <p:extLst>
-      <p:ext uri="{BB962C8B-B14F-4D97-AF65-F5344CB8AC3E}">
-        <p14:creationId xmlns:p14="http://schemas.microsoft.com/office/powerpoint/2010/main" val="1405629098"/>
-      </p:ext>
-    </p:extLst>
-  </p:cSld>
-  <p:clrMapOvr>
-    <a:masterClrMapping/>
-  </p:clrMapOvr>
-</p:notes>
-</file>
-
-<file path=ppt/notesSlides/notesSlide13.xml><?xml version="1.0" encoding="utf-8"?>
-<p:notes xmlns:a="http://schemas.openxmlformats.org/drawingml/2006/main" xmlns:r="http://schemas.openxmlformats.org/officeDocument/2006/relationships" xmlns:p="http://schemas.openxmlformats.org/presentationml/2006/main">
-  <p:cSld>
-    <p:spTree>
-      <p:nvGrpSpPr>
-        <p:cNvPr id="1" name=""/>
-        <p:cNvGrpSpPr/>
-        <p:nvPr/>
-      </p:nvGrpSpPr>
-      <p:grpSpPr>
-        <a:xfrm>
-          <a:off x="0" y="0"/>
-          <a:ext cx="0" cy="0"/>
-          <a:chOff x="0" y="0"/>
-          <a:chExt cx="0" cy="0"/>
-        </a:xfrm>
-      </p:grpSpPr>
-      <p:sp>
-        <p:nvSpPr>
-          <p:cNvPr id="2" name="Espaço Reservado para Imagem de Slide 1"/>
-          <p:cNvSpPr>
-            <a:spLocks noGrp="1" noRot="1" noChangeAspect="1"/>
-          </p:cNvSpPr>
-          <p:nvPr>
-            <p:ph type="sldImg"/>
-          </p:nvPr>
-        </p:nvSpPr>
-        <p:spPr/>
-      </p:sp>
-      <p:sp>
-        <p:nvSpPr>
-          <p:cNvPr id="3" name="Espaço Reservado para Anotações 2"/>
-          <p:cNvSpPr>
-            <a:spLocks noGrp="1"/>
-          </p:cNvSpPr>
-          <p:nvPr>
-            <p:ph type="body" idx="1"/>
-          </p:nvPr>
-        </p:nvSpPr>
-        <p:spPr/>
-        <p:txBody>
-          <a:bodyPr/>
-          <a:lstStyle/>
-          <a:p>
-            <a:endParaRPr lang="pt-BR" dirty="0"/>
-          </a:p>
-        </p:txBody>
-      </p:sp>
-      <p:sp>
-        <p:nvSpPr>
-          <p:cNvPr id="4" name="Espaço Reservado para Número de Slide 3"/>
-          <p:cNvSpPr>
-            <a:spLocks noGrp="1"/>
-          </p:cNvSpPr>
-          <p:nvPr>
-            <p:ph type="sldNum" sz="quarter" idx="10"/>
-          </p:nvPr>
-        </p:nvSpPr>
-        <p:spPr/>
-        <p:txBody>
-          <a:bodyPr/>
-          <a:lstStyle/>
-          <a:p>
-            <a:pPr rtl="0"/>
-            <a:fld id="{1B9A179D-2D27-49E2-B022-8EDDA2EFE682}" type="slidenum">
-              <a:rPr lang="pt-BR" smtClean="0"/>
-              <a:t>17</a:t>
-            </a:fld>
-            <a:endParaRPr lang="pt-BR" dirty="0"/>
-          </a:p>
-        </p:txBody>
-      </p:sp>
-    </p:spTree>
-    <p:extLst>
-      <p:ext uri="{BB962C8B-B14F-4D97-AF65-F5344CB8AC3E}">
-        <p14:creationId xmlns:p14="http://schemas.microsoft.com/office/powerpoint/2010/main" val="3584379344"/>
-      </p:ext>
-    </p:extLst>
-  </p:cSld>
-  <p:clrMapOvr>
-    <a:masterClrMapping/>
-  </p:clrMapOvr>
-</p:notes>
-</file>
-
-<file path=ppt/notesSlides/notesSlide14.xml><?xml version="1.0" encoding="utf-8"?>
-<p:notes xmlns:a="http://schemas.openxmlformats.org/drawingml/2006/main" xmlns:r="http://schemas.openxmlformats.org/officeDocument/2006/relationships" xmlns:p="http://schemas.openxmlformats.org/presentationml/2006/main">
-  <p:cSld>
-    <p:spTree>
-      <p:nvGrpSpPr>
-        <p:cNvPr id="1" name=""/>
-        <p:cNvGrpSpPr/>
-        <p:nvPr/>
-      </p:nvGrpSpPr>
-      <p:grpSpPr>
-        <a:xfrm>
-          <a:off x="0" y="0"/>
-          <a:ext cx="0" cy="0"/>
-          <a:chOff x="0" y="0"/>
-          <a:chExt cx="0" cy="0"/>
-        </a:xfrm>
-      </p:grpSpPr>
-      <p:sp>
-        <p:nvSpPr>
-          <p:cNvPr id="2" name="Espaço Reservado para Imagem de Slide 1"/>
-          <p:cNvSpPr>
-            <a:spLocks noGrp="1" noRot="1" noChangeAspect="1"/>
-          </p:cNvSpPr>
-          <p:nvPr>
-            <p:ph type="sldImg"/>
-          </p:nvPr>
-        </p:nvSpPr>
-        <p:spPr/>
-      </p:sp>
-      <p:sp>
-        <p:nvSpPr>
-          <p:cNvPr id="3" name="Espaço Reservado para Anotações 2"/>
-          <p:cNvSpPr>
-            <a:spLocks noGrp="1"/>
-          </p:cNvSpPr>
-          <p:nvPr>
-            <p:ph type="body" idx="1"/>
-          </p:nvPr>
-        </p:nvSpPr>
-        <p:spPr/>
-        <p:txBody>
-          <a:bodyPr/>
-          <a:lstStyle/>
-          <a:p>
-            <a:endParaRPr lang="pt-BR" dirty="0"/>
-          </a:p>
-        </p:txBody>
-      </p:sp>
-      <p:sp>
-        <p:nvSpPr>
-          <p:cNvPr id="4" name="Espaço Reservado para Número de Slide 3"/>
-          <p:cNvSpPr>
-            <a:spLocks noGrp="1"/>
-          </p:cNvSpPr>
-          <p:nvPr>
-            <p:ph type="sldNum" sz="quarter" idx="10"/>
-          </p:nvPr>
-        </p:nvSpPr>
-        <p:spPr/>
-        <p:txBody>
-          <a:bodyPr/>
-          <a:lstStyle/>
-          <a:p>
-            <a:pPr rtl="0"/>
-            <a:fld id="{1B9A179D-2D27-49E2-B022-8EDDA2EFE682}" type="slidenum">
-              <a:rPr lang="pt-BR" smtClean="0"/>
-              <a:t>18</a:t>
-            </a:fld>
-            <a:endParaRPr lang="pt-BR" dirty="0"/>
-          </a:p>
-        </p:txBody>
-      </p:sp>
-    </p:spTree>
-    <p:extLst>
-      <p:ext uri="{BB962C8B-B14F-4D97-AF65-F5344CB8AC3E}">
-        <p14:creationId xmlns:p14="http://schemas.microsoft.com/office/powerpoint/2010/main" val="180770049"/>
-      </p:ext>
-    </p:extLst>
-  </p:cSld>
-  <p:clrMapOvr>
-    <a:masterClrMapping/>
-  </p:clrMapOvr>
-</p:notes>
-</file>
-
-<file path=ppt/notesSlides/notesSlide15.xml><?xml version="1.0" encoding="utf-8"?>
-<p:notes xmlns:a="http://schemas.openxmlformats.org/drawingml/2006/main" xmlns:r="http://schemas.openxmlformats.org/officeDocument/2006/relationships" xmlns:p="http://schemas.openxmlformats.org/presentationml/2006/main">
-  <p:cSld>
-    <p:spTree>
-      <p:nvGrpSpPr>
-        <p:cNvPr id="1" name=""/>
-        <p:cNvGrpSpPr/>
-        <p:nvPr/>
-      </p:nvGrpSpPr>
-      <p:grpSpPr>
-        <a:xfrm>
-          <a:off x="0" y="0"/>
-          <a:ext cx="0" cy="0"/>
-          <a:chOff x="0" y="0"/>
-          <a:chExt cx="0" cy="0"/>
-        </a:xfrm>
-      </p:grpSpPr>
-      <p:sp>
-        <p:nvSpPr>
-          <p:cNvPr id="2" name="Espaço Reservado para Imagem de Slide 1"/>
-          <p:cNvSpPr>
-            <a:spLocks noGrp="1" noRot="1" noChangeAspect="1"/>
-          </p:cNvSpPr>
-          <p:nvPr>
-            <p:ph type="sldImg"/>
-          </p:nvPr>
-        </p:nvSpPr>
-        <p:spPr/>
-      </p:sp>
-      <p:sp>
-        <p:nvSpPr>
-          <p:cNvPr id="3" name="Espaço Reservado para Anotações 2"/>
-          <p:cNvSpPr>
-            <a:spLocks noGrp="1"/>
-          </p:cNvSpPr>
-          <p:nvPr>
-            <p:ph type="body" idx="1"/>
-          </p:nvPr>
-        </p:nvSpPr>
-        <p:spPr/>
-        <p:txBody>
-          <a:bodyPr/>
-          <a:lstStyle/>
-          <a:p>
-            <a:endParaRPr lang="pt-BR" dirty="0"/>
-          </a:p>
-        </p:txBody>
-      </p:sp>
-      <p:sp>
-        <p:nvSpPr>
-          <p:cNvPr id="4" name="Espaço Reservado para Número de Slide 3"/>
-          <p:cNvSpPr>
-            <a:spLocks noGrp="1"/>
-          </p:cNvSpPr>
-          <p:nvPr>
-            <p:ph type="sldNum" sz="quarter" idx="10"/>
-          </p:nvPr>
-        </p:nvSpPr>
-        <p:spPr/>
-        <p:txBody>
-          <a:bodyPr/>
-          <a:lstStyle/>
-          <a:p>
-            <a:pPr rtl="0"/>
-            <a:fld id="{1B9A179D-2D27-49E2-B022-8EDDA2EFE682}" type="slidenum">
-              <a:rPr lang="pt-BR" smtClean="0"/>
-              <a:t>19</a:t>
-            </a:fld>
-            <a:endParaRPr lang="pt-BR" dirty="0"/>
-          </a:p>
-        </p:txBody>
-      </p:sp>
-    </p:spTree>
-    <p:extLst>
-      <p:ext uri="{BB962C8B-B14F-4D97-AF65-F5344CB8AC3E}">
-        <p14:creationId xmlns:p14="http://schemas.microsoft.com/office/powerpoint/2010/main" val="791221967"/>
-      </p:ext>
-    </p:extLst>
-  </p:cSld>
-  <p:clrMapOvr>
-    <a:masterClrMapping/>
-  </p:clrMapOvr>
-</p:notes>
-</file>
-
-<file path=ppt/notesSlides/notesSlide16.xml><?xml version="1.0" encoding="utf-8"?>
-<p:notes xmlns:a="http://schemas.openxmlformats.org/drawingml/2006/main" xmlns:r="http://schemas.openxmlformats.org/officeDocument/2006/relationships" xmlns:p="http://schemas.openxmlformats.org/presentationml/2006/main">
-  <p:cSld>
-    <p:spTree>
-      <p:nvGrpSpPr>
-        <p:cNvPr id="1" name=""/>
-        <p:cNvGrpSpPr/>
-        <p:nvPr/>
-      </p:nvGrpSpPr>
-      <p:grpSpPr>
-        <a:xfrm>
-          <a:off x="0" y="0"/>
-          <a:ext cx="0" cy="0"/>
-          <a:chOff x="0" y="0"/>
-          <a:chExt cx="0" cy="0"/>
-        </a:xfrm>
-      </p:grpSpPr>
-      <p:sp>
-        <p:nvSpPr>
-          <p:cNvPr id="2" name="Espaço Reservado para Imagem de Slide 1"/>
-          <p:cNvSpPr>
-            <a:spLocks noGrp="1" noRot="1" noChangeAspect="1"/>
-          </p:cNvSpPr>
-          <p:nvPr>
-            <p:ph type="sldImg"/>
-          </p:nvPr>
-        </p:nvSpPr>
-        <p:spPr/>
-      </p:sp>
-      <p:sp>
-        <p:nvSpPr>
-          <p:cNvPr id="3" name="Espaço Reservado para Anotações 2"/>
-          <p:cNvSpPr>
-            <a:spLocks noGrp="1"/>
-          </p:cNvSpPr>
-          <p:nvPr>
-            <p:ph type="body" idx="1"/>
-          </p:nvPr>
-        </p:nvSpPr>
-        <p:spPr/>
-        <p:txBody>
-          <a:bodyPr/>
-          <a:lstStyle/>
-          <a:p>
-            <a:endParaRPr lang="pt-BR" dirty="0"/>
-          </a:p>
-        </p:txBody>
-      </p:sp>
-      <p:sp>
-        <p:nvSpPr>
-          <p:cNvPr id="4" name="Espaço Reservado para Número de Slide 3"/>
-          <p:cNvSpPr>
-            <a:spLocks noGrp="1"/>
-          </p:cNvSpPr>
-          <p:nvPr>
-            <p:ph type="sldNum" sz="quarter" idx="10"/>
-          </p:nvPr>
-        </p:nvSpPr>
-        <p:spPr/>
-        <p:txBody>
-          <a:bodyPr/>
-          <a:lstStyle/>
-          <a:p>
-            <a:pPr rtl="0"/>
-            <a:fld id="{1B9A179D-2D27-49E2-B022-8EDDA2EFE682}" type="slidenum">
-              <a:rPr lang="pt-BR" smtClean="0"/>
-              <a:t>20</a:t>
-            </a:fld>
-            <a:endParaRPr lang="pt-BR" dirty="0"/>
-          </a:p>
-        </p:txBody>
-      </p:sp>
-    </p:spTree>
-    <p:extLst>
-      <p:ext uri="{BB962C8B-B14F-4D97-AF65-F5344CB8AC3E}">
-        <p14:creationId xmlns:p14="http://schemas.microsoft.com/office/powerpoint/2010/main" val="1980065458"/>
-      </p:ext>
-    </p:extLst>
-  </p:cSld>
-  <p:clrMapOvr>
-    <a:masterClrMapping/>
-  </p:clrMapOvr>
-</p:notes>
-</file>
-
 <file path=ppt/notesSlides/notesSlide2.xml><?xml version="1.0" encoding="utf-8"?>
 <p:notes xmlns:a="http://schemas.openxmlformats.org/drawingml/2006/main" xmlns:r="http://schemas.openxmlformats.org/officeDocument/2006/relationships" xmlns:p="http://schemas.openxmlformats.org/presentationml/2006/main">
   <p:cSld>
@@ -5928,7 +2614,7 @@
       </p:grpSpPr>
       <p:sp>
         <p:nvSpPr>
-          <p:cNvPr id="2" name="Espaço Reservado para Imagem de Slide 1"/>
+          <p:cNvPr id="2" name="Espaço reservado para a imagem do slide 1"/>
           <p:cNvSpPr>
             <a:spLocks noGrp="1" noRot="1" noChangeAspect="1"/>
           </p:cNvSpPr>
@@ -5940,7 +2626,7 @@
       </p:sp>
       <p:sp>
         <p:nvSpPr>
-          <p:cNvPr id="3" name="Espaço Reservado para Anotações 2"/>
+          <p:cNvPr id="3" name="Espaço reservado para anotações 2"/>
           <p:cNvSpPr>
             <a:spLocks noGrp="1"/>
           </p:cNvSpPr>
@@ -5950,16 +2636,27 @@
         </p:nvSpPr>
         <p:spPr/>
         <p:txBody>
-          <a:bodyPr/>
+          <a:bodyPr rtlCol="0"/>
           <a:lstStyle/>
           <a:p>
+            <a:pPr rtl="0"/>
+            <a:r>
+              <a:rPr lang="pt-BR" sz="1200" i="1" dirty="0">
+                <a:latin typeface="Arial" pitchFamily="34" charset="0"/>
+                <a:cs typeface="Arial" pitchFamily="34" charset="0"/>
+              </a:rPr>
+              <a:t>Para alterar a imagem no slide, selecione e exclua a imagem. Em seguida, use o ícone Imagens no espaço reservado para inserir sua própria imagem.</a:t>
+            </a:r>
+          </a:p>
+          <a:p>
+            <a:pPr rtl="0"/>
             <a:endParaRPr lang="pt-BR" dirty="0"/>
           </a:p>
         </p:txBody>
       </p:sp>
       <p:sp>
         <p:nvSpPr>
-          <p:cNvPr id="4" name="Espaço Reservado para Número de Slide 3"/>
+          <p:cNvPr id="4" name="Espaço reservado para o número do slide 3"/>
           <p:cNvSpPr>
             <a:spLocks noGrp="1"/>
           </p:cNvSpPr>
@@ -5969,13 +2666,13 @@
         </p:nvSpPr>
         <p:spPr/>
         <p:txBody>
-          <a:bodyPr/>
+          <a:bodyPr rtlCol="0"/>
           <a:lstStyle/>
           <a:p>
             <a:pPr rtl="0"/>
             <a:fld id="{1B9A179D-2D27-49E2-B022-8EDDA2EFE682}" type="slidenum">
               <a:rPr lang="pt-BR" smtClean="0"/>
-              <a:t>11</a:t>
+              <a:t>12</a:t>
             </a:fld>
             <a:endParaRPr lang="pt-BR" dirty="0"/>
           </a:p>
@@ -5984,7 +2681,7 @@
     </p:spTree>
     <p:extLst>
       <p:ext uri="{BB962C8B-B14F-4D97-AF65-F5344CB8AC3E}">
-        <p14:creationId xmlns:p14="http://schemas.microsoft.com/office/powerpoint/2010/main" val="730316551"/>
+        <p14:creationId xmlns:p14="http://schemas.microsoft.com/office/powerpoint/2010/main" val="3073107557"/>
       </p:ext>
     </p:extLst>
   </p:cSld>
@@ -6060,7 +2757,7 @@
             <a:pPr rtl="0"/>
             <a:fld id="{1B9A179D-2D27-49E2-B022-8EDDA2EFE682}" type="slidenum">
               <a:rPr lang="pt-BR" smtClean="0"/>
-              <a:t>12</a:t>
+              <a:t>13</a:t>
             </a:fld>
             <a:endParaRPr lang="pt-BR" dirty="0"/>
           </a:p>
@@ -6069,92 +2766,7 @@
     </p:spTree>
     <p:extLst>
       <p:ext uri="{BB962C8B-B14F-4D97-AF65-F5344CB8AC3E}">
-        <p14:creationId xmlns:p14="http://schemas.microsoft.com/office/powerpoint/2010/main" val="3579125351"/>
-      </p:ext>
-    </p:extLst>
-  </p:cSld>
-  <p:clrMapOvr>
-    <a:masterClrMapping/>
-  </p:clrMapOvr>
-</p:notes>
-</file>
-
-<file path=ppt/notesSlides/notesSlide9.xml><?xml version="1.0" encoding="utf-8"?>
-<p:notes xmlns:a="http://schemas.openxmlformats.org/drawingml/2006/main" xmlns:r="http://schemas.openxmlformats.org/officeDocument/2006/relationships" xmlns:p="http://schemas.openxmlformats.org/presentationml/2006/main">
-  <p:cSld>
-    <p:spTree>
-      <p:nvGrpSpPr>
-        <p:cNvPr id="1" name=""/>
-        <p:cNvGrpSpPr/>
-        <p:nvPr/>
-      </p:nvGrpSpPr>
-      <p:grpSpPr>
-        <a:xfrm>
-          <a:off x="0" y="0"/>
-          <a:ext cx="0" cy="0"/>
-          <a:chOff x="0" y="0"/>
-          <a:chExt cx="0" cy="0"/>
-        </a:xfrm>
-      </p:grpSpPr>
-      <p:sp>
-        <p:nvSpPr>
-          <p:cNvPr id="2" name="Espaço Reservado para Imagem de Slide 1"/>
-          <p:cNvSpPr>
-            <a:spLocks noGrp="1" noRot="1" noChangeAspect="1"/>
-          </p:cNvSpPr>
-          <p:nvPr>
-            <p:ph type="sldImg"/>
-          </p:nvPr>
-        </p:nvSpPr>
-        <p:spPr/>
-      </p:sp>
-      <p:sp>
-        <p:nvSpPr>
-          <p:cNvPr id="3" name="Espaço Reservado para Anotações 2"/>
-          <p:cNvSpPr>
-            <a:spLocks noGrp="1"/>
-          </p:cNvSpPr>
-          <p:nvPr>
-            <p:ph type="body" idx="1"/>
-          </p:nvPr>
-        </p:nvSpPr>
-        <p:spPr/>
-        <p:txBody>
-          <a:bodyPr/>
-          <a:lstStyle/>
-          <a:p>
-            <a:endParaRPr lang="pt-BR" dirty="0"/>
-          </a:p>
-        </p:txBody>
-      </p:sp>
-      <p:sp>
-        <p:nvSpPr>
-          <p:cNvPr id="4" name="Espaço Reservado para Número de Slide 3"/>
-          <p:cNvSpPr>
-            <a:spLocks noGrp="1"/>
-          </p:cNvSpPr>
-          <p:nvPr>
-            <p:ph type="sldNum" sz="quarter" idx="10"/>
-          </p:nvPr>
-        </p:nvSpPr>
-        <p:spPr/>
-        <p:txBody>
-          <a:bodyPr/>
-          <a:lstStyle/>
-          <a:p>
-            <a:pPr rtl="0"/>
-            <a:fld id="{1B9A179D-2D27-49E2-B022-8EDDA2EFE682}" type="slidenum">
-              <a:rPr lang="pt-BR" smtClean="0"/>
-              <a:t>13</a:t>
-            </a:fld>
-            <a:endParaRPr lang="pt-BR" dirty="0"/>
-          </a:p>
-        </p:txBody>
-      </p:sp>
-    </p:spTree>
-    <p:extLst>
-      <p:ext uri="{BB962C8B-B14F-4D97-AF65-F5344CB8AC3E}">
-        <p14:creationId xmlns:p14="http://schemas.microsoft.com/office/powerpoint/2010/main" val="715395530"/>
+        <p14:creationId xmlns:p14="http://schemas.microsoft.com/office/powerpoint/2010/main" val="3584379344"/>
       </p:ext>
     </p:extLst>
   </p:cSld>
@@ -6766,7 +3378,7 @@
             <a:pPr rtl="0"/>
             <a:fld id="{ED540BCD-A9BE-4069-AF5C-2A3DFF693F79}" type="datetime1">
               <a:rPr lang="pt-BR" noProof="0" smtClean="0"/>
-              <a:t>22/04/2019</a:t>
+              <a:t>23/04/2019</a:t>
             </a:fld>
             <a:endParaRPr lang="pt-BR" noProof="0" dirty="0"/>
           </a:p>
@@ -7380,7 +3992,7 @@
             <a:pPr rtl="0"/>
             <a:fld id="{1CECCB52-40C2-4E99-85EA-E8A293866E2D}" type="datetime1">
               <a:rPr lang="pt-BR" noProof="0" smtClean="0"/>
-              <a:t>22/04/2019</a:t>
+              <a:t>23/04/2019</a:t>
             </a:fld>
             <a:endParaRPr lang="pt-BR" noProof="0" dirty="0"/>
           </a:p>
@@ -7569,7 +4181,7 @@
             <a:pPr rtl="0"/>
             <a:fld id="{E24EF33E-C11E-476F-ABF9-879EF9D37700}" type="datetime1">
               <a:rPr lang="pt-BR" noProof="0" smtClean="0"/>
-              <a:t>22/04/2019</a:t>
+              <a:t>23/04/2019</a:t>
             </a:fld>
             <a:endParaRPr lang="pt-BR" noProof="0" dirty="0"/>
           </a:p>
@@ -7908,7 +4520,7 @@
             <a:pPr rtl="0"/>
             <a:fld id="{AF3A9F66-FD54-49C7-9D08-483FEB75E766}" type="datetime1">
               <a:rPr lang="pt-BR" noProof="0" smtClean="0"/>
-              <a:t>22/04/2019</a:t>
+              <a:t>23/04/2019</a:t>
             </a:fld>
             <a:endParaRPr lang="pt-BR" noProof="0" dirty="0"/>
           </a:p>
@@ -8106,7 +4718,7 @@
             <a:pPr rtl="0"/>
             <a:fld id="{B76F022E-73DC-465B-A81F-663C39E9C6BC}" type="datetime1">
               <a:rPr lang="pt-BR" noProof="0" smtClean="0"/>
-              <a:t>22/04/2019</a:t>
+              <a:t>23/04/2019</a:t>
             </a:fld>
             <a:endParaRPr lang="pt-BR" noProof="0" dirty="0"/>
           </a:p>
@@ -9287,7 +5899,7 @@
             <a:pPr rtl="0"/>
             <a:fld id="{D032D7E7-0E3D-42EA-B60A-46262A5D0676}" type="datetime1">
               <a:rPr lang="pt-BR" noProof="0" smtClean="0"/>
-              <a:t>22/04/2019</a:t>
+              <a:t>23/04/2019</a:t>
             </a:fld>
             <a:endParaRPr lang="pt-BR" noProof="0" dirty="0"/>
           </a:p>
@@ -9677,7 +6289,7 @@
             <a:pPr rtl="0"/>
             <a:fld id="{A0DCB2DA-9F14-430D-AF4F-64B6EB5E00E7}" type="datetime1">
               <a:rPr lang="pt-BR" noProof="0" smtClean="0"/>
-              <a:t>22/04/2019</a:t>
+              <a:t>23/04/2019</a:t>
             </a:fld>
             <a:endParaRPr lang="pt-BR" noProof="0" dirty="0"/>
           </a:p>
@@ -9814,7 +6426,7 @@
             <a:pPr rtl="0"/>
             <a:fld id="{58A91CED-09DA-4ECE-92C8-759A4ED95185}" type="datetime1">
               <a:rPr lang="pt-BR" noProof="0" smtClean="0"/>
-              <a:t>22/04/2019</a:t>
+              <a:t>23/04/2019</a:t>
             </a:fld>
             <a:endParaRPr lang="pt-BR" noProof="0" dirty="0"/>
           </a:p>
@@ -9927,7 +6539,7 @@
             <a:pPr rtl="0"/>
             <a:fld id="{84518F8F-CA65-4BFD-A461-B66071DAF05B}" type="datetime1">
               <a:rPr lang="pt-BR" noProof="0" smtClean="0"/>
-              <a:t>22/04/2019</a:t>
+              <a:t>23/04/2019</a:t>
             </a:fld>
             <a:endParaRPr lang="pt-BR" noProof="0" dirty="0"/>
           </a:p>
@@ -10225,7 +6837,7 @@
             <a:pPr rtl="0"/>
             <a:fld id="{1FF51EBE-146A-4C5F-B6C5-AA4426FEB226}" type="datetime1">
               <a:rPr lang="pt-BR" noProof="0" smtClean="0"/>
-              <a:t>22/04/2019</a:t>
+              <a:t>23/04/2019</a:t>
             </a:fld>
             <a:endParaRPr lang="pt-BR" noProof="0" dirty="0"/>
           </a:p>
@@ -10609,7 +7221,7 @@
             <a:pPr rtl="0"/>
             <a:fld id="{AF879DE6-BF0A-412B-BA5D-89651B90F81D}" type="datetime1">
               <a:rPr lang="pt-BR" noProof="0" smtClean="0"/>
-              <a:t>22/04/2019</a:t>
+              <a:t>23/04/2019</a:t>
             </a:fld>
             <a:endParaRPr lang="pt-BR" noProof="0" dirty="0"/>
           </a:p>
@@ -11125,11 +7737,11 @@
   <p:clrMapOvr>
     <a:masterClrMapping/>
   </p:clrMapOvr>
-  <mc:AlternateContent xmlns:mc="http://schemas.openxmlformats.org/markup-compatibility/2006">
-    <mc:Choice xmlns:p14="http://schemas.microsoft.com/office/powerpoint/2010/main" Requires="p14">
+  <mc:AlternateContent xmlns:mc="http://schemas.openxmlformats.org/markup-compatibility/2006" xmlns:p14="http://schemas.microsoft.com/office/powerpoint/2010/main">
+    <mc:Choice Requires="p14">
       <p:transition p14:dur="0"/>
     </mc:Choice>
-    <mc:Fallback>
+    <mc:Fallback xmlns="">
       <p:transition/>
     </mc:Fallback>
   </mc:AlternateContent>
@@ -11204,13 +7816,13 @@
   <p:clrMapOvr>
     <a:masterClrMapping/>
   </p:clrMapOvr>
-  <mc:AlternateContent xmlns:mc="http://schemas.openxmlformats.org/markup-compatibility/2006">
-    <mc:Choice xmlns:p159="http://schemas.microsoft.com/office/powerpoint/2015/09/main" Requires="p159">
+  <mc:AlternateContent xmlns:mc="http://schemas.openxmlformats.org/markup-compatibility/2006" xmlns:p159="http://schemas.microsoft.com/office/powerpoint/2015/09/main">
+    <mc:Choice Requires="p159">
       <p:transition xmlns:p14="http://schemas.microsoft.com/office/powerpoint/2010/main" spd="slow" p14:dur="2000">
         <p159:morph option="byObject"/>
       </p:transition>
     </mc:Choice>
-    <mc:Fallback>
+    <mc:Fallback xmlns="">
       <p:transition spd="slow">
         <p:fade/>
       </p:transition>
@@ -11236,12 +7848,41 @@
           <a:chExt cx="0" cy="0"/>
         </a:xfrm>
       </p:grpSpPr>
+      <p:sp>
+        <p:nvSpPr>
+          <p:cNvPr id="2" name="Título 1">
+            <a:extLst>
+              <a:ext uri="{FF2B5EF4-FFF2-40B4-BE49-F238E27FC236}">
+                <a16:creationId xmlns:a16="http://schemas.microsoft.com/office/drawing/2014/main" id="{B6BA8BC7-79FC-40A0-99FD-53A77D60C335}"/>
+              </a:ext>
+            </a:extLst>
+          </p:cNvPr>
+          <p:cNvSpPr>
+            <a:spLocks noGrp="1"/>
+          </p:cNvSpPr>
+          <p:nvPr>
+            <p:ph type="title"/>
+          </p:nvPr>
+        </p:nvSpPr>
+        <p:spPr/>
+        <p:txBody>
+          <a:bodyPr/>
+          <a:lstStyle/>
+          <a:p>
+            <a:pPr algn="ctr"/>
+            <a:r>
+              <a:rPr lang="pt-BR" dirty="0"/>
+              <a:t>Modelo Conceitual</a:t>
+            </a:r>
+          </a:p>
+        </p:txBody>
+      </p:sp>
       <p:pic>
         <p:nvPicPr>
-          <p:cNvPr id="6" name="Imagem 5">
+          <p:cNvPr id="13" name="Imagem 12" descr="Uma imagem contendo texto, mapa&#10;&#10;Descrição gerada automaticamente">
             <a:extLst>
               <a:ext uri="{FF2B5EF4-FFF2-40B4-BE49-F238E27FC236}">
-                <a16:creationId xmlns:a16="http://schemas.microsoft.com/office/drawing/2014/main" id="{84ED9CF0-A186-47EE-AD5A-9F1572E2E486}"/>
+                <a16:creationId xmlns:a16="http://schemas.microsoft.com/office/drawing/2014/main" id="{BCC8EF3F-DA6F-4E1C-BDE2-D694E9BD4029}"/>
               </a:ext>
             </a:extLst>
           </p:cNvPr>
@@ -11251,15 +7892,15 @@
           <p:nvPr/>
         </p:nvPicPr>
         <p:blipFill>
-          <a:blip r:embed="rId3"/>
+          <a:blip r:embed="rId2"/>
           <a:stretch>
             <a:fillRect/>
           </a:stretch>
         </p:blipFill>
         <p:spPr>
           <a:xfrm>
-            <a:off x="0" y="656367"/>
-            <a:ext cx="11958638" cy="5545265"/>
+            <a:off x="1883435" y="1520161"/>
+            <a:ext cx="8547143" cy="5337839"/>
           </a:xfrm>
           <a:prstGeom prst="rect">
             <a:avLst/>
@@ -11269,7 +7910,7 @@
     </p:spTree>
     <p:extLst>
       <p:ext uri="{BB962C8B-B14F-4D97-AF65-F5344CB8AC3E}">
-        <p14:creationId xmlns:p14="http://schemas.microsoft.com/office/powerpoint/2010/main" val="1636679273"/>
+        <p14:creationId xmlns:p14="http://schemas.microsoft.com/office/powerpoint/2010/main" val="3046735768"/>
       </p:ext>
     </p:extLst>
   </p:cSld>
@@ -11308,332 +7949,176 @@
           <a:chExt cx="0" cy="0"/>
         </a:xfrm>
       </p:grpSpPr>
-      <p:sp>
-        <p:nvSpPr>
-          <p:cNvPr id="2" name="Título 1"/>
-          <p:cNvSpPr>
-            <a:spLocks noGrp="1"/>
-          </p:cNvSpPr>
-          <p:nvPr>
-            <p:ph type="title"/>
-          </p:nvPr>
-        </p:nvSpPr>
+      <p:pic>
+        <p:nvPicPr>
+          <p:cNvPr id="21" name="Espaço Reservado para Imagem 20">
+            <a:extLst>
+              <a:ext uri="{FF2B5EF4-FFF2-40B4-BE49-F238E27FC236}">
+                <a16:creationId xmlns:a16="http://schemas.microsoft.com/office/drawing/2014/main" id="{B00D77EA-B76F-407C-B39A-DD5CADCB8884}"/>
+              </a:ext>
+            </a:extLst>
+          </p:cNvPr>
+          <p:cNvPicPr>
+            <a:picLocks noGrp="1" noChangeAspect="1"/>
+          </p:cNvPicPr>
+          <p:nvPr>
+            <p:ph type="pic" sz="quarter" idx="10"/>
+          </p:nvPr>
+        </p:nvPicPr>
+        <p:blipFill>
+          <a:blip r:embed="rId3"/>
+          <a:srcRect l="14533" r="14533"/>
+          <a:stretch>
+            <a:fillRect/>
+          </a:stretch>
+        </p:blipFill>
         <p:spPr/>
-        <p:txBody>
-          <a:bodyPr rtlCol="0"/>
+      </p:pic>
+      <p:sp>
+        <p:nvSpPr>
+          <p:cNvPr id="22" name="CaixaDeTexto 21">
+            <a:extLst>
+              <a:ext uri="{FF2B5EF4-FFF2-40B4-BE49-F238E27FC236}">
+                <a16:creationId xmlns:a16="http://schemas.microsoft.com/office/drawing/2014/main" id="{902BE623-A1E3-4A07-AC2E-F76A6029298C}"/>
+              </a:ext>
+            </a:extLst>
+          </p:cNvPr>
+          <p:cNvSpPr txBox="1"/>
+          <p:nvPr/>
+        </p:nvSpPr>
+        <p:spPr>
+          <a:xfrm>
+            <a:off x="2631715" y="2828835"/>
+            <a:ext cx="1698172" cy="1200329"/>
+          </a:xfrm>
+          <a:prstGeom prst="rect">
+            <a:avLst/>
+          </a:prstGeom>
+          <a:noFill/>
+        </p:spPr>
+        <p:txBody>
+          <a:bodyPr wrap="square" rtlCol="0">
+            <a:spAutoFit/>
+          </a:bodyPr>
           <a:lstStyle/>
           <a:p>
-            <a:pPr rtl="0"/>
-            <a:r>
-              <a:rPr lang="pt-BR" dirty="0"/>
-              <a:t>Dois layouts de conteúdo com tabela</a:t>
-            </a:r>
-          </a:p>
-        </p:txBody>
-      </p:sp>
-      <p:sp>
-        <p:nvSpPr>
-          <p:cNvPr id="3" name="Espaço reservado para conteúdo 2"/>
-          <p:cNvSpPr>
-            <a:spLocks noGrp="1"/>
-          </p:cNvSpPr>
-          <p:nvPr>
-            <p:ph sz="half" idx="1"/>
-          </p:nvPr>
-        </p:nvSpPr>
-        <p:spPr/>
-        <p:txBody>
-          <a:bodyPr rtlCol="0"/>
-          <a:lstStyle/>
-          <a:p>
-            <a:pPr rtl="0"/>
-            <a:r>
-              <a:rPr lang="pt-BR" dirty="0"/>
-              <a:t>Primeiro marcador aqui</a:t>
-            </a:r>
-          </a:p>
-          <a:p>
-            <a:pPr rtl="0"/>
-            <a:r>
-              <a:rPr lang="pt-BR" dirty="0"/>
-              <a:t>Segundo marcador aqui</a:t>
-            </a:r>
-          </a:p>
-          <a:p>
-            <a:pPr rtl="0"/>
-            <a:r>
-              <a:rPr lang="pt-BR" dirty="0"/>
-              <a:t>Terceiro marcador aqui</a:t>
-            </a:r>
-          </a:p>
-        </p:txBody>
-      </p:sp>
-      <p:graphicFrame>
-        <p:nvGraphicFramePr>
-          <p:cNvPr id="5" name="Espaço reservado para conteúdo 4"/>
-          <p:cNvGraphicFramePr>
-            <a:graphicFrameLocks noGrp="1"/>
-          </p:cNvGraphicFramePr>
-          <p:nvPr>
-            <p:ph sz="half" idx="2"/>
-            <p:extLst>
-              <p:ext uri="{D42A27DB-BD31-4B8C-83A1-F6EECF244321}">
-                <p14:modId xmlns:p14="http://schemas.microsoft.com/office/powerpoint/2010/main" val="1380289266"/>
-              </p:ext>
-            </p:extLst>
-          </p:nvPr>
-        </p:nvGraphicFramePr>
-        <p:xfrm>
-          <a:off x="6324600" y="1828800"/>
-          <a:ext cx="4572000" cy="2298700"/>
-        </p:xfrm>
-        <a:graphic>
-          <a:graphicData uri="http://schemas.openxmlformats.org/drawingml/2006/table">
-            <a:tbl>
-              <a:tblPr firstRow="1" bandRow="1">
-                <a:tableStyleId>{C4B1156A-380E-4F78-BDF5-A606A8083BF9}</a:tableStyleId>
-              </a:tblPr>
-              <a:tblGrid>
-                <a:gridCol w="1524000">
-                  <a:extLst>
-                    <a:ext uri="{9D8B030D-6E8A-4147-A177-3AD203B41FA5}">
-                      <a16:colId xmlns:a16="http://schemas.microsoft.com/office/drawing/2014/main" val="20000"/>
-                    </a:ext>
-                  </a:extLst>
-                </a:gridCol>
-                <a:gridCol w="1524000">
-                  <a:extLst>
-                    <a:ext uri="{9D8B030D-6E8A-4147-A177-3AD203B41FA5}">
-                      <a16:colId xmlns:a16="http://schemas.microsoft.com/office/drawing/2014/main" val="20001"/>
-                    </a:ext>
-                  </a:extLst>
-                </a:gridCol>
-                <a:gridCol w="1524000">
-                  <a:extLst>
-                    <a:ext uri="{9D8B030D-6E8A-4147-A177-3AD203B41FA5}">
-                      <a16:colId xmlns:a16="http://schemas.microsoft.com/office/drawing/2014/main" val="20002"/>
-                    </a:ext>
-                  </a:extLst>
-                </a:gridCol>
-              </a:tblGrid>
-              <a:tr h="574675">
-                <a:tc>
-                  <a:txBody>
-                    <a:bodyPr/>
-                    <a:lstStyle/>
-                    <a:p>
-                      <a:pPr algn="ctr" rtl="0"/>
-                      <a:r>
-                        <a:rPr lang="pt-BR" noProof="0" dirty="0"/>
-                        <a:t>Classe</a:t>
-                      </a:r>
-                    </a:p>
-                  </a:txBody>
-                  <a:tcPr anchor="ctr"/>
-                </a:tc>
-                <a:tc>
-                  <a:txBody>
-                    <a:bodyPr/>
-                    <a:lstStyle/>
-                    <a:p>
-                      <a:pPr algn="ctr" rtl="0"/>
-                      <a:r>
-                        <a:rPr lang="pt-BR" noProof="0" dirty="0"/>
-                        <a:t>Grupo A</a:t>
-                      </a:r>
-                    </a:p>
-                  </a:txBody>
-                  <a:tcPr anchor="ctr"/>
-                </a:tc>
-                <a:tc>
-                  <a:txBody>
-                    <a:bodyPr/>
-                    <a:lstStyle/>
-                    <a:p>
-                      <a:pPr algn="ctr" rtl="0"/>
-                      <a:r>
-                        <a:rPr lang="pt-BR" noProof="0" dirty="0"/>
-                        <a:t>Grupo B</a:t>
-                      </a:r>
-                    </a:p>
-                  </a:txBody>
-                  <a:tcPr anchor="ctr"/>
-                </a:tc>
-                <a:extLst>
-                  <a:ext uri="{0D108BD9-81ED-4DB2-BD59-A6C34878D82A}">
-                    <a16:rowId xmlns:a16="http://schemas.microsoft.com/office/drawing/2014/main" val="10000"/>
-                  </a:ext>
-                </a:extLst>
-              </a:tr>
-              <a:tr h="574675">
-                <a:tc>
-                  <a:txBody>
-                    <a:bodyPr/>
-                    <a:lstStyle/>
-                    <a:p>
-                      <a:pPr algn="ctr" rtl="0"/>
-                      <a:r>
-                        <a:rPr lang="pt-BR" noProof="0" dirty="0"/>
-                        <a:t>Classe 1</a:t>
-                      </a:r>
-                    </a:p>
-                  </a:txBody>
-                  <a:tcPr anchor="ctr"/>
-                </a:tc>
-                <a:tc>
-                  <a:txBody>
-                    <a:bodyPr/>
-                    <a:lstStyle/>
-                    <a:p>
-                      <a:pPr algn="ctr" rtl="0"/>
-                      <a:r>
-                        <a:rPr lang="pt-BR" noProof="0" dirty="0"/>
-                        <a:t>82</a:t>
-                      </a:r>
-                    </a:p>
-                  </a:txBody>
-                  <a:tcPr anchor="ctr"/>
-                </a:tc>
-                <a:tc>
-                  <a:txBody>
-                    <a:bodyPr/>
-                    <a:lstStyle/>
-                    <a:p>
-                      <a:pPr algn="ctr" rtl="0"/>
-                      <a:r>
-                        <a:rPr lang="pt-BR" noProof="0" dirty="0"/>
-                        <a:t>95</a:t>
-                      </a:r>
-                    </a:p>
-                  </a:txBody>
-                  <a:tcPr anchor="ctr"/>
-                </a:tc>
-                <a:extLst>
-                  <a:ext uri="{0D108BD9-81ED-4DB2-BD59-A6C34878D82A}">
-                    <a16:rowId xmlns:a16="http://schemas.microsoft.com/office/drawing/2014/main" val="10001"/>
-                  </a:ext>
-                </a:extLst>
-              </a:tr>
-              <a:tr h="574675">
-                <a:tc>
-                  <a:txBody>
-                    <a:bodyPr/>
-                    <a:lstStyle/>
-                    <a:p>
-                      <a:pPr algn="ctr" rtl="0"/>
-                      <a:r>
-                        <a:rPr lang="pt-BR" noProof="0" dirty="0"/>
-                        <a:t>Classe 2</a:t>
-                      </a:r>
-                    </a:p>
-                  </a:txBody>
-                  <a:tcPr anchor="ctr"/>
-                </a:tc>
-                <a:tc>
-                  <a:txBody>
-                    <a:bodyPr/>
-                    <a:lstStyle/>
-                    <a:p>
-                      <a:pPr algn="ctr" rtl="0"/>
-                      <a:r>
-                        <a:rPr lang="pt-BR" noProof="0" dirty="0"/>
-                        <a:t>76</a:t>
-                      </a:r>
-                    </a:p>
-                  </a:txBody>
-                  <a:tcPr anchor="ctr"/>
-                </a:tc>
-                <a:tc>
-                  <a:txBody>
-                    <a:bodyPr/>
-                    <a:lstStyle/>
-                    <a:p>
-                      <a:pPr algn="ctr" rtl="0"/>
-                      <a:r>
-                        <a:rPr lang="pt-BR" noProof="0" dirty="0"/>
-                        <a:t>88</a:t>
-                      </a:r>
-                    </a:p>
-                  </a:txBody>
-                  <a:tcPr anchor="ctr"/>
-                </a:tc>
-                <a:extLst>
-                  <a:ext uri="{0D108BD9-81ED-4DB2-BD59-A6C34878D82A}">
-                    <a16:rowId xmlns:a16="http://schemas.microsoft.com/office/drawing/2014/main" val="10002"/>
-                  </a:ext>
-                </a:extLst>
-              </a:tr>
-              <a:tr h="574675">
-                <a:tc>
-                  <a:txBody>
-                    <a:bodyPr/>
-                    <a:lstStyle/>
-                    <a:p>
-                      <a:pPr algn="ctr" rtl="0"/>
-                      <a:r>
-                        <a:rPr lang="pt-BR" noProof="0" dirty="0"/>
-                        <a:t>Classe 3</a:t>
-                      </a:r>
-                    </a:p>
-                  </a:txBody>
-                  <a:tcPr anchor="ctr"/>
-                </a:tc>
-                <a:tc>
-                  <a:txBody>
-                    <a:bodyPr/>
-                    <a:lstStyle/>
-                    <a:p>
-                      <a:pPr algn="ctr" rtl="0"/>
-                      <a:r>
-                        <a:rPr lang="pt-BR" noProof="0" dirty="0"/>
-                        <a:t>84</a:t>
-                      </a:r>
-                    </a:p>
-                  </a:txBody>
-                  <a:tcPr anchor="ctr"/>
-                </a:tc>
-                <a:tc>
-                  <a:txBody>
-                    <a:bodyPr/>
-                    <a:lstStyle/>
-                    <a:p>
-                      <a:pPr algn="ctr" rtl="0"/>
-                      <a:r>
-                        <a:rPr lang="pt-BR" noProof="0" dirty="0"/>
-                        <a:t>90</a:t>
-                      </a:r>
-                    </a:p>
-                  </a:txBody>
-                  <a:tcPr anchor="ctr"/>
-                </a:tc>
-                <a:extLst>
-                  <a:ext uri="{0D108BD9-81ED-4DB2-BD59-A6C34878D82A}">
-                    <a16:rowId xmlns:a16="http://schemas.microsoft.com/office/drawing/2014/main" val="10003"/>
-                  </a:ext>
-                </a:extLst>
-              </a:tr>
-            </a:tbl>
-          </a:graphicData>
-        </a:graphic>
-      </p:graphicFrame>
+            <a:r>
+              <a:rPr lang="pt-BR" sz="7200" dirty="0">
+                <a:latin typeface="+mj-lt"/>
+              </a:rPr>
+              <a:t>Site</a:t>
+            </a:r>
+          </a:p>
+        </p:txBody>
+      </p:sp>
+      <p:pic>
+        <p:nvPicPr>
+          <p:cNvPr id="23" name="Imagem 22" descr="Uma imagem contendo kit de primeiros socorros, objeto&#10;&#10;Descrição gerada automaticamente">
+            <a:extLst>
+              <a:ext uri="{FF2B5EF4-FFF2-40B4-BE49-F238E27FC236}">
+                <a16:creationId xmlns:a16="http://schemas.microsoft.com/office/drawing/2014/main" id="{6DC17BB4-0759-41E7-B2BE-3DF89DDE4C4C}"/>
+              </a:ext>
+            </a:extLst>
+          </p:cNvPr>
+          <p:cNvPicPr>
+            <a:picLocks noChangeAspect="1"/>
+          </p:cNvPicPr>
+          <p:nvPr/>
+        </p:nvPicPr>
+        <p:blipFill>
+          <a:blip r:embed="rId4"/>
+          <a:stretch>
+            <a:fillRect/>
+          </a:stretch>
+        </p:blipFill>
+        <p:spPr>
+          <a:xfrm>
+            <a:off x="1840641" y="648203"/>
+            <a:ext cx="3280320" cy="1924454"/>
+          </a:xfrm>
+          <a:prstGeom prst="rect">
+            <a:avLst/>
+          </a:prstGeom>
+        </p:spPr>
+      </p:pic>
+      <p:pic>
+        <p:nvPicPr>
+          <p:cNvPr id="24" name="Imagem 23">
+            <a:extLst>
+              <a:ext uri="{FF2B5EF4-FFF2-40B4-BE49-F238E27FC236}">
+                <a16:creationId xmlns:a16="http://schemas.microsoft.com/office/drawing/2014/main" id="{22A64E2A-410B-4755-9B4B-F1892A168FB0}"/>
+              </a:ext>
+            </a:extLst>
+          </p:cNvPr>
+          <p:cNvPicPr>
+            <a:picLocks noChangeAspect="1"/>
+          </p:cNvPicPr>
+          <p:nvPr/>
+        </p:nvPicPr>
+        <p:blipFill>
+          <a:blip r:embed="rId5"/>
+          <a:stretch>
+            <a:fillRect/>
+          </a:stretch>
+        </p:blipFill>
+        <p:spPr>
+          <a:xfrm>
+            <a:off x="4618870" y="4319196"/>
+            <a:ext cx="1477130" cy="1471383"/>
+          </a:xfrm>
+          <a:prstGeom prst="rect">
+            <a:avLst/>
+          </a:prstGeom>
+        </p:spPr>
+      </p:pic>
+      <p:pic>
+        <p:nvPicPr>
+          <p:cNvPr id="25" name="Imagem 24" descr="Uma imagem contendo gráficos vetoriais&#10;&#10;Descrição gerada automaticamente">
+            <a:extLst>
+              <a:ext uri="{FF2B5EF4-FFF2-40B4-BE49-F238E27FC236}">
+                <a16:creationId xmlns:a16="http://schemas.microsoft.com/office/drawing/2014/main" id="{49099B17-E2EA-40CD-824E-BFE69396FB30}"/>
+              </a:ext>
+            </a:extLst>
+          </p:cNvPr>
+          <p:cNvPicPr>
+            <a:picLocks noChangeAspect="1"/>
+          </p:cNvPicPr>
+          <p:nvPr/>
+        </p:nvPicPr>
+        <p:blipFill>
+          <a:blip r:embed="rId6"/>
+          <a:stretch>
+            <a:fillRect/>
+          </a:stretch>
+        </p:blipFill>
+        <p:spPr>
+          <a:xfrm>
+            <a:off x="421887" y="4319196"/>
+            <a:ext cx="2475688" cy="1721671"/>
+          </a:xfrm>
+          <a:prstGeom prst="rect">
+            <a:avLst/>
+          </a:prstGeom>
+        </p:spPr>
+      </p:pic>
     </p:spTree>
     <p:extLst>
       <p:ext uri="{BB962C8B-B14F-4D97-AF65-F5344CB8AC3E}">
-        <p14:creationId xmlns:p14="http://schemas.microsoft.com/office/powerpoint/2010/main" val="4213855386"/>
+        <p14:creationId xmlns:p14="http://schemas.microsoft.com/office/powerpoint/2010/main" val="2610932260"/>
       </p:ext>
     </p:extLst>
   </p:cSld>
   <p:clrMapOvr>
     <a:masterClrMapping/>
   </p:clrMapOvr>
-  <mc:AlternateContent xmlns:mc="http://schemas.openxmlformats.org/markup-compatibility/2006" xmlns:p14="http://schemas.microsoft.com/office/powerpoint/2010/main">
-    <mc:Choice Requires="p14">
-      <p:transition spd="med" p14:dur="700">
-        <p:fade/>
+  <mc:AlternateContent xmlns:mc="http://schemas.openxmlformats.org/markup-compatibility/2006" xmlns:p159="http://schemas.microsoft.com/office/powerpoint/2015/09/main">
+    <mc:Choice Requires="p159">
+      <p:transition xmlns:p14="http://schemas.microsoft.com/office/powerpoint/2010/main" spd="slow" p14:dur="2000">
+        <p159:morph option="byObject"/>
       </p:transition>
     </mc:Choice>
     <mc:Fallback xmlns="">
-      <p:transition spd="med">
+      <p:transition spd="slow">
         <p:fade/>
       </p:transition>
     </mc:Fallback>
@@ -11660,600 +8145,75 @@
       </p:grpSpPr>
       <p:sp>
         <p:nvSpPr>
-          <p:cNvPr id="2" name="Título 1"/>
-          <p:cNvSpPr>
-            <a:spLocks noGrp="1"/>
-          </p:cNvSpPr>
-          <p:nvPr>
-            <p:ph type="title"/>
-          </p:nvPr>
-        </p:nvSpPr>
-        <p:spPr/>
-        <p:txBody>
-          <a:bodyPr rtlCol="0"/>
+          <p:cNvPr id="2" name="CaixaDeTexto 1">
+            <a:extLst>
+              <a:ext uri="{FF2B5EF4-FFF2-40B4-BE49-F238E27FC236}">
+                <a16:creationId xmlns:a16="http://schemas.microsoft.com/office/drawing/2014/main" id="{C7EBAF95-491A-46BF-A664-BD73050A3B6B}"/>
+              </a:ext>
+            </a:extLst>
+          </p:cNvPr>
+          <p:cNvSpPr txBox="1"/>
+          <p:nvPr/>
+        </p:nvSpPr>
+        <p:spPr>
+          <a:xfrm>
+            <a:off x="1666875" y="3429001"/>
+            <a:ext cx="8858250" cy="1015663"/>
+          </a:xfrm>
+          <a:prstGeom prst="rect">
+            <a:avLst/>
+          </a:prstGeom>
+          <a:noFill/>
+        </p:spPr>
+        <p:txBody>
+          <a:bodyPr wrap="square" rtlCol="0">
+            <a:spAutoFit/>
+          </a:bodyPr>
           <a:lstStyle/>
           <a:p>
-            <a:pPr rtl="0"/>
-            <a:r>
-              <a:rPr lang="pt-BR" dirty="0"/>
-              <a:t>Título e layout de conteúdo com </a:t>
-            </a:r>
-            <a:r>
-              <a:rPr lang="pt-BR" dirty="0" err="1"/>
-              <a:t>SmartArt</a:t>
-            </a:r>
-            <a:endParaRPr lang="pt-BR" dirty="0"/>
-          </a:p>
-        </p:txBody>
-      </p:sp>
-      <p:graphicFrame>
-        <p:nvGraphicFramePr>
-          <p:cNvPr id="6" name="Espaço reservado para conteúdo 5" descr="Diagrama de Processo com divisa básico mostrando 4 etapas organizadas da esquerda para a direita"/>
-          <p:cNvGraphicFramePr>
-            <a:graphicFrameLocks noGrp="1"/>
-          </p:cNvGraphicFramePr>
-          <p:nvPr>
-            <p:ph idx="1"/>
-            <p:extLst>
-              <p:ext uri="{D42A27DB-BD31-4B8C-83A1-F6EECF244321}">
-                <p14:modId xmlns:p14="http://schemas.microsoft.com/office/powerpoint/2010/main" val="828014975"/>
-              </p:ext>
-            </p:extLst>
-          </p:nvPr>
-        </p:nvGraphicFramePr>
-        <p:xfrm>
-          <a:off x="1295400" y="1828800"/>
-          <a:ext cx="9601200" cy="4343400"/>
-        </p:xfrm>
-        <a:graphic>
-          <a:graphicData uri="http://schemas.openxmlformats.org/drawingml/2006/diagram">
-            <dgm:relIds xmlns:dgm="http://schemas.openxmlformats.org/drawingml/2006/diagram" xmlns:r="http://schemas.openxmlformats.org/officeDocument/2006/relationships" r:dm="rId3" r:lo="rId4" r:qs="rId5" r:cs="rId6"/>
-          </a:graphicData>
-        </a:graphic>
-      </p:graphicFrame>
-    </p:spTree>
-    <p:extLst>
-      <p:ext uri="{BB962C8B-B14F-4D97-AF65-F5344CB8AC3E}">
-        <p14:creationId xmlns:p14="http://schemas.microsoft.com/office/powerpoint/2010/main" val="3112142608"/>
-      </p:ext>
-    </p:extLst>
-  </p:cSld>
-  <p:clrMapOvr>
-    <a:masterClrMapping/>
-  </p:clrMapOvr>
-  <mc:AlternateContent xmlns:mc="http://schemas.openxmlformats.org/markup-compatibility/2006" xmlns:p14="http://schemas.microsoft.com/office/powerpoint/2010/main">
-    <mc:Choice Requires="p14">
-      <p:transition spd="med" p14:dur="700">
-        <p:fade/>
-      </p:transition>
-    </mc:Choice>
-    <mc:Fallback xmlns="">
-      <p:transition spd="med">
-        <p:fade/>
-      </p:transition>
-    </mc:Fallback>
-  </mc:AlternateContent>
-</p:sld>
-</file>
-
-<file path=ppt/slides/slide14.xml><?xml version="1.0" encoding="utf-8"?>
-<p:sld xmlns:a="http://schemas.openxmlformats.org/drawingml/2006/main" xmlns:r="http://schemas.openxmlformats.org/officeDocument/2006/relationships" xmlns:p="http://schemas.openxmlformats.org/presentationml/2006/main">
-  <p:cSld>
-    <p:spTree>
-      <p:nvGrpSpPr>
-        <p:cNvPr id="1" name=""/>
-        <p:cNvGrpSpPr/>
-        <p:nvPr/>
-      </p:nvGrpSpPr>
-      <p:grpSpPr>
-        <a:xfrm>
-          <a:off x="0" y="0"/>
-          <a:ext cx="0" cy="0"/>
-          <a:chOff x="0" y="0"/>
-          <a:chExt cx="0" cy="0"/>
-        </a:xfrm>
-      </p:grpSpPr>
-      <p:sp>
-        <p:nvSpPr>
-          <p:cNvPr id="2" name="Título 1"/>
-          <p:cNvSpPr>
-            <a:spLocks noGrp="1"/>
-          </p:cNvSpPr>
-          <p:nvPr>
-            <p:ph type="title"/>
-          </p:nvPr>
-        </p:nvSpPr>
-        <p:spPr/>
-        <p:txBody>
-          <a:bodyPr rtlCol="0"/>
-          <a:lstStyle/>
-          <a:p>
-            <a:pPr rtl="0"/>
-            <a:r>
-              <a:rPr lang="pt-BR" dirty="0"/>
-              <a:t>Adicionar título de slide – 2</a:t>
-            </a:r>
-          </a:p>
-        </p:txBody>
-      </p:sp>
-      <p:sp>
-        <p:nvSpPr>
-          <p:cNvPr id="4" name="Espaço reservado para texto 3"/>
-          <p:cNvSpPr>
-            <a:spLocks noGrp="1"/>
-          </p:cNvSpPr>
-          <p:nvPr>
-            <p:ph type="body" idx="1"/>
-          </p:nvPr>
-        </p:nvSpPr>
-        <p:spPr/>
-        <p:txBody>
-          <a:bodyPr rtlCol="0"/>
-          <a:lstStyle/>
-          <a:p>
-            <a:pPr rtl="0"/>
-            <a:endParaRPr lang="pt-BR" dirty="0"/>
-          </a:p>
-        </p:txBody>
-      </p:sp>
-    </p:spTree>
-    <p:extLst>
-      <p:ext uri="{BB962C8B-B14F-4D97-AF65-F5344CB8AC3E}">
-        <p14:creationId xmlns:p14="http://schemas.microsoft.com/office/powerpoint/2010/main" val="3374778722"/>
-      </p:ext>
-    </p:extLst>
-  </p:cSld>
-  <p:clrMapOvr>
-    <a:masterClrMapping/>
-  </p:clrMapOvr>
-  <mc:AlternateContent xmlns:mc="http://schemas.openxmlformats.org/markup-compatibility/2006" xmlns:p14="http://schemas.microsoft.com/office/powerpoint/2010/main">
-    <mc:Choice Requires="p14">
-      <p:transition spd="med" p14:dur="700">
-        <p:fade/>
-      </p:transition>
-    </mc:Choice>
-    <mc:Fallback xmlns="">
-      <p:transition spd="med">
-        <p:fade/>
-      </p:transition>
-    </mc:Fallback>
-  </mc:AlternateContent>
-</p:sld>
-</file>
-
-<file path=ppt/slides/slide15.xml><?xml version="1.0" encoding="utf-8"?>
-<p:sld xmlns:a="http://schemas.openxmlformats.org/drawingml/2006/main" xmlns:r="http://schemas.openxmlformats.org/officeDocument/2006/relationships" xmlns:p="http://schemas.openxmlformats.org/presentationml/2006/main">
-  <p:cSld>
-    <p:spTree>
-      <p:nvGrpSpPr>
-        <p:cNvPr id="1" name=""/>
-        <p:cNvGrpSpPr/>
-        <p:nvPr/>
-      </p:nvGrpSpPr>
-      <p:grpSpPr>
-        <a:xfrm>
-          <a:off x="0" y="0"/>
-          <a:ext cx="0" cy="0"/>
-          <a:chOff x="0" y="0"/>
-          <a:chExt cx="0" cy="0"/>
-        </a:xfrm>
-      </p:grpSpPr>
-      <p:sp>
-        <p:nvSpPr>
-          <p:cNvPr id="2" name="Título 1"/>
-          <p:cNvSpPr>
-            <a:spLocks noGrp="1"/>
-          </p:cNvSpPr>
-          <p:nvPr>
-            <p:ph type="title"/>
-          </p:nvPr>
-        </p:nvSpPr>
-        <p:spPr/>
-        <p:txBody>
-          <a:bodyPr rtlCol="0"/>
-          <a:lstStyle/>
-          <a:p>
-            <a:pPr rtl="0"/>
-            <a:r>
-              <a:rPr lang="pt-BR" dirty="0"/>
-              <a:t>Adicionar título de slide – 3</a:t>
-            </a:r>
-          </a:p>
-        </p:txBody>
-      </p:sp>
-      <p:sp>
-        <p:nvSpPr>
-          <p:cNvPr id="11" name="Espaço reservado para texto 10"/>
-          <p:cNvSpPr>
-            <a:spLocks noGrp="1"/>
-          </p:cNvSpPr>
-          <p:nvPr>
-            <p:ph type="body" idx="1"/>
-          </p:nvPr>
-        </p:nvSpPr>
-        <p:spPr/>
-        <p:txBody>
-          <a:bodyPr rtlCol="0"/>
-          <a:lstStyle/>
-          <a:p>
-            <a:pPr rtl="0"/>
-            <a:endParaRPr lang="pt-BR" dirty="0"/>
-          </a:p>
-        </p:txBody>
-      </p:sp>
-      <p:sp>
-        <p:nvSpPr>
-          <p:cNvPr id="12" name="Espaço reservado para conteúdo 11"/>
-          <p:cNvSpPr>
-            <a:spLocks noGrp="1"/>
-          </p:cNvSpPr>
-          <p:nvPr>
-            <p:ph sz="half" idx="2"/>
-          </p:nvPr>
-        </p:nvSpPr>
-        <p:spPr/>
-        <p:txBody>
-          <a:bodyPr rtlCol="0"/>
-          <a:lstStyle/>
-          <a:p>
-            <a:pPr rtl="0"/>
-            <a:endParaRPr lang="pt-BR" dirty="0"/>
-          </a:p>
-        </p:txBody>
-      </p:sp>
-      <p:sp>
-        <p:nvSpPr>
-          <p:cNvPr id="13" name="Espaço reservado para texto 12"/>
-          <p:cNvSpPr>
-            <a:spLocks noGrp="1"/>
-          </p:cNvSpPr>
-          <p:nvPr>
-            <p:ph type="body" sz="quarter" idx="3"/>
-          </p:nvPr>
-        </p:nvSpPr>
-        <p:spPr/>
-        <p:txBody>
-          <a:bodyPr rtlCol="0"/>
-          <a:lstStyle/>
-          <a:p>
-            <a:pPr rtl="0"/>
-            <a:endParaRPr lang="pt-BR" dirty="0"/>
-          </a:p>
-        </p:txBody>
-      </p:sp>
-      <p:sp>
-        <p:nvSpPr>
-          <p:cNvPr id="14" name="Espaço reservado para conteúdo 13"/>
-          <p:cNvSpPr>
-            <a:spLocks noGrp="1"/>
-          </p:cNvSpPr>
-          <p:nvPr>
-            <p:ph sz="quarter" idx="4"/>
-          </p:nvPr>
-        </p:nvSpPr>
-        <p:spPr/>
-        <p:txBody>
-          <a:bodyPr rtlCol="0"/>
-          <a:lstStyle/>
-          <a:p>
-            <a:pPr rtl="0"/>
-            <a:endParaRPr lang="pt-BR" dirty="0"/>
-          </a:p>
-        </p:txBody>
-      </p:sp>
-    </p:spTree>
-    <p:extLst>
-      <p:ext uri="{BB962C8B-B14F-4D97-AF65-F5344CB8AC3E}">
-        <p14:creationId xmlns:p14="http://schemas.microsoft.com/office/powerpoint/2010/main" val="737118897"/>
-      </p:ext>
-    </p:extLst>
-  </p:cSld>
-  <p:clrMapOvr>
-    <a:masterClrMapping/>
-  </p:clrMapOvr>
-  <mc:AlternateContent xmlns:mc="http://schemas.openxmlformats.org/markup-compatibility/2006" xmlns:p14="http://schemas.microsoft.com/office/powerpoint/2010/main">
-    <mc:Choice Requires="p14">
-      <p:transition spd="med" p14:dur="700">
-        <p:fade/>
-      </p:transition>
-    </mc:Choice>
-    <mc:Fallback xmlns="">
-      <p:transition spd="med">
-        <p:fade/>
-      </p:transition>
-    </mc:Fallback>
-  </mc:AlternateContent>
-</p:sld>
-</file>
-
-<file path=ppt/slides/slide16.xml><?xml version="1.0" encoding="utf-8"?>
-<p:sld xmlns:a="http://schemas.openxmlformats.org/drawingml/2006/main" xmlns:r="http://schemas.openxmlformats.org/officeDocument/2006/relationships" xmlns:p="http://schemas.openxmlformats.org/presentationml/2006/main">
-  <p:cSld>
-    <p:spTree>
-      <p:nvGrpSpPr>
-        <p:cNvPr id="1" name=""/>
-        <p:cNvGrpSpPr/>
-        <p:nvPr/>
-      </p:nvGrpSpPr>
-      <p:grpSpPr>
-        <a:xfrm>
-          <a:off x="0" y="0"/>
-          <a:ext cx="0" cy="0"/>
-          <a:chOff x="0" y="0"/>
-          <a:chExt cx="0" cy="0"/>
-        </a:xfrm>
-      </p:grpSpPr>
-      <p:sp>
-        <p:nvSpPr>
-          <p:cNvPr id="2" name="Título 1"/>
-          <p:cNvSpPr>
-            <a:spLocks noGrp="1"/>
-          </p:cNvSpPr>
-          <p:nvPr>
-            <p:ph type="title"/>
-          </p:nvPr>
-        </p:nvSpPr>
-        <p:spPr/>
-        <p:txBody>
-          <a:bodyPr rtlCol="0"/>
-          <a:lstStyle/>
-          <a:p>
-            <a:pPr rtl="0"/>
-            <a:r>
-              <a:rPr lang="pt-BR" dirty="0"/>
-              <a:t>Adicionar título de slide – 4</a:t>
-            </a:r>
-          </a:p>
-        </p:txBody>
-      </p:sp>
-    </p:spTree>
-    <p:extLst>
-      <p:ext uri="{BB962C8B-B14F-4D97-AF65-F5344CB8AC3E}">
-        <p14:creationId xmlns:p14="http://schemas.microsoft.com/office/powerpoint/2010/main" val="3061729273"/>
-      </p:ext>
-    </p:extLst>
-  </p:cSld>
-  <p:clrMapOvr>
-    <a:masterClrMapping/>
-  </p:clrMapOvr>
-  <mc:AlternateContent xmlns:mc="http://schemas.openxmlformats.org/markup-compatibility/2006" xmlns:p14="http://schemas.microsoft.com/office/powerpoint/2010/main">
-    <mc:Choice Requires="p14">
-      <p:transition spd="med" p14:dur="700">
-        <p:fade/>
-      </p:transition>
-    </mc:Choice>
-    <mc:Fallback xmlns="">
-      <p:transition spd="med">
-        <p:fade/>
-      </p:transition>
-    </mc:Fallback>
-  </mc:AlternateContent>
-</p:sld>
-</file>
-
-<file path=ppt/slides/slide17.xml><?xml version="1.0" encoding="utf-8"?>
-<p:sld xmlns:a="http://schemas.openxmlformats.org/drawingml/2006/main" xmlns:r="http://schemas.openxmlformats.org/officeDocument/2006/relationships" xmlns:p="http://schemas.openxmlformats.org/presentationml/2006/main">
-  <p:cSld>
-    <p:spTree>
-      <p:nvGrpSpPr>
-        <p:cNvPr id="1" name=""/>
-        <p:cNvGrpSpPr/>
-        <p:nvPr/>
-      </p:nvGrpSpPr>
-      <p:grpSpPr>
-        <a:xfrm>
-          <a:off x="0" y="0"/>
-          <a:ext cx="0" cy="0"/>
-          <a:chOff x="0" y="0"/>
-          <a:chExt cx="0" cy="0"/>
-        </a:xfrm>
-      </p:grpSpPr>
+            <a:pPr algn="ctr"/>
+            <a:r>
+              <a:rPr lang="pt-BR" sz="6000" dirty="0"/>
+              <a:t>Obrigado!</a:t>
+            </a:r>
+            <a:endParaRPr lang="pt-BR" sz="3200" dirty="0"/>
+          </a:p>
+        </p:txBody>
+      </p:sp>
+      <p:pic>
+        <p:nvPicPr>
+          <p:cNvPr id="3" name="Imagem 2">
+            <a:extLst>
+              <a:ext uri="{FF2B5EF4-FFF2-40B4-BE49-F238E27FC236}">
+                <a16:creationId xmlns:a16="http://schemas.microsoft.com/office/drawing/2014/main" id="{F1B17FEA-A433-4C8C-82BA-427BAA20A89F}"/>
+              </a:ext>
+            </a:extLst>
+          </p:cNvPr>
+          <p:cNvPicPr>
+            <a:picLocks noChangeAspect="1"/>
+          </p:cNvPicPr>
+          <p:nvPr/>
+        </p:nvPicPr>
+        <p:blipFill>
+          <a:blip r:embed="rId3"/>
+          <a:stretch>
+            <a:fillRect/>
+          </a:stretch>
+        </p:blipFill>
+        <p:spPr>
+          <a:xfrm>
+            <a:off x="2554629" y="1951988"/>
+            <a:ext cx="7082742" cy="1477011"/>
+          </a:xfrm>
+          <a:prstGeom prst="rect">
+            <a:avLst/>
+          </a:prstGeom>
+        </p:spPr>
+      </p:pic>
     </p:spTree>
     <p:extLst>
       <p:ext uri="{BB962C8B-B14F-4D97-AF65-F5344CB8AC3E}">
         <p14:creationId xmlns:p14="http://schemas.microsoft.com/office/powerpoint/2010/main" val="1455343978"/>
-      </p:ext>
-    </p:extLst>
-  </p:cSld>
-  <p:clrMapOvr>
-    <a:masterClrMapping/>
-  </p:clrMapOvr>
-  <mc:AlternateContent xmlns:mc="http://schemas.openxmlformats.org/markup-compatibility/2006" xmlns:p14="http://schemas.microsoft.com/office/powerpoint/2010/main">
-    <mc:Choice Requires="p14">
-      <p:transition spd="med" p14:dur="700">
-        <p:fade/>
-      </p:transition>
-    </mc:Choice>
-    <mc:Fallback xmlns="">
-      <p:transition spd="med">
-        <p:fade/>
-      </p:transition>
-    </mc:Fallback>
-  </mc:AlternateContent>
-</p:sld>
-</file>
-
-<file path=ppt/slides/slide18.xml><?xml version="1.0" encoding="utf-8"?>
-<p:sld xmlns:a="http://schemas.openxmlformats.org/drawingml/2006/main" xmlns:r="http://schemas.openxmlformats.org/officeDocument/2006/relationships" xmlns:p="http://schemas.openxmlformats.org/presentationml/2006/main">
-  <p:cSld>
-    <p:spTree>
-      <p:nvGrpSpPr>
-        <p:cNvPr id="1" name=""/>
-        <p:cNvGrpSpPr/>
-        <p:nvPr/>
-      </p:nvGrpSpPr>
-      <p:grpSpPr>
-        <a:xfrm>
-          <a:off x="0" y="0"/>
-          <a:ext cx="0" cy="0"/>
-          <a:chOff x="0" y="0"/>
-          <a:chExt cx="0" cy="0"/>
-        </a:xfrm>
-      </p:grpSpPr>
-      <p:sp>
-        <p:nvSpPr>
-          <p:cNvPr id="2" name="Título 1"/>
-          <p:cNvSpPr>
-            <a:spLocks noGrp="1"/>
-          </p:cNvSpPr>
-          <p:nvPr>
-            <p:ph type="title"/>
-          </p:nvPr>
-        </p:nvSpPr>
-        <p:spPr/>
-        <p:txBody>
-          <a:bodyPr rtlCol="0"/>
-          <a:lstStyle/>
-          <a:p>
-            <a:pPr rtl="0"/>
-            <a:r>
-              <a:rPr lang="pt-BR" dirty="0"/>
-              <a:t>Adicionar título de slide – 5</a:t>
-            </a:r>
-          </a:p>
-        </p:txBody>
-      </p:sp>
-      <p:sp>
-        <p:nvSpPr>
-          <p:cNvPr id="5" name="Espaço reservado para conteúdo 4"/>
-          <p:cNvSpPr>
-            <a:spLocks noGrp="1"/>
-          </p:cNvSpPr>
-          <p:nvPr>
-            <p:ph idx="1"/>
-          </p:nvPr>
-        </p:nvSpPr>
-        <p:spPr/>
-        <p:txBody>
-          <a:bodyPr rtlCol="0"/>
-          <a:lstStyle/>
-          <a:p>
-            <a:pPr rtl="0"/>
-            <a:endParaRPr lang="pt-BR" dirty="0"/>
-          </a:p>
-        </p:txBody>
-      </p:sp>
-      <p:sp>
-        <p:nvSpPr>
-          <p:cNvPr id="6" name="Espaço reservado para texto 5"/>
-          <p:cNvSpPr>
-            <a:spLocks noGrp="1"/>
-          </p:cNvSpPr>
-          <p:nvPr>
-            <p:ph type="body" sz="half" idx="2"/>
-          </p:nvPr>
-        </p:nvSpPr>
-        <p:spPr/>
-        <p:txBody>
-          <a:bodyPr rtlCol="0"/>
-          <a:lstStyle/>
-          <a:p>
-            <a:pPr rtl="0"/>
-            <a:endParaRPr lang="pt-BR" dirty="0"/>
-          </a:p>
-        </p:txBody>
-      </p:sp>
-    </p:spTree>
-    <p:extLst>
-      <p:ext uri="{BB962C8B-B14F-4D97-AF65-F5344CB8AC3E}">
-        <p14:creationId xmlns:p14="http://schemas.microsoft.com/office/powerpoint/2010/main" val="332843759"/>
-      </p:ext>
-    </p:extLst>
-  </p:cSld>
-  <p:clrMapOvr>
-    <a:masterClrMapping/>
-  </p:clrMapOvr>
-  <mc:AlternateContent xmlns:mc="http://schemas.openxmlformats.org/markup-compatibility/2006" xmlns:p14="http://schemas.microsoft.com/office/powerpoint/2010/main">
-    <mc:Choice Requires="p14">
-      <p:transition spd="med" p14:dur="700">
-        <p:fade/>
-      </p:transition>
-    </mc:Choice>
-    <mc:Fallback xmlns="">
-      <p:transition spd="med">
-        <p:fade/>
-      </p:transition>
-    </mc:Fallback>
-  </mc:AlternateContent>
-</p:sld>
-</file>
-
-<file path=ppt/slides/slide19.xml><?xml version="1.0" encoding="utf-8"?>
-<p:sld xmlns:a="http://schemas.openxmlformats.org/drawingml/2006/main" xmlns:r="http://schemas.openxmlformats.org/officeDocument/2006/relationships" xmlns:p="http://schemas.openxmlformats.org/presentationml/2006/main">
-  <p:cSld>
-    <p:spTree>
-      <p:nvGrpSpPr>
-        <p:cNvPr id="1" name=""/>
-        <p:cNvGrpSpPr/>
-        <p:nvPr/>
-      </p:nvGrpSpPr>
-      <p:grpSpPr>
-        <a:xfrm>
-          <a:off x="0" y="0"/>
-          <a:ext cx="0" cy="0"/>
-          <a:chOff x="0" y="0"/>
-          <a:chExt cx="0" cy="0"/>
-        </a:xfrm>
-      </p:grpSpPr>
-      <p:sp>
-        <p:nvSpPr>
-          <p:cNvPr id="2" name="Título 1"/>
-          <p:cNvSpPr>
-            <a:spLocks noGrp="1"/>
-          </p:cNvSpPr>
-          <p:nvPr>
-            <p:ph type="title"/>
-          </p:nvPr>
-        </p:nvSpPr>
-        <p:spPr/>
-        <p:txBody>
-          <a:bodyPr rtlCol="0"/>
-          <a:lstStyle/>
-          <a:p>
-            <a:pPr rtl="0"/>
-            <a:r>
-              <a:rPr lang="pt-BR" dirty="0"/>
-              <a:t>Adicionar título de slide – 6</a:t>
-            </a:r>
-          </a:p>
-        </p:txBody>
-      </p:sp>
-      <p:sp>
-        <p:nvSpPr>
-          <p:cNvPr id="5" name="Espaço reservado para imagem 4" descr="Um espaço reservado vazio para adicionar uma imagem. Clique no espaço reservado e selecione a imagem que você deseja adicionar"/>
-          <p:cNvSpPr>
-            <a:spLocks noGrp="1"/>
-          </p:cNvSpPr>
-          <p:nvPr>
-            <p:ph type="pic" idx="1"/>
-          </p:nvPr>
-        </p:nvSpPr>
-        <p:spPr/>
-      </p:sp>
-      <p:sp>
-        <p:nvSpPr>
-          <p:cNvPr id="6" name="Espaço reservado para texto 5"/>
-          <p:cNvSpPr>
-            <a:spLocks noGrp="1"/>
-          </p:cNvSpPr>
-          <p:nvPr>
-            <p:ph type="body" sz="half" idx="2"/>
-          </p:nvPr>
-        </p:nvSpPr>
-        <p:spPr/>
-        <p:txBody>
-          <a:bodyPr rtlCol="0"/>
-          <a:lstStyle/>
-          <a:p>
-            <a:pPr rtl="0"/>
-            <a:endParaRPr lang="pt-BR" dirty="0"/>
-          </a:p>
-        </p:txBody>
-      </p:sp>
-    </p:spTree>
-    <p:extLst>
-      <p:ext uri="{BB962C8B-B14F-4D97-AF65-F5344CB8AC3E}">
-        <p14:creationId xmlns:p14="http://schemas.microsoft.com/office/powerpoint/2010/main" val="4129926194"/>
       </p:ext>
     </p:extLst>
   </p:cSld>
@@ -12420,143 +8380,14 @@
   <p:clrMapOvr>
     <a:masterClrMapping/>
   </p:clrMapOvr>
-  <mc:AlternateContent xmlns:mc="http://schemas.openxmlformats.org/markup-compatibility/2006">
-    <mc:Choice xmlns:p159="http://schemas.microsoft.com/office/powerpoint/2015/09/main" Requires="p159">
+  <mc:AlternateContent xmlns:mc="http://schemas.openxmlformats.org/markup-compatibility/2006" xmlns:p159="http://schemas.microsoft.com/office/powerpoint/2015/09/main">
+    <mc:Choice Requires="p159">
       <p:transition xmlns:p14="http://schemas.microsoft.com/office/powerpoint/2010/main" spd="slow" p14:dur="2000">
         <p159:morph option="byObject"/>
       </p:transition>
     </mc:Choice>
-    <mc:Fallback>
+    <mc:Fallback xmlns="">
       <p:transition spd="slow">
-        <p:fade/>
-      </p:transition>
-    </mc:Fallback>
-  </mc:AlternateContent>
-</p:sld>
-</file>
-
-<file path=ppt/slides/slide20.xml><?xml version="1.0" encoding="utf-8"?>
-<p:sld xmlns:a="http://schemas.openxmlformats.org/drawingml/2006/main" xmlns:r="http://schemas.openxmlformats.org/officeDocument/2006/relationships" xmlns:p="http://schemas.openxmlformats.org/presentationml/2006/main">
-  <p:cSld>
-    <p:spTree>
-      <p:nvGrpSpPr>
-        <p:cNvPr id="1" name=""/>
-        <p:cNvGrpSpPr/>
-        <p:nvPr/>
-      </p:nvGrpSpPr>
-      <p:grpSpPr>
-        <a:xfrm>
-          <a:off x="0" y="0"/>
-          <a:ext cx="0" cy="0"/>
-          <a:chOff x="0" y="0"/>
-          <a:chExt cx="0" cy="0"/>
-        </a:xfrm>
-      </p:grpSpPr>
-      <p:sp>
-        <p:nvSpPr>
-          <p:cNvPr id="2" name="Título 1"/>
-          <p:cNvSpPr>
-            <a:spLocks noGrp="1"/>
-          </p:cNvSpPr>
-          <p:nvPr>
-            <p:ph type="title"/>
-          </p:nvPr>
-        </p:nvSpPr>
-        <p:spPr/>
-        <p:txBody>
-          <a:bodyPr rtlCol="0"/>
-          <a:lstStyle/>
-          <a:p>
-            <a:pPr rtl="0"/>
-            <a:r>
-              <a:rPr lang="pt-BR" dirty="0"/>
-              <a:t>Adicionar título de slide – 7</a:t>
-            </a:r>
-          </a:p>
-        </p:txBody>
-      </p:sp>
-      <p:sp>
-        <p:nvSpPr>
-          <p:cNvPr id="4" name="Espaço reservado para imagem 3"/>
-          <p:cNvSpPr>
-            <a:spLocks noGrp="1"/>
-          </p:cNvSpPr>
-          <p:nvPr>
-            <p:ph type="pic" idx="1"/>
-          </p:nvPr>
-        </p:nvSpPr>
-        <p:spPr/>
-      </p:sp>
-      <p:sp>
-        <p:nvSpPr>
-          <p:cNvPr id="5" name="Espaço reservado para texto 4"/>
-          <p:cNvSpPr>
-            <a:spLocks noGrp="1"/>
-          </p:cNvSpPr>
-          <p:nvPr>
-            <p:ph type="body" sz="half" idx="2"/>
-          </p:nvPr>
-        </p:nvSpPr>
-        <p:spPr/>
-        <p:txBody>
-          <a:bodyPr rtlCol="0"/>
-          <a:lstStyle/>
-          <a:p>
-            <a:pPr rtl="0"/>
-            <a:endParaRPr lang="pt-BR" dirty="0"/>
-          </a:p>
-        </p:txBody>
-      </p:sp>
-      <p:sp>
-        <p:nvSpPr>
-          <p:cNvPr id="6" name="Espaço reservado para imagem 5"/>
-          <p:cNvSpPr>
-            <a:spLocks noGrp="1"/>
-          </p:cNvSpPr>
-          <p:nvPr>
-            <p:ph type="pic" idx="13"/>
-          </p:nvPr>
-        </p:nvSpPr>
-        <p:spPr/>
-      </p:sp>
-      <p:sp>
-        <p:nvSpPr>
-          <p:cNvPr id="11" name="Espaço reservado para texto 10"/>
-          <p:cNvSpPr>
-            <a:spLocks noGrp="1"/>
-          </p:cNvSpPr>
-          <p:nvPr>
-            <p:ph type="body" sz="half" idx="14"/>
-          </p:nvPr>
-        </p:nvSpPr>
-        <p:spPr/>
-        <p:txBody>
-          <a:bodyPr rtlCol="0"/>
-          <a:lstStyle/>
-          <a:p>
-            <a:pPr rtl="0"/>
-            <a:endParaRPr lang="pt-BR" dirty="0"/>
-          </a:p>
-        </p:txBody>
-      </p:sp>
-    </p:spTree>
-    <p:extLst>
-      <p:ext uri="{BB962C8B-B14F-4D97-AF65-F5344CB8AC3E}">
-        <p14:creationId xmlns:p14="http://schemas.microsoft.com/office/powerpoint/2010/main" val="188841400"/>
-      </p:ext>
-    </p:extLst>
-  </p:cSld>
-  <p:clrMapOvr>
-    <a:masterClrMapping/>
-  </p:clrMapOvr>
-  <mc:AlternateContent xmlns:mc="http://schemas.openxmlformats.org/markup-compatibility/2006" xmlns:p14="http://schemas.microsoft.com/office/powerpoint/2010/main">
-    <mc:Choice Requires="p14">
-      <p:transition spd="med" p14:dur="700">
-        <p:fade/>
-      </p:transition>
-    </mc:Choice>
-    <mc:Fallback xmlns="">
-      <p:transition spd="med">
         <p:fade/>
       </p:transition>
     </mc:Fallback>
@@ -14925,13 +10756,13 @@
   <p:clrMapOvr>
     <a:masterClrMapping/>
   </p:clrMapOvr>
-  <mc:AlternateContent xmlns:mc="http://schemas.openxmlformats.org/markup-compatibility/2006">
-    <mc:Choice xmlns:p159="http://schemas.microsoft.com/office/powerpoint/2015/09/main" Requires="p159">
+  <mc:AlternateContent xmlns:mc="http://schemas.openxmlformats.org/markup-compatibility/2006" xmlns:p159="http://schemas.microsoft.com/office/powerpoint/2015/09/main">
+    <mc:Choice Requires="p159">
       <p:transition xmlns:p14="http://schemas.microsoft.com/office/powerpoint/2010/main" spd="slow" p14:dur="2000">
         <p159:morph option="byObject"/>
       </p:transition>
     </mc:Choice>
-    <mc:Fallback>
+    <mc:Fallback xmlns="">
       <p:transition spd="slow">
         <p:fade/>
       </p:transition>
@@ -14996,13 +10827,13 @@
   <p:clrMapOvr>
     <a:masterClrMapping/>
   </p:clrMapOvr>
-  <mc:AlternateContent xmlns:mc="http://schemas.openxmlformats.org/markup-compatibility/2006">
-    <mc:Choice xmlns:p159="http://schemas.microsoft.com/office/powerpoint/2015/09/main" Requires="p159">
+  <mc:AlternateContent xmlns:mc="http://schemas.openxmlformats.org/markup-compatibility/2006" xmlns:p159="http://schemas.microsoft.com/office/powerpoint/2015/09/main">
+    <mc:Choice Requires="p159">
       <p:transition xmlns:p14="http://schemas.microsoft.com/office/powerpoint/2010/main" spd="slow" p14:dur="2000">
         <p159:morph option="byObject"/>
       </p:transition>
     </mc:Choice>
-    <mc:Fallback>
+    <mc:Fallback xmlns="">
       <p:transition spd="slow">
         <p:fade/>
       </p:transition>

--- a/documentacao/PowerPoint.pptx
+++ b/documentacao/PowerPoint.pptx
@@ -1622,7 +1622,7 @@
             <a:pPr rtl="0"/>
             <a:fld id="{F769B0D5-7F55-455B-B769-84B61581E250}" type="datetime1">
               <a:rPr lang="pt-BR" smtClean="0"/>
-              <a:t>23/04/2019</a:t>
+              <a:t>24/04/2019</a:t>
             </a:fld>
             <a:endParaRPr lang="pt-BR" dirty="0"/>
           </a:p>
@@ -1792,7 +1792,7 @@
             <a:pPr rtl="0"/>
             <a:fld id="{1AFE56F6-A70B-491B-A989-29E38C94819E}" type="datetime1">
               <a:rPr lang="pt-BR" noProof="0" smtClean="0"/>
-              <a:t>23/04/2019</a:t>
+              <a:t>24/04/2019</a:t>
             </a:fld>
             <a:endParaRPr lang="pt-BR" noProof="0" dirty="0"/>
           </a:p>
@@ -3378,7 +3378,7 @@
             <a:pPr rtl="0"/>
             <a:fld id="{ED540BCD-A9BE-4069-AF5C-2A3DFF693F79}" type="datetime1">
               <a:rPr lang="pt-BR" noProof="0" smtClean="0"/>
-              <a:t>23/04/2019</a:t>
+              <a:t>24/04/2019</a:t>
             </a:fld>
             <a:endParaRPr lang="pt-BR" noProof="0" dirty="0"/>
           </a:p>
@@ -3992,7 +3992,7 @@
             <a:pPr rtl="0"/>
             <a:fld id="{1CECCB52-40C2-4E99-85EA-E8A293866E2D}" type="datetime1">
               <a:rPr lang="pt-BR" noProof="0" smtClean="0"/>
-              <a:t>23/04/2019</a:t>
+              <a:t>24/04/2019</a:t>
             </a:fld>
             <a:endParaRPr lang="pt-BR" noProof="0" dirty="0"/>
           </a:p>
@@ -4181,7 +4181,7 @@
             <a:pPr rtl="0"/>
             <a:fld id="{E24EF33E-C11E-476F-ABF9-879EF9D37700}" type="datetime1">
               <a:rPr lang="pt-BR" noProof="0" smtClean="0"/>
-              <a:t>23/04/2019</a:t>
+              <a:t>24/04/2019</a:t>
             </a:fld>
             <a:endParaRPr lang="pt-BR" noProof="0" dirty="0"/>
           </a:p>
@@ -4520,7 +4520,7 @@
             <a:pPr rtl="0"/>
             <a:fld id="{AF3A9F66-FD54-49C7-9D08-483FEB75E766}" type="datetime1">
               <a:rPr lang="pt-BR" noProof="0" smtClean="0"/>
-              <a:t>23/04/2019</a:t>
+              <a:t>24/04/2019</a:t>
             </a:fld>
             <a:endParaRPr lang="pt-BR" noProof="0" dirty="0"/>
           </a:p>
@@ -4718,7 +4718,7 @@
             <a:pPr rtl="0"/>
             <a:fld id="{B76F022E-73DC-465B-A81F-663C39E9C6BC}" type="datetime1">
               <a:rPr lang="pt-BR" noProof="0" smtClean="0"/>
-              <a:t>23/04/2019</a:t>
+              <a:t>24/04/2019</a:t>
             </a:fld>
             <a:endParaRPr lang="pt-BR" noProof="0" dirty="0"/>
           </a:p>
@@ -5899,7 +5899,7 @@
             <a:pPr rtl="0"/>
             <a:fld id="{D032D7E7-0E3D-42EA-B60A-46262A5D0676}" type="datetime1">
               <a:rPr lang="pt-BR" noProof="0" smtClean="0"/>
-              <a:t>23/04/2019</a:t>
+              <a:t>24/04/2019</a:t>
             </a:fld>
             <a:endParaRPr lang="pt-BR" noProof="0" dirty="0"/>
           </a:p>
@@ -6289,7 +6289,7 @@
             <a:pPr rtl="0"/>
             <a:fld id="{A0DCB2DA-9F14-430D-AF4F-64B6EB5E00E7}" type="datetime1">
               <a:rPr lang="pt-BR" noProof="0" smtClean="0"/>
-              <a:t>23/04/2019</a:t>
+              <a:t>24/04/2019</a:t>
             </a:fld>
             <a:endParaRPr lang="pt-BR" noProof="0" dirty="0"/>
           </a:p>
@@ -6426,7 +6426,7 @@
             <a:pPr rtl="0"/>
             <a:fld id="{58A91CED-09DA-4ECE-92C8-759A4ED95185}" type="datetime1">
               <a:rPr lang="pt-BR" noProof="0" smtClean="0"/>
-              <a:t>23/04/2019</a:t>
+              <a:t>24/04/2019</a:t>
             </a:fld>
             <a:endParaRPr lang="pt-BR" noProof="0" dirty="0"/>
           </a:p>
@@ -6539,7 +6539,7 @@
             <a:pPr rtl="0"/>
             <a:fld id="{84518F8F-CA65-4BFD-A461-B66071DAF05B}" type="datetime1">
               <a:rPr lang="pt-BR" noProof="0" smtClean="0"/>
-              <a:t>23/04/2019</a:t>
+              <a:t>24/04/2019</a:t>
             </a:fld>
             <a:endParaRPr lang="pt-BR" noProof="0" dirty="0"/>
           </a:p>
@@ -6837,7 +6837,7 @@
             <a:pPr rtl="0"/>
             <a:fld id="{1FF51EBE-146A-4C5F-B6C5-AA4426FEB226}" type="datetime1">
               <a:rPr lang="pt-BR" noProof="0" smtClean="0"/>
-              <a:t>23/04/2019</a:t>
+              <a:t>24/04/2019</a:t>
             </a:fld>
             <a:endParaRPr lang="pt-BR" noProof="0" dirty="0"/>
           </a:p>
@@ -7221,7 +7221,7 @@
             <a:pPr rtl="0"/>
             <a:fld id="{AF879DE6-BF0A-412B-BA5D-89651B90F81D}" type="datetime1">
               <a:rPr lang="pt-BR" noProof="0" smtClean="0"/>
-              <a:t>23/04/2019</a:t>
+              <a:t>24/04/2019</a:t>
             </a:fld>
             <a:endParaRPr lang="pt-BR" noProof="0" dirty="0"/>
           </a:p>
@@ -7806,6 +7806,35 @@
           </a:p>
         </p:txBody>
       </p:sp>
+      <p:pic>
+        <p:nvPicPr>
+          <p:cNvPr id="6" name="Imagem 5">
+            <a:extLst>
+              <a:ext uri="{FF2B5EF4-FFF2-40B4-BE49-F238E27FC236}">
+                <a16:creationId xmlns:a16="http://schemas.microsoft.com/office/drawing/2014/main" id="{4ADC70D0-0133-475C-A936-FBE20B27750A}"/>
+              </a:ext>
+            </a:extLst>
+          </p:cNvPr>
+          <p:cNvPicPr>
+            <a:picLocks noChangeAspect="1"/>
+          </p:cNvPicPr>
+          <p:nvPr/>
+        </p:nvPicPr>
+        <p:blipFill rotWithShape="1">
+          <a:blip r:embed="rId2"/>
+          <a:srcRect l="1306" t="4763" r="16197" b="11030"/>
+          <a:stretch/>
+        </p:blipFill>
+        <p:spPr>
+          <a:xfrm>
+            <a:off x="1943099" y="1552441"/>
+            <a:ext cx="8577039" cy="5305559"/>
+          </a:xfrm>
+          <a:prstGeom prst="rect">
+            <a:avLst/>
+          </a:prstGeom>
+        </p:spPr>
+      </p:pic>
     </p:spTree>
     <p:extLst>
       <p:ext uri="{BB962C8B-B14F-4D97-AF65-F5344CB8AC3E}">
@@ -10817,6 +10846,35 @@
           </a:p>
         </p:txBody>
       </p:sp>
+      <p:pic>
+        <p:nvPicPr>
+          <p:cNvPr id="3" name="Imagem 2">
+            <a:extLst>
+              <a:ext uri="{FF2B5EF4-FFF2-40B4-BE49-F238E27FC236}">
+                <a16:creationId xmlns:a16="http://schemas.microsoft.com/office/drawing/2014/main" id="{09A6DB44-D341-477A-BF57-831D3715C356}"/>
+              </a:ext>
+            </a:extLst>
+          </p:cNvPr>
+          <p:cNvPicPr>
+            <a:picLocks noChangeAspect="1"/>
+          </p:cNvPicPr>
+          <p:nvPr/>
+        </p:nvPicPr>
+        <p:blipFill rotWithShape="1">
+          <a:blip r:embed="rId2"/>
+          <a:srcRect l="30412"/>
+          <a:stretch/>
+        </p:blipFill>
+        <p:spPr>
+          <a:xfrm>
+            <a:off x="4643437" y="1543078"/>
+            <a:ext cx="2643188" cy="5314922"/>
+          </a:xfrm>
+          <a:prstGeom prst="rect">
+            <a:avLst/>
+          </a:prstGeom>
+        </p:spPr>
+      </p:pic>
     </p:spTree>
     <p:extLst>
       <p:ext uri="{BB962C8B-B14F-4D97-AF65-F5344CB8AC3E}">

--- a/documentacao/PowerPoint.pptx
+++ b/documentacao/PowerPoint.pptx
@@ -5,10 +5,10 @@
     <p:sldMasterId id="2147483648" r:id="rId1"/>
   </p:sldMasterIdLst>
   <p:notesMasterIdLst>
-    <p:notesMasterId r:id="rId15"/>
+    <p:notesMasterId r:id="rId16"/>
   </p:notesMasterIdLst>
   <p:handoutMasterIdLst>
-    <p:handoutMasterId r:id="rId16"/>
+    <p:handoutMasterId r:id="rId17"/>
   </p:handoutMasterIdLst>
   <p:sldIdLst>
     <p:sldId id="257" r:id="rId2"/>
@@ -22,8 +22,9 @@
     <p:sldId id="275" r:id="rId10"/>
     <p:sldId id="276" r:id="rId11"/>
     <p:sldId id="277" r:id="rId12"/>
-    <p:sldId id="278" r:id="rId13"/>
-    <p:sldId id="266" r:id="rId14"/>
+    <p:sldId id="279" r:id="rId13"/>
+    <p:sldId id="278" r:id="rId14"/>
+    <p:sldId id="266" r:id="rId15"/>
   </p:sldIdLst>
   <p:sldSz cx="12192000" cy="6858000"/>
   <p:notesSz cx="6858000" cy="9144000"/>
@@ -1622,7 +1623,7 @@
             <a:pPr rtl="0"/>
             <a:fld id="{F769B0D5-7F55-455B-B769-84B61581E250}" type="datetime1">
               <a:rPr lang="pt-BR" smtClean="0"/>
-              <a:t>24/04/2019</a:t>
+              <a:t>26/04/2019</a:t>
             </a:fld>
             <a:endParaRPr lang="pt-BR" dirty="0"/>
           </a:p>
@@ -1792,7 +1793,7 @@
             <a:pPr rtl="0"/>
             <a:fld id="{1AFE56F6-A70B-491B-A989-29E38C94819E}" type="datetime1">
               <a:rPr lang="pt-BR" noProof="0" smtClean="0"/>
-              <a:t>24/04/2019</a:t>
+              <a:t>26/04/2019</a:t>
             </a:fld>
             <a:endParaRPr lang="pt-BR" noProof="0" dirty="0"/>
           </a:p>
@@ -2672,7 +2673,7 @@
             <a:pPr rtl="0"/>
             <a:fld id="{1B9A179D-2D27-49E2-B022-8EDDA2EFE682}" type="slidenum">
               <a:rPr lang="pt-BR" smtClean="0"/>
-              <a:t>12</a:t>
+              <a:t>13</a:t>
             </a:fld>
             <a:endParaRPr lang="pt-BR" dirty="0"/>
           </a:p>
@@ -2757,7 +2758,7 @@
             <a:pPr rtl="0"/>
             <a:fld id="{1B9A179D-2D27-49E2-B022-8EDDA2EFE682}" type="slidenum">
               <a:rPr lang="pt-BR" smtClean="0"/>
-              <a:t>13</a:t>
+              <a:t>14</a:t>
             </a:fld>
             <a:endParaRPr lang="pt-BR" dirty="0"/>
           </a:p>
@@ -3378,7 +3379,7 @@
             <a:pPr rtl="0"/>
             <a:fld id="{ED540BCD-A9BE-4069-AF5C-2A3DFF693F79}" type="datetime1">
               <a:rPr lang="pt-BR" noProof="0" smtClean="0"/>
-              <a:t>24/04/2019</a:t>
+              <a:t>26/04/2019</a:t>
             </a:fld>
             <a:endParaRPr lang="pt-BR" noProof="0" dirty="0"/>
           </a:p>
@@ -3992,7 +3993,7 @@
             <a:pPr rtl="0"/>
             <a:fld id="{1CECCB52-40C2-4E99-85EA-E8A293866E2D}" type="datetime1">
               <a:rPr lang="pt-BR" noProof="0" smtClean="0"/>
-              <a:t>24/04/2019</a:t>
+              <a:t>26/04/2019</a:t>
             </a:fld>
             <a:endParaRPr lang="pt-BR" noProof="0" dirty="0"/>
           </a:p>
@@ -4181,7 +4182,7 @@
             <a:pPr rtl="0"/>
             <a:fld id="{E24EF33E-C11E-476F-ABF9-879EF9D37700}" type="datetime1">
               <a:rPr lang="pt-BR" noProof="0" smtClean="0"/>
-              <a:t>24/04/2019</a:t>
+              <a:t>26/04/2019</a:t>
             </a:fld>
             <a:endParaRPr lang="pt-BR" noProof="0" dirty="0"/>
           </a:p>
@@ -4520,7 +4521,7 @@
             <a:pPr rtl="0"/>
             <a:fld id="{AF3A9F66-FD54-49C7-9D08-483FEB75E766}" type="datetime1">
               <a:rPr lang="pt-BR" noProof="0" smtClean="0"/>
-              <a:t>24/04/2019</a:t>
+              <a:t>26/04/2019</a:t>
             </a:fld>
             <a:endParaRPr lang="pt-BR" noProof="0" dirty="0"/>
           </a:p>
@@ -4718,7 +4719,7 @@
             <a:pPr rtl="0"/>
             <a:fld id="{B76F022E-73DC-465B-A81F-663C39E9C6BC}" type="datetime1">
               <a:rPr lang="pt-BR" noProof="0" smtClean="0"/>
-              <a:t>24/04/2019</a:t>
+              <a:t>26/04/2019</a:t>
             </a:fld>
             <a:endParaRPr lang="pt-BR" noProof="0" dirty="0"/>
           </a:p>
@@ -5899,7 +5900,7 @@
             <a:pPr rtl="0"/>
             <a:fld id="{D032D7E7-0E3D-42EA-B60A-46262A5D0676}" type="datetime1">
               <a:rPr lang="pt-BR" noProof="0" smtClean="0"/>
-              <a:t>24/04/2019</a:t>
+              <a:t>26/04/2019</a:t>
             </a:fld>
             <a:endParaRPr lang="pt-BR" noProof="0" dirty="0"/>
           </a:p>
@@ -6289,7 +6290,7 @@
             <a:pPr rtl="0"/>
             <a:fld id="{A0DCB2DA-9F14-430D-AF4F-64B6EB5E00E7}" type="datetime1">
               <a:rPr lang="pt-BR" noProof="0" smtClean="0"/>
-              <a:t>24/04/2019</a:t>
+              <a:t>26/04/2019</a:t>
             </a:fld>
             <a:endParaRPr lang="pt-BR" noProof="0" dirty="0"/>
           </a:p>
@@ -6426,7 +6427,7 @@
             <a:pPr rtl="0"/>
             <a:fld id="{58A91CED-09DA-4ECE-92C8-759A4ED95185}" type="datetime1">
               <a:rPr lang="pt-BR" noProof="0" smtClean="0"/>
-              <a:t>24/04/2019</a:t>
+              <a:t>26/04/2019</a:t>
             </a:fld>
             <a:endParaRPr lang="pt-BR" noProof="0" dirty="0"/>
           </a:p>
@@ -6539,7 +6540,7 @@
             <a:pPr rtl="0"/>
             <a:fld id="{84518F8F-CA65-4BFD-A461-B66071DAF05B}" type="datetime1">
               <a:rPr lang="pt-BR" noProof="0" smtClean="0"/>
-              <a:t>24/04/2019</a:t>
+              <a:t>26/04/2019</a:t>
             </a:fld>
             <a:endParaRPr lang="pt-BR" noProof="0" dirty="0"/>
           </a:p>
@@ -6837,7 +6838,7 @@
             <a:pPr rtl="0"/>
             <a:fld id="{1FF51EBE-146A-4C5F-B6C5-AA4426FEB226}" type="datetime1">
               <a:rPr lang="pt-BR" noProof="0" smtClean="0"/>
-              <a:t>24/04/2019</a:t>
+              <a:t>26/04/2019</a:t>
             </a:fld>
             <a:endParaRPr lang="pt-BR" noProof="0" dirty="0"/>
           </a:p>
@@ -7221,7 +7222,7 @@
             <a:pPr rtl="0"/>
             <a:fld id="{AF879DE6-BF0A-412B-BA5D-89651B90F81D}" type="datetime1">
               <a:rPr lang="pt-BR" noProof="0" smtClean="0"/>
-              <a:t>24/04/2019</a:t>
+              <a:t>26/04/2019</a:t>
             </a:fld>
             <a:endParaRPr lang="pt-BR" noProof="0" dirty="0"/>
           </a:p>
@@ -7845,18 +7846,9 @@
   <p:clrMapOvr>
     <a:masterClrMapping/>
   </p:clrMapOvr>
-  <mc:AlternateContent xmlns:mc="http://schemas.openxmlformats.org/markup-compatibility/2006" xmlns:p159="http://schemas.microsoft.com/office/powerpoint/2015/09/main">
-    <mc:Choice Requires="p159">
-      <p:transition xmlns:p14="http://schemas.microsoft.com/office/powerpoint/2010/main" spd="slow" p14:dur="2000">
-        <p159:morph option="byObject"/>
-      </p:transition>
-    </mc:Choice>
-    <mc:Fallback xmlns="">
-      <p:transition spd="slow">
-        <p:fade/>
-      </p:transition>
-    </mc:Fallback>
-  </mc:AlternateContent>
+  <p:transition spd="slow">
+    <p:push dir="u"/>
+  </p:transition>
 </p:sld>
 </file>
 
@@ -7908,10 +7900,10 @@
       </p:sp>
       <p:pic>
         <p:nvPicPr>
-          <p:cNvPr id="13" name="Imagem 12" descr="Uma imagem contendo texto, mapa&#10;&#10;Descrição gerada automaticamente">
+          <p:cNvPr id="4" name="Imagem 3">
             <a:extLst>
               <a:ext uri="{FF2B5EF4-FFF2-40B4-BE49-F238E27FC236}">
-                <a16:creationId xmlns:a16="http://schemas.microsoft.com/office/drawing/2014/main" id="{BCC8EF3F-DA6F-4E1C-BDE2-D694E9BD4029}"/>
+                <a16:creationId xmlns:a16="http://schemas.microsoft.com/office/drawing/2014/main" id="{396D7D88-E0FB-4E78-9F4D-013AE1398AA1}"/>
               </a:ext>
             </a:extLst>
           </p:cNvPr>
@@ -7928,8 +7920,8 @@
         </p:blipFill>
         <p:spPr>
           <a:xfrm>
-            <a:off x="1883435" y="1520161"/>
-            <a:ext cx="8547143" cy="5337839"/>
+            <a:off x="1295401" y="1538680"/>
+            <a:ext cx="9720262" cy="5319320"/>
           </a:xfrm>
           <a:prstGeom prst="rect">
             <a:avLst/>
@@ -7946,22 +7938,106 @@
   <p:clrMapOvr>
     <a:masterClrMapping/>
   </p:clrMapOvr>
-  <mc:AlternateContent xmlns:mc="http://schemas.openxmlformats.org/markup-compatibility/2006" xmlns:p14="http://schemas.microsoft.com/office/powerpoint/2010/main">
-    <mc:Choice Requires="p14">
-      <p:transition spd="med" p14:dur="700">
-        <p:fade/>
-      </p:transition>
-    </mc:Choice>
-    <mc:Fallback xmlns="">
-      <p:transition spd="med">
-        <p:fade/>
-      </p:transition>
-    </mc:Fallback>
-  </mc:AlternateContent>
+  <p:transition spd="slow">
+    <p:push dir="u"/>
+  </p:transition>
 </p:sld>
 </file>
 
 <file path=ppt/slides/slide12.xml><?xml version="1.0" encoding="utf-8"?>
+<p:sld xmlns:a="http://schemas.openxmlformats.org/drawingml/2006/main" xmlns:r="http://schemas.openxmlformats.org/officeDocument/2006/relationships" xmlns:p="http://schemas.openxmlformats.org/presentationml/2006/main">
+  <p:cSld>
+    <p:spTree>
+      <p:nvGrpSpPr>
+        <p:cNvPr id="1" name=""/>
+        <p:cNvGrpSpPr/>
+        <p:nvPr/>
+      </p:nvGrpSpPr>
+      <p:grpSpPr>
+        <a:xfrm>
+          <a:off x="0" y="0"/>
+          <a:ext cx="0" cy="0"/>
+          <a:chOff x="0" y="0"/>
+          <a:chExt cx="0" cy="0"/>
+        </a:xfrm>
+      </p:grpSpPr>
+      <p:sp>
+        <p:nvSpPr>
+          <p:cNvPr id="2" name="Título 1">
+            <a:extLst>
+              <a:ext uri="{FF2B5EF4-FFF2-40B4-BE49-F238E27FC236}">
+                <a16:creationId xmlns:a16="http://schemas.microsoft.com/office/drawing/2014/main" id="{B6BA8BC7-79FC-40A0-99FD-53A77D60C335}"/>
+              </a:ext>
+            </a:extLst>
+          </p:cNvPr>
+          <p:cNvSpPr>
+            <a:spLocks noGrp="1"/>
+          </p:cNvSpPr>
+          <p:nvPr>
+            <p:ph type="title"/>
+          </p:nvPr>
+        </p:nvSpPr>
+        <p:spPr/>
+        <p:txBody>
+          <a:bodyPr/>
+          <a:lstStyle/>
+          <a:p>
+            <a:pPr algn="ctr"/>
+            <a:r>
+              <a:rPr lang="pt-BR" dirty="0" err="1"/>
+              <a:t>Analytics</a:t>
+            </a:r>
+            <a:endParaRPr lang="pt-BR" dirty="0"/>
+          </a:p>
+        </p:txBody>
+      </p:sp>
+      <p:pic>
+        <p:nvPicPr>
+          <p:cNvPr id="3" name="Imagem 2">
+            <a:extLst>
+              <a:ext uri="{FF2B5EF4-FFF2-40B4-BE49-F238E27FC236}">
+                <a16:creationId xmlns:a16="http://schemas.microsoft.com/office/drawing/2014/main" id="{A645465B-AD04-49B2-97E6-2130D06AF548}"/>
+              </a:ext>
+            </a:extLst>
+          </p:cNvPr>
+          <p:cNvPicPr>
+            <a:picLocks noChangeAspect="1"/>
+          </p:cNvPicPr>
+          <p:nvPr/>
+        </p:nvPicPr>
+        <p:blipFill>
+          <a:blip r:embed="rId2"/>
+          <a:stretch>
+            <a:fillRect/>
+          </a:stretch>
+        </p:blipFill>
+        <p:spPr>
+          <a:xfrm>
+            <a:off x="61669" y="1881186"/>
+            <a:ext cx="12130331" cy="4605339"/>
+          </a:xfrm>
+          <a:prstGeom prst="rect">
+            <a:avLst/>
+          </a:prstGeom>
+        </p:spPr>
+      </p:pic>
+    </p:spTree>
+    <p:extLst>
+      <p:ext uri="{BB962C8B-B14F-4D97-AF65-F5344CB8AC3E}">
+        <p14:creationId xmlns:p14="http://schemas.microsoft.com/office/powerpoint/2010/main" val="235664390"/>
+      </p:ext>
+    </p:extLst>
+  </p:cSld>
+  <p:clrMapOvr>
+    <a:masterClrMapping/>
+  </p:clrMapOvr>
+  <p:transition spd="slow">
+    <p:push dir="u"/>
+  </p:transition>
+</p:sld>
+</file>
+
+<file path=ppt/slides/slide13.xml><?xml version="1.0" encoding="utf-8"?>
 <p:sld xmlns:a="http://schemas.openxmlformats.org/drawingml/2006/main" xmlns:r="http://schemas.openxmlformats.org/officeDocument/2006/relationships" xmlns:p="http://schemas.openxmlformats.org/presentationml/2006/main">
   <p:cSld>
     <p:spTree>
@@ -8140,22 +8216,13 @@
   <p:clrMapOvr>
     <a:masterClrMapping/>
   </p:clrMapOvr>
-  <mc:AlternateContent xmlns:mc="http://schemas.openxmlformats.org/markup-compatibility/2006" xmlns:p159="http://schemas.microsoft.com/office/powerpoint/2015/09/main">
-    <mc:Choice Requires="p159">
-      <p:transition xmlns:p14="http://schemas.microsoft.com/office/powerpoint/2010/main" spd="slow" p14:dur="2000">
-        <p159:morph option="byObject"/>
-      </p:transition>
-    </mc:Choice>
-    <mc:Fallback xmlns="">
-      <p:transition spd="slow">
-        <p:fade/>
-      </p:transition>
-    </mc:Fallback>
-  </mc:AlternateContent>
+  <p:transition spd="slow">
+    <p:push dir="u"/>
+  </p:transition>
 </p:sld>
 </file>
 
-<file path=ppt/slides/slide13.xml><?xml version="1.0" encoding="utf-8"?>
+<file path=ppt/slides/slide14.xml><?xml version="1.0" encoding="utf-8"?>
 <p:sld xmlns:a="http://schemas.openxmlformats.org/drawingml/2006/main" xmlns:r="http://schemas.openxmlformats.org/officeDocument/2006/relationships" xmlns:p="http://schemas.openxmlformats.org/presentationml/2006/main">
   <p:cSld>
     <p:spTree>
@@ -8249,18 +8316,9 @@
   <p:clrMapOvr>
     <a:masterClrMapping/>
   </p:clrMapOvr>
-  <mc:AlternateContent xmlns:mc="http://schemas.openxmlformats.org/markup-compatibility/2006" xmlns:p14="http://schemas.microsoft.com/office/powerpoint/2010/main">
-    <mc:Choice Requires="p14">
-      <p:transition spd="med" p14:dur="700">
-        <p:fade/>
-      </p:transition>
-    </mc:Choice>
-    <mc:Fallback xmlns="">
-      <p:transition spd="med">
-        <p:fade/>
-      </p:transition>
-    </mc:Fallback>
-  </mc:AlternateContent>
+  <p:transition spd="slow">
+    <p:push dir="u"/>
+  </p:transition>
 </p:sld>
 </file>
 
@@ -8399,6 +8457,36 @@
           </a:p>
         </p:txBody>
       </p:sp>
+      <p:pic>
+        <p:nvPicPr>
+          <p:cNvPr id="5" name="Imagem 4">
+            <a:extLst>
+              <a:ext uri="{FF2B5EF4-FFF2-40B4-BE49-F238E27FC236}">
+                <a16:creationId xmlns:a16="http://schemas.microsoft.com/office/drawing/2014/main" id="{3E052AC9-24A5-42E2-877C-66AA0F236262}"/>
+              </a:ext>
+            </a:extLst>
+          </p:cNvPr>
+          <p:cNvPicPr>
+            <a:picLocks noChangeAspect="1"/>
+          </p:cNvPicPr>
+          <p:nvPr/>
+        </p:nvPicPr>
+        <p:blipFill>
+          <a:blip r:embed="rId6"/>
+          <a:stretch>
+            <a:fillRect/>
+          </a:stretch>
+        </p:blipFill>
+        <p:spPr>
+          <a:xfrm>
+            <a:off x="1185982" y="3319016"/>
+            <a:ext cx="4605441" cy="960403"/>
+          </a:xfrm>
+          <a:prstGeom prst="rect">
+            <a:avLst/>
+          </a:prstGeom>
+        </p:spPr>
+      </p:pic>
     </p:spTree>
     <p:extLst>
       <p:ext uri="{BB962C8B-B14F-4D97-AF65-F5344CB8AC3E}">
@@ -8810,9 +8898,18 @@
   <p:clrMapOvr>
     <a:masterClrMapping/>
   </p:clrMapOvr>
-  <p:transition spd="slow">
-    <p:push dir="u"/>
-  </p:transition>
+  <mc:AlternateContent xmlns:mc="http://schemas.openxmlformats.org/markup-compatibility/2006" xmlns:p159="http://schemas.microsoft.com/office/powerpoint/2015/09/main">
+    <mc:Choice Requires="p159">
+      <p:transition xmlns:p14="http://schemas.microsoft.com/office/powerpoint/2010/main" spd="slow" p14:dur="1250">
+        <p159:morph option="byObject"/>
+      </p:transition>
+    </mc:Choice>
+    <mc:Fallback xmlns="">
+      <p:transition spd="slow">
+        <p:fade/>
+      </p:transition>
+    </mc:Fallback>
+  </mc:AlternateContent>
 </p:sld>
 </file>
 
@@ -10885,18 +10982,9 @@
   <p:clrMapOvr>
     <a:masterClrMapping/>
   </p:clrMapOvr>
-  <mc:AlternateContent xmlns:mc="http://schemas.openxmlformats.org/markup-compatibility/2006" xmlns:p159="http://schemas.microsoft.com/office/powerpoint/2015/09/main">
-    <mc:Choice Requires="p159">
-      <p:transition xmlns:p14="http://schemas.microsoft.com/office/powerpoint/2010/main" spd="slow" p14:dur="2000">
-        <p159:morph option="byObject"/>
-      </p:transition>
-    </mc:Choice>
-    <mc:Fallback xmlns="">
-      <p:transition spd="slow">
-        <p:fade/>
-      </p:transition>
-    </mc:Fallback>
-  </mc:AlternateContent>
+  <p:transition spd="slow">
+    <p:push dir="u"/>
+  </p:transition>
 </p:sld>
 </file>
 

--- a/documentacao/PowerPoint.pptx
+++ b/documentacao/PowerPoint.pptx
@@ -1623,7 +1623,7 @@
             <a:pPr rtl="0"/>
             <a:fld id="{F769B0D5-7F55-455B-B769-84B61581E250}" type="datetime1">
               <a:rPr lang="pt-BR" smtClean="0"/>
-              <a:t>26/04/2019</a:t>
+              <a:t>29/04/2019</a:t>
             </a:fld>
             <a:endParaRPr lang="pt-BR" dirty="0"/>
           </a:p>
@@ -1793,7 +1793,7 @@
             <a:pPr rtl="0"/>
             <a:fld id="{1AFE56F6-A70B-491B-A989-29E38C94819E}" type="datetime1">
               <a:rPr lang="pt-BR" noProof="0" smtClean="0"/>
-              <a:t>26/04/2019</a:t>
+              <a:t>29/04/2019</a:t>
             </a:fld>
             <a:endParaRPr lang="pt-BR" noProof="0" dirty="0"/>
           </a:p>
@@ -2615,6 +2615,91 @@
       </p:grpSpPr>
       <p:sp>
         <p:nvSpPr>
+          <p:cNvPr id="2" name="Espaço Reservado para Imagem de Slide 1"/>
+          <p:cNvSpPr>
+            <a:spLocks noGrp="1" noRot="1" noChangeAspect="1"/>
+          </p:cNvSpPr>
+          <p:nvPr>
+            <p:ph type="sldImg"/>
+          </p:nvPr>
+        </p:nvSpPr>
+        <p:spPr/>
+      </p:sp>
+      <p:sp>
+        <p:nvSpPr>
+          <p:cNvPr id="3" name="Espaço Reservado para Anotações 2"/>
+          <p:cNvSpPr>
+            <a:spLocks noGrp="1"/>
+          </p:cNvSpPr>
+          <p:nvPr>
+            <p:ph type="body" idx="1"/>
+          </p:nvPr>
+        </p:nvSpPr>
+        <p:spPr/>
+        <p:txBody>
+          <a:bodyPr/>
+          <a:lstStyle/>
+          <a:p>
+            <a:endParaRPr lang="pt-BR" dirty="0"/>
+          </a:p>
+        </p:txBody>
+      </p:sp>
+      <p:sp>
+        <p:nvSpPr>
+          <p:cNvPr id="4" name="Espaço Reservado para Número de Slide 3"/>
+          <p:cNvSpPr>
+            <a:spLocks noGrp="1"/>
+          </p:cNvSpPr>
+          <p:nvPr>
+            <p:ph type="sldNum" sz="quarter" idx="5"/>
+          </p:nvPr>
+        </p:nvSpPr>
+        <p:spPr/>
+        <p:txBody>
+          <a:bodyPr/>
+          <a:lstStyle/>
+          <a:p>
+            <a:pPr rtl="0"/>
+            <a:fld id="{1B9A179D-2D27-49E2-B022-8EDDA2EFE682}" type="slidenum">
+              <a:rPr lang="pt-BR" noProof="0" smtClean="0"/>
+              <a:t>12</a:t>
+            </a:fld>
+            <a:endParaRPr lang="pt-BR" noProof="0" dirty="0"/>
+          </a:p>
+        </p:txBody>
+      </p:sp>
+    </p:spTree>
+    <p:extLst>
+      <p:ext uri="{BB962C8B-B14F-4D97-AF65-F5344CB8AC3E}">
+        <p14:creationId xmlns:p14="http://schemas.microsoft.com/office/powerpoint/2010/main" val="1118593241"/>
+      </p:ext>
+    </p:extLst>
+  </p:cSld>
+  <p:clrMapOvr>
+    <a:masterClrMapping/>
+  </p:clrMapOvr>
+</p:notes>
+</file>
+
+<file path=ppt/notesSlides/notesSlide8.xml><?xml version="1.0" encoding="utf-8"?>
+<p:notes xmlns:a="http://schemas.openxmlformats.org/drawingml/2006/main" xmlns:r="http://schemas.openxmlformats.org/officeDocument/2006/relationships" xmlns:p="http://schemas.openxmlformats.org/presentationml/2006/main">
+  <p:cSld>
+    <p:spTree>
+      <p:nvGrpSpPr>
+        <p:cNvPr id="1" name=""/>
+        <p:cNvGrpSpPr/>
+        <p:nvPr/>
+      </p:nvGrpSpPr>
+      <p:grpSpPr>
+        <a:xfrm>
+          <a:off x="0" y="0"/>
+          <a:ext cx="0" cy="0"/>
+          <a:chOff x="0" y="0"/>
+          <a:chExt cx="0" cy="0"/>
+        </a:xfrm>
+      </p:grpSpPr>
+      <p:sp>
+        <p:nvSpPr>
           <p:cNvPr id="2" name="Espaço reservado para a imagem do slide 1"/>
           <p:cNvSpPr>
             <a:spLocks noGrp="1" noRot="1" noChangeAspect="1"/>
@@ -2692,7 +2777,7 @@
 </p:notes>
 </file>
 
-<file path=ppt/notesSlides/notesSlide8.xml><?xml version="1.0" encoding="utf-8"?>
+<file path=ppt/notesSlides/notesSlide9.xml><?xml version="1.0" encoding="utf-8"?>
 <p:notes xmlns:a="http://schemas.openxmlformats.org/drawingml/2006/main" xmlns:r="http://schemas.openxmlformats.org/officeDocument/2006/relationships" xmlns:p="http://schemas.openxmlformats.org/presentationml/2006/main">
   <p:cSld>
     <p:spTree>
@@ -3379,7 +3464,7 @@
             <a:pPr rtl="0"/>
             <a:fld id="{ED540BCD-A9BE-4069-AF5C-2A3DFF693F79}" type="datetime1">
               <a:rPr lang="pt-BR" noProof="0" smtClean="0"/>
-              <a:t>26/04/2019</a:t>
+              <a:t>29/04/2019</a:t>
             </a:fld>
             <a:endParaRPr lang="pt-BR" noProof="0" dirty="0"/>
           </a:p>
@@ -3993,7 +4078,7 @@
             <a:pPr rtl="0"/>
             <a:fld id="{1CECCB52-40C2-4E99-85EA-E8A293866E2D}" type="datetime1">
               <a:rPr lang="pt-BR" noProof="0" smtClean="0"/>
-              <a:t>26/04/2019</a:t>
+              <a:t>29/04/2019</a:t>
             </a:fld>
             <a:endParaRPr lang="pt-BR" noProof="0" dirty="0"/>
           </a:p>
@@ -4182,7 +4267,7 @@
             <a:pPr rtl="0"/>
             <a:fld id="{E24EF33E-C11E-476F-ABF9-879EF9D37700}" type="datetime1">
               <a:rPr lang="pt-BR" noProof="0" smtClean="0"/>
-              <a:t>26/04/2019</a:t>
+              <a:t>29/04/2019</a:t>
             </a:fld>
             <a:endParaRPr lang="pt-BR" noProof="0" dirty="0"/>
           </a:p>
@@ -4521,7 +4606,7 @@
             <a:pPr rtl="0"/>
             <a:fld id="{AF3A9F66-FD54-49C7-9D08-483FEB75E766}" type="datetime1">
               <a:rPr lang="pt-BR" noProof="0" smtClean="0"/>
-              <a:t>26/04/2019</a:t>
+              <a:t>29/04/2019</a:t>
             </a:fld>
             <a:endParaRPr lang="pt-BR" noProof="0" dirty="0"/>
           </a:p>
@@ -4719,7 +4804,7 @@
             <a:pPr rtl="0"/>
             <a:fld id="{B76F022E-73DC-465B-A81F-663C39E9C6BC}" type="datetime1">
               <a:rPr lang="pt-BR" noProof="0" smtClean="0"/>
-              <a:t>26/04/2019</a:t>
+              <a:t>29/04/2019</a:t>
             </a:fld>
             <a:endParaRPr lang="pt-BR" noProof="0" dirty="0"/>
           </a:p>
@@ -5900,7 +5985,7 @@
             <a:pPr rtl="0"/>
             <a:fld id="{D032D7E7-0E3D-42EA-B60A-46262A5D0676}" type="datetime1">
               <a:rPr lang="pt-BR" noProof="0" smtClean="0"/>
-              <a:t>26/04/2019</a:t>
+              <a:t>29/04/2019</a:t>
             </a:fld>
             <a:endParaRPr lang="pt-BR" noProof="0" dirty="0"/>
           </a:p>
@@ -6290,7 +6375,7 @@
             <a:pPr rtl="0"/>
             <a:fld id="{A0DCB2DA-9F14-430D-AF4F-64B6EB5E00E7}" type="datetime1">
               <a:rPr lang="pt-BR" noProof="0" smtClean="0"/>
-              <a:t>26/04/2019</a:t>
+              <a:t>29/04/2019</a:t>
             </a:fld>
             <a:endParaRPr lang="pt-BR" noProof="0" dirty="0"/>
           </a:p>
@@ -6427,7 +6512,7 @@
             <a:pPr rtl="0"/>
             <a:fld id="{58A91CED-09DA-4ECE-92C8-759A4ED95185}" type="datetime1">
               <a:rPr lang="pt-BR" noProof="0" smtClean="0"/>
-              <a:t>26/04/2019</a:t>
+              <a:t>29/04/2019</a:t>
             </a:fld>
             <a:endParaRPr lang="pt-BR" noProof="0" dirty="0"/>
           </a:p>
@@ -6540,7 +6625,7 @@
             <a:pPr rtl="0"/>
             <a:fld id="{84518F8F-CA65-4BFD-A461-B66071DAF05B}" type="datetime1">
               <a:rPr lang="pt-BR" noProof="0" smtClean="0"/>
-              <a:t>26/04/2019</a:t>
+              <a:t>29/04/2019</a:t>
             </a:fld>
             <a:endParaRPr lang="pt-BR" noProof="0" dirty="0"/>
           </a:p>
@@ -6838,7 +6923,7 @@
             <a:pPr rtl="0"/>
             <a:fld id="{1FF51EBE-146A-4C5F-B6C5-AA4426FEB226}" type="datetime1">
               <a:rPr lang="pt-BR" noProof="0" smtClean="0"/>
-              <a:t>26/04/2019</a:t>
+              <a:t>29/04/2019</a:t>
             </a:fld>
             <a:endParaRPr lang="pt-BR" noProof="0" dirty="0"/>
           </a:p>
@@ -7222,7 +7307,7 @@
             <a:pPr rtl="0"/>
             <a:fld id="{AF879DE6-BF0A-412B-BA5D-89651B90F81D}" type="datetime1">
               <a:rPr lang="pt-BR" noProof="0" smtClean="0"/>
-              <a:t>26/04/2019</a:t>
+              <a:t>29/04/2019</a:t>
             </a:fld>
             <a:endParaRPr lang="pt-BR" noProof="0" dirty="0"/>
           </a:p>
@@ -7993,10 +8078,10 @@
       </p:sp>
       <p:pic>
         <p:nvPicPr>
-          <p:cNvPr id="3" name="Imagem 2">
+          <p:cNvPr id="4" name="Imagem 3">
             <a:extLst>
               <a:ext uri="{FF2B5EF4-FFF2-40B4-BE49-F238E27FC236}">
-                <a16:creationId xmlns:a16="http://schemas.microsoft.com/office/drawing/2014/main" id="{A645465B-AD04-49B2-97E6-2130D06AF548}"/>
+                <a16:creationId xmlns:a16="http://schemas.microsoft.com/office/drawing/2014/main" id="{E5386A50-1FED-4680-B528-9273E6A59CB2}"/>
               </a:ext>
             </a:extLst>
           </p:cNvPr>
@@ -8006,15 +8091,15 @@
           <p:nvPr/>
         </p:nvPicPr>
         <p:blipFill>
-          <a:blip r:embed="rId2"/>
+          <a:blip r:embed="rId3"/>
           <a:stretch>
             <a:fillRect/>
           </a:stretch>
         </p:blipFill>
         <p:spPr>
           <a:xfrm>
-            <a:off x="61669" y="1881186"/>
-            <a:ext cx="12130331" cy="4605339"/>
+            <a:off x="175944" y="1945141"/>
+            <a:ext cx="12016056" cy="4657725"/>
           </a:xfrm>
           <a:prstGeom prst="rect">
             <a:avLst/>

--- a/documentacao/PowerPoint.pptx
+++ b/documentacao/PowerPoint.pptx
@@ -5,26 +5,33 @@
     <p:sldMasterId id="2147483648" r:id="rId1"/>
   </p:sldMasterIdLst>
   <p:notesMasterIdLst>
-    <p:notesMasterId r:id="rId16"/>
+    <p:notesMasterId r:id="rId23"/>
   </p:notesMasterIdLst>
   <p:handoutMasterIdLst>
-    <p:handoutMasterId r:id="rId17"/>
+    <p:handoutMasterId r:id="rId24"/>
   </p:handoutMasterIdLst>
   <p:sldIdLst>
     <p:sldId id="257" r:id="rId2"/>
     <p:sldId id="273" r:id="rId3"/>
     <p:sldId id="258" r:id="rId4"/>
-    <p:sldId id="259" r:id="rId5"/>
-    <p:sldId id="271" r:id="rId6"/>
-    <p:sldId id="270" r:id="rId7"/>
-    <p:sldId id="272" r:id="rId8"/>
-    <p:sldId id="274" r:id="rId9"/>
-    <p:sldId id="275" r:id="rId10"/>
-    <p:sldId id="276" r:id="rId11"/>
-    <p:sldId id="277" r:id="rId12"/>
-    <p:sldId id="279" r:id="rId13"/>
-    <p:sldId id="278" r:id="rId14"/>
-    <p:sldId id="266" r:id="rId15"/>
+    <p:sldId id="280" r:id="rId5"/>
+    <p:sldId id="259" r:id="rId6"/>
+    <p:sldId id="271" r:id="rId7"/>
+    <p:sldId id="270" r:id="rId8"/>
+    <p:sldId id="281" r:id="rId9"/>
+    <p:sldId id="272" r:id="rId10"/>
+    <p:sldId id="282" r:id="rId11"/>
+    <p:sldId id="275" r:id="rId12"/>
+    <p:sldId id="276" r:id="rId13"/>
+    <p:sldId id="283" r:id="rId14"/>
+    <p:sldId id="277" r:id="rId15"/>
+    <p:sldId id="284" r:id="rId16"/>
+    <p:sldId id="279" r:id="rId17"/>
+    <p:sldId id="278" r:id="rId18"/>
+    <p:sldId id="274" r:id="rId19"/>
+    <p:sldId id="285" r:id="rId20"/>
+    <p:sldId id="286" r:id="rId21"/>
+    <p:sldId id="266" r:id="rId22"/>
   </p:sldIdLst>
   <p:sldSz cx="12192000" cy="6858000"/>
   <p:notesSz cx="6858000" cy="9144000"/>
@@ -183,7 +190,7 @@
           <c:spPr>
             <a:ln w="28575" cap="rnd">
               <a:solidFill>
-                <a:schemeClr val="accent1"/>
+                <a:schemeClr val="accent2"/>
               </a:solidFill>
               <a:round/>
             </a:ln>
@@ -194,11 +201,13 @@
             <c:size val="5"/>
             <c:spPr>
               <a:solidFill>
-                <a:schemeClr val="accent1"/>
+                <a:schemeClr val="accent1">
+                  <a:lumMod val="50000"/>
+                </a:schemeClr>
               </a:solidFill>
               <a:ln w="9525">
                 <a:solidFill>
-                  <a:schemeClr val="accent1"/>
+                  <a:schemeClr val="accent2"/>
                 </a:solidFill>
               </a:ln>
               <a:effectLst/>
@@ -211,11 +220,13 @@
               <c:size val="5"/>
               <c:spPr>
                 <a:solidFill>
-                  <a:schemeClr val="accent1"/>
+                  <a:schemeClr val="accent1">
+                    <a:lumMod val="50000"/>
+                  </a:schemeClr>
                 </a:solidFill>
                 <a:ln w="9525">
                   <a:solidFill>
-                    <a:schemeClr val="accent1"/>
+                    <a:schemeClr val="accent2"/>
                   </a:solidFill>
                 </a:ln>
                 <a:effectLst/>
@@ -235,11 +246,13 @@
               <c:size val="5"/>
               <c:spPr>
                 <a:solidFill>
-                  <a:schemeClr val="accent1"/>
+                  <a:schemeClr val="accent1">
+                    <a:lumMod val="50000"/>
+                  </a:schemeClr>
                 </a:solidFill>
                 <a:ln w="9525">
                   <a:solidFill>
-                    <a:schemeClr val="accent1"/>
+                    <a:schemeClr val="accent2"/>
                   </a:solidFill>
                 </a:ln>
                 <a:effectLst/>
@@ -259,11 +272,13 @@
               <c:size val="5"/>
               <c:spPr>
                 <a:solidFill>
-                  <a:schemeClr val="accent1"/>
+                  <a:schemeClr val="accent1">
+                    <a:lumMod val="50000"/>
+                  </a:schemeClr>
                 </a:solidFill>
                 <a:ln w="9525">
                   <a:solidFill>
-                    <a:schemeClr val="accent1"/>
+                    <a:schemeClr val="accent2"/>
                   </a:solidFill>
                 </a:ln>
                 <a:effectLst/>
@@ -283,11 +298,13 @@
               <c:size val="5"/>
               <c:spPr>
                 <a:solidFill>
-                  <a:schemeClr val="accent1"/>
+                  <a:schemeClr val="accent1">
+                    <a:lumMod val="50000"/>
+                  </a:schemeClr>
                 </a:solidFill>
                 <a:ln w="9525">
                   <a:solidFill>
-                    <a:schemeClr val="accent1"/>
+                    <a:schemeClr val="accent2"/>
                   </a:solidFill>
                 </a:ln>
                 <a:effectLst/>
@@ -305,8 +322,8 @@
               <c:idx val="1"/>
               <c:layout>
                 <c:manualLayout>
-                  <c:x val="-1.3227513227513713E-3"/>
-                  <c:y val="8.7719298245612955E-3"/>
+                  <c:x val="-1.5873015873015921E-2"/>
+                  <c:y val="1.1695906432748432E-2"/>
                 </c:manualLayout>
               </c:layout>
               <c:showLegendKey val="0"/>
@@ -316,7 +333,9 @@
               <c:showPercent val="0"/>
               <c:showBubbleSize val="0"/>
               <c:extLst>
-                <c:ext xmlns:c15="http://schemas.microsoft.com/office/drawing/2012/chart" uri="{CE6537A1-D6FC-4f65-9D91-7224C49458BB}"/>
+                <c:ext xmlns:c15="http://schemas.microsoft.com/office/drawing/2012/chart" uri="{CE6537A1-D6FC-4f65-9D91-7224C49458BB}">
+                  <c15:layout/>
+                </c:ext>
                 <c:ext xmlns:c16="http://schemas.microsoft.com/office/drawing/2014/chart" uri="{C3380CC4-5D6E-409C-BE32-E72D297353CC}">
                   <c16:uniqueId val="{00000003-749E-4529-A1A6-5419C5DD7C65}"/>
                 </c:ext>
@@ -337,9 +356,127 @@
               <c:showPercent val="0"/>
               <c:showBubbleSize val="0"/>
               <c:extLst>
-                <c:ext xmlns:c15="http://schemas.microsoft.com/office/drawing/2012/chart" uri="{CE6537A1-D6FC-4f65-9D91-7224C49458BB}"/>
+                <c:ext xmlns:c15="http://schemas.microsoft.com/office/drawing/2012/chart" uri="{CE6537A1-D6FC-4f65-9D91-7224C49458BB}">
+                  <c15:layout/>
+                </c:ext>
                 <c:ext xmlns:c16="http://schemas.microsoft.com/office/drawing/2014/chart" uri="{C3380CC4-5D6E-409C-BE32-E72D297353CC}">
                   <c16:uniqueId val="{00000005-749E-4529-A1A6-5419C5DD7C65}"/>
+                </c:ext>
+              </c:extLst>
+            </c:dLbl>
+            <c:dLbl>
+              <c:idx val="4"/>
+              <c:layout>
+                <c:manualLayout>
+                  <c:x val="-3.968253968253968E-3"/>
+                  <c:y val="1.4619883040935566E-2"/>
+                </c:manualLayout>
+              </c:layout>
+              <c:showLegendKey val="0"/>
+              <c:showVal val="1"/>
+              <c:showCatName val="0"/>
+              <c:showSerName val="0"/>
+              <c:showPercent val="0"/>
+              <c:showBubbleSize val="0"/>
+              <c:extLst>
+                <c:ext xmlns:c15="http://schemas.microsoft.com/office/drawing/2012/chart" uri="{CE6537A1-D6FC-4f65-9D91-7224C49458BB}">
+                  <c15:layout/>
+                </c:ext>
+                <c:ext xmlns:c16="http://schemas.microsoft.com/office/drawing/2014/chart" uri="{C3380CC4-5D6E-409C-BE32-E72D297353CC}">
+                  <c16:uniqueId val="{0000000C-0D5B-4790-9681-FF0CECD76294}"/>
+                </c:ext>
+              </c:extLst>
+            </c:dLbl>
+            <c:dLbl>
+              <c:idx val="5"/>
+              <c:layout>
+                <c:manualLayout>
+                  <c:x val="-7.9365079365080332E-3"/>
+                  <c:y val="-1.4619883040935672E-2"/>
+                </c:manualLayout>
+              </c:layout>
+              <c:spPr>
+                <a:noFill/>
+                <a:ln>
+                  <a:noFill/>
+                </a:ln>
+                <a:effectLst/>
+              </c:spPr>
+              <c:txPr>
+                <a:bodyPr rot="0" spcFirstLastPara="1" vertOverflow="ellipsis" vert="horz" wrap="square" anchor="ctr" anchorCtr="1"/>
+                <a:lstStyle/>
+                <a:p>
+                  <a:pPr>
+                    <a:defRPr sz="2000" b="1" i="0" u="none" strike="noStrike" kern="1200" baseline="0">
+                      <a:solidFill>
+                        <a:schemeClr val="tx2"/>
+                      </a:solidFill>
+                      <a:latin typeface="+mn-lt"/>
+                      <a:ea typeface="+mn-ea"/>
+                      <a:cs typeface="+mn-cs"/>
+                    </a:defRPr>
+                  </a:pPr>
+                  <a:endParaRPr lang="pt-BR"/>
+                </a:p>
+              </c:txPr>
+              <c:showLegendKey val="0"/>
+              <c:showVal val="1"/>
+              <c:showCatName val="0"/>
+              <c:showSerName val="0"/>
+              <c:showPercent val="0"/>
+              <c:showBubbleSize val="0"/>
+              <c:extLst>
+                <c:ext xmlns:c15="http://schemas.microsoft.com/office/drawing/2012/chart" uri="{CE6537A1-D6FC-4f65-9D91-7224C49458BB}">
+                  <c15:layout/>
+                </c:ext>
+                <c:ext xmlns:c16="http://schemas.microsoft.com/office/drawing/2014/chart" uri="{C3380CC4-5D6E-409C-BE32-E72D297353CC}">
+                  <c16:uniqueId val="{0000000F-0D5B-4790-9681-FF0CECD76294}"/>
+                </c:ext>
+              </c:extLst>
+            </c:dLbl>
+            <c:dLbl>
+              <c:idx val="6"/>
+              <c:layout>
+                <c:manualLayout>
+                  <c:x val="-9.7000643108723759E-17"/>
+                  <c:y val="-3.2163742690058478E-2"/>
+                </c:manualLayout>
+              </c:layout>
+              <c:showLegendKey val="0"/>
+              <c:showVal val="1"/>
+              <c:showCatName val="0"/>
+              <c:showSerName val="0"/>
+              <c:showPercent val="0"/>
+              <c:showBubbleSize val="0"/>
+              <c:extLst>
+                <c:ext xmlns:c15="http://schemas.microsoft.com/office/drawing/2012/chart" uri="{CE6537A1-D6FC-4f65-9D91-7224C49458BB}">
+                  <c15:layout/>
+                </c:ext>
+                <c:ext xmlns:c16="http://schemas.microsoft.com/office/drawing/2014/chart" uri="{C3380CC4-5D6E-409C-BE32-E72D297353CC}">
+                  <c16:uniqueId val="{0000000D-0D5B-4790-9681-FF0CECD76294}"/>
+                </c:ext>
+              </c:extLst>
+            </c:dLbl>
+            <c:dLbl>
+              <c:idx val="7"/>
+              <c:layout>
+                <c:manualLayout>
+                  <c:x val="-1.5873015873015872E-2"/>
+                  <c:y val="-2.9239766081871343E-2"/>
+                </c:manualLayout>
+              </c:layout>
+              <c:showLegendKey val="0"/>
+              <c:showVal val="1"/>
+              <c:showCatName val="0"/>
+              <c:showSerName val="0"/>
+              <c:showPercent val="0"/>
+              <c:showBubbleSize val="0"/>
+              <c:extLst>
+                <c:ext xmlns:c15="http://schemas.microsoft.com/office/drawing/2012/chart" uri="{CE6537A1-D6FC-4f65-9D91-7224C49458BB}">
+                  <c15:layout/>
+                </c:ext>
+                <c:ext xmlns:c16="http://schemas.microsoft.com/office/drawing/2014/chart" uri="{C3380CC4-5D6E-409C-BE32-E72D297353CC}">
+                  <c16:uniqueId val="{0000000E-0D5B-4790-9681-FF0CECD76294}"/>
                 </c:ext>
               </c:extLst>
             </c:dLbl>
@@ -351,18 +488,13 @@
               <a:effectLst/>
             </c:spPr>
             <c:txPr>
-              <a:bodyPr rot="0" spcFirstLastPara="1" vertOverflow="ellipsis" vert="horz" wrap="square" lIns="38100" tIns="19050" rIns="38100" bIns="19050" anchor="ctr" anchorCtr="1">
-                <a:spAutoFit/>
-              </a:bodyPr>
+              <a:bodyPr rot="0" spcFirstLastPara="1" vertOverflow="ellipsis" vert="horz" wrap="square" anchor="ctr" anchorCtr="1"/>
               <a:lstStyle/>
               <a:p>
                 <a:pPr>
-                  <a:defRPr sz="1197" b="0" i="0" u="none" strike="noStrike" kern="1200" baseline="0">
+                  <a:defRPr sz="2000" b="1" i="0" u="none" strike="noStrike" kern="1200" baseline="0">
                     <a:solidFill>
-                      <a:schemeClr val="tx1">
-                        <a:lumMod val="75000"/>
-                        <a:lumOff val="25000"/>
-                      </a:schemeClr>
+                      <a:schemeClr val="tx2"/>
                     </a:solidFill>
                     <a:latin typeface="+mn-lt"/>
                     <a:ea typeface="+mn-ea"/>
@@ -381,6 +513,7 @@
             <c:showLeaderLines val="0"/>
             <c:extLst>
               <c:ext xmlns:c15="http://schemas.microsoft.com/office/drawing/2012/chart" uri="{CE6537A1-D6FC-4f65-9D91-7224C49458BB}">
+                <c15:layout/>
                 <c15:showLeaderLines val="1"/>
                 <c15:leaderLines>
                   <c:spPr>
@@ -488,7 +621,7 @@
           <c:spPr>
             <a:ln w="28575" cap="rnd">
               <a:solidFill>
-                <a:schemeClr val="accent2"/>
+                <a:schemeClr val="accent4"/>
               </a:solidFill>
               <a:round/>
             </a:ln>
@@ -499,11 +632,11 @@
             <c:size val="5"/>
             <c:spPr>
               <a:solidFill>
-                <a:schemeClr val="accent2"/>
+                <a:schemeClr val="accent4"/>
               </a:solidFill>
               <a:ln w="9525">
                 <a:solidFill>
-                  <a:schemeClr val="accent2"/>
+                  <a:schemeClr val="accent4"/>
                 </a:solidFill>
               </a:ln>
               <a:effectLst/>
@@ -516,11 +649,11 @@
               <c:size val="5"/>
               <c:spPr>
                 <a:solidFill>
-                  <a:schemeClr val="accent2"/>
+                  <a:schemeClr val="accent4"/>
                 </a:solidFill>
                 <a:ln w="9525">
                   <a:solidFill>
-                    <a:schemeClr val="accent2"/>
+                    <a:schemeClr val="accent4"/>
                   </a:solidFill>
                 </a:ln>
                 <a:effectLst/>
@@ -540,11 +673,11 @@
               <c:size val="5"/>
               <c:spPr>
                 <a:solidFill>
-                  <a:schemeClr val="accent2"/>
+                  <a:schemeClr val="accent4"/>
                 </a:solidFill>
                 <a:ln w="9525">
                   <a:solidFill>
-                    <a:schemeClr val="accent2"/>
+                    <a:schemeClr val="accent4"/>
                   </a:solidFill>
                 </a:ln>
                 <a:effectLst/>
@@ -564,11 +697,11 @@
               <c:size val="5"/>
               <c:spPr>
                 <a:solidFill>
-                  <a:schemeClr val="accent2"/>
+                  <a:schemeClr val="accent4"/>
                 </a:solidFill>
                 <a:ln w="9525">
                   <a:solidFill>
-                    <a:schemeClr val="accent2"/>
+                    <a:schemeClr val="accent4"/>
                   </a:solidFill>
                 </a:ln>
                 <a:effectLst/>
@@ -588,11 +721,11 @@
               <c:size val="5"/>
               <c:spPr>
                 <a:solidFill>
-                  <a:schemeClr val="accent2"/>
+                  <a:schemeClr val="accent4"/>
                 </a:solidFill>
                 <a:ln w="9525">
                   <a:solidFill>
-                    <a:schemeClr val="accent2"/>
+                    <a:schemeClr val="accent4"/>
                   </a:solidFill>
                 </a:ln>
                 <a:effectLst/>
@@ -610,8 +743,8 @@
               <c:idx val="1"/>
               <c:layout>
                 <c:manualLayout>
-                  <c:x val="-5.2910052910052907E-3"/>
-                  <c:y val="-2.0467836257310048E-2"/>
+                  <c:x val="-1.7195767195767195E-2"/>
+                  <c:y val="-3.2163742690058589E-2"/>
                 </c:manualLayout>
               </c:layout>
               <c:showLegendKey val="0"/>
@@ -621,7 +754,9 @@
               <c:showPercent val="0"/>
               <c:showBubbleSize val="0"/>
               <c:extLst>
-                <c:ext xmlns:c15="http://schemas.microsoft.com/office/drawing/2012/chart" uri="{CE6537A1-D6FC-4f65-9D91-7224C49458BB}"/>
+                <c:ext xmlns:c15="http://schemas.microsoft.com/office/drawing/2012/chart" uri="{CE6537A1-D6FC-4f65-9D91-7224C49458BB}">
+                  <c15:layout/>
+                </c:ext>
                 <c:ext xmlns:c16="http://schemas.microsoft.com/office/drawing/2014/chart" uri="{C3380CC4-5D6E-409C-BE32-E72D297353CC}">
                   <c16:uniqueId val="{0000000B-749E-4529-A1A6-5419C5DD7C65}"/>
                 </c:ext>
@@ -642,7 +777,9 @@
               <c:showPercent val="0"/>
               <c:showBubbleSize val="0"/>
               <c:extLst>
-                <c:ext xmlns:c15="http://schemas.microsoft.com/office/drawing/2012/chart" uri="{CE6537A1-D6FC-4f65-9D91-7224C49458BB}"/>
+                <c:ext xmlns:c15="http://schemas.microsoft.com/office/drawing/2012/chart" uri="{CE6537A1-D6FC-4f65-9D91-7224C49458BB}">
+                  <c15:layout/>
+                </c:ext>
                 <c:ext xmlns:c16="http://schemas.microsoft.com/office/drawing/2014/chart" uri="{C3380CC4-5D6E-409C-BE32-E72D297353CC}">
                   <c16:uniqueId val="{0000000D-749E-4529-A1A6-5419C5DD7C65}"/>
                 </c:ext>
@@ -652,8 +789,8 @@
               <c:idx val="3"/>
               <c:layout>
                 <c:manualLayout>
-                  <c:x val="-9.2592592592592587E-3"/>
-                  <c:y val="-4.0935672514619881E-2"/>
+                  <c:x val="-1.8518518518518615E-2"/>
+                  <c:y val="-4.9707602339181395E-2"/>
                 </c:manualLayout>
               </c:layout>
               <c:showLegendKey val="0"/>
@@ -663,9 +800,103 @@
               <c:showPercent val="0"/>
               <c:showBubbleSize val="0"/>
               <c:extLst>
-                <c:ext xmlns:c15="http://schemas.microsoft.com/office/drawing/2012/chart" uri="{CE6537A1-D6FC-4f65-9D91-7224C49458BB}"/>
+                <c:ext xmlns:c15="http://schemas.microsoft.com/office/drawing/2012/chart" uri="{CE6537A1-D6FC-4f65-9D91-7224C49458BB}">
+                  <c15:layout/>
+                </c:ext>
                 <c:ext xmlns:c16="http://schemas.microsoft.com/office/drawing/2014/chart" uri="{C3380CC4-5D6E-409C-BE32-E72D297353CC}">
                   <c16:uniqueId val="{0000000F-749E-4529-A1A6-5419C5DD7C65}"/>
+                </c:ext>
+              </c:extLst>
+            </c:dLbl>
+            <c:dLbl>
+              <c:idx val="4"/>
+              <c:layout>
+                <c:manualLayout>
+                  <c:x val="-5.2910052910052907E-3"/>
+                  <c:y val="2.046783625730994E-2"/>
+                </c:manualLayout>
+              </c:layout>
+              <c:showLegendKey val="0"/>
+              <c:showVal val="1"/>
+              <c:showCatName val="0"/>
+              <c:showSerName val="0"/>
+              <c:showPercent val="0"/>
+              <c:showBubbleSize val="0"/>
+              <c:extLst>
+                <c:ext xmlns:c15="http://schemas.microsoft.com/office/drawing/2012/chart" uri="{CE6537A1-D6FC-4f65-9D91-7224C49458BB}">
+                  <c15:layout/>
+                </c:ext>
+                <c:ext xmlns:c16="http://schemas.microsoft.com/office/drawing/2014/chart" uri="{C3380CC4-5D6E-409C-BE32-E72D297353CC}">
+                  <c16:uniqueId val="{00000008-0D5B-4790-9681-FF0CECD76294}"/>
+                </c:ext>
+              </c:extLst>
+            </c:dLbl>
+            <c:dLbl>
+              <c:idx val="5"/>
+              <c:layout>
+                <c:manualLayout>
+                  <c:x val="-1.9841269841269937E-2"/>
+                  <c:y val="4.6783625730994045E-2"/>
+                </c:manualLayout>
+              </c:layout>
+              <c:showLegendKey val="0"/>
+              <c:showVal val="1"/>
+              <c:showCatName val="0"/>
+              <c:showSerName val="0"/>
+              <c:showPercent val="0"/>
+              <c:showBubbleSize val="0"/>
+              <c:extLst>
+                <c:ext xmlns:c15="http://schemas.microsoft.com/office/drawing/2012/chart" uri="{CE6537A1-D6FC-4f65-9D91-7224C49458BB}">
+                  <c15:layout/>
+                </c:ext>
+                <c:ext xmlns:c16="http://schemas.microsoft.com/office/drawing/2014/chart" uri="{C3380CC4-5D6E-409C-BE32-E72D297353CC}">
+                  <c16:uniqueId val="{00000009-0D5B-4790-9681-FF0CECD76294}"/>
+                </c:ext>
+              </c:extLst>
+            </c:dLbl>
+            <c:dLbl>
+              <c:idx val="6"/>
+              <c:layout>
+                <c:manualLayout>
+                  <c:x val="-6.6137566137567105E-3"/>
+                  <c:y val="4.3859649122806967E-2"/>
+                </c:manualLayout>
+              </c:layout>
+              <c:showLegendKey val="0"/>
+              <c:showVal val="1"/>
+              <c:showCatName val="0"/>
+              <c:showSerName val="0"/>
+              <c:showPercent val="0"/>
+              <c:showBubbleSize val="0"/>
+              <c:extLst>
+                <c:ext xmlns:c15="http://schemas.microsoft.com/office/drawing/2012/chart" uri="{CE6537A1-D6FC-4f65-9D91-7224C49458BB}">
+                  <c15:layout/>
+                </c:ext>
+                <c:ext xmlns:c16="http://schemas.microsoft.com/office/drawing/2014/chart" uri="{C3380CC4-5D6E-409C-BE32-E72D297353CC}">
+                  <c16:uniqueId val="{0000000A-0D5B-4790-9681-FF0CECD76294}"/>
+                </c:ext>
+              </c:extLst>
+            </c:dLbl>
+            <c:dLbl>
+              <c:idx val="7"/>
+              <c:layout>
+                <c:manualLayout>
+                  <c:x val="-3.968253968253968E-3"/>
+                  <c:y val="-1.754385964912282E-2"/>
+                </c:manualLayout>
+              </c:layout>
+              <c:showLegendKey val="0"/>
+              <c:showVal val="1"/>
+              <c:showCatName val="0"/>
+              <c:showSerName val="0"/>
+              <c:showPercent val="0"/>
+              <c:showBubbleSize val="0"/>
+              <c:extLst>
+                <c:ext xmlns:c15="http://schemas.microsoft.com/office/drawing/2012/chart" uri="{CE6537A1-D6FC-4f65-9D91-7224C49458BB}">
+                  <c15:layout/>
+                </c:ext>
+                <c:ext xmlns:c16="http://schemas.microsoft.com/office/drawing/2014/chart" uri="{C3380CC4-5D6E-409C-BE32-E72D297353CC}">
+                  <c16:uniqueId val="{0000000B-0D5B-4790-9681-FF0CECD76294}"/>
                 </c:ext>
               </c:extLst>
             </c:dLbl>
@@ -677,18 +908,13 @@
               <a:effectLst/>
             </c:spPr>
             <c:txPr>
-              <a:bodyPr rot="0" spcFirstLastPara="1" vertOverflow="ellipsis" vert="horz" wrap="square" lIns="38100" tIns="19050" rIns="38100" bIns="19050" anchor="ctr" anchorCtr="1">
-                <a:spAutoFit/>
-              </a:bodyPr>
+              <a:bodyPr rot="0" spcFirstLastPara="1" vertOverflow="ellipsis" vert="horz" wrap="square" anchor="ctr" anchorCtr="1"/>
               <a:lstStyle/>
               <a:p>
                 <a:pPr>
-                  <a:defRPr sz="1197" b="0" i="0" u="none" strike="noStrike" kern="1200" baseline="0">
+                  <a:defRPr sz="2000" b="1" i="0" u="none" strike="noStrike" kern="1200" baseline="0">
                     <a:solidFill>
-                      <a:schemeClr val="tx1">
-                        <a:lumMod val="75000"/>
-                        <a:lumOff val="25000"/>
-                      </a:schemeClr>
+                      <a:schemeClr val="tx2"/>
                     </a:solidFill>
                     <a:latin typeface="+mn-lt"/>
                     <a:ea typeface="+mn-ea"/>
@@ -707,6 +933,7 @@
             <c:showLeaderLines val="0"/>
             <c:extLst>
               <c:ext xmlns:c15="http://schemas.microsoft.com/office/drawing/2012/chart" uri="{CE6537A1-D6FC-4f65-9D91-7224C49458BB}">
+                <c15:layout/>
                 <c15:showLeaderLines val="1"/>
                 <c15:leaderLines>
                   <c:spPr>
@@ -839,7 +1066,7 @@
           <a:lstStyle/>
           <a:p>
             <a:pPr>
-              <a:defRPr sz="1197" b="0" i="0" u="none" strike="noStrike" kern="1200" baseline="0">
+              <a:defRPr sz="2000" b="1" i="0" u="none" strike="noStrike" kern="1200" baseline="0">
                 <a:solidFill>
                   <a:schemeClr val="tx1">
                     <a:lumMod val="65000"/>
@@ -898,7 +1125,7 @@
           <a:lstStyle/>
           <a:p>
             <a:pPr>
-              <a:defRPr sz="1197" b="0" i="0" u="none" strike="noStrike" kern="1200" baseline="0">
+              <a:defRPr sz="2000" b="1" i="0" u="none" strike="noStrike" kern="1200" baseline="0">
                 <a:solidFill>
                   <a:schemeClr val="tx1">
                     <a:lumMod val="65000"/>
@@ -927,6 +1154,7 @@
     </c:plotArea>
     <c:legend>
       <c:legendPos val="b"/>
+      <c:layout/>
       <c:overlay val="0"/>
       <c:spPr>
         <a:noFill/>
@@ -940,7 +1168,7 @@
         <a:lstStyle/>
         <a:p>
           <a:pPr>
-            <a:defRPr sz="1197" b="0" i="0" u="none" strike="noStrike" kern="1200" baseline="0">
+            <a:defRPr sz="2000" b="1" i="0" u="none" strike="noStrike" kern="1200" baseline="0">
               <a:solidFill>
                 <a:schemeClr val="tx1">
                   <a:lumMod val="65000"/>
@@ -972,7 +1200,7 @@
     <a:lstStyle/>
     <a:p>
       <a:pPr>
-        <a:defRPr/>
+        <a:defRPr sz="2000" b="1" i="0" baseline="0"/>
       </a:pPr>
       <a:endParaRPr lang="pt-BR"/>
     </a:p>
@@ -984,12 +1212,9 @@
 </file>
 
 <file path=ppt/charts/colors1.xml><?xml version="1.0" encoding="utf-8"?>
-<cs:colorStyle xmlns:cs="http://schemas.microsoft.com/office/drawing/2012/chartStyle" xmlns:a="http://schemas.openxmlformats.org/drawingml/2006/main" meth="cycle" id="10">
-  <a:schemeClr val="accent1"/>
+<cs:colorStyle xmlns:cs="http://schemas.microsoft.com/office/drawing/2012/chartStyle" xmlns:a="http://schemas.openxmlformats.org/drawingml/2006/main" meth="cycle" id="12">
   <a:schemeClr val="accent2"/>
-  <a:schemeClr val="accent3"/>
   <a:schemeClr val="accent4"/>
-  <a:schemeClr val="accent5"/>
   <a:schemeClr val="accent6"/>
   <cs:variation/>
   <cs:variation>
@@ -1623,7 +1848,7 @@
             <a:pPr rtl="0"/>
             <a:fld id="{F769B0D5-7F55-455B-B769-84B61581E250}" type="datetime1">
               <a:rPr lang="pt-BR" smtClean="0"/>
-              <a:t>29/04/2019</a:t>
+              <a:t>06/05/2019</a:t>
             </a:fld>
             <a:endParaRPr lang="pt-BR" dirty="0"/>
           </a:p>
@@ -1793,7 +2018,7 @@
             <a:pPr rtl="0"/>
             <a:fld id="{1AFE56F6-A70B-491B-A989-29E38C94819E}" type="datetime1">
               <a:rPr lang="pt-BR" noProof="0" smtClean="0"/>
-              <a:t>29/04/2019</a:t>
+              <a:t>06/05/2019</a:t>
             </a:fld>
             <a:endParaRPr lang="pt-BR" noProof="0" dirty="0"/>
           </a:p>
@@ -2160,6 +2385,560 @@
 </p:notes>
 </file>
 
+<file path=ppt/notesSlides/notesSlide10.xml><?xml version="1.0" encoding="utf-8"?>
+<p:notes xmlns:a="http://schemas.openxmlformats.org/drawingml/2006/main" xmlns:r="http://schemas.openxmlformats.org/officeDocument/2006/relationships" xmlns:p="http://schemas.openxmlformats.org/presentationml/2006/main">
+  <p:cSld>
+    <p:spTree>
+      <p:nvGrpSpPr>
+        <p:cNvPr id="1" name=""/>
+        <p:cNvGrpSpPr/>
+        <p:nvPr/>
+      </p:nvGrpSpPr>
+      <p:grpSpPr>
+        <a:xfrm>
+          <a:off x="0" y="0"/>
+          <a:ext cx="0" cy="0"/>
+          <a:chOff x="0" y="0"/>
+          <a:chExt cx="0" cy="0"/>
+        </a:xfrm>
+      </p:grpSpPr>
+      <p:sp>
+        <p:nvSpPr>
+          <p:cNvPr id="2" name="Espaço reservado para a imagem do slide 1"/>
+          <p:cNvSpPr>
+            <a:spLocks noGrp="1" noRot="1" noChangeAspect="1"/>
+          </p:cNvSpPr>
+          <p:nvPr>
+            <p:ph type="sldImg"/>
+          </p:nvPr>
+        </p:nvSpPr>
+        <p:spPr/>
+      </p:sp>
+      <p:sp>
+        <p:nvSpPr>
+          <p:cNvPr id="3" name="Espaço reservado para anotações 2"/>
+          <p:cNvSpPr>
+            <a:spLocks noGrp="1"/>
+          </p:cNvSpPr>
+          <p:nvPr>
+            <p:ph type="body" idx="1"/>
+          </p:nvPr>
+        </p:nvSpPr>
+        <p:spPr/>
+        <p:txBody>
+          <a:bodyPr rtlCol="0"/>
+          <a:lstStyle/>
+          <a:p>
+            <a:pPr rtl="0"/>
+            <a:r>
+              <a:rPr lang="pt-BR" sz="1200" i="1" dirty="0">
+                <a:latin typeface="Arial" pitchFamily="34" charset="0"/>
+                <a:cs typeface="Arial" pitchFamily="34" charset="0"/>
+              </a:rPr>
+              <a:t>Para alterar a imagem no slide, selecione e exclua a imagem. Em seguida, use o ícone Imagens no espaço reservado para inserir sua própria imagem.</a:t>
+            </a:r>
+          </a:p>
+          <a:p>
+            <a:pPr rtl="0"/>
+            <a:endParaRPr lang="pt-BR" dirty="0"/>
+          </a:p>
+        </p:txBody>
+      </p:sp>
+      <p:sp>
+        <p:nvSpPr>
+          <p:cNvPr id="4" name="Espaço reservado para o número do slide 3"/>
+          <p:cNvSpPr>
+            <a:spLocks noGrp="1"/>
+          </p:cNvSpPr>
+          <p:nvPr>
+            <p:ph type="sldNum" sz="quarter" idx="10"/>
+          </p:nvPr>
+        </p:nvSpPr>
+        <p:spPr/>
+        <p:txBody>
+          <a:bodyPr rtlCol="0"/>
+          <a:lstStyle/>
+          <a:p>
+            <a:pPr rtl="0"/>
+            <a:fld id="{1B9A179D-2D27-49E2-B022-8EDDA2EFE682}" type="slidenum">
+              <a:rPr lang="pt-BR" smtClean="0"/>
+              <a:t>13</a:t>
+            </a:fld>
+            <a:endParaRPr lang="pt-BR" dirty="0"/>
+          </a:p>
+        </p:txBody>
+      </p:sp>
+    </p:spTree>
+    <p:extLst>
+      <p:ext uri="{BB962C8B-B14F-4D97-AF65-F5344CB8AC3E}">
+        <p14:creationId xmlns:p14="http://schemas.microsoft.com/office/powerpoint/2010/main" val="2071809905"/>
+      </p:ext>
+    </p:extLst>
+  </p:cSld>
+  <p:clrMapOvr>
+    <a:masterClrMapping/>
+  </p:clrMapOvr>
+</p:notes>
+</file>
+
+<file path=ppt/notesSlides/notesSlide11.xml><?xml version="1.0" encoding="utf-8"?>
+<p:notes xmlns:a="http://schemas.openxmlformats.org/drawingml/2006/main" xmlns:r="http://schemas.openxmlformats.org/officeDocument/2006/relationships" xmlns:p="http://schemas.openxmlformats.org/presentationml/2006/main">
+  <p:cSld>
+    <p:spTree>
+      <p:nvGrpSpPr>
+        <p:cNvPr id="1" name=""/>
+        <p:cNvGrpSpPr/>
+        <p:nvPr/>
+      </p:nvGrpSpPr>
+      <p:grpSpPr>
+        <a:xfrm>
+          <a:off x="0" y="0"/>
+          <a:ext cx="0" cy="0"/>
+          <a:chOff x="0" y="0"/>
+          <a:chExt cx="0" cy="0"/>
+        </a:xfrm>
+      </p:grpSpPr>
+      <p:sp>
+        <p:nvSpPr>
+          <p:cNvPr id="2" name="Espaço reservado para a imagem do slide 1"/>
+          <p:cNvSpPr>
+            <a:spLocks noGrp="1" noRot="1" noChangeAspect="1"/>
+          </p:cNvSpPr>
+          <p:nvPr>
+            <p:ph type="sldImg"/>
+          </p:nvPr>
+        </p:nvSpPr>
+        <p:spPr/>
+      </p:sp>
+      <p:sp>
+        <p:nvSpPr>
+          <p:cNvPr id="3" name="Espaço reservado para anotações 2"/>
+          <p:cNvSpPr>
+            <a:spLocks noGrp="1"/>
+          </p:cNvSpPr>
+          <p:nvPr>
+            <p:ph type="body" idx="1"/>
+          </p:nvPr>
+        </p:nvSpPr>
+        <p:spPr/>
+        <p:txBody>
+          <a:bodyPr rtlCol="0"/>
+          <a:lstStyle/>
+          <a:p>
+            <a:pPr rtl="0"/>
+            <a:r>
+              <a:rPr lang="pt-BR" sz="1200" i="1" dirty="0">
+                <a:latin typeface="Arial" pitchFamily="34" charset="0"/>
+                <a:cs typeface="Arial" pitchFamily="34" charset="0"/>
+              </a:rPr>
+              <a:t>Para alterar a imagem no slide, selecione e exclua a imagem. Em seguida, use o ícone Imagens no espaço reservado para inserir sua própria imagem.</a:t>
+            </a:r>
+          </a:p>
+          <a:p>
+            <a:pPr rtl="0"/>
+            <a:endParaRPr lang="pt-BR" dirty="0"/>
+          </a:p>
+        </p:txBody>
+      </p:sp>
+      <p:sp>
+        <p:nvSpPr>
+          <p:cNvPr id="4" name="Espaço reservado para o número do slide 3"/>
+          <p:cNvSpPr>
+            <a:spLocks noGrp="1"/>
+          </p:cNvSpPr>
+          <p:nvPr>
+            <p:ph type="sldNum" sz="quarter" idx="10"/>
+          </p:nvPr>
+        </p:nvSpPr>
+        <p:spPr/>
+        <p:txBody>
+          <a:bodyPr rtlCol="0"/>
+          <a:lstStyle/>
+          <a:p>
+            <a:pPr rtl="0"/>
+            <a:fld id="{1B9A179D-2D27-49E2-B022-8EDDA2EFE682}" type="slidenum">
+              <a:rPr lang="pt-BR" smtClean="0"/>
+              <a:t>15</a:t>
+            </a:fld>
+            <a:endParaRPr lang="pt-BR" dirty="0"/>
+          </a:p>
+        </p:txBody>
+      </p:sp>
+    </p:spTree>
+    <p:extLst>
+      <p:ext uri="{BB962C8B-B14F-4D97-AF65-F5344CB8AC3E}">
+        <p14:creationId xmlns:p14="http://schemas.microsoft.com/office/powerpoint/2010/main" val="2815336734"/>
+      </p:ext>
+    </p:extLst>
+  </p:cSld>
+  <p:clrMapOvr>
+    <a:masterClrMapping/>
+  </p:clrMapOvr>
+</p:notes>
+</file>
+
+<file path=ppt/notesSlides/notesSlide12.xml><?xml version="1.0" encoding="utf-8"?>
+<p:notes xmlns:a="http://schemas.openxmlformats.org/drawingml/2006/main" xmlns:r="http://schemas.openxmlformats.org/officeDocument/2006/relationships" xmlns:p="http://schemas.openxmlformats.org/presentationml/2006/main">
+  <p:cSld>
+    <p:spTree>
+      <p:nvGrpSpPr>
+        <p:cNvPr id="1" name=""/>
+        <p:cNvGrpSpPr/>
+        <p:nvPr/>
+      </p:nvGrpSpPr>
+      <p:grpSpPr>
+        <a:xfrm>
+          <a:off x="0" y="0"/>
+          <a:ext cx="0" cy="0"/>
+          <a:chOff x="0" y="0"/>
+          <a:chExt cx="0" cy="0"/>
+        </a:xfrm>
+      </p:grpSpPr>
+      <p:sp>
+        <p:nvSpPr>
+          <p:cNvPr id="2" name="Espaço Reservado para Imagem de Slide 1"/>
+          <p:cNvSpPr>
+            <a:spLocks noGrp="1" noRot="1" noChangeAspect="1"/>
+          </p:cNvSpPr>
+          <p:nvPr>
+            <p:ph type="sldImg"/>
+          </p:nvPr>
+        </p:nvSpPr>
+        <p:spPr/>
+      </p:sp>
+      <p:sp>
+        <p:nvSpPr>
+          <p:cNvPr id="3" name="Espaço Reservado para Anotações 2"/>
+          <p:cNvSpPr>
+            <a:spLocks noGrp="1"/>
+          </p:cNvSpPr>
+          <p:nvPr>
+            <p:ph type="body" idx="1"/>
+          </p:nvPr>
+        </p:nvSpPr>
+        <p:spPr/>
+        <p:txBody>
+          <a:bodyPr/>
+          <a:lstStyle/>
+          <a:p>
+            <a:endParaRPr lang="pt-BR" dirty="0"/>
+          </a:p>
+        </p:txBody>
+      </p:sp>
+      <p:sp>
+        <p:nvSpPr>
+          <p:cNvPr id="4" name="Espaço Reservado para Número de Slide 3"/>
+          <p:cNvSpPr>
+            <a:spLocks noGrp="1"/>
+          </p:cNvSpPr>
+          <p:nvPr>
+            <p:ph type="sldNum" sz="quarter" idx="5"/>
+          </p:nvPr>
+        </p:nvSpPr>
+        <p:spPr/>
+        <p:txBody>
+          <a:bodyPr/>
+          <a:lstStyle/>
+          <a:p>
+            <a:pPr rtl="0"/>
+            <a:fld id="{1B9A179D-2D27-49E2-B022-8EDDA2EFE682}" type="slidenum">
+              <a:rPr lang="pt-BR" noProof="0" smtClean="0"/>
+              <a:t>16</a:t>
+            </a:fld>
+            <a:endParaRPr lang="pt-BR" noProof="0" dirty="0"/>
+          </a:p>
+        </p:txBody>
+      </p:sp>
+    </p:spTree>
+    <p:extLst>
+      <p:ext uri="{BB962C8B-B14F-4D97-AF65-F5344CB8AC3E}">
+        <p14:creationId xmlns:p14="http://schemas.microsoft.com/office/powerpoint/2010/main" val="1118593241"/>
+      </p:ext>
+    </p:extLst>
+  </p:cSld>
+  <p:clrMapOvr>
+    <a:masterClrMapping/>
+  </p:clrMapOvr>
+</p:notes>
+</file>
+
+<file path=ppt/notesSlides/notesSlide13.xml><?xml version="1.0" encoding="utf-8"?>
+<p:notes xmlns:a="http://schemas.openxmlformats.org/drawingml/2006/main" xmlns:r="http://schemas.openxmlformats.org/officeDocument/2006/relationships" xmlns:p="http://schemas.openxmlformats.org/presentationml/2006/main">
+  <p:cSld>
+    <p:spTree>
+      <p:nvGrpSpPr>
+        <p:cNvPr id="1" name=""/>
+        <p:cNvGrpSpPr/>
+        <p:nvPr/>
+      </p:nvGrpSpPr>
+      <p:grpSpPr>
+        <a:xfrm>
+          <a:off x="0" y="0"/>
+          <a:ext cx="0" cy="0"/>
+          <a:chOff x="0" y="0"/>
+          <a:chExt cx="0" cy="0"/>
+        </a:xfrm>
+      </p:grpSpPr>
+      <p:sp>
+        <p:nvSpPr>
+          <p:cNvPr id="2" name="Espaço reservado para a imagem do slide 1"/>
+          <p:cNvSpPr>
+            <a:spLocks noGrp="1" noRot="1" noChangeAspect="1"/>
+          </p:cNvSpPr>
+          <p:nvPr>
+            <p:ph type="sldImg"/>
+          </p:nvPr>
+        </p:nvSpPr>
+        <p:spPr/>
+      </p:sp>
+      <p:sp>
+        <p:nvSpPr>
+          <p:cNvPr id="3" name="Espaço reservado para anotações 2"/>
+          <p:cNvSpPr>
+            <a:spLocks noGrp="1"/>
+          </p:cNvSpPr>
+          <p:nvPr>
+            <p:ph type="body" idx="1"/>
+          </p:nvPr>
+        </p:nvSpPr>
+        <p:spPr/>
+        <p:txBody>
+          <a:bodyPr rtlCol="0"/>
+          <a:lstStyle/>
+          <a:p>
+            <a:pPr rtl="0"/>
+            <a:r>
+              <a:rPr lang="pt-BR" sz="1200" i="1" dirty="0">
+                <a:latin typeface="Arial" pitchFamily="34" charset="0"/>
+                <a:cs typeface="Arial" pitchFamily="34" charset="0"/>
+              </a:rPr>
+              <a:t>Para alterar a imagem no slide, selecione e exclua a imagem. Em seguida, use o ícone Imagens no espaço reservado para inserir sua própria imagem.</a:t>
+            </a:r>
+          </a:p>
+          <a:p>
+            <a:pPr rtl="0"/>
+            <a:endParaRPr lang="pt-BR" dirty="0"/>
+          </a:p>
+        </p:txBody>
+      </p:sp>
+      <p:sp>
+        <p:nvSpPr>
+          <p:cNvPr id="4" name="Espaço reservado para o número do slide 3"/>
+          <p:cNvSpPr>
+            <a:spLocks noGrp="1"/>
+          </p:cNvSpPr>
+          <p:nvPr>
+            <p:ph type="sldNum" sz="quarter" idx="10"/>
+          </p:nvPr>
+        </p:nvSpPr>
+        <p:spPr/>
+        <p:txBody>
+          <a:bodyPr rtlCol="0"/>
+          <a:lstStyle/>
+          <a:p>
+            <a:pPr rtl="0"/>
+            <a:fld id="{1B9A179D-2D27-49E2-B022-8EDDA2EFE682}" type="slidenum">
+              <a:rPr lang="pt-BR" smtClean="0"/>
+              <a:t>17</a:t>
+            </a:fld>
+            <a:endParaRPr lang="pt-BR" dirty="0"/>
+          </a:p>
+        </p:txBody>
+      </p:sp>
+    </p:spTree>
+    <p:extLst>
+      <p:ext uri="{BB962C8B-B14F-4D97-AF65-F5344CB8AC3E}">
+        <p14:creationId xmlns:p14="http://schemas.microsoft.com/office/powerpoint/2010/main" val="3073107557"/>
+      </p:ext>
+    </p:extLst>
+  </p:cSld>
+  <p:clrMapOvr>
+    <a:masterClrMapping/>
+  </p:clrMapOvr>
+</p:notes>
+</file>
+
+<file path=ppt/notesSlides/notesSlide14.xml><?xml version="1.0" encoding="utf-8"?>
+<p:notes xmlns:a="http://schemas.openxmlformats.org/drawingml/2006/main" xmlns:r="http://schemas.openxmlformats.org/officeDocument/2006/relationships" xmlns:p="http://schemas.openxmlformats.org/presentationml/2006/main">
+  <p:cSld>
+    <p:spTree>
+      <p:nvGrpSpPr>
+        <p:cNvPr id="1" name=""/>
+        <p:cNvGrpSpPr/>
+        <p:nvPr/>
+      </p:nvGrpSpPr>
+      <p:grpSpPr>
+        <a:xfrm>
+          <a:off x="0" y="0"/>
+          <a:ext cx="0" cy="0"/>
+          <a:chOff x="0" y="0"/>
+          <a:chExt cx="0" cy="0"/>
+        </a:xfrm>
+      </p:grpSpPr>
+      <p:sp>
+        <p:nvSpPr>
+          <p:cNvPr id="2" name="Espaço reservado para a imagem do slide 1"/>
+          <p:cNvSpPr>
+            <a:spLocks noGrp="1" noRot="1" noChangeAspect="1"/>
+          </p:cNvSpPr>
+          <p:nvPr>
+            <p:ph type="sldImg"/>
+          </p:nvPr>
+        </p:nvSpPr>
+        <p:spPr/>
+      </p:sp>
+      <p:sp>
+        <p:nvSpPr>
+          <p:cNvPr id="3" name="Espaço reservado para anotações 2"/>
+          <p:cNvSpPr>
+            <a:spLocks noGrp="1"/>
+          </p:cNvSpPr>
+          <p:nvPr>
+            <p:ph type="body" idx="1"/>
+          </p:nvPr>
+        </p:nvSpPr>
+        <p:spPr/>
+        <p:txBody>
+          <a:bodyPr rtlCol="0"/>
+          <a:lstStyle/>
+          <a:p>
+            <a:pPr rtl="0"/>
+            <a:r>
+              <a:rPr lang="pt-BR" sz="1200" i="1" dirty="0">
+                <a:latin typeface="Arial" pitchFamily="34" charset="0"/>
+                <a:cs typeface="Arial" pitchFamily="34" charset="0"/>
+              </a:rPr>
+              <a:t>Para alterar a imagem no slide, selecione e exclua a imagem. Em seguida, use o ícone Imagens no espaço reservado para inserir sua própria imagem.</a:t>
+            </a:r>
+          </a:p>
+          <a:p>
+            <a:pPr rtl="0"/>
+            <a:endParaRPr lang="pt-BR" dirty="0"/>
+          </a:p>
+        </p:txBody>
+      </p:sp>
+      <p:sp>
+        <p:nvSpPr>
+          <p:cNvPr id="4" name="Espaço reservado para o número do slide 3"/>
+          <p:cNvSpPr>
+            <a:spLocks noGrp="1"/>
+          </p:cNvSpPr>
+          <p:nvPr>
+            <p:ph type="sldNum" sz="quarter" idx="10"/>
+          </p:nvPr>
+        </p:nvSpPr>
+        <p:spPr/>
+        <p:txBody>
+          <a:bodyPr rtlCol="0"/>
+          <a:lstStyle/>
+          <a:p>
+            <a:pPr rtl="0"/>
+            <a:fld id="{1B9A179D-2D27-49E2-B022-8EDDA2EFE682}" type="slidenum">
+              <a:rPr lang="pt-BR" smtClean="0"/>
+              <a:t>19</a:t>
+            </a:fld>
+            <a:endParaRPr lang="pt-BR" dirty="0"/>
+          </a:p>
+        </p:txBody>
+      </p:sp>
+    </p:spTree>
+    <p:extLst>
+      <p:ext uri="{BB962C8B-B14F-4D97-AF65-F5344CB8AC3E}">
+        <p14:creationId xmlns:p14="http://schemas.microsoft.com/office/powerpoint/2010/main" val="3318055491"/>
+      </p:ext>
+    </p:extLst>
+  </p:cSld>
+  <p:clrMapOvr>
+    <a:masterClrMapping/>
+  </p:clrMapOvr>
+</p:notes>
+</file>
+
+<file path=ppt/notesSlides/notesSlide15.xml><?xml version="1.0" encoding="utf-8"?>
+<p:notes xmlns:a="http://schemas.openxmlformats.org/drawingml/2006/main" xmlns:r="http://schemas.openxmlformats.org/officeDocument/2006/relationships" xmlns:p="http://schemas.openxmlformats.org/presentationml/2006/main">
+  <p:cSld>
+    <p:spTree>
+      <p:nvGrpSpPr>
+        <p:cNvPr id="1" name=""/>
+        <p:cNvGrpSpPr/>
+        <p:nvPr/>
+      </p:nvGrpSpPr>
+      <p:grpSpPr>
+        <a:xfrm>
+          <a:off x="0" y="0"/>
+          <a:ext cx="0" cy="0"/>
+          <a:chOff x="0" y="0"/>
+          <a:chExt cx="0" cy="0"/>
+        </a:xfrm>
+      </p:grpSpPr>
+      <p:sp>
+        <p:nvSpPr>
+          <p:cNvPr id="2" name="Espaço Reservado para Imagem de Slide 1"/>
+          <p:cNvSpPr>
+            <a:spLocks noGrp="1" noRot="1" noChangeAspect="1"/>
+          </p:cNvSpPr>
+          <p:nvPr>
+            <p:ph type="sldImg"/>
+          </p:nvPr>
+        </p:nvSpPr>
+        <p:spPr/>
+      </p:sp>
+      <p:sp>
+        <p:nvSpPr>
+          <p:cNvPr id="3" name="Espaço Reservado para Anotações 2"/>
+          <p:cNvSpPr>
+            <a:spLocks noGrp="1"/>
+          </p:cNvSpPr>
+          <p:nvPr>
+            <p:ph type="body" idx="1"/>
+          </p:nvPr>
+        </p:nvSpPr>
+        <p:spPr/>
+        <p:txBody>
+          <a:bodyPr/>
+          <a:lstStyle/>
+          <a:p>
+            <a:endParaRPr lang="pt-BR" dirty="0"/>
+          </a:p>
+        </p:txBody>
+      </p:sp>
+      <p:sp>
+        <p:nvSpPr>
+          <p:cNvPr id="4" name="Espaço Reservado para Número de Slide 3"/>
+          <p:cNvSpPr>
+            <a:spLocks noGrp="1"/>
+          </p:cNvSpPr>
+          <p:nvPr>
+            <p:ph type="sldNum" sz="quarter" idx="10"/>
+          </p:nvPr>
+        </p:nvSpPr>
+        <p:spPr/>
+        <p:txBody>
+          <a:bodyPr/>
+          <a:lstStyle/>
+          <a:p>
+            <a:pPr rtl="0"/>
+            <a:fld id="{1B9A179D-2D27-49E2-B022-8EDDA2EFE682}" type="slidenum">
+              <a:rPr lang="pt-BR" smtClean="0"/>
+              <a:t>21</a:t>
+            </a:fld>
+            <a:endParaRPr lang="pt-BR" dirty="0"/>
+          </a:p>
+        </p:txBody>
+      </p:sp>
+    </p:spTree>
+    <p:extLst>
+      <p:ext uri="{BB962C8B-B14F-4D97-AF65-F5344CB8AC3E}">
+        <p14:creationId xmlns:p14="http://schemas.microsoft.com/office/powerpoint/2010/main" val="3584379344"/>
+      </p:ext>
+    </p:extLst>
+  </p:cSld>
+  <p:clrMapOvr>
+    <a:masterClrMapping/>
+  </p:clrMapOvr>
+</p:notes>
+</file>
+
 <file path=ppt/notesSlides/notesSlide2.xml><?xml version="1.0" encoding="utf-8"?>
 <p:notes xmlns:a="http://schemas.openxmlformats.org/drawingml/2006/main" xmlns:r="http://schemas.openxmlformats.org/officeDocument/2006/relationships" xmlns:p="http://schemas.openxmlformats.org/presentationml/2006/main">
   <p:cSld>
@@ -2360,7 +3139,7 @@
       </p:grpSpPr>
       <p:sp>
         <p:nvSpPr>
-          <p:cNvPr id="2" name="Espaço Reservado para Imagem de Slide 1"/>
+          <p:cNvPr id="2" name="Espaço reservado para a imagem do slide 1"/>
           <p:cNvSpPr>
             <a:spLocks noGrp="1" noRot="1" noChangeAspect="1"/>
           </p:cNvSpPr>
@@ -2372,7 +3151,7 @@
       </p:sp>
       <p:sp>
         <p:nvSpPr>
-          <p:cNvPr id="3" name="Espaço Reservado para Anotações 2"/>
+          <p:cNvPr id="3" name="Espaço reservado para anotações 2"/>
           <p:cNvSpPr>
             <a:spLocks noGrp="1"/>
           </p:cNvSpPr>
@@ -2382,16 +3161,27 @@
         </p:nvSpPr>
         <p:spPr/>
         <p:txBody>
-          <a:bodyPr/>
+          <a:bodyPr rtlCol="0"/>
           <a:lstStyle/>
           <a:p>
+            <a:pPr rtl="0"/>
+            <a:r>
+              <a:rPr lang="pt-BR" sz="1200" i="1" dirty="0">
+                <a:latin typeface="Arial" pitchFamily="34" charset="0"/>
+                <a:cs typeface="Arial" pitchFamily="34" charset="0"/>
+              </a:rPr>
+              <a:t>Para alterar a imagem no slide, selecione e exclua a imagem. Em seguida, use o ícone Imagens no espaço reservado para inserir sua própria imagem.</a:t>
+            </a:r>
+          </a:p>
+          <a:p>
+            <a:pPr rtl="0"/>
             <a:endParaRPr lang="pt-BR" dirty="0"/>
           </a:p>
         </p:txBody>
       </p:sp>
       <p:sp>
         <p:nvSpPr>
-          <p:cNvPr id="4" name="Espaço Reservado para Número de Slide 3"/>
+          <p:cNvPr id="4" name="Espaço reservado para o número do slide 3"/>
           <p:cNvSpPr>
             <a:spLocks noGrp="1"/>
           </p:cNvSpPr>
@@ -2401,7 +3191,7 @@
         </p:nvSpPr>
         <p:spPr/>
         <p:txBody>
-          <a:bodyPr/>
+          <a:bodyPr rtlCol="0"/>
           <a:lstStyle/>
           <a:p>
             <a:pPr rtl="0"/>
@@ -2416,7 +3206,7 @@
     </p:spTree>
     <p:extLst>
       <p:ext uri="{BB962C8B-B14F-4D97-AF65-F5344CB8AC3E}">
-        <p14:creationId xmlns:p14="http://schemas.microsoft.com/office/powerpoint/2010/main" val="3138297910"/>
+        <p14:creationId xmlns:p14="http://schemas.microsoft.com/office/powerpoint/2010/main" val="3054655539"/>
       </p:ext>
     </p:extLst>
   </p:cSld>
@@ -2501,7 +3291,7 @@
     </p:spTree>
     <p:extLst>
       <p:ext uri="{BB962C8B-B14F-4D97-AF65-F5344CB8AC3E}">
-        <p14:creationId xmlns:p14="http://schemas.microsoft.com/office/powerpoint/2010/main" val="876702353"/>
+        <p14:creationId xmlns:p14="http://schemas.microsoft.com/office/powerpoint/2010/main" val="3138297910"/>
       </p:ext>
     </p:extLst>
   </p:cSld>
@@ -2586,7 +3376,7 @@
     </p:spTree>
     <p:extLst>
       <p:ext uri="{BB962C8B-B14F-4D97-AF65-F5344CB8AC3E}">
-        <p14:creationId xmlns:p14="http://schemas.microsoft.com/office/powerpoint/2010/main" val="3851932273"/>
+        <p14:creationId xmlns:p14="http://schemas.microsoft.com/office/powerpoint/2010/main" val="876702353"/>
       </p:ext>
     </p:extLst>
   </p:cSld>
@@ -2651,7 +3441,7 @@
             <a:spLocks noGrp="1"/>
           </p:cNvSpPr>
           <p:nvPr>
-            <p:ph type="sldNum" sz="quarter" idx="5"/>
+            <p:ph type="sldNum" sz="quarter" idx="10"/>
           </p:nvPr>
         </p:nvSpPr>
         <p:spPr/>
@@ -2661,17 +3451,17 @@
           <a:p>
             <a:pPr rtl="0"/>
             <a:fld id="{1B9A179D-2D27-49E2-B022-8EDDA2EFE682}" type="slidenum">
-              <a:rPr lang="pt-BR" noProof="0" smtClean="0"/>
-              <a:t>12</a:t>
+              <a:rPr lang="pt-BR" smtClean="0"/>
+              <a:t>7</a:t>
             </a:fld>
-            <a:endParaRPr lang="pt-BR" noProof="0" dirty="0"/>
+            <a:endParaRPr lang="pt-BR" dirty="0"/>
           </a:p>
         </p:txBody>
       </p:sp>
     </p:spTree>
     <p:extLst>
       <p:ext uri="{BB962C8B-B14F-4D97-AF65-F5344CB8AC3E}">
-        <p14:creationId xmlns:p14="http://schemas.microsoft.com/office/powerpoint/2010/main" val="1118593241"/>
+        <p14:creationId xmlns:p14="http://schemas.microsoft.com/office/powerpoint/2010/main" val="3851932273"/>
       </p:ext>
     </p:extLst>
   </p:cSld>
@@ -2758,7 +3548,7 @@
             <a:pPr rtl="0"/>
             <a:fld id="{1B9A179D-2D27-49E2-B022-8EDDA2EFE682}" type="slidenum">
               <a:rPr lang="pt-BR" smtClean="0"/>
-              <a:t>13</a:t>
+              <a:t>8</a:t>
             </a:fld>
             <a:endParaRPr lang="pt-BR" dirty="0"/>
           </a:p>
@@ -2767,7 +3557,7 @@
     </p:spTree>
     <p:extLst>
       <p:ext uri="{BB962C8B-B14F-4D97-AF65-F5344CB8AC3E}">
-        <p14:creationId xmlns:p14="http://schemas.microsoft.com/office/powerpoint/2010/main" val="3073107557"/>
+        <p14:creationId xmlns:p14="http://schemas.microsoft.com/office/powerpoint/2010/main" val="755828910"/>
       </p:ext>
     </p:extLst>
   </p:cSld>
@@ -2796,7 +3586,7 @@
       </p:grpSpPr>
       <p:sp>
         <p:nvSpPr>
-          <p:cNvPr id="2" name="Espaço Reservado para Imagem de Slide 1"/>
+          <p:cNvPr id="2" name="Espaço reservado para a imagem do slide 1"/>
           <p:cNvSpPr>
             <a:spLocks noGrp="1" noRot="1" noChangeAspect="1"/>
           </p:cNvSpPr>
@@ -2808,7 +3598,7 @@
       </p:sp>
       <p:sp>
         <p:nvSpPr>
-          <p:cNvPr id="3" name="Espaço Reservado para Anotações 2"/>
+          <p:cNvPr id="3" name="Espaço reservado para anotações 2"/>
           <p:cNvSpPr>
             <a:spLocks noGrp="1"/>
           </p:cNvSpPr>
@@ -2818,16 +3608,27 @@
         </p:nvSpPr>
         <p:spPr/>
         <p:txBody>
-          <a:bodyPr/>
+          <a:bodyPr rtlCol="0"/>
           <a:lstStyle/>
           <a:p>
+            <a:pPr rtl="0"/>
+            <a:r>
+              <a:rPr lang="pt-BR" sz="1200" i="1" dirty="0">
+                <a:latin typeface="Arial" pitchFamily="34" charset="0"/>
+                <a:cs typeface="Arial" pitchFamily="34" charset="0"/>
+              </a:rPr>
+              <a:t>Para alterar a imagem no slide, selecione e exclua a imagem. Em seguida, use o ícone Imagens no espaço reservado para inserir sua própria imagem.</a:t>
+            </a:r>
+          </a:p>
+          <a:p>
+            <a:pPr rtl="0"/>
             <a:endParaRPr lang="pt-BR" dirty="0"/>
           </a:p>
         </p:txBody>
       </p:sp>
       <p:sp>
         <p:nvSpPr>
-          <p:cNvPr id="4" name="Espaço Reservado para Número de Slide 3"/>
+          <p:cNvPr id="4" name="Espaço reservado para o número do slide 3"/>
           <p:cNvSpPr>
             <a:spLocks noGrp="1"/>
           </p:cNvSpPr>
@@ -2837,13 +3638,13 @@
         </p:nvSpPr>
         <p:spPr/>
         <p:txBody>
-          <a:bodyPr/>
+          <a:bodyPr rtlCol="0"/>
           <a:lstStyle/>
           <a:p>
             <a:pPr rtl="0"/>
             <a:fld id="{1B9A179D-2D27-49E2-B022-8EDDA2EFE682}" type="slidenum">
               <a:rPr lang="pt-BR" smtClean="0"/>
-              <a:t>14</a:t>
+              <a:t>10</a:t>
             </a:fld>
             <a:endParaRPr lang="pt-BR" dirty="0"/>
           </a:p>
@@ -2852,7 +3653,7 @@
     </p:spTree>
     <p:extLst>
       <p:ext uri="{BB962C8B-B14F-4D97-AF65-F5344CB8AC3E}">
-        <p14:creationId xmlns:p14="http://schemas.microsoft.com/office/powerpoint/2010/main" val="3584379344"/>
+        <p14:creationId xmlns:p14="http://schemas.microsoft.com/office/powerpoint/2010/main" val="823446333"/>
       </p:ext>
     </p:extLst>
   </p:cSld>
@@ -3464,7 +4265,7 @@
             <a:pPr rtl="0"/>
             <a:fld id="{ED540BCD-A9BE-4069-AF5C-2A3DFF693F79}" type="datetime1">
               <a:rPr lang="pt-BR" noProof="0" smtClean="0"/>
-              <a:t>29/04/2019</a:t>
+              <a:t>06/05/2019</a:t>
             </a:fld>
             <a:endParaRPr lang="pt-BR" noProof="0" dirty="0"/>
           </a:p>
@@ -4078,7 +4879,7 @@
             <a:pPr rtl="0"/>
             <a:fld id="{1CECCB52-40C2-4E99-85EA-E8A293866E2D}" type="datetime1">
               <a:rPr lang="pt-BR" noProof="0" smtClean="0"/>
-              <a:t>29/04/2019</a:t>
+              <a:t>06/05/2019</a:t>
             </a:fld>
             <a:endParaRPr lang="pt-BR" noProof="0" dirty="0"/>
           </a:p>
@@ -4267,7 +5068,7 @@
             <a:pPr rtl="0"/>
             <a:fld id="{E24EF33E-C11E-476F-ABF9-879EF9D37700}" type="datetime1">
               <a:rPr lang="pt-BR" noProof="0" smtClean="0"/>
-              <a:t>29/04/2019</a:t>
+              <a:t>06/05/2019</a:t>
             </a:fld>
             <a:endParaRPr lang="pt-BR" noProof="0" dirty="0"/>
           </a:p>
@@ -4606,7 +5407,7 @@
             <a:pPr rtl="0"/>
             <a:fld id="{AF3A9F66-FD54-49C7-9D08-483FEB75E766}" type="datetime1">
               <a:rPr lang="pt-BR" noProof="0" smtClean="0"/>
-              <a:t>29/04/2019</a:t>
+              <a:t>06/05/2019</a:t>
             </a:fld>
             <a:endParaRPr lang="pt-BR" noProof="0" dirty="0"/>
           </a:p>
@@ -4804,7 +5605,7 @@
             <a:pPr rtl="0"/>
             <a:fld id="{B76F022E-73DC-465B-A81F-663C39E9C6BC}" type="datetime1">
               <a:rPr lang="pt-BR" noProof="0" smtClean="0"/>
-              <a:t>29/04/2019</a:t>
+              <a:t>06/05/2019</a:t>
             </a:fld>
             <a:endParaRPr lang="pt-BR" noProof="0" dirty="0"/>
           </a:p>
@@ -5985,7 +6786,7 @@
             <a:pPr rtl="0"/>
             <a:fld id="{D032D7E7-0E3D-42EA-B60A-46262A5D0676}" type="datetime1">
               <a:rPr lang="pt-BR" noProof="0" smtClean="0"/>
-              <a:t>29/04/2019</a:t>
+              <a:t>06/05/2019</a:t>
             </a:fld>
             <a:endParaRPr lang="pt-BR" noProof="0" dirty="0"/>
           </a:p>
@@ -6375,7 +7176,7 @@
             <a:pPr rtl="0"/>
             <a:fld id="{A0DCB2DA-9F14-430D-AF4F-64B6EB5E00E7}" type="datetime1">
               <a:rPr lang="pt-BR" noProof="0" smtClean="0"/>
-              <a:t>29/04/2019</a:t>
+              <a:t>06/05/2019</a:t>
             </a:fld>
             <a:endParaRPr lang="pt-BR" noProof="0" dirty="0"/>
           </a:p>
@@ -6512,7 +7313,7 @@
             <a:pPr rtl="0"/>
             <a:fld id="{58A91CED-09DA-4ECE-92C8-759A4ED95185}" type="datetime1">
               <a:rPr lang="pt-BR" noProof="0" smtClean="0"/>
-              <a:t>29/04/2019</a:t>
+              <a:t>06/05/2019</a:t>
             </a:fld>
             <a:endParaRPr lang="pt-BR" noProof="0" dirty="0"/>
           </a:p>
@@ -6625,7 +7426,7 @@
             <a:pPr rtl="0"/>
             <a:fld id="{84518F8F-CA65-4BFD-A461-B66071DAF05B}" type="datetime1">
               <a:rPr lang="pt-BR" noProof="0" smtClean="0"/>
-              <a:t>29/04/2019</a:t>
+              <a:t>06/05/2019</a:t>
             </a:fld>
             <a:endParaRPr lang="pt-BR" noProof="0" dirty="0"/>
           </a:p>
@@ -6923,7 +7724,7 @@
             <a:pPr rtl="0"/>
             <a:fld id="{1FF51EBE-146A-4C5F-B6C5-AA4426FEB226}" type="datetime1">
               <a:rPr lang="pt-BR" noProof="0" smtClean="0"/>
-              <a:t>29/04/2019</a:t>
+              <a:t>06/05/2019</a:t>
             </a:fld>
             <a:endParaRPr lang="pt-BR" noProof="0" dirty="0"/>
           </a:p>
@@ -7307,7 +8108,7 @@
             <a:pPr rtl="0"/>
             <a:fld id="{AF879DE6-BF0A-412B-BA5D-89651B90F81D}" type="datetime1">
               <a:rPr lang="pt-BR" noProof="0" smtClean="0"/>
-              <a:t>29/04/2019</a:t>
+              <a:t>06/05/2019</a:t>
             </a:fld>
             <a:endParaRPr lang="pt-BR" noProof="0" dirty="0"/>
           </a:p>
@@ -7831,6 +8632,13 @@
       <p:transition/>
     </mc:Fallback>
   </mc:AlternateContent>
+  <p:timing>
+    <p:tnLst>
+      <p:par>
+        <p:cTn id="1" dur="indefinite" restart="never" nodeType="tmRoot"/>
+      </p:par>
+    </p:tnLst>
+  </p:timing>
 </p:sld>
 </file>
 
@@ -7853,51 +8661,50 @@
       </p:grpSpPr>
       <p:sp>
         <p:nvSpPr>
-          <p:cNvPr id="2" name="Título 1">
+          <p:cNvPr id="22" name="CaixaDeTexto 21">
             <a:extLst>
               <a:ext uri="{FF2B5EF4-FFF2-40B4-BE49-F238E27FC236}">
-                <a16:creationId xmlns:a16="http://schemas.microsoft.com/office/drawing/2014/main" id="{8C31434F-F5E5-4957-A030-E76CB2F323E7}"/>
+                <a16:creationId xmlns:a16="http://schemas.microsoft.com/office/drawing/2014/main" id="{902BE623-A1E3-4A07-AC2E-F76A6029298C}"/>
               </a:ext>
             </a:extLst>
           </p:cNvPr>
-          <p:cNvSpPr>
-            <a:spLocks noGrp="1"/>
-          </p:cNvSpPr>
-          <p:nvPr>
-            <p:ph type="title"/>
-          </p:nvPr>
-        </p:nvSpPr>
-        <p:spPr/>
-        <p:txBody>
-          <a:bodyPr/>
+          <p:cNvSpPr txBox="1"/>
+          <p:nvPr/>
+        </p:nvSpPr>
+        <p:spPr>
+          <a:xfrm>
+            <a:off x="986801" y="2845761"/>
+            <a:ext cx="4724334" cy="1200329"/>
+          </a:xfrm>
+          <a:prstGeom prst="rect">
+            <a:avLst/>
+          </a:prstGeom>
+          <a:noFill/>
+        </p:spPr>
+        <p:txBody>
+          <a:bodyPr wrap="square" rtlCol="0">
+            <a:spAutoFit/>
+          </a:bodyPr>
           <a:lstStyle/>
           <a:p>
-            <a:pPr algn="ctr"/>
             <a:r>
-              <a:rPr lang="pt-BR" dirty="0" err="1"/>
-              <a:t>Low</a:t>
+              <a:rPr lang="pt-BR" sz="7200" dirty="0" smtClean="0">
+                <a:latin typeface="+mj-lt"/>
+              </a:rPr>
+              <a:t>Arquitetura</a:t>
             </a:r>
-            <a:r>
-              <a:rPr lang="pt-BR" dirty="0"/>
-              <a:t> </a:t>
-            </a:r>
-            <a:r>
-              <a:rPr lang="pt-BR" dirty="0" err="1"/>
-              <a:t>Level</a:t>
-            </a:r>
-            <a:r>
-              <a:rPr lang="pt-BR" dirty="0"/>
-              <a:t> Design</a:t>
-            </a:r>
+            <a:endParaRPr lang="pt-BR" sz="7200" dirty="0">
+              <a:latin typeface="+mj-lt"/>
+            </a:endParaRPr>
           </a:p>
         </p:txBody>
       </p:sp>
       <p:pic>
         <p:nvPicPr>
-          <p:cNvPr id="6" name="Imagem 5">
+          <p:cNvPr id="7" name="Imagem 6" descr="Uma imagem contendo kit de primeiros socorros, objeto&#10;&#10;Descrição gerada automaticamente">
             <a:extLst>
               <a:ext uri="{FF2B5EF4-FFF2-40B4-BE49-F238E27FC236}">
-                <a16:creationId xmlns:a16="http://schemas.microsoft.com/office/drawing/2014/main" id="{4ADC70D0-0133-475C-A936-FBE20B27750A}"/>
+                <a16:creationId xmlns:a16="http://schemas.microsoft.com/office/drawing/2014/main" id="{9F2EE745-88E1-4E73-91B1-6CAE0C0A7BA5}"/>
               </a:ext>
             </a:extLst>
           </p:cNvPr>
@@ -7906,25 +8713,694 @@
           </p:cNvPicPr>
           <p:nvPr/>
         </p:nvPicPr>
-        <p:blipFill rotWithShape="1">
-          <a:blip r:embed="rId2"/>
-          <a:srcRect l="1306" t="4763" r="16197" b="11030"/>
-          <a:stretch/>
+        <p:blipFill>
+          <a:blip r:embed="rId3"/>
+          <a:stretch>
+            <a:fillRect/>
+          </a:stretch>
         </p:blipFill>
         <p:spPr>
           <a:xfrm>
-            <a:off x="1943099" y="1552441"/>
-            <a:ext cx="8577039" cy="5305559"/>
+            <a:off x="5400723" y="2854643"/>
+            <a:ext cx="77930" cy="45719"/>
           </a:xfrm>
           <a:prstGeom prst="rect">
             <a:avLst/>
           </a:prstGeom>
+        </p:spPr>
+      </p:pic>
+      <p:pic>
+        <p:nvPicPr>
+          <p:cNvPr id="8" name="Imagem 7">
+            <a:extLst>
+              <a:ext uri="{FF2B5EF4-FFF2-40B4-BE49-F238E27FC236}">
+                <a16:creationId xmlns:a16="http://schemas.microsoft.com/office/drawing/2014/main" id="{1F751F11-FC5E-48B7-9F3C-F5D2206C1216}"/>
+              </a:ext>
+            </a:extLst>
+          </p:cNvPr>
+          <p:cNvPicPr>
+            <a:picLocks noChangeAspect="1"/>
+          </p:cNvPicPr>
+          <p:nvPr/>
+        </p:nvPicPr>
+        <p:blipFill>
+          <a:blip r:embed="rId4"/>
+          <a:stretch>
+            <a:fillRect/>
+          </a:stretch>
+        </p:blipFill>
+        <p:spPr>
+          <a:xfrm>
+            <a:off x="10803732" y="6020043"/>
+            <a:ext cx="45719" cy="54185"/>
+          </a:xfrm>
+          <a:prstGeom prst="rect">
+            <a:avLst/>
+          </a:prstGeom>
+        </p:spPr>
+      </p:pic>
+      <p:pic>
+        <p:nvPicPr>
+          <p:cNvPr id="9" name="Imagem 8">
+            <a:extLst>
+              <a:ext uri="{FF2B5EF4-FFF2-40B4-BE49-F238E27FC236}">
+                <a16:creationId xmlns:a16="http://schemas.microsoft.com/office/drawing/2014/main" id="{6CBDF92B-009C-4005-A6BB-AAA3F599F914}"/>
+              </a:ext>
+            </a:extLst>
+          </p:cNvPr>
+          <p:cNvPicPr>
+            <a:picLocks noChangeAspect="1"/>
+          </p:cNvPicPr>
+          <p:nvPr/>
+        </p:nvPicPr>
+        <p:blipFill>
+          <a:blip r:embed="rId5"/>
+          <a:stretch>
+            <a:fillRect/>
+          </a:stretch>
+        </p:blipFill>
+        <p:spPr>
+          <a:xfrm>
+            <a:off x="9098107" y="2640554"/>
+            <a:ext cx="74633" cy="45719"/>
+          </a:xfrm>
+          <a:prstGeom prst="rect">
+            <a:avLst/>
+          </a:prstGeom>
+        </p:spPr>
+      </p:pic>
+      <p:pic>
+        <p:nvPicPr>
+          <p:cNvPr id="10" name="Imagem 9">
+            <a:extLst>
+              <a:ext uri="{FF2B5EF4-FFF2-40B4-BE49-F238E27FC236}">
+                <a16:creationId xmlns:a16="http://schemas.microsoft.com/office/drawing/2014/main" id="{62DE481A-E7DE-4748-80E9-038D7A25C07A}"/>
+              </a:ext>
+            </a:extLst>
+          </p:cNvPr>
+          <p:cNvPicPr>
+            <a:picLocks noChangeAspect="1"/>
+          </p:cNvPicPr>
+          <p:nvPr/>
+        </p:nvPicPr>
+        <p:blipFill>
+          <a:blip r:embed="rId6"/>
+          <a:stretch>
+            <a:fillRect/>
+          </a:stretch>
+        </p:blipFill>
+        <p:spPr>
+          <a:xfrm>
+            <a:off x="746088" y="2377582"/>
+            <a:ext cx="148755" cy="45719"/>
+          </a:xfrm>
+          <a:prstGeom prst="rect">
+            <a:avLst/>
+          </a:prstGeom>
+        </p:spPr>
+      </p:pic>
+      <p:pic>
+        <p:nvPicPr>
+          <p:cNvPr id="11" name="Imagem 10">
+            <a:extLst>
+              <a:ext uri="{FF2B5EF4-FFF2-40B4-BE49-F238E27FC236}">
+                <a16:creationId xmlns:a16="http://schemas.microsoft.com/office/drawing/2014/main" id="{6632E0F7-697B-40D4-BFDE-A954FAA1AF34}"/>
+              </a:ext>
+            </a:extLst>
+          </p:cNvPr>
+          <p:cNvPicPr>
+            <a:picLocks noChangeAspect="1"/>
+          </p:cNvPicPr>
+          <p:nvPr/>
+        </p:nvPicPr>
+        <p:blipFill>
+          <a:blip r:embed="rId7"/>
+          <a:stretch>
+            <a:fillRect/>
+          </a:stretch>
+        </p:blipFill>
+        <p:spPr>
+          <a:xfrm>
+            <a:off x="11070294" y="3751577"/>
+            <a:ext cx="45898" cy="45719"/>
+          </a:xfrm>
+          <a:prstGeom prst="rect">
+            <a:avLst/>
+          </a:prstGeom>
+        </p:spPr>
+      </p:pic>
+      <p:pic>
+        <p:nvPicPr>
+          <p:cNvPr id="12" name="Imagem 11" descr="Uma imagem contendo objeto&#10;&#10;Descrição gerada automaticamente">
+            <a:extLst>
+              <a:ext uri="{FF2B5EF4-FFF2-40B4-BE49-F238E27FC236}">
+                <a16:creationId xmlns:a16="http://schemas.microsoft.com/office/drawing/2014/main" id="{A5BD4CBC-243F-4E21-9359-2583706E0420}"/>
+              </a:ext>
+            </a:extLst>
+          </p:cNvPr>
+          <p:cNvPicPr>
+            <a:picLocks noChangeAspect="1"/>
+          </p:cNvPicPr>
+          <p:nvPr/>
+        </p:nvPicPr>
+        <p:blipFill>
+          <a:blip r:embed="rId8"/>
+          <a:stretch>
+            <a:fillRect/>
+          </a:stretch>
+        </p:blipFill>
+        <p:spPr>
+          <a:xfrm>
+            <a:off x="6847480" y="5925132"/>
+            <a:ext cx="158163" cy="45719"/>
+          </a:xfrm>
+          <a:prstGeom prst="rect">
+            <a:avLst/>
+          </a:prstGeom>
+        </p:spPr>
+      </p:pic>
+      <p:pic>
+        <p:nvPicPr>
+          <p:cNvPr id="13" name="Imagem 12" descr="Uma imagem contendo objeto, kit de primeiros socorros&#10;&#10;Descrição gerada automaticamente">
+            <a:extLst>
+              <a:ext uri="{FF2B5EF4-FFF2-40B4-BE49-F238E27FC236}">
+                <a16:creationId xmlns:a16="http://schemas.microsoft.com/office/drawing/2014/main" id="{839ABE05-5271-4677-8BEF-671EEA2E9B3C}"/>
+              </a:ext>
+            </a:extLst>
+          </p:cNvPr>
+          <p:cNvPicPr>
+            <a:picLocks noChangeAspect="1"/>
+          </p:cNvPicPr>
+          <p:nvPr/>
+        </p:nvPicPr>
+        <p:blipFill>
+          <a:blip r:embed="rId9"/>
+          <a:stretch>
+            <a:fillRect/>
+          </a:stretch>
+        </p:blipFill>
+        <p:spPr>
+          <a:xfrm>
+            <a:off x="8703723" y="4232394"/>
+            <a:ext cx="67375" cy="45719"/>
+          </a:xfrm>
+          <a:prstGeom prst="rect">
+            <a:avLst/>
+          </a:prstGeom>
+        </p:spPr>
+      </p:pic>
+      <p:pic>
+        <p:nvPicPr>
+          <p:cNvPr id="14" name="Imagem 13" descr="Uma imagem contendo gráficos vetoriais&#10;&#10;Descrição gerada automaticamente">
+            <a:extLst>
+              <a:ext uri="{FF2B5EF4-FFF2-40B4-BE49-F238E27FC236}">
+                <a16:creationId xmlns:a16="http://schemas.microsoft.com/office/drawing/2014/main" id="{8BB7BDF5-B3FB-4ED2-87FD-9DBA98B52BBC}"/>
+              </a:ext>
+            </a:extLst>
+          </p:cNvPr>
+          <p:cNvPicPr>
+            <a:picLocks noChangeAspect="1"/>
+          </p:cNvPicPr>
+          <p:nvPr/>
+        </p:nvPicPr>
+        <p:blipFill>
+          <a:blip r:embed="rId10"/>
+          <a:stretch>
+            <a:fillRect/>
+          </a:stretch>
+        </p:blipFill>
+        <p:spPr>
+          <a:xfrm>
+            <a:off x="5883525" y="4646268"/>
+            <a:ext cx="65742" cy="45719"/>
+          </a:xfrm>
+          <a:prstGeom prst="rect">
+            <a:avLst/>
+          </a:prstGeom>
+        </p:spPr>
+      </p:pic>
+      <p:pic>
+        <p:nvPicPr>
+          <p:cNvPr id="16" name="Imagem 15" descr="Uma imagem contendo relógio, objeto, verde, medidor&#10;&#10;Descrição gerada automaticamente">
+            <a:extLst>
+              <a:ext uri="{FF2B5EF4-FFF2-40B4-BE49-F238E27FC236}">
+                <a16:creationId xmlns:a16="http://schemas.microsoft.com/office/drawing/2014/main" id="{928529D5-18B2-4DAF-8DBD-7C26BEB77950}"/>
+              </a:ext>
+            </a:extLst>
+          </p:cNvPr>
+          <p:cNvPicPr>
+            <a:picLocks noChangeAspect="1"/>
+          </p:cNvPicPr>
+          <p:nvPr/>
+        </p:nvPicPr>
+        <p:blipFill>
+          <a:blip r:embed="rId11"/>
+          <a:stretch>
+            <a:fillRect/>
+          </a:stretch>
+        </p:blipFill>
+        <p:spPr>
+          <a:xfrm>
+            <a:off x="4460820" y="6388823"/>
+            <a:ext cx="45719" cy="45719"/>
+          </a:xfrm>
+          <a:prstGeom prst="rect">
+            <a:avLst/>
+          </a:prstGeom>
+        </p:spPr>
+      </p:pic>
+      <p:sp>
+        <p:nvSpPr>
+          <p:cNvPr id="20" name="Retângulo 19">
+            <a:extLst>
+              <a:ext uri="{FF2B5EF4-FFF2-40B4-BE49-F238E27FC236}">
+                <a16:creationId xmlns:a16="http://schemas.microsoft.com/office/drawing/2014/main" id="{953D079A-AA5F-4015-97DF-A43C040B5CC3}"/>
+              </a:ext>
+            </a:extLst>
+          </p:cNvPr>
+          <p:cNvSpPr/>
+          <p:nvPr/>
+        </p:nvSpPr>
+        <p:spPr>
+          <a:xfrm>
+            <a:off x="5363527" y="2775775"/>
+            <a:ext cx="390536" cy="203454"/>
+          </a:xfrm>
+          <a:prstGeom prst="rect">
+            <a:avLst/>
+          </a:prstGeom>
+          <a:solidFill>
+            <a:schemeClr val="bg2"/>
+          </a:solidFill>
+          <a:ln>
+            <a:solidFill>
+              <a:schemeClr val="bg2"/>
+            </a:solidFill>
+          </a:ln>
+        </p:spPr>
+        <p:style>
+          <a:lnRef idx="2">
+            <a:schemeClr val="accent1">
+              <a:shade val="50000"/>
+            </a:schemeClr>
+          </a:lnRef>
+          <a:fillRef idx="1">
+            <a:schemeClr val="accent1"/>
+          </a:fillRef>
+          <a:effectRef idx="0">
+            <a:schemeClr val="accent1"/>
+          </a:effectRef>
+          <a:fontRef idx="minor">
+            <a:schemeClr val="lt1"/>
+          </a:fontRef>
+        </p:style>
+        <p:txBody>
+          <a:bodyPr rtlCol="0" anchor="ctr"/>
+          <a:lstStyle/>
+          <a:p>
+            <a:pPr algn="ctr"/>
+            <a:endParaRPr lang="pt-BR"/>
+          </a:p>
+        </p:txBody>
+      </p:sp>
+      <p:sp>
+        <p:nvSpPr>
+          <p:cNvPr id="3" name="Retângulo 2"/>
+          <p:cNvSpPr/>
+          <p:nvPr/>
+        </p:nvSpPr>
+        <p:spPr>
+          <a:xfrm>
+            <a:off x="304800" y="1741714"/>
+            <a:ext cx="1281595" cy="1034061"/>
+          </a:xfrm>
+          <a:prstGeom prst="rect">
+            <a:avLst/>
+          </a:prstGeom>
+          <a:solidFill>
+            <a:srgbClr val="F9F9F9"/>
+          </a:solidFill>
+          <a:ln>
+            <a:solidFill>
+              <a:srgbClr val="F9F9F9"/>
+            </a:solidFill>
+          </a:ln>
+        </p:spPr>
+        <p:style>
+          <a:lnRef idx="2">
+            <a:schemeClr val="accent1">
+              <a:shade val="50000"/>
+            </a:schemeClr>
+          </a:lnRef>
+          <a:fillRef idx="1">
+            <a:schemeClr val="accent1"/>
+          </a:fillRef>
+          <a:effectRef idx="0">
+            <a:schemeClr val="accent1"/>
+          </a:effectRef>
+          <a:fontRef idx="minor">
+            <a:schemeClr val="lt1"/>
+          </a:fontRef>
+        </p:style>
+        <p:txBody>
+          <a:bodyPr rtlCol="0" anchor="ctr"/>
+          <a:lstStyle/>
+          <a:p>
+            <a:pPr algn="ctr"/>
+            <a:endParaRPr lang="pt-BR"/>
+          </a:p>
+        </p:txBody>
+      </p:sp>
+      <p:sp>
+        <p:nvSpPr>
+          <p:cNvPr id="4" name="Retângulo 3"/>
+          <p:cNvSpPr/>
+          <p:nvPr/>
+        </p:nvSpPr>
+        <p:spPr>
+          <a:xfrm>
+            <a:off x="5363527" y="4278113"/>
+            <a:ext cx="906644" cy="758344"/>
+          </a:xfrm>
+          <a:prstGeom prst="rect">
+            <a:avLst/>
+          </a:prstGeom>
+          <a:solidFill>
+            <a:srgbClr val="F9F9F9"/>
+          </a:solidFill>
+          <a:ln>
+            <a:solidFill>
+              <a:srgbClr val="F9F9F9"/>
+            </a:solidFill>
+          </a:ln>
+        </p:spPr>
+        <p:style>
+          <a:lnRef idx="2">
+            <a:schemeClr val="accent1">
+              <a:shade val="50000"/>
+            </a:schemeClr>
+          </a:lnRef>
+          <a:fillRef idx="1">
+            <a:schemeClr val="accent1"/>
+          </a:fillRef>
+          <a:effectRef idx="0">
+            <a:schemeClr val="accent1"/>
+          </a:effectRef>
+          <a:fontRef idx="minor">
+            <a:schemeClr val="lt1"/>
+          </a:fontRef>
+        </p:style>
+        <p:txBody>
+          <a:bodyPr rtlCol="0" anchor="ctr"/>
+          <a:lstStyle/>
+          <a:p>
+            <a:pPr algn="ctr"/>
+            <a:endParaRPr lang="pt-BR"/>
+          </a:p>
+        </p:txBody>
+      </p:sp>
+      <p:sp>
+        <p:nvSpPr>
+          <p:cNvPr id="26" name="Retângulo 25"/>
+          <p:cNvSpPr/>
+          <p:nvPr/>
+        </p:nvSpPr>
+        <p:spPr>
+          <a:xfrm>
+            <a:off x="3871935" y="5870948"/>
+            <a:ext cx="906644" cy="758344"/>
+          </a:xfrm>
+          <a:prstGeom prst="rect">
+            <a:avLst/>
+          </a:prstGeom>
+          <a:solidFill>
+            <a:srgbClr val="F9F9F9"/>
+          </a:solidFill>
+          <a:ln>
+            <a:solidFill>
+              <a:srgbClr val="F9F9F9"/>
+            </a:solidFill>
+          </a:ln>
+        </p:spPr>
+        <p:style>
+          <a:lnRef idx="2">
+            <a:schemeClr val="accent1">
+              <a:shade val="50000"/>
+            </a:schemeClr>
+          </a:lnRef>
+          <a:fillRef idx="1">
+            <a:schemeClr val="accent1"/>
+          </a:fillRef>
+          <a:effectRef idx="0">
+            <a:schemeClr val="accent1"/>
+          </a:effectRef>
+          <a:fontRef idx="minor">
+            <a:schemeClr val="lt1"/>
+          </a:fontRef>
+        </p:style>
+        <p:txBody>
+          <a:bodyPr rtlCol="0" anchor="ctr"/>
+          <a:lstStyle/>
+          <a:p>
+            <a:pPr algn="ctr"/>
+            <a:endParaRPr lang="pt-BR"/>
+          </a:p>
+        </p:txBody>
+      </p:sp>
+      <p:sp>
+        <p:nvSpPr>
+          <p:cNvPr id="5" name="Retângulo 4"/>
+          <p:cNvSpPr/>
+          <p:nvPr/>
+        </p:nvSpPr>
+        <p:spPr>
+          <a:xfrm>
+            <a:off x="6847479" y="5870948"/>
+            <a:ext cx="158163" cy="149095"/>
+          </a:xfrm>
+          <a:prstGeom prst="rect">
+            <a:avLst/>
+          </a:prstGeom>
+          <a:solidFill>
+            <a:srgbClr val="BFD8E7"/>
+          </a:solidFill>
+          <a:ln>
+            <a:solidFill>
+              <a:srgbClr val="BFD8E7"/>
+            </a:solidFill>
+          </a:ln>
+        </p:spPr>
+        <p:style>
+          <a:lnRef idx="2">
+            <a:schemeClr val="accent1">
+              <a:shade val="50000"/>
+            </a:schemeClr>
+          </a:lnRef>
+          <a:fillRef idx="1">
+            <a:schemeClr val="accent1"/>
+          </a:fillRef>
+          <a:effectRef idx="0">
+            <a:schemeClr val="accent1"/>
+          </a:effectRef>
+          <a:fontRef idx="minor">
+            <a:schemeClr val="lt1"/>
+          </a:fontRef>
+        </p:style>
+        <p:txBody>
+          <a:bodyPr rtlCol="0" anchor="ctr"/>
+          <a:lstStyle/>
+          <a:p>
+            <a:pPr algn="ctr"/>
+            <a:endParaRPr lang="pt-BR"/>
+          </a:p>
+        </p:txBody>
+      </p:sp>
+      <p:sp>
+        <p:nvSpPr>
+          <p:cNvPr id="6" name="Retângulo 5"/>
+          <p:cNvSpPr/>
+          <p:nvPr/>
+        </p:nvSpPr>
+        <p:spPr>
+          <a:xfrm>
+            <a:off x="8703723" y="4230001"/>
+            <a:ext cx="67375" cy="48112"/>
+          </a:xfrm>
+          <a:prstGeom prst="rect">
+            <a:avLst/>
+          </a:prstGeom>
+          <a:solidFill>
+            <a:srgbClr val="C3C9C9"/>
+          </a:solidFill>
+          <a:ln>
+            <a:solidFill>
+              <a:srgbClr val="C3C9C9"/>
+            </a:solidFill>
+          </a:ln>
+        </p:spPr>
+        <p:style>
+          <a:lnRef idx="2">
+            <a:schemeClr val="accent1">
+              <a:shade val="50000"/>
+            </a:schemeClr>
+          </a:lnRef>
+          <a:fillRef idx="1">
+            <a:schemeClr val="accent1"/>
+          </a:fillRef>
+          <a:effectRef idx="0">
+            <a:schemeClr val="accent1"/>
+          </a:effectRef>
+          <a:fontRef idx="minor">
+            <a:schemeClr val="lt1"/>
+          </a:fontRef>
+        </p:style>
+        <p:txBody>
+          <a:bodyPr rtlCol="0" anchor="ctr"/>
+          <a:lstStyle/>
+          <a:p>
+            <a:pPr algn="ctr"/>
+            <a:endParaRPr lang="pt-BR"/>
+          </a:p>
+        </p:txBody>
+      </p:sp>
+      <p:sp>
+        <p:nvSpPr>
+          <p:cNvPr id="27" name="Retângulo 26"/>
+          <p:cNvSpPr/>
+          <p:nvPr/>
+        </p:nvSpPr>
+        <p:spPr>
+          <a:xfrm>
+            <a:off x="10981155" y="3716380"/>
+            <a:ext cx="178277" cy="137520"/>
+          </a:xfrm>
+          <a:prstGeom prst="rect">
+            <a:avLst/>
+          </a:prstGeom>
+          <a:solidFill>
+            <a:srgbClr val="EAEBEF"/>
+          </a:solidFill>
+          <a:ln>
+            <a:solidFill>
+              <a:srgbClr val="EAEBEF"/>
+            </a:solidFill>
+          </a:ln>
+        </p:spPr>
+        <p:style>
+          <a:lnRef idx="2">
+            <a:schemeClr val="accent1">
+              <a:shade val="50000"/>
+            </a:schemeClr>
+          </a:lnRef>
+          <a:fillRef idx="1">
+            <a:schemeClr val="accent1"/>
+          </a:fillRef>
+          <a:effectRef idx="0">
+            <a:schemeClr val="accent1"/>
+          </a:effectRef>
+          <a:fontRef idx="minor">
+            <a:schemeClr val="lt1"/>
+          </a:fontRef>
+        </p:style>
+        <p:txBody>
+          <a:bodyPr rtlCol="0" anchor="ctr"/>
+          <a:lstStyle/>
+          <a:p>
+            <a:pPr algn="ctr"/>
+            <a:endParaRPr lang="pt-BR"/>
+          </a:p>
+        </p:txBody>
+      </p:sp>
+      <p:sp>
+        <p:nvSpPr>
+          <p:cNvPr id="28" name="Retângulo 27"/>
+          <p:cNvSpPr/>
+          <p:nvPr/>
+        </p:nvSpPr>
+        <p:spPr>
+          <a:xfrm>
+            <a:off x="10803732" y="5925132"/>
+            <a:ext cx="45719" cy="149096"/>
+          </a:xfrm>
+          <a:prstGeom prst="rect">
+            <a:avLst/>
+          </a:prstGeom>
+          <a:solidFill>
+            <a:srgbClr val="EDEEF0"/>
+          </a:solidFill>
+          <a:ln>
+            <a:solidFill>
+              <a:srgbClr val="ECEDEF"/>
+            </a:solidFill>
+          </a:ln>
+        </p:spPr>
+        <p:style>
+          <a:lnRef idx="2">
+            <a:schemeClr val="accent1">
+              <a:shade val="50000"/>
+            </a:schemeClr>
+          </a:lnRef>
+          <a:fillRef idx="1">
+            <a:schemeClr val="accent1"/>
+          </a:fillRef>
+          <a:effectRef idx="0">
+            <a:schemeClr val="accent1"/>
+          </a:effectRef>
+          <a:fontRef idx="minor">
+            <a:schemeClr val="lt1"/>
+          </a:fontRef>
+        </p:style>
+        <p:txBody>
+          <a:bodyPr rtlCol="0" anchor="ctr"/>
+          <a:lstStyle/>
+          <a:p>
+            <a:pPr algn="ctr"/>
+            <a:endParaRPr lang="pt-BR"/>
+          </a:p>
+        </p:txBody>
+      </p:sp>
+      <p:pic>
+        <p:nvPicPr>
+          <p:cNvPr id="21" name="Espaço Reservado para Imagem 20">
+            <a:extLst>
+              <a:ext uri="{FF2B5EF4-FFF2-40B4-BE49-F238E27FC236}">
+                <a16:creationId xmlns:a16="http://schemas.microsoft.com/office/drawing/2014/main" id="{B00D77EA-B76F-407C-B39A-DD5CADCB8884}"/>
+              </a:ext>
+            </a:extLst>
+          </p:cNvPr>
+          <p:cNvPicPr>
+            <a:picLocks noGrp="1" noChangeAspect="1"/>
+          </p:cNvPicPr>
+          <p:nvPr>
+            <p:ph type="pic" sz="quarter" idx="10"/>
+          </p:nvPr>
+        </p:nvPicPr>
+        <p:blipFill>
+          <a:blip r:embed="rId12"/>
+          <a:srcRect l="14533" r="14533"/>
+          <a:stretch>
+            <a:fillRect/>
+          </a:stretch>
+        </p:blipFill>
+        <p:spPr>
+          <a:xfrm>
+            <a:off x="6743703" y="16926"/>
+            <a:ext cx="5448297" cy="6858000"/>
+          </a:xfrm>
+          <a:solidFill>
+            <a:srgbClr val="EAEBEF"/>
+          </a:solidFill>
+          <a:ln>
+            <a:solidFill>
+              <a:srgbClr val="EAEBEF"/>
+            </a:solidFill>
+          </a:ln>
         </p:spPr>
       </p:pic>
     </p:spTree>
     <p:extLst>
       <p:ext uri="{BB962C8B-B14F-4D97-AF65-F5344CB8AC3E}">
-        <p14:creationId xmlns:p14="http://schemas.microsoft.com/office/powerpoint/2010/main" val="1824932081"/>
+        <p14:creationId xmlns:p14="http://schemas.microsoft.com/office/powerpoint/2010/main" val="455220785"/>
       </p:ext>
     </p:extLst>
   </p:cSld>
@@ -7934,6 +9410,13 @@
   <p:transition spd="slow">
     <p:push dir="u"/>
   </p:transition>
+  <p:timing>
+    <p:tnLst>
+      <p:par>
+        <p:cTn id="1" dur="indefinite" restart="never" nodeType="tmRoot"/>
+      </p:par>
+    </p:tnLst>
+  </p:timing>
 </p:sld>
 </file>
 
@@ -7959,6 +9442,598 @@
           <p:cNvPr id="2" name="Título 1">
             <a:extLst>
               <a:ext uri="{FF2B5EF4-FFF2-40B4-BE49-F238E27FC236}">
+                <a16:creationId xmlns:a16="http://schemas.microsoft.com/office/drawing/2014/main" id="{8C31434F-F5E5-4957-A030-E76CB2F323E7}"/>
+              </a:ext>
+            </a:extLst>
+          </p:cNvPr>
+          <p:cNvSpPr>
+            <a:spLocks noGrp="1"/>
+          </p:cNvSpPr>
+          <p:nvPr>
+            <p:ph type="title"/>
+          </p:nvPr>
+        </p:nvSpPr>
+        <p:spPr/>
+        <p:txBody>
+          <a:bodyPr/>
+          <a:lstStyle/>
+          <a:p>
+            <a:pPr algn="ctr"/>
+            <a:r>
+              <a:rPr lang="pt-BR" dirty="0"/>
+              <a:t>Desenho de Solução</a:t>
+            </a:r>
+          </a:p>
+        </p:txBody>
+      </p:sp>
+      <p:pic>
+        <p:nvPicPr>
+          <p:cNvPr id="4" name="Imagem 3"/>
+          <p:cNvPicPr>
+            <a:picLocks noChangeAspect="1"/>
+          </p:cNvPicPr>
+          <p:nvPr/>
+        </p:nvPicPr>
+        <p:blipFill>
+          <a:blip r:embed="rId2">
+            <a:extLst>
+              <a:ext uri="{28A0092B-C50C-407E-A947-70E740481C1C}">
+                <a14:useLocalDpi xmlns:a14="http://schemas.microsoft.com/office/drawing/2010/main" val="0"/>
+              </a:ext>
+            </a:extLst>
+          </a:blip>
+          <a:stretch>
+            <a:fillRect/>
+          </a:stretch>
+        </p:blipFill>
+        <p:spPr>
+          <a:xfrm>
+            <a:off x="0" y="1919876"/>
+            <a:ext cx="12112782" cy="4713152"/>
+          </a:xfrm>
+          <a:prstGeom prst="rect">
+            <a:avLst/>
+          </a:prstGeom>
+        </p:spPr>
+      </p:pic>
+    </p:spTree>
+    <p:extLst>
+      <p:ext uri="{BB962C8B-B14F-4D97-AF65-F5344CB8AC3E}">
+        <p14:creationId xmlns:p14="http://schemas.microsoft.com/office/powerpoint/2010/main" val="3260387452"/>
+      </p:ext>
+    </p:extLst>
+  </p:cSld>
+  <p:clrMapOvr>
+    <a:masterClrMapping/>
+  </p:clrMapOvr>
+  <p:transition spd="slow">
+    <p:push dir="u"/>
+  </p:transition>
+  <p:timing>
+    <p:tnLst>
+      <p:par>
+        <p:cTn id="1" dur="indefinite" restart="never" nodeType="tmRoot"/>
+      </p:par>
+    </p:tnLst>
+  </p:timing>
+</p:sld>
+</file>
+
+<file path=ppt/slides/slide12.xml><?xml version="1.0" encoding="utf-8"?>
+<p:sld xmlns:a="http://schemas.openxmlformats.org/drawingml/2006/main" xmlns:r="http://schemas.openxmlformats.org/officeDocument/2006/relationships" xmlns:p="http://schemas.openxmlformats.org/presentationml/2006/main">
+  <p:cSld>
+    <p:spTree>
+      <p:nvGrpSpPr>
+        <p:cNvPr id="1" name=""/>
+        <p:cNvGrpSpPr/>
+        <p:nvPr/>
+      </p:nvGrpSpPr>
+      <p:grpSpPr>
+        <a:xfrm>
+          <a:off x="0" y="0"/>
+          <a:ext cx="0" cy="0"/>
+          <a:chOff x="0" y="0"/>
+          <a:chExt cx="0" cy="0"/>
+        </a:xfrm>
+      </p:grpSpPr>
+      <p:sp>
+        <p:nvSpPr>
+          <p:cNvPr id="2" name="Título 1">
+            <a:extLst>
+              <a:ext uri="{FF2B5EF4-FFF2-40B4-BE49-F238E27FC236}">
+                <a16:creationId xmlns:a16="http://schemas.microsoft.com/office/drawing/2014/main" id="{8C31434F-F5E5-4957-A030-E76CB2F323E7}"/>
+              </a:ext>
+            </a:extLst>
+          </p:cNvPr>
+          <p:cNvSpPr>
+            <a:spLocks noGrp="1"/>
+          </p:cNvSpPr>
+          <p:nvPr>
+            <p:ph type="title"/>
+          </p:nvPr>
+        </p:nvSpPr>
+        <p:spPr/>
+        <p:txBody>
+          <a:bodyPr/>
+          <a:lstStyle/>
+          <a:p>
+            <a:pPr algn="ctr"/>
+            <a:r>
+              <a:rPr lang="pt-BR" dirty="0" err="1"/>
+              <a:t>Low</a:t>
+            </a:r>
+            <a:r>
+              <a:rPr lang="pt-BR" dirty="0"/>
+              <a:t> </a:t>
+            </a:r>
+            <a:r>
+              <a:rPr lang="pt-BR" dirty="0" err="1"/>
+              <a:t>Level</a:t>
+            </a:r>
+            <a:r>
+              <a:rPr lang="pt-BR" dirty="0"/>
+              <a:t> Design</a:t>
+            </a:r>
+          </a:p>
+        </p:txBody>
+      </p:sp>
+      <p:pic>
+        <p:nvPicPr>
+          <p:cNvPr id="3" name="Imagem 2"/>
+          <p:cNvPicPr>
+            <a:picLocks noChangeAspect="1"/>
+          </p:cNvPicPr>
+          <p:nvPr/>
+        </p:nvPicPr>
+        <p:blipFill>
+          <a:blip r:embed="rId2">
+            <a:extLst>
+              <a:ext uri="{28A0092B-C50C-407E-A947-70E740481C1C}">
+                <a14:useLocalDpi xmlns:a14="http://schemas.microsoft.com/office/drawing/2010/main" val="0"/>
+              </a:ext>
+            </a:extLst>
+          </a:blip>
+          <a:stretch>
+            <a:fillRect/>
+          </a:stretch>
+        </p:blipFill>
+        <p:spPr>
+          <a:xfrm>
+            <a:off x="1624083" y="1535203"/>
+            <a:ext cx="8558113" cy="5186319"/>
+          </a:xfrm>
+          <a:prstGeom prst="rect">
+            <a:avLst/>
+          </a:prstGeom>
+        </p:spPr>
+      </p:pic>
+    </p:spTree>
+    <p:extLst>
+      <p:ext uri="{BB962C8B-B14F-4D97-AF65-F5344CB8AC3E}">
+        <p14:creationId xmlns:p14="http://schemas.microsoft.com/office/powerpoint/2010/main" val="1824932081"/>
+      </p:ext>
+    </p:extLst>
+  </p:cSld>
+  <p:clrMapOvr>
+    <a:masterClrMapping/>
+  </p:clrMapOvr>
+  <p:transition spd="slow">
+    <p:push dir="u"/>
+  </p:transition>
+  <p:timing>
+    <p:tnLst>
+      <p:par>
+        <p:cTn id="1" dur="indefinite" restart="never" nodeType="tmRoot"/>
+      </p:par>
+    </p:tnLst>
+  </p:timing>
+</p:sld>
+</file>
+
+<file path=ppt/slides/slide13.xml><?xml version="1.0" encoding="utf-8"?>
+<p:sld xmlns:a="http://schemas.openxmlformats.org/drawingml/2006/main" xmlns:r="http://schemas.openxmlformats.org/officeDocument/2006/relationships" xmlns:p="http://schemas.openxmlformats.org/presentationml/2006/main">
+  <p:cSld>
+    <p:spTree>
+      <p:nvGrpSpPr>
+        <p:cNvPr id="1" name=""/>
+        <p:cNvGrpSpPr/>
+        <p:nvPr/>
+      </p:nvGrpSpPr>
+      <p:grpSpPr>
+        <a:xfrm>
+          <a:off x="0" y="0"/>
+          <a:ext cx="0" cy="0"/>
+          <a:chOff x="0" y="0"/>
+          <a:chExt cx="0" cy="0"/>
+        </a:xfrm>
+      </p:grpSpPr>
+      <p:sp>
+        <p:nvSpPr>
+          <p:cNvPr id="22" name="CaixaDeTexto 21">
+            <a:extLst>
+              <a:ext uri="{FF2B5EF4-FFF2-40B4-BE49-F238E27FC236}">
+                <a16:creationId xmlns:a16="http://schemas.microsoft.com/office/drawing/2014/main" id="{902BE623-A1E3-4A07-AC2E-F76A6029298C}"/>
+              </a:ext>
+            </a:extLst>
+          </p:cNvPr>
+          <p:cNvSpPr txBox="1"/>
+          <p:nvPr/>
+        </p:nvSpPr>
+        <p:spPr>
+          <a:xfrm>
+            <a:off x="667783" y="2845761"/>
+            <a:ext cx="7008846" cy="1200329"/>
+          </a:xfrm>
+          <a:prstGeom prst="rect">
+            <a:avLst/>
+          </a:prstGeom>
+          <a:noFill/>
+        </p:spPr>
+        <p:txBody>
+          <a:bodyPr wrap="square" rtlCol="0">
+            <a:spAutoFit/>
+          </a:bodyPr>
+          <a:lstStyle/>
+          <a:p>
+            <a:r>
+              <a:rPr lang="pt-BR" sz="7200" dirty="0" smtClean="0">
+                <a:latin typeface="+mj-lt"/>
+              </a:rPr>
+              <a:t>Banco de Dados</a:t>
+            </a:r>
+            <a:endParaRPr lang="pt-BR" sz="7200" dirty="0">
+              <a:latin typeface="+mj-lt"/>
+            </a:endParaRPr>
+          </a:p>
+        </p:txBody>
+      </p:sp>
+      <p:pic>
+        <p:nvPicPr>
+          <p:cNvPr id="8" name="Imagem 7">
+            <a:extLst>
+              <a:ext uri="{FF2B5EF4-FFF2-40B4-BE49-F238E27FC236}">
+                <a16:creationId xmlns:a16="http://schemas.microsoft.com/office/drawing/2014/main" id="{1F751F11-FC5E-48B7-9F3C-F5D2206C1216}"/>
+              </a:ext>
+            </a:extLst>
+          </p:cNvPr>
+          <p:cNvPicPr>
+            <a:picLocks noChangeAspect="1"/>
+          </p:cNvPicPr>
+          <p:nvPr/>
+        </p:nvPicPr>
+        <p:blipFill>
+          <a:blip r:embed="rId3"/>
+          <a:stretch>
+            <a:fillRect/>
+          </a:stretch>
+        </p:blipFill>
+        <p:spPr>
+          <a:xfrm>
+            <a:off x="10803732" y="6020043"/>
+            <a:ext cx="45719" cy="54185"/>
+          </a:xfrm>
+          <a:prstGeom prst="rect">
+            <a:avLst/>
+          </a:prstGeom>
+        </p:spPr>
+      </p:pic>
+      <p:pic>
+        <p:nvPicPr>
+          <p:cNvPr id="9" name="Imagem 8">
+            <a:extLst>
+              <a:ext uri="{FF2B5EF4-FFF2-40B4-BE49-F238E27FC236}">
+                <a16:creationId xmlns:a16="http://schemas.microsoft.com/office/drawing/2014/main" id="{6CBDF92B-009C-4005-A6BB-AAA3F599F914}"/>
+              </a:ext>
+            </a:extLst>
+          </p:cNvPr>
+          <p:cNvPicPr>
+            <a:picLocks noChangeAspect="1"/>
+          </p:cNvPicPr>
+          <p:nvPr/>
+        </p:nvPicPr>
+        <p:blipFill>
+          <a:blip r:embed="rId4"/>
+          <a:stretch>
+            <a:fillRect/>
+          </a:stretch>
+        </p:blipFill>
+        <p:spPr>
+          <a:xfrm>
+            <a:off x="9098107" y="2640554"/>
+            <a:ext cx="74633" cy="45719"/>
+          </a:xfrm>
+          <a:prstGeom prst="rect">
+            <a:avLst/>
+          </a:prstGeom>
+        </p:spPr>
+      </p:pic>
+      <p:pic>
+        <p:nvPicPr>
+          <p:cNvPr id="11" name="Imagem 10">
+            <a:extLst>
+              <a:ext uri="{FF2B5EF4-FFF2-40B4-BE49-F238E27FC236}">
+                <a16:creationId xmlns:a16="http://schemas.microsoft.com/office/drawing/2014/main" id="{6632E0F7-697B-40D4-BFDE-A954FAA1AF34}"/>
+              </a:ext>
+            </a:extLst>
+          </p:cNvPr>
+          <p:cNvPicPr>
+            <a:picLocks noChangeAspect="1"/>
+          </p:cNvPicPr>
+          <p:nvPr/>
+        </p:nvPicPr>
+        <p:blipFill>
+          <a:blip r:embed="rId5"/>
+          <a:stretch>
+            <a:fillRect/>
+          </a:stretch>
+        </p:blipFill>
+        <p:spPr>
+          <a:xfrm>
+            <a:off x="11070294" y="3751577"/>
+            <a:ext cx="45898" cy="45719"/>
+          </a:xfrm>
+          <a:prstGeom prst="rect">
+            <a:avLst/>
+          </a:prstGeom>
+        </p:spPr>
+      </p:pic>
+      <p:pic>
+        <p:nvPicPr>
+          <p:cNvPr id="13" name="Imagem 12" descr="Uma imagem contendo objeto, kit de primeiros socorros&#10;&#10;Descrição gerada automaticamente">
+            <a:extLst>
+              <a:ext uri="{FF2B5EF4-FFF2-40B4-BE49-F238E27FC236}">
+                <a16:creationId xmlns:a16="http://schemas.microsoft.com/office/drawing/2014/main" id="{839ABE05-5271-4677-8BEF-671EEA2E9B3C}"/>
+              </a:ext>
+            </a:extLst>
+          </p:cNvPr>
+          <p:cNvPicPr>
+            <a:picLocks noChangeAspect="1"/>
+          </p:cNvPicPr>
+          <p:nvPr/>
+        </p:nvPicPr>
+        <p:blipFill>
+          <a:blip r:embed="rId6"/>
+          <a:stretch>
+            <a:fillRect/>
+          </a:stretch>
+        </p:blipFill>
+        <p:spPr>
+          <a:xfrm>
+            <a:off x="8703723" y="4232394"/>
+            <a:ext cx="67375" cy="45719"/>
+          </a:xfrm>
+          <a:prstGeom prst="rect">
+            <a:avLst/>
+          </a:prstGeom>
+        </p:spPr>
+      </p:pic>
+      <p:sp>
+        <p:nvSpPr>
+          <p:cNvPr id="6" name="Retângulo 5"/>
+          <p:cNvSpPr/>
+          <p:nvPr/>
+        </p:nvSpPr>
+        <p:spPr>
+          <a:xfrm>
+            <a:off x="8703723" y="4230001"/>
+            <a:ext cx="67375" cy="48112"/>
+          </a:xfrm>
+          <a:prstGeom prst="rect">
+            <a:avLst/>
+          </a:prstGeom>
+          <a:solidFill>
+            <a:srgbClr val="C3C9C9"/>
+          </a:solidFill>
+          <a:ln>
+            <a:solidFill>
+              <a:srgbClr val="C3C9C9"/>
+            </a:solidFill>
+          </a:ln>
+        </p:spPr>
+        <p:style>
+          <a:lnRef idx="2">
+            <a:schemeClr val="accent1">
+              <a:shade val="50000"/>
+            </a:schemeClr>
+          </a:lnRef>
+          <a:fillRef idx="1">
+            <a:schemeClr val="accent1"/>
+          </a:fillRef>
+          <a:effectRef idx="0">
+            <a:schemeClr val="accent1"/>
+          </a:effectRef>
+          <a:fontRef idx="minor">
+            <a:schemeClr val="lt1"/>
+          </a:fontRef>
+        </p:style>
+        <p:txBody>
+          <a:bodyPr rtlCol="0" anchor="ctr"/>
+          <a:lstStyle/>
+          <a:p>
+            <a:pPr algn="ctr"/>
+            <a:endParaRPr lang="pt-BR"/>
+          </a:p>
+        </p:txBody>
+      </p:sp>
+      <p:sp>
+        <p:nvSpPr>
+          <p:cNvPr id="27" name="Retângulo 26"/>
+          <p:cNvSpPr/>
+          <p:nvPr/>
+        </p:nvSpPr>
+        <p:spPr>
+          <a:xfrm>
+            <a:off x="10981155" y="3716380"/>
+            <a:ext cx="178277" cy="137520"/>
+          </a:xfrm>
+          <a:prstGeom prst="rect">
+            <a:avLst/>
+          </a:prstGeom>
+          <a:solidFill>
+            <a:srgbClr val="EAEBEF"/>
+          </a:solidFill>
+          <a:ln>
+            <a:solidFill>
+              <a:srgbClr val="EAEBEF"/>
+            </a:solidFill>
+          </a:ln>
+        </p:spPr>
+        <p:style>
+          <a:lnRef idx="2">
+            <a:schemeClr val="accent1">
+              <a:shade val="50000"/>
+            </a:schemeClr>
+          </a:lnRef>
+          <a:fillRef idx="1">
+            <a:schemeClr val="accent1"/>
+          </a:fillRef>
+          <a:effectRef idx="0">
+            <a:schemeClr val="accent1"/>
+          </a:effectRef>
+          <a:fontRef idx="minor">
+            <a:schemeClr val="lt1"/>
+          </a:fontRef>
+        </p:style>
+        <p:txBody>
+          <a:bodyPr rtlCol="0" anchor="ctr"/>
+          <a:lstStyle/>
+          <a:p>
+            <a:pPr algn="ctr"/>
+            <a:endParaRPr lang="pt-BR"/>
+          </a:p>
+        </p:txBody>
+      </p:sp>
+      <p:sp>
+        <p:nvSpPr>
+          <p:cNvPr id="28" name="Retângulo 27"/>
+          <p:cNvSpPr/>
+          <p:nvPr/>
+        </p:nvSpPr>
+        <p:spPr>
+          <a:xfrm>
+            <a:off x="10803732" y="5925132"/>
+            <a:ext cx="45719" cy="149096"/>
+          </a:xfrm>
+          <a:prstGeom prst="rect">
+            <a:avLst/>
+          </a:prstGeom>
+          <a:solidFill>
+            <a:srgbClr val="EDEEF0"/>
+          </a:solidFill>
+          <a:ln>
+            <a:solidFill>
+              <a:srgbClr val="ECEDEF"/>
+            </a:solidFill>
+          </a:ln>
+        </p:spPr>
+        <p:style>
+          <a:lnRef idx="2">
+            <a:schemeClr val="accent1">
+              <a:shade val="50000"/>
+            </a:schemeClr>
+          </a:lnRef>
+          <a:fillRef idx="1">
+            <a:schemeClr val="accent1"/>
+          </a:fillRef>
+          <a:effectRef idx="0">
+            <a:schemeClr val="accent1"/>
+          </a:effectRef>
+          <a:fontRef idx="minor">
+            <a:schemeClr val="lt1"/>
+          </a:fontRef>
+        </p:style>
+        <p:txBody>
+          <a:bodyPr rtlCol="0" anchor="ctr"/>
+          <a:lstStyle/>
+          <a:p>
+            <a:pPr algn="ctr"/>
+            <a:endParaRPr lang="pt-BR"/>
+          </a:p>
+        </p:txBody>
+      </p:sp>
+      <p:pic>
+        <p:nvPicPr>
+          <p:cNvPr id="21" name="Espaço Reservado para Imagem 20">
+            <a:extLst>
+              <a:ext uri="{FF2B5EF4-FFF2-40B4-BE49-F238E27FC236}">
+                <a16:creationId xmlns:a16="http://schemas.microsoft.com/office/drawing/2014/main" id="{B00D77EA-B76F-407C-B39A-DD5CADCB8884}"/>
+              </a:ext>
+            </a:extLst>
+          </p:cNvPr>
+          <p:cNvPicPr>
+            <a:picLocks noGrp="1" noChangeAspect="1"/>
+          </p:cNvPicPr>
+          <p:nvPr>
+            <p:ph type="pic" sz="quarter" idx="10"/>
+          </p:nvPr>
+        </p:nvPicPr>
+        <p:blipFill>
+          <a:blip r:embed="rId7"/>
+          <a:srcRect l="14533" r="14533"/>
+          <a:stretch>
+            <a:fillRect/>
+          </a:stretch>
+        </p:blipFill>
+        <p:spPr>
+          <a:xfrm>
+            <a:off x="6743703" y="16926"/>
+            <a:ext cx="5448297" cy="6858000"/>
+          </a:xfrm>
+          <a:solidFill>
+            <a:srgbClr val="EAEBEF"/>
+          </a:solidFill>
+          <a:ln>
+            <a:solidFill>
+              <a:srgbClr val="EAEBEF"/>
+            </a:solidFill>
+          </a:ln>
+        </p:spPr>
+      </p:pic>
+    </p:spTree>
+    <p:extLst>
+      <p:ext uri="{BB962C8B-B14F-4D97-AF65-F5344CB8AC3E}">
+        <p14:creationId xmlns:p14="http://schemas.microsoft.com/office/powerpoint/2010/main" val="2914312193"/>
+      </p:ext>
+    </p:extLst>
+  </p:cSld>
+  <p:clrMapOvr>
+    <a:masterClrMapping/>
+  </p:clrMapOvr>
+  <p:transition spd="slow">
+    <p:push dir="u"/>
+  </p:transition>
+  <p:timing>
+    <p:tnLst>
+      <p:par>
+        <p:cTn id="1" dur="indefinite" restart="never" nodeType="tmRoot"/>
+      </p:par>
+    </p:tnLst>
+  </p:timing>
+</p:sld>
+</file>
+
+<file path=ppt/slides/slide14.xml><?xml version="1.0" encoding="utf-8"?>
+<p:sld xmlns:a="http://schemas.openxmlformats.org/drawingml/2006/main" xmlns:r="http://schemas.openxmlformats.org/officeDocument/2006/relationships" xmlns:p="http://schemas.openxmlformats.org/presentationml/2006/main">
+  <p:cSld>
+    <p:spTree>
+      <p:nvGrpSpPr>
+        <p:cNvPr id="1" name=""/>
+        <p:cNvGrpSpPr/>
+        <p:nvPr/>
+      </p:nvGrpSpPr>
+      <p:grpSpPr>
+        <a:xfrm>
+          <a:off x="0" y="0"/>
+          <a:ext cx="0" cy="0"/>
+          <a:chOff x="0" y="0"/>
+          <a:chExt cx="0" cy="0"/>
+        </a:xfrm>
+      </p:grpSpPr>
+      <p:sp>
+        <p:nvSpPr>
+          <p:cNvPr id="2" name="Título 1">
+            <a:extLst>
+              <a:ext uri="{FF2B5EF4-FFF2-40B4-BE49-F238E27FC236}">
                 <a16:creationId xmlns:a16="http://schemas.microsoft.com/office/drawing/2014/main" id="{B6BA8BC7-79FC-40A0-99FD-53A77D60C335}"/>
               </a:ext>
             </a:extLst>
@@ -8026,10 +10101,399 @@
   <p:transition spd="slow">
     <p:push dir="u"/>
   </p:transition>
+  <p:timing>
+    <p:tnLst>
+      <p:par>
+        <p:cTn id="1" dur="indefinite" restart="never" nodeType="tmRoot"/>
+      </p:par>
+    </p:tnLst>
+  </p:timing>
 </p:sld>
 </file>
 
-<file path=ppt/slides/slide12.xml><?xml version="1.0" encoding="utf-8"?>
+<file path=ppt/slides/slide15.xml><?xml version="1.0" encoding="utf-8"?>
+<p:sld xmlns:a="http://schemas.openxmlformats.org/drawingml/2006/main" xmlns:r="http://schemas.openxmlformats.org/officeDocument/2006/relationships" xmlns:p="http://schemas.openxmlformats.org/presentationml/2006/main">
+  <p:cSld>
+    <p:spTree>
+      <p:nvGrpSpPr>
+        <p:cNvPr id="1" name=""/>
+        <p:cNvGrpSpPr/>
+        <p:nvPr/>
+      </p:nvGrpSpPr>
+      <p:grpSpPr>
+        <a:xfrm>
+          <a:off x="0" y="0"/>
+          <a:ext cx="0" cy="0"/>
+          <a:chOff x="0" y="0"/>
+          <a:chExt cx="0" cy="0"/>
+        </a:xfrm>
+      </p:grpSpPr>
+      <p:sp>
+        <p:nvSpPr>
+          <p:cNvPr id="22" name="CaixaDeTexto 21">
+            <a:extLst>
+              <a:ext uri="{FF2B5EF4-FFF2-40B4-BE49-F238E27FC236}">
+                <a16:creationId xmlns:a16="http://schemas.microsoft.com/office/drawing/2014/main" id="{902BE623-A1E3-4A07-AC2E-F76A6029298C}"/>
+              </a:ext>
+            </a:extLst>
+          </p:cNvPr>
+          <p:cNvSpPr txBox="1"/>
+          <p:nvPr/>
+        </p:nvSpPr>
+        <p:spPr>
+          <a:xfrm>
+            <a:off x="1365990" y="3253735"/>
+            <a:ext cx="4397703" cy="1200329"/>
+          </a:xfrm>
+          <a:prstGeom prst="rect">
+            <a:avLst/>
+          </a:prstGeom>
+          <a:noFill/>
+        </p:spPr>
+        <p:txBody>
+          <a:bodyPr wrap="square" rtlCol="0">
+            <a:spAutoFit/>
+          </a:bodyPr>
+          <a:lstStyle/>
+          <a:p>
+            <a:r>
+              <a:rPr lang="pt-BR" sz="7200" dirty="0" smtClean="0">
+                <a:latin typeface="+mj-lt"/>
+              </a:rPr>
+              <a:t>Estatísticas</a:t>
+            </a:r>
+            <a:endParaRPr lang="pt-BR" sz="7200" dirty="0">
+              <a:latin typeface="+mj-lt"/>
+            </a:endParaRPr>
+          </a:p>
+        </p:txBody>
+      </p:sp>
+      <p:pic>
+        <p:nvPicPr>
+          <p:cNvPr id="8" name="Imagem 7">
+            <a:extLst>
+              <a:ext uri="{FF2B5EF4-FFF2-40B4-BE49-F238E27FC236}">
+                <a16:creationId xmlns:a16="http://schemas.microsoft.com/office/drawing/2014/main" id="{1F751F11-FC5E-48B7-9F3C-F5D2206C1216}"/>
+              </a:ext>
+            </a:extLst>
+          </p:cNvPr>
+          <p:cNvPicPr>
+            <a:picLocks noChangeAspect="1"/>
+          </p:cNvPicPr>
+          <p:nvPr/>
+        </p:nvPicPr>
+        <p:blipFill>
+          <a:blip r:embed="rId3"/>
+          <a:stretch>
+            <a:fillRect/>
+          </a:stretch>
+        </p:blipFill>
+        <p:spPr>
+          <a:xfrm>
+            <a:off x="10803732" y="6020043"/>
+            <a:ext cx="45719" cy="54185"/>
+          </a:xfrm>
+          <a:prstGeom prst="rect">
+            <a:avLst/>
+          </a:prstGeom>
+        </p:spPr>
+      </p:pic>
+      <p:pic>
+        <p:nvPicPr>
+          <p:cNvPr id="9" name="Imagem 8">
+            <a:extLst>
+              <a:ext uri="{FF2B5EF4-FFF2-40B4-BE49-F238E27FC236}">
+                <a16:creationId xmlns:a16="http://schemas.microsoft.com/office/drawing/2014/main" id="{6CBDF92B-009C-4005-A6BB-AAA3F599F914}"/>
+              </a:ext>
+            </a:extLst>
+          </p:cNvPr>
+          <p:cNvPicPr>
+            <a:picLocks noChangeAspect="1"/>
+          </p:cNvPicPr>
+          <p:nvPr/>
+        </p:nvPicPr>
+        <p:blipFill>
+          <a:blip r:embed="rId4"/>
+          <a:stretch>
+            <a:fillRect/>
+          </a:stretch>
+        </p:blipFill>
+        <p:spPr>
+          <a:xfrm>
+            <a:off x="9098107" y="2640554"/>
+            <a:ext cx="74633" cy="45719"/>
+          </a:xfrm>
+          <a:prstGeom prst="rect">
+            <a:avLst/>
+          </a:prstGeom>
+        </p:spPr>
+      </p:pic>
+      <p:pic>
+        <p:nvPicPr>
+          <p:cNvPr id="11" name="Imagem 10">
+            <a:extLst>
+              <a:ext uri="{FF2B5EF4-FFF2-40B4-BE49-F238E27FC236}">
+                <a16:creationId xmlns:a16="http://schemas.microsoft.com/office/drawing/2014/main" id="{6632E0F7-697B-40D4-BFDE-A954FAA1AF34}"/>
+              </a:ext>
+            </a:extLst>
+          </p:cNvPr>
+          <p:cNvPicPr>
+            <a:picLocks noChangeAspect="1"/>
+          </p:cNvPicPr>
+          <p:nvPr/>
+        </p:nvPicPr>
+        <p:blipFill>
+          <a:blip r:embed="rId5"/>
+          <a:stretch>
+            <a:fillRect/>
+          </a:stretch>
+        </p:blipFill>
+        <p:spPr>
+          <a:xfrm>
+            <a:off x="11070294" y="3751577"/>
+            <a:ext cx="45898" cy="45719"/>
+          </a:xfrm>
+          <a:prstGeom prst="rect">
+            <a:avLst/>
+          </a:prstGeom>
+        </p:spPr>
+      </p:pic>
+      <p:pic>
+        <p:nvPicPr>
+          <p:cNvPr id="13" name="Imagem 12" descr="Uma imagem contendo objeto, kit de primeiros socorros&#10;&#10;Descrição gerada automaticamente">
+            <a:extLst>
+              <a:ext uri="{FF2B5EF4-FFF2-40B4-BE49-F238E27FC236}">
+                <a16:creationId xmlns:a16="http://schemas.microsoft.com/office/drawing/2014/main" id="{839ABE05-5271-4677-8BEF-671EEA2E9B3C}"/>
+              </a:ext>
+            </a:extLst>
+          </p:cNvPr>
+          <p:cNvPicPr>
+            <a:picLocks noChangeAspect="1"/>
+          </p:cNvPicPr>
+          <p:nvPr/>
+        </p:nvPicPr>
+        <p:blipFill>
+          <a:blip r:embed="rId6"/>
+          <a:stretch>
+            <a:fillRect/>
+          </a:stretch>
+        </p:blipFill>
+        <p:spPr>
+          <a:xfrm>
+            <a:off x="8703723" y="4232394"/>
+            <a:ext cx="67375" cy="45719"/>
+          </a:xfrm>
+          <a:prstGeom prst="rect">
+            <a:avLst/>
+          </a:prstGeom>
+        </p:spPr>
+      </p:pic>
+      <p:sp>
+        <p:nvSpPr>
+          <p:cNvPr id="6" name="Retângulo 5"/>
+          <p:cNvSpPr/>
+          <p:nvPr/>
+        </p:nvSpPr>
+        <p:spPr>
+          <a:xfrm>
+            <a:off x="8703723" y="4230001"/>
+            <a:ext cx="67375" cy="48112"/>
+          </a:xfrm>
+          <a:prstGeom prst="rect">
+            <a:avLst/>
+          </a:prstGeom>
+          <a:solidFill>
+            <a:srgbClr val="C3C9C9"/>
+          </a:solidFill>
+          <a:ln>
+            <a:solidFill>
+              <a:srgbClr val="C3C9C9"/>
+            </a:solidFill>
+          </a:ln>
+        </p:spPr>
+        <p:style>
+          <a:lnRef idx="2">
+            <a:schemeClr val="accent1">
+              <a:shade val="50000"/>
+            </a:schemeClr>
+          </a:lnRef>
+          <a:fillRef idx="1">
+            <a:schemeClr val="accent1"/>
+          </a:fillRef>
+          <a:effectRef idx="0">
+            <a:schemeClr val="accent1"/>
+          </a:effectRef>
+          <a:fontRef idx="minor">
+            <a:schemeClr val="lt1"/>
+          </a:fontRef>
+        </p:style>
+        <p:txBody>
+          <a:bodyPr rtlCol="0" anchor="ctr"/>
+          <a:lstStyle/>
+          <a:p>
+            <a:pPr algn="ctr"/>
+            <a:endParaRPr lang="pt-BR"/>
+          </a:p>
+        </p:txBody>
+      </p:sp>
+      <p:sp>
+        <p:nvSpPr>
+          <p:cNvPr id="27" name="Retângulo 26"/>
+          <p:cNvSpPr/>
+          <p:nvPr/>
+        </p:nvSpPr>
+        <p:spPr>
+          <a:xfrm>
+            <a:off x="10981155" y="3716380"/>
+            <a:ext cx="178277" cy="137520"/>
+          </a:xfrm>
+          <a:prstGeom prst="rect">
+            <a:avLst/>
+          </a:prstGeom>
+          <a:solidFill>
+            <a:srgbClr val="EAEBEF"/>
+          </a:solidFill>
+          <a:ln>
+            <a:solidFill>
+              <a:srgbClr val="EAEBEF"/>
+            </a:solidFill>
+          </a:ln>
+        </p:spPr>
+        <p:style>
+          <a:lnRef idx="2">
+            <a:schemeClr val="accent1">
+              <a:shade val="50000"/>
+            </a:schemeClr>
+          </a:lnRef>
+          <a:fillRef idx="1">
+            <a:schemeClr val="accent1"/>
+          </a:fillRef>
+          <a:effectRef idx="0">
+            <a:schemeClr val="accent1"/>
+          </a:effectRef>
+          <a:fontRef idx="minor">
+            <a:schemeClr val="lt1"/>
+          </a:fontRef>
+        </p:style>
+        <p:txBody>
+          <a:bodyPr rtlCol="0" anchor="ctr"/>
+          <a:lstStyle/>
+          <a:p>
+            <a:pPr algn="ctr"/>
+            <a:endParaRPr lang="pt-BR"/>
+          </a:p>
+        </p:txBody>
+      </p:sp>
+      <p:sp>
+        <p:nvSpPr>
+          <p:cNvPr id="28" name="Retângulo 27"/>
+          <p:cNvSpPr/>
+          <p:nvPr/>
+        </p:nvSpPr>
+        <p:spPr>
+          <a:xfrm>
+            <a:off x="10803732" y="5925132"/>
+            <a:ext cx="45719" cy="149096"/>
+          </a:xfrm>
+          <a:prstGeom prst="rect">
+            <a:avLst/>
+          </a:prstGeom>
+          <a:solidFill>
+            <a:srgbClr val="EDEEF0"/>
+          </a:solidFill>
+          <a:ln>
+            <a:solidFill>
+              <a:srgbClr val="ECEDEF"/>
+            </a:solidFill>
+          </a:ln>
+        </p:spPr>
+        <p:style>
+          <a:lnRef idx="2">
+            <a:schemeClr val="accent1">
+              <a:shade val="50000"/>
+            </a:schemeClr>
+          </a:lnRef>
+          <a:fillRef idx="1">
+            <a:schemeClr val="accent1"/>
+          </a:fillRef>
+          <a:effectRef idx="0">
+            <a:schemeClr val="accent1"/>
+          </a:effectRef>
+          <a:fontRef idx="minor">
+            <a:schemeClr val="lt1"/>
+          </a:fontRef>
+        </p:style>
+        <p:txBody>
+          <a:bodyPr rtlCol="0" anchor="ctr"/>
+          <a:lstStyle/>
+          <a:p>
+            <a:pPr algn="ctr"/>
+            <a:endParaRPr lang="pt-BR"/>
+          </a:p>
+        </p:txBody>
+      </p:sp>
+      <p:pic>
+        <p:nvPicPr>
+          <p:cNvPr id="21" name="Espaço Reservado para Imagem 20">
+            <a:extLst>
+              <a:ext uri="{FF2B5EF4-FFF2-40B4-BE49-F238E27FC236}">
+                <a16:creationId xmlns:a16="http://schemas.microsoft.com/office/drawing/2014/main" id="{B00D77EA-B76F-407C-B39A-DD5CADCB8884}"/>
+              </a:ext>
+            </a:extLst>
+          </p:cNvPr>
+          <p:cNvPicPr>
+            <a:picLocks noGrp="1" noChangeAspect="1"/>
+          </p:cNvPicPr>
+          <p:nvPr>
+            <p:ph type="pic" sz="quarter" idx="10"/>
+          </p:nvPr>
+        </p:nvPicPr>
+        <p:blipFill>
+          <a:blip r:embed="rId7"/>
+          <a:srcRect l="14533" r="14533"/>
+          <a:stretch>
+            <a:fillRect/>
+          </a:stretch>
+        </p:blipFill>
+        <p:spPr>
+          <a:xfrm>
+            <a:off x="6743703" y="16926"/>
+            <a:ext cx="5448297" cy="6858000"/>
+          </a:xfrm>
+          <a:solidFill>
+            <a:srgbClr val="EAEBEF"/>
+          </a:solidFill>
+          <a:ln>
+            <a:solidFill>
+              <a:srgbClr val="EAEBEF"/>
+            </a:solidFill>
+          </a:ln>
+        </p:spPr>
+      </p:pic>
+    </p:spTree>
+    <p:extLst>
+      <p:ext uri="{BB962C8B-B14F-4D97-AF65-F5344CB8AC3E}">
+        <p14:creationId xmlns:p14="http://schemas.microsoft.com/office/powerpoint/2010/main" val="1899103511"/>
+      </p:ext>
+    </p:extLst>
+  </p:cSld>
+  <p:clrMapOvr>
+    <a:masterClrMapping/>
+  </p:clrMapOvr>
+  <p:transition spd="slow">
+    <p:push dir="u"/>
+  </p:transition>
+  <p:timing>
+    <p:tnLst>
+      <p:par>
+        <p:cTn id="1" dur="indefinite" restart="never" nodeType="tmRoot"/>
+      </p:par>
+    </p:tnLst>
+  </p:timing>
+</p:sld>
+</file>
+
+<file path=ppt/slides/slide16.xml><?xml version="1.0" encoding="utf-8"?>
 <p:sld xmlns:a="http://schemas.openxmlformats.org/drawingml/2006/main" xmlns:r="http://schemas.openxmlformats.org/officeDocument/2006/relationships" xmlns:p="http://schemas.openxmlformats.org/presentationml/2006/main">
   <p:cSld>
     <p:spTree>
@@ -8119,10 +10583,17 @@
   <p:transition spd="slow">
     <p:push dir="u"/>
   </p:transition>
+  <p:timing>
+    <p:tnLst>
+      <p:par>
+        <p:cTn id="1" dur="indefinite" restart="never" nodeType="tmRoot"/>
+      </p:par>
+    </p:tnLst>
+  </p:timing>
 </p:sld>
 </file>
 
-<file path=ppt/slides/slide13.xml><?xml version="1.0" encoding="utf-8"?>
+<file path=ppt/slides/slide17.xml><?xml version="1.0" encoding="utf-8"?>
 <p:sld xmlns:a="http://schemas.openxmlformats.org/drawingml/2006/main" xmlns:r="http://schemas.openxmlformats.org/officeDocument/2006/relationships" xmlns:p="http://schemas.openxmlformats.org/presentationml/2006/main">
   <p:cSld>
     <p:spTree>
@@ -8139,6 +10610,874 @@
           <a:chExt cx="0" cy="0"/>
         </a:xfrm>
       </p:grpSpPr>
+      <p:sp>
+        <p:nvSpPr>
+          <p:cNvPr id="22" name="CaixaDeTexto 21">
+            <a:extLst>
+              <a:ext uri="{FF2B5EF4-FFF2-40B4-BE49-F238E27FC236}">
+                <a16:creationId xmlns:a16="http://schemas.microsoft.com/office/drawing/2014/main" id="{902BE623-A1E3-4A07-AC2E-F76A6029298C}"/>
+              </a:ext>
+            </a:extLst>
+          </p:cNvPr>
+          <p:cNvSpPr txBox="1"/>
+          <p:nvPr/>
+        </p:nvSpPr>
+        <p:spPr>
+          <a:xfrm>
+            <a:off x="558487" y="2845762"/>
+            <a:ext cx="5844628" cy="1200329"/>
+          </a:xfrm>
+          <a:prstGeom prst="rect">
+            <a:avLst/>
+          </a:prstGeom>
+          <a:noFill/>
+        </p:spPr>
+        <p:txBody>
+          <a:bodyPr wrap="square" rtlCol="0">
+            <a:spAutoFit/>
+          </a:bodyPr>
+          <a:lstStyle/>
+          <a:p>
+            <a:r>
+              <a:rPr lang="pt-BR" sz="7200" dirty="0" smtClean="0">
+                <a:latin typeface="+mj-lt"/>
+              </a:rPr>
+              <a:t>Demonstração</a:t>
+            </a:r>
+            <a:endParaRPr lang="pt-BR" sz="7200" dirty="0">
+              <a:latin typeface="+mj-lt"/>
+            </a:endParaRPr>
+          </a:p>
+        </p:txBody>
+      </p:sp>
+      <p:pic>
+        <p:nvPicPr>
+          <p:cNvPr id="7" name="Imagem 6" descr="Uma imagem contendo kit de primeiros socorros, objeto&#10;&#10;Descrição gerada automaticamente">
+            <a:extLst>
+              <a:ext uri="{FF2B5EF4-FFF2-40B4-BE49-F238E27FC236}">
+                <a16:creationId xmlns:a16="http://schemas.microsoft.com/office/drawing/2014/main" id="{9F2EE745-88E1-4E73-91B1-6CAE0C0A7BA5}"/>
+              </a:ext>
+            </a:extLst>
+          </p:cNvPr>
+          <p:cNvPicPr>
+            <a:picLocks noChangeAspect="1"/>
+          </p:cNvPicPr>
+          <p:nvPr/>
+        </p:nvPicPr>
+        <p:blipFill>
+          <a:blip r:embed="rId3"/>
+          <a:stretch>
+            <a:fillRect/>
+          </a:stretch>
+        </p:blipFill>
+        <p:spPr>
+          <a:xfrm>
+            <a:off x="5400723" y="2854643"/>
+            <a:ext cx="77930" cy="45719"/>
+          </a:xfrm>
+          <a:prstGeom prst="rect">
+            <a:avLst/>
+          </a:prstGeom>
+        </p:spPr>
+      </p:pic>
+      <p:pic>
+        <p:nvPicPr>
+          <p:cNvPr id="8" name="Imagem 7">
+            <a:extLst>
+              <a:ext uri="{FF2B5EF4-FFF2-40B4-BE49-F238E27FC236}">
+                <a16:creationId xmlns:a16="http://schemas.microsoft.com/office/drawing/2014/main" id="{1F751F11-FC5E-48B7-9F3C-F5D2206C1216}"/>
+              </a:ext>
+            </a:extLst>
+          </p:cNvPr>
+          <p:cNvPicPr>
+            <a:picLocks noChangeAspect="1"/>
+          </p:cNvPicPr>
+          <p:nvPr/>
+        </p:nvPicPr>
+        <p:blipFill>
+          <a:blip r:embed="rId4"/>
+          <a:stretch>
+            <a:fillRect/>
+          </a:stretch>
+        </p:blipFill>
+        <p:spPr>
+          <a:xfrm>
+            <a:off x="10803732" y="6020043"/>
+            <a:ext cx="45719" cy="54185"/>
+          </a:xfrm>
+          <a:prstGeom prst="rect">
+            <a:avLst/>
+          </a:prstGeom>
+        </p:spPr>
+      </p:pic>
+      <p:pic>
+        <p:nvPicPr>
+          <p:cNvPr id="9" name="Imagem 8">
+            <a:extLst>
+              <a:ext uri="{FF2B5EF4-FFF2-40B4-BE49-F238E27FC236}">
+                <a16:creationId xmlns:a16="http://schemas.microsoft.com/office/drawing/2014/main" id="{6CBDF92B-009C-4005-A6BB-AAA3F599F914}"/>
+              </a:ext>
+            </a:extLst>
+          </p:cNvPr>
+          <p:cNvPicPr>
+            <a:picLocks noChangeAspect="1"/>
+          </p:cNvPicPr>
+          <p:nvPr/>
+        </p:nvPicPr>
+        <p:blipFill>
+          <a:blip r:embed="rId5"/>
+          <a:stretch>
+            <a:fillRect/>
+          </a:stretch>
+        </p:blipFill>
+        <p:spPr>
+          <a:xfrm>
+            <a:off x="9098107" y="2640554"/>
+            <a:ext cx="74633" cy="45719"/>
+          </a:xfrm>
+          <a:prstGeom prst="rect">
+            <a:avLst/>
+          </a:prstGeom>
+        </p:spPr>
+      </p:pic>
+      <p:pic>
+        <p:nvPicPr>
+          <p:cNvPr id="10" name="Imagem 9">
+            <a:extLst>
+              <a:ext uri="{FF2B5EF4-FFF2-40B4-BE49-F238E27FC236}">
+                <a16:creationId xmlns:a16="http://schemas.microsoft.com/office/drawing/2014/main" id="{62DE481A-E7DE-4748-80E9-038D7A25C07A}"/>
+              </a:ext>
+            </a:extLst>
+          </p:cNvPr>
+          <p:cNvPicPr>
+            <a:picLocks noChangeAspect="1"/>
+          </p:cNvPicPr>
+          <p:nvPr/>
+        </p:nvPicPr>
+        <p:blipFill>
+          <a:blip r:embed="rId6"/>
+          <a:stretch>
+            <a:fillRect/>
+          </a:stretch>
+        </p:blipFill>
+        <p:spPr>
+          <a:xfrm>
+            <a:off x="746088" y="2377582"/>
+            <a:ext cx="148755" cy="45719"/>
+          </a:xfrm>
+          <a:prstGeom prst="rect">
+            <a:avLst/>
+          </a:prstGeom>
+        </p:spPr>
+      </p:pic>
+      <p:pic>
+        <p:nvPicPr>
+          <p:cNvPr id="11" name="Imagem 10">
+            <a:extLst>
+              <a:ext uri="{FF2B5EF4-FFF2-40B4-BE49-F238E27FC236}">
+                <a16:creationId xmlns:a16="http://schemas.microsoft.com/office/drawing/2014/main" id="{6632E0F7-697B-40D4-BFDE-A954FAA1AF34}"/>
+              </a:ext>
+            </a:extLst>
+          </p:cNvPr>
+          <p:cNvPicPr>
+            <a:picLocks noChangeAspect="1"/>
+          </p:cNvPicPr>
+          <p:nvPr/>
+        </p:nvPicPr>
+        <p:blipFill>
+          <a:blip r:embed="rId7"/>
+          <a:stretch>
+            <a:fillRect/>
+          </a:stretch>
+        </p:blipFill>
+        <p:spPr>
+          <a:xfrm>
+            <a:off x="11070294" y="3751577"/>
+            <a:ext cx="45898" cy="45719"/>
+          </a:xfrm>
+          <a:prstGeom prst="rect">
+            <a:avLst/>
+          </a:prstGeom>
+        </p:spPr>
+      </p:pic>
+      <p:pic>
+        <p:nvPicPr>
+          <p:cNvPr id="12" name="Imagem 11" descr="Uma imagem contendo objeto&#10;&#10;Descrição gerada automaticamente">
+            <a:extLst>
+              <a:ext uri="{FF2B5EF4-FFF2-40B4-BE49-F238E27FC236}">
+                <a16:creationId xmlns:a16="http://schemas.microsoft.com/office/drawing/2014/main" id="{A5BD4CBC-243F-4E21-9359-2583706E0420}"/>
+              </a:ext>
+            </a:extLst>
+          </p:cNvPr>
+          <p:cNvPicPr>
+            <a:picLocks noChangeAspect="1"/>
+          </p:cNvPicPr>
+          <p:nvPr/>
+        </p:nvPicPr>
+        <p:blipFill>
+          <a:blip r:embed="rId8"/>
+          <a:stretch>
+            <a:fillRect/>
+          </a:stretch>
+        </p:blipFill>
+        <p:spPr>
+          <a:xfrm>
+            <a:off x="6847480" y="5925132"/>
+            <a:ext cx="158163" cy="45719"/>
+          </a:xfrm>
+          <a:prstGeom prst="rect">
+            <a:avLst/>
+          </a:prstGeom>
+        </p:spPr>
+      </p:pic>
+      <p:pic>
+        <p:nvPicPr>
+          <p:cNvPr id="13" name="Imagem 12" descr="Uma imagem contendo objeto, kit de primeiros socorros&#10;&#10;Descrição gerada automaticamente">
+            <a:extLst>
+              <a:ext uri="{FF2B5EF4-FFF2-40B4-BE49-F238E27FC236}">
+                <a16:creationId xmlns:a16="http://schemas.microsoft.com/office/drawing/2014/main" id="{839ABE05-5271-4677-8BEF-671EEA2E9B3C}"/>
+              </a:ext>
+            </a:extLst>
+          </p:cNvPr>
+          <p:cNvPicPr>
+            <a:picLocks noChangeAspect="1"/>
+          </p:cNvPicPr>
+          <p:nvPr/>
+        </p:nvPicPr>
+        <p:blipFill>
+          <a:blip r:embed="rId9"/>
+          <a:stretch>
+            <a:fillRect/>
+          </a:stretch>
+        </p:blipFill>
+        <p:spPr>
+          <a:xfrm>
+            <a:off x="8703723" y="4232394"/>
+            <a:ext cx="67375" cy="45719"/>
+          </a:xfrm>
+          <a:prstGeom prst="rect">
+            <a:avLst/>
+          </a:prstGeom>
+        </p:spPr>
+      </p:pic>
+      <p:pic>
+        <p:nvPicPr>
+          <p:cNvPr id="14" name="Imagem 13" descr="Uma imagem contendo gráficos vetoriais&#10;&#10;Descrição gerada automaticamente">
+            <a:extLst>
+              <a:ext uri="{FF2B5EF4-FFF2-40B4-BE49-F238E27FC236}">
+                <a16:creationId xmlns:a16="http://schemas.microsoft.com/office/drawing/2014/main" id="{8BB7BDF5-B3FB-4ED2-87FD-9DBA98B52BBC}"/>
+              </a:ext>
+            </a:extLst>
+          </p:cNvPr>
+          <p:cNvPicPr>
+            <a:picLocks noChangeAspect="1"/>
+          </p:cNvPicPr>
+          <p:nvPr/>
+        </p:nvPicPr>
+        <p:blipFill>
+          <a:blip r:embed="rId10"/>
+          <a:stretch>
+            <a:fillRect/>
+          </a:stretch>
+        </p:blipFill>
+        <p:spPr>
+          <a:xfrm>
+            <a:off x="5883525" y="4646268"/>
+            <a:ext cx="65742" cy="45719"/>
+          </a:xfrm>
+          <a:prstGeom prst="rect">
+            <a:avLst/>
+          </a:prstGeom>
+        </p:spPr>
+      </p:pic>
+      <p:pic>
+        <p:nvPicPr>
+          <p:cNvPr id="15" name="Imagem 14">
+            <a:extLst>
+              <a:ext uri="{FF2B5EF4-FFF2-40B4-BE49-F238E27FC236}">
+                <a16:creationId xmlns:a16="http://schemas.microsoft.com/office/drawing/2014/main" id="{655B674C-A38E-45C4-AC6F-0040B44BF8D2}"/>
+              </a:ext>
+            </a:extLst>
+          </p:cNvPr>
+          <p:cNvPicPr>
+            <a:picLocks noChangeAspect="1"/>
+          </p:cNvPicPr>
+          <p:nvPr/>
+        </p:nvPicPr>
+        <p:blipFill>
+          <a:blip r:embed="rId11"/>
+          <a:stretch>
+            <a:fillRect/>
+          </a:stretch>
+        </p:blipFill>
+        <p:spPr>
+          <a:xfrm>
+            <a:off x="959026" y="3876620"/>
+            <a:ext cx="111883" cy="45719"/>
+          </a:xfrm>
+          <a:prstGeom prst="rect">
+            <a:avLst/>
+          </a:prstGeom>
+        </p:spPr>
+      </p:pic>
+      <p:pic>
+        <p:nvPicPr>
+          <p:cNvPr id="16" name="Imagem 15" descr="Uma imagem contendo relógio, objeto, verde, medidor&#10;&#10;Descrição gerada automaticamente">
+            <a:extLst>
+              <a:ext uri="{FF2B5EF4-FFF2-40B4-BE49-F238E27FC236}">
+                <a16:creationId xmlns:a16="http://schemas.microsoft.com/office/drawing/2014/main" id="{928529D5-18B2-4DAF-8DBD-7C26BEB77950}"/>
+              </a:ext>
+            </a:extLst>
+          </p:cNvPr>
+          <p:cNvPicPr>
+            <a:picLocks noChangeAspect="1"/>
+          </p:cNvPicPr>
+          <p:nvPr/>
+        </p:nvPicPr>
+        <p:blipFill>
+          <a:blip r:embed="rId12"/>
+          <a:stretch>
+            <a:fillRect/>
+          </a:stretch>
+        </p:blipFill>
+        <p:spPr>
+          <a:xfrm>
+            <a:off x="4460820" y="6388823"/>
+            <a:ext cx="45719" cy="45719"/>
+          </a:xfrm>
+          <a:prstGeom prst="rect">
+            <a:avLst/>
+          </a:prstGeom>
+        </p:spPr>
+      </p:pic>
+      <p:pic>
+        <p:nvPicPr>
+          <p:cNvPr id="17" name="Imagem 16">
+            <a:extLst>
+              <a:ext uri="{FF2B5EF4-FFF2-40B4-BE49-F238E27FC236}">
+                <a16:creationId xmlns:a16="http://schemas.microsoft.com/office/drawing/2014/main" id="{4FCAB8D1-C6CB-4A28-A850-865829EF45A6}"/>
+              </a:ext>
+            </a:extLst>
+          </p:cNvPr>
+          <p:cNvPicPr>
+            <a:picLocks noChangeAspect="1"/>
+          </p:cNvPicPr>
+          <p:nvPr/>
+        </p:nvPicPr>
+        <p:blipFill>
+          <a:blip r:embed="rId13"/>
+          <a:stretch>
+            <a:fillRect/>
+          </a:stretch>
+        </p:blipFill>
+        <p:spPr>
+          <a:xfrm>
+            <a:off x="4121688" y="4184282"/>
+            <a:ext cx="45719" cy="45719"/>
+          </a:xfrm>
+          <a:prstGeom prst="rect">
+            <a:avLst/>
+          </a:prstGeom>
+        </p:spPr>
+      </p:pic>
+      <p:pic>
+        <p:nvPicPr>
+          <p:cNvPr id="18" name="Imagem 17">
+            <a:extLst>
+              <a:ext uri="{FF2B5EF4-FFF2-40B4-BE49-F238E27FC236}">
+                <a16:creationId xmlns:a16="http://schemas.microsoft.com/office/drawing/2014/main" id="{5B4E495B-B79C-43A0-898C-6DAE413D8AF3}"/>
+              </a:ext>
+            </a:extLst>
+          </p:cNvPr>
+          <p:cNvPicPr>
+            <a:picLocks noChangeAspect="1"/>
+          </p:cNvPicPr>
+          <p:nvPr/>
+        </p:nvPicPr>
+        <p:blipFill>
+          <a:blip r:embed="rId14"/>
+          <a:stretch>
+            <a:fillRect/>
+          </a:stretch>
+        </p:blipFill>
+        <p:spPr>
+          <a:xfrm>
+            <a:off x="1540676" y="5217767"/>
+            <a:ext cx="45719" cy="45719"/>
+          </a:xfrm>
+          <a:prstGeom prst="rect">
+            <a:avLst/>
+          </a:prstGeom>
+        </p:spPr>
+      </p:pic>
+      <p:pic>
+        <p:nvPicPr>
+          <p:cNvPr id="19" name="Imagem 18">
+            <a:extLst>
+              <a:ext uri="{FF2B5EF4-FFF2-40B4-BE49-F238E27FC236}">
+                <a16:creationId xmlns:a16="http://schemas.microsoft.com/office/drawing/2014/main" id="{E47C558C-4A08-4E3D-ADA2-A095A43435F4}"/>
+              </a:ext>
+            </a:extLst>
+          </p:cNvPr>
+          <p:cNvPicPr>
+            <a:picLocks noChangeAspect="1"/>
+          </p:cNvPicPr>
+          <p:nvPr/>
+        </p:nvPicPr>
+        <p:blipFill>
+          <a:blip r:embed="rId15"/>
+          <a:stretch>
+            <a:fillRect/>
+          </a:stretch>
+        </p:blipFill>
+        <p:spPr>
+          <a:xfrm>
+            <a:off x="847726" y="6283643"/>
+            <a:ext cx="111510" cy="45719"/>
+          </a:xfrm>
+          <a:prstGeom prst="rect">
+            <a:avLst/>
+          </a:prstGeom>
+        </p:spPr>
+      </p:pic>
+      <p:sp>
+        <p:nvSpPr>
+          <p:cNvPr id="20" name="Retângulo 19">
+            <a:extLst>
+              <a:ext uri="{FF2B5EF4-FFF2-40B4-BE49-F238E27FC236}">
+                <a16:creationId xmlns:a16="http://schemas.microsoft.com/office/drawing/2014/main" id="{953D079A-AA5F-4015-97DF-A43C040B5CC3}"/>
+              </a:ext>
+            </a:extLst>
+          </p:cNvPr>
+          <p:cNvSpPr/>
+          <p:nvPr/>
+        </p:nvSpPr>
+        <p:spPr>
+          <a:xfrm>
+            <a:off x="5363527" y="2775775"/>
+            <a:ext cx="390536" cy="203454"/>
+          </a:xfrm>
+          <a:prstGeom prst="rect">
+            <a:avLst/>
+          </a:prstGeom>
+          <a:solidFill>
+            <a:schemeClr val="bg2"/>
+          </a:solidFill>
+          <a:ln>
+            <a:solidFill>
+              <a:schemeClr val="bg2"/>
+            </a:solidFill>
+          </a:ln>
+        </p:spPr>
+        <p:style>
+          <a:lnRef idx="2">
+            <a:schemeClr val="accent1">
+              <a:shade val="50000"/>
+            </a:schemeClr>
+          </a:lnRef>
+          <a:fillRef idx="1">
+            <a:schemeClr val="accent1"/>
+          </a:fillRef>
+          <a:effectRef idx="0">
+            <a:schemeClr val="accent1"/>
+          </a:effectRef>
+          <a:fontRef idx="minor">
+            <a:schemeClr val="lt1"/>
+          </a:fontRef>
+        </p:style>
+        <p:txBody>
+          <a:bodyPr rtlCol="0" anchor="ctr"/>
+          <a:lstStyle/>
+          <a:p>
+            <a:pPr algn="ctr"/>
+            <a:endParaRPr lang="pt-BR"/>
+          </a:p>
+        </p:txBody>
+      </p:sp>
+      <p:sp>
+        <p:nvSpPr>
+          <p:cNvPr id="2" name="Retângulo 1"/>
+          <p:cNvSpPr/>
+          <p:nvPr/>
+        </p:nvSpPr>
+        <p:spPr>
+          <a:xfrm>
+            <a:off x="746088" y="3797296"/>
+            <a:ext cx="3579169" cy="2922818"/>
+          </a:xfrm>
+          <a:prstGeom prst="rect">
+            <a:avLst/>
+          </a:prstGeom>
+          <a:solidFill>
+            <a:srgbClr val="F9F9F9"/>
+          </a:solidFill>
+          <a:ln>
+            <a:solidFill>
+              <a:srgbClr val="F9F9F9"/>
+            </a:solidFill>
+          </a:ln>
+        </p:spPr>
+        <p:style>
+          <a:lnRef idx="2">
+            <a:schemeClr val="accent1">
+              <a:shade val="50000"/>
+            </a:schemeClr>
+          </a:lnRef>
+          <a:fillRef idx="1">
+            <a:schemeClr val="accent1"/>
+          </a:fillRef>
+          <a:effectRef idx="0">
+            <a:schemeClr val="accent1"/>
+          </a:effectRef>
+          <a:fontRef idx="minor">
+            <a:schemeClr val="lt1"/>
+          </a:fontRef>
+        </p:style>
+        <p:txBody>
+          <a:bodyPr rtlCol="0" anchor="ctr"/>
+          <a:lstStyle/>
+          <a:p>
+            <a:pPr algn="ctr"/>
+            <a:endParaRPr lang="pt-BR"/>
+          </a:p>
+        </p:txBody>
+      </p:sp>
+      <p:sp>
+        <p:nvSpPr>
+          <p:cNvPr id="3" name="Retângulo 2"/>
+          <p:cNvSpPr/>
+          <p:nvPr/>
+        </p:nvSpPr>
+        <p:spPr>
+          <a:xfrm>
+            <a:off x="304800" y="1741714"/>
+            <a:ext cx="1281595" cy="1034061"/>
+          </a:xfrm>
+          <a:prstGeom prst="rect">
+            <a:avLst/>
+          </a:prstGeom>
+          <a:solidFill>
+            <a:srgbClr val="F9F9F9"/>
+          </a:solidFill>
+          <a:ln>
+            <a:solidFill>
+              <a:srgbClr val="F9F9F9"/>
+            </a:solidFill>
+          </a:ln>
+        </p:spPr>
+        <p:style>
+          <a:lnRef idx="2">
+            <a:schemeClr val="accent1">
+              <a:shade val="50000"/>
+            </a:schemeClr>
+          </a:lnRef>
+          <a:fillRef idx="1">
+            <a:schemeClr val="accent1"/>
+          </a:fillRef>
+          <a:effectRef idx="0">
+            <a:schemeClr val="accent1"/>
+          </a:effectRef>
+          <a:fontRef idx="minor">
+            <a:schemeClr val="lt1"/>
+          </a:fontRef>
+        </p:style>
+        <p:txBody>
+          <a:bodyPr rtlCol="0" anchor="ctr"/>
+          <a:lstStyle/>
+          <a:p>
+            <a:pPr algn="ctr"/>
+            <a:endParaRPr lang="pt-BR"/>
+          </a:p>
+        </p:txBody>
+      </p:sp>
+      <p:sp>
+        <p:nvSpPr>
+          <p:cNvPr id="4" name="Retângulo 3"/>
+          <p:cNvSpPr/>
+          <p:nvPr/>
+        </p:nvSpPr>
+        <p:spPr>
+          <a:xfrm>
+            <a:off x="5363527" y="4278113"/>
+            <a:ext cx="906644" cy="758344"/>
+          </a:xfrm>
+          <a:prstGeom prst="rect">
+            <a:avLst/>
+          </a:prstGeom>
+          <a:solidFill>
+            <a:srgbClr val="F9F9F9"/>
+          </a:solidFill>
+          <a:ln>
+            <a:solidFill>
+              <a:srgbClr val="F9F9F9"/>
+            </a:solidFill>
+          </a:ln>
+        </p:spPr>
+        <p:style>
+          <a:lnRef idx="2">
+            <a:schemeClr val="accent1">
+              <a:shade val="50000"/>
+            </a:schemeClr>
+          </a:lnRef>
+          <a:fillRef idx="1">
+            <a:schemeClr val="accent1"/>
+          </a:fillRef>
+          <a:effectRef idx="0">
+            <a:schemeClr val="accent1"/>
+          </a:effectRef>
+          <a:fontRef idx="minor">
+            <a:schemeClr val="lt1"/>
+          </a:fontRef>
+        </p:style>
+        <p:txBody>
+          <a:bodyPr rtlCol="0" anchor="ctr"/>
+          <a:lstStyle/>
+          <a:p>
+            <a:pPr algn="ctr"/>
+            <a:endParaRPr lang="pt-BR"/>
+          </a:p>
+        </p:txBody>
+      </p:sp>
+      <p:sp>
+        <p:nvSpPr>
+          <p:cNvPr id="26" name="Retângulo 25"/>
+          <p:cNvSpPr/>
+          <p:nvPr/>
+        </p:nvSpPr>
+        <p:spPr>
+          <a:xfrm>
+            <a:off x="3871935" y="5870948"/>
+            <a:ext cx="906644" cy="758344"/>
+          </a:xfrm>
+          <a:prstGeom prst="rect">
+            <a:avLst/>
+          </a:prstGeom>
+          <a:solidFill>
+            <a:srgbClr val="F9F9F9"/>
+          </a:solidFill>
+          <a:ln>
+            <a:solidFill>
+              <a:srgbClr val="F9F9F9"/>
+            </a:solidFill>
+          </a:ln>
+        </p:spPr>
+        <p:style>
+          <a:lnRef idx="2">
+            <a:schemeClr val="accent1">
+              <a:shade val="50000"/>
+            </a:schemeClr>
+          </a:lnRef>
+          <a:fillRef idx="1">
+            <a:schemeClr val="accent1"/>
+          </a:fillRef>
+          <a:effectRef idx="0">
+            <a:schemeClr val="accent1"/>
+          </a:effectRef>
+          <a:fontRef idx="minor">
+            <a:schemeClr val="lt1"/>
+          </a:fontRef>
+        </p:style>
+        <p:txBody>
+          <a:bodyPr rtlCol="0" anchor="ctr"/>
+          <a:lstStyle/>
+          <a:p>
+            <a:pPr algn="ctr"/>
+            <a:endParaRPr lang="pt-BR"/>
+          </a:p>
+        </p:txBody>
+      </p:sp>
+      <p:sp>
+        <p:nvSpPr>
+          <p:cNvPr id="5" name="Retângulo 4"/>
+          <p:cNvSpPr/>
+          <p:nvPr/>
+        </p:nvSpPr>
+        <p:spPr>
+          <a:xfrm>
+            <a:off x="6847479" y="5870948"/>
+            <a:ext cx="158163" cy="149095"/>
+          </a:xfrm>
+          <a:prstGeom prst="rect">
+            <a:avLst/>
+          </a:prstGeom>
+          <a:solidFill>
+            <a:srgbClr val="BFD8E7"/>
+          </a:solidFill>
+          <a:ln>
+            <a:solidFill>
+              <a:srgbClr val="BFD8E7"/>
+            </a:solidFill>
+          </a:ln>
+        </p:spPr>
+        <p:style>
+          <a:lnRef idx="2">
+            <a:schemeClr val="accent1">
+              <a:shade val="50000"/>
+            </a:schemeClr>
+          </a:lnRef>
+          <a:fillRef idx="1">
+            <a:schemeClr val="accent1"/>
+          </a:fillRef>
+          <a:effectRef idx="0">
+            <a:schemeClr val="accent1"/>
+          </a:effectRef>
+          <a:fontRef idx="minor">
+            <a:schemeClr val="lt1"/>
+          </a:fontRef>
+        </p:style>
+        <p:txBody>
+          <a:bodyPr rtlCol="0" anchor="ctr"/>
+          <a:lstStyle/>
+          <a:p>
+            <a:pPr algn="ctr"/>
+            <a:endParaRPr lang="pt-BR"/>
+          </a:p>
+        </p:txBody>
+      </p:sp>
+      <p:sp>
+        <p:nvSpPr>
+          <p:cNvPr id="6" name="Retângulo 5"/>
+          <p:cNvSpPr/>
+          <p:nvPr/>
+        </p:nvSpPr>
+        <p:spPr>
+          <a:xfrm>
+            <a:off x="8703723" y="4230001"/>
+            <a:ext cx="67375" cy="48112"/>
+          </a:xfrm>
+          <a:prstGeom prst="rect">
+            <a:avLst/>
+          </a:prstGeom>
+          <a:solidFill>
+            <a:srgbClr val="C3C9C9"/>
+          </a:solidFill>
+          <a:ln>
+            <a:solidFill>
+              <a:srgbClr val="C3C9C9"/>
+            </a:solidFill>
+          </a:ln>
+        </p:spPr>
+        <p:style>
+          <a:lnRef idx="2">
+            <a:schemeClr val="accent1">
+              <a:shade val="50000"/>
+            </a:schemeClr>
+          </a:lnRef>
+          <a:fillRef idx="1">
+            <a:schemeClr val="accent1"/>
+          </a:fillRef>
+          <a:effectRef idx="0">
+            <a:schemeClr val="accent1"/>
+          </a:effectRef>
+          <a:fontRef idx="minor">
+            <a:schemeClr val="lt1"/>
+          </a:fontRef>
+        </p:style>
+        <p:txBody>
+          <a:bodyPr rtlCol="0" anchor="ctr"/>
+          <a:lstStyle/>
+          <a:p>
+            <a:pPr algn="ctr"/>
+            <a:endParaRPr lang="pt-BR"/>
+          </a:p>
+        </p:txBody>
+      </p:sp>
+      <p:sp>
+        <p:nvSpPr>
+          <p:cNvPr id="27" name="Retângulo 26"/>
+          <p:cNvSpPr/>
+          <p:nvPr/>
+        </p:nvSpPr>
+        <p:spPr>
+          <a:xfrm>
+            <a:off x="10981155" y="3716380"/>
+            <a:ext cx="178277" cy="137520"/>
+          </a:xfrm>
+          <a:prstGeom prst="rect">
+            <a:avLst/>
+          </a:prstGeom>
+          <a:solidFill>
+            <a:srgbClr val="EAEBEF"/>
+          </a:solidFill>
+          <a:ln>
+            <a:solidFill>
+              <a:srgbClr val="EAEBEF"/>
+            </a:solidFill>
+          </a:ln>
+        </p:spPr>
+        <p:style>
+          <a:lnRef idx="2">
+            <a:schemeClr val="accent1">
+              <a:shade val="50000"/>
+            </a:schemeClr>
+          </a:lnRef>
+          <a:fillRef idx="1">
+            <a:schemeClr val="accent1"/>
+          </a:fillRef>
+          <a:effectRef idx="0">
+            <a:schemeClr val="accent1"/>
+          </a:effectRef>
+          <a:fontRef idx="minor">
+            <a:schemeClr val="lt1"/>
+          </a:fontRef>
+        </p:style>
+        <p:txBody>
+          <a:bodyPr rtlCol="0" anchor="ctr"/>
+          <a:lstStyle/>
+          <a:p>
+            <a:pPr algn="ctr"/>
+            <a:endParaRPr lang="pt-BR"/>
+          </a:p>
+        </p:txBody>
+      </p:sp>
+      <p:sp>
+        <p:nvSpPr>
+          <p:cNvPr id="28" name="Retângulo 27"/>
+          <p:cNvSpPr/>
+          <p:nvPr/>
+        </p:nvSpPr>
+        <p:spPr>
+          <a:xfrm>
+            <a:off x="10803732" y="5925132"/>
+            <a:ext cx="45719" cy="149096"/>
+          </a:xfrm>
+          <a:prstGeom prst="rect">
+            <a:avLst/>
+          </a:prstGeom>
+          <a:solidFill>
+            <a:srgbClr val="EDEEF0"/>
+          </a:solidFill>
+          <a:ln>
+            <a:solidFill>
+              <a:srgbClr val="ECEDEF"/>
+            </a:solidFill>
+          </a:ln>
+        </p:spPr>
+        <p:style>
+          <a:lnRef idx="2">
+            <a:schemeClr val="accent1">
+              <a:shade val="50000"/>
+            </a:schemeClr>
+          </a:lnRef>
+          <a:fillRef idx="1">
+            <a:schemeClr val="accent1"/>
+          </a:fillRef>
+          <a:effectRef idx="0">
+            <a:schemeClr val="accent1"/>
+          </a:effectRef>
+          <a:fontRef idx="minor">
+            <a:schemeClr val="lt1"/>
+          </a:fontRef>
+        </p:style>
+        <p:txBody>
+          <a:bodyPr rtlCol="0" anchor="ctr"/>
+          <a:lstStyle/>
+          <a:p>
+            <a:pPr algn="ctr"/>
+            <a:endParaRPr lang="pt-BR"/>
+          </a:p>
+        </p:txBody>
+      </p:sp>
       <p:pic>
         <p:nvPicPr>
           <p:cNvPr id="21" name="Espaço Reservado para Imagem 20">
@@ -8156,139 +11495,25 @@
           </p:nvPr>
         </p:nvPicPr>
         <p:blipFill>
-          <a:blip r:embed="rId3"/>
+          <a:blip r:embed="rId16"/>
           <a:srcRect l="14533" r="14533"/>
           <a:stretch>
             <a:fillRect/>
           </a:stretch>
         </p:blipFill>
-        <p:spPr/>
-      </p:pic>
-      <p:sp>
-        <p:nvSpPr>
-          <p:cNvPr id="22" name="CaixaDeTexto 21">
-            <a:extLst>
-              <a:ext uri="{FF2B5EF4-FFF2-40B4-BE49-F238E27FC236}">
-                <a16:creationId xmlns:a16="http://schemas.microsoft.com/office/drawing/2014/main" id="{902BE623-A1E3-4A07-AC2E-F76A6029298C}"/>
-              </a:ext>
-            </a:extLst>
-          </p:cNvPr>
-          <p:cNvSpPr txBox="1"/>
-          <p:nvPr/>
-        </p:nvSpPr>
-        <p:spPr>
-          <a:xfrm>
-            <a:off x="2631715" y="2828835"/>
-            <a:ext cx="1698172" cy="1200329"/>
-          </a:xfrm>
-          <a:prstGeom prst="rect">
-            <a:avLst/>
-          </a:prstGeom>
-          <a:noFill/>
-        </p:spPr>
-        <p:txBody>
-          <a:bodyPr wrap="square" rtlCol="0">
-            <a:spAutoFit/>
-          </a:bodyPr>
-          <a:lstStyle/>
-          <a:p>
-            <a:r>
-              <a:rPr lang="pt-BR" sz="7200" dirty="0">
-                <a:latin typeface="+mj-lt"/>
-              </a:rPr>
-              <a:t>Site</a:t>
-            </a:r>
-          </a:p>
-        </p:txBody>
-      </p:sp>
-      <p:pic>
-        <p:nvPicPr>
-          <p:cNvPr id="23" name="Imagem 22" descr="Uma imagem contendo kit de primeiros socorros, objeto&#10;&#10;Descrição gerada automaticamente">
-            <a:extLst>
-              <a:ext uri="{FF2B5EF4-FFF2-40B4-BE49-F238E27FC236}">
-                <a16:creationId xmlns:a16="http://schemas.microsoft.com/office/drawing/2014/main" id="{6DC17BB4-0759-41E7-B2BE-3DF89DDE4C4C}"/>
-              </a:ext>
-            </a:extLst>
-          </p:cNvPr>
-          <p:cNvPicPr>
-            <a:picLocks noChangeAspect="1"/>
-          </p:cNvPicPr>
-          <p:nvPr/>
-        </p:nvPicPr>
-        <p:blipFill>
-          <a:blip r:embed="rId4"/>
-          <a:stretch>
-            <a:fillRect/>
-          </a:stretch>
-        </p:blipFill>
-        <p:spPr>
-          <a:xfrm>
-            <a:off x="1840641" y="648203"/>
-            <a:ext cx="3280320" cy="1924454"/>
-          </a:xfrm>
-          <a:prstGeom prst="rect">
-            <a:avLst/>
-          </a:prstGeom>
-        </p:spPr>
-      </p:pic>
-      <p:pic>
-        <p:nvPicPr>
-          <p:cNvPr id="24" name="Imagem 23">
-            <a:extLst>
-              <a:ext uri="{FF2B5EF4-FFF2-40B4-BE49-F238E27FC236}">
-                <a16:creationId xmlns:a16="http://schemas.microsoft.com/office/drawing/2014/main" id="{22A64E2A-410B-4755-9B4B-F1892A168FB0}"/>
-              </a:ext>
-            </a:extLst>
-          </p:cNvPr>
-          <p:cNvPicPr>
-            <a:picLocks noChangeAspect="1"/>
-          </p:cNvPicPr>
-          <p:nvPr/>
-        </p:nvPicPr>
-        <p:blipFill>
-          <a:blip r:embed="rId5"/>
-          <a:stretch>
-            <a:fillRect/>
-          </a:stretch>
-        </p:blipFill>
-        <p:spPr>
-          <a:xfrm>
-            <a:off x="4618870" y="4319196"/>
-            <a:ext cx="1477130" cy="1471383"/>
-          </a:xfrm>
-          <a:prstGeom prst="rect">
-            <a:avLst/>
-          </a:prstGeom>
-        </p:spPr>
-      </p:pic>
-      <p:pic>
-        <p:nvPicPr>
-          <p:cNvPr id="25" name="Imagem 24" descr="Uma imagem contendo gráficos vetoriais&#10;&#10;Descrição gerada automaticamente">
-            <a:extLst>
-              <a:ext uri="{FF2B5EF4-FFF2-40B4-BE49-F238E27FC236}">
-                <a16:creationId xmlns:a16="http://schemas.microsoft.com/office/drawing/2014/main" id="{49099B17-E2EA-40CD-824E-BFE69396FB30}"/>
-              </a:ext>
-            </a:extLst>
-          </p:cNvPr>
-          <p:cNvPicPr>
-            <a:picLocks noChangeAspect="1"/>
-          </p:cNvPicPr>
-          <p:nvPr/>
-        </p:nvPicPr>
-        <p:blipFill>
-          <a:blip r:embed="rId6"/>
-          <a:stretch>
-            <a:fillRect/>
-          </a:stretch>
-        </p:blipFill>
-        <p:spPr>
-          <a:xfrm>
-            <a:off x="421887" y="4319196"/>
-            <a:ext cx="2475688" cy="1721671"/>
-          </a:xfrm>
-          <a:prstGeom prst="rect">
-            <a:avLst/>
-          </a:prstGeom>
+        <p:spPr>
+          <a:xfrm>
+            <a:off x="6743703" y="16926"/>
+            <a:ext cx="5448297" cy="6858000"/>
+          </a:xfrm>
+          <a:solidFill>
+            <a:srgbClr val="EAEBEF"/>
+          </a:solidFill>
+          <a:ln>
+            <a:solidFill>
+              <a:srgbClr val="EAEBEF"/>
+            </a:solidFill>
+          </a:ln>
         </p:spPr>
       </p:pic>
     </p:spTree>
@@ -8304,10 +11529,17 @@
   <p:transition spd="slow">
     <p:push dir="u"/>
   </p:transition>
+  <p:timing>
+    <p:tnLst>
+      <p:par>
+        <p:cTn id="1" dur="indefinite" restart="never" nodeType="tmRoot"/>
+      </p:par>
+    </p:tnLst>
+  </p:timing>
 </p:sld>
 </file>
 
-<file path=ppt/slides/slide14.xml><?xml version="1.0" encoding="utf-8"?>
+<file path=ppt/slides/slide18.xml><?xml version="1.0" encoding="utf-8"?>
 <p:sld xmlns:a="http://schemas.openxmlformats.org/drawingml/2006/main" xmlns:r="http://schemas.openxmlformats.org/officeDocument/2006/relationships" xmlns:p="http://schemas.openxmlformats.org/presentationml/2006/main">
   <p:cSld>
     <p:spTree>
@@ -8326,47 +11558,69 @@
       </p:grpSpPr>
       <p:sp>
         <p:nvSpPr>
-          <p:cNvPr id="2" name="CaixaDeTexto 1">
+          <p:cNvPr id="2" name="Título 1">
             <a:extLst>
               <a:ext uri="{FF2B5EF4-FFF2-40B4-BE49-F238E27FC236}">
-                <a16:creationId xmlns:a16="http://schemas.microsoft.com/office/drawing/2014/main" id="{C7EBAF95-491A-46BF-A664-BD73050A3B6B}"/>
+                <a16:creationId xmlns:a16="http://schemas.microsoft.com/office/drawing/2014/main" id="{8C31434F-F5E5-4957-A030-E76CB2F323E7}"/>
               </a:ext>
             </a:extLst>
           </p:cNvPr>
-          <p:cNvSpPr txBox="1"/>
+          <p:cNvSpPr>
+            <a:spLocks noGrp="1"/>
+          </p:cNvSpPr>
+          <p:nvPr>
+            <p:ph type="title"/>
+          </p:nvPr>
+        </p:nvSpPr>
+        <p:spPr/>
+        <p:txBody>
+          <a:bodyPr/>
+          <a:lstStyle/>
+          <a:p>
+            <a:pPr algn="ctr"/>
+            <a:r>
+              <a:rPr lang="pt-BR" dirty="0"/>
+              <a:t>Tecnologias e Ferramentas Utilizadas</a:t>
+            </a:r>
+          </a:p>
+        </p:txBody>
+      </p:sp>
+      <p:pic>
+        <p:nvPicPr>
+          <p:cNvPr id="7" name="Imagem 6" descr="Uma imagem contendo kit de primeiros socorros, objeto&#10;&#10;Descrição gerada automaticamente">
+            <a:extLst>
+              <a:ext uri="{FF2B5EF4-FFF2-40B4-BE49-F238E27FC236}">
+                <a16:creationId xmlns:a16="http://schemas.microsoft.com/office/drawing/2014/main" id="{90B12A99-9D35-4890-BD5E-B7578258BE5E}"/>
+              </a:ext>
+            </a:extLst>
+          </p:cNvPr>
+          <p:cNvPicPr>
+            <a:picLocks noChangeAspect="1"/>
+          </p:cNvPicPr>
           <p:nvPr/>
-        </p:nvSpPr>
-        <p:spPr>
-          <a:xfrm>
-            <a:off x="1666875" y="3429001"/>
-            <a:ext cx="8858250" cy="1015663"/>
+        </p:nvPicPr>
+        <p:blipFill>
+          <a:blip r:embed="rId2"/>
+          <a:stretch>
+            <a:fillRect/>
+          </a:stretch>
+        </p:blipFill>
+        <p:spPr>
+          <a:xfrm>
+            <a:off x="4743498" y="1504546"/>
+            <a:ext cx="3280320" cy="1924454"/>
           </a:xfrm>
           <a:prstGeom prst="rect">
             <a:avLst/>
           </a:prstGeom>
-          <a:noFill/>
-        </p:spPr>
-        <p:txBody>
-          <a:bodyPr wrap="square" rtlCol="0">
-            <a:spAutoFit/>
-          </a:bodyPr>
-          <a:lstStyle/>
-          <a:p>
-            <a:pPr algn="ctr"/>
-            <a:r>
-              <a:rPr lang="pt-BR" sz="6000" dirty="0"/>
-              <a:t>Obrigado!</a:t>
-            </a:r>
-            <a:endParaRPr lang="pt-BR" sz="3200" dirty="0"/>
-          </a:p>
-        </p:txBody>
-      </p:sp>
+        </p:spPr>
+      </p:pic>
       <p:pic>
         <p:nvPicPr>
-          <p:cNvPr id="3" name="Imagem 2">
+          <p:cNvPr id="9" name="Imagem 8">
             <a:extLst>
               <a:ext uri="{FF2B5EF4-FFF2-40B4-BE49-F238E27FC236}">
-                <a16:creationId xmlns:a16="http://schemas.microsoft.com/office/drawing/2014/main" id="{F1B17FEA-A433-4C8C-82BA-427BAA20A89F}"/>
+                <a16:creationId xmlns:a16="http://schemas.microsoft.com/office/drawing/2014/main" id="{DFDF8951-3F5C-47AC-8D19-380C37257EC7}"/>
               </a:ext>
             </a:extLst>
           </p:cNvPr>
@@ -8383,8 +11637,338 @@
         </p:blipFill>
         <p:spPr>
           <a:xfrm>
-            <a:off x="2554629" y="1951988"/>
-            <a:ext cx="7082742" cy="1477011"/>
+            <a:off x="10146507" y="4675288"/>
+            <a:ext cx="1626394" cy="1927578"/>
+          </a:xfrm>
+          <a:prstGeom prst="rect">
+            <a:avLst/>
+          </a:prstGeom>
+        </p:spPr>
+      </p:pic>
+      <p:pic>
+        <p:nvPicPr>
+          <p:cNvPr id="11" name="Imagem 10">
+            <a:extLst>
+              <a:ext uri="{FF2B5EF4-FFF2-40B4-BE49-F238E27FC236}">
+                <a16:creationId xmlns:a16="http://schemas.microsoft.com/office/drawing/2014/main" id="{7715635A-68C2-4CF3-A056-F955AF49E8C8}"/>
+              </a:ext>
+            </a:extLst>
+          </p:cNvPr>
+          <p:cNvPicPr>
+            <a:picLocks noChangeAspect="1"/>
+          </p:cNvPicPr>
+          <p:nvPr/>
+        </p:nvPicPr>
+        <p:blipFill>
+          <a:blip r:embed="rId4"/>
+          <a:stretch>
+            <a:fillRect/>
+          </a:stretch>
+        </p:blipFill>
+        <p:spPr>
+          <a:xfrm>
+            <a:off x="8440882" y="1480311"/>
+            <a:ext cx="2831591" cy="1734599"/>
+          </a:xfrm>
+          <a:prstGeom prst="rect">
+            <a:avLst/>
+          </a:prstGeom>
+        </p:spPr>
+      </p:pic>
+      <p:pic>
+        <p:nvPicPr>
+          <p:cNvPr id="13" name="Imagem 12">
+            <a:extLst>
+              <a:ext uri="{FF2B5EF4-FFF2-40B4-BE49-F238E27FC236}">
+                <a16:creationId xmlns:a16="http://schemas.microsoft.com/office/drawing/2014/main" id="{43C2AD72-F574-4C9E-8D9F-FEF37CB793A1}"/>
+              </a:ext>
+            </a:extLst>
+          </p:cNvPr>
+          <p:cNvPicPr>
+            <a:picLocks noChangeAspect="1"/>
+          </p:cNvPicPr>
+          <p:nvPr/>
+        </p:nvPicPr>
+        <p:blipFill>
+          <a:blip r:embed="rId5"/>
+          <a:stretch>
+            <a:fillRect/>
+          </a:stretch>
+        </p:blipFill>
+        <p:spPr>
+          <a:xfrm>
+            <a:off x="88863" y="1611433"/>
+            <a:ext cx="4361569" cy="1340505"/>
+          </a:xfrm>
+          <a:prstGeom prst="rect">
+            <a:avLst/>
+          </a:prstGeom>
+        </p:spPr>
+      </p:pic>
+      <p:pic>
+        <p:nvPicPr>
+          <p:cNvPr id="15" name="Imagem 14">
+            <a:extLst>
+              <a:ext uri="{FF2B5EF4-FFF2-40B4-BE49-F238E27FC236}">
+                <a16:creationId xmlns:a16="http://schemas.microsoft.com/office/drawing/2014/main" id="{59EF7266-E820-496A-9841-3B14D7CC61DC}"/>
+              </a:ext>
+            </a:extLst>
+          </p:cNvPr>
+          <p:cNvPicPr>
+            <a:picLocks noChangeAspect="1"/>
+          </p:cNvPicPr>
+          <p:nvPr/>
+        </p:nvPicPr>
+        <p:blipFill>
+          <a:blip r:embed="rId6"/>
+          <a:stretch>
+            <a:fillRect/>
+          </a:stretch>
+        </p:blipFill>
+        <p:spPr>
+          <a:xfrm>
+            <a:off x="10413069" y="2854550"/>
+            <a:ext cx="1477130" cy="1471383"/>
+          </a:xfrm>
+          <a:prstGeom prst="rect">
+            <a:avLst/>
+          </a:prstGeom>
+        </p:spPr>
+      </p:pic>
+      <p:pic>
+        <p:nvPicPr>
+          <p:cNvPr id="17" name="Imagem 16" descr="Uma imagem contendo objeto&#10;&#10;Descrição gerada automaticamente">
+            <a:extLst>
+              <a:ext uri="{FF2B5EF4-FFF2-40B4-BE49-F238E27FC236}">
+                <a16:creationId xmlns:a16="http://schemas.microsoft.com/office/drawing/2014/main" id="{E609E85E-28F7-49E7-B22F-12B8E8B22B0C}"/>
+              </a:ext>
+            </a:extLst>
+          </p:cNvPr>
+          <p:cNvPicPr>
+            <a:picLocks noChangeAspect="1"/>
+          </p:cNvPicPr>
+          <p:nvPr/>
+        </p:nvPicPr>
+        <p:blipFill>
+          <a:blip r:embed="rId7"/>
+          <a:stretch>
+            <a:fillRect/>
+          </a:stretch>
+        </p:blipFill>
+        <p:spPr>
+          <a:xfrm>
+            <a:off x="6190255" y="5639077"/>
+            <a:ext cx="2976562" cy="860412"/>
+          </a:xfrm>
+          <a:prstGeom prst="rect">
+            <a:avLst/>
+          </a:prstGeom>
+        </p:spPr>
+      </p:pic>
+      <p:pic>
+        <p:nvPicPr>
+          <p:cNvPr id="19" name="Imagem 18" descr="Uma imagem contendo objeto, kit de primeiros socorros&#10;&#10;Descrição gerada automaticamente">
+            <a:extLst>
+              <a:ext uri="{FF2B5EF4-FFF2-40B4-BE49-F238E27FC236}">
+                <a16:creationId xmlns:a16="http://schemas.microsoft.com/office/drawing/2014/main" id="{E6F56BA2-DF13-49E7-97B8-0C007DDC2B86}"/>
+              </a:ext>
+            </a:extLst>
+          </p:cNvPr>
+          <p:cNvPicPr>
+            <a:picLocks noChangeAspect="1"/>
+          </p:cNvPicPr>
+          <p:nvPr/>
+        </p:nvPicPr>
+        <p:blipFill>
+          <a:blip r:embed="rId8"/>
+          <a:stretch>
+            <a:fillRect/>
+          </a:stretch>
+        </p:blipFill>
+        <p:spPr>
+          <a:xfrm>
+            <a:off x="8046498" y="3633363"/>
+            <a:ext cx="1729202" cy="1173387"/>
+          </a:xfrm>
+          <a:prstGeom prst="rect">
+            <a:avLst/>
+          </a:prstGeom>
+        </p:spPr>
+      </p:pic>
+      <p:pic>
+        <p:nvPicPr>
+          <p:cNvPr id="21" name="Imagem 20" descr="Uma imagem contendo gráficos vetoriais&#10;&#10;Descrição gerada automaticamente">
+            <a:extLst>
+              <a:ext uri="{FF2B5EF4-FFF2-40B4-BE49-F238E27FC236}">
+                <a16:creationId xmlns:a16="http://schemas.microsoft.com/office/drawing/2014/main" id="{F1A806DF-6158-4EF4-A561-6269A4524A12}"/>
+              </a:ext>
+            </a:extLst>
+          </p:cNvPr>
+          <p:cNvPicPr>
+            <a:picLocks noChangeAspect="1"/>
+          </p:cNvPicPr>
+          <p:nvPr/>
+        </p:nvPicPr>
+        <p:blipFill>
+          <a:blip r:embed="rId9"/>
+          <a:stretch>
+            <a:fillRect/>
+          </a:stretch>
+        </p:blipFill>
+        <p:spPr>
+          <a:xfrm>
+            <a:off x="5226300" y="3498953"/>
+            <a:ext cx="2475688" cy="1721671"/>
+          </a:xfrm>
+          <a:prstGeom prst="rect">
+            <a:avLst/>
+          </a:prstGeom>
+        </p:spPr>
+      </p:pic>
+      <p:pic>
+        <p:nvPicPr>
+          <p:cNvPr id="23" name="Imagem 22">
+            <a:extLst>
+              <a:ext uri="{FF2B5EF4-FFF2-40B4-BE49-F238E27FC236}">
+                <a16:creationId xmlns:a16="http://schemas.microsoft.com/office/drawing/2014/main" id="{A6C4C144-9229-4AF5-9AF0-BF6A5FA9923A}"/>
+              </a:ext>
+            </a:extLst>
+          </p:cNvPr>
+          <p:cNvPicPr>
+            <a:picLocks noChangeAspect="1"/>
+          </p:cNvPicPr>
+          <p:nvPr/>
+        </p:nvPicPr>
+        <p:blipFill>
+          <a:blip r:embed="rId10"/>
+          <a:stretch>
+            <a:fillRect/>
+          </a:stretch>
+        </p:blipFill>
+        <p:spPr>
+          <a:xfrm>
+            <a:off x="301801" y="3361149"/>
+            <a:ext cx="2667000" cy="1089827"/>
+          </a:xfrm>
+          <a:prstGeom prst="rect">
+            <a:avLst/>
+          </a:prstGeom>
+        </p:spPr>
+      </p:pic>
+      <p:pic>
+        <p:nvPicPr>
+          <p:cNvPr id="25" name="Imagem 24" descr="Uma imagem contendo relógio, objeto, verde, medidor&#10;&#10;Descrição gerada automaticamente">
+            <a:extLst>
+              <a:ext uri="{FF2B5EF4-FFF2-40B4-BE49-F238E27FC236}">
+                <a16:creationId xmlns:a16="http://schemas.microsoft.com/office/drawing/2014/main" id="{46AA173A-F220-46A8-BBB7-92F7CA2D28D4}"/>
+              </a:ext>
+            </a:extLst>
+          </p:cNvPr>
+          <p:cNvPicPr>
+            <a:picLocks noChangeAspect="1"/>
+          </p:cNvPicPr>
+          <p:nvPr/>
+        </p:nvPicPr>
+        <p:blipFill>
+          <a:blip r:embed="rId11"/>
+          <a:stretch>
+            <a:fillRect/>
+          </a:stretch>
+        </p:blipFill>
+        <p:spPr>
+          <a:xfrm>
+            <a:off x="3803595" y="5353454"/>
+            <a:ext cx="1609725" cy="1609725"/>
+          </a:xfrm>
+          <a:prstGeom prst="rect">
+            <a:avLst/>
+          </a:prstGeom>
+        </p:spPr>
+      </p:pic>
+      <p:pic>
+        <p:nvPicPr>
+          <p:cNvPr id="27" name="Imagem 26">
+            <a:extLst>
+              <a:ext uri="{FF2B5EF4-FFF2-40B4-BE49-F238E27FC236}">
+                <a16:creationId xmlns:a16="http://schemas.microsoft.com/office/drawing/2014/main" id="{EEB3AB1F-1543-44D3-8D87-B239633E7547}"/>
+              </a:ext>
+            </a:extLst>
+          </p:cNvPr>
+          <p:cNvPicPr>
+            <a:picLocks noChangeAspect="1"/>
+          </p:cNvPicPr>
+          <p:nvPr/>
+        </p:nvPicPr>
+        <p:blipFill>
+          <a:blip r:embed="rId12"/>
+          <a:stretch>
+            <a:fillRect/>
+          </a:stretch>
+        </p:blipFill>
+        <p:spPr>
+          <a:xfrm>
+            <a:off x="3464463" y="3418133"/>
+            <a:ext cx="1340505" cy="1340505"/>
+          </a:xfrm>
+          <a:prstGeom prst="rect">
+            <a:avLst/>
+          </a:prstGeom>
+        </p:spPr>
+      </p:pic>
+      <p:pic>
+        <p:nvPicPr>
+          <p:cNvPr id="29" name="Imagem 28">
+            <a:extLst>
+              <a:ext uri="{FF2B5EF4-FFF2-40B4-BE49-F238E27FC236}">
+                <a16:creationId xmlns:a16="http://schemas.microsoft.com/office/drawing/2014/main" id="{CF65B9C5-1452-48DB-BDB3-F02525284182}"/>
+              </a:ext>
+            </a:extLst>
+          </p:cNvPr>
+          <p:cNvPicPr>
+            <a:picLocks noChangeAspect="1"/>
+          </p:cNvPicPr>
+          <p:nvPr/>
+        </p:nvPicPr>
+        <p:blipFill>
+          <a:blip r:embed="rId13"/>
+          <a:stretch>
+            <a:fillRect/>
+          </a:stretch>
+        </p:blipFill>
+        <p:spPr>
+          <a:xfrm>
+            <a:off x="883451" y="4649124"/>
+            <a:ext cx="1143000" cy="1143000"/>
+          </a:xfrm>
+          <a:prstGeom prst="rect">
+            <a:avLst/>
+          </a:prstGeom>
+        </p:spPr>
+      </p:pic>
+      <p:pic>
+        <p:nvPicPr>
+          <p:cNvPr id="31" name="Imagem 30">
+            <a:extLst>
+              <a:ext uri="{FF2B5EF4-FFF2-40B4-BE49-F238E27FC236}">
+                <a16:creationId xmlns:a16="http://schemas.microsoft.com/office/drawing/2014/main" id="{C59CB842-2ACA-4CAB-A11B-11F4745547AB}"/>
+              </a:ext>
+            </a:extLst>
+          </p:cNvPr>
+          <p:cNvPicPr>
+            <a:picLocks noChangeAspect="1"/>
+          </p:cNvPicPr>
+          <p:nvPr/>
+        </p:nvPicPr>
+        <p:blipFill>
+          <a:blip r:embed="rId14"/>
+          <a:stretch>
+            <a:fillRect/>
+          </a:stretch>
+        </p:blipFill>
+        <p:spPr>
+          <a:xfrm>
+            <a:off x="190500" y="5821150"/>
+            <a:ext cx="2528903" cy="1036850"/>
           </a:xfrm>
           <a:prstGeom prst="rect">
             <a:avLst/>
@@ -8394,7 +11978,398 @@
     </p:spTree>
     <p:extLst>
       <p:ext uri="{BB962C8B-B14F-4D97-AF65-F5344CB8AC3E}">
-        <p14:creationId xmlns:p14="http://schemas.microsoft.com/office/powerpoint/2010/main" val="1455343978"/>
+        <p14:creationId xmlns:p14="http://schemas.microsoft.com/office/powerpoint/2010/main" val="399739138"/>
+      </p:ext>
+    </p:extLst>
+  </p:cSld>
+  <p:clrMapOvr>
+    <a:masterClrMapping/>
+  </p:clrMapOvr>
+  <mc:AlternateContent xmlns:mc="http://schemas.openxmlformats.org/markup-compatibility/2006">
+    <mc:Choice xmlns:p159="http://schemas.microsoft.com/office/powerpoint/2015/09/main" xmlns="" Requires="p159">
+      <p:transition xmlns:p14="http://schemas.microsoft.com/office/powerpoint/2010/main" spd="slow" p14:dur="2000">
+        <p159:morph option="byObject"/>
+      </p:transition>
+    </mc:Choice>
+    <mc:Fallback>
+      <p:transition spd="slow">
+        <p:fade/>
+      </p:transition>
+    </mc:Fallback>
+  </mc:AlternateContent>
+  <p:timing>
+    <p:tnLst>
+      <p:par>
+        <p:cTn id="1" dur="indefinite" restart="never" nodeType="tmRoot"/>
+      </p:par>
+    </p:tnLst>
+  </p:timing>
+</p:sld>
+</file>
+
+<file path=ppt/slides/slide19.xml><?xml version="1.0" encoding="utf-8"?>
+<p:sld xmlns:a="http://schemas.openxmlformats.org/drawingml/2006/main" xmlns:r="http://schemas.openxmlformats.org/officeDocument/2006/relationships" xmlns:p="http://schemas.openxmlformats.org/presentationml/2006/main">
+  <p:cSld>
+    <p:spTree>
+      <p:nvGrpSpPr>
+        <p:cNvPr id="1" name=""/>
+        <p:cNvGrpSpPr/>
+        <p:nvPr/>
+      </p:nvGrpSpPr>
+      <p:grpSpPr>
+        <a:xfrm>
+          <a:off x="0" y="0"/>
+          <a:ext cx="0" cy="0"/>
+          <a:chOff x="0" y="0"/>
+          <a:chExt cx="0" cy="0"/>
+        </a:xfrm>
+      </p:grpSpPr>
+      <p:sp>
+        <p:nvSpPr>
+          <p:cNvPr id="22" name="CaixaDeTexto 21">
+            <a:extLst>
+              <a:ext uri="{FF2B5EF4-FFF2-40B4-BE49-F238E27FC236}">
+                <a16:creationId xmlns:a16="http://schemas.microsoft.com/office/drawing/2014/main" id="{902BE623-A1E3-4A07-AC2E-F76A6029298C}"/>
+              </a:ext>
+            </a:extLst>
+          </p:cNvPr>
+          <p:cNvSpPr txBox="1"/>
+          <p:nvPr/>
+        </p:nvSpPr>
+        <p:spPr>
+          <a:xfrm>
+            <a:off x="1466069" y="3116215"/>
+            <a:ext cx="7008846" cy="1200329"/>
+          </a:xfrm>
+          <a:prstGeom prst="rect">
+            <a:avLst/>
+          </a:prstGeom>
+          <a:noFill/>
+        </p:spPr>
+        <p:txBody>
+          <a:bodyPr wrap="square" rtlCol="0">
+            <a:spAutoFit/>
+          </a:bodyPr>
+          <a:lstStyle/>
+          <a:p>
+            <a:r>
+              <a:rPr lang="pt-BR" sz="7200" dirty="0" smtClean="0">
+                <a:latin typeface="+mj-lt"/>
+              </a:rPr>
+              <a:t>Conclusão</a:t>
+            </a:r>
+            <a:endParaRPr lang="pt-BR" sz="7200" dirty="0">
+              <a:latin typeface="+mj-lt"/>
+            </a:endParaRPr>
+          </a:p>
+        </p:txBody>
+      </p:sp>
+      <p:pic>
+        <p:nvPicPr>
+          <p:cNvPr id="8" name="Imagem 7">
+            <a:extLst>
+              <a:ext uri="{FF2B5EF4-FFF2-40B4-BE49-F238E27FC236}">
+                <a16:creationId xmlns:a16="http://schemas.microsoft.com/office/drawing/2014/main" id="{1F751F11-FC5E-48B7-9F3C-F5D2206C1216}"/>
+              </a:ext>
+            </a:extLst>
+          </p:cNvPr>
+          <p:cNvPicPr>
+            <a:picLocks noChangeAspect="1"/>
+          </p:cNvPicPr>
+          <p:nvPr/>
+        </p:nvPicPr>
+        <p:blipFill>
+          <a:blip r:embed="rId3"/>
+          <a:stretch>
+            <a:fillRect/>
+          </a:stretch>
+        </p:blipFill>
+        <p:spPr>
+          <a:xfrm>
+            <a:off x="10803732" y="6020043"/>
+            <a:ext cx="45719" cy="54185"/>
+          </a:xfrm>
+          <a:prstGeom prst="rect">
+            <a:avLst/>
+          </a:prstGeom>
+        </p:spPr>
+      </p:pic>
+      <p:pic>
+        <p:nvPicPr>
+          <p:cNvPr id="9" name="Imagem 8">
+            <a:extLst>
+              <a:ext uri="{FF2B5EF4-FFF2-40B4-BE49-F238E27FC236}">
+                <a16:creationId xmlns:a16="http://schemas.microsoft.com/office/drawing/2014/main" id="{6CBDF92B-009C-4005-A6BB-AAA3F599F914}"/>
+              </a:ext>
+            </a:extLst>
+          </p:cNvPr>
+          <p:cNvPicPr>
+            <a:picLocks noChangeAspect="1"/>
+          </p:cNvPicPr>
+          <p:nvPr/>
+        </p:nvPicPr>
+        <p:blipFill>
+          <a:blip r:embed="rId4"/>
+          <a:stretch>
+            <a:fillRect/>
+          </a:stretch>
+        </p:blipFill>
+        <p:spPr>
+          <a:xfrm>
+            <a:off x="9098107" y="2640554"/>
+            <a:ext cx="74633" cy="45719"/>
+          </a:xfrm>
+          <a:prstGeom prst="rect">
+            <a:avLst/>
+          </a:prstGeom>
+        </p:spPr>
+      </p:pic>
+      <p:pic>
+        <p:nvPicPr>
+          <p:cNvPr id="11" name="Imagem 10">
+            <a:extLst>
+              <a:ext uri="{FF2B5EF4-FFF2-40B4-BE49-F238E27FC236}">
+                <a16:creationId xmlns:a16="http://schemas.microsoft.com/office/drawing/2014/main" id="{6632E0F7-697B-40D4-BFDE-A954FAA1AF34}"/>
+              </a:ext>
+            </a:extLst>
+          </p:cNvPr>
+          <p:cNvPicPr>
+            <a:picLocks noChangeAspect="1"/>
+          </p:cNvPicPr>
+          <p:nvPr/>
+        </p:nvPicPr>
+        <p:blipFill>
+          <a:blip r:embed="rId5"/>
+          <a:stretch>
+            <a:fillRect/>
+          </a:stretch>
+        </p:blipFill>
+        <p:spPr>
+          <a:xfrm>
+            <a:off x="11070294" y="3751577"/>
+            <a:ext cx="45898" cy="45719"/>
+          </a:xfrm>
+          <a:prstGeom prst="rect">
+            <a:avLst/>
+          </a:prstGeom>
+        </p:spPr>
+      </p:pic>
+      <p:pic>
+        <p:nvPicPr>
+          <p:cNvPr id="13" name="Imagem 12" descr="Uma imagem contendo objeto, kit de primeiros socorros&#10;&#10;Descrição gerada automaticamente">
+            <a:extLst>
+              <a:ext uri="{FF2B5EF4-FFF2-40B4-BE49-F238E27FC236}">
+                <a16:creationId xmlns:a16="http://schemas.microsoft.com/office/drawing/2014/main" id="{839ABE05-5271-4677-8BEF-671EEA2E9B3C}"/>
+              </a:ext>
+            </a:extLst>
+          </p:cNvPr>
+          <p:cNvPicPr>
+            <a:picLocks noChangeAspect="1"/>
+          </p:cNvPicPr>
+          <p:nvPr/>
+        </p:nvPicPr>
+        <p:blipFill>
+          <a:blip r:embed="rId6"/>
+          <a:stretch>
+            <a:fillRect/>
+          </a:stretch>
+        </p:blipFill>
+        <p:spPr>
+          <a:xfrm>
+            <a:off x="8703723" y="4232394"/>
+            <a:ext cx="67375" cy="45719"/>
+          </a:xfrm>
+          <a:prstGeom prst="rect">
+            <a:avLst/>
+          </a:prstGeom>
+        </p:spPr>
+      </p:pic>
+      <p:sp>
+        <p:nvSpPr>
+          <p:cNvPr id="6" name="Retângulo 5"/>
+          <p:cNvSpPr/>
+          <p:nvPr/>
+        </p:nvSpPr>
+        <p:spPr>
+          <a:xfrm>
+            <a:off x="8703723" y="4230001"/>
+            <a:ext cx="67375" cy="48112"/>
+          </a:xfrm>
+          <a:prstGeom prst="rect">
+            <a:avLst/>
+          </a:prstGeom>
+          <a:solidFill>
+            <a:srgbClr val="C3C9C9"/>
+          </a:solidFill>
+          <a:ln>
+            <a:solidFill>
+              <a:srgbClr val="C3C9C9"/>
+            </a:solidFill>
+          </a:ln>
+        </p:spPr>
+        <p:style>
+          <a:lnRef idx="2">
+            <a:schemeClr val="accent1">
+              <a:shade val="50000"/>
+            </a:schemeClr>
+          </a:lnRef>
+          <a:fillRef idx="1">
+            <a:schemeClr val="accent1"/>
+          </a:fillRef>
+          <a:effectRef idx="0">
+            <a:schemeClr val="accent1"/>
+          </a:effectRef>
+          <a:fontRef idx="minor">
+            <a:schemeClr val="lt1"/>
+          </a:fontRef>
+        </p:style>
+        <p:txBody>
+          <a:bodyPr rtlCol="0" anchor="ctr"/>
+          <a:lstStyle/>
+          <a:p>
+            <a:pPr algn="ctr"/>
+            <a:endParaRPr lang="pt-BR"/>
+          </a:p>
+        </p:txBody>
+      </p:sp>
+      <p:sp>
+        <p:nvSpPr>
+          <p:cNvPr id="27" name="Retângulo 26"/>
+          <p:cNvSpPr/>
+          <p:nvPr/>
+        </p:nvSpPr>
+        <p:spPr>
+          <a:xfrm>
+            <a:off x="10981155" y="3716380"/>
+            <a:ext cx="178277" cy="137520"/>
+          </a:xfrm>
+          <a:prstGeom prst="rect">
+            <a:avLst/>
+          </a:prstGeom>
+          <a:solidFill>
+            <a:srgbClr val="EAEBEF"/>
+          </a:solidFill>
+          <a:ln>
+            <a:solidFill>
+              <a:srgbClr val="EAEBEF"/>
+            </a:solidFill>
+          </a:ln>
+        </p:spPr>
+        <p:style>
+          <a:lnRef idx="2">
+            <a:schemeClr val="accent1">
+              <a:shade val="50000"/>
+            </a:schemeClr>
+          </a:lnRef>
+          <a:fillRef idx="1">
+            <a:schemeClr val="accent1"/>
+          </a:fillRef>
+          <a:effectRef idx="0">
+            <a:schemeClr val="accent1"/>
+          </a:effectRef>
+          <a:fontRef idx="minor">
+            <a:schemeClr val="lt1"/>
+          </a:fontRef>
+        </p:style>
+        <p:txBody>
+          <a:bodyPr rtlCol="0" anchor="ctr"/>
+          <a:lstStyle/>
+          <a:p>
+            <a:pPr algn="ctr"/>
+            <a:endParaRPr lang="pt-BR"/>
+          </a:p>
+        </p:txBody>
+      </p:sp>
+      <p:sp>
+        <p:nvSpPr>
+          <p:cNvPr id="28" name="Retângulo 27"/>
+          <p:cNvSpPr/>
+          <p:nvPr/>
+        </p:nvSpPr>
+        <p:spPr>
+          <a:xfrm>
+            <a:off x="10803732" y="5925132"/>
+            <a:ext cx="45719" cy="149096"/>
+          </a:xfrm>
+          <a:prstGeom prst="rect">
+            <a:avLst/>
+          </a:prstGeom>
+          <a:solidFill>
+            <a:srgbClr val="EDEEF0"/>
+          </a:solidFill>
+          <a:ln>
+            <a:solidFill>
+              <a:srgbClr val="ECEDEF"/>
+            </a:solidFill>
+          </a:ln>
+        </p:spPr>
+        <p:style>
+          <a:lnRef idx="2">
+            <a:schemeClr val="accent1">
+              <a:shade val="50000"/>
+            </a:schemeClr>
+          </a:lnRef>
+          <a:fillRef idx="1">
+            <a:schemeClr val="accent1"/>
+          </a:fillRef>
+          <a:effectRef idx="0">
+            <a:schemeClr val="accent1"/>
+          </a:effectRef>
+          <a:fontRef idx="minor">
+            <a:schemeClr val="lt1"/>
+          </a:fontRef>
+        </p:style>
+        <p:txBody>
+          <a:bodyPr rtlCol="0" anchor="ctr"/>
+          <a:lstStyle/>
+          <a:p>
+            <a:pPr algn="ctr"/>
+            <a:endParaRPr lang="pt-BR"/>
+          </a:p>
+        </p:txBody>
+      </p:sp>
+      <p:pic>
+        <p:nvPicPr>
+          <p:cNvPr id="21" name="Espaço Reservado para Imagem 20">
+            <a:extLst>
+              <a:ext uri="{FF2B5EF4-FFF2-40B4-BE49-F238E27FC236}">
+                <a16:creationId xmlns:a16="http://schemas.microsoft.com/office/drawing/2014/main" id="{B00D77EA-B76F-407C-B39A-DD5CADCB8884}"/>
+              </a:ext>
+            </a:extLst>
+          </p:cNvPr>
+          <p:cNvPicPr>
+            <a:picLocks noGrp="1" noChangeAspect="1"/>
+          </p:cNvPicPr>
+          <p:nvPr>
+            <p:ph type="pic" sz="quarter" idx="10"/>
+          </p:nvPr>
+        </p:nvPicPr>
+        <p:blipFill>
+          <a:blip r:embed="rId7"/>
+          <a:srcRect l="14533" r="14533"/>
+          <a:stretch>
+            <a:fillRect/>
+          </a:stretch>
+        </p:blipFill>
+        <p:spPr>
+          <a:xfrm>
+            <a:off x="6743703" y="16926"/>
+            <a:ext cx="5448297" cy="6858000"/>
+          </a:xfrm>
+          <a:solidFill>
+            <a:srgbClr val="EAEBEF"/>
+          </a:solidFill>
+          <a:ln>
+            <a:solidFill>
+              <a:srgbClr val="EAEBEF"/>
+            </a:solidFill>
+          </a:ln>
+        </p:spPr>
+      </p:pic>
+    </p:spTree>
+    <p:extLst>
+      <p:ext uri="{BB962C8B-B14F-4D97-AF65-F5344CB8AC3E}">
+        <p14:creationId xmlns:p14="http://schemas.microsoft.com/office/powerpoint/2010/main" val="3752110924"/>
       </p:ext>
     </p:extLst>
   </p:cSld>
@@ -8404,6 +12379,13 @@
   <p:transition spd="slow">
     <p:push dir="u"/>
   </p:transition>
+  <p:timing>
+    <p:tnLst>
+      <p:par>
+        <p:cTn id="1" dur="indefinite" restart="never" nodeType="tmRoot"/>
+      </p:par>
+    </p:tnLst>
+  </p:timing>
 </p:sld>
 </file>
 
@@ -8582,18 +12564,205 @@
   <p:clrMapOvr>
     <a:masterClrMapping/>
   </p:clrMapOvr>
-  <mc:AlternateContent xmlns:mc="http://schemas.openxmlformats.org/markup-compatibility/2006" xmlns:p159="http://schemas.microsoft.com/office/powerpoint/2015/09/main">
-    <mc:Choice Requires="p159">
+  <mc:AlternateContent xmlns:mc="http://schemas.openxmlformats.org/markup-compatibility/2006">
+    <mc:Choice xmlns:p159="http://schemas.microsoft.com/office/powerpoint/2015/09/main" xmlns="" Requires="p159">
       <p:transition xmlns:p14="http://schemas.microsoft.com/office/powerpoint/2010/main" spd="slow" p14:dur="2000">
         <p159:morph option="byObject"/>
       </p:transition>
     </mc:Choice>
-    <mc:Fallback xmlns="">
+    <mc:Fallback>
       <p:transition spd="slow">
         <p:fade/>
       </p:transition>
     </mc:Fallback>
   </mc:AlternateContent>
+  <p:timing>
+    <p:tnLst>
+      <p:par>
+        <p:cTn id="1" dur="indefinite" restart="never" nodeType="tmRoot"/>
+      </p:par>
+    </p:tnLst>
+  </p:timing>
+</p:sld>
+</file>
+
+<file path=ppt/slides/slide20.xml><?xml version="1.0" encoding="utf-8"?>
+<p:sld xmlns:a="http://schemas.openxmlformats.org/drawingml/2006/main" xmlns:r="http://schemas.openxmlformats.org/officeDocument/2006/relationships" xmlns:p="http://schemas.openxmlformats.org/presentationml/2006/main">
+  <p:cSld>
+    <p:spTree>
+      <p:nvGrpSpPr>
+        <p:cNvPr id="1" name=""/>
+        <p:cNvGrpSpPr/>
+        <p:nvPr/>
+      </p:nvGrpSpPr>
+      <p:grpSpPr>
+        <a:xfrm>
+          <a:off x="0" y="0"/>
+          <a:ext cx="0" cy="0"/>
+          <a:chOff x="0" y="0"/>
+          <a:chExt cx="0" cy="0"/>
+        </a:xfrm>
+      </p:grpSpPr>
+      <p:sp>
+        <p:nvSpPr>
+          <p:cNvPr id="2" name="CaixaDeTexto 1"/>
+          <p:cNvSpPr txBox="1"/>
+          <p:nvPr/>
+        </p:nvSpPr>
+        <p:spPr>
+          <a:xfrm>
+            <a:off x="130628" y="812800"/>
+            <a:ext cx="11713029" cy="5401479"/>
+          </a:xfrm>
+          <a:prstGeom prst="rect">
+            <a:avLst/>
+          </a:prstGeom>
+          <a:noFill/>
+        </p:spPr>
+        <p:txBody>
+          <a:bodyPr wrap="square" rtlCol="0">
+            <a:spAutoFit/>
+          </a:bodyPr>
+          <a:lstStyle/>
+          <a:p>
+            <a:pPr algn="ctr"/>
+            <a:r>
+              <a:rPr lang="pt-BR" sz="11500" dirty="0" smtClean="0"/>
+              <a:t>O que cada um fez/aprendeu no trabalho</a:t>
+            </a:r>
+            <a:endParaRPr lang="pt-BR" sz="11500" dirty="0"/>
+          </a:p>
+        </p:txBody>
+      </p:sp>
+    </p:spTree>
+    <p:extLst>
+      <p:ext uri="{BB962C8B-B14F-4D97-AF65-F5344CB8AC3E}">
+        <p14:creationId xmlns:p14="http://schemas.microsoft.com/office/powerpoint/2010/main" val="570389559"/>
+      </p:ext>
+    </p:extLst>
+  </p:cSld>
+  <p:clrMapOvr>
+    <a:masterClrMapping/>
+  </p:clrMapOvr>
+  <mc:AlternateContent xmlns:mc="http://schemas.openxmlformats.org/markup-compatibility/2006" xmlns:p14="http://schemas.microsoft.com/office/powerpoint/2010/main">
+    <mc:Choice Requires="p14">
+      <p:transition spd="med" p14:dur="700">
+        <p:fade/>
+      </p:transition>
+    </mc:Choice>
+    <mc:Fallback xmlns="">
+      <p:transition spd="med">
+        <p:fade/>
+      </p:transition>
+    </mc:Fallback>
+  </mc:AlternateContent>
+  <p:timing>
+    <p:tnLst>
+      <p:par>
+        <p:cTn id="1" dur="indefinite" restart="never" nodeType="tmRoot"/>
+      </p:par>
+    </p:tnLst>
+  </p:timing>
+</p:sld>
+</file>
+
+<file path=ppt/slides/slide21.xml><?xml version="1.0" encoding="utf-8"?>
+<p:sld xmlns:a="http://schemas.openxmlformats.org/drawingml/2006/main" xmlns:r="http://schemas.openxmlformats.org/officeDocument/2006/relationships" xmlns:p="http://schemas.openxmlformats.org/presentationml/2006/main">
+  <p:cSld>
+    <p:spTree>
+      <p:nvGrpSpPr>
+        <p:cNvPr id="1" name=""/>
+        <p:cNvGrpSpPr/>
+        <p:nvPr/>
+      </p:nvGrpSpPr>
+      <p:grpSpPr>
+        <a:xfrm>
+          <a:off x="0" y="0"/>
+          <a:ext cx="0" cy="0"/>
+          <a:chOff x="0" y="0"/>
+          <a:chExt cx="0" cy="0"/>
+        </a:xfrm>
+      </p:grpSpPr>
+      <p:sp>
+        <p:nvSpPr>
+          <p:cNvPr id="2" name="CaixaDeTexto 1">
+            <a:extLst>
+              <a:ext uri="{FF2B5EF4-FFF2-40B4-BE49-F238E27FC236}">
+                <a16:creationId xmlns:a16="http://schemas.microsoft.com/office/drawing/2014/main" id="{C7EBAF95-491A-46BF-A664-BD73050A3B6B}"/>
+              </a:ext>
+            </a:extLst>
+          </p:cNvPr>
+          <p:cNvSpPr txBox="1"/>
+          <p:nvPr/>
+        </p:nvSpPr>
+        <p:spPr>
+          <a:xfrm>
+            <a:off x="1666875" y="3429001"/>
+            <a:ext cx="8858250" cy="1015663"/>
+          </a:xfrm>
+          <a:prstGeom prst="rect">
+            <a:avLst/>
+          </a:prstGeom>
+          <a:noFill/>
+        </p:spPr>
+        <p:txBody>
+          <a:bodyPr wrap="square" rtlCol="0">
+            <a:spAutoFit/>
+          </a:bodyPr>
+          <a:lstStyle/>
+          <a:p>
+            <a:pPr algn="ctr"/>
+            <a:r>
+              <a:rPr lang="pt-BR" sz="6000" dirty="0"/>
+              <a:t>Obrigado!</a:t>
+            </a:r>
+            <a:endParaRPr lang="pt-BR" sz="3200" dirty="0"/>
+          </a:p>
+        </p:txBody>
+      </p:sp>
+      <p:pic>
+        <p:nvPicPr>
+          <p:cNvPr id="3" name="Imagem 2">
+            <a:extLst>
+              <a:ext uri="{FF2B5EF4-FFF2-40B4-BE49-F238E27FC236}">
+                <a16:creationId xmlns:a16="http://schemas.microsoft.com/office/drawing/2014/main" id="{F1B17FEA-A433-4C8C-82BA-427BAA20A89F}"/>
+              </a:ext>
+            </a:extLst>
+          </p:cNvPr>
+          <p:cNvPicPr>
+            <a:picLocks noChangeAspect="1"/>
+          </p:cNvPicPr>
+          <p:nvPr/>
+        </p:nvPicPr>
+        <p:blipFill>
+          <a:blip r:embed="rId3"/>
+          <a:stretch>
+            <a:fillRect/>
+          </a:stretch>
+        </p:blipFill>
+        <p:spPr>
+          <a:xfrm>
+            <a:off x="2554629" y="1951988"/>
+            <a:ext cx="7082742" cy="1477011"/>
+          </a:xfrm>
+          <a:prstGeom prst="rect">
+            <a:avLst/>
+          </a:prstGeom>
+        </p:spPr>
+      </p:pic>
+    </p:spTree>
+    <p:extLst>
+      <p:ext uri="{BB962C8B-B14F-4D97-AF65-F5344CB8AC3E}">
+        <p14:creationId xmlns:p14="http://schemas.microsoft.com/office/powerpoint/2010/main" val="1455343978"/>
+      </p:ext>
+    </p:extLst>
+  </p:cSld>
+  <p:clrMapOvr>
+    <a:masterClrMapping/>
+  </p:clrMapOvr>
+  <p:transition spd="slow">
+    <p:push dir="u"/>
+  </p:transition>
 </p:sld>
 </file>
 
@@ -8983,18 +13152,25 @@
   <p:clrMapOvr>
     <a:masterClrMapping/>
   </p:clrMapOvr>
-  <mc:AlternateContent xmlns:mc="http://schemas.openxmlformats.org/markup-compatibility/2006" xmlns:p159="http://schemas.microsoft.com/office/powerpoint/2015/09/main">
-    <mc:Choice Requires="p159">
+  <mc:AlternateContent xmlns:mc="http://schemas.openxmlformats.org/markup-compatibility/2006">
+    <mc:Choice xmlns:p159="http://schemas.microsoft.com/office/powerpoint/2015/09/main" xmlns="" Requires="p159">
       <p:transition xmlns:p14="http://schemas.microsoft.com/office/powerpoint/2010/main" spd="slow" p14:dur="1250">
         <p159:morph option="byObject"/>
       </p:transition>
     </mc:Choice>
-    <mc:Fallback xmlns="">
+    <mc:Fallback>
       <p:transition spd="slow">
         <p:fade/>
       </p:transition>
     </mc:Fallback>
   </mc:AlternateContent>
+  <p:timing>
+    <p:tnLst>
+      <p:par>
+        <p:cTn id="1" dur="indefinite" restart="never" nodeType="tmRoot"/>
+      </p:par>
+    </p:tnLst>
+  </p:timing>
 </p:sld>
 </file>
 
@@ -9015,6 +13191,111 @@
           <a:chExt cx="0" cy="0"/>
         </a:xfrm>
       </p:grpSpPr>
+      <p:pic>
+        <p:nvPicPr>
+          <p:cNvPr id="21" name="Espaço Reservado para Imagem 20">
+            <a:extLst>
+              <a:ext uri="{FF2B5EF4-FFF2-40B4-BE49-F238E27FC236}">
+                <a16:creationId xmlns:a16="http://schemas.microsoft.com/office/drawing/2014/main" id="{B00D77EA-B76F-407C-B39A-DD5CADCB8884}"/>
+              </a:ext>
+            </a:extLst>
+          </p:cNvPr>
+          <p:cNvPicPr>
+            <a:picLocks noGrp="1" noChangeAspect="1"/>
+          </p:cNvPicPr>
+          <p:nvPr>
+            <p:ph type="pic" sz="quarter" idx="10"/>
+          </p:nvPr>
+        </p:nvPicPr>
+        <p:blipFill>
+          <a:blip r:embed="rId3"/>
+          <a:srcRect l="14533" r="14533"/>
+          <a:stretch>
+            <a:fillRect/>
+          </a:stretch>
+        </p:blipFill>
+        <p:spPr/>
+      </p:pic>
+      <p:sp>
+        <p:nvSpPr>
+          <p:cNvPr id="22" name="CaixaDeTexto 21">
+            <a:extLst>
+              <a:ext uri="{FF2B5EF4-FFF2-40B4-BE49-F238E27FC236}">
+                <a16:creationId xmlns:a16="http://schemas.microsoft.com/office/drawing/2014/main" id="{902BE623-A1E3-4A07-AC2E-F76A6029298C}"/>
+              </a:ext>
+            </a:extLst>
+          </p:cNvPr>
+          <p:cNvSpPr txBox="1"/>
+          <p:nvPr/>
+        </p:nvSpPr>
+        <p:spPr>
+          <a:xfrm>
+            <a:off x="1472887" y="2828835"/>
+            <a:ext cx="5844628" cy="1200329"/>
+          </a:xfrm>
+          <a:prstGeom prst="rect">
+            <a:avLst/>
+          </a:prstGeom>
+          <a:noFill/>
+        </p:spPr>
+        <p:txBody>
+          <a:bodyPr wrap="square" rtlCol="0">
+            <a:spAutoFit/>
+          </a:bodyPr>
+          <a:lstStyle/>
+          <a:p>
+            <a:r>
+              <a:rPr lang="pt-BR" sz="7200" dirty="0" smtClean="0">
+                <a:latin typeface="+mj-lt"/>
+              </a:rPr>
+              <a:t>Contexto </a:t>
+            </a:r>
+            <a:endParaRPr lang="pt-BR" sz="7200" dirty="0">
+              <a:latin typeface="+mj-lt"/>
+            </a:endParaRPr>
+          </a:p>
+        </p:txBody>
+      </p:sp>
+    </p:spTree>
+    <p:extLst>
+      <p:ext uri="{BB962C8B-B14F-4D97-AF65-F5344CB8AC3E}">
+        <p14:creationId xmlns:p14="http://schemas.microsoft.com/office/powerpoint/2010/main" val="4116115018"/>
+      </p:ext>
+    </p:extLst>
+  </p:cSld>
+  <p:clrMapOvr>
+    <a:masterClrMapping/>
+  </p:clrMapOvr>
+  <p:transition spd="slow">
+    <p:push dir="u"/>
+  </p:transition>
+  <p:timing>
+    <p:tnLst>
+      <p:par>
+        <p:cTn id="1" dur="indefinite" restart="never" nodeType="tmRoot"/>
+      </p:par>
+    </p:tnLst>
+  </p:timing>
+</p:sld>
+</file>
+
+<file path=ppt/slides/slide5.xml><?xml version="1.0" encoding="utf-8"?>
+<p:sld xmlns:a="http://schemas.openxmlformats.org/drawingml/2006/main" xmlns:r="http://schemas.openxmlformats.org/officeDocument/2006/relationships" xmlns:p="http://schemas.openxmlformats.org/presentationml/2006/main">
+  <p:cSld>
+    <p:spTree>
+      <p:nvGrpSpPr>
+        <p:cNvPr id="1" name=""/>
+        <p:cNvGrpSpPr/>
+        <p:nvPr/>
+      </p:nvGrpSpPr>
+      <p:grpSpPr>
+        <a:xfrm>
+          <a:off x="0" y="0"/>
+          <a:ext cx="0" cy="0"/>
+          <a:chOff x="0" y="0"/>
+          <a:chExt cx="0" cy="0"/>
+        </a:xfrm>
+      </p:grpSpPr>
       <p:sp>
         <p:nvSpPr>
           <p:cNvPr id="2" name="Título 1"/>
@@ -9032,9 +13313,10 @@
           <a:p>
             <a:pPr rtl="0"/>
             <a:r>
-              <a:rPr lang="pt-BR" dirty="0"/>
+              <a:rPr lang="pt-BR" dirty="0" smtClean="0"/>
               <a:t>O que é umidade?</a:t>
             </a:r>
+            <a:endParaRPr lang="pt-BR" dirty="0"/>
           </a:p>
         </p:txBody>
       </p:sp>
@@ -9381,10 +13663,17 @@
   <p:transition spd="slow">
     <p:push dir="u"/>
   </p:transition>
+  <p:timing>
+    <p:tnLst>
+      <p:par>
+        <p:cTn id="1" dur="indefinite" restart="never" nodeType="tmRoot"/>
+      </p:par>
+    </p:tnLst>
+  </p:timing>
 </p:sld>
 </file>
 
-<file path=ppt/slides/slide5.xml><?xml version="1.0" encoding="utf-8"?>
+<file path=ppt/slides/slide6.xml><?xml version="1.0" encoding="utf-8"?>
 <p:sld xmlns:a="http://schemas.openxmlformats.org/drawingml/2006/main" xmlns:r="http://schemas.openxmlformats.org/officeDocument/2006/relationships" xmlns:p="http://schemas.openxmlformats.org/presentationml/2006/main">
   <p:cSld>
     <p:spTree>
@@ -9419,8 +13708,13 @@
             <a:pPr rtl="0"/>
             <a:r>
               <a:rPr lang="pt-BR" dirty="0"/>
-              <a:t>Bem estar</a:t>
+              <a:t>Bem </a:t>
             </a:r>
+            <a:r>
+              <a:rPr lang="pt-BR" dirty="0" smtClean="0"/>
+              <a:t>estar e produtividade</a:t>
+            </a:r>
+            <a:endParaRPr lang="pt-BR" dirty="0"/>
           </a:p>
         </p:txBody>
       </p:sp>
@@ -9558,122 +13852,13 @@
   <p:transition spd="slow">
     <p:push dir="u"/>
   </p:transition>
-</p:sld>
-</file>
-
-<file path=ppt/slides/slide6.xml><?xml version="1.0" encoding="utf-8"?>
-<p:sld xmlns:a="http://schemas.openxmlformats.org/drawingml/2006/main" xmlns:r="http://schemas.openxmlformats.org/officeDocument/2006/relationships" xmlns:p="http://schemas.openxmlformats.org/presentationml/2006/main">
-  <p:cSld>
-    <p:spTree>
-      <p:nvGrpSpPr>
-        <p:cNvPr id="1" name=""/>
-        <p:cNvGrpSpPr/>
-        <p:nvPr/>
-      </p:nvGrpSpPr>
-      <p:grpSpPr>
-        <a:xfrm>
-          <a:off x="0" y="0"/>
-          <a:ext cx="0" cy="0"/>
-          <a:chOff x="0" y="0"/>
-          <a:chExt cx="0" cy="0"/>
-        </a:xfrm>
-      </p:grpSpPr>
-      <p:sp>
-        <p:nvSpPr>
-          <p:cNvPr id="2" name="Título 1"/>
-          <p:cNvSpPr>
-            <a:spLocks noGrp="1"/>
-          </p:cNvSpPr>
-          <p:nvPr>
-            <p:ph type="title"/>
-          </p:nvPr>
-        </p:nvSpPr>
-        <p:spPr/>
-        <p:txBody>
-          <a:bodyPr rtlCol="0"/>
-          <a:lstStyle/>
-          <a:p>
-            <a:pPr rtl="0"/>
-            <a:r>
-              <a:rPr lang="pt-BR" dirty="0"/>
-              <a:t>Relação Produtividade x Temperatura</a:t>
-            </a:r>
-          </a:p>
-        </p:txBody>
-      </p:sp>
-      <p:graphicFrame>
-        <p:nvGraphicFramePr>
-          <p:cNvPr id="6" name="Espaço reservado para conteúdo 5" descr="Gráfico de colunas clusterizado representando&#10;Gráfico de combinação de três séries para quatro categorias"/>
-          <p:cNvGraphicFramePr>
-            <a:graphicFrameLocks noGrp="1"/>
-          </p:cNvGraphicFramePr>
-          <p:nvPr>
-            <p:ph idx="1"/>
-            <p:extLst>
-              <p:ext uri="{D42A27DB-BD31-4B8C-83A1-F6EECF244321}">
-                <p14:modId xmlns:p14="http://schemas.microsoft.com/office/powerpoint/2010/main" val="453197788"/>
-              </p:ext>
-            </p:extLst>
-          </p:nvPr>
-        </p:nvGraphicFramePr>
-        <p:xfrm>
-          <a:off x="1295400" y="1828800"/>
-          <a:ext cx="9601200" cy="4343400"/>
-        </p:xfrm>
-        <a:graphic>
-          <a:graphicData uri="http://schemas.openxmlformats.org/drawingml/2006/chart">
-            <c:chart xmlns:c="http://schemas.openxmlformats.org/drawingml/2006/chart" xmlns:r="http://schemas.openxmlformats.org/officeDocument/2006/relationships" r:id="rId3"/>
-          </a:graphicData>
-        </a:graphic>
-      </p:graphicFrame>
-      <p:sp>
-        <p:nvSpPr>
-          <p:cNvPr id="3" name="CaixaDeTexto 2">
-            <a:extLst>
-              <a:ext uri="{FF2B5EF4-FFF2-40B4-BE49-F238E27FC236}">
-                <a16:creationId xmlns:a16="http://schemas.microsoft.com/office/drawing/2014/main" id="{193E2AA3-D61E-4E72-A82B-8C8A58488B92}"/>
-              </a:ext>
-            </a:extLst>
-          </p:cNvPr>
-          <p:cNvSpPr txBox="1"/>
-          <p:nvPr/>
-        </p:nvSpPr>
-        <p:spPr>
-          <a:xfrm>
-            <a:off x="8029576" y="6172200"/>
-            <a:ext cx="3691267" cy="369332"/>
-          </a:xfrm>
-          <a:prstGeom prst="rect">
-            <a:avLst/>
-          </a:prstGeom>
-          <a:noFill/>
-        </p:spPr>
-        <p:txBody>
-          <a:bodyPr wrap="none" rtlCol="0">
-            <a:spAutoFit/>
-          </a:bodyPr>
-          <a:lstStyle/>
-          <a:p>
-            <a:r>
-              <a:rPr lang="pt-BR" dirty="0"/>
-              <a:t>Fonte: Taís Larissa – CESUMAR (2010)</a:t>
-            </a:r>
-          </a:p>
-        </p:txBody>
-      </p:sp>
-    </p:spTree>
-    <p:extLst>
-      <p:ext uri="{BB962C8B-B14F-4D97-AF65-F5344CB8AC3E}">
-        <p14:creationId xmlns:p14="http://schemas.microsoft.com/office/powerpoint/2010/main" val="1179164655"/>
-      </p:ext>
-    </p:extLst>
-  </p:cSld>
-  <p:clrMapOvr>
-    <a:masterClrMapping/>
-  </p:clrMapOvr>
-  <p:transition spd="med">
-    <p:pull/>
-  </p:transition>
+  <p:timing>
+    <p:tnLst>
+      <p:par>
+        <p:cTn id="1" dur="indefinite" restart="never" nodeType="tmRoot"/>
+      </p:par>
+    </p:tnLst>
+  </p:timing>
 </p:sld>
 </file>
 
@@ -9696,13 +13881,7 @@
       </p:grpSpPr>
       <p:sp>
         <p:nvSpPr>
-          <p:cNvPr id="2" name="Título 1">
-            <a:extLst>
-              <a:ext uri="{FF2B5EF4-FFF2-40B4-BE49-F238E27FC236}">
-                <a16:creationId xmlns:a16="http://schemas.microsoft.com/office/drawing/2014/main" id="{8C31434F-F5E5-4957-A030-E76CB2F323E7}"/>
-              </a:ext>
-            </a:extLst>
-          </p:cNvPr>
+          <p:cNvPr id="2" name="Título 1"/>
           <p:cNvSpPr>
             <a:spLocks noGrp="1"/>
           </p:cNvSpPr>
@@ -9712,812 +13891,97 @@
         </p:nvSpPr>
         <p:spPr/>
         <p:txBody>
-          <a:bodyPr/>
+          <a:bodyPr rtlCol="0"/>
           <a:lstStyle/>
           <a:p>
+            <a:pPr rtl="0"/>
             <a:r>
               <a:rPr lang="pt-BR" dirty="0"/>
-              <a:t>Projeto</a:t>
+              <a:t>Relação Produtividade x Temperatura</a:t>
             </a:r>
           </a:p>
         </p:txBody>
       </p:sp>
-      <p:sp>
-        <p:nvSpPr>
-          <p:cNvPr id="3" name="Espaço Reservado para Conteúdo 2">
+      <p:graphicFrame>
+        <p:nvGraphicFramePr>
+          <p:cNvPr id="6" name="Espaço reservado para conteúdo 5" descr="Gráfico de colunas clusterizado representando&#10;Gráfico de combinação de três séries para quatro categorias"/>
+          <p:cNvGraphicFramePr>
+            <a:graphicFrameLocks noGrp="1"/>
+          </p:cNvGraphicFramePr>
+          <p:nvPr>
+            <p:ph idx="1"/>
+            <p:extLst>
+              <p:ext uri="{D42A27DB-BD31-4B8C-83A1-F6EECF244321}">
+                <p14:modId xmlns:p14="http://schemas.microsoft.com/office/powerpoint/2010/main" val="4225881736"/>
+              </p:ext>
+            </p:extLst>
+          </p:nvPr>
+        </p:nvGraphicFramePr>
+        <p:xfrm>
+          <a:off x="1295400" y="1828800"/>
+          <a:ext cx="9601200" cy="4343400"/>
+        </p:xfrm>
+        <a:graphic>
+          <a:graphicData uri="http://schemas.openxmlformats.org/drawingml/2006/chart">
+            <c:chart xmlns:c="http://schemas.openxmlformats.org/drawingml/2006/chart" xmlns:r="http://schemas.openxmlformats.org/officeDocument/2006/relationships" r:id="rId3"/>
+          </a:graphicData>
+        </a:graphic>
+      </p:graphicFrame>
+      <p:sp>
+        <p:nvSpPr>
+          <p:cNvPr id="3" name="CaixaDeTexto 2">
             <a:extLst>
               <a:ext uri="{FF2B5EF4-FFF2-40B4-BE49-F238E27FC236}">
-                <a16:creationId xmlns:a16="http://schemas.microsoft.com/office/drawing/2014/main" id="{B57B8BE6-C298-4F45-A38D-0B98FAC14530}"/>
+                <a16:creationId xmlns:a16="http://schemas.microsoft.com/office/drawing/2014/main" id="{193E2AA3-D61E-4E72-A82B-8C8A58488B92}"/>
               </a:ext>
             </a:extLst>
           </p:cNvPr>
-          <p:cNvSpPr>
-            <a:spLocks noGrp="1"/>
-          </p:cNvSpPr>
-          <p:nvPr>
-            <p:ph idx="1"/>
-          </p:nvPr>
-        </p:nvSpPr>
-        <p:spPr/>
-        <p:txBody>
-          <a:bodyPr/>
-          <a:lstStyle/>
-          <a:p>
-            <a:pPr>
-              <a:buBlip>
-                <a:blip r:embed="rId2"/>
-              </a:buBlip>
-            </a:pPr>
-            <a:r>
-              <a:rPr lang="pt-BR" dirty="0"/>
-              <a:t> Adequação às normas.</a:t>
-            </a:r>
-          </a:p>
-          <a:p>
-            <a:pPr>
-              <a:buBlip>
-                <a:blip r:embed="rId2"/>
-              </a:buBlip>
-            </a:pPr>
-            <a:r>
-              <a:rPr lang="pt-BR" dirty="0"/>
-              <a:t> Monitoramento constante, seguro e automatizado. </a:t>
-            </a:r>
-          </a:p>
-          <a:p>
-            <a:pPr>
-              <a:buBlip>
-                <a:blip r:embed="rId2"/>
-              </a:buBlip>
-            </a:pPr>
-            <a:r>
-              <a:rPr lang="pt-BR" dirty="0"/>
-              <a:t> Economia de energia e tempo.</a:t>
-            </a:r>
-          </a:p>
-          <a:p>
-            <a:pPr>
-              <a:buBlip>
-                <a:blip r:embed="rId2"/>
-              </a:buBlip>
-            </a:pPr>
-            <a:r>
-              <a:rPr lang="pt-BR" dirty="0"/>
-              <a:t> Como funciona.</a:t>
-            </a:r>
-          </a:p>
-          <a:p>
-            <a:pPr>
-              <a:buBlip>
-                <a:blip r:embed="rId2"/>
-              </a:buBlip>
-            </a:pPr>
-            <a:r>
-              <a:rPr lang="pt-BR" dirty="0"/>
-              <a:t> Tecnologias e ferramentas utilizadas.</a:t>
-            </a:r>
-          </a:p>
-          <a:p>
-            <a:pPr>
-              <a:buBlip>
-                <a:blip r:embed="rId2"/>
-              </a:buBlip>
-            </a:pPr>
-            <a:endParaRPr lang="pt-BR" dirty="0"/>
-          </a:p>
-          <a:p>
-            <a:pPr>
-              <a:buBlip>
-                <a:blip r:embed="rId2"/>
-              </a:buBlip>
-            </a:pPr>
-            <a:endParaRPr lang="pt-BR" dirty="0"/>
-          </a:p>
-        </p:txBody>
-      </p:sp>
-      <p:pic>
-        <p:nvPicPr>
-          <p:cNvPr id="6" name="Imagem 5" descr="Uma imagem contendo kit de primeiros socorros, objeto&#10;&#10;Descrição gerada automaticamente">
-            <a:extLst>
-              <a:ext uri="{FF2B5EF4-FFF2-40B4-BE49-F238E27FC236}">
-                <a16:creationId xmlns:a16="http://schemas.microsoft.com/office/drawing/2014/main" id="{9F2EE745-88E1-4E73-91B1-6CAE0C0A7BA5}"/>
-              </a:ext>
-            </a:extLst>
-          </p:cNvPr>
-          <p:cNvPicPr>
-            <a:picLocks noChangeAspect="1"/>
-          </p:cNvPicPr>
+          <p:cNvSpPr txBox="1"/>
           <p:nvPr/>
-        </p:nvPicPr>
-        <p:blipFill>
-          <a:blip r:embed="rId3"/>
-          <a:stretch>
-            <a:fillRect/>
-          </a:stretch>
-        </p:blipFill>
-        <p:spPr>
-          <a:xfrm>
-            <a:off x="5400723" y="2854643"/>
-            <a:ext cx="77930" cy="45719"/>
+        </p:nvSpPr>
+        <p:spPr>
+          <a:xfrm>
+            <a:off x="8029576" y="6172200"/>
+            <a:ext cx="3691267" cy="369332"/>
           </a:xfrm>
           <a:prstGeom prst="rect">
             <a:avLst/>
           </a:prstGeom>
-        </p:spPr>
-      </p:pic>
-      <p:pic>
-        <p:nvPicPr>
-          <p:cNvPr id="7" name="Imagem 6">
-            <a:extLst>
-              <a:ext uri="{FF2B5EF4-FFF2-40B4-BE49-F238E27FC236}">
-                <a16:creationId xmlns:a16="http://schemas.microsoft.com/office/drawing/2014/main" id="{1F751F11-FC5E-48B7-9F3C-F5D2206C1216}"/>
-              </a:ext>
-            </a:extLst>
-          </p:cNvPr>
-          <p:cNvPicPr>
-            <a:picLocks noChangeAspect="1"/>
-          </p:cNvPicPr>
-          <p:nvPr/>
-        </p:nvPicPr>
-        <p:blipFill>
-          <a:blip r:embed="rId4"/>
-          <a:stretch>
-            <a:fillRect/>
-          </a:stretch>
-        </p:blipFill>
-        <p:spPr>
-          <a:xfrm>
-            <a:off x="10803732" y="6020043"/>
-            <a:ext cx="45719" cy="54185"/>
-          </a:xfrm>
-          <a:prstGeom prst="rect">
-            <a:avLst/>
-          </a:prstGeom>
-        </p:spPr>
-      </p:pic>
-      <p:pic>
-        <p:nvPicPr>
-          <p:cNvPr id="8" name="Imagem 7">
-            <a:extLst>
-              <a:ext uri="{FF2B5EF4-FFF2-40B4-BE49-F238E27FC236}">
-                <a16:creationId xmlns:a16="http://schemas.microsoft.com/office/drawing/2014/main" id="{6CBDF92B-009C-4005-A6BB-AAA3F599F914}"/>
-              </a:ext>
-            </a:extLst>
-          </p:cNvPr>
-          <p:cNvPicPr>
-            <a:picLocks noChangeAspect="1"/>
-          </p:cNvPicPr>
-          <p:nvPr/>
-        </p:nvPicPr>
-        <p:blipFill>
-          <a:blip r:embed="rId5"/>
-          <a:stretch>
-            <a:fillRect/>
-          </a:stretch>
-        </p:blipFill>
-        <p:spPr>
-          <a:xfrm>
-            <a:off x="9098107" y="2640554"/>
-            <a:ext cx="74633" cy="45719"/>
-          </a:xfrm>
-          <a:prstGeom prst="rect">
-            <a:avLst/>
-          </a:prstGeom>
-        </p:spPr>
-      </p:pic>
-      <p:pic>
-        <p:nvPicPr>
-          <p:cNvPr id="9" name="Imagem 8">
-            <a:extLst>
-              <a:ext uri="{FF2B5EF4-FFF2-40B4-BE49-F238E27FC236}">
-                <a16:creationId xmlns:a16="http://schemas.microsoft.com/office/drawing/2014/main" id="{62DE481A-E7DE-4748-80E9-038D7A25C07A}"/>
-              </a:ext>
-            </a:extLst>
-          </p:cNvPr>
-          <p:cNvPicPr>
-            <a:picLocks noChangeAspect="1"/>
-          </p:cNvPicPr>
-          <p:nvPr/>
-        </p:nvPicPr>
-        <p:blipFill>
-          <a:blip r:embed="rId6"/>
-          <a:stretch>
-            <a:fillRect/>
-          </a:stretch>
-        </p:blipFill>
-        <p:spPr>
-          <a:xfrm>
-            <a:off x="746088" y="2377582"/>
-            <a:ext cx="148755" cy="45719"/>
-          </a:xfrm>
-          <a:prstGeom prst="rect">
-            <a:avLst/>
-          </a:prstGeom>
-        </p:spPr>
-      </p:pic>
-      <p:pic>
-        <p:nvPicPr>
-          <p:cNvPr id="10" name="Imagem 9">
-            <a:extLst>
-              <a:ext uri="{FF2B5EF4-FFF2-40B4-BE49-F238E27FC236}">
-                <a16:creationId xmlns:a16="http://schemas.microsoft.com/office/drawing/2014/main" id="{6632E0F7-697B-40D4-BFDE-A954FAA1AF34}"/>
-              </a:ext>
-            </a:extLst>
-          </p:cNvPr>
-          <p:cNvPicPr>
-            <a:picLocks noChangeAspect="1"/>
-          </p:cNvPicPr>
-          <p:nvPr/>
-        </p:nvPicPr>
-        <p:blipFill>
-          <a:blip r:embed="rId7"/>
-          <a:stretch>
-            <a:fillRect/>
-          </a:stretch>
-        </p:blipFill>
-        <p:spPr>
-          <a:xfrm>
-            <a:off x="11070294" y="3751577"/>
-            <a:ext cx="45898" cy="45719"/>
-          </a:xfrm>
-          <a:prstGeom prst="rect">
-            <a:avLst/>
-          </a:prstGeom>
-        </p:spPr>
-      </p:pic>
-      <p:pic>
-        <p:nvPicPr>
-          <p:cNvPr id="11" name="Imagem 10" descr="Uma imagem contendo objeto&#10;&#10;Descrição gerada automaticamente">
-            <a:extLst>
-              <a:ext uri="{FF2B5EF4-FFF2-40B4-BE49-F238E27FC236}">
-                <a16:creationId xmlns:a16="http://schemas.microsoft.com/office/drawing/2014/main" id="{A5BD4CBC-243F-4E21-9359-2583706E0420}"/>
-              </a:ext>
-            </a:extLst>
-          </p:cNvPr>
-          <p:cNvPicPr>
-            <a:picLocks noChangeAspect="1"/>
-          </p:cNvPicPr>
-          <p:nvPr/>
-        </p:nvPicPr>
-        <p:blipFill>
-          <a:blip r:embed="rId8"/>
-          <a:stretch>
-            <a:fillRect/>
-          </a:stretch>
-        </p:blipFill>
-        <p:spPr>
-          <a:xfrm>
-            <a:off x="6847480" y="5925132"/>
-            <a:ext cx="158163" cy="45719"/>
-          </a:xfrm>
-          <a:prstGeom prst="rect">
-            <a:avLst/>
-          </a:prstGeom>
-        </p:spPr>
-      </p:pic>
-      <p:pic>
-        <p:nvPicPr>
-          <p:cNvPr id="12" name="Imagem 11" descr="Uma imagem contendo objeto, kit de primeiros socorros&#10;&#10;Descrição gerada automaticamente">
-            <a:extLst>
-              <a:ext uri="{FF2B5EF4-FFF2-40B4-BE49-F238E27FC236}">
-                <a16:creationId xmlns:a16="http://schemas.microsoft.com/office/drawing/2014/main" id="{839ABE05-5271-4677-8BEF-671EEA2E9B3C}"/>
-              </a:ext>
-            </a:extLst>
-          </p:cNvPr>
-          <p:cNvPicPr>
-            <a:picLocks noChangeAspect="1"/>
-          </p:cNvPicPr>
-          <p:nvPr/>
-        </p:nvPicPr>
-        <p:blipFill>
-          <a:blip r:embed="rId9"/>
-          <a:stretch>
-            <a:fillRect/>
-          </a:stretch>
-        </p:blipFill>
-        <p:spPr>
-          <a:xfrm>
-            <a:off x="8703723" y="4232394"/>
-            <a:ext cx="67375" cy="45719"/>
-          </a:xfrm>
-          <a:prstGeom prst="rect">
-            <a:avLst/>
-          </a:prstGeom>
-        </p:spPr>
-      </p:pic>
-      <p:pic>
-        <p:nvPicPr>
-          <p:cNvPr id="13" name="Imagem 12" descr="Uma imagem contendo gráficos vetoriais&#10;&#10;Descrição gerada automaticamente">
-            <a:extLst>
-              <a:ext uri="{FF2B5EF4-FFF2-40B4-BE49-F238E27FC236}">
-                <a16:creationId xmlns:a16="http://schemas.microsoft.com/office/drawing/2014/main" id="{8BB7BDF5-B3FB-4ED2-87FD-9DBA98B52BBC}"/>
-              </a:ext>
-            </a:extLst>
-          </p:cNvPr>
-          <p:cNvPicPr>
-            <a:picLocks noChangeAspect="1"/>
-          </p:cNvPicPr>
-          <p:nvPr/>
-        </p:nvPicPr>
-        <p:blipFill>
-          <a:blip r:embed="rId10"/>
-          <a:stretch>
-            <a:fillRect/>
-          </a:stretch>
-        </p:blipFill>
-        <p:spPr>
-          <a:xfrm>
-            <a:off x="5883525" y="4646268"/>
-            <a:ext cx="65742" cy="45719"/>
-          </a:xfrm>
-          <a:prstGeom prst="rect">
-            <a:avLst/>
-          </a:prstGeom>
-        </p:spPr>
-      </p:pic>
-      <p:pic>
-        <p:nvPicPr>
-          <p:cNvPr id="14" name="Imagem 13">
-            <a:extLst>
-              <a:ext uri="{FF2B5EF4-FFF2-40B4-BE49-F238E27FC236}">
-                <a16:creationId xmlns:a16="http://schemas.microsoft.com/office/drawing/2014/main" id="{655B674C-A38E-45C4-AC6F-0040B44BF8D2}"/>
-              </a:ext>
-            </a:extLst>
-          </p:cNvPr>
-          <p:cNvPicPr>
-            <a:picLocks noChangeAspect="1"/>
-          </p:cNvPicPr>
-          <p:nvPr/>
-        </p:nvPicPr>
-        <p:blipFill>
-          <a:blip r:embed="rId11"/>
-          <a:stretch>
-            <a:fillRect/>
-          </a:stretch>
-        </p:blipFill>
-        <p:spPr>
-          <a:xfrm>
-            <a:off x="959026" y="3876620"/>
-            <a:ext cx="111883" cy="45719"/>
-          </a:xfrm>
-          <a:prstGeom prst="rect">
-            <a:avLst/>
-          </a:prstGeom>
-        </p:spPr>
-      </p:pic>
-      <p:pic>
-        <p:nvPicPr>
-          <p:cNvPr id="15" name="Imagem 14" descr="Uma imagem contendo relógio, objeto, verde, medidor&#10;&#10;Descrição gerada automaticamente">
-            <a:extLst>
-              <a:ext uri="{FF2B5EF4-FFF2-40B4-BE49-F238E27FC236}">
-                <a16:creationId xmlns:a16="http://schemas.microsoft.com/office/drawing/2014/main" id="{928529D5-18B2-4DAF-8DBD-7C26BEB77950}"/>
-              </a:ext>
-            </a:extLst>
-          </p:cNvPr>
-          <p:cNvPicPr>
-            <a:picLocks noChangeAspect="1"/>
-          </p:cNvPicPr>
-          <p:nvPr/>
-        </p:nvPicPr>
-        <p:blipFill>
-          <a:blip r:embed="rId12"/>
-          <a:stretch>
-            <a:fillRect/>
-          </a:stretch>
-        </p:blipFill>
-        <p:spPr>
-          <a:xfrm>
-            <a:off x="4460820" y="6388823"/>
-            <a:ext cx="45719" cy="45719"/>
-          </a:xfrm>
-          <a:prstGeom prst="rect">
-            <a:avLst/>
-          </a:prstGeom>
-        </p:spPr>
-      </p:pic>
-      <p:pic>
-        <p:nvPicPr>
-          <p:cNvPr id="16" name="Imagem 15">
-            <a:extLst>
-              <a:ext uri="{FF2B5EF4-FFF2-40B4-BE49-F238E27FC236}">
-                <a16:creationId xmlns:a16="http://schemas.microsoft.com/office/drawing/2014/main" id="{4FCAB8D1-C6CB-4A28-A850-865829EF45A6}"/>
-              </a:ext>
-            </a:extLst>
-          </p:cNvPr>
-          <p:cNvPicPr>
-            <a:picLocks noChangeAspect="1"/>
-          </p:cNvPicPr>
-          <p:nvPr/>
-        </p:nvPicPr>
-        <p:blipFill>
-          <a:blip r:embed="rId13"/>
-          <a:stretch>
-            <a:fillRect/>
-          </a:stretch>
-        </p:blipFill>
-        <p:spPr>
-          <a:xfrm>
-            <a:off x="4121688" y="4184282"/>
-            <a:ext cx="45719" cy="45719"/>
-          </a:xfrm>
-          <a:prstGeom prst="rect">
-            <a:avLst/>
-          </a:prstGeom>
-        </p:spPr>
-      </p:pic>
-      <p:pic>
-        <p:nvPicPr>
-          <p:cNvPr id="17" name="Imagem 16">
-            <a:extLst>
-              <a:ext uri="{FF2B5EF4-FFF2-40B4-BE49-F238E27FC236}">
-                <a16:creationId xmlns:a16="http://schemas.microsoft.com/office/drawing/2014/main" id="{5B4E495B-B79C-43A0-898C-6DAE413D8AF3}"/>
-              </a:ext>
-            </a:extLst>
-          </p:cNvPr>
-          <p:cNvPicPr>
-            <a:picLocks noChangeAspect="1"/>
-          </p:cNvPicPr>
-          <p:nvPr/>
-        </p:nvPicPr>
-        <p:blipFill>
-          <a:blip r:embed="rId14"/>
-          <a:stretch>
-            <a:fillRect/>
-          </a:stretch>
-        </p:blipFill>
-        <p:spPr>
-          <a:xfrm>
-            <a:off x="1540676" y="5217767"/>
-            <a:ext cx="45719" cy="45719"/>
-          </a:xfrm>
-          <a:prstGeom prst="rect">
-            <a:avLst/>
-          </a:prstGeom>
-        </p:spPr>
-      </p:pic>
-      <p:pic>
-        <p:nvPicPr>
-          <p:cNvPr id="18" name="Imagem 17">
-            <a:extLst>
-              <a:ext uri="{FF2B5EF4-FFF2-40B4-BE49-F238E27FC236}">
-                <a16:creationId xmlns:a16="http://schemas.microsoft.com/office/drawing/2014/main" id="{E47C558C-4A08-4E3D-ADA2-A095A43435F4}"/>
-              </a:ext>
-            </a:extLst>
-          </p:cNvPr>
-          <p:cNvPicPr>
-            <a:picLocks noChangeAspect="1"/>
-          </p:cNvPicPr>
-          <p:nvPr/>
-        </p:nvPicPr>
-        <p:blipFill>
-          <a:blip r:embed="rId15"/>
-          <a:stretch>
-            <a:fillRect/>
-          </a:stretch>
-        </p:blipFill>
-        <p:spPr>
-          <a:xfrm>
-            <a:off x="847726" y="6283643"/>
-            <a:ext cx="111510" cy="45719"/>
-          </a:xfrm>
-          <a:prstGeom prst="rect">
-            <a:avLst/>
-          </a:prstGeom>
-        </p:spPr>
-      </p:pic>
-      <p:sp>
-        <p:nvSpPr>
-          <p:cNvPr id="20" name="Retângulo 19">
-            <a:extLst>
-              <a:ext uri="{FF2B5EF4-FFF2-40B4-BE49-F238E27FC236}">
-                <a16:creationId xmlns:a16="http://schemas.microsoft.com/office/drawing/2014/main" id="{9382ED7D-F4E2-4CD0-87CA-3CCE17939886}"/>
-              </a:ext>
-            </a:extLst>
-          </p:cNvPr>
-          <p:cNvSpPr/>
-          <p:nvPr/>
-        </p:nvSpPr>
-        <p:spPr>
-          <a:xfrm>
-            <a:off x="171450" y="1657350"/>
-            <a:ext cx="1076801" cy="4886325"/>
-          </a:xfrm>
-          <a:prstGeom prst="rect">
-            <a:avLst/>
-          </a:prstGeom>
-          <a:solidFill>
-            <a:schemeClr val="bg2"/>
-          </a:solidFill>
-          <a:ln>
-            <a:solidFill>
-              <a:schemeClr val="bg2"/>
-            </a:solidFill>
-          </a:ln>
-        </p:spPr>
-        <p:style>
-          <a:lnRef idx="2">
-            <a:schemeClr val="accent1">
-              <a:shade val="50000"/>
-            </a:schemeClr>
-          </a:lnRef>
-          <a:fillRef idx="1">
-            <a:schemeClr val="accent1"/>
-          </a:fillRef>
-          <a:effectRef idx="0">
-            <a:schemeClr val="accent1"/>
-          </a:effectRef>
-          <a:fontRef idx="minor">
-            <a:schemeClr val="lt1"/>
-          </a:fontRef>
-        </p:style>
-        <p:txBody>
-          <a:bodyPr rtlCol="0" anchor="ctr"/>
+          <a:noFill/>
+        </p:spPr>
+        <p:txBody>
+          <a:bodyPr wrap="none" rtlCol="0">
+            <a:spAutoFit/>
+          </a:bodyPr>
           <a:lstStyle/>
           <a:p>
-            <a:pPr algn="ctr"/>
-            <a:endParaRPr lang="pt-BR"/>
-          </a:p>
-        </p:txBody>
-      </p:sp>
-      <p:sp>
-        <p:nvSpPr>
-          <p:cNvPr id="21" name="Retângulo 20">
-            <a:extLst>
-              <a:ext uri="{FF2B5EF4-FFF2-40B4-BE49-F238E27FC236}">
-                <a16:creationId xmlns:a16="http://schemas.microsoft.com/office/drawing/2014/main" id="{441FEBA0-1E0D-4927-8FD8-F9AB27A3B0DE}"/>
-              </a:ext>
-            </a:extLst>
-          </p:cNvPr>
-          <p:cNvSpPr/>
-          <p:nvPr/>
-        </p:nvSpPr>
-        <p:spPr>
-          <a:xfrm>
-            <a:off x="10369111" y="1636339"/>
-            <a:ext cx="1076801" cy="4886325"/>
-          </a:xfrm>
-          <a:prstGeom prst="rect">
-            <a:avLst/>
-          </a:prstGeom>
-          <a:solidFill>
-            <a:schemeClr val="bg2"/>
-          </a:solidFill>
-          <a:ln>
-            <a:solidFill>
-              <a:schemeClr val="bg2"/>
-            </a:solidFill>
-          </a:ln>
-        </p:spPr>
-        <p:style>
-          <a:lnRef idx="2">
-            <a:schemeClr val="accent1">
-              <a:shade val="50000"/>
-            </a:schemeClr>
-          </a:lnRef>
-          <a:fillRef idx="1">
-            <a:schemeClr val="accent1"/>
-          </a:fillRef>
-          <a:effectRef idx="0">
-            <a:schemeClr val="accent1"/>
-          </a:effectRef>
-          <a:fontRef idx="minor">
-            <a:schemeClr val="lt1"/>
-          </a:fontRef>
-        </p:style>
-        <p:txBody>
-          <a:bodyPr rtlCol="0" anchor="ctr"/>
-          <a:lstStyle/>
-          <a:p>
-            <a:pPr algn="ctr"/>
-            <a:endParaRPr lang="pt-BR"/>
-          </a:p>
-        </p:txBody>
-      </p:sp>
-      <p:sp>
-        <p:nvSpPr>
-          <p:cNvPr id="22" name="Retângulo 21">
-            <a:extLst>
-              <a:ext uri="{FF2B5EF4-FFF2-40B4-BE49-F238E27FC236}">
-                <a16:creationId xmlns:a16="http://schemas.microsoft.com/office/drawing/2014/main" id="{64B9BE8B-72A1-4A03-8958-945AAB71D917}"/>
-              </a:ext>
-            </a:extLst>
-          </p:cNvPr>
-          <p:cNvSpPr/>
-          <p:nvPr/>
-        </p:nvSpPr>
-        <p:spPr>
-          <a:xfrm>
-            <a:off x="8507175" y="1600199"/>
-            <a:ext cx="1076801" cy="4886325"/>
-          </a:xfrm>
-          <a:prstGeom prst="rect">
-            <a:avLst/>
-          </a:prstGeom>
-          <a:solidFill>
-            <a:schemeClr val="bg2"/>
-          </a:solidFill>
-          <a:ln>
-            <a:solidFill>
-              <a:schemeClr val="bg2"/>
-            </a:solidFill>
-          </a:ln>
-        </p:spPr>
-        <p:style>
-          <a:lnRef idx="2">
-            <a:schemeClr val="accent1">
-              <a:shade val="50000"/>
-            </a:schemeClr>
-          </a:lnRef>
-          <a:fillRef idx="1">
-            <a:schemeClr val="accent1"/>
-          </a:fillRef>
-          <a:effectRef idx="0">
-            <a:schemeClr val="accent1"/>
-          </a:effectRef>
-          <a:fontRef idx="minor">
-            <a:schemeClr val="lt1"/>
-          </a:fontRef>
-        </p:style>
-        <p:txBody>
-          <a:bodyPr rtlCol="0" anchor="ctr"/>
-          <a:lstStyle/>
-          <a:p>
-            <a:pPr algn="ctr"/>
-            <a:endParaRPr lang="pt-BR"/>
-          </a:p>
-        </p:txBody>
-      </p:sp>
-      <p:sp>
-        <p:nvSpPr>
-          <p:cNvPr id="23" name="Retângulo 22">
-            <a:extLst>
-              <a:ext uri="{FF2B5EF4-FFF2-40B4-BE49-F238E27FC236}">
-                <a16:creationId xmlns:a16="http://schemas.microsoft.com/office/drawing/2014/main" id="{EC1D33F6-2704-4E01-A47B-A4D1E77519C2}"/>
-              </a:ext>
-            </a:extLst>
-          </p:cNvPr>
-          <p:cNvSpPr/>
-          <p:nvPr/>
-        </p:nvSpPr>
-        <p:spPr>
-          <a:xfrm>
-            <a:off x="1393858" y="4646268"/>
-            <a:ext cx="6486158" cy="2075007"/>
-          </a:xfrm>
-          <a:prstGeom prst="rect">
-            <a:avLst/>
-          </a:prstGeom>
-          <a:solidFill>
-            <a:schemeClr val="bg2"/>
-          </a:solidFill>
-          <a:ln>
-            <a:solidFill>
-              <a:schemeClr val="bg2"/>
-            </a:solidFill>
-          </a:ln>
-        </p:spPr>
-        <p:style>
-          <a:lnRef idx="2">
-            <a:schemeClr val="accent1">
-              <a:shade val="50000"/>
-            </a:schemeClr>
-          </a:lnRef>
-          <a:fillRef idx="1">
-            <a:schemeClr val="accent1"/>
-          </a:fillRef>
-          <a:effectRef idx="0">
-            <a:schemeClr val="accent1"/>
-          </a:effectRef>
-          <a:fontRef idx="minor">
-            <a:schemeClr val="lt1"/>
-          </a:fontRef>
-        </p:style>
-        <p:txBody>
-          <a:bodyPr rtlCol="0" anchor="ctr"/>
-          <a:lstStyle/>
-          <a:p>
-            <a:pPr algn="ctr"/>
-            <a:endParaRPr lang="pt-BR"/>
-          </a:p>
-        </p:txBody>
-      </p:sp>
-      <p:sp>
-        <p:nvSpPr>
-          <p:cNvPr id="24" name="Retângulo 23">
-            <a:extLst>
-              <a:ext uri="{FF2B5EF4-FFF2-40B4-BE49-F238E27FC236}">
-                <a16:creationId xmlns:a16="http://schemas.microsoft.com/office/drawing/2014/main" id="{953D079A-AA5F-4015-97DF-A43C040B5CC3}"/>
-              </a:ext>
-            </a:extLst>
-          </p:cNvPr>
-          <p:cNvSpPr/>
-          <p:nvPr/>
-        </p:nvSpPr>
-        <p:spPr>
-          <a:xfrm>
-            <a:off x="5363527" y="2775775"/>
-            <a:ext cx="390536" cy="203454"/>
-          </a:xfrm>
-          <a:prstGeom prst="rect">
-            <a:avLst/>
-          </a:prstGeom>
-          <a:solidFill>
-            <a:schemeClr val="bg2"/>
-          </a:solidFill>
-          <a:ln>
-            <a:solidFill>
-              <a:schemeClr val="bg2"/>
-            </a:solidFill>
-          </a:ln>
-        </p:spPr>
-        <p:style>
-          <a:lnRef idx="2">
-            <a:schemeClr val="accent1">
-              <a:shade val="50000"/>
-            </a:schemeClr>
-          </a:lnRef>
-          <a:fillRef idx="1">
-            <a:schemeClr val="accent1"/>
-          </a:fillRef>
-          <a:effectRef idx="0">
-            <a:schemeClr val="accent1"/>
-          </a:effectRef>
-          <a:fontRef idx="minor">
-            <a:schemeClr val="lt1"/>
-          </a:fontRef>
-        </p:style>
-        <p:txBody>
-          <a:bodyPr rtlCol="0" anchor="ctr"/>
-          <a:lstStyle/>
-          <a:p>
-            <a:pPr algn="ctr"/>
-            <a:endParaRPr lang="pt-BR"/>
-          </a:p>
-        </p:txBody>
-      </p:sp>
-      <p:pic>
-        <p:nvPicPr>
-          <p:cNvPr id="25" name="Imagem 24">
-            <a:extLst>
-              <a:ext uri="{FF2B5EF4-FFF2-40B4-BE49-F238E27FC236}">
-                <a16:creationId xmlns:a16="http://schemas.microsoft.com/office/drawing/2014/main" id="{AEDB7EED-94EE-4483-B0C8-40C576DE6F9D}"/>
-              </a:ext>
-            </a:extLst>
-          </p:cNvPr>
-          <p:cNvPicPr>
-            <a:picLocks noChangeAspect="1"/>
-          </p:cNvPicPr>
-          <p:nvPr/>
-        </p:nvPicPr>
-        <p:blipFill>
-          <a:blip r:embed="rId16"/>
-          <a:stretch>
-            <a:fillRect/>
-          </a:stretch>
-        </p:blipFill>
-        <p:spPr>
-          <a:xfrm>
-            <a:off x="9740158" y="6109652"/>
-            <a:ext cx="2312884" cy="482321"/>
-          </a:xfrm>
-          <a:prstGeom prst="rect">
-            <a:avLst/>
-          </a:prstGeom>
-        </p:spPr>
-      </p:pic>
+            <a:r>
+              <a:rPr lang="pt-BR" dirty="0"/>
+              <a:t>Fonte: Taís Larissa – CESUMAR (2010)</a:t>
+            </a:r>
+          </a:p>
+        </p:txBody>
+      </p:sp>
     </p:spTree>
     <p:extLst>
       <p:ext uri="{BB962C8B-B14F-4D97-AF65-F5344CB8AC3E}">
-        <p14:creationId xmlns:p14="http://schemas.microsoft.com/office/powerpoint/2010/main" val="642359476"/>
+        <p14:creationId xmlns:p14="http://schemas.microsoft.com/office/powerpoint/2010/main" val="1179164655"/>
       </p:ext>
     </p:extLst>
   </p:cSld>
   <p:clrMapOvr>
     <a:masterClrMapping/>
   </p:clrMapOvr>
-  <p:transition spd="slow">
-    <p:push dir="u"/>
+  <p:transition spd="med">
+    <p:pull/>
   </p:transition>
+  <p:timing>
+    <p:tnLst>
+      <p:par>
+        <p:cTn id="1" dur="indefinite" restart="never" nodeType="tmRoot"/>
+      </p:par>
+    </p:tnLst>
+  </p:timing>
 </p:sld>
 </file>
 
@@ -10540,30 +14004,41 @@
       </p:grpSpPr>
       <p:sp>
         <p:nvSpPr>
-          <p:cNvPr id="2" name="Título 1">
+          <p:cNvPr id="22" name="CaixaDeTexto 21">
             <a:extLst>
               <a:ext uri="{FF2B5EF4-FFF2-40B4-BE49-F238E27FC236}">
-                <a16:creationId xmlns:a16="http://schemas.microsoft.com/office/drawing/2014/main" id="{8C31434F-F5E5-4957-A030-E76CB2F323E7}"/>
+                <a16:creationId xmlns:a16="http://schemas.microsoft.com/office/drawing/2014/main" id="{902BE623-A1E3-4A07-AC2E-F76A6029298C}"/>
               </a:ext>
             </a:extLst>
           </p:cNvPr>
-          <p:cNvSpPr>
-            <a:spLocks noGrp="1"/>
-          </p:cNvSpPr>
-          <p:nvPr>
-            <p:ph type="title"/>
-          </p:nvPr>
-        </p:nvSpPr>
-        <p:spPr/>
-        <p:txBody>
-          <a:bodyPr/>
+          <p:cNvSpPr txBox="1"/>
+          <p:nvPr/>
+        </p:nvSpPr>
+        <p:spPr>
+          <a:xfrm>
+            <a:off x="1070909" y="2673256"/>
+            <a:ext cx="4761800" cy="1200329"/>
+          </a:xfrm>
+          <a:prstGeom prst="rect">
+            <a:avLst/>
+          </a:prstGeom>
+          <a:noFill/>
+        </p:spPr>
+        <p:txBody>
+          <a:bodyPr wrap="square" rtlCol="0">
+            <a:spAutoFit/>
+          </a:bodyPr>
           <a:lstStyle/>
           <a:p>
-            <a:pPr algn="ctr"/>
             <a:r>
-              <a:rPr lang="pt-BR" dirty="0"/>
-              <a:t>Tecnologias e Ferramentas Utilizadas</a:t>
+              <a:rPr lang="pt-BR" sz="7200" dirty="0" smtClean="0">
+                <a:latin typeface="+mj-lt"/>
+              </a:rPr>
+              <a:t>Justificativa </a:t>
             </a:r>
+            <a:endParaRPr lang="pt-BR" sz="7200" dirty="0">
+              <a:latin typeface="+mj-lt"/>
+            </a:endParaRPr>
           </a:p>
         </p:txBody>
       </p:sp>
@@ -10572,37 +14047,7 @@
           <p:cNvPr id="7" name="Imagem 6" descr="Uma imagem contendo kit de primeiros socorros, objeto&#10;&#10;Descrição gerada automaticamente">
             <a:extLst>
               <a:ext uri="{FF2B5EF4-FFF2-40B4-BE49-F238E27FC236}">
-                <a16:creationId xmlns:a16="http://schemas.microsoft.com/office/drawing/2014/main" id="{90B12A99-9D35-4890-BD5E-B7578258BE5E}"/>
-              </a:ext>
-            </a:extLst>
-          </p:cNvPr>
-          <p:cNvPicPr>
-            <a:picLocks noChangeAspect="1"/>
-          </p:cNvPicPr>
-          <p:nvPr/>
-        </p:nvPicPr>
-        <p:blipFill>
-          <a:blip r:embed="rId2"/>
-          <a:stretch>
-            <a:fillRect/>
-          </a:stretch>
-        </p:blipFill>
-        <p:spPr>
-          <a:xfrm>
-            <a:off x="4743498" y="1504546"/>
-            <a:ext cx="3280320" cy="1924454"/>
-          </a:xfrm>
-          <a:prstGeom prst="rect">
-            <a:avLst/>
-          </a:prstGeom>
-        </p:spPr>
-      </p:pic>
-      <p:pic>
-        <p:nvPicPr>
-          <p:cNvPr id="9" name="Imagem 8">
-            <a:extLst>
-              <a:ext uri="{FF2B5EF4-FFF2-40B4-BE49-F238E27FC236}">
-                <a16:creationId xmlns:a16="http://schemas.microsoft.com/office/drawing/2014/main" id="{DFDF8951-3F5C-47AC-8D19-380C37257EC7}"/>
+                <a16:creationId xmlns:a16="http://schemas.microsoft.com/office/drawing/2014/main" id="{9F2EE745-88E1-4E73-91B1-6CAE0C0A7BA5}"/>
               </a:ext>
             </a:extLst>
           </p:cNvPr>
@@ -10619,8 +14064,8 @@
         </p:blipFill>
         <p:spPr>
           <a:xfrm>
-            <a:off x="10146507" y="4675288"/>
-            <a:ext cx="1626394" cy="1927578"/>
+            <a:off x="5400723" y="2854643"/>
+            <a:ext cx="77930" cy="45719"/>
           </a:xfrm>
           <a:prstGeom prst="rect">
             <a:avLst/>
@@ -10629,10 +14074,10 @@
       </p:pic>
       <p:pic>
         <p:nvPicPr>
-          <p:cNvPr id="11" name="Imagem 10">
+          <p:cNvPr id="8" name="Imagem 7">
             <a:extLst>
               <a:ext uri="{FF2B5EF4-FFF2-40B4-BE49-F238E27FC236}">
-                <a16:creationId xmlns:a16="http://schemas.microsoft.com/office/drawing/2014/main" id="{7715635A-68C2-4CF3-A056-F955AF49E8C8}"/>
+                <a16:creationId xmlns:a16="http://schemas.microsoft.com/office/drawing/2014/main" id="{1F751F11-FC5E-48B7-9F3C-F5D2206C1216}"/>
               </a:ext>
             </a:extLst>
           </p:cNvPr>
@@ -10649,8 +14094,8 @@
         </p:blipFill>
         <p:spPr>
           <a:xfrm>
-            <a:off x="8440882" y="1480311"/>
-            <a:ext cx="2831591" cy="1734599"/>
+            <a:off x="10803732" y="6020043"/>
+            <a:ext cx="45719" cy="54185"/>
           </a:xfrm>
           <a:prstGeom prst="rect">
             <a:avLst/>
@@ -10659,10 +14104,10 @@
       </p:pic>
       <p:pic>
         <p:nvPicPr>
-          <p:cNvPr id="13" name="Imagem 12">
+          <p:cNvPr id="9" name="Imagem 8">
             <a:extLst>
               <a:ext uri="{FF2B5EF4-FFF2-40B4-BE49-F238E27FC236}">
-                <a16:creationId xmlns:a16="http://schemas.microsoft.com/office/drawing/2014/main" id="{43C2AD72-F574-4C9E-8D9F-FEF37CB793A1}"/>
+                <a16:creationId xmlns:a16="http://schemas.microsoft.com/office/drawing/2014/main" id="{6CBDF92B-009C-4005-A6BB-AAA3F599F914}"/>
               </a:ext>
             </a:extLst>
           </p:cNvPr>
@@ -10679,8 +14124,8 @@
         </p:blipFill>
         <p:spPr>
           <a:xfrm>
-            <a:off x="88863" y="1611433"/>
-            <a:ext cx="4361569" cy="1340505"/>
+            <a:off x="9098107" y="2640554"/>
+            <a:ext cx="74633" cy="45719"/>
           </a:xfrm>
           <a:prstGeom prst="rect">
             <a:avLst/>
@@ -10689,10 +14134,10 @@
       </p:pic>
       <p:pic>
         <p:nvPicPr>
-          <p:cNvPr id="15" name="Imagem 14">
+          <p:cNvPr id="10" name="Imagem 9">
             <a:extLst>
               <a:ext uri="{FF2B5EF4-FFF2-40B4-BE49-F238E27FC236}">
-                <a16:creationId xmlns:a16="http://schemas.microsoft.com/office/drawing/2014/main" id="{59EF7266-E820-496A-9841-3B14D7CC61DC}"/>
+                <a16:creationId xmlns:a16="http://schemas.microsoft.com/office/drawing/2014/main" id="{62DE481A-E7DE-4748-80E9-038D7A25C07A}"/>
               </a:ext>
             </a:extLst>
           </p:cNvPr>
@@ -10709,8 +14154,8 @@
         </p:blipFill>
         <p:spPr>
           <a:xfrm>
-            <a:off x="10413069" y="2854550"/>
-            <a:ext cx="1477130" cy="1471383"/>
+            <a:off x="746088" y="2377582"/>
+            <a:ext cx="148755" cy="45719"/>
           </a:xfrm>
           <a:prstGeom prst="rect">
             <a:avLst/>
@@ -10719,10 +14164,10 @@
       </p:pic>
       <p:pic>
         <p:nvPicPr>
-          <p:cNvPr id="17" name="Imagem 16" descr="Uma imagem contendo objeto&#10;&#10;Descrição gerada automaticamente">
+          <p:cNvPr id="11" name="Imagem 10">
             <a:extLst>
               <a:ext uri="{FF2B5EF4-FFF2-40B4-BE49-F238E27FC236}">
-                <a16:creationId xmlns:a16="http://schemas.microsoft.com/office/drawing/2014/main" id="{E609E85E-28F7-49E7-B22F-12B8E8B22B0C}"/>
+                <a16:creationId xmlns:a16="http://schemas.microsoft.com/office/drawing/2014/main" id="{6632E0F7-697B-40D4-BFDE-A954FAA1AF34}"/>
               </a:ext>
             </a:extLst>
           </p:cNvPr>
@@ -10739,8 +14184,8 @@
         </p:blipFill>
         <p:spPr>
           <a:xfrm>
-            <a:off x="6190255" y="5639077"/>
-            <a:ext cx="2976562" cy="860412"/>
+            <a:off x="11070294" y="3751577"/>
+            <a:ext cx="45898" cy="45719"/>
           </a:xfrm>
           <a:prstGeom prst="rect">
             <a:avLst/>
@@ -10749,10 +14194,10 @@
       </p:pic>
       <p:pic>
         <p:nvPicPr>
-          <p:cNvPr id="19" name="Imagem 18" descr="Uma imagem contendo objeto, kit de primeiros socorros&#10;&#10;Descrição gerada automaticamente">
+          <p:cNvPr id="12" name="Imagem 11" descr="Uma imagem contendo objeto&#10;&#10;Descrição gerada automaticamente">
             <a:extLst>
               <a:ext uri="{FF2B5EF4-FFF2-40B4-BE49-F238E27FC236}">
-                <a16:creationId xmlns:a16="http://schemas.microsoft.com/office/drawing/2014/main" id="{E6F56BA2-DF13-49E7-97B8-0C007DDC2B86}"/>
+                <a16:creationId xmlns:a16="http://schemas.microsoft.com/office/drawing/2014/main" id="{A5BD4CBC-243F-4E21-9359-2583706E0420}"/>
               </a:ext>
             </a:extLst>
           </p:cNvPr>
@@ -10769,8 +14214,8 @@
         </p:blipFill>
         <p:spPr>
           <a:xfrm>
-            <a:off x="8046498" y="3633363"/>
-            <a:ext cx="1729202" cy="1173387"/>
+            <a:off x="6847480" y="5925132"/>
+            <a:ext cx="158163" cy="45719"/>
           </a:xfrm>
           <a:prstGeom prst="rect">
             <a:avLst/>
@@ -10779,10 +14224,10 @@
       </p:pic>
       <p:pic>
         <p:nvPicPr>
-          <p:cNvPr id="21" name="Imagem 20" descr="Uma imagem contendo gráficos vetoriais&#10;&#10;Descrição gerada automaticamente">
+          <p:cNvPr id="13" name="Imagem 12" descr="Uma imagem contendo objeto, kit de primeiros socorros&#10;&#10;Descrição gerada automaticamente">
             <a:extLst>
               <a:ext uri="{FF2B5EF4-FFF2-40B4-BE49-F238E27FC236}">
-                <a16:creationId xmlns:a16="http://schemas.microsoft.com/office/drawing/2014/main" id="{F1A806DF-6158-4EF4-A561-6269A4524A12}"/>
+                <a16:creationId xmlns:a16="http://schemas.microsoft.com/office/drawing/2014/main" id="{839ABE05-5271-4677-8BEF-671EEA2E9B3C}"/>
               </a:ext>
             </a:extLst>
           </p:cNvPr>
@@ -10799,8 +14244,8 @@
         </p:blipFill>
         <p:spPr>
           <a:xfrm>
-            <a:off x="5226300" y="3498953"/>
-            <a:ext cx="2475688" cy="1721671"/>
+            <a:off x="8703723" y="4232394"/>
+            <a:ext cx="67375" cy="45719"/>
           </a:xfrm>
           <a:prstGeom prst="rect">
             <a:avLst/>
@@ -10809,10 +14254,10 @@
       </p:pic>
       <p:pic>
         <p:nvPicPr>
-          <p:cNvPr id="23" name="Imagem 22">
+          <p:cNvPr id="14" name="Imagem 13" descr="Uma imagem contendo gráficos vetoriais&#10;&#10;Descrição gerada automaticamente">
             <a:extLst>
               <a:ext uri="{FF2B5EF4-FFF2-40B4-BE49-F238E27FC236}">
-                <a16:creationId xmlns:a16="http://schemas.microsoft.com/office/drawing/2014/main" id="{A6C4C144-9229-4AF5-9AF0-BF6A5FA9923A}"/>
+                <a16:creationId xmlns:a16="http://schemas.microsoft.com/office/drawing/2014/main" id="{8BB7BDF5-B3FB-4ED2-87FD-9DBA98B52BBC}"/>
               </a:ext>
             </a:extLst>
           </p:cNvPr>
@@ -10829,8 +14274,8 @@
         </p:blipFill>
         <p:spPr>
           <a:xfrm>
-            <a:off x="301801" y="3361149"/>
-            <a:ext cx="2667000" cy="1089827"/>
+            <a:off x="5883525" y="4646268"/>
+            <a:ext cx="65742" cy="45719"/>
           </a:xfrm>
           <a:prstGeom prst="rect">
             <a:avLst/>
@@ -10839,10 +14284,10 @@
       </p:pic>
       <p:pic>
         <p:nvPicPr>
-          <p:cNvPr id="25" name="Imagem 24" descr="Uma imagem contendo relógio, objeto, verde, medidor&#10;&#10;Descrição gerada automaticamente">
+          <p:cNvPr id="16" name="Imagem 15" descr="Uma imagem contendo relógio, objeto, verde, medidor&#10;&#10;Descrição gerada automaticamente">
             <a:extLst>
               <a:ext uri="{FF2B5EF4-FFF2-40B4-BE49-F238E27FC236}">
-                <a16:creationId xmlns:a16="http://schemas.microsoft.com/office/drawing/2014/main" id="{46AA173A-F220-46A8-BBB7-92F7CA2D28D4}"/>
+                <a16:creationId xmlns:a16="http://schemas.microsoft.com/office/drawing/2014/main" id="{928529D5-18B2-4DAF-8DBD-7C26BEB77950}"/>
               </a:ext>
             </a:extLst>
           </p:cNvPr>
@@ -10859,126 +14304,462 @@
         </p:blipFill>
         <p:spPr>
           <a:xfrm>
-            <a:off x="3803595" y="5353454"/>
-            <a:ext cx="1609725" cy="1609725"/>
+            <a:off x="4460820" y="6388823"/>
+            <a:ext cx="45719" cy="45719"/>
           </a:xfrm>
           <a:prstGeom prst="rect">
             <a:avLst/>
           </a:prstGeom>
         </p:spPr>
       </p:pic>
+      <p:sp>
+        <p:nvSpPr>
+          <p:cNvPr id="20" name="Retângulo 19">
+            <a:extLst>
+              <a:ext uri="{FF2B5EF4-FFF2-40B4-BE49-F238E27FC236}">
+                <a16:creationId xmlns:a16="http://schemas.microsoft.com/office/drawing/2014/main" id="{953D079A-AA5F-4015-97DF-A43C040B5CC3}"/>
+              </a:ext>
+            </a:extLst>
+          </p:cNvPr>
+          <p:cNvSpPr/>
+          <p:nvPr/>
+        </p:nvSpPr>
+        <p:spPr>
+          <a:xfrm>
+            <a:off x="5363527" y="2775775"/>
+            <a:ext cx="390536" cy="203454"/>
+          </a:xfrm>
+          <a:prstGeom prst="rect">
+            <a:avLst/>
+          </a:prstGeom>
+          <a:solidFill>
+            <a:schemeClr val="bg2"/>
+          </a:solidFill>
+          <a:ln>
+            <a:solidFill>
+              <a:schemeClr val="bg2"/>
+            </a:solidFill>
+          </a:ln>
+        </p:spPr>
+        <p:style>
+          <a:lnRef idx="2">
+            <a:schemeClr val="accent1">
+              <a:shade val="50000"/>
+            </a:schemeClr>
+          </a:lnRef>
+          <a:fillRef idx="1">
+            <a:schemeClr val="accent1"/>
+          </a:fillRef>
+          <a:effectRef idx="0">
+            <a:schemeClr val="accent1"/>
+          </a:effectRef>
+          <a:fontRef idx="minor">
+            <a:schemeClr val="lt1"/>
+          </a:fontRef>
+        </p:style>
+        <p:txBody>
+          <a:bodyPr rtlCol="0" anchor="ctr"/>
+          <a:lstStyle/>
+          <a:p>
+            <a:pPr algn="ctr"/>
+            <a:endParaRPr lang="pt-BR"/>
+          </a:p>
+        </p:txBody>
+      </p:sp>
+      <p:sp>
+        <p:nvSpPr>
+          <p:cNvPr id="3" name="Retângulo 2"/>
+          <p:cNvSpPr/>
+          <p:nvPr/>
+        </p:nvSpPr>
+        <p:spPr>
+          <a:xfrm>
+            <a:off x="304800" y="1741714"/>
+            <a:ext cx="1281595" cy="1034061"/>
+          </a:xfrm>
+          <a:prstGeom prst="rect">
+            <a:avLst/>
+          </a:prstGeom>
+          <a:solidFill>
+            <a:srgbClr val="F9F9F9"/>
+          </a:solidFill>
+          <a:ln>
+            <a:solidFill>
+              <a:srgbClr val="F9F9F9"/>
+            </a:solidFill>
+          </a:ln>
+        </p:spPr>
+        <p:style>
+          <a:lnRef idx="2">
+            <a:schemeClr val="accent1">
+              <a:shade val="50000"/>
+            </a:schemeClr>
+          </a:lnRef>
+          <a:fillRef idx="1">
+            <a:schemeClr val="accent1"/>
+          </a:fillRef>
+          <a:effectRef idx="0">
+            <a:schemeClr val="accent1"/>
+          </a:effectRef>
+          <a:fontRef idx="minor">
+            <a:schemeClr val="lt1"/>
+          </a:fontRef>
+        </p:style>
+        <p:txBody>
+          <a:bodyPr rtlCol="0" anchor="ctr"/>
+          <a:lstStyle/>
+          <a:p>
+            <a:pPr algn="ctr"/>
+            <a:endParaRPr lang="pt-BR"/>
+          </a:p>
+        </p:txBody>
+      </p:sp>
+      <p:sp>
+        <p:nvSpPr>
+          <p:cNvPr id="4" name="Retângulo 3"/>
+          <p:cNvSpPr/>
+          <p:nvPr/>
+        </p:nvSpPr>
+        <p:spPr>
+          <a:xfrm>
+            <a:off x="5363527" y="4278113"/>
+            <a:ext cx="906644" cy="758344"/>
+          </a:xfrm>
+          <a:prstGeom prst="rect">
+            <a:avLst/>
+          </a:prstGeom>
+          <a:solidFill>
+            <a:srgbClr val="F9F9F9"/>
+          </a:solidFill>
+          <a:ln>
+            <a:solidFill>
+              <a:srgbClr val="F9F9F9"/>
+            </a:solidFill>
+          </a:ln>
+        </p:spPr>
+        <p:style>
+          <a:lnRef idx="2">
+            <a:schemeClr val="accent1">
+              <a:shade val="50000"/>
+            </a:schemeClr>
+          </a:lnRef>
+          <a:fillRef idx="1">
+            <a:schemeClr val="accent1"/>
+          </a:fillRef>
+          <a:effectRef idx="0">
+            <a:schemeClr val="accent1"/>
+          </a:effectRef>
+          <a:fontRef idx="minor">
+            <a:schemeClr val="lt1"/>
+          </a:fontRef>
+        </p:style>
+        <p:txBody>
+          <a:bodyPr rtlCol="0" anchor="ctr"/>
+          <a:lstStyle/>
+          <a:p>
+            <a:pPr algn="ctr"/>
+            <a:endParaRPr lang="pt-BR"/>
+          </a:p>
+        </p:txBody>
+      </p:sp>
+      <p:sp>
+        <p:nvSpPr>
+          <p:cNvPr id="26" name="Retângulo 25"/>
+          <p:cNvSpPr/>
+          <p:nvPr/>
+        </p:nvSpPr>
+        <p:spPr>
+          <a:xfrm>
+            <a:off x="3871935" y="5870948"/>
+            <a:ext cx="906644" cy="758344"/>
+          </a:xfrm>
+          <a:prstGeom prst="rect">
+            <a:avLst/>
+          </a:prstGeom>
+          <a:solidFill>
+            <a:srgbClr val="F9F9F9"/>
+          </a:solidFill>
+          <a:ln>
+            <a:solidFill>
+              <a:srgbClr val="F9F9F9"/>
+            </a:solidFill>
+          </a:ln>
+        </p:spPr>
+        <p:style>
+          <a:lnRef idx="2">
+            <a:schemeClr val="accent1">
+              <a:shade val="50000"/>
+            </a:schemeClr>
+          </a:lnRef>
+          <a:fillRef idx="1">
+            <a:schemeClr val="accent1"/>
+          </a:fillRef>
+          <a:effectRef idx="0">
+            <a:schemeClr val="accent1"/>
+          </a:effectRef>
+          <a:fontRef idx="minor">
+            <a:schemeClr val="lt1"/>
+          </a:fontRef>
+        </p:style>
+        <p:txBody>
+          <a:bodyPr rtlCol="0" anchor="ctr"/>
+          <a:lstStyle/>
+          <a:p>
+            <a:pPr algn="ctr"/>
+            <a:endParaRPr lang="pt-BR"/>
+          </a:p>
+        </p:txBody>
+      </p:sp>
+      <p:sp>
+        <p:nvSpPr>
+          <p:cNvPr id="5" name="Retângulo 4"/>
+          <p:cNvSpPr/>
+          <p:nvPr/>
+        </p:nvSpPr>
+        <p:spPr>
+          <a:xfrm>
+            <a:off x="6847479" y="5870948"/>
+            <a:ext cx="158163" cy="149095"/>
+          </a:xfrm>
+          <a:prstGeom prst="rect">
+            <a:avLst/>
+          </a:prstGeom>
+          <a:solidFill>
+            <a:srgbClr val="BFD8E7"/>
+          </a:solidFill>
+          <a:ln>
+            <a:solidFill>
+              <a:srgbClr val="BFD8E7"/>
+            </a:solidFill>
+          </a:ln>
+        </p:spPr>
+        <p:style>
+          <a:lnRef idx="2">
+            <a:schemeClr val="accent1">
+              <a:shade val="50000"/>
+            </a:schemeClr>
+          </a:lnRef>
+          <a:fillRef idx="1">
+            <a:schemeClr val="accent1"/>
+          </a:fillRef>
+          <a:effectRef idx="0">
+            <a:schemeClr val="accent1"/>
+          </a:effectRef>
+          <a:fontRef idx="minor">
+            <a:schemeClr val="lt1"/>
+          </a:fontRef>
+        </p:style>
+        <p:txBody>
+          <a:bodyPr rtlCol="0" anchor="ctr"/>
+          <a:lstStyle/>
+          <a:p>
+            <a:pPr algn="ctr"/>
+            <a:endParaRPr lang="pt-BR"/>
+          </a:p>
+        </p:txBody>
+      </p:sp>
+      <p:sp>
+        <p:nvSpPr>
+          <p:cNvPr id="6" name="Retângulo 5"/>
+          <p:cNvSpPr/>
+          <p:nvPr/>
+        </p:nvSpPr>
+        <p:spPr>
+          <a:xfrm>
+            <a:off x="8703723" y="4230001"/>
+            <a:ext cx="67375" cy="48112"/>
+          </a:xfrm>
+          <a:prstGeom prst="rect">
+            <a:avLst/>
+          </a:prstGeom>
+          <a:solidFill>
+            <a:srgbClr val="C3C9C9"/>
+          </a:solidFill>
+          <a:ln>
+            <a:solidFill>
+              <a:srgbClr val="C3C9C9"/>
+            </a:solidFill>
+          </a:ln>
+        </p:spPr>
+        <p:style>
+          <a:lnRef idx="2">
+            <a:schemeClr val="accent1">
+              <a:shade val="50000"/>
+            </a:schemeClr>
+          </a:lnRef>
+          <a:fillRef idx="1">
+            <a:schemeClr val="accent1"/>
+          </a:fillRef>
+          <a:effectRef idx="0">
+            <a:schemeClr val="accent1"/>
+          </a:effectRef>
+          <a:fontRef idx="minor">
+            <a:schemeClr val="lt1"/>
+          </a:fontRef>
+        </p:style>
+        <p:txBody>
+          <a:bodyPr rtlCol="0" anchor="ctr"/>
+          <a:lstStyle/>
+          <a:p>
+            <a:pPr algn="ctr"/>
+            <a:endParaRPr lang="pt-BR"/>
+          </a:p>
+        </p:txBody>
+      </p:sp>
+      <p:sp>
+        <p:nvSpPr>
+          <p:cNvPr id="27" name="Retângulo 26"/>
+          <p:cNvSpPr/>
+          <p:nvPr/>
+        </p:nvSpPr>
+        <p:spPr>
+          <a:xfrm>
+            <a:off x="10981155" y="3716380"/>
+            <a:ext cx="178277" cy="137520"/>
+          </a:xfrm>
+          <a:prstGeom prst="rect">
+            <a:avLst/>
+          </a:prstGeom>
+          <a:solidFill>
+            <a:srgbClr val="EAEBEF"/>
+          </a:solidFill>
+          <a:ln>
+            <a:solidFill>
+              <a:srgbClr val="EAEBEF"/>
+            </a:solidFill>
+          </a:ln>
+        </p:spPr>
+        <p:style>
+          <a:lnRef idx="2">
+            <a:schemeClr val="accent1">
+              <a:shade val="50000"/>
+            </a:schemeClr>
+          </a:lnRef>
+          <a:fillRef idx="1">
+            <a:schemeClr val="accent1"/>
+          </a:fillRef>
+          <a:effectRef idx="0">
+            <a:schemeClr val="accent1"/>
+          </a:effectRef>
+          <a:fontRef idx="minor">
+            <a:schemeClr val="lt1"/>
+          </a:fontRef>
+        </p:style>
+        <p:txBody>
+          <a:bodyPr rtlCol="0" anchor="ctr"/>
+          <a:lstStyle/>
+          <a:p>
+            <a:pPr algn="ctr"/>
+            <a:endParaRPr lang="pt-BR"/>
+          </a:p>
+        </p:txBody>
+      </p:sp>
+      <p:sp>
+        <p:nvSpPr>
+          <p:cNvPr id="28" name="Retângulo 27"/>
+          <p:cNvSpPr/>
+          <p:nvPr/>
+        </p:nvSpPr>
+        <p:spPr>
+          <a:xfrm>
+            <a:off x="10803732" y="5925132"/>
+            <a:ext cx="45719" cy="149096"/>
+          </a:xfrm>
+          <a:prstGeom prst="rect">
+            <a:avLst/>
+          </a:prstGeom>
+          <a:solidFill>
+            <a:srgbClr val="EDEEF0"/>
+          </a:solidFill>
+          <a:ln>
+            <a:solidFill>
+              <a:srgbClr val="ECEDEF"/>
+            </a:solidFill>
+          </a:ln>
+        </p:spPr>
+        <p:style>
+          <a:lnRef idx="2">
+            <a:schemeClr val="accent1">
+              <a:shade val="50000"/>
+            </a:schemeClr>
+          </a:lnRef>
+          <a:fillRef idx="1">
+            <a:schemeClr val="accent1"/>
+          </a:fillRef>
+          <a:effectRef idx="0">
+            <a:schemeClr val="accent1"/>
+          </a:effectRef>
+          <a:fontRef idx="minor">
+            <a:schemeClr val="lt1"/>
+          </a:fontRef>
+        </p:style>
+        <p:txBody>
+          <a:bodyPr rtlCol="0" anchor="ctr"/>
+          <a:lstStyle/>
+          <a:p>
+            <a:pPr algn="ctr"/>
+            <a:endParaRPr lang="pt-BR"/>
+          </a:p>
+        </p:txBody>
+      </p:sp>
       <p:pic>
         <p:nvPicPr>
-          <p:cNvPr id="27" name="Imagem 26">
+          <p:cNvPr id="21" name="Espaço Reservado para Imagem 20">
             <a:extLst>
               <a:ext uri="{FF2B5EF4-FFF2-40B4-BE49-F238E27FC236}">
-                <a16:creationId xmlns:a16="http://schemas.microsoft.com/office/drawing/2014/main" id="{EEB3AB1F-1543-44D3-8D87-B239633E7547}"/>
+                <a16:creationId xmlns:a16="http://schemas.microsoft.com/office/drawing/2014/main" id="{B00D77EA-B76F-407C-B39A-DD5CADCB8884}"/>
               </a:ext>
             </a:extLst>
           </p:cNvPr>
           <p:cNvPicPr>
-            <a:picLocks noChangeAspect="1"/>
+            <a:picLocks noGrp="1" noChangeAspect="1"/>
           </p:cNvPicPr>
-          <p:nvPr/>
+          <p:nvPr>
+            <p:ph type="pic" sz="quarter" idx="10"/>
+          </p:nvPr>
         </p:nvPicPr>
         <p:blipFill>
           <a:blip r:embed="rId12"/>
+          <a:srcRect l="14533" r="14533"/>
           <a:stretch>
             <a:fillRect/>
           </a:stretch>
         </p:blipFill>
         <p:spPr>
           <a:xfrm>
-            <a:off x="3464463" y="3418133"/>
-            <a:ext cx="1340505" cy="1340505"/>
-          </a:xfrm>
-          <a:prstGeom prst="rect">
-            <a:avLst/>
-          </a:prstGeom>
-        </p:spPr>
-      </p:pic>
-      <p:pic>
-        <p:nvPicPr>
-          <p:cNvPr id="29" name="Imagem 28">
-            <a:extLst>
-              <a:ext uri="{FF2B5EF4-FFF2-40B4-BE49-F238E27FC236}">
-                <a16:creationId xmlns:a16="http://schemas.microsoft.com/office/drawing/2014/main" id="{CF65B9C5-1452-48DB-BDB3-F02525284182}"/>
-              </a:ext>
-            </a:extLst>
-          </p:cNvPr>
-          <p:cNvPicPr>
-            <a:picLocks noChangeAspect="1"/>
-          </p:cNvPicPr>
-          <p:nvPr/>
-        </p:nvPicPr>
-        <p:blipFill>
-          <a:blip r:embed="rId13"/>
-          <a:stretch>
-            <a:fillRect/>
-          </a:stretch>
-        </p:blipFill>
-        <p:spPr>
-          <a:xfrm>
-            <a:off x="883451" y="4649124"/>
-            <a:ext cx="1143000" cy="1143000"/>
-          </a:xfrm>
-          <a:prstGeom prst="rect">
-            <a:avLst/>
-          </a:prstGeom>
-        </p:spPr>
-      </p:pic>
-      <p:pic>
-        <p:nvPicPr>
-          <p:cNvPr id="31" name="Imagem 30">
-            <a:extLst>
-              <a:ext uri="{FF2B5EF4-FFF2-40B4-BE49-F238E27FC236}">
-                <a16:creationId xmlns:a16="http://schemas.microsoft.com/office/drawing/2014/main" id="{C59CB842-2ACA-4CAB-A11B-11F4745547AB}"/>
-              </a:ext>
-            </a:extLst>
-          </p:cNvPr>
-          <p:cNvPicPr>
-            <a:picLocks noChangeAspect="1"/>
-          </p:cNvPicPr>
-          <p:nvPr/>
-        </p:nvPicPr>
-        <p:blipFill>
-          <a:blip r:embed="rId14"/>
-          <a:stretch>
-            <a:fillRect/>
-          </a:stretch>
-        </p:blipFill>
-        <p:spPr>
-          <a:xfrm>
-            <a:off x="190500" y="5821150"/>
-            <a:ext cx="2528903" cy="1036850"/>
-          </a:xfrm>
-          <a:prstGeom prst="rect">
-            <a:avLst/>
-          </a:prstGeom>
+            <a:off x="6743703" y="16926"/>
+            <a:ext cx="5448297" cy="6858000"/>
+          </a:xfrm>
+          <a:solidFill>
+            <a:srgbClr val="EAEBEF"/>
+          </a:solidFill>
+          <a:ln>
+            <a:solidFill>
+              <a:srgbClr val="EAEBEF"/>
+            </a:solidFill>
+          </a:ln>
         </p:spPr>
       </p:pic>
     </p:spTree>
     <p:extLst>
       <p:ext uri="{BB962C8B-B14F-4D97-AF65-F5344CB8AC3E}">
-        <p14:creationId xmlns:p14="http://schemas.microsoft.com/office/powerpoint/2010/main" val="399739138"/>
+        <p14:creationId xmlns:p14="http://schemas.microsoft.com/office/powerpoint/2010/main" val="2223677065"/>
       </p:ext>
     </p:extLst>
   </p:cSld>
   <p:clrMapOvr>
     <a:masterClrMapping/>
   </p:clrMapOvr>
-  <mc:AlternateContent xmlns:mc="http://schemas.openxmlformats.org/markup-compatibility/2006" xmlns:p159="http://schemas.microsoft.com/office/powerpoint/2015/09/main">
-    <mc:Choice Requires="p159">
-      <p:transition xmlns:p14="http://schemas.microsoft.com/office/powerpoint/2010/main" spd="slow" p14:dur="2000">
-        <p159:morph option="byObject"/>
-      </p:transition>
-    </mc:Choice>
-    <mc:Fallback xmlns="">
-      <p:transition spd="slow">
-        <p:fade/>
-      </p:transition>
-    </mc:Fallback>
-  </mc:AlternateContent>
+  <p:transition spd="slow">
+    <p:push dir="u"/>
+  </p:transition>
+  <p:timing>
+    <p:tnLst>
+      <p:par>
+        <p:cTn id="1" dur="indefinite" restart="never" nodeType="tmRoot"/>
+      </p:par>
+    </p:tnLst>
+  </p:timing>
 </p:sld>
 </file>
 
@@ -11020,20 +14801,19 @@
           <a:bodyPr/>
           <a:lstStyle/>
           <a:p>
-            <a:pPr algn="ctr"/>
             <a:r>
               <a:rPr lang="pt-BR" dirty="0"/>
-              <a:t>Desenho de Solução</a:t>
+              <a:t>Projeto</a:t>
             </a:r>
           </a:p>
         </p:txBody>
       </p:sp>
       <p:pic>
         <p:nvPicPr>
-          <p:cNvPr id="3" name="Imagem 2">
+          <p:cNvPr id="25" name="Imagem 24">
             <a:extLst>
               <a:ext uri="{FF2B5EF4-FFF2-40B4-BE49-F238E27FC236}">
-                <a16:creationId xmlns:a16="http://schemas.microsoft.com/office/drawing/2014/main" id="{09A6DB44-D341-477A-BF57-831D3715C356}"/>
+                <a16:creationId xmlns:a16="http://schemas.microsoft.com/office/drawing/2014/main" id="{AEDB7EED-94EE-4483-B0C8-40C576DE6F9D}"/>
               </a:ext>
             </a:extLst>
           </p:cNvPr>
@@ -11042,25 +14822,297 @@
           </p:cNvPicPr>
           <p:nvPr/>
         </p:nvPicPr>
-        <p:blipFill rotWithShape="1">
+        <p:blipFill>
           <a:blip r:embed="rId2"/>
-          <a:srcRect l="30412"/>
-          <a:stretch/>
+          <a:stretch>
+            <a:fillRect/>
+          </a:stretch>
         </p:blipFill>
         <p:spPr>
           <a:xfrm>
-            <a:off x="4643437" y="1543078"/>
-            <a:ext cx="2643188" cy="5314922"/>
+            <a:off x="9740158" y="6109652"/>
+            <a:ext cx="2312884" cy="482321"/>
           </a:xfrm>
           <a:prstGeom prst="rect">
             <a:avLst/>
           </a:prstGeom>
         </p:spPr>
       </p:pic>
+      <p:sp>
+        <p:nvSpPr>
+          <p:cNvPr id="27" name="Espaço Reservado para Conteúdo 2">
+            <a:extLst>
+              <a:ext uri="{FF2B5EF4-FFF2-40B4-BE49-F238E27FC236}">
+                <a16:creationId xmlns:a16="http://schemas.microsoft.com/office/drawing/2014/main" id="{B57B8BE6-C298-4F45-A38D-0B98FAC14530}"/>
+              </a:ext>
+            </a:extLst>
+          </p:cNvPr>
+          <p:cNvSpPr txBox="1">
+            <a:spLocks/>
+          </p:cNvSpPr>
+          <p:nvPr/>
+        </p:nvSpPr>
+        <p:spPr>
+          <a:xfrm>
+            <a:off x="1248251" y="2700385"/>
+            <a:ext cx="9601200" cy="3319658"/>
+          </a:xfrm>
+          <a:prstGeom prst="rect">
+            <a:avLst/>
+          </a:prstGeom>
+        </p:spPr>
+        <p:txBody>
+          <a:bodyPr vert="horz" lIns="91440" tIns="45720" rIns="91440" bIns="45720" rtlCol="0">
+            <a:normAutofit/>
+          </a:bodyPr>
+          <a:lstStyle>
+            <a:lvl1pPr marL="0" indent="0" algn="l" defTabSz="914400" rtl="0" eaLnBrk="1" latinLnBrk="0" hangingPunct="1">
+              <a:lnSpc>
+                <a:spcPct val="90000"/>
+              </a:lnSpc>
+              <a:spcBef>
+                <a:spcPts val="1800"/>
+              </a:spcBef>
+              <a:buFont typeface="Arial" panose="020B0604020202020204" pitchFamily="34" charset="0"/>
+              <a:buNone/>
+              <a:defRPr sz="2400" kern="1200">
+                <a:solidFill>
+                  <a:schemeClr val="tx1"/>
+                </a:solidFill>
+                <a:latin typeface="+mn-lt"/>
+                <a:ea typeface="+mn-ea"/>
+                <a:cs typeface="+mn-cs"/>
+              </a:defRPr>
+            </a:lvl1pPr>
+            <a:lvl2pPr marL="457200" indent="0" algn="ctr" defTabSz="914400" rtl="0" eaLnBrk="1" latinLnBrk="0" hangingPunct="1">
+              <a:lnSpc>
+                <a:spcPct val="90000"/>
+              </a:lnSpc>
+              <a:spcBef>
+                <a:spcPts val="1000"/>
+              </a:spcBef>
+              <a:buFont typeface="Arial" panose="020B0604020202020204" pitchFamily="34" charset="0"/>
+              <a:buNone/>
+              <a:defRPr sz="2000" kern="1200">
+                <a:solidFill>
+                  <a:schemeClr val="tx1"/>
+                </a:solidFill>
+                <a:latin typeface="+mn-lt"/>
+                <a:ea typeface="+mn-ea"/>
+                <a:cs typeface="+mn-cs"/>
+              </a:defRPr>
+            </a:lvl2pPr>
+            <a:lvl3pPr marL="914400" indent="0" algn="ctr" defTabSz="914400" rtl="0" eaLnBrk="1" latinLnBrk="0" hangingPunct="1">
+              <a:lnSpc>
+                <a:spcPct val="90000"/>
+              </a:lnSpc>
+              <a:spcBef>
+                <a:spcPts val="800"/>
+              </a:spcBef>
+              <a:buFont typeface="Arial" panose="020B0604020202020204" pitchFamily="34" charset="0"/>
+              <a:buNone/>
+              <a:defRPr sz="1800" kern="1200">
+                <a:solidFill>
+                  <a:schemeClr val="tx1"/>
+                </a:solidFill>
+                <a:latin typeface="+mn-lt"/>
+                <a:ea typeface="+mn-ea"/>
+                <a:cs typeface="+mn-cs"/>
+              </a:defRPr>
+            </a:lvl3pPr>
+            <a:lvl4pPr marL="1371600" indent="0" algn="ctr" defTabSz="914400" rtl="0" eaLnBrk="1" latinLnBrk="0" hangingPunct="1">
+              <a:lnSpc>
+                <a:spcPct val="90000"/>
+              </a:lnSpc>
+              <a:spcBef>
+                <a:spcPts val="800"/>
+              </a:spcBef>
+              <a:buFont typeface="Arial" panose="020B0604020202020204" pitchFamily="34" charset="0"/>
+              <a:buNone/>
+              <a:defRPr sz="1600" kern="1200">
+                <a:solidFill>
+                  <a:schemeClr val="tx1"/>
+                </a:solidFill>
+                <a:latin typeface="+mn-lt"/>
+                <a:ea typeface="+mn-ea"/>
+                <a:cs typeface="+mn-cs"/>
+              </a:defRPr>
+            </a:lvl4pPr>
+            <a:lvl5pPr marL="1828800" indent="0" algn="ctr" defTabSz="914400" rtl="0" eaLnBrk="1" latinLnBrk="0" hangingPunct="1">
+              <a:lnSpc>
+                <a:spcPct val="90000"/>
+              </a:lnSpc>
+              <a:spcBef>
+                <a:spcPts val="800"/>
+              </a:spcBef>
+              <a:buFont typeface="Arial" panose="020B0604020202020204" pitchFamily="34" charset="0"/>
+              <a:buNone/>
+              <a:defRPr sz="1600" kern="1200">
+                <a:solidFill>
+                  <a:schemeClr val="tx1"/>
+                </a:solidFill>
+                <a:latin typeface="+mn-lt"/>
+                <a:ea typeface="+mn-ea"/>
+                <a:cs typeface="+mn-cs"/>
+              </a:defRPr>
+            </a:lvl5pPr>
+            <a:lvl6pPr marL="2286000" indent="0" algn="ctr" defTabSz="914400" rtl="0" eaLnBrk="1" latinLnBrk="0" hangingPunct="1">
+              <a:lnSpc>
+                <a:spcPct val="90000"/>
+              </a:lnSpc>
+              <a:spcBef>
+                <a:spcPts val="800"/>
+              </a:spcBef>
+              <a:buFont typeface="Arial" panose="020B0604020202020204" pitchFamily="34" charset="0"/>
+              <a:buNone/>
+              <a:defRPr sz="1600" kern="1200">
+                <a:solidFill>
+                  <a:schemeClr val="tx1"/>
+                </a:solidFill>
+                <a:latin typeface="+mn-lt"/>
+                <a:ea typeface="+mn-ea"/>
+                <a:cs typeface="+mn-cs"/>
+              </a:defRPr>
+            </a:lvl6pPr>
+            <a:lvl7pPr marL="2743200" indent="0" algn="ctr" defTabSz="914400" rtl="0" eaLnBrk="1" latinLnBrk="0" hangingPunct="1">
+              <a:lnSpc>
+                <a:spcPct val="90000"/>
+              </a:lnSpc>
+              <a:spcBef>
+                <a:spcPts val="800"/>
+              </a:spcBef>
+              <a:buFont typeface="Arial" panose="020B0604020202020204" pitchFamily="34" charset="0"/>
+              <a:buNone/>
+              <a:defRPr sz="1600" kern="1200">
+                <a:solidFill>
+                  <a:schemeClr val="tx1"/>
+                </a:solidFill>
+                <a:latin typeface="+mn-lt"/>
+                <a:ea typeface="+mn-ea"/>
+                <a:cs typeface="+mn-cs"/>
+              </a:defRPr>
+            </a:lvl7pPr>
+            <a:lvl8pPr marL="3200400" indent="0" algn="ctr" defTabSz="914400" rtl="0" eaLnBrk="1" latinLnBrk="0" hangingPunct="1">
+              <a:lnSpc>
+                <a:spcPct val="90000"/>
+              </a:lnSpc>
+              <a:spcBef>
+                <a:spcPts val="800"/>
+              </a:spcBef>
+              <a:buFont typeface="Arial" panose="020B0604020202020204" pitchFamily="34" charset="0"/>
+              <a:buNone/>
+              <a:defRPr sz="1600" kern="1200">
+                <a:solidFill>
+                  <a:schemeClr val="tx1"/>
+                </a:solidFill>
+                <a:latin typeface="+mn-lt"/>
+                <a:ea typeface="+mn-ea"/>
+                <a:cs typeface="+mn-cs"/>
+              </a:defRPr>
+            </a:lvl8pPr>
+            <a:lvl9pPr marL="3657600" indent="0" algn="ctr" defTabSz="914400" rtl="0" eaLnBrk="1" latinLnBrk="0" hangingPunct="1">
+              <a:lnSpc>
+                <a:spcPct val="90000"/>
+              </a:lnSpc>
+              <a:spcBef>
+                <a:spcPts val="800"/>
+              </a:spcBef>
+              <a:buFont typeface="Arial" panose="020B0604020202020204" pitchFamily="34" charset="0"/>
+              <a:buNone/>
+              <a:defRPr sz="1600" kern="1200">
+                <a:solidFill>
+                  <a:schemeClr val="tx1"/>
+                </a:solidFill>
+                <a:latin typeface="+mn-lt"/>
+                <a:ea typeface="+mn-ea"/>
+                <a:cs typeface="+mn-cs"/>
+              </a:defRPr>
+            </a:lvl9pPr>
+          </a:lstStyle>
+          <a:p>
+            <a:pPr>
+              <a:buFont typeface="Arial" panose="020B0604020202020204" pitchFamily="34" charset="0"/>
+              <a:buBlip>
+                <a:blip r:embed="rId3"/>
+              </a:buBlip>
+            </a:pPr>
+            <a:r>
+              <a:rPr lang="pt-BR" dirty="0" smtClean="0"/>
+              <a:t> Adequação às normas.</a:t>
+            </a:r>
+          </a:p>
+          <a:p>
+            <a:pPr>
+              <a:buFont typeface="Arial" panose="020B0604020202020204" pitchFamily="34" charset="0"/>
+              <a:buBlip>
+                <a:blip r:embed="rId3"/>
+              </a:buBlip>
+            </a:pPr>
+            <a:r>
+              <a:rPr lang="pt-BR" dirty="0" smtClean="0"/>
+              <a:t> Monitoramento constante, seguro e automatizado. </a:t>
+            </a:r>
+          </a:p>
+          <a:p>
+            <a:pPr>
+              <a:buFont typeface="Arial" panose="020B0604020202020204" pitchFamily="34" charset="0"/>
+              <a:buBlip>
+                <a:blip r:embed="rId3"/>
+              </a:buBlip>
+            </a:pPr>
+            <a:r>
+              <a:rPr lang="pt-BR" dirty="0" smtClean="0"/>
+              <a:t> Economia de energia e tempo.</a:t>
+            </a:r>
+          </a:p>
+          <a:p>
+            <a:pPr>
+              <a:buFont typeface="Arial" panose="020B0604020202020204" pitchFamily="34" charset="0"/>
+              <a:buBlip>
+                <a:blip r:embed="rId3"/>
+              </a:buBlip>
+            </a:pPr>
+            <a:r>
+              <a:rPr lang="pt-BR" dirty="0" smtClean="0"/>
+              <a:t> Como funciona.</a:t>
+            </a:r>
+          </a:p>
+          <a:p>
+            <a:pPr>
+              <a:buFont typeface="Arial" panose="020B0604020202020204" pitchFamily="34" charset="0"/>
+              <a:buBlip>
+                <a:blip r:embed="rId3"/>
+              </a:buBlip>
+            </a:pPr>
+            <a:r>
+              <a:rPr lang="pt-BR" dirty="0" smtClean="0"/>
+              <a:t> Tecnologias e ferramentas utilizadas.</a:t>
+            </a:r>
+          </a:p>
+          <a:p>
+            <a:pPr>
+              <a:buFont typeface="Arial" panose="020B0604020202020204" pitchFamily="34" charset="0"/>
+              <a:buBlip>
+                <a:blip r:embed="rId3"/>
+              </a:buBlip>
+            </a:pPr>
+            <a:endParaRPr lang="pt-BR" dirty="0" smtClean="0"/>
+          </a:p>
+          <a:p>
+            <a:pPr>
+              <a:buFont typeface="Arial" panose="020B0604020202020204" pitchFamily="34" charset="0"/>
+              <a:buBlip>
+                <a:blip r:embed="rId3"/>
+              </a:buBlip>
+            </a:pPr>
+            <a:endParaRPr lang="pt-BR" dirty="0"/>
+          </a:p>
+        </p:txBody>
+      </p:sp>
     </p:spTree>
     <p:extLst>
       <p:ext uri="{BB962C8B-B14F-4D97-AF65-F5344CB8AC3E}">
-        <p14:creationId xmlns:p14="http://schemas.microsoft.com/office/powerpoint/2010/main" val="3260387452"/>
+        <p14:creationId xmlns:p14="http://schemas.microsoft.com/office/powerpoint/2010/main" val="642359476"/>
       </p:ext>
     </p:extLst>
   </p:cSld>
@@ -11070,6 +15122,13 @@
   <p:transition spd="slow">
     <p:push dir="u"/>
   </p:transition>
+  <p:timing>
+    <p:tnLst>
+      <p:par>
+        <p:cTn id="1" dur="indefinite" restart="never" nodeType="tmRoot"/>
+      </p:par>
+    </p:tnLst>
+  </p:timing>
 </p:sld>
 </file>
 

--- a/documentacao/PowerPoint.pptx
+++ b/documentacao/PowerPoint.pptx
@@ -5,10 +5,10 @@
     <p:sldMasterId id="2147483648" r:id="rId1"/>
   </p:sldMasterIdLst>
   <p:notesMasterIdLst>
-    <p:notesMasterId r:id="rId23"/>
+    <p:notesMasterId r:id="rId29"/>
   </p:notesMasterIdLst>
   <p:handoutMasterIdLst>
-    <p:handoutMasterId r:id="rId24"/>
+    <p:handoutMasterId r:id="rId30"/>
   </p:handoutMasterIdLst>
   <p:sldIdLst>
     <p:sldId id="257" r:id="rId2"/>
@@ -27,11 +27,17 @@
     <p:sldId id="277" r:id="rId15"/>
     <p:sldId id="284" r:id="rId16"/>
     <p:sldId id="279" r:id="rId17"/>
-    <p:sldId id="278" r:id="rId18"/>
-    <p:sldId id="274" r:id="rId19"/>
-    <p:sldId id="285" r:id="rId20"/>
-    <p:sldId id="286" r:id="rId21"/>
-    <p:sldId id="266" r:id="rId22"/>
+    <p:sldId id="291" r:id="rId18"/>
+    <p:sldId id="290" r:id="rId19"/>
+    <p:sldId id="288" r:id="rId20"/>
+    <p:sldId id="289" r:id="rId21"/>
+    <p:sldId id="292" r:id="rId22"/>
+    <p:sldId id="293" r:id="rId23"/>
+    <p:sldId id="278" r:id="rId24"/>
+    <p:sldId id="274" r:id="rId25"/>
+    <p:sldId id="285" r:id="rId26"/>
+    <p:sldId id="286" r:id="rId27"/>
+    <p:sldId id="266" r:id="rId28"/>
   </p:sldIdLst>
   <p:sldSz cx="12192000" cy="6858000"/>
   <p:notesSz cx="6858000" cy="9144000"/>
@@ -333,9 +339,7 @@
               <c:showPercent val="0"/>
               <c:showBubbleSize val="0"/>
               <c:extLst>
-                <c:ext xmlns:c15="http://schemas.microsoft.com/office/drawing/2012/chart" uri="{CE6537A1-D6FC-4f65-9D91-7224C49458BB}">
-                  <c15:layout/>
-                </c:ext>
+                <c:ext xmlns:c15="http://schemas.microsoft.com/office/drawing/2012/chart" uri="{CE6537A1-D6FC-4f65-9D91-7224C49458BB}"/>
                 <c:ext xmlns:c16="http://schemas.microsoft.com/office/drawing/2014/chart" uri="{C3380CC4-5D6E-409C-BE32-E72D297353CC}">
                   <c16:uniqueId val="{00000003-749E-4529-A1A6-5419C5DD7C65}"/>
                 </c:ext>
@@ -356,9 +360,7 @@
               <c:showPercent val="0"/>
               <c:showBubbleSize val="0"/>
               <c:extLst>
-                <c:ext xmlns:c15="http://schemas.microsoft.com/office/drawing/2012/chart" uri="{CE6537A1-D6FC-4f65-9D91-7224C49458BB}">
-                  <c15:layout/>
-                </c:ext>
+                <c:ext xmlns:c15="http://schemas.microsoft.com/office/drawing/2012/chart" uri="{CE6537A1-D6FC-4f65-9D91-7224C49458BB}"/>
                 <c:ext xmlns:c16="http://schemas.microsoft.com/office/drawing/2014/chart" uri="{C3380CC4-5D6E-409C-BE32-E72D297353CC}">
                   <c16:uniqueId val="{00000005-749E-4529-A1A6-5419C5DD7C65}"/>
                 </c:ext>
@@ -379,9 +381,7 @@
               <c:showPercent val="0"/>
               <c:showBubbleSize val="0"/>
               <c:extLst>
-                <c:ext xmlns:c15="http://schemas.microsoft.com/office/drawing/2012/chart" uri="{CE6537A1-D6FC-4f65-9D91-7224C49458BB}">
-                  <c15:layout/>
-                </c:ext>
+                <c:ext xmlns:c15="http://schemas.microsoft.com/office/drawing/2012/chart" uri="{CE6537A1-D6FC-4f65-9D91-7224C49458BB}"/>
                 <c:ext xmlns:c16="http://schemas.microsoft.com/office/drawing/2014/chart" uri="{C3380CC4-5D6E-409C-BE32-E72D297353CC}">
                   <c16:uniqueId val="{0000000C-0D5B-4790-9681-FF0CECD76294}"/>
                 </c:ext>
@@ -395,30 +395,6 @@
                   <c:y val="-1.4619883040935672E-2"/>
                 </c:manualLayout>
               </c:layout>
-              <c:spPr>
-                <a:noFill/>
-                <a:ln>
-                  <a:noFill/>
-                </a:ln>
-                <a:effectLst/>
-              </c:spPr>
-              <c:txPr>
-                <a:bodyPr rot="0" spcFirstLastPara="1" vertOverflow="ellipsis" vert="horz" wrap="square" anchor="ctr" anchorCtr="1"/>
-                <a:lstStyle/>
-                <a:p>
-                  <a:pPr>
-                    <a:defRPr sz="2000" b="1" i="0" u="none" strike="noStrike" kern="1200" baseline="0">
-                      <a:solidFill>
-                        <a:schemeClr val="tx2"/>
-                      </a:solidFill>
-                      <a:latin typeface="+mn-lt"/>
-                      <a:ea typeface="+mn-ea"/>
-                      <a:cs typeface="+mn-cs"/>
-                    </a:defRPr>
-                  </a:pPr>
-                  <a:endParaRPr lang="pt-BR"/>
-                </a:p>
-              </c:txPr>
               <c:showLegendKey val="0"/>
               <c:showVal val="1"/>
               <c:showCatName val="0"/>
@@ -426,9 +402,7 @@
               <c:showPercent val="0"/>
               <c:showBubbleSize val="0"/>
               <c:extLst>
-                <c:ext xmlns:c15="http://schemas.microsoft.com/office/drawing/2012/chart" uri="{CE6537A1-D6FC-4f65-9D91-7224C49458BB}">
-                  <c15:layout/>
-                </c:ext>
+                <c:ext xmlns:c15="http://schemas.microsoft.com/office/drawing/2012/chart" uri="{CE6537A1-D6FC-4f65-9D91-7224C49458BB}"/>
                 <c:ext xmlns:c16="http://schemas.microsoft.com/office/drawing/2014/chart" uri="{C3380CC4-5D6E-409C-BE32-E72D297353CC}">
                   <c16:uniqueId val="{0000000F-0D5B-4790-9681-FF0CECD76294}"/>
                 </c:ext>
@@ -449,9 +423,7 @@
               <c:showPercent val="0"/>
               <c:showBubbleSize val="0"/>
               <c:extLst>
-                <c:ext xmlns:c15="http://schemas.microsoft.com/office/drawing/2012/chart" uri="{CE6537A1-D6FC-4f65-9D91-7224C49458BB}">
-                  <c15:layout/>
-                </c:ext>
+                <c:ext xmlns:c15="http://schemas.microsoft.com/office/drawing/2012/chart" uri="{CE6537A1-D6FC-4f65-9D91-7224C49458BB}"/>
                 <c:ext xmlns:c16="http://schemas.microsoft.com/office/drawing/2014/chart" uri="{C3380CC4-5D6E-409C-BE32-E72D297353CC}">
                   <c16:uniqueId val="{0000000D-0D5B-4790-9681-FF0CECD76294}"/>
                 </c:ext>
@@ -472,9 +444,7 @@
               <c:showPercent val="0"/>
               <c:showBubbleSize val="0"/>
               <c:extLst>
-                <c:ext xmlns:c15="http://schemas.microsoft.com/office/drawing/2012/chart" uri="{CE6537A1-D6FC-4f65-9D91-7224C49458BB}">
-                  <c15:layout/>
-                </c:ext>
+                <c:ext xmlns:c15="http://schemas.microsoft.com/office/drawing/2012/chart" uri="{CE6537A1-D6FC-4f65-9D91-7224C49458BB}"/>
                 <c:ext xmlns:c16="http://schemas.microsoft.com/office/drawing/2014/chart" uri="{C3380CC4-5D6E-409C-BE32-E72D297353CC}">
                   <c16:uniqueId val="{0000000E-0D5B-4790-9681-FF0CECD76294}"/>
                 </c:ext>
@@ -513,7 +483,6 @@
             <c:showLeaderLines val="0"/>
             <c:extLst>
               <c:ext xmlns:c15="http://schemas.microsoft.com/office/drawing/2012/chart" uri="{CE6537A1-D6FC-4f65-9D91-7224C49458BB}">
-                <c15:layout/>
                 <c15:showLeaderLines val="1"/>
                 <c15:leaderLines>
                   <c:spPr>
@@ -754,9 +723,7 @@
               <c:showPercent val="0"/>
               <c:showBubbleSize val="0"/>
               <c:extLst>
-                <c:ext xmlns:c15="http://schemas.microsoft.com/office/drawing/2012/chart" uri="{CE6537A1-D6FC-4f65-9D91-7224C49458BB}">
-                  <c15:layout/>
-                </c:ext>
+                <c:ext xmlns:c15="http://schemas.microsoft.com/office/drawing/2012/chart" uri="{CE6537A1-D6FC-4f65-9D91-7224C49458BB}"/>
                 <c:ext xmlns:c16="http://schemas.microsoft.com/office/drawing/2014/chart" uri="{C3380CC4-5D6E-409C-BE32-E72D297353CC}">
                   <c16:uniqueId val="{0000000B-749E-4529-A1A6-5419C5DD7C65}"/>
                 </c:ext>
@@ -777,9 +744,7 @@
               <c:showPercent val="0"/>
               <c:showBubbleSize val="0"/>
               <c:extLst>
-                <c:ext xmlns:c15="http://schemas.microsoft.com/office/drawing/2012/chart" uri="{CE6537A1-D6FC-4f65-9D91-7224C49458BB}">
-                  <c15:layout/>
-                </c:ext>
+                <c:ext xmlns:c15="http://schemas.microsoft.com/office/drawing/2012/chart" uri="{CE6537A1-D6FC-4f65-9D91-7224C49458BB}"/>
                 <c:ext xmlns:c16="http://schemas.microsoft.com/office/drawing/2014/chart" uri="{C3380CC4-5D6E-409C-BE32-E72D297353CC}">
                   <c16:uniqueId val="{0000000D-749E-4529-A1A6-5419C5DD7C65}"/>
                 </c:ext>
@@ -800,9 +765,7 @@
               <c:showPercent val="0"/>
               <c:showBubbleSize val="0"/>
               <c:extLst>
-                <c:ext xmlns:c15="http://schemas.microsoft.com/office/drawing/2012/chart" uri="{CE6537A1-D6FC-4f65-9D91-7224C49458BB}">
-                  <c15:layout/>
-                </c:ext>
+                <c:ext xmlns:c15="http://schemas.microsoft.com/office/drawing/2012/chart" uri="{CE6537A1-D6FC-4f65-9D91-7224C49458BB}"/>
                 <c:ext xmlns:c16="http://schemas.microsoft.com/office/drawing/2014/chart" uri="{C3380CC4-5D6E-409C-BE32-E72D297353CC}">
                   <c16:uniqueId val="{0000000F-749E-4529-A1A6-5419C5DD7C65}"/>
                 </c:ext>
@@ -823,9 +786,7 @@
               <c:showPercent val="0"/>
               <c:showBubbleSize val="0"/>
               <c:extLst>
-                <c:ext xmlns:c15="http://schemas.microsoft.com/office/drawing/2012/chart" uri="{CE6537A1-D6FC-4f65-9D91-7224C49458BB}">
-                  <c15:layout/>
-                </c:ext>
+                <c:ext xmlns:c15="http://schemas.microsoft.com/office/drawing/2012/chart" uri="{CE6537A1-D6FC-4f65-9D91-7224C49458BB}"/>
                 <c:ext xmlns:c16="http://schemas.microsoft.com/office/drawing/2014/chart" uri="{C3380CC4-5D6E-409C-BE32-E72D297353CC}">
                   <c16:uniqueId val="{00000008-0D5B-4790-9681-FF0CECD76294}"/>
                 </c:ext>
@@ -846,9 +807,7 @@
               <c:showPercent val="0"/>
               <c:showBubbleSize val="0"/>
               <c:extLst>
-                <c:ext xmlns:c15="http://schemas.microsoft.com/office/drawing/2012/chart" uri="{CE6537A1-D6FC-4f65-9D91-7224C49458BB}">
-                  <c15:layout/>
-                </c:ext>
+                <c:ext xmlns:c15="http://schemas.microsoft.com/office/drawing/2012/chart" uri="{CE6537A1-D6FC-4f65-9D91-7224C49458BB}"/>
                 <c:ext xmlns:c16="http://schemas.microsoft.com/office/drawing/2014/chart" uri="{C3380CC4-5D6E-409C-BE32-E72D297353CC}">
                   <c16:uniqueId val="{00000009-0D5B-4790-9681-FF0CECD76294}"/>
                 </c:ext>
@@ -869,9 +828,7 @@
               <c:showPercent val="0"/>
               <c:showBubbleSize val="0"/>
               <c:extLst>
-                <c:ext xmlns:c15="http://schemas.microsoft.com/office/drawing/2012/chart" uri="{CE6537A1-D6FC-4f65-9D91-7224C49458BB}">
-                  <c15:layout/>
-                </c:ext>
+                <c:ext xmlns:c15="http://schemas.microsoft.com/office/drawing/2012/chart" uri="{CE6537A1-D6FC-4f65-9D91-7224C49458BB}"/>
                 <c:ext xmlns:c16="http://schemas.microsoft.com/office/drawing/2014/chart" uri="{C3380CC4-5D6E-409C-BE32-E72D297353CC}">
                   <c16:uniqueId val="{0000000A-0D5B-4790-9681-FF0CECD76294}"/>
                 </c:ext>
@@ -892,9 +849,7 @@
               <c:showPercent val="0"/>
               <c:showBubbleSize val="0"/>
               <c:extLst>
-                <c:ext xmlns:c15="http://schemas.microsoft.com/office/drawing/2012/chart" uri="{CE6537A1-D6FC-4f65-9D91-7224C49458BB}">
-                  <c15:layout/>
-                </c:ext>
+                <c:ext xmlns:c15="http://schemas.microsoft.com/office/drawing/2012/chart" uri="{CE6537A1-D6FC-4f65-9D91-7224C49458BB}"/>
                 <c:ext xmlns:c16="http://schemas.microsoft.com/office/drawing/2014/chart" uri="{C3380CC4-5D6E-409C-BE32-E72D297353CC}">
                   <c16:uniqueId val="{0000000B-0D5B-4790-9681-FF0CECD76294}"/>
                 </c:ext>
@@ -933,7 +888,6 @@
             <c:showLeaderLines val="0"/>
             <c:extLst>
               <c:ext xmlns:c15="http://schemas.microsoft.com/office/drawing/2012/chart" uri="{CE6537A1-D6FC-4f65-9D91-7224C49458BB}">
-                <c15:layout/>
                 <c15:showLeaderLines val="1"/>
                 <c15:leaderLines>
                   <c:spPr>
@@ -1154,7 +1108,6 @@
     </c:plotArea>
     <c:legend>
       <c:legendPos val="b"/>
-      <c:layout/>
       <c:overlay val="0"/>
       <c:spPr>
         <a:noFill/>
@@ -1848,7 +1801,7 @@
             <a:pPr rtl="0"/>
             <a:fld id="{F769B0D5-7F55-455B-B769-84B61581E250}" type="datetime1">
               <a:rPr lang="pt-BR" smtClean="0"/>
-              <a:t>06/05/2019</a:t>
+              <a:t>10/05/2019</a:t>
             </a:fld>
             <a:endParaRPr lang="pt-BR" dirty="0"/>
           </a:p>
@@ -2018,7 +1971,7 @@
             <a:pPr rtl="0"/>
             <a:fld id="{1AFE56F6-A70B-491B-A989-29E38C94819E}" type="datetime1">
               <a:rPr lang="pt-BR" noProof="0" smtClean="0"/>
-              <a:t>06/05/2019</a:t>
+              <a:t>10/05/2019</a:t>
             </a:fld>
             <a:endParaRPr lang="pt-BR" noProof="0" dirty="0"/>
           </a:p>
@@ -2748,7 +2701,7 @@
     </p:spTree>
     <p:extLst>
       <p:ext uri="{BB962C8B-B14F-4D97-AF65-F5344CB8AC3E}">
-        <p14:creationId xmlns:p14="http://schemas.microsoft.com/office/powerpoint/2010/main" val="3073107557"/>
+        <p14:creationId xmlns:p14="http://schemas.microsoft.com/office/powerpoint/2010/main" val="2900351410"/>
       </p:ext>
     </p:extLst>
   </p:cSld>
@@ -2835,7 +2788,7 @@
             <a:pPr rtl="0"/>
             <a:fld id="{1B9A179D-2D27-49E2-B022-8EDDA2EFE682}" type="slidenum">
               <a:rPr lang="pt-BR" smtClean="0"/>
-              <a:t>19</a:t>
+              <a:t>22</a:t>
             </a:fld>
             <a:endParaRPr lang="pt-BR" dirty="0"/>
           </a:p>
@@ -2844,7 +2797,7 @@
     </p:spTree>
     <p:extLst>
       <p:ext uri="{BB962C8B-B14F-4D97-AF65-F5344CB8AC3E}">
-        <p14:creationId xmlns:p14="http://schemas.microsoft.com/office/powerpoint/2010/main" val="3318055491"/>
+        <p14:creationId xmlns:p14="http://schemas.microsoft.com/office/powerpoint/2010/main" val="921876940"/>
       </p:ext>
     </p:extLst>
   </p:cSld>
@@ -2873,6 +2826,198 @@
       </p:grpSpPr>
       <p:sp>
         <p:nvSpPr>
+          <p:cNvPr id="2" name="Espaço reservado para a imagem do slide 1"/>
+          <p:cNvSpPr>
+            <a:spLocks noGrp="1" noRot="1" noChangeAspect="1"/>
+          </p:cNvSpPr>
+          <p:nvPr>
+            <p:ph type="sldImg"/>
+          </p:nvPr>
+        </p:nvSpPr>
+        <p:spPr/>
+      </p:sp>
+      <p:sp>
+        <p:nvSpPr>
+          <p:cNvPr id="3" name="Espaço reservado para anotações 2"/>
+          <p:cNvSpPr>
+            <a:spLocks noGrp="1"/>
+          </p:cNvSpPr>
+          <p:nvPr>
+            <p:ph type="body" idx="1"/>
+          </p:nvPr>
+        </p:nvSpPr>
+        <p:spPr/>
+        <p:txBody>
+          <a:bodyPr rtlCol="0"/>
+          <a:lstStyle/>
+          <a:p>
+            <a:pPr rtl="0"/>
+            <a:r>
+              <a:rPr lang="pt-BR" sz="1200" i="1" dirty="0">
+                <a:latin typeface="Arial" pitchFamily="34" charset="0"/>
+                <a:cs typeface="Arial" pitchFamily="34" charset="0"/>
+              </a:rPr>
+              <a:t>Para alterar a imagem no slide, selecione e exclua a imagem. Em seguida, use o ícone Imagens no espaço reservado para inserir sua própria imagem.</a:t>
+            </a:r>
+          </a:p>
+          <a:p>
+            <a:pPr rtl="0"/>
+            <a:endParaRPr lang="pt-BR" dirty="0"/>
+          </a:p>
+        </p:txBody>
+      </p:sp>
+      <p:sp>
+        <p:nvSpPr>
+          <p:cNvPr id="4" name="Espaço reservado para o número do slide 3"/>
+          <p:cNvSpPr>
+            <a:spLocks noGrp="1"/>
+          </p:cNvSpPr>
+          <p:nvPr>
+            <p:ph type="sldNum" sz="quarter" idx="10"/>
+          </p:nvPr>
+        </p:nvSpPr>
+        <p:spPr/>
+        <p:txBody>
+          <a:bodyPr rtlCol="0"/>
+          <a:lstStyle/>
+          <a:p>
+            <a:pPr rtl="0"/>
+            <a:fld id="{1B9A179D-2D27-49E2-B022-8EDDA2EFE682}" type="slidenum">
+              <a:rPr lang="pt-BR" smtClean="0"/>
+              <a:t>23</a:t>
+            </a:fld>
+            <a:endParaRPr lang="pt-BR" dirty="0"/>
+          </a:p>
+        </p:txBody>
+      </p:sp>
+    </p:spTree>
+    <p:extLst>
+      <p:ext uri="{BB962C8B-B14F-4D97-AF65-F5344CB8AC3E}">
+        <p14:creationId xmlns:p14="http://schemas.microsoft.com/office/powerpoint/2010/main" val="3073107557"/>
+      </p:ext>
+    </p:extLst>
+  </p:cSld>
+  <p:clrMapOvr>
+    <a:masterClrMapping/>
+  </p:clrMapOvr>
+</p:notes>
+</file>
+
+<file path=ppt/notesSlides/notesSlide16.xml><?xml version="1.0" encoding="utf-8"?>
+<p:notes xmlns:a="http://schemas.openxmlformats.org/drawingml/2006/main" xmlns:r="http://schemas.openxmlformats.org/officeDocument/2006/relationships" xmlns:p="http://schemas.openxmlformats.org/presentationml/2006/main">
+  <p:cSld>
+    <p:spTree>
+      <p:nvGrpSpPr>
+        <p:cNvPr id="1" name=""/>
+        <p:cNvGrpSpPr/>
+        <p:nvPr/>
+      </p:nvGrpSpPr>
+      <p:grpSpPr>
+        <a:xfrm>
+          <a:off x="0" y="0"/>
+          <a:ext cx="0" cy="0"/>
+          <a:chOff x="0" y="0"/>
+          <a:chExt cx="0" cy="0"/>
+        </a:xfrm>
+      </p:grpSpPr>
+      <p:sp>
+        <p:nvSpPr>
+          <p:cNvPr id="2" name="Espaço reservado para a imagem do slide 1"/>
+          <p:cNvSpPr>
+            <a:spLocks noGrp="1" noRot="1" noChangeAspect="1"/>
+          </p:cNvSpPr>
+          <p:nvPr>
+            <p:ph type="sldImg"/>
+          </p:nvPr>
+        </p:nvSpPr>
+        <p:spPr/>
+      </p:sp>
+      <p:sp>
+        <p:nvSpPr>
+          <p:cNvPr id="3" name="Espaço reservado para anotações 2"/>
+          <p:cNvSpPr>
+            <a:spLocks noGrp="1"/>
+          </p:cNvSpPr>
+          <p:nvPr>
+            <p:ph type="body" idx="1"/>
+          </p:nvPr>
+        </p:nvSpPr>
+        <p:spPr/>
+        <p:txBody>
+          <a:bodyPr rtlCol="0"/>
+          <a:lstStyle/>
+          <a:p>
+            <a:pPr rtl="0"/>
+            <a:r>
+              <a:rPr lang="pt-BR" sz="1200" i="1" dirty="0">
+                <a:latin typeface="Arial" pitchFamily="34" charset="0"/>
+                <a:cs typeface="Arial" pitchFamily="34" charset="0"/>
+              </a:rPr>
+              <a:t>Para alterar a imagem no slide, selecione e exclua a imagem. Em seguida, use o ícone Imagens no espaço reservado para inserir sua própria imagem.</a:t>
+            </a:r>
+          </a:p>
+          <a:p>
+            <a:pPr rtl="0"/>
+            <a:endParaRPr lang="pt-BR" dirty="0"/>
+          </a:p>
+        </p:txBody>
+      </p:sp>
+      <p:sp>
+        <p:nvSpPr>
+          <p:cNvPr id="4" name="Espaço reservado para o número do slide 3"/>
+          <p:cNvSpPr>
+            <a:spLocks noGrp="1"/>
+          </p:cNvSpPr>
+          <p:nvPr>
+            <p:ph type="sldNum" sz="quarter" idx="10"/>
+          </p:nvPr>
+        </p:nvSpPr>
+        <p:spPr/>
+        <p:txBody>
+          <a:bodyPr rtlCol="0"/>
+          <a:lstStyle/>
+          <a:p>
+            <a:pPr rtl="0"/>
+            <a:fld id="{1B9A179D-2D27-49E2-B022-8EDDA2EFE682}" type="slidenum">
+              <a:rPr lang="pt-BR" smtClean="0"/>
+              <a:t>25</a:t>
+            </a:fld>
+            <a:endParaRPr lang="pt-BR" dirty="0"/>
+          </a:p>
+        </p:txBody>
+      </p:sp>
+    </p:spTree>
+    <p:extLst>
+      <p:ext uri="{BB962C8B-B14F-4D97-AF65-F5344CB8AC3E}">
+        <p14:creationId xmlns:p14="http://schemas.microsoft.com/office/powerpoint/2010/main" val="3318055491"/>
+      </p:ext>
+    </p:extLst>
+  </p:cSld>
+  <p:clrMapOvr>
+    <a:masterClrMapping/>
+  </p:clrMapOvr>
+</p:notes>
+</file>
+
+<file path=ppt/notesSlides/notesSlide17.xml><?xml version="1.0" encoding="utf-8"?>
+<p:notes xmlns:a="http://schemas.openxmlformats.org/drawingml/2006/main" xmlns:r="http://schemas.openxmlformats.org/officeDocument/2006/relationships" xmlns:p="http://schemas.openxmlformats.org/presentationml/2006/main">
+  <p:cSld>
+    <p:spTree>
+      <p:nvGrpSpPr>
+        <p:cNvPr id="1" name=""/>
+        <p:cNvGrpSpPr/>
+        <p:nvPr/>
+      </p:nvGrpSpPr>
+      <p:grpSpPr>
+        <a:xfrm>
+          <a:off x="0" y="0"/>
+          <a:ext cx="0" cy="0"/>
+          <a:chOff x="0" y="0"/>
+          <a:chExt cx="0" cy="0"/>
+        </a:xfrm>
+      </p:grpSpPr>
+      <p:sp>
+        <p:nvSpPr>
           <p:cNvPr id="2" name="Espaço Reservado para Imagem de Slide 1"/>
           <p:cNvSpPr>
             <a:spLocks noGrp="1" noRot="1" noChangeAspect="1"/>
@@ -2920,7 +3065,7 @@
             <a:pPr rtl="0"/>
             <a:fld id="{1B9A179D-2D27-49E2-B022-8EDDA2EFE682}" type="slidenum">
               <a:rPr lang="pt-BR" smtClean="0"/>
-              <a:t>21</a:t>
+              <a:t>27</a:t>
             </a:fld>
             <a:endParaRPr lang="pt-BR" dirty="0"/>
           </a:p>
@@ -4265,7 +4410,7 @@
             <a:pPr rtl="0"/>
             <a:fld id="{ED540BCD-A9BE-4069-AF5C-2A3DFF693F79}" type="datetime1">
               <a:rPr lang="pt-BR" noProof="0" smtClean="0"/>
-              <a:t>06/05/2019</a:t>
+              <a:t>10/05/2019</a:t>
             </a:fld>
             <a:endParaRPr lang="pt-BR" noProof="0" dirty="0"/>
           </a:p>
@@ -4879,7 +5024,7 @@
             <a:pPr rtl="0"/>
             <a:fld id="{1CECCB52-40C2-4E99-85EA-E8A293866E2D}" type="datetime1">
               <a:rPr lang="pt-BR" noProof="0" smtClean="0"/>
-              <a:t>06/05/2019</a:t>
+              <a:t>10/05/2019</a:t>
             </a:fld>
             <a:endParaRPr lang="pt-BR" noProof="0" dirty="0"/>
           </a:p>
@@ -5068,7 +5213,7 @@
             <a:pPr rtl="0"/>
             <a:fld id="{E24EF33E-C11E-476F-ABF9-879EF9D37700}" type="datetime1">
               <a:rPr lang="pt-BR" noProof="0" smtClean="0"/>
-              <a:t>06/05/2019</a:t>
+              <a:t>10/05/2019</a:t>
             </a:fld>
             <a:endParaRPr lang="pt-BR" noProof="0" dirty="0"/>
           </a:p>
@@ -5407,7 +5552,7 @@
             <a:pPr rtl="0"/>
             <a:fld id="{AF3A9F66-FD54-49C7-9D08-483FEB75E766}" type="datetime1">
               <a:rPr lang="pt-BR" noProof="0" smtClean="0"/>
-              <a:t>06/05/2019</a:t>
+              <a:t>10/05/2019</a:t>
             </a:fld>
             <a:endParaRPr lang="pt-BR" noProof="0" dirty="0"/>
           </a:p>
@@ -5605,7 +5750,7 @@
             <a:pPr rtl="0"/>
             <a:fld id="{B76F022E-73DC-465B-A81F-663C39E9C6BC}" type="datetime1">
               <a:rPr lang="pt-BR" noProof="0" smtClean="0"/>
-              <a:t>06/05/2019</a:t>
+              <a:t>10/05/2019</a:t>
             </a:fld>
             <a:endParaRPr lang="pt-BR" noProof="0" dirty="0"/>
           </a:p>
@@ -6786,7 +6931,7 @@
             <a:pPr rtl="0"/>
             <a:fld id="{D032D7E7-0E3D-42EA-B60A-46262A5D0676}" type="datetime1">
               <a:rPr lang="pt-BR" noProof="0" smtClean="0"/>
-              <a:t>06/05/2019</a:t>
+              <a:t>10/05/2019</a:t>
             </a:fld>
             <a:endParaRPr lang="pt-BR" noProof="0" dirty="0"/>
           </a:p>
@@ -7176,7 +7321,7 @@
             <a:pPr rtl="0"/>
             <a:fld id="{A0DCB2DA-9F14-430D-AF4F-64B6EB5E00E7}" type="datetime1">
               <a:rPr lang="pt-BR" noProof="0" smtClean="0"/>
-              <a:t>06/05/2019</a:t>
+              <a:t>10/05/2019</a:t>
             </a:fld>
             <a:endParaRPr lang="pt-BR" noProof="0" dirty="0"/>
           </a:p>
@@ -7313,7 +7458,7 @@
             <a:pPr rtl="0"/>
             <a:fld id="{58A91CED-09DA-4ECE-92C8-759A4ED95185}" type="datetime1">
               <a:rPr lang="pt-BR" noProof="0" smtClean="0"/>
-              <a:t>06/05/2019</a:t>
+              <a:t>10/05/2019</a:t>
             </a:fld>
             <a:endParaRPr lang="pt-BR" noProof="0" dirty="0"/>
           </a:p>
@@ -7426,7 +7571,7 @@
             <a:pPr rtl="0"/>
             <a:fld id="{84518F8F-CA65-4BFD-A461-B66071DAF05B}" type="datetime1">
               <a:rPr lang="pt-BR" noProof="0" smtClean="0"/>
-              <a:t>06/05/2019</a:t>
+              <a:t>10/05/2019</a:t>
             </a:fld>
             <a:endParaRPr lang="pt-BR" noProof="0" dirty="0"/>
           </a:p>
@@ -7724,7 +7869,7 @@
             <a:pPr rtl="0"/>
             <a:fld id="{1FF51EBE-146A-4C5F-B6C5-AA4426FEB226}" type="datetime1">
               <a:rPr lang="pt-BR" noProof="0" smtClean="0"/>
-              <a:t>06/05/2019</a:t>
+              <a:t>10/05/2019</a:t>
             </a:fld>
             <a:endParaRPr lang="pt-BR" noProof="0" dirty="0"/>
           </a:p>
@@ -8108,7 +8253,7 @@
             <a:pPr rtl="0"/>
             <a:fld id="{AF879DE6-BF0A-412B-BA5D-89651B90F81D}" type="datetime1">
               <a:rPr lang="pt-BR" noProof="0" smtClean="0"/>
-              <a:t>06/05/2019</a:t>
+              <a:t>10/05/2019</a:t>
             </a:fld>
             <a:endParaRPr lang="pt-BR" noProof="0" dirty="0"/>
           </a:p>
@@ -8632,13 +8777,6 @@
       <p:transition/>
     </mc:Fallback>
   </mc:AlternateContent>
-  <p:timing>
-    <p:tnLst>
-      <p:par>
-        <p:cTn id="1" dur="indefinite" restart="never" nodeType="tmRoot"/>
-      </p:par>
-    </p:tnLst>
-  </p:timing>
 </p:sld>
 </file>
 
@@ -8688,14 +8826,11 @@
           <a:lstStyle/>
           <a:p>
             <a:r>
-              <a:rPr lang="pt-BR" sz="7200" dirty="0" smtClean="0">
+              <a:rPr lang="pt-BR" sz="7200" dirty="0">
                 <a:latin typeface="+mj-lt"/>
               </a:rPr>
               <a:t>Arquitetura</a:t>
             </a:r>
-            <a:endParaRPr lang="pt-BR" sz="7200" dirty="0">
-              <a:latin typeface="+mj-lt"/>
-            </a:endParaRPr>
           </a:p>
         </p:txBody>
       </p:sp>
@@ -9410,13 +9545,6 @@
   <p:transition spd="slow">
     <p:push dir="u"/>
   </p:transition>
-  <p:timing>
-    <p:tnLst>
-      <p:par>
-        <p:cTn id="1" dur="indefinite" restart="never" nodeType="tmRoot"/>
-      </p:par>
-    </p:tnLst>
-  </p:timing>
 </p:sld>
 </file>
 
@@ -9509,13 +9637,6 @@
   <p:transition spd="slow">
     <p:push dir="u"/>
   </p:transition>
-  <p:timing>
-    <p:tnLst>
-      <p:par>
-        <p:cTn id="1" dur="indefinite" restart="never" nodeType="tmRoot"/>
-      </p:par>
-    </p:tnLst>
-  </p:timing>
 </p:sld>
 </file>
 
@@ -9620,13 +9741,6 @@
   <p:transition spd="slow">
     <p:push dir="u"/>
   </p:transition>
-  <p:timing>
-    <p:tnLst>
-      <p:par>
-        <p:cTn id="1" dur="indefinite" restart="never" nodeType="tmRoot"/>
-      </p:par>
-    </p:tnLst>
-  </p:timing>
 </p:sld>
 </file>
 
@@ -9676,14 +9790,11 @@
           <a:lstStyle/>
           <a:p>
             <a:r>
-              <a:rPr lang="pt-BR" sz="7200" dirty="0" smtClean="0">
+              <a:rPr lang="pt-BR" sz="7200" dirty="0">
                 <a:latin typeface="+mj-lt"/>
               </a:rPr>
               <a:t>Banco de Dados</a:t>
             </a:r>
-            <a:endParaRPr lang="pt-BR" sz="7200" dirty="0">
-              <a:latin typeface="+mj-lt"/>
-            </a:endParaRPr>
           </a:p>
         </p:txBody>
       </p:sp>
@@ -10002,13 +10113,6 @@
   <p:transition spd="slow">
     <p:push dir="u"/>
   </p:transition>
-  <p:timing>
-    <p:tnLst>
-      <p:par>
-        <p:cTn id="1" dur="indefinite" restart="never" nodeType="tmRoot"/>
-      </p:par>
-    </p:tnLst>
-  </p:timing>
 </p:sld>
 </file>
 
@@ -10101,13 +10205,6 @@
   <p:transition spd="slow">
     <p:push dir="u"/>
   </p:transition>
-  <p:timing>
-    <p:tnLst>
-      <p:par>
-        <p:cTn id="1" dur="indefinite" restart="never" nodeType="tmRoot"/>
-      </p:par>
-    </p:tnLst>
-  </p:timing>
 </p:sld>
 </file>
 
@@ -10157,14 +10254,11 @@
           <a:lstStyle/>
           <a:p>
             <a:r>
-              <a:rPr lang="pt-BR" sz="7200" dirty="0" smtClean="0">
+              <a:rPr lang="pt-BR" sz="7200" dirty="0">
                 <a:latin typeface="+mj-lt"/>
               </a:rPr>
               <a:t>Estatísticas</a:t>
             </a:r>
-            <a:endParaRPr lang="pt-BR" sz="7200" dirty="0">
-              <a:latin typeface="+mj-lt"/>
-            </a:endParaRPr>
           </a:p>
         </p:txBody>
       </p:sp>
@@ -10483,13 +10577,6 @@
   <p:transition spd="slow">
     <p:push dir="u"/>
   </p:transition>
-  <p:timing>
-    <p:tnLst>
-      <p:par>
-        <p:cTn id="1" dur="indefinite" restart="never" nodeType="tmRoot"/>
-      </p:par>
-    </p:tnLst>
-  </p:timing>
 </p:sld>
 </file>
 
@@ -10542,10 +10629,10 @@
       </p:sp>
       <p:pic>
         <p:nvPicPr>
-          <p:cNvPr id="4" name="Imagem 3">
+          <p:cNvPr id="3" name="Imagem 2">
             <a:extLst>
               <a:ext uri="{FF2B5EF4-FFF2-40B4-BE49-F238E27FC236}">
-                <a16:creationId xmlns:a16="http://schemas.microsoft.com/office/drawing/2014/main" id="{E5386A50-1FED-4680-B528-9273E6A59CB2}"/>
+                <a16:creationId xmlns:a16="http://schemas.microsoft.com/office/drawing/2014/main" id="{4C8014E4-A559-42A6-940E-E3A1DA23C3E0}"/>
               </a:ext>
             </a:extLst>
           </p:cNvPr>
@@ -10562,8 +10649,8 @@
         </p:blipFill>
         <p:spPr>
           <a:xfrm>
-            <a:off x="175944" y="1945141"/>
-            <a:ext cx="12016056" cy="4657725"/>
+            <a:off x="0" y="1855444"/>
+            <a:ext cx="12192000" cy="4547398"/>
           </a:xfrm>
           <a:prstGeom prst="rect">
             <a:avLst/>
@@ -10583,13 +10670,6 @@
   <p:transition spd="slow">
     <p:push dir="u"/>
   </p:transition>
-  <p:timing>
-    <p:tnLst>
-      <p:par>
-        <p:cTn id="1" dur="indefinite" restart="never" nodeType="tmRoot"/>
-      </p:par>
-    </p:tnLst>
-  </p:timing>
 </p:sld>
 </file>
 
@@ -10624,8 +10704,8 @@
         </p:nvSpPr>
         <p:spPr>
           <a:xfrm>
-            <a:off x="558487" y="2845762"/>
-            <a:ext cx="5844628" cy="1200329"/>
+            <a:off x="1818685" y="2893131"/>
+            <a:ext cx="3629613" cy="1200329"/>
           </a:xfrm>
           <a:prstGeom prst="rect">
             <a:avLst/>
@@ -10639,14 +10719,11 @@
           <a:lstStyle/>
           <a:p>
             <a:r>
-              <a:rPr lang="pt-BR" sz="7200" dirty="0" smtClean="0">
+              <a:rPr lang="pt-BR" sz="7200" dirty="0">
                 <a:latin typeface="+mj-lt"/>
               </a:rPr>
-              <a:t>Demonstração</a:t>
+              <a:t>Planilhas</a:t>
             </a:r>
-            <a:endParaRPr lang="pt-BR" sz="7200" dirty="0">
-              <a:latin typeface="+mj-lt"/>
-            </a:endParaRPr>
           </a:p>
         </p:txBody>
       </p:sp>
@@ -11519,7 +11596,7 @@
     </p:spTree>
     <p:extLst>
       <p:ext uri="{BB962C8B-B14F-4D97-AF65-F5344CB8AC3E}">
-        <p14:creationId xmlns:p14="http://schemas.microsoft.com/office/powerpoint/2010/main" val="2610932260"/>
+        <p14:creationId xmlns:p14="http://schemas.microsoft.com/office/powerpoint/2010/main" val="883156982"/>
       </p:ext>
     </p:extLst>
   </p:cSld>
@@ -11529,13 +11606,6 @@
   <p:transition spd="slow">
     <p:push dir="u"/>
   </p:transition>
-  <p:timing>
-    <p:tnLst>
-      <p:par>
-        <p:cTn id="1" dur="indefinite" restart="never" nodeType="tmRoot"/>
-      </p:par>
-    </p:tnLst>
-  </p:timing>
 </p:sld>
 </file>
 
@@ -11561,7 +11631,7 @@
           <p:cNvPr id="2" name="Título 1">
             <a:extLst>
               <a:ext uri="{FF2B5EF4-FFF2-40B4-BE49-F238E27FC236}">
-                <a16:creationId xmlns:a16="http://schemas.microsoft.com/office/drawing/2014/main" id="{8C31434F-F5E5-4957-A030-E76CB2F323E7}"/>
+                <a16:creationId xmlns:a16="http://schemas.microsoft.com/office/drawing/2014/main" id="{D1FC4D79-823E-423C-A0E5-74C976ED154F}"/>
               </a:ext>
             </a:extLst>
           </p:cNvPr>
@@ -11577,433 +11647,65 @@
           <a:bodyPr/>
           <a:lstStyle/>
           <a:p>
-            <a:pPr algn="ctr"/>
             <a:r>
               <a:rPr lang="pt-BR" dirty="0"/>
-              <a:t>Tecnologias e Ferramentas Utilizadas</a:t>
+              <a:t>Requisitos</a:t>
             </a:r>
           </a:p>
         </p:txBody>
       </p:sp>
-      <p:pic>
-        <p:nvPicPr>
-          <p:cNvPr id="7" name="Imagem 6" descr="Uma imagem contendo kit de primeiros socorros, objeto&#10;&#10;Descrição gerada automaticamente">
+      <p:sp>
+        <p:nvSpPr>
+          <p:cNvPr id="3" name="Espaço Reservado para Conteúdo 2">
             <a:extLst>
               <a:ext uri="{FF2B5EF4-FFF2-40B4-BE49-F238E27FC236}">
-                <a16:creationId xmlns:a16="http://schemas.microsoft.com/office/drawing/2014/main" id="{90B12A99-9D35-4890-BD5E-B7578258BE5E}"/>
+                <a16:creationId xmlns:a16="http://schemas.microsoft.com/office/drawing/2014/main" id="{959C6A36-E200-4FDC-AFF0-7D3289C976A4}"/>
               </a:ext>
             </a:extLst>
           </p:cNvPr>
-          <p:cNvPicPr>
-            <a:picLocks noChangeAspect="1"/>
-          </p:cNvPicPr>
-          <p:nvPr/>
-        </p:nvPicPr>
-        <p:blipFill>
-          <a:blip r:embed="rId2"/>
-          <a:stretch>
-            <a:fillRect/>
-          </a:stretch>
-        </p:blipFill>
-        <p:spPr>
-          <a:xfrm>
-            <a:off x="4743498" y="1504546"/>
-            <a:ext cx="3280320" cy="1924454"/>
-          </a:xfrm>
-          <a:prstGeom prst="rect">
-            <a:avLst/>
-          </a:prstGeom>
-        </p:spPr>
-      </p:pic>
-      <p:pic>
-        <p:nvPicPr>
-          <p:cNvPr id="9" name="Imagem 8">
-            <a:extLst>
-              <a:ext uri="{FF2B5EF4-FFF2-40B4-BE49-F238E27FC236}">
-                <a16:creationId xmlns:a16="http://schemas.microsoft.com/office/drawing/2014/main" id="{DFDF8951-3F5C-47AC-8D19-380C37257EC7}"/>
-              </a:ext>
-            </a:extLst>
-          </p:cNvPr>
-          <p:cNvPicPr>
-            <a:picLocks noChangeAspect="1"/>
-          </p:cNvPicPr>
-          <p:nvPr/>
-        </p:nvPicPr>
-        <p:blipFill>
-          <a:blip r:embed="rId3"/>
-          <a:stretch>
-            <a:fillRect/>
-          </a:stretch>
-        </p:blipFill>
-        <p:spPr>
-          <a:xfrm>
-            <a:off x="10146507" y="4675288"/>
-            <a:ext cx="1626394" cy="1927578"/>
-          </a:xfrm>
-          <a:prstGeom prst="rect">
-            <a:avLst/>
-          </a:prstGeom>
-        </p:spPr>
-      </p:pic>
-      <p:pic>
-        <p:nvPicPr>
-          <p:cNvPr id="11" name="Imagem 10">
-            <a:extLst>
-              <a:ext uri="{FF2B5EF4-FFF2-40B4-BE49-F238E27FC236}">
-                <a16:creationId xmlns:a16="http://schemas.microsoft.com/office/drawing/2014/main" id="{7715635A-68C2-4CF3-A056-F955AF49E8C8}"/>
-              </a:ext>
-            </a:extLst>
-          </p:cNvPr>
-          <p:cNvPicPr>
-            <a:picLocks noChangeAspect="1"/>
-          </p:cNvPicPr>
-          <p:nvPr/>
-        </p:nvPicPr>
-        <p:blipFill>
-          <a:blip r:embed="rId4"/>
-          <a:stretch>
-            <a:fillRect/>
-          </a:stretch>
-        </p:blipFill>
-        <p:spPr>
-          <a:xfrm>
-            <a:off x="8440882" y="1480311"/>
-            <a:ext cx="2831591" cy="1734599"/>
-          </a:xfrm>
-          <a:prstGeom prst="rect">
-            <a:avLst/>
-          </a:prstGeom>
-        </p:spPr>
-      </p:pic>
-      <p:pic>
-        <p:nvPicPr>
-          <p:cNvPr id="13" name="Imagem 12">
-            <a:extLst>
-              <a:ext uri="{FF2B5EF4-FFF2-40B4-BE49-F238E27FC236}">
-                <a16:creationId xmlns:a16="http://schemas.microsoft.com/office/drawing/2014/main" id="{43C2AD72-F574-4C9E-8D9F-FEF37CB793A1}"/>
-              </a:ext>
-            </a:extLst>
-          </p:cNvPr>
-          <p:cNvPicPr>
-            <a:picLocks noChangeAspect="1"/>
-          </p:cNvPicPr>
-          <p:nvPr/>
-        </p:nvPicPr>
-        <p:blipFill>
-          <a:blip r:embed="rId5"/>
-          <a:stretch>
-            <a:fillRect/>
-          </a:stretch>
-        </p:blipFill>
-        <p:spPr>
-          <a:xfrm>
-            <a:off x="88863" y="1611433"/>
-            <a:ext cx="4361569" cy="1340505"/>
-          </a:xfrm>
-          <a:prstGeom prst="rect">
-            <a:avLst/>
-          </a:prstGeom>
-        </p:spPr>
-      </p:pic>
-      <p:pic>
-        <p:nvPicPr>
-          <p:cNvPr id="15" name="Imagem 14">
-            <a:extLst>
-              <a:ext uri="{FF2B5EF4-FFF2-40B4-BE49-F238E27FC236}">
-                <a16:creationId xmlns:a16="http://schemas.microsoft.com/office/drawing/2014/main" id="{59EF7266-E820-496A-9841-3B14D7CC61DC}"/>
-              </a:ext>
-            </a:extLst>
-          </p:cNvPr>
-          <p:cNvPicPr>
-            <a:picLocks noChangeAspect="1"/>
-          </p:cNvPicPr>
-          <p:nvPr/>
-        </p:nvPicPr>
-        <p:blipFill>
-          <a:blip r:embed="rId6"/>
-          <a:stretch>
-            <a:fillRect/>
-          </a:stretch>
-        </p:blipFill>
-        <p:spPr>
-          <a:xfrm>
-            <a:off x="10413069" y="2854550"/>
-            <a:ext cx="1477130" cy="1471383"/>
-          </a:xfrm>
-          <a:prstGeom prst="rect">
-            <a:avLst/>
-          </a:prstGeom>
-        </p:spPr>
-      </p:pic>
-      <p:pic>
-        <p:nvPicPr>
-          <p:cNvPr id="17" name="Imagem 16" descr="Uma imagem contendo objeto&#10;&#10;Descrição gerada automaticamente">
-            <a:extLst>
-              <a:ext uri="{FF2B5EF4-FFF2-40B4-BE49-F238E27FC236}">
-                <a16:creationId xmlns:a16="http://schemas.microsoft.com/office/drawing/2014/main" id="{E609E85E-28F7-49E7-B22F-12B8E8B22B0C}"/>
-              </a:ext>
-            </a:extLst>
-          </p:cNvPr>
-          <p:cNvPicPr>
-            <a:picLocks noChangeAspect="1"/>
-          </p:cNvPicPr>
-          <p:nvPr/>
-        </p:nvPicPr>
-        <p:blipFill>
-          <a:blip r:embed="rId7"/>
-          <a:stretch>
-            <a:fillRect/>
-          </a:stretch>
-        </p:blipFill>
-        <p:spPr>
-          <a:xfrm>
-            <a:off x="6190255" y="5639077"/>
-            <a:ext cx="2976562" cy="860412"/>
-          </a:xfrm>
-          <a:prstGeom prst="rect">
-            <a:avLst/>
-          </a:prstGeom>
-        </p:spPr>
-      </p:pic>
-      <p:pic>
-        <p:nvPicPr>
-          <p:cNvPr id="19" name="Imagem 18" descr="Uma imagem contendo objeto, kit de primeiros socorros&#10;&#10;Descrição gerada automaticamente">
-            <a:extLst>
-              <a:ext uri="{FF2B5EF4-FFF2-40B4-BE49-F238E27FC236}">
-                <a16:creationId xmlns:a16="http://schemas.microsoft.com/office/drawing/2014/main" id="{E6F56BA2-DF13-49E7-97B8-0C007DDC2B86}"/>
-              </a:ext>
-            </a:extLst>
-          </p:cNvPr>
-          <p:cNvPicPr>
-            <a:picLocks noChangeAspect="1"/>
-          </p:cNvPicPr>
-          <p:nvPr/>
-        </p:nvPicPr>
-        <p:blipFill>
-          <a:blip r:embed="rId8"/>
-          <a:stretch>
-            <a:fillRect/>
-          </a:stretch>
-        </p:blipFill>
-        <p:spPr>
-          <a:xfrm>
-            <a:off x="8046498" y="3633363"/>
-            <a:ext cx="1729202" cy="1173387"/>
-          </a:xfrm>
-          <a:prstGeom prst="rect">
-            <a:avLst/>
-          </a:prstGeom>
-        </p:spPr>
-      </p:pic>
-      <p:pic>
-        <p:nvPicPr>
-          <p:cNvPr id="21" name="Imagem 20" descr="Uma imagem contendo gráficos vetoriais&#10;&#10;Descrição gerada automaticamente">
-            <a:extLst>
-              <a:ext uri="{FF2B5EF4-FFF2-40B4-BE49-F238E27FC236}">
-                <a16:creationId xmlns:a16="http://schemas.microsoft.com/office/drawing/2014/main" id="{F1A806DF-6158-4EF4-A561-6269A4524A12}"/>
-              </a:ext>
-            </a:extLst>
-          </p:cNvPr>
-          <p:cNvPicPr>
-            <a:picLocks noChangeAspect="1"/>
-          </p:cNvPicPr>
-          <p:nvPr/>
-        </p:nvPicPr>
-        <p:blipFill>
-          <a:blip r:embed="rId9"/>
-          <a:stretch>
-            <a:fillRect/>
-          </a:stretch>
-        </p:blipFill>
-        <p:spPr>
-          <a:xfrm>
-            <a:off x="5226300" y="3498953"/>
-            <a:ext cx="2475688" cy="1721671"/>
-          </a:xfrm>
-          <a:prstGeom prst="rect">
-            <a:avLst/>
-          </a:prstGeom>
-        </p:spPr>
-      </p:pic>
-      <p:pic>
-        <p:nvPicPr>
-          <p:cNvPr id="23" name="Imagem 22">
-            <a:extLst>
-              <a:ext uri="{FF2B5EF4-FFF2-40B4-BE49-F238E27FC236}">
-                <a16:creationId xmlns:a16="http://schemas.microsoft.com/office/drawing/2014/main" id="{A6C4C144-9229-4AF5-9AF0-BF6A5FA9923A}"/>
-              </a:ext>
-            </a:extLst>
-          </p:cNvPr>
-          <p:cNvPicPr>
-            <a:picLocks noChangeAspect="1"/>
-          </p:cNvPicPr>
-          <p:nvPr/>
-        </p:nvPicPr>
-        <p:blipFill>
-          <a:blip r:embed="rId10"/>
-          <a:stretch>
-            <a:fillRect/>
-          </a:stretch>
-        </p:blipFill>
-        <p:spPr>
-          <a:xfrm>
-            <a:off x="301801" y="3361149"/>
-            <a:ext cx="2667000" cy="1089827"/>
-          </a:xfrm>
-          <a:prstGeom prst="rect">
-            <a:avLst/>
-          </a:prstGeom>
-        </p:spPr>
-      </p:pic>
-      <p:pic>
-        <p:nvPicPr>
-          <p:cNvPr id="25" name="Imagem 24" descr="Uma imagem contendo relógio, objeto, verde, medidor&#10;&#10;Descrição gerada automaticamente">
-            <a:extLst>
-              <a:ext uri="{FF2B5EF4-FFF2-40B4-BE49-F238E27FC236}">
-                <a16:creationId xmlns:a16="http://schemas.microsoft.com/office/drawing/2014/main" id="{46AA173A-F220-46A8-BBB7-92F7CA2D28D4}"/>
-              </a:ext>
-            </a:extLst>
-          </p:cNvPr>
-          <p:cNvPicPr>
-            <a:picLocks noChangeAspect="1"/>
-          </p:cNvPicPr>
-          <p:nvPr/>
-        </p:nvPicPr>
-        <p:blipFill>
-          <a:blip r:embed="rId11"/>
-          <a:stretch>
-            <a:fillRect/>
-          </a:stretch>
-        </p:blipFill>
-        <p:spPr>
-          <a:xfrm>
-            <a:off x="3803595" y="5353454"/>
-            <a:ext cx="1609725" cy="1609725"/>
-          </a:xfrm>
-          <a:prstGeom prst="rect">
-            <a:avLst/>
-          </a:prstGeom>
-        </p:spPr>
-      </p:pic>
-      <p:pic>
-        <p:nvPicPr>
-          <p:cNvPr id="27" name="Imagem 26">
-            <a:extLst>
-              <a:ext uri="{FF2B5EF4-FFF2-40B4-BE49-F238E27FC236}">
-                <a16:creationId xmlns:a16="http://schemas.microsoft.com/office/drawing/2014/main" id="{EEB3AB1F-1543-44D3-8D87-B239633E7547}"/>
-              </a:ext>
-            </a:extLst>
-          </p:cNvPr>
-          <p:cNvPicPr>
-            <a:picLocks noChangeAspect="1"/>
-          </p:cNvPicPr>
-          <p:nvPr/>
-        </p:nvPicPr>
-        <p:blipFill>
-          <a:blip r:embed="rId12"/>
-          <a:stretch>
-            <a:fillRect/>
-          </a:stretch>
-        </p:blipFill>
-        <p:spPr>
-          <a:xfrm>
-            <a:off x="3464463" y="3418133"/>
-            <a:ext cx="1340505" cy="1340505"/>
-          </a:xfrm>
-          <a:prstGeom prst="rect">
-            <a:avLst/>
-          </a:prstGeom>
-        </p:spPr>
-      </p:pic>
-      <p:pic>
-        <p:nvPicPr>
-          <p:cNvPr id="29" name="Imagem 28">
-            <a:extLst>
-              <a:ext uri="{FF2B5EF4-FFF2-40B4-BE49-F238E27FC236}">
-                <a16:creationId xmlns:a16="http://schemas.microsoft.com/office/drawing/2014/main" id="{CF65B9C5-1452-48DB-BDB3-F02525284182}"/>
-              </a:ext>
-            </a:extLst>
-          </p:cNvPr>
-          <p:cNvPicPr>
-            <a:picLocks noChangeAspect="1"/>
-          </p:cNvPicPr>
-          <p:nvPr/>
-        </p:nvPicPr>
-        <p:blipFill>
-          <a:blip r:embed="rId13"/>
-          <a:stretch>
-            <a:fillRect/>
-          </a:stretch>
-        </p:blipFill>
-        <p:spPr>
-          <a:xfrm>
-            <a:off x="883451" y="4649124"/>
-            <a:ext cx="1143000" cy="1143000"/>
-          </a:xfrm>
-          <a:prstGeom prst="rect">
-            <a:avLst/>
-          </a:prstGeom>
-        </p:spPr>
-      </p:pic>
-      <p:pic>
-        <p:nvPicPr>
-          <p:cNvPr id="31" name="Imagem 30">
-            <a:extLst>
-              <a:ext uri="{FF2B5EF4-FFF2-40B4-BE49-F238E27FC236}">
-                <a16:creationId xmlns:a16="http://schemas.microsoft.com/office/drawing/2014/main" id="{C59CB842-2ACA-4CAB-A11B-11F4745547AB}"/>
-              </a:ext>
-            </a:extLst>
-          </p:cNvPr>
-          <p:cNvPicPr>
-            <a:picLocks noChangeAspect="1"/>
-          </p:cNvPicPr>
-          <p:nvPr/>
-        </p:nvPicPr>
-        <p:blipFill>
-          <a:blip r:embed="rId14"/>
-          <a:stretch>
-            <a:fillRect/>
-          </a:stretch>
-        </p:blipFill>
-        <p:spPr>
-          <a:xfrm>
-            <a:off x="190500" y="5821150"/>
-            <a:ext cx="2528903" cy="1036850"/>
-          </a:xfrm>
-          <a:prstGeom prst="rect">
-            <a:avLst/>
-          </a:prstGeom>
-        </p:spPr>
-      </p:pic>
+          <p:cNvSpPr>
+            <a:spLocks noGrp="1"/>
+          </p:cNvSpPr>
+          <p:nvPr>
+            <p:ph idx="1"/>
+          </p:nvPr>
+        </p:nvSpPr>
+        <p:spPr/>
+        <p:txBody>
+          <a:bodyPr>
+            <a:normAutofit fontScale="92500"/>
+          </a:bodyPr>
+          <a:lstStyle/>
+          <a:p>
+            <a:r>
+              <a:rPr lang="pt-BR" sz="13800" dirty="0"/>
+              <a:t>PLANILHA DE REQUISITOS</a:t>
+            </a:r>
+          </a:p>
+        </p:txBody>
+      </p:sp>
     </p:spTree>
     <p:extLst>
       <p:ext uri="{BB962C8B-B14F-4D97-AF65-F5344CB8AC3E}">
-        <p14:creationId xmlns:p14="http://schemas.microsoft.com/office/powerpoint/2010/main" val="399739138"/>
+        <p14:creationId xmlns:p14="http://schemas.microsoft.com/office/powerpoint/2010/main" val="3058201355"/>
       </p:ext>
     </p:extLst>
   </p:cSld>
   <p:clrMapOvr>
     <a:masterClrMapping/>
   </p:clrMapOvr>
-  <mc:AlternateContent xmlns:mc="http://schemas.openxmlformats.org/markup-compatibility/2006">
-    <mc:Choice xmlns:p159="http://schemas.microsoft.com/office/powerpoint/2015/09/main" xmlns="" Requires="p159">
-      <p:transition xmlns:p14="http://schemas.microsoft.com/office/powerpoint/2010/main" spd="slow" p14:dur="2000">
-        <p159:morph option="byObject"/>
+  <mc:AlternateContent xmlns:mc="http://schemas.openxmlformats.org/markup-compatibility/2006" xmlns:p14="http://schemas.microsoft.com/office/powerpoint/2010/main">
+    <mc:Choice Requires="p14">
+      <p:transition spd="med" p14:dur="700">
+        <p:fade/>
       </p:transition>
     </mc:Choice>
-    <mc:Fallback>
-      <p:transition spd="slow">
+    <mc:Fallback xmlns="">
+      <p:transition spd="med">
         <p:fade/>
       </p:transition>
     </mc:Fallback>
   </mc:AlternateContent>
-  <p:timing>
-    <p:tnLst>
-      <p:par>
-        <p:cTn id="1" dur="indefinite" restart="never" nodeType="tmRoot"/>
-      </p:par>
-    </p:tnLst>
-  </p:timing>
 </p:sld>
 </file>
 
@@ -12026,50 +11728,38 @@
       </p:grpSpPr>
       <p:sp>
         <p:nvSpPr>
-          <p:cNvPr id="22" name="CaixaDeTexto 21">
+          <p:cNvPr id="2" name="Título 1">
             <a:extLst>
               <a:ext uri="{FF2B5EF4-FFF2-40B4-BE49-F238E27FC236}">
-                <a16:creationId xmlns:a16="http://schemas.microsoft.com/office/drawing/2014/main" id="{902BE623-A1E3-4A07-AC2E-F76A6029298C}"/>
+                <a16:creationId xmlns:a16="http://schemas.microsoft.com/office/drawing/2014/main" id="{FFBC38B5-470B-4159-9831-B04DDD844CE6}"/>
               </a:ext>
             </a:extLst>
           </p:cNvPr>
-          <p:cNvSpPr txBox="1"/>
-          <p:nvPr/>
-        </p:nvSpPr>
-        <p:spPr>
-          <a:xfrm>
-            <a:off x="1466069" y="3116215"/>
-            <a:ext cx="7008846" cy="1200329"/>
-          </a:xfrm>
-          <a:prstGeom prst="rect">
-            <a:avLst/>
-          </a:prstGeom>
-          <a:noFill/>
-        </p:spPr>
-        <p:txBody>
-          <a:bodyPr wrap="square" rtlCol="0">
-            <a:spAutoFit/>
-          </a:bodyPr>
+          <p:cNvSpPr>
+            <a:spLocks noGrp="1"/>
+          </p:cNvSpPr>
+          <p:nvPr>
+            <p:ph type="title"/>
+          </p:nvPr>
+        </p:nvSpPr>
+        <p:spPr/>
+        <p:txBody>
+          <a:bodyPr/>
           <a:lstStyle/>
           <a:p>
             <a:r>
-              <a:rPr lang="pt-BR" sz="7200" dirty="0" smtClean="0">
-                <a:latin typeface="+mj-lt"/>
-              </a:rPr>
-              <a:t>Conclusão</a:t>
+              <a:rPr lang="pt-BR" dirty="0"/>
+              <a:t>Sprint Backlog</a:t>
             </a:r>
-            <a:endParaRPr lang="pt-BR" sz="7200" dirty="0">
-              <a:latin typeface="+mj-lt"/>
-            </a:endParaRPr>
           </a:p>
         </p:txBody>
       </p:sp>
       <p:pic>
         <p:nvPicPr>
-          <p:cNvPr id="8" name="Imagem 7">
+          <p:cNvPr id="4" name="Imagem 3">
             <a:extLst>
               <a:ext uri="{FF2B5EF4-FFF2-40B4-BE49-F238E27FC236}">
-                <a16:creationId xmlns:a16="http://schemas.microsoft.com/office/drawing/2014/main" id="{1F751F11-FC5E-48B7-9F3C-F5D2206C1216}"/>
+                <a16:creationId xmlns:a16="http://schemas.microsoft.com/office/drawing/2014/main" id="{E61E6219-4694-41A6-B7C9-A3515A26C769}"/>
               </a:ext>
             </a:extLst>
           </p:cNvPr>
@@ -12079,313 +11769,43 @@
           <p:nvPr/>
         </p:nvPicPr>
         <p:blipFill>
-          <a:blip r:embed="rId3"/>
+          <a:blip r:embed="rId2"/>
           <a:stretch>
             <a:fillRect/>
           </a:stretch>
         </p:blipFill>
         <p:spPr>
           <a:xfrm>
-            <a:off x="10803732" y="6020043"/>
-            <a:ext cx="45719" cy="54185"/>
-          </a:xfrm>
-          <a:prstGeom prst="rect">
-            <a:avLst/>
-          </a:prstGeom>
-        </p:spPr>
-      </p:pic>
-      <p:pic>
-        <p:nvPicPr>
-          <p:cNvPr id="9" name="Imagem 8">
-            <a:extLst>
-              <a:ext uri="{FF2B5EF4-FFF2-40B4-BE49-F238E27FC236}">
-                <a16:creationId xmlns:a16="http://schemas.microsoft.com/office/drawing/2014/main" id="{6CBDF92B-009C-4005-A6BB-AAA3F599F914}"/>
-              </a:ext>
-            </a:extLst>
-          </p:cNvPr>
-          <p:cNvPicPr>
-            <a:picLocks noChangeAspect="1"/>
-          </p:cNvPicPr>
-          <p:nvPr/>
-        </p:nvPicPr>
-        <p:blipFill>
-          <a:blip r:embed="rId4"/>
-          <a:stretch>
-            <a:fillRect/>
-          </a:stretch>
-        </p:blipFill>
-        <p:spPr>
-          <a:xfrm>
-            <a:off x="9098107" y="2640554"/>
-            <a:ext cx="74633" cy="45719"/>
-          </a:xfrm>
-          <a:prstGeom prst="rect">
-            <a:avLst/>
-          </a:prstGeom>
-        </p:spPr>
-      </p:pic>
-      <p:pic>
-        <p:nvPicPr>
-          <p:cNvPr id="11" name="Imagem 10">
-            <a:extLst>
-              <a:ext uri="{FF2B5EF4-FFF2-40B4-BE49-F238E27FC236}">
-                <a16:creationId xmlns:a16="http://schemas.microsoft.com/office/drawing/2014/main" id="{6632E0F7-697B-40D4-BFDE-A954FAA1AF34}"/>
-              </a:ext>
-            </a:extLst>
-          </p:cNvPr>
-          <p:cNvPicPr>
-            <a:picLocks noChangeAspect="1"/>
-          </p:cNvPicPr>
-          <p:nvPr/>
-        </p:nvPicPr>
-        <p:blipFill>
-          <a:blip r:embed="rId5"/>
-          <a:stretch>
-            <a:fillRect/>
-          </a:stretch>
-        </p:blipFill>
-        <p:spPr>
-          <a:xfrm>
-            <a:off x="11070294" y="3751577"/>
-            <a:ext cx="45898" cy="45719"/>
-          </a:xfrm>
-          <a:prstGeom prst="rect">
-            <a:avLst/>
-          </a:prstGeom>
-        </p:spPr>
-      </p:pic>
-      <p:pic>
-        <p:nvPicPr>
-          <p:cNvPr id="13" name="Imagem 12" descr="Uma imagem contendo objeto, kit de primeiros socorros&#10;&#10;Descrição gerada automaticamente">
-            <a:extLst>
-              <a:ext uri="{FF2B5EF4-FFF2-40B4-BE49-F238E27FC236}">
-                <a16:creationId xmlns:a16="http://schemas.microsoft.com/office/drawing/2014/main" id="{839ABE05-5271-4677-8BEF-671EEA2E9B3C}"/>
-              </a:ext>
-            </a:extLst>
-          </p:cNvPr>
-          <p:cNvPicPr>
-            <a:picLocks noChangeAspect="1"/>
-          </p:cNvPicPr>
-          <p:nvPr/>
-        </p:nvPicPr>
-        <p:blipFill>
-          <a:blip r:embed="rId6"/>
-          <a:stretch>
-            <a:fillRect/>
-          </a:stretch>
-        </p:blipFill>
-        <p:spPr>
-          <a:xfrm>
-            <a:off x="8703723" y="4232394"/>
-            <a:ext cx="67375" cy="45719"/>
-          </a:xfrm>
-          <a:prstGeom prst="rect">
-            <a:avLst/>
-          </a:prstGeom>
-        </p:spPr>
-      </p:pic>
-      <p:sp>
-        <p:nvSpPr>
-          <p:cNvPr id="6" name="Retângulo 5"/>
-          <p:cNvSpPr/>
-          <p:nvPr/>
-        </p:nvSpPr>
-        <p:spPr>
-          <a:xfrm>
-            <a:off x="8703723" y="4230001"/>
-            <a:ext cx="67375" cy="48112"/>
-          </a:xfrm>
-          <a:prstGeom prst="rect">
-            <a:avLst/>
-          </a:prstGeom>
-          <a:solidFill>
-            <a:srgbClr val="C3C9C9"/>
-          </a:solidFill>
-          <a:ln>
-            <a:solidFill>
-              <a:srgbClr val="C3C9C9"/>
-            </a:solidFill>
-          </a:ln>
-        </p:spPr>
-        <p:style>
-          <a:lnRef idx="2">
-            <a:schemeClr val="accent1">
-              <a:shade val="50000"/>
-            </a:schemeClr>
-          </a:lnRef>
-          <a:fillRef idx="1">
-            <a:schemeClr val="accent1"/>
-          </a:fillRef>
-          <a:effectRef idx="0">
-            <a:schemeClr val="accent1"/>
-          </a:effectRef>
-          <a:fontRef idx="minor">
-            <a:schemeClr val="lt1"/>
-          </a:fontRef>
-        </p:style>
-        <p:txBody>
-          <a:bodyPr rtlCol="0" anchor="ctr"/>
-          <a:lstStyle/>
-          <a:p>
-            <a:pPr algn="ctr"/>
-            <a:endParaRPr lang="pt-BR"/>
-          </a:p>
-        </p:txBody>
-      </p:sp>
-      <p:sp>
-        <p:nvSpPr>
-          <p:cNvPr id="27" name="Retângulo 26"/>
-          <p:cNvSpPr/>
-          <p:nvPr/>
-        </p:nvSpPr>
-        <p:spPr>
-          <a:xfrm>
-            <a:off x="10981155" y="3716380"/>
-            <a:ext cx="178277" cy="137520"/>
-          </a:xfrm>
-          <a:prstGeom prst="rect">
-            <a:avLst/>
-          </a:prstGeom>
-          <a:solidFill>
-            <a:srgbClr val="EAEBEF"/>
-          </a:solidFill>
-          <a:ln>
-            <a:solidFill>
-              <a:srgbClr val="EAEBEF"/>
-            </a:solidFill>
-          </a:ln>
-        </p:spPr>
-        <p:style>
-          <a:lnRef idx="2">
-            <a:schemeClr val="accent1">
-              <a:shade val="50000"/>
-            </a:schemeClr>
-          </a:lnRef>
-          <a:fillRef idx="1">
-            <a:schemeClr val="accent1"/>
-          </a:fillRef>
-          <a:effectRef idx="0">
-            <a:schemeClr val="accent1"/>
-          </a:effectRef>
-          <a:fontRef idx="minor">
-            <a:schemeClr val="lt1"/>
-          </a:fontRef>
-        </p:style>
-        <p:txBody>
-          <a:bodyPr rtlCol="0" anchor="ctr"/>
-          <a:lstStyle/>
-          <a:p>
-            <a:pPr algn="ctr"/>
-            <a:endParaRPr lang="pt-BR"/>
-          </a:p>
-        </p:txBody>
-      </p:sp>
-      <p:sp>
-        <p:nvSpPr>
-          <p:cNvPr id="28" name="Retângulo 27"/>
-          <p:cNvSpPr/>
-          <p:nvPr/>
-        </p:nvSpPr>
-        <p:spPr>
-          <a:xfrm>
-            <a:off x="10803732" y="5925132"/>
-            <a:ext cx="45719" cy="149096"/>
-          </a:xfrm>
-          <a:prstGeom prst="rect">
-            <a:avLst/>
-          </a:prstGeom>
-          <a:solidFill>
-            <a:srgbClr val="EDEEF0"/>
-          </a:solidFill>
-          <a:ln>
-            <a:solidFill>
-              <a:srgbClr val="ECEDEF"/>
-            </a:solidFill>
-          </a:ln>
-        </p:spPr>
-        <p:style>
-          <a:lnRef idx="2">
-            <a:schemeClr val="accent1">
-              <a:shade val="50000"/>
-            </a:schemeClr>
-          </a:lnRef>
-          <a:fillRef idx="1">
-            <a:schemeClr val="accent1"/>
-          </a:fillRef>
-          <a:effectRef idx="0">
-            <a:schemeClr val="accent1"/>
-          </a:effectRef>
-          <a:fontRef idx="minor">
-            <a:schemeClr val="lt1"/>
-          </a:fontRef>
-        </p:style>
-        <p:txBody>
-          <a:bodyPr rtlCol="0" anchor="ctr"/>
-          <a:lstStyle/>
-          <a:p>
-            <a:pPr algn="ctr"/>
-            <a:endParaRPr lang="pt-BR"/>
-          </a:p>
-        </p:txBody>
-      </p:sp>
-      <p:pic>
-        <p:nvPicPr>
-          <p:cNvPr id="21" name="Espaço Reservado para Imagem 20">
-            <a:extLst>
-              <a:ext uri="{FF2B5EF4-FFF2-40B4-BE49-F238E27FC236}">
-                <a16:creationId xmlns:a16="http://schemas.microsoft.com/office/drawing/2014/main" id="{B00D77EA-B76F-407C-B39A-DD5CADCB8884}"/>
-              </a:ext>
-            </a:extLst>
-          </p:cNvPr>
-          <p:cNvPicPr>
-            <a:picLocks noGrp="1" noChangeAspect="1"/>
-          </p:cNvPicPr>
-          <p:nvPr>
-            <p:ph type="pic" sz="quarter" idx="10"/>
-          </p:nvPr>
-        </p:nvPicPr>
-        <p:blipFill>
-          <a:blip r:embed="rId7"/>
-          <a:srcRect l="14533" r="14533"/>
-          <a:stretch>
-            <a:fillRect/>
-          </a:stretch>
-        </p:blipFill>
-        <p:spPr>
-          <a:xfrm>
-            <a:off x="6743703" y="16926"/>
-            <a:ext cx="5448297" cy="6858000"/>
-          </a:xfrm>
-          <a:solidFill>
-            <a:srgbClr val="EAEBEF"/>
-          </a:solidFill>
-          <a:ln>
-            <a:solidFill>
-              <a:srgbClr val="EAEBEF"/>
-            </a:solidFill>
-          </a:ln>
+            <a:off x="305011" y="1533525"/>
+            <a:ext cx="11581977" cy="5324475"/>
+          </a:xfrm>
+          <a:prstGeom prst="rect">
+            <a:avLst/>
+          </a:prstGeom>
         </p:spPr>
       </p:pic>
     </p:spTree>
     <p:extLst>
       <p:ext uri="{BB962C8B-B14F-4D97-AF65-F5344CB8AC3E}">
-        <p14:creationId xmlns:p14="http://schemas.microsoft.com/office/powerpoint/2010/main" val="3752110924"/>
+        <p14:creationId xmlns:p14="http://schemas.microsoft.com/office/powerpoint/2010/main" val="2963699989"/>
       </p:ext>
     </p:extLst>
   </p:cSld>
   <p:clrMapOvr>
     <a:masterClrMapping/>
   </p:clrMapOvr>
-  <p:transition spd="slow">
-    <p:push dir="u"/>
-  </p:transition>
-  <p:timing>
-    <p:tnLst>
-      <p:par>
-        <p:cTn id="1" dur="indefinite" restart="never" nodeType="tmRoot"/>
-      </p:par>
-    </p:tnLst>
-  </p:timing>
+  <mc:AlternateContent xmlns:mc="http://schemas.openxmlformats.org/markup-compatibility/2006" xmlns:p14="http://schemas.microsoft.com/office/powerpoint/2010/main">
+    <mc:Choice Requires="p14">
+      <p:transition spd="med" p14:dur="700">
+        <p:fade/>
+      </p:transition>
+    </mc:Choice>
+    <mc:Fallback xmlns="">
+      <p:transition spd="med">
+        <p:fade/>
+      </p:transition>
+    </mc:Fallback>
+  </mc:AlternateContent>
 </p:sld>
 </file>
 
@@ -12564,25 +11984,18 @@
   <p:clrMapOvr>
     <a:masterClrMapping/>
   </p:clrMapOvr>
-  <mc:AlternateContent xmlns:mc="http://schemas.openxmlformats.org/markup-compatibility/2006">
-    <mc:Choice xmlns:p159="http://schemas.microsoft.com/office/powerpoint/2015/09/main" xmlns="" Requires="p159">
+  <mc:AlternateContent xmlns:mc="http://schemas.openxmlformats.org/markup-compatibility/2006" xmlns:p159="http://schemas.microsoft.com/office/powerpoint/2015/09/main">
+    <mc:Choice Requires="p159">
       <p:transition xmlns:p14="http://schemas.microsoft.com/office/powerpoint/2010/main" spd="slow" p14:dur="2000">
         <p159:morph option="byObject"/>
       </p:transition>
     </mc:Choice>
-    <mc:Fallback>
+    <mc:Fallback xmlns="">
       <p:transition spd="slow">
         <p:fade/>
       </p:transition>
     </mc:Fallback>
   </mc:AlternateContent>
-  <p:timing>
-    <p:tnLst>
-      <p:par>
-        <p:cTn id="1" dur="indefinite" restart="never" nodeType="tmRoot"/>
-      </p:par>
-    </p:tnLst>
-  </p:timing>
 </p:sld>
 </file>
 
@@ -12605,6 +12018,2916 @@
       </p:grpSpPr>
       <p:sp>
         <p:nvSpPr>
+          <p:cNvPr id="2" name="Título 1">
+            <a:extLst>
+              <a:ext uri="{FF2B5EF4-FFF2-40B4-BE49-F238E27FC236}">
+                <a16:creationId xmlns:a16="http://schemas.microsoft.com/office/drawing/2014/main" id="{DB9A6192-2A8E-41DF-9311-48E24965F39D}"/>
+              </a:ext>
+            </a:extLst>
+          </p:cNvPr>
+          <p:cNvSpPr>
+            <a:spLocks noGrp="1"/>
+          </p:cNvSpPr>
+          <p:nvPr>
+            <p:ph type="title"/>
+          </p:nvPr>
+        </p:nvSpPr>
+        <p:spPr/>
+        <p:txBody>
+          <a:bodyPr/>
+          <a:lstStyle/>
+          <a:p>
+            <a:r>
+              <a:rPr lang="pt-BR" dirty="0"/>
+              <a:t>Riscos</a:t>
+            </a:r>
+          </a:p>
+        </p:txBody>
+      </p:sp>
+      <p:pic>
+        <p:nvPicPr>
+          <p:cNvPr id="5" name="Imagem 4">
+            <a:extLst>
+              <a:ext uri="{FF2B5EF4-FFF2-40B4-BE49-F238E27FC236}">
+                <a16:creationId xmlns:a16="http://schemas.microsoft.com/office/drawing/2014/main" id="{87A386E7-9940-448A-9A18-4191841ACDC1}"/>
+              </a:ext>
+            </a:extLst>
+          </p:cNvPr>
+          <p:cNvPicPr>
+            <a:picLocks noChangeAspect="1"/>
+          </p:cNvPicPr>
+          <p:nvPr/>
+        </p:nvPicPr>
+        <p:blipFill>
+          <a:blip r:embed="rId2"/>
+          <a:stretch>
+            <a:fillRect/>
+          </a:stretch>
+        </p:blipFill>
+        <p:spPr>
+          <a:xfrm>
+            <a:off x="0" y="3009902"/>
+            <a:ext cx="12192000" cy="1661356"/>
+          </a:xfrm>
+          <a:prstGeom prst="rect">
+            <a:avLst/>
+          </a:prstGeom>
+        </p:spPr>
+      </p:pic>
+    </p:spTree>
+    <p:extLst>
+      <p:ext uri="{BB962C8B-B14F-4D97-AF65-F5344CB8AC3E}">
+        <p14:creationId xmlns:p14="http://schemas.microsoft.com/office/powerpoint/2010/main" val="4221605916"/>
+      </p:ext>
+    </p:extLst>
+  </p:cSld>
+  <p:clrMapOvr>
+    <a:masterClrMapping/>
+  </p:clrMapOvr>
+  <mc:AlternateContent xmlns:mc="http://schemas.openxmlformats.org/markup-compatibility/2006" xmlns:p14="http://schemas.microsoft.com/office/powerpoint/2010/main">
+    <mc:Choice Requires="p14">
+      <p:transition spd="med" p14:dur="700">
+        <p:fade/>
+      </p:transition>
+    </mc:Choice>
+    <mc:Fallback xmlns="">
+      <p:transition spd="med">
+        <p:fade/>
+      </p:transition>
+    </mc:Fallback>
+  </mc:AlternateContent>
+</p:sld>
+</file>
+
+<file path=ppt/slides/slide21.xml><?xml version="1.0" encoding="utf-8"?>
+<p:sld xmlns:a="http://schemas.openxmlformats.org/drawingml/2006/main" xmlns:r="http://schemas.openxmlformats.org/officeDocument/2006/relationships" xmlns:p="http://schemas.openxmlformats.org/presentationml/2006/main">
+  <p:cSld>
+    <p:spTree>
+      <p:nvGrpSpPr>
+        <p:cNvPr id="1" name=""/>
+        <p:cNvGrpSpPr/>
+        <p:nvPr/>
+      </p:nvGrpSpPr>
+      <p:grpSpPr>
+        <a:xfrm>
+          <a:off x="0" y="0"/>
+          <a:ext cx="0" cy="0"/>
+          <a:chOff x="0" y="0"/>
+          <a:chExt cx="0" cy="0"/>
+        </a:xfrm>
+      </p:grpSpPr>
+      <p:sp>
+        <p:nvSpPr>
+          <p:cNvPr id="2" name="Título 1">
+            <a:extLst>
+              <a:ext uri="{FF2B5EF4-FFF2-40B4-BE49-F238E27FC236}">
+                <a16:creationId xmlns:a16="http://schemas.microsoft.com/office/drawing/2014/main" id="{0009F1CF-8171-46C5-90DA-3BAD2DA55A53}"/>
+              </a:ext>
+            </a:extLst>
+          </p:cNvPr>
+          <p:cNvSpPr>
+            <a:spLocks noGrp="1"/>
+          </p:cNvSpPr>
+          <p:nvPr>
+            <p:ph type="title"/>
+          </p:nvPr>
+        </p:nvSpPr>
+        <p:spPr/>
+        <p:txBody>
+          <a:bodyPr/>
+          <a:lstStyle/>
+          <a:p>
+            <a:r>
+              <a:rPr lang="pt-BR" dirty="0"/>
+              <a:t>Testes</a:t>
+            </a:r>
+          </a:p>
+        </p:txBody>
+      </p:sp>
+      <p:sp>
+        <p:nvSpPr>
+          <p:cNvPr id="3" name="CaixaDeTexto 2">
+            <a:extLst>
+              <a:ext uri="{FF2B5EF4-FFF2-40B4-BE49-F238E27FC236}">
+                <a16:creationId xmlns:a16="http://schemas.microsoft.com/office/drawing/2014/main" id="{F517721B-D5E5-4044-AB31-FEA322A2060C}"/>
+              </a:ext>
+            </a:extLst>
+          </p:cNvPr>
+          <p:cNvSpPr txBox="1"/>
+          <p:nvPr/>
+        </p:nvSpPr>
+        <p:spPr>
+          <a:xfrm>
+            <a:off x="2131218" y="1585912"/>
+            <a:ext cx="7929563" cy="4339650"/>
+          </a:xfrm>
+          <a:prstGeom prst="rect">
+            <a:avLst/>
+          </a:prstGeom>
+          <a:noFill/>
+        </p:spPr>
+        <p:txBody>
+          <a:bodyPr wrap="square" rtlCol="0">
+            <a:spAutoFit/>
+          </a:bodyPr>
+          <a:lstStyle/>
+          <a:p>
+            <a:r>
+              <a:rPr lang="pt-BR" sz="13800" dirty="0"/>
+              <a:t>Planilha de Testes</a:t>
+            </a:r>
+          </a:p>
+        </p:txBody>
+      </p:sp>
+    </p:spTree>
+    <p:extLst>
+      <p:ext uri="{BB962C8B-B14F-4D97-AF65-F5344CB8AC3E}">
+        <p14:creationId xmlns:p14="http://schemas.microsoft.com/office/powerpoint/2010/main" val="206341985"/>
+      </p:ext>
+    </p:extLst>
+  </p:cSld>
+  <p:clrMapOvr>
+    <a:masterClrMapping/>
+  </p:clrMapOvr>
+  <mc:AlternateContent xmlns:mc="http://schemas.openxmlformats.org/markup-compatibility/2006" xmlns:p14="http://schemas.microsoft.com/office/powerpoint/2010/main">
+    <mc:Choice Requires="p14">
+      <p:transition spd="med" p14:dur="700">
+        <p:fade/>
+      </p:transition>
+    </mc:Choice>
+    <mc:Fallback xmlns="">
+      <p:transition spd="med">
+        <p:fade/>
+      </p:transition>
+    </mc:Fallback>
+  </mc:AlternateContent>
+</p:sld>
+</file>
+
+<file path=ppt/slides/slide22.xml><?xml version="1.0" encoding="utf-8"?>
+<p:sld xmlns:a="http://schemas.openxmlformats.org/drawingml/2006/main" xmlns:r="http://schemas.openxmlformats.org/officeDocument/2006/relationships" xmlns:p="http://schemas.openxmlformats.org/presentationml/2006/main">
+  <p:cSld>
+    <p:spTree>
+      <p:nvGrpSpPr>
+        <p:cNvPr id="1" name=""/>
+        <p:cNvGrpSpPr/>
+        <p:nvPr/>
+      </p:nvGrpSpPr>
+      <p:grpSpPr>
+        <a:xfrm>
+          <a:off x="0" y="0"/>
+          <a:ext cx="0" cy="0"/>
+          <a:chOff x="0" y="0"/>
+          <a:chExt cx="0" cy="0"/>
+        </a:xfrm>
+      </p:grpSpPr>
+      <p:pic>
+        <p:nvPicPr>
+          <p:cNvPr id="7" name="Imagem 6" descr="Uma imagem contendo kit de primeiros socorros, objeto&#10;&#10;Descrição gerada automaticamente">
+            <a:extLst>
+              <a:ext uri="{FF2B5EF4-FFF2-40B4-BE49-F238E27FC236}">
+                <a16:creationId xmlns:a16="http://schemas.microsoft.com/office/drawing/2014/main" id="{9F2EE745-88E1-4E73-91B1-6CAE0C0A7BA5}"/>
+              </a:ext>
+            </a:extLst>
+          </p:cNvPr>
+          <p:cNvPicPr>
+            <a:picLocks noChangeAspect="1"/>
+          </p:cNvPicPr>
+          <p:nvPr/>
+        </p:nvPicPr>
+        <p:blipFill>
+          <a:blip r:embed="rId3"/>
+          <a:stretch>
+            <a:fillRect/>
+          </a:stretch>
+        </p:blipFill>
+        <p:spPr>
+          <a:xfrm>
+            <a:off x="5400723" y="2854643"/>
+            <a:ext cx="77930" cy="45719"/>
+          </a:xfrm>
+          <a:prstGeom prst="rect">
+            <a:avLst/>
+          </a:prstGeom>
+        </p:spPr>
+      </p:pic>
+      <p:pic>
+        <p:nvPicPr>
+          <p:cNvPr id="8" name="Imagem 7">
+            <a:extLst>
+              <a:ext uri="{FF2B5EF4-FFF2-40B4-BE49-F238E27FC236}">
+                <a16:creationId xmlns:a16="http://schemas.microsoft.com/office/drawing/2014/main" id="{1F751F11-FC5E-48B7-9F3C-F5D2206C1216}"/>
+              </a:ext>
+            </a:extLst>
+          </p:cNvPr>
+          <p:cNvPicPr>
+            <a:picLocks noChangeAspect="1"/>
+          </p:cNvPicPr>
+          <p:nvPr/>
+        </p:nvPicPr>
+        <p:blipFill>
+          <a:blip r:embed="rId4"/>
+          <a:stretch>
+            <a:fillRect/>
+          </a:stretch>
+        </p:blipFill>
+        <p:spPr>
+          <a:xfrm>
+            <a:off x="10803732" y="6020043"/>
+            <a:ext cx="45719" cy="54185"/>
+          </a:xfrm>
+          <a:prstGeom prst="rect">
+            <a:avLst/>
+          </a:prstGeom>
+        </p:spPr>
+      </p:pic>
+      <p:pic>
+        <p:nvPicPr>
+          <p:cNvPr id="9" name="Imagem 8">
+            <a:extLst>
+              <a:ext uri="{FF2B5EF4-FFF2-40B4-BE49-F238E27FC236}">
+                <a16:creationId xmlns:a16="http://schemas.microsoft.com/office/drawing/2014/main" id="{6CBDF92B-009C-4005-A6BB-AAA3F599F914}"/>
+              </a:ext>
+            </a:extLst>
+          </p:cNvPr>
+          <p:cNvPicPr>
+            <a:picLocks noChangeAspect="1"/>
+          </p:cNvPicPr>
+          <p:nvPr/>
+        </p:nvPicPr>
+        <p:blipFill>
+          <a:blip r:embed="rId5"/>
+          <a:stretch>
+            <a:fillRect/>
+          </a:stretch>
+        </p:blipFill>
+        <p:spPr>
+          <a:xfrm>
+            <a:off x="9098107" y="2640554"/>
+            <a:ext cx="74633" cy="45719"/>
+          </a:xfrm>
+          <a:prstGeom prst="rect">
+            <a:avLst/>
+          </a:prstGeom>
+        </p:spPr>
+      </p:pic>
+      <p:pic>
+        <p:nvPicPr>
+          <p:cNvPr id="10" name="Imagem 9">
+            <a:extLst>
+              <a:ext uri="{FF2B5EF4-FFF2-40B4-BE49-F238E27FC236}">
+                <a16:creationId xmlns:a16="http://schemas.microsoft.com/office/drawing/2014/main" id="{62DE481A-E7DE-4748-80E9-038D7A25C07A}"/>
+              </a:ext>
+            </a:extLst>
+          </p:cNvPr>
+          <p:cNvPicPr>
+            <a:picLocks noChangeAspect="1"/>
+          </p:cNvPicPr>
+          <p:nvPr/>
+        </p:nvPicPr>
+        <p:blipFill>
+          <a:blip r:embed="rId6"/>
+          <a:stretch>
+            <a:fillRect/>
+          </a:stretch>
+        </p:blipFill>
+        <p:spPr>
+          <a:xfrm>
+            <a:off x="746088" y="2377582"/>
+            <a:ext cx="148755" cy="45719"/>
+          </a:xfrm>
+          <a:prstGeom prst="rect">
+            <a:avLst/>
+          </a:prstGeom>
+        </p:spPr>
+      </p:pic>
+      <p:pic>
+        <p:nvPicPr>
+          <p:cNvPr id="11" name="Imagem 10">
+            <a:extLst>
+              <a:ext uri="{FF2B5EF4-FFF2-40B4-BE49-F238E27FC236}">
+                <a16:creationId xmlns:a16="http://schemas.microsoft.com/office/drawing/2014/main" id="{6632E0F7-697B-40D4-BFDE-A954FAA1AF34}"/>
+              </a:ext>
+            </a:extLst>
+          </p:cNvPr>
+          <p:cNvPicPr>
+            <a:picLocks noChangeAspect="1"/>
+          </p:cNvPicPr>
+          <p:nvPr/>
+        </p:nvPicPr>
+        <p:blipFill>
+          <a:blip r:embed="rId7"/>
+          <a:stretch>
+            <a:fillRect/>
+          </a:stretch>
+        </p:blipFill>
+        <p:spPr>
+          <a:xfrm>
+            <a:off x="11070294" y="3751577"/>
+            <a:ext cx="45898" cy="45719"/>
+          </a:xfrm>
+          <a:prstGeom prst="rect">
+            <a:avLst/>
+          </a:prstGeom>
+        </p:spPr>
+      </p:pic>
+      <p:pic>
+        <p:nvPicPr>
+          <p:cNvPr id="12" name="Imagem 11" descr="Uma imagem contendo objeto&#10;&#10;Descrição gerada automaticamente">
+            <a:extLst>
+              <a:ext uri="{FF2B5EF4-FFF2-40B4-BE49-F238E27FC236}">
+                <a16:creationId xmlns:a16="http://schemas.microsoft.com/office/drawing/2014/main" id="{A5BD4CBC-243F-4E21-9359-2583706E0420}"/>
+              </a:ext>
+            </a:extLst>
+          </p:cNvPr>
+          <p:cNvPicPr>
+            <a:picLocks noChangeAspect="1"/>
+          </p:cNvPicPr>
+          <p:nvPr/>
+        </p:nvPicPr>
+        <p:blipFill>
+          <a:blip r:embed="rId8"/>
+          <a:stretch>
+            <a:fillRect/>
+          </a:stretch>
+        </p:blipFill>
+        <p:spPr>
+          <a:xfrm>
+            <a:off x="6847480" y="5925132"/>
+            <a:ext cx="158163" cy="45719"/>
+          </a:xfrm>
+          <a:prstGeom prst="rect">
+            <a:avLst/>
+          </a:prstGeom>
+        </p:spPr>
+      </p:pic>
+      <p:pic>
+        <p:nvPicPr>
+          <p:cNvPr id="13" name="Imagem 12" descr="Uma imagem contendo objeto, kit de primeiros socorros&#10;&#10;Descrição gerada automaticamente">
+            <a:extLst>
+              <a:ext uri="{FF2B5EF4-FFF2-40B4-BE49-F238E27FC236}">
+                <a16:creationId xmlns:a16="http://schemas.microsoft.com/office/drawing/2014/main" id="{839ABE05-5271-4677-8BEF-671EEA2E9B3C}"/>
+              </a:ext>
+            </a:extLst>
+          </p:cNvPr>
+          <p:cNvPicPr>
+            <a:picLocks noChangeAspect="1"/>
+          </p:cNvPicPr>
+          <p:nvPr/>
+        </p:nvPicPr>
+        <p:blipFill>
+          <a:blip r:embed="rId9"/>
+          <a:stretch>
+            <a:fillRect/>
+          </a:stretch>
+        </p:blipFill>
+        <p:spPr>
+          <a:xfrm>
+            <a:off x="8703723" y="4232394"/>
+            <a:ext cx="67375" cy="45719"/>
+          </a:xfrm>
+          <a:prstGeom prst="rect">
+            <a:avLst/>
+          </a:prstGeom>
+        </p:spPr>
+      </p:pic>
+      <p:pic>
+        <p:nvPicPr>
+          <p:cNvPr id="14" name="Imagem 13" descr="Uma imagem contendo gráficos vetoriais&#10;&#10;Descrição gerada automaticamente">
+            <a:extLst>
+              <a:ext uri="{FF2B5EF4-FFF2-40B4-BE49-F238E27FC236}">
+                <a16:creationId xmlns:a16="http://schemas.microsoft.com/office/drawing/2014/main" id="{8BB7BDF5-B3FB-4ED2-87FD-9DBA98B52BBC}"/>
+              </a:ext>
+            </a:extLst>
+          </p:cNvPr>
+          <p:cNvPicPr>
+            <a:picLocks noChangeAspect="1"/>
+          </p:cNvPicPr>
+          <p:nvPr/>
+        </p:nvPicPr>
+        <p:blipFill>
+          <a:blip r:embed="rId10"/>
+          <a:stretch>
+            <a:fillRect/>
+          </a:stretch>
+        </p:blipFill>
+        <p:spPr>
+          <a:xfrm>
+            <a:off x="5883525" y="4646268"/>
+            <a:ext cx="65742" cy="45719"/>
+          </a:xfrm>
+          <a:prstGeom prst="rect">
+            <a:avLst/>
+          </a:prstGeom>
+        </p:spPr>
+      </p:pic>
+      <p:pic>
+        <p:nvPicPr>
+          <p:cNvPr id="15" name="Imagem 14">
+            <a:extLst>
+              <a:ext uri="{FF2B5EF4-FFF2-40B4-BE49-F238E27FC236}">
+                <a16:creationId xmlns:a16="http://schemas.microsoft.com/office/drawing/2014/main" id="{655B674C-A38E-45C4-AC6F-0040B44BF8D2}"/>
+              </a:ext>
+            </a:extLst>
+          </p:cNvPr>
+          <p:cNvPicPr>
+            <a:picLocks noChangeAspect="1"/>
+          </p:cNvPicPr>
+          <p:nvPr/>
+        </p:nvPicPr>
+        <p:blipFill>
+          <a:blip r:embed="rId11"/>
+          <a:stretch>
+            <a:fillRect/>
+          </a:stretch>
+        </p:blipFill>
+        <p:spPr>
+          <a:xfrm>
+            <a:off x="959026" y="3876620"/>
+            <a:ext cx="111883" cy="45719"/>
+          </a:xfrm>
+          <a:prstGeom prst="rect">
+            <a:avLst/>
+          </a:prstGeom>
+        </p:spPr>
+      </p:pic>
+      <p:pic>
+        <p:nvPicPr>
+          <p:cNvPr id="16" name="Imagem 15" descr="Uma imagem contendo relógio, objeto, verde, medidor&#10;&#10;Descrição gerada automaticamente">
+            <a:extLst>
+              <a:ext uri="{FF2B5EF4-FFF2-40B4-BE49-F238E27FC236}">
+                <a16:creationId xmlns:a16="http://schemas.microsoft.com/office/drawing/2014/main" id="{928529D5-18B2-4DAF-8DBD-7C26BEB77950}"/>
+              </a:ext>
+            </a:extLst>
+          </p:cNvPr>
+          <p:cNvPicPr>
+            <a:picLocks noChangeAspect="1"/>
+          </p:cNvPicPr>
+          <p:nvPr/>
+        </p:nvPicPr>
+        <p:blipFill>
+          <a:blip r:embed="rId12"/>
+          <a:stretch>
+            <a:fillRect/>
+          </a:stretch>
+        </p:blipFill>
+        <p:spPr>
+          <a:xfrm>
+            <a:off x="4460820" y="6388823"/>
+            <a:ext cx="45719" cy="45719"/>
+          </a:xfrm>
+          <a:prstGeom prst="rect">
+            <a:avLst/>
+          </a:prstGeom>
+        </p:spPr>
+      </p:pic>
+      <p:pic>
+        <p:nvPicPr>
+          <p:cNvPr id="17" name="Imagem 16">
+            <a:extLst>
+              <a:ext uri="{FF2B5EF4-FFF2-40B4-BE49-F238E27FC236}">
+                <a16:creationId xmlns:a16="http://schemas.microsoft.com/office/drawing/2014/main" id="{4FCAB8D1-C6CB-4A28-A850-865829EF45A6}"/>
+              </a:ext>
+            </a:extLst>
+          </p:cNvPr>
+          <p:cNvPicPr>
+            <a:picLocks noChangeAspect="1"/>
+          </p:cNvPicPr>
+          <p:nvPr/>
+        </p:nvPicPr>
+        <p:blipFill>
+          <a:blip r:embed="rId13"/>
+          <a:stretch>
+            <a:fillRect/>
+          </a:stretch>
+        </p:blipFill>
+        <p:spPr>
+          <a:xfrm>
+            <a:off x="4121688" y="4184282"/>
+            <a:ext cx="45719" cy="45719"/>
+          </a:xfrm>
+          <a:prstGeom prst="rect">
+            <a:avLst/>
+          </a:prstGeom>
+        </p:spPr>
+      </p:pic>
+      <p:pic>
+        <p:nvPicPr>
+          <p:cNvPr id="18" name="Imagem 17">
+            <a:extLst>
+              <a:ext uri="{FF2B5EF4-FFF2-40B4-BE49-F238E27FC236}">
+                <a16:creationId xmlns:a16="http://schemas.microsoft.com/office/drawing/2014/main" id="{5B4E495B-B79C-43A0-898C-6DAE413D8AF3}"/>
+              </a:ext>
+            </a:extLst>
+          </p:cNvPr>
+          <p:cNvPicPr>
+            <a:picLocks noChangeAspect="1"/>
+          </p:cNvPicPr>
+          <p:nvPr/>
+        </p:nvPicPr>
+        <p:blipFill>
+          <a:blip r:embed="rId14"/>
+          <a:stretch>
+            <a:fillRect/>
+          </a:stretch>
+        </p:blipFill>
+        <p:spPr>
+          <a:xfrm>
+            <a:off x="1540676" y="5217767"/>
+            <a:ext cx="45719" cy="45719"/>
+          </a:xfrm>
+          <a:prstGeom prst="rect">
+            <a:avLst/>
+          </a:prstGeom>
+        </p:spPr>
+      </p:pic>
+      <p:pic>
+        <p:nvPicPr>
+          <p:cNvPr id="19" name="Imagem 18">
+            <a:extLst>
+              <a:ext uri="{FF2B5EF4-FFF2-40B4-BE49-F238E27FC236}">
+                <a16:creationId xmlns:a16="http://schemas.microsoft.com/office/drawing/2014/main" id="{E47C558C-4A08-4E3D-ADA2-A095A43435F4}"/>
+              </a:ext>
+            </a:extLst>
+          </p:cNvPr>
+          <p:cNvPicPr>
+            <a:picLocks noChangeAspect="1"/>
+          </p:cNvPicPr>
+          <p:nvPr/>
+        </p:nvPicPr>
+        <p:blipFill>
+          <a:blip r:embed="rId15"/>
+          <a:stretch>
+            <a:fillRect/>
+          </a:stretch>
+        </p:blipFill>
+        <p:spPr>
+          <a:xfrm>
+            <a:off x="847726" y="6283643"/>
+            <a:ext cx="111510" cy="45719"/>
+          </a:xfrm>
+          <a:prstGeom prst="rect">
+            <a:avLst/>
+          </a:prstGeom>
+        </p:spPr>
+      </p:pic>
+      <p:sp>
+        <p:nvSpPr>
+          <p:cNvPr id="20" name="Retângulo 19">
+            <a:extLst>
+              <a:ext uri="{FF2B5EF4-FFF2-40B4-BE49-F238E27FC236}">
+                <a16:creationId xmlns:a16="http://schemas.microsoft.com/office/drawing/2014/main" id="{953D079A-AA5F-4015-97DF-A43C040B5CC3}"/>
+              </a:ext>
+            </a:extLst>
+          </p:cNvPr>
+          <p:cNvSpPr/>
+          <p:nvPr/>
+        </p:nvSpPr>
+        <p:spPr>
+          <a:xfrm>
+            <a:off x="5363527" y="2775775"/>
+            <a:ext cx="390536" cy="203454"/>
+          </a:xfrm>
+          <a:prstGeom prst="rect">
+            <a:avLst/>
+          </a:prstGeom>
+          <a:solidFill>
+            <a:schemeClr val="bg2"/>
+          </a:solidFill>
+          <a:ln>
+            <a:solidFill>
+              <a:schemeClr val="bg2"/>
+            </a:solidFill>
+          </a:ln>
+        </p:spPr>
+        <p:style>
+          <a:lnRef idx="2">
+            <a:schemeClr val="accent1">
+              <a:shade val="50000"/>
+            </a:schemeClr>
+          </a:lnRef>
+          <a:fillRef idx="1">
+            <a:schemeClr val="accent1"/>
+          </a:fillRef>
+          <a:effectRef idx="0">
+            <a:schemeClr val="accent1"/>
+          </a:effectRef>
+          <a:fontRef idx="minor">
+            <a:schemeClr val="lt1"/>
+          </a:fontRef>
+        </p:style>
+        <p:txBody>
+          <a:bodyPr rtlCol="0" anchor="ctr"/>
+          <a:lstStyle/>
+          <a:p>
+            <a:pPr algn="ctr"/>
+            <a:endParaRPr lang="pt-BR"/>
+          </a:p>
+        </p:txBody>
+      </p:sp>
+      <p:sp>
+        <p:nvSpPr>
+          <p:cNvPr id="2" name="Retângulo 1"/>
+          <p:cNvSpPr/>
+          <p:nvPr/>
+        </p:nvSpPr>
+        <p:spPr>
+          <a:xfrm>
+            <a:off x="746088" y="3797296"/>
+            <a:ext cx="3579169" cy="2922818"/>
+          </a:xfrm>
+          <a:prstGeom prst="rect">
+            <a:avLst/>
+          </a:prstGeom>
+          <a:solidFill>
+            <a:srgbClr val="F9F9F9"/>
+          </a:solidFill>
+          <a:ln>
+            <a:solidFill>
+              <a:srgbClr val="F9F9F9"/>
+            </a:solidFill>
+          </a:ln>
+        </p:spPr>
+        <p:style>
+          <a:lnRef idx="2">
+            <a:schemeClr val="accent1">
+              <a:shade val="50000"/>
+            </a:schemeClr>
+          </a:lnRef>
+          <a:fillRef idx="1">
+            <a:schemeClr val="accent1"/>
+          </a:fillRef>
+          <a:effectRef idx="0">
+            <a:schemeClr val="accent1"/>
+          </a:effectRef>
+          <a:fontRef idx="minor">
+            <a:schemeClr val="lt1"/>
+          </a:fontRef>
+        </p:style>
+        <p:txBody>
+          <a:bodyPr rtlCol="0" anchor="ctr"/>
+          <a:lstStyle/>
+          <a:p>
+            <a:pPr algn="ctr"/>
+            <a:endParaRPr lang="pt-BR"/>
+          </a:p>
+        </p:txBody>
+      </p:sp>
+      <p:sp>
+        <p:nvSpPr>
+          <p:cNvPr id="3" name="Retângulo 2"/>
+          <p:cNvSpPr/>
+          <p:nvPr/>
+        </p:nvSpPr>
+        <p:spPr>
+          <a:xfrm>
+            <a:off x="304800" y="1741714"/>
+            <a:ext cx="1281595" cy="1034061"/>
+          </a:xfrm>
+          <a:prstGeom prst="rect">
+            <a:avLst/>
+          </a:prstGeom>
+          <a:solidFill>
+            <a:srgbClr val="F9F9F9"/>
+          </a:solidFill>
+          <a:ln>
+            <a:solidFill>
+              <a:srgbClr val="F9F9F9"/>
+            </a:solidFill>
+          </a:ln>
+        </p:spPr>
+        <p:style>
+          <a:lnRef idx="2">
+            <a:schemeClr val="accent1">
+              <a:shade val="50000"/>
+            </a:schemeClr>
+          </a:lnRef>
+          <a:fillRef idx="1">
+            <a:schemeClr val="accent1"/>
+          </a:fillRef>
+          <a:effectRef idx="0">
+            <a:schemeClr val="accent1"/>
+          </a:effectRef>
+          <a:fontRef idx="minor">
+            <a:schemeClr val="lt1"/>
+          </a:fontRef>
+        </p:style>
+        <p:txBody>
+          <a:bodyPr rtlCol="0" anchor="ctr"/>
+          <a:lstStyle/>
+          <a:p>
+            <a:pPr algn="ctr"/>
+            <a:endParaRPr lang="pt-BR"/>
+          </a:p>
+        </p:txBody>
+      </p:sp>
+      <p:sp>
+        <p:nvSpPr>
+          <p:cNvPr id="4" name="Retângulo 3"/>
+          <p:cNvSpPr/>
+          <p:nvPr/>
+        </p:nvSpPr>
+        <p:spPr>
+          <a:xfrm>
+            <a:off x="5363527" y="4278113"/>
+            <a:ext cx="906644" cy="758344"/>
+          </a:xfrm>
+          <a:prstGeom prst="rect">
+            <a:avLst/>
+          </a:prstGeom>
+          <a:solidFill>
+            <a:srgbClr val="F9F9F9"/>
+          </a:solidFill>
+          <a:ln>
+            <a:solidFill>
+              <a:srgbClr val="F9F9F9"/>
+            </a:solidFill>
+          </a:ln>
+        </p:spPr>
+        <p:style>
+          <a:lnRef idx="2">
+            <a:schemeClr val="accent1">
+              <a:shade val="50000"/>
+            </a:schemeClr>
+          </a:lnRef>
+          <a:fillRef idx="1">
+            <a:schemeClr val="accent1"/>
+          </a:fillRef>
+          <a:effectRef idx="0">
+            <a:schemeClr val="accent1"/>
+          </a:effectRef>
+          <a:fontRef idx="minor">
+            <a:schemeClr val="lt1"/>
+          </a:fontRef>
+        </p:style>
+        <p:txBody>
+          <a:bodyPr rtlCol="0" anchor="ctr"/>
+          <a:lstStyle/>
+          <a:p>
+            <a:pPr algn="ctr"/>
+            <a:endParaRPr lang="pt-BR"/>
+          </a:p>
+        </p:txBody>
+      </p:sp>
+      <p:sp>
+        <p:nvSpPr>
+          <p:cNvPr id="26" name="Retângulo 25"/>
+          <p:cNvSpPr/>
+          <p:nvPr/>
+        </p:nvSpPr>
+        <p:spPr>
+          <a:xfrm>
+            <a:off x="3871935" y="5870948"/>
+            <a:ext cx="906644" cy="758344"/>
+          </a:xfrm>
+          <a:prstGeom prst="rect">
+            <a:avLst/>
+          </a:prstGeom>
+          <a:solidFill>
+            <a:srgbClr val="F9F9F9"/>
+          </a:solidFill>
+          <a:ln>
+            <a:solidFill>
+              <a:srgbClr val="F9F9F9"/>
+            </a:solidFill>
+          </a:ln>
+        </p:spPr>
+        <p:style>
+          <a:lnRef idx="2">
+            <a:schemeClr val="accent1">
+              <a:shade val="50000"/>
+            </a:schemeClr>
+          </a:lnRef>
+          <a:fillRef idx="1">
+            <a:schemeClr val="accent1"/>
+          </a:fillRef>
+          <a:effectRef idx="0">
+            <a:schemeClr val="accent1"/>
+          </a:effectRef>
+          <a:fontRef idx="minor">
+            <a:schemeClr val="lt1"/>
+          </a:fontRef>
+        </p:style>
+        <p:txBody>
+          <a:bodyPr rtlCol="0" anchor="ctr"/>
+          <a:lstStyle/>
+          <a:p>
+            <a:pPr algn="ctr"/>
+            <a:endParaRPr lang="pt-BR"/>
+          </a:p>
+        </p:txBody>
+      </p:sp>
+      <p:sp>
+        <p:nvSpPr>
+          <p:cNvPr id="5" name="Retângulo 4"/>
+          <p:cNvSpPr/>
+          <p:nvPr/>
+        </p:nvSpPr>
+        <p:spPr>
+          <a:xfrm>
+            <a:off x="6847479" y="5870948"/>
+            <a:ext cx="158163" cy="149095"/>
+          </a:xfrm>
+          <a:prstGeom prst="rect">
+            <a:avLst/>
+          </a:prstGeom>
+          <a:solidFill>
+            <a:srgbClr val="BFD8E7"/>
+          </a:solidFill>
+          <a:ln>
+            <a:solidFill>
+              <a:srgbClr val="BFD8E7"/>
+            </a:solidFill>
+          </a:ln>
+        </p:spPr>
+        <p:style>
+          <a:lnRef idx="2">
+            <a:schemeClr val="accent1">
+              <a:shade val="50000"/>
+            </a:schemeClr>
+          </a:lnRef>
+          <a:fillRef idx="1">
+            <a:schemeClr val="accent1"/>
+          </a:fillRef>
+          <a:effectRef idx="0">
+            <a:schemeClr val="accent1"/>
+          </a:effectRef>
+          <a:fontRef idx="minor">
+            <a:schemeClr val="lt1"/>
+          </a:fontRef>
+        </p:style>
+        <p:txBody>
+          <a:bodyPr rtlCol="0" anchor="ctr"/>
+          <a:lstStyle/>
+          <a:p>
+            <a:pPr algn="ctr"/>
+            <a:endParaRPr lang="pt-BR"/>
+          </a:p>
+        </p:txBody>
+      </p:sp>
+      <p:sp>
+        <p:nvSpPr>
+          <p:cNvPr id="6" name="Retângulo 5"/>
+          <p:cNvSpPr/>
+          <p:nvPr/>
+        </p:nvSpPr>
+        <p:spPr>
+          <a:xfrm>
+            <a:off x="8703723" y="4230001"/>
+            <a:ext cx="67375" cy="48112"/>
+          </a:xfrm>
+          <a:prstGeom prst="rect">
+            <a:avLst/>
+          </a:prstGeom>
+          <a:solidFill>
+            <a:srgbClr val="C3C9C9"/>
+          </a:solidFill>
+          <a:ln>
+            <a:solidFill>
+              <a:srgbClr val="C3C9C9"/>
+            </a:solidFill>
+          </a:ln>
+        </p:spPr>
+        <p:style>
+          <a:lnRef idx="2">
+            <a:schemeClr val="accent1">
+              <a:shade val="50000"/>
+            </a:schemeClr>
+          </a:lnRef>
+          <a:fillRef idx="1">
+            <a:schemeClr val="accent1"/>
+          </a:fillRef>
+          <a:effectRef idx="0">
+            <a:schemeClr val="accent1"/>
+          </a:effectRef>
+          <a:fontRef idx="minor">
+            <a:schemeClr val="lt1"/>
+          </a:fontRef>
+        </p:style>
+        <p:txBody>
+          <a:bodyPr rtlCol="0" anchor="ctr"/>
+          <a:lstStyle/>
+          <a:p>
+            <a:pPr algn="ctr"/>
+            <a:endParaRPr lang="pt-BR"/>
+          </a:p>
+        </p:txBody>
+      </p:sp>
+      <p:sp>
+        <p:nvSpPr>
+          <p:cNvPr id="27" name="Retângulo 26"/>
+          <p:cNvSpPr/>
+          <p:nvPr/>
+        </p:nvSpPr>
+        <p:spPr>
+          <a:xfrm>
+            <a:off x="10981155" y="3716380"/>
+            <a:ext cx="178277" cy="137520"/>
+          </a:xfrm>
+          <a:prstGeom prst="rect">
+            <a:avLst/>
+          </a:prstGeom>
+          <a:solidFill>
+            <a:srgbClr val="EAEBEF"/>
+          </a:solidFill>
+          <a:ln>
+            <a:solidFill>
+              <a:srgbClr val="EAEBEF"/>
+            </a:solidFill>
+          </a:ln>
+        </p:spPr>
+        <p:style>
+          <a:lnRef idx="2">
+            <a:schemeClr val="accent1">
+              <a:shade val="50000"/>
+            </a:schemeClr>
+          </a:lnRef>
+          <a:fillRef idx="1">
+            <a:schemeClr val="accent1"/>
+          </a:fillRef>
+          <a:effectRef idx="0">
+            <a:schemeClr val="accent1"/>
+          </a:effectRef>
+          <a:fontRef idx="minor">
+            <a:schemeClr val="lt1"/>
+          </a:fontRef>
+        </p:style>
+        <p:txBody>
+          <a:bodyPr rtlCol="0" anchor="ctr"/>
+          <a:lstStyle/>
+          <a:p>
+            <a:pPr algn="ctr"/>
+            <a:endParaRPr lang="pt-BR"/>
+          </a:p>
+        </p:txBody>
+      </p:sp>
+      <p:sp>
+        <p:nvSpPr>
+          <p:cNvPr id="28" name="Retângulo 27"/>
+          <p:cNvSpPr/>
+          <p:nvPr/>
+        </p:nvSpPr>
+        <p:spPr>
+          <a:xfrm>
+            <a:off x="10803732" y="5925132"/>
+            <a:ext cx="45719" cy="149096"/>
+          </a:xfrm>
+          <a:prstGeom prst="rect">
+            <a:avLst/>
+          </a:prstGeom>
+          <a:solidFill>
+            <a:srgbClr val="EDEEF0"/>
+          </a:solidFill>
+          <a:ln>
+            <a:solidFill>
+              <a:srgbClr val="ECEDEF"/>
+            </a:solidFill>
+          </a:ln>
+        </p:spPr>
+        <p:style>
+          <a:lnRef idx="2">
+            <a:schemeClr val="accent1">
+              <a:shade val="50000"/>
+            </a:schemeClr>
+          </a:lnRef>
+          <a:fillRef idx="1">
+            <a:schemeClr val="accent1"/>
+          </a:fillRef>
+          <a:effectRef idx="0">
+            <a:schemeClr val="accent1"/>
+          </a:effectRef>
+          <a:fontRef idx="minor">
+            <a:schemeClr val="lt1"/>
+          </a:fontRef>
+        </p:style>
+        <p:txBody>
+          <a:bodyPr rtlCol="0" anchor="ctr"/>
+          <a:lstStyle/>
+          <a:p>
+            <a:pPr algn="ctr"/>
+            <a:endParaRPr lang="pt-BR"/>
+          </a:p>
+        </p:txBody>
+      </p:sp>
+      <p:pic>
+        <p:nvPicPr>
+          <p:cNvPr id="21" name="Espaço Reservado para Imagem 20">
+            <a:extLst>
+              <a:ext uri="{FF2B5EF4-FFF2-40B4-BE49-F238E27FC236}">
+                <a16:creationId xmlns:a16="http://schemas.microsoft.com/office/drawing/2014/main" id="{B00D77EA-B76F-407C-B39A-DD5CADCB8884}"/>
+              </a:ext>
+            </a:extLst>
+          </p:cNvPr>
+          <p:cNvPicPr>
+            <a:picLocks noGrp="1" noChangeAspect="1"/>
+          </p:cNvPicPr>
+          <p:nvPr>
+            <p:ph type="pic" sz="quarter" idx="10"/>
+          </p:nvPr>
+        </p:nvPicPr>
+        <p:blipFill>
+          <a:blip r:embed="rId16"/>
+          <a:srcRect l="14533" r="14533"/>
+          <a:stretch>
+            <a:fillRect/>
+          </a:stretch>
+        </p:blipFill>
+        <p:spPr>
+          <a:xfrm>
+            <a:off x="6743703" y="16926"/>
+            <a:ext cx="5448297" cy="6858000"/>
+          </a:xfrm>
+          <a:solidFill>
+            <a:srgbClr val="EAEBEF"/>
+          </a:solidFill>
+          <a:ln>
+            <a:solidFill>
+              <a:srgbClr val="EAEBEF"/>
+            </a:solidFill>
+          </a:ln>
+        </p:spPr>
+      </p:pic>
+      <p:sp>
+        <p:nvSpPr>
+          <p:cNvPr id="22" name="CaixaDeTexto 21">
+            <a:extLst>
+              <a:ext uri="{FF2B5EF4-FFF2-40B4-BE49-F238E27FC236}">
+                <a16:creationId xmlns:a16="http://schemas.microsoft.com/office/drawing/2014/main" id="{902BE623-A1E3-4A07-AC2E-F76A6029298C}"/>
+              </a:ext>
+            </a:extLst>
+          </p:cNvPr>
+          <p:cNvSpPr txBox="1"/>
+          <p:nvPr/>
+        </p:nvSpPr>
+        <p:spPr>
+          <a:xfrm>
+            <a:off x="2060549" y="2845761"/>
+            <a:ext cx="3313448" cy="1200329"/>
+          </a:xfrm>
+          <a:prstGeom prst="rect">
+            <a:avLst/>
+          </a:prstGeom>
+          <a:noFill/>
+        </p:spPr>
+        <p:txBody>
+          <a:bodyPr wrap="square" rtlCol="0">
+            <a:spAutoFit/>
+          </a:bodyPr>
+          <a:lstStyle/>
+          <a:p>
+            <a:r>
+              <a:rPr lang="pt-BR" sz="7200" dirty="0">
+                <a:latin typeface="+mj-lt"/>
+              </a:rPr>
+              <a:t>Suporte</a:t>
+            </a:r>
+          </a:p>
+        </p:txBody>
+      </p:sp>
+    </p:spTree>
+    <p:extLst>
+      <p:ext uri="{BB962C8B-B14F-4D97-AF65-F5344CB8AC3E}">
+        <p14:creationId xmlns:p14="http://schemas.microsoft.com/office/powerpoint/2010/main" val="1591054890"/>
+      </p:ext>
+    </p:extLst>
+  </p:cSld>
+  <p:clrMapOvr>
+    <a:masterClrMapping/>
+  </p:clrMapOvr>
+  <p:transition spd="slow">
+    <p:push dir="u"/>
+  </p:transition>
+</p:sld>
+</file>
+
+<file path=ppt/slides/slide23.xml><?xml version="1.0" encoding="utf-8"?>
+<p:sld xmlns:a="http://schemas.openxmlformats.org/drawingml/2006/main" xmlns:r="http://schemas.openxmlformats.org/officeDocument/2006/relationships" xmlns:p="http://schemas.openxmlformats.org/presentationml/2006/main">
+  <p:cSld>
+    <p:spTree>
+      <p:nvGrpSpPr>
+        <p:cNvPr id="1" name=""/>
+        <p:cNvGrpSpPr/>
+        <p:nvPr/>
+      </p:nvGrpSpPr>
+      <p:grpSpPr>
+        <a:xfrm>
+          <a:off x="0" y="0"/>
+          <a:ext cx="0" cy="0"/>
+          <a:chOff x="0" y="0"/>
+          <a:chExt cx="0" cy="0"/>
+        </a:xfrm>
+      </p:grpSpPr>
+      <p:sp>
+        <p:nvSpPr>
+          <p:cNvPr id="22" name="CaixaDeTexto 21">
+            <a:extLst>
+              <a:ext uri="{FF2B5EF4-FFF2-40B4-BE49-F238E27FC236}">
+                <a16:creationId xmlns:a16="http://schemas.microsoft.com/office/drawing/2014/main" id="{902BE623-A1E3-4A07-AC2E-F76A6029298C}"/>
+              </a:ext>
+            </a:extLst>
+          </p:cNvPr>
+          <p:cNvSpPr txBox="1"/>
+          <p:nvPr/>
+        </p:nvSpPr>
+        <p:spPr>
+          <a:xfrm>
+            <a:off x="558487" y="2845762"/>
+            <a:ext cx="5844628" cy="1200329"/>
+          </a:xfrm>
+          <a:prstGeom prst="rect">
+            <a:avLst/>
+          </a:prstGeom>
+          <a:noFill/>
+        </p:spPr>
+        <p:txBody>
+          <a:bodyPr wrap="square" rtlCol="0">
+            <a:spAutoFit/>
+          </a:bodyPr>
+          <a:lstStyle/>
+          <a:p>
+            <a:r>
+              <a:rPr lang="pt-BR" sz="7200" dirty="0">
+                <a:latin typeface="+mj-lt"/>
+              </a:rPr>
+              <a:t>Demonstração</a:t>
+            </a:r>
+          </a:p>
+        </p:txBody>
+      </p:sp>
+      <p:pic>
+        <p:nvPicPr>
+          <p:cNvPr id="7" name="Imagem 6" descr="Uma imagem contendo kit de primeiros socorros, objeto&#10;&#10;Descrição gerada automaticamente">
+            <a:extLst>
+              <a:ext uri="{FF2B5EF4-FFF2-40B4-BE49-F238E27FC236}">
+                <a16:creationId xmlns:a16="http://schemas.microsoft.com/office/drawing/2014/main" id="{9F2EE745-88E1-4E73-91B1-6CAE0C0A7BA5}"/>
+              </a:ext>
+            </a:extLst>
+          </p:cNvPr>
+          <p:cNvPicPr>
+            <a:picLocks noChangeAspect="1"/>
+          </p:cNvPicPr>
+          <p:nvPr/>
+        </p:nvPicPr>
+        <p:blipFill>
+          <a:blip r:embed="rId3"/>
+          <a:stretch>
+            <a:fillRect/>
+          </a:stretch>
+        </p:blipFill>
+        <p:spPr>
+          <a:xfrm>
+            <a:off x="5400723" y="2854643"/>
+            <a:ext cx="77930" cy="45719"/>
+          </a:xfrm>
+          <a:prstGeom prst="rect">
+            <a:avLst/>
+          </a:prstGeom>
+        </p:spPr>
+      </p:pic>
+      <p:pic>
+        <p:nvPicPr>
+          <p:cNvPr id="8" name="Imagem 7">
+            <a:extLst>
+              <a:ext uri="{FF2B5EF4-FFF2-40B4-BE49-F238E27FC236}">
+                <a16:creationId xmlns:a16="http://schemas.microsoft.com/office/drawing/2014/main" id="{1F751F11-FC5E-48B7-9F3C-F5D2206C1216}"/>
+              </a:ext>
+            </a:extLst>
+          </p:cNvPr>
+          <p:cNvPicPr>
+            <a:picLocks noChangeAspect="1"/>
+          </p:cNvPicPr>
+          <p:nvPr/>
+        </p:nvPicPr>
+        <p:blipFill>
+          <a:blip r:embed="rId4"/>
+          <a:stretch>
+            <a:fillRect/>
+          </a:stretch>
+        </p:blipFill>
+        <p:spPr>
+          <a:xfrm>
+            <a:off x="10803732" y="6020043"/>
+            <a:ext cx="45719" cy="54185"/>
+          </a:xfrm>
+          <a:prstGeom prst="rect">
+            <a:avLst/>
+          </a:prstGeom>
+        </p:spPr>
+      </p:pic>
+      <p:pic>
+        <p:nvPicPr>
+          <p:cNvPr id="9" name="Imagem 8">
+            <a:extLst>
+              <a:ext uri="{FF2B5EF4-FFF2-40B4-BE49-F238E27FC236}">
+                <a16:creationId xmlns:a16="http://schemas.microsoft.com/office/drawing/2014/main" id="{6CBDF92B-009C-4005-A6BB-AAA3F599F914}"/>
+              </a:ext>
+            </a:extLst>
+          </p:cNvPr>
+          <p:cNvPicPr>
+            <a:picLocks noChangeAspect="1"/>
+          </p:cNvPicPr>
+          <p:nvPr/>
+        </p:nvPicPr>
+        <p:blipFill>
+          <a:blip r:embed="rId5"/>
+          <a:stretch>
+            <a:fillRect/>
+          </a:stretch>
+        </p:blipFill>
+        <p:spPr>
+          <a:xfrm>
+            <a:off x="9098107" y="2640554"/>
+            <a:ext cx="74633" cy="45719"/>
+          </a:xfrm>
+          <a:prstGeom prst="rect">
+            <a:avLst/>
+          </a:prstGeom>
+        </p:spPr>
+      </p:pic>
+      <p:pic>
+        <p:nvPicPr>
+          <p:cNvPr id="10" name="Imagem 9">
+            <a:extLst>
+              <a:ext uri="{FF2B5EF4-FFF2-40B4-BE49-F238E27FC236}">
+                <a16:creationId xmlns:a16="http://schemas.microsoft.com/office/drawing/2014/main" id="{62DE481A-E7DE-4748-80E9-038D7A25C07A}"/>
+              </a:ext>
+            </a:extLst>
+          </p:cNvPr>
+          <p:cNvPicPr>
+            <a:picLocks noChangeAspect="1"/>
+          </p:cNvPicPr>
+          <p:nvPr/>
+        </p:nvPicPr>
+        <p:blipFill>
+          <a:blip r:embed="rId6"/>
+          <a:stretch>
+            <a:fillRect/>
+          </a:stretch>
+        </p:blipFill>
+        <p:spPr>
+          <a:xfrm>
+            <a:off x="746088" y="2377582"/>
+            <a:ext cx="148755" cy="45719"/>
+          </a:xfrm>
+          <a:prstGeom prst="rect">
+            <a:avLst/>
+          </a:prstGeom>
+        </p:spPr>
+      </p:pic>
+      <p:pic>
+        <p:nvPicPr>
+          <p:cNvPr id="11" name="Imagem 10">
+            <a:extLst>
+              <a:ext uri="{FF2B5EF4-FFF2-40B4-BE49-F238E27FC236}">
+                <a16:creationId xmlns:a16="http://schemas.microsoft.com/office/drawing/2014/main" id="{6632E0F7-697B-40D4-BFDE-A954FAA1AF34}"/>
+              </a:ext>
+            </a:extLst>
+          </p:cNvPr>
+          <p:cNvPicPr>
+            <a:picLocks noChangeAspect="1"/>
+          </p:cNvPicPr>
+          <p:nvPr/>
+        </p:nvPicPr>
+        <p:blipFill>
+          <a:blip r:embed="rId7"/>
+          <a:stretch>
+            <a:fillRect/>
+          </a:stretch>
+        </p:blipFill>
+        <p:spPr>
+          <a:xfrm>
+            <a:off x="11070294" y="3751577"/>
+            <a:ext cx="45898" cy="45719"/>
+          </a:xfrm>
+          <a:prstGeom prst="rect">
+            <a:avLst/>
+          </a:prstGeom>
+        </p:spPr>
+      </p:pic>
+      <p:pic>
+        <p:nvPicPr>
+          <p:cNvPr id="12" name="Imagem 11" descr="Uma imagem contendo objeto&#10;&#10;Descrição gerada automaticamente">
+            <a:extLst>
+              <a:ext uri="{FF2B5EF4-FFF2-40B4-BE49-F238E27FC236}">
+                <a16:creationId xmlns:a16="http://schemas.microsoft.com/office/drawing/2014/main" id="{A5BD4CBC-243F-4E21-9359-2583706E0420}"/>
+              </a:ext>
+            </a:extLst>
+          </p:cNvPr>
+          <p:cNvPicPr>
+            <a:picLocks noChangeAspect="1"/>
+          </p:cNvPicPr>
+          <p:nvPr/>
+        </p:nvPicPr>
+        <p:blipFill>
+          <a:blip r:embed="rId8"/>
+          <a:stretch>
+            <a:fillRect/>
+          </a:stretch>
+        </p:blipFill>
+        <p:spPr>
+          <a:xfrm>
+            <a:off x="6847480" y="5925132"/>
+            <a:ext cx="158163" cy="45719"/>
+          </a:xfrm>
+          <a:prstGeom prst="rect">
+            <a:avLst/>
+          </a:prstGeom>
+        </p:spPr>
+      </p:pic>
+      <p:pic>
+        <p:nvPicPr>
+          <p:cNvPr id="13" name="Imagem 12" descr="Uma imagem contendo objeto, kit de primeiros socorros&#10;&#10;Descrição gerada automaticamente">
+            <a:extLst>
+              <a:ext uri="{FF2B5EF4-FFF2-40B4-BE49-F238E27FC236}">
+                <a16:creationId xmlns:a16="http://schemas.microsoft.com/office/drawing/2014/main" id="{839ABE05-5271-4677-8BEF-671EEA2E9B3C}"/>
+              </a:ext>
+            </a:extLst>
+          </p:cNvPr>
+          <p:cNvPicPr>
+            <a:picLocks noChangeAspect="1"/>
+          </p:cNvPicPr>
+          <p:nvPr/>
+        </p:nvPicPr>
+        <p:blipFill>
+          <a:blip r:embed="rId9"/>
+          <a:stretch>
+            <a:fillRect/>
+          </a:stretch>
+        </p:blipFill>
+        <p:spPr>
+          <a:xfrm>
+            <a:off x="8703723" y="4232394"/>
+            <a:ext cx="67375" cy="45719"/>
+          </a:xfrm>
+          <a:prstGeom prst="rect">
+            <a:avLst/>
+          </a:prstGeom>
+        </p:spPr>
+      </p:pic>
+      <p:pic>
+        <p:nvPicPr>
+          <p:cNvPr id="14" name="Imagem 13" descr="Uma imagem contendo gráficos vetoriais&#10;&#10;Descrição gerada automaticamente">
+            <a:extLst>
+              <a:ext uri="{FF2B5EF4-FFF2-40B4-BE49-F238E27FC236}">
+                <a16:creationId xmlns:a16="http://schemas.microsoft.com/office/drawing/2014/main" id="{8BB7BDF5-B3FB-4ED2-87FD-9DBA98B52BBC}"/>
+              </a:ext>
+            </a:extLst>
+          </p:cNvPr>
+          <p:cNvPicPr>
+            <a:picLocks noChangeAspect="1"/>
+          </p:cNvPicPr>
+          <p:nvPr/>
+        </p:nvPicPr>
+        <p:blipFill>
+          <a:blip r:embed="rId10"/>
+          <a:stretch>
+            <a:fillRect/>
+          </a:stretch>
+        </p:blipFill>
+        <p:spPr>
+          <a:xfrm>
+            <a:off x="5883525" y="4646268"/>
+            <a:ext cx="65742" cy="45719"/>
+          </a:xfrm>
+          <a:prstGeom prst="rect">
+            <a:avLst/>
+          </a:prstGeom>
+        </p:spPr>
+      </p:pic>
+      <p:pic>
+        <p:nvPicPr>
+          <p:cNvPr id="15" name="Imagem 14">
+            <a:extLst>
+              <a:ext uri="{FF2B5EF4-FFF2-40B4-BE49-F238E27FC236}">
+                <a16:creationId xmlns:a16="http://schemas.microsoft.com/office/drawing/2014/main" id="{655B674C-A38E-45C4-AC6F-0040B44BF8D2}"/>
+              </a:ext>
+            </a:extLst>
+          </p:cNvPr>
+          <p:cNvPicPr>
+            <a:picLocks noChangeAspect="1"/>
+          </p:cNvPicPr>
+          <p:nvPr/>
+        </p:nvPicPr>
+        <p:blipFill>
+          <a:blip r:embed="rId11"/>
+          <a:stretch>
+            <a:fillRect/>
+          </a:stretch>
+        </p:blipFill>
+        <p:spPr>
+          <a:xfrm>
+            <a:off x="959026" y="3876620"/>
+            <a:ext cx="111883" cy="45719"/>
+          </a:xfrm>
+          <a:prstGeom prst="rect">
+            <a:avLst/>
+          </a:prstGeom>
+        </p:spPr>
+      </p:pic>
+      <p:pic>
+        <p:nvPicPr>
+          <p:cNvPr id="16" name="Imagem 15" descr="Uma imagem contendo relógio, objeto, verde, medidor&#10;&#10;Descrição gerada automaticamente">
+            <a:extLst>
+              <a:ext uri="{FF2B5EF4-FFF2-40B4-BE49-F238E27FC236}">
+                <a16:creationId xmlns:a16="http://schemas.microsoft.com/office/drawing/2014/main" id="{928529D5-18B2-4DAF-8DBD-7C26BEB77950}"/>
+              </a:ext>
+            </a:extLst>
+          </p:cNvPr>
+          <p:cNvPicPr>
+            <a:picLocks noChangeAspect="1"/>
+          </p:cNvPicPr>
+          <p:nvPr/>
+        </p:nvPicPr>
+        <p:blipFill>
+          <a:blip r:embed="rId12"/>
+          <a:stretch>
+            <a:fillRect/>
+          </a:stretch>
+        </p:blipFill>
+        <p:spPr>
+          <a:xfrm>
+            <a:off x="4460820" y="6388823"/>
+            <a:ext cx="45719" cy="45719"/>
+          </a:xfrm>
+          <a:prstGeom prst="rect">
+            <a:avLst/>
+          </a:prstGeom>
+        </p:spPr>
+      </p:pic>
+      <p:pic>
+        <p:nvPicPr>
+          <p:cNvPr id="17" name="Imagem 16">
+            <a:extLst>
+              <a:ext uri="{FF2B5EF4-FFF2-40B4-BE49-F238E27FC236}">
+                <a16:creationId xmlns:a16="http://schemas.microsoft.com/office/drawing/2014/main" id="{4FCAB8D1-C6CB-4A28-A850-865829EF45A6}"/>
+              </a:ext>
+            </a:extLst>
+          </p:cNvPr>
+          <p:cNvPicPr>
+            <a:picLocks noChangeAspect="1"/>
+          </p:cNvPicPr>
+          <p:nvPr/>
+        </p:nvPicPr>
+        <p:blipFill>
+          <a:blip r:embed="rId13"/>
+          <a:stretch>
+            <a:fillRect/>
+          </a:stretch>
+        </p:blipFill>
+        <p:spPr>
+          <a:xfrm>
+            <a:off x="4121688" y="4184282"/>
+            <a:ext cx="45719" cy="45719"/>
+          </a:xfrm>
+          <a:prstGeom prst="rect">
+            <a:avLst/>
+          </a:prstGeom>
+        </p:spPr>
+      </p:pic>
+      <p:pic>
+        <p:nvPicPr>
+          <p:cNvPr id="18" name="Imagem 17">
+            <a:extLst>
+              <a:ext uri="{FF2B5EF4-FFF2-40B4-BE49-F238E27FC236}">
+                <a16:creationId xmlns:a16="http://schemas.microsoft.com/office/drawing/2014/main" id="{5B4E495B-B79C-43A0-898C-6DAE413D8AF3}"/>
+              </a:ext>
+            </a:extLst>
+          </p:cNvPr>
+          <p:cNvPicPr>
+            <a:picLocks noChangeAspect="1"/>
+          </p:cNvPicPr>
+          <p:nvPr/>
+        </p:nvPicPr>
+        <p:blipFill>
+          <a:blip r:embed="rId14"/>
+          <a:stretch>
+            <a:fillRect/>
+          </a:stretch>
+        </p:blipFill>
+        <p:spPr>
+          <a:xfrm>
+            <a:off x="1540676" y="5217767"/>
+            <a:ext cx="45719" cy="45719"/>
+          </a:xfrm>
+          <a:prstGeom prst="rect">
+            <a:avLst/>
+          </a:prstGeom>
+        </p:spPr>
+      </p:pic>
+      <p:pic>
+        <p:nvPicPr>
+          <p:cNvPr id="19" name="Imagem 18">
+            <a:extLst>
+              <a:ext uri="{FF2B5EF4-FFF2-40B4-BE49-F238E27FC236}">
+                <a16:creationId xmlns:a16="http://schemas.microsoft.com/office/drawing/2014/main" id="{E47C558C-4A08-4E3D-ADA2-A095A43435F4}"/>
+              </a:ext>
+            </a:extLst>
+          </p:cNvPr>
+          <p:cNvPicPr>
+            <a:picLocks noChangeAspect="1"/>
+          </p:cNvPicPr>
+          <p:nvPr/>
+        </p:nvPicPr>
+        <p:blipFill>
+          <a:blip r:embed="rId15"/>
+          <a:stretch>
+            <a:fillRect/>
+          </a:stretch>
+        </p:blipFill>
+        <p:spPr>
+          <a:xfrm>
+            <a:off x="847726" y="6283643"/>
+            <a:ext cx="111510" cy="45719"/>
+          </a:xfrm>
+          <a:prstGeom prst="rect">
+            <a:avLst/>
+          </a:prstGeom>
+        </p:spPr>
+      </p:pic>
+      <p:sp>
+        <p:nvSpPr>
+          <p:cNvPr id="20" name="Retângulo 19">
+            <a:extLst>
+              <a:ext uri="{FF2B5EF4-FFF2-40B4-BE49-F238E27FC236}">
+                <a16:creationId xmlns:a16="http://schemas.microsoft.com/office/drawing/2014/main" id="{953D079A-AA5F-4015-97DF-A43C040B5CC3}"/>
+              </a:ext>
+            </a:extLst>
+          </p:cNvPr>
+          <p:cNvSpPr/>
+          <p:nvPr/>
+        </p:nvSpPr>
+        <p:spPr>
+          <a:xfrm>
+            <a:off x="5363527" y="2775775"/>
+            <a:ext cx="390536" cy="203454"/>
+          </a:xfrm>
+          <a:prstGeom prst="rect">
+            <a:avLst/>
+          </a:prstGeom>
+          <a:solidFill>
+            <a:schemeClr val="bg2"/>
+          </a:solidFill>
+          <a:ln>
+            <a:solidFill>
+              <a:schemeClr val="bg2"/>
+            </a:solidFill>
+          </a:ln>
+        </p:spPr>
+        <p:style>
+          <a:lnRef idx="2">
+            <a:schemeClr val="accent1">
+              <a:shade val="50000"/>
+            </a:schemeClr>
+          </a:lnRef>
+          <a:fillRef idx="1">
+            <a:schemeClr val="accent1"/>
+          </a:fillRef>
+          <a:effectRef idx="0">
+            <a:schemeClr val="accent1"/>
+          </a:effectRef>
+          <a:fontRef idx="minor">
+            <a:schemeClr val="lt1"/>
+          </a:fontRef>
+        </p:style>
+        <p:txBody>
+          <a:bodyPr rtlCol="0" anchor="ctr"/>
+          <a:lstStyle/>
+          <a:p>
+            <a:pPr algn="ctr"/>
+            <a:endParaRPr lang="pt-BR"/>
+          </a:p>
+        </p:txBody>
+      </p:sp>
+      <p:sp>
+        <p:nvSpPr>
+          <p:cNvPr id="2" name="Retângulo 1"/>
+          <p:cNvSpPr/>
+          <p:nvPr/>
+        </p:nvSpPr>
+        <p:spPr>
+          <a:xfrm>
+            <a:off x="746088" y="3797296"/>
+            <a:ext cx="3579169" cy="2922818"/>
+          </a:xfrm>
+          <a:prstGeom prst="rect">
+            <a:avLst/>
+          </a:prstGeom>
+          <a:solidFill>
+            <a:srgbClr val="F9F9F9"/>
+          </a:solidFill>
+          <a:ln>
+            <a:solidFill>
+              <a:srgbClr val="F9F9F9"/>
+            </a:solidFill>
+          </a:ln>
+        </p:spPr>
+        <p:style>
+          <a:lnRef idx="2">
+            <a:schemeClr val="accent1">
+              <a:shade val="50000"/>
+            </a:schemeClr>
+          </a:lnRef>
+          <a:fillRef idx="1">
+            <a:schemeClr val="accent1"/>
+          </a:fillRef>
+          <a:effectRef idx="0">
+            <a:schemeClr val="accent1"/>
+          </a:effectRef>
+          <a:fontRef idx="minor">
+            <a:schemeClr val="lt1"/>
+          </a:fontRef>
+        </p:style>
+        <p:txBody>
+          <a:bodyPr rtlCol="0" anchor="ctr"/>
+          <a:lstStyle/>
+          <a:p>
+            <a:pPr algn="ctr"/>
+            <a:endParaRPr lang="pt-BR"/>
+          </a:p>
+        </p:txBody>
+      </p:sp>
+      <p:sp>
+        <p:nvSpPr>
+          <p:cNvPr id="3" name="Retângulo 2"/>
+          <p:cNvSpPr/>
+          <p:nvPr/>
+        </p:nvSpPr>
+        <p:spPr>
+          <a:xfrm>
+            <a:off x="304800" y="1741714"/>
+            <a:ext cx="1281595" cy="1034061"/>
+          </a:xfrm>
+          <a:prstGeom prst="rect">
+            <a:avLst/>
+          </a:prstGeom>
+          <a:solidFill>
+            <a:srgbClr val="F9F9F9"/>
+          </a:solidFill>
+          <a:ln>
+            <a:solidFill>
+              <a:srgbClr val="F9F9F9"/>
+            </a:solidFill>
+          </a:ln>
+        </p:spPr>
+        <p:style>
+          <a:lnRef idx="2">
+            <a:schemeClr val="accent1">
+              <a:shade val="50000"/>
+            </a:schemeClr>
+          </a:lnRef>
+          <a:fillRef idx="1">
+            <a:schemeClr val="accent1"/>
+          </a:fillRef>
+          <a:effectRef idx="0">
+            <a:schemeClr val="accent1"/>
+          </a:effectRef>
+          <a:fontRef idx="minor">
+            <a:schemeClr val="lt1"/>
+          </a:fontRef>
+        </p:style>
+        <p:txBody>
+          <a:bodyPr rtlCol="0" anchor="ctr"/>
+          <a:lstStyle/>
+          <a:p>
+            <a:pPr algn="ctr"/>
+            <a:endParaRPr lang="pt-BR"/>
+          </a:p>
+        </p:txBody>
+      </p:sp>
+      <p:sp>
+        <p:nvSpPr>
+          <p:cNvPr id="4" name="Retângulo 3"/>
+          <p:cNvSpPr/>
+          <p:nvPr/>
+        </p:nvSpPr>
+        <p:spPr>
+          <a:xfrm>
+            <a:off x="5363527" y="4278113"/>
+            <a:ext cx="906644" cy="758344"/>
+          </a:xfrm>
+          <a:prstGeom prst="rect">
+            <a:avLst/>
+          </a:prstGeom>
+          <a:solidFill>
+            <a:srgbClr val="F9F9F9"/>
+          </a:solidFill>
+          <a:ln>
+            <a:solidFill>
+              <a:srgbClr val="F9F9F9"/>
+            </a:solidFill>
+          </a:ln>
+        </p:spPr>
+        <p:style>
+          <a:lnRef idx="2">
+            <a:schemeClr val="accent1">
+              <a:shade val="50000"/>
+            </a:schemeClr>
+          </a:lnRef>
+          <a:fillRef idx="1">
+            <a:schemeClr val="accent1"/>
+          </a:fillRef>
+          <a:effectRef idx="0">
+            <a:schemeClr val="accent1"/>
+          </a:effectRef>
+          <a:fontRef idx="minor">
+            <a:schemeClr val="lt1"/>
+          </a:fontRef>
+        </p:style>
+        <p:txBody>
+          <a:bodyPr rtlCol="0" anchor="ctr"/>
+          <a:lstStyle/>
+          <a:p>
+            <a:pPr algn="ctr"/>
+            <a:endParaRPr lang="pt-BR"/>
+          </a:p>
+        </p:txBody>
+      </p:sp>
+      <p:sp>
+        <p:nvSpPr>
+          <p:cNvPr id="26" name="Retângulo 25"/>
+          <p:cNvSpPr/>
+          <p:nvPr/>
+        </p:nvSpPr>
+        <p:spPr>
+          <a:xfrm>
+            <a:off x="3871935" y="5870948"/>
+            <a:ext cx="906644" cy="758344"/>
+          </a:xfrm>
+          <a:prstGeom prst="rect">
+            <a:avLst/>
+          </a:prstGeom>
+          <a:solidFill>
+            <a:srgbClr val="F9F9F9"/>
+          </a:solidFill>
+          <a:ln>
+            <a:solidFill>
+              <a:srgbClr val="F9F9F9"/>
+            </a:solidFill>
+          </a:ln>
+        </p:spPr>
+        <p:style>
+          <a:lnRef idx="2">
+            <a:schemeClr val="accent1">
+              <a:shade val="50000"/>
+            </a:schemeClr>
+          </a:lnRef>
+          <a:fillRef idx="1">
+            <a:schemeClr val="accent1"/>
+          </a:fillRef>
+          <a:effectRef idx="0">
+            <a:schemeClr val="accent1"/>
+          </a:effectRef>
+          <a:fontRef idx="minor">
+            <a:schemeClr val="lt1"/>
+          </a:fontRef>
+        </p:style>
+        <p:txBody>
+          <a:bodyPr rtlCol="0" anchor="ctr"/>
+          <a:lstStyle/>
+          <a:p>
+            <a:pPr algn="ctr"/>
+            <a:endParaRPr lang="pt-BR"/>
+          </a:p>
+        </p:txBody>
+      </p:sp>
+      <p:sp>
+        <p:nvSpPr>
+          <p:cNvPr id="5" name="Retângulo 4"/>
+          <p:cNvSpPr/>
+          <p:nvPr/>
+        </p:nvSpPr>
+        <p:spPr>
+          <a:xfrm>
+            <a:off x="6847479" y="5870948"/>
+            <a:ext cx="158163" cy="149095"/>
+          </a:xfrm>
+          <a:prstGeom prst="rect">
+            <a:avLst/>
+          </a:prstGeom>
+          <a:solidFill>
+            <a:srgbClr val="BFD8E7"/>
+          </a:solidFill>
+          <a:ln>
+            <a:solidFill>
+              <a:srgbClr val="BFD8E7"/>
+            </a:solidFill>
+          </a:ln>
+        </p:spPr>
+        <p:style>
+          <a:lnRef idx="2">
+            <a:schemeClr val="accent1">
+              <a:shade val="50000"/>
+            </a:schemeClr>
+          </a:lnRef>
+          <a:fillRef idx="1">
+            <a:schemeClr val="accent1"/>
+          </a:fillRef>
+          <a:effectRef idx="0">
+            <a:schemeClr val="accent1"/>
+          </a:effectRef>
+          <a:fontRef idx="minor">
+            <a:schemeClr val="lt1"/>
+          </a:fontRef>
+        </p:style>
+        <p:txBody>
+          <a:bodyPr rtlCol="0" anchor="ctr"/>
+          <a:lstStyle/>
+          <a:p>
+            <a:pPr algn="ctr"/>
+            <a:endParaRPr lang="pt-BR"/>
+          </a:p>
+        </p:txBody>
+      </p:sp>
+      <p:sp>
+        <p:nvSpPr>
+          <p:cNvPr id="6" name="Retângulo 5"/>
+          <p:cNvSpPr/>
+          <p:nvPr/>
+        </p:nvSpPr>
+        <p:spPr>
+          <a:xfrm>
+            <a:off x="8703723" y="4230001"/>
+            <a:ext cx="67375" cy="48112"/>
+          </a:xfrm>
+          <a:prstGeom prst="rect">
+            <a:avLst/>
+          </a:prstGeom>
+          <a:solidFill>
+            <a:srgbClr val="C3C9C9"/>
+          </a:solidFill>
+          <a:ln>
+            <a:solidFill>
+              <a:srgbClr val="C3C9C9"/>
+            </a:solidFill>
+          </a:ln>
+        </p:spPr>
+        <p:style>
+          <a:lnRef idx="2">
+            <a:schemeClr val="accent1">
+              <a:shade val="50000"/>
+            </a:schemeClr>
+          </a:lnRef>
+          <a:fillRef idx="1">
+            <a:schemeClr val="accent1"/>
+          </a:fillRef>
+          <a:effectRef idx="0">
+            <a:schemeClr val="accent1"/>
+          </a:effectRef>
+          <a:fontRef idx="minor">
+            <a:schemeClr val="lt1"/>
+          </a:fontRef>
+        </p:style>
+        <p:txBody>
+          <a:bodyPr rtlCol="0" anchor="ctr"/>
+          <a:lstStyle/>
+          <a:p>
+            <a:pPr algn="ctr"/>
+            <a:endParaRPr lang="pt-BR"/>
+          </a:p>
+        </p:txBody>
+      </p:sp>
+      <p:sp>
+        <p:nvSpPr>
+          <p:cNvPr id="27" name="Retângulo 26"/>
+          <p:cNvSpPr/>
+          <p:nvPr/>
+        </p:nvSpPr>
+        <p:spPr>
+          <a:xfrm>
+            <a:off x="10981155" y="3716380"/>
+            <a:ext cx="178277" cy="137520"/>
+          </a:xfrm>
+          <a:prstGeom prst="rect">
+            <a:avLst/>
+          </a:prstGeom>
+          <a:solidFill>
+            <a:srgbClr val="EAEBEF"/>
+          </a:solidFill>
+          <a:ln>
+            <a:solidFill>
+              <a:srgbClr val="EAEBEF"/>
+            </a:solidFill>
+          </a:ln>
+        </p:spPr>
+        <p:style>
+          <a:lnRef idx="2">
+            <a:schemeClr val="accent1">
+              <a:shade val="50000"/>
+            </a:schemeClr>
+          </a:lnRef>
+          <a:fillRef idx="1">
+            <a:schemeClr val="accent1"/>
+          </a:fillRef>
+          <a:effectRef idx="0">
+            <a:schemeClr val="accent1"/>
+          </a:effectRef>
+          <a:fontRef idx="minor">
+            <a:schemeClr val="lt1"/>
+          </a:fontRef>
+        </p:style>
+        <p:txBody>
+          <a:bodyPr rtlCol="0" anchor="ctr"/>
+          <a:lstStyle/>
+          <a:p>
+            <a:pPr algn="ctr"/>
+            <a:endParaRPr lang="pt-BR"/>
+          </a:p>
+        </p:txBody>
+      </p:sp>
+      <p:sp>
+        <p:nvSpPr>
+          <p:cNvPr id="28" name="Retângulo 27"/>
+          <p:cNvSpPr/>
+          <p:nvPr/>
+        </p:nvSpPr>
+        <p:spPr>
+          <a:xfrm>
+            <a:off x="10803732" y="5925132"/>
+            <a:ext cx="45719" cy="149096"/>
+          </a:xfrm>
+          <a:prstGeom prst="rect">
+            <a:avLst/>
+          </a:prstGeom>
+          <a:solidFill>
+            <a:srgbClr val="EDEEF0"/>
+          </a:solidFill>
+          <a:ln>
+            <a:solidFill>
+              <a:srgbClr val="ECEDEF"/>
+            </a:solidFill>
+          </a:ln>
+        </p:spPr>
+        <p:style>
+          <a:lnRef idx="2">
+            <a:schemeClr val="accent1">
+              <a:shade val="50000"/>
+            </a:schemeClr>
+          </a:lnRef>
+          <a:fillRef idx="1">
+            <a:schemeClr val="accent1"/>
+          </a:fillRef>
+          <a:effectRef idx="0">
+            <a:schemeClr val="accent1"/>
+          </a:effectRef>
+          <a:fontRef idx="minor">
+            <a:schemeClr val="lt1"/>
+          </a:fontRef>
+        </p:style>
+        <p:txBody>
+          <a:bodyPr rtlCol="0" anchor="ctr"/>
+          <a:lstStyle/>
+          <a:p>
+            <a:pPr algn="ctr"/>
+            <a:endParaRPr lang="pt-BR"/>
+          </a:p>
+        </p:txBody>
+      </p:sp>
+      <p:pic>
+        <p:nvPicPr>
+          <p:cNvPr id="21" name="Espaço Reservado para Imagem 20">
+            <a:extLst>
+              <a:ext uri="{FF2B5EF4-FFF2-40B4-BE49-F238E27FC236}">
+                <a16:creationId xmlns:a16="http://schemas.microsoft.com/office/drawing/2014/main" id="{B00D77EA-B76F-407C-B39A-DD5CADCB8884}"/>
+              </a:ext>
+            </a:extLst>
+          </p:cNvPr>
+          <p:cNvPicPr>
+            <a:picLocks noGrp="1" noChangeAspect="1"/>
+          </p:cNvPicPr>
+          <p:nvPr>
+            <p:ph type="pic" sz="quarter" idx="10"/>
+          </p:nvPr>
+        </p:nvPicPr>
+        <p:blipFill>
+          <a:blip r:embed="rId16"/>
+          <a:srcRect l="14533" r="14533"/>
+          <a:stretch>
+            <a:fillRect/>
+          </a:stretch>
+        </p:blipFill>
+        <p:spPr>
+          <a:xfrm>
+            <a:off x="6743703" y="16926"/>
+            <a:ext cx="5448297" cy="6858000"/>
+          </a:xfrm>
+          <a:solidFill>
+            <a:srgbClr val="EAEBEF"/>
+          </a:solidFill>
+          <a:ln>
+            <a:solidFill>
+              <a:srgbClr val="EAEBEF"/>
+            </a:solidFill>
+          </a:ln>
+        </p:spPr>
+      </p:pic>
+    </p:spTree>
+    <p:extLst>
+      <p:ext uri="{BB962C8B-B14F-4D97-AF65-F5344CB8AC3E}">
+        <p14:creationId xmlns:p14="http://schemas.microsoft.com/office/powerpoint/2010/main" val="2610932260"/>
+      </p:ext>
+    </p:extLst>
+  </p:cSld>
+  <p:clrMapOvr>
+    <a:masterClrMapping/>
+  </p:clrMapOvr>
+  <p:transition spd="slow">
+    <p:push dir="u"/>
+  </p:transition>
+</p:sld>
+</file>
+
+<file path=ppt/slides/slide24.xml><?xml version="1.0" encoding="utf-8"?>
+<p:sld xmlns:a="http://schemas.openxmlformats.org/drawingml/2006/main" xmlns:r="http://schemas.openxmlformats.org/officeDocument/2006/relationships" xmlns:p="http://schemas.openxmlformats.org/presentationml/2006/main">
+  <p:cSld>
+    <p:spTree>
+      <p:nvGrpSpPr>
+        <p:cNvPr id="1" name=""/>
+        <p:cNvGrpSpPr/>
+        <p:nvPr/>
+      </p:nvGrpSpPr>
+      <p:grpSpPr>
+        <a:xfrm>
+          <a:off x="0" y="0"/>
+          <a:ext cx="0" cy="0"/>
+          <a:chOff x="0" y="0"/>
+          <a:chExt cx="0" cy="0"/>
+        </a:xfrm>
+      </p:grpSpPr>
+      <p:sp>
+        <p:nvSpPr>
+          <p:cNvPr id="2" name="Título 1">
+            <a:extLst>
+              <a:ext uri="{FF2B5EF4-FFF2-40B4-BE49-F238E27FC236}">
+                <a16:creationId xmlns:a16="http://schemas.microsoft.com/office/drawing/2014/main" id="{8C31434F-F5E5-4957-A030-E76CB2F323E7}"/>
+              </a:ext>
+            </a:extLst>
+          </p:cNvPr>
+          <p:cNvSpPr>
+            <a:spLocks noGrp="1"/>
+          </p:cNvSpPr>
+          <p:nvPr>
+            <p:ph type="title"/>
+          </p:nvPr>
+        </p:nvSpPr>
+        <p:spPr/>
+        <p:txBody>
+          <a:bodyPr/>
+          <a:lstStyle/>
+          <a:p>
+            <a:pPr algn="ctr"/>
+            <a:r>
+              <a:rPr lang="pt-BR" dirty="0"/>
+              <a:t>Tecnologias e Ferramentas Utilizadas</a:t>
+            </a:r>
+          </a:p>
+        </p:txBody>
+      </p:sp>
+      <p:pic>
+        <p:nvPicPr>
+          <p:cNvPr id="7" name="Imagem 6" descr="Uma imagem contendo kit de primeiros socorros, objeto&#10;&#10;Descrição gerada automaticamente">
+            <a:extLst>
+              <a:ext uri="{FF2B5EF4-FFF2-40B4-BE49-F238E27FC236}">
+                <a16:creationId xmlns:a16="http://schemas.microsoft.com/office/drawing/2014/main" id="{90B12A99-9D35-4890-BD5E-B7578258BE5E}"/>
+              </a:ext>
+            </a:extLst>
+          </p:cNvPr>
+          <p:cNvPicPr>
+            <a:picLocks noChangeAspect="1"/>
+          </p:cNvPicPr>
+          <p:nvPr/>
+        </p:nvPicPr>
+        <p:blipFill>
+          <a:blip r:embed="rId2"/>
+          <a:stretch>
+            <a:fillRect/>
+          </a:stretch>
+        </p:blipFill>
+        <p:spPr>
+          <a:xfrm>
+            <a:off x="4743498" y="1504546"/>
+            <a:ext cx="3280320" cy="1924454"/>
+          </a:xfrm>
+          <a:prstGeom prst="rect">
+            <a:avLst/>
+          </a:prstGeom>
+        </p:spPr>
+      </p:pic>
+      <p:pic>
+        <p:nvPicPr>
+          <p:cNvPr id="9" name="Imagem 8">
+            <a:extLst>
+              <a:ext uri="{FF2B5EF4-FFF2-40B4-BE49-F238E27FC236}">
+                <a16:creationId xmlns:a16="http://schemas.microsoft.com/office/drawing/2014/main" id="{DFDF8951-3F5C-47AC-8D19-380C37257EC7}"/>
+              </a:ext>
+            </a:extLst>
+          </p:cNvPr>
+          <p:cNvPicPr>
+            <a:picLocks noChangeAspect="1"/>
+          </p:cNvPicPr>
+          <p:nvPr/>
+        </p:nvPicPr>
+        <p:blipFill>
+          <a:blip r:embed="rId3"/>
+          <a:stretch>
+            <a:fillRect/>
+          </a:stretch>
+        </p:blipFill>
+        <p:spPr>
+          <a:xfrm>
+            <a:off x="10146507" y="4675288"/>
+            <a:ext cx="1626394" cy="1927578"/>
+          </a:xfrm>
+          <a:prstGeom prst="rect">
+            <a:avLst/>
+          </a:prstGeom>
+        </p:spPr>
+      </p:pic>
+      <p:pic>
+        <p:nvPicPr>
+          <p:cNvPr id="11" name="Imagem 10">
+            <a:extLst>
+              <a:ext uri="{FF2B5EF4-FFF2-40B4-BE49-F238E27FC236}">
+                <a16:creationId xmlns:a16="http://schemas.microsoft.com/office/drawing/2014/main" id="{7715635A-68C2-4CF3-A056-F955AF49E8C8}"/>
+              </a:ext>
+            </a:extLst>
+          </p:cNvPr>
+          <p:cNvPicPr>
+            <a:picLocks noChangeAspect="1"/>
+          </p:cNvPicPr>
+          <p:nvPr/>
+        </p:nvPicPr>
+        <p:blipFill>
+          <a:blip r:embed="rId4"/>
+          <a:stretch>
+            <a:fillRect/>
+          </a:stretch>
+        </p:blipFill>
+        <p:spPr>
+          <a:xfrm>
+            <a:off x="8440882" y="1480311"/>
+            <a:ext cx="2831591" cy="1734599"/>
+          </a:xfrm>
+          <a:prstGeom prst="rect">
+            <a:avLst/>
+          </a:prstGeom>
+        </p:spPr>
+      </p:pic>
+      <p:pic>
+        <p:nvPicPr>
+          <p:cNvPr id="13" name="Imagem 12">
+            <a:extLst>
+              <a:ext uri="{FF2B5EF4-FFF2-40B4-BE49-F238E27FC236}">
+                <a16:creationId xmlns:a16="http://schemas.microsoft.com/office/drawing/2014/main" id="{43C2AD72-F574-4C9E-8D9F-FEF37CB793A1}"/>
+              </a:ext>
+            </a:extLst>
+          </p:cNvPr>
+          <p:cNvPicPr>
+            <a:picLocks noChangeAspect="1"/>
+          </p:cNvPicPr>
+          <p:nvPr/>
+        </p:nvPicPr>
+        <p:blipFill>
+          <a:blip r:embed="rId5"/>
+          <a:stretch>
+            <a:fillRect/>
+          </a:stretch>
+        </p:blipFill>
+        <p:spPr>
+          <a:xfrm>
+            <a:off x="88863" y="1611433"/>
+            <a:ext cx="4361569" cy="1340505"/>
+          </a:xfrm>
+          <a:prstGeom prst="rect">
+            <a:avLst/>
+          </a:prstGeom>
+        </p:spPr>
+      </p:pic>
+      <p:pic>
+        <p:nvPicPr>
+          <p:cNvPr id="15" name="Imagem 14">
+            <a:extLst>
+              <a:ext uri="{FF2B5EF4-FFF2-40B4-BE49-F238E27FC236}">
+                <a16:creationId xmlns:a16="http://schemas.microsoft.com/office/drawing/2014/main" id="{59EF7266-E820-496A-9841-3B14D7CC61DC}"/>
+              </a:ext>
+            </a:extLst>
+          </p:cNvPr>
+          <p:cNvPicPr>
+            <a:picLocks noChangeAspect="1"/>
+          </p:cNvPicPr>
+          <p:nvPr/>
+        </p:nvPicPr>
+        <p:blipFill>
+          <a:blip r:embed="rId6"/>
+          <a:stretch>
+            <a:fillRect/>
+          </a:stretch>
+        </p:blipFill>
+        <p:spPr>
+          <a:xfrm>
+            <a:off x="10413069" y="2854550"/>
+            <a:ext cx="1477130" cy="1471383"/>
+          </a:xfrm>
+          <a:prstGeom prst="rect">
+            <a:avLst/>
+          </a:prstGeom>
+        </p:spPr>
+      </p:pic>
+      <p:pic>
+        <p:nvPicPr>
+          <p:cNvPr id="17" name="Imagem 16" descr="Uma imagem contendo objeto&#10;&#10;Descrição gerada automaticamente">
+            <a:extLst>
+              <a:ext uri="{FF2B5EF4-FFF2-40B4-BE49-F238E27FC236}">
+                <a16:creationId xmlns:a16="http://schemas.microsoft.com/office/drawing/2014/main" id="{E609E85E-28F7-49E7-B22F-12B8E8B22B0C}"/>
+              </a:ext>
+            </a:extLst>
+          </p:cNvPr>
+          <p:cNvPicPr>
+            <a:picLocks noChangeAspect="1"/>
+          </p:cNvPicPr>
+          <p:nvPr/>
+        </p:nvPicPr>
+        <p:blipFill>
+          <a:blip r:embed="rId7"/>
+          <a:stretch>
+            <a:fillRect/>
+          </a:stretch>
+        </p:blipFill>
+        <p:spPr>
+          <a:xfrm>
+            <a:off x="6190255" y="5639077"/>
+            <a:ext cx="2976562" cy="860412"/>
+          </a:xfrm>
+          <a:prstGeom prst="rect">
+            <a:avLst/>
+          </a:prstGeom>
+        </p:spPr>
+      </p:pic>
+      <p:pic>
+        <p:nvPicPr>
+          <p:cNvPr id="19" name="Imagem 18" descr="Uma imagem contendo objeto, kit de primeiros socorros&#10;&#10;Descrição gerada automaticamente">
+            <a:extLst>
+              <a:ext uri="{FF2B5EF4-FFF2-40B4-BE49-F238E27FC236}">
+                <a16:creationId xmlns:a16="http://schemas.microsoft.com/office/drawing/2014/main" id="{E6F56BA2-DF13-49E7-97B8-0C007DDC2B86}"/>
+              </a:ext>
+            </a:extLst>
+          </p:cNvPr>
+          <p:cNvPicPr>
+            <a:picLocks noChangeAspect="1"/>
+          </p:cNvPicPr>
+          <p:nvPr/>
+        </p:nvPicPr>
+        <p:blipFill>
+          <a:blip r:embed="rId8"/>
+          <a:stretch>
+            <a:fillRect/>
+          </a:stretch>
+        </p:blipFill>
+        <p:spPr>
+          <a:xfrm>
+            <a:off x="8046498" y="3633363"/>
+            <a:ext cx="1729202" cy="1173387"/>
+          </a:xfrm>
+          <a:prstGeom prst="rect">
+            <a:avLst/>
+          </a:prstGeom>
+        </p:spPr>
+      </p:pic>
+      <p:pic>
+        <p:nvPicPr>
+          <p:cNvPr id="21" name="Imagem 20" descr="Uma imagem contendo gráficos vetoriais&#10;&#10;Descrição gerada automaticamente">
+            <a:extLst>
+              <a:ext uri="{FF2B5EF4-FFF2-40B4-BE49-F238E27FC236}">
+                <a16:creationId xmlns:a16="http://schemas.microsoft.com/office/drawing/2014/main" id="{F1A806DF-6158-4EF4-A561-6269A4524A12}"/>
+              </a:ext>
+            </a:extLst>
+          </p:cNvPr>
+          <p:cNvPicPr>
+            <a:picLocks noChangeAspect="1"/>
+          </p:cNvPicPr>
+          <p:nvPr/>
+        </p:nvPicPr>
+        <p:blipFill>
+          <a:blip r:embed="rId9"/>
+          <a:stretch>
+            <a:fillRect/>
+          </a:stretch>
+        </p:blipFill>
+        <p:spPr>
+          <a:xfrm>
+            <a:off x="5226300" y="3498953"/>
+            <a:ext cx="2475688" cy="1721671"/>
+          </a:xfrm>
+          <a:prstGeom prst="rect">
+            <a:avLst/>
+          </a:prstGeom>
+        </p:spPr>
+      </p:pic>
+      <p:pic>
+        <p:nvPicPr>
+          <p:cNvPr id="23" name="Imagem 22">
+            <a:extLst>
+              <a:ext uri="{FF2B5EF4-FFF2-40B4-BE49-F238E27FC236}">
+                <a16:creationId xmlns:a16="http://schemas.microsoft.com/office/drawing/2014/main" id="{A6C4C144-9229-4AF5-9AF0-BF6A5FA9923A}"/>
+              </a:ext>
+            </a:extLst>
+          </p:cNvPr>
+          <p:cNvPicPr>
+            <a:picLocks noChangeAspect="1"/>
+          </p:cNvPicPr>
+          <p:nvPr/>
+        </p:nvPicPr>
+        <p:blipFill>
+          <a:blip r:embed="rId10"/>
+          <a:stretch>
+            <a:fillRect/>
+          </a:stretch>
+        </p:blipFill>
+        <p:spPr>
+          <a:xfrm>
+            <a:off x="301801" y="3361149"/>
+            <a:ext cx="2667000" cy="1089827"/>
+          </a:xfrm>
+          <a:prstGeom prst="rect">
+            <a:avLst/>
+          </a:prstGeom>
+        </p:spPr>
+      </p:pic>
+      <p:pic>
+        <p:nvPicPr>
+          <p:cNvPr id="25" name="Imagem 24" descr="Uma imagem contendo relógio, objeto, verde, medidor&#10;&#10;Descrição gerada automaticamente">
+            <a:extLst>
+              <a:ext uri="{FF2B5EF4-FFF2-40B4-BE49-F238E27FC236}">
+                <a16:creationId xmlns:a16="http://schemas.microsoft.com/office/drawing/2014/main" id="{46AA173A-F220-46A8-BBB7-92F7CA2D28D4}"/>
+              </a:ext>
+            </a:extLst>
+          </p:cNvPr>
+          <p:cNvPicPr>
+            <a:picLocks noChangeAspect="1"/>
+          </p:cNvPicPr>
+          <p:nvPr/>
+        </p:nvPicPr>
+        <p:blipFill>
+          <a:blip r:embed="rId11"/>
+          <a:stretch>
+            <a:fillRect/>
+          </a:stretch>
+        </p:blipFill>
+        <p:spPr>
+          <a:xfrm>
+            <a:off x="3803595" y="5353454"/>
+            <a:ext cx="1609725" cy="1609725"/>
+          </a:xfrm>
+          <a:prstGeom prst="rect">
+            <a:avLst/>
+          </a:prstGeom>
+        </p:spPr>
+      </p:pic>
+      <p:pic>
+        <p:nvPicPr>
+          <p:cNvPr id="27" name="Imagem 26">
+            <a:extLst>
+              <a:ext uri="{FF2B5EF4-FFF2-40B4-BE49-F238E27FC236}">
+                <a16:creationId xmlns:a16="http://schemas.microsoft.com/office/drawing/2014/main" id="{EEB3AB1F-1543-44D3-8D87-B239633E7547}"/>
+              </a:ext>
+            </a:extLst>
+          </p:cNvPr>
+          <p:cNvPicPr>
+            <a:picLocks noChangeAspect="1"/>
+          </p:cNvPicPr>
+          <p:nvPr/>
+        </p:nvPicPr>
+        <p:blipFill>
+          <a:blip r:embed="rId12"/>
+          <a:stretch>
+            <a:fillRect/>
+          </a:stretch>
+        </p:blipFill>
+        <p:spPr>
+          <a:xfrm>
+            <a:off x="3464463" y="3418133"/>
+            <a:ext cx="1340505" cy="1340505"/>
+          </a:xfrm>
+          <a:prstGeom prst="rect">
+            <a:avLst/>
+          </a:prstGeom>
+        </p:spPr>
+      </p:pic>
+      <p:pic>
+        <p:nvPicPr>
+          <p:cNvPr id="29" name="Imagem 28">
+            <a:extLst>
+              <a:ext uri="{FF2B5EF4-FFF2-40B4-BE49-F238E27FC236}">
+                <a16:creationId xmlns:a16="http://schemas.microsoft.com/office/drawing/2014/main" id="{CF65B9C5-1452-48DB-BDB3-F02525284182}"/>
+              </a:ext>
+            </a:extLst>
+          </p:cNvPr>
+          <p:cNvPicPr>
+            <a:picLocks noChangeAspect="1"/>
+          </p:cNvPicPr>
+          <p:nvPr/>
+        </p:nvPicPr>
+        <p:blipFill>
+          <a:blip r:embed="rId13"/>
+          <a:stretch>
+            <a:fillRect/>
+          </a:stretch>
+        </p:blipFill>
+        <p:spPr>
+          <a:xfrm>
+            <a:off x="883451" y="4649124"/>
+            <a:ext cx="1143000" cy="1143000"/>
+          </a:xfrm>
+          <a:prstGeom prst="rect">
+            <a:avLst/>
+          </a:prstGeom>
+        </p:spPr>
+      </p:pic>
+      <p:pic>
+        <p:nvPicPr>
+          <p:cNvPr id="31" name="Imagem 30">
+            <a:extLst>
+              <a:ext uri="{FF2B5EF4-FFF2-40B4-BE49-F238E27FC236}">
+                <a16:creationId xmlns:a16="http://schemas.microsoft.com/office/drawing/2014/main" id="{C59CB842-2ACA-4CAB-A11B-11F4745547AB}"/>
+              </a:ext>
+            </a:extLst>
+          </p:cNvPr>
+          <p:cNvPicPr>
+            <a:picLocks noChangeAspect="1"/>
+          </p:cNvPicPr>
+          <p:nvPr/>
+        </p:nvPicPr>
+        <p:blipFill>
+          <a:blip r:embed="rId14"/>
+          <a:stretch>
+            <a:fillRect/>
+          </a:stretch>
+        </p:blipFill>
+        <p:spPr>
+          <a:xfrm>
+            <a:off x="190500" y="5821150"/>
+            <a:ext cx="2528903" cy="1036850"/>
+          </a:xfrm>
+          <a:prstGeom prst="rect">
+            <a:avLst/>
+          </a:prstGeom>
+        </p:spPr>
+      </p:pic>
+    </p:spTree>
+    <p:extLst>
+      <p:ext uri="{BB962C8B-B14F-4D97-AF65-F5344CB8AC3E}">
+        <p14:creationId xmlns:p14="http://schemas.microsoft.com/office/powerpoint/2010/main" val="399739138"/>
+      </p:ext>
+    </p:extLst>
+  </p:cSld>
+  <p:clrMapOvr>
+    <a:masterClrMapping/>
+  </p:clrMapOvr>
+  <mc:AlternateContent xmlns:mc="http://schemas.openxmlformats.org/markup-compatibility/2006" xmlns:p159="http://schemas.microsoft.com/office/powerpoint/2015/09/main">
+    <mc:Choice Requires="p159">
+      <p:transition xmlns:p14="http://schemas.microsoft.com/office/powerpoint/2010/main" spd="slow" p14:dur="2000">
+        <p159:morph option="byObject"/>
+      </p:transition>
+    </mc:Choice>
+    <mc:Fallback xmlns="">
+      <p:transition spd="slow">
+        <p:fade/>
+      </p:transition>
+    </mc:Fallback>
+  </mc:AlternateContent>
+</p:sld>
+</file>
+
+<file path=ppt/slides/slide25.xml><?xml version="1.0" encoding="utf-8"?>
+<p:sld xmlns:a="http://schemas.openxmlformats.org/drawingml/2006/main" xmlns:r="http://schemas.openxmlformats.org/officeDocument/2006/relationships" xmlns:p="http://schemas.openxmlformats.org/presentationml/2006/main">
+  <p:cSld>
+    <p:spTree>
+      <p:nvGrpSpPr>
+        <p:cNvPr id="1" name=""/>
+        <p:cNvGrpSpPr/>
+        <p:nvPr/>
+      </p:nvGrpSpPr>
+      <p:grpSpPr>
+        <a:xfrm>
+          <a:off x="0" y="0"/>
+          <a:ext cx="0" cy="0"/>
+          <a:chOff x="0" y="0"/>
+          <a:chExt cx="0" cy="0"/>
+        </a:xfrm>
+      </p:grpSpPr>
+      <p:sp>
+        <p:nvSpPr>
+          <p:cNvPr id="22" name="CaixaDeTexto 21">
+            <a:extLst>
+              <a:ext uri="{FF2B5EF4-FFF2-40B4-BE49-F238E27FC236}">
+                <a16:creationId xmlns:a16="http://schemas.microsoft.com/office/drawing/2014/main" id="{902BE623-A1E3-4A07-AC2E-F76A6029298C}"/>
+              </a:ext>
+            </a:extLst>
+          </p:cNvPr>
+          <p:cNvSpPr txBox="1"/>
+          <p:nvPr/>
+        </p:nvSpPr>
+        <p:spPr>
+          <a:xfrm>
+            <a:off x="1466069" y="3116215"/>
+            <a:ext cx="7008846" cy="1200329"/>
+          </a:xfrm>
+          <a:prstGeom prst="rect">
+            <a:avLst/>
+          </a:prstGeom>
+          <a:noFill/>
+        </p:spPr>
+        <p:txBody>
+          <a:bodyPr wrap="square" rtlCol="0">
+            <a:spAutoFit/>
+          </a:bodyPr>
+          <a:lstStyle/>
+          <a:p>
+            <a:r>
+              <a:rPr lang="pt-BR" sz="7200" dirty="0">
+                <a:latin typeface="+mj-lt"/>
+              </a:rPr>
+              <a:t>Conclusão</a:t>
+            </a:r>
+          </a:p>
+        </p:txBody>
+      </p:sp>
+      <p:pic>
+        <p:nvPicPr>
+          <p:cNvPr id="8" name="Imagem 7">
+            <a:extLst>
+              <a:ext uri="{FF2B5EF4-FFF2-40B4-BE49-F238E27FC236}">
+                <a16:creationId xmlns:a16="http://schemas.microsoft.com/office/drawing/2014/main" id="{1F751F11-FC5E-48B7-9F3C-F5D2206C1216}"/>
+              </a:ext>
+            </a:extLst>
+          </p:cNvPr>
+          <p:cNvPicPr>
+            <a:picLocks noChangeAspect="1"/>
+          </p:cNvPicPr>
+          <p:nvPr/>
+        </p:nvPicPr>
+        <p:blipFill>
+          <a:blip r:embed="rId3"/>
+          <a:stretch>
+            <a:fillRect/>
+          </a:stretch>
+        </p:blipFill>
+        <p:spPr>
+          <a:xfrm>
+            <a:off x="10803732" y="6020043"/>
+            <a:ext cx="45719" cy="54185"/>
+          </a:xfrm>
+          <a:prstGeom prst="rect">
+            <a:avLst/>
+          </a:prstGeom>
+        </p:spPr>
+      </p:pic>
+      <p:pic>
+        <p:nvPicPr>
+          <p:cNvPr id="9" name="Imagem 8">
+            <a:extLst>
+              <a:ext uri="{FF2B5EF4-FFF2-40B4-BE49-F238E27FC236}">
+                <a16:creationId xmlns:a16="http://schemas.microsoft.com/office/drawing/2014/main" id="{6CBDF92B-009C-4005-A6BB-AAA3F599F914}"/>
+              </a:ext>
+            </a:extLst>
+          </p:cNvPr>
+          <p:cNvPicPr>
+            <a:picLocks noChangeAspect="1"/>
+          </p:cNvPicPr>
+          <p:nvPr/>
+        </p:nvPicPr>
+        <p:blipFill>
+          <a:blip r:embed="rId4"/>
+          <a:stretch>
+            <a:fillRect/>
+          </a:stretch>
+        </p:blipFill>
+        <p:spPr>
+          <a:xfrm>
+            <a:off x="9098107" y="2640554"/>
+            <a:ext cx="74633" cy="45719"/>
+          </a:xfrm>
+          <a:prstGeom prst="rect">
+            <a:avLst/>
+          </a:prstGeom>
+        </p:spPr>
+      </p:pic>
+      <p:pic>
+        <p:nvPicPr>
+          <p:cNvPr id="11" name="Imagem 10">
+            <a:extLst>
+              <a:ext uri="{FF2B5EF4-FFF2-40B4-BE49-F238E27FC236}">
+                <a16:creationId xmlns:a16="http://schemas.microsoft.com/office/drawing/2014/main" id="{6632E0F7-697B-40D4-BFDE-A954FAA1AF34}"/>
+              </a:ext>
+            </a:extLst>
+          </p:cNvPr>
+          <p:cNvPicPr>
+            <a:picLocks noChangeAspect="1"/>
+          </p:cNvPicPr>
+          <p:nvPr/>
+        </p:nvPicPr>
+        <p:blipFill>
+          <a:blip r:embed="rId5"/>
+          <a:stretch>
+            <a:fillRect/>
+          </a:stretch>
+        </p:blipFill>
+        <p:spPr>
+          <a:xfrm>
+            <a:off x="11070294" y="3751577"/>
+            <a:ext cx="45898" cy="45719"/>
+          </a:xfrm>
+          <a:prstGeom prst="rect">
+            <a:avLst/>
+          </a:prstGeom>
+        </p:spPr>
+      </p:pic>
+      <p:pic>
+        <p:nvPicPr>
+          <p:cNvPr id="13" name="Imagem 12" descr="Uma imagem contendo objeto, kit de primeiros socorros&#10;&#10;Descrição gerada automaticamente">
+            <a:extLst>
+              <a:ext uri="{FF2B5EF4-FFF2-40B4-BE49-F238E27FC236}">
+                <a16:creationId xmlns:a16="http://schemas.microsoft.com/office/drawing/2014/main" id="{839ABE05-5271-4677-8BEF-671EEA2E9B3C}"/>
+              </a:ext>
+            </a:extLst>
+          </p:cNvPr>
+          <p:cNvPicPr>
+            <a:picLocks noChangeAspect="1"/>
+          </p:cNvPicPr>
+          <p:nvPr/>
+        </p:nvPicPr>
+        <p:blipFill>
+          <a:blip r:embed="rId6"/>
+          <a:stretch>
+            <a:fillRect/>
+          </a:stretch>
+        </p:blipFill>
+        <p:spPr>
+          <a:xfrm>
+            <a:off x="8703723" y="4232394"/>
+            <a:ext cx="67375" cy="45719"/>
+          </a:xfrm>
+          <a:prstGeom prst="rect">
+            <a:avLst/>
+          </a:prstGeom>
+        </p:spPr>
+      </p:pic>
+      <p:sp>
+        <p:nvSpPr>
+          <p:cNvPr id="6" name="Retângulo 5"/>
+          <p:cNvSpPr/>
+          <p:nvPr/>
+        </p:nvSpPr>
+        <p:spPr>
+          <a:xfrm>
+            <a:off x="8703723" y="4230001"/>
+            <a:ext cx="67375" cy="48112"/>
+          </a:xfrm>
+          <a:prstGeom prst="rect">
+            <a:avLst/>
+          </a:prstGeom>
+          <a:solidFill>
+            <a:srgbClr val="C3C9C9"/>
+          </a:solidFill>
+          <a:ln>
+            <a:solidFill>
+              <a:srgbClr val="C3C9C9"/>
+            </a:solidFill>
+          </a:ln>
+        </p:spPr>
+        <p:style>
+          <a:lnRef idx="2">
+            <a:schemeClr val="accent1">
+              <a:shade val="50000"/>
+            </a:schemeClr>
+          </a:lnRef>
+          <a:fillRef idx="1">
+            <a:schemeClr val="accent1"/>
+          </a:fillRef>
+          <a:effectRef idx="0">
+            <a:schemeClr val="accent1"/>
+          </a:effectRef>
+          <a:fontRef idx="minor">
+            <a:schemeClr val="lt1"/>
+          </a:fontRef>
+        </p:style>
+        <p:txBody>
+          <a:bodyPr rtlCol="0" anchor="ctr"/>
+          <a:lstStyle/>
+          <a:p>
+            <a:pPr algn="ctr"/>
+            <a:endParaRPr lang="pt-BR"/>
+          </a:p>
+        </p:txBody>
+      </p:sp>
+      <p:sp>
+        <p:nvSpPr>
+          <p:cNvPr id="27" name="Retângulo 26"/>
+          <p:cNvSpPr/>
+          <p:nvPr/>
+        </p:nvSpPr>
+        <p:spPr>
+          <a:xfrm>
+            <a:off x="10981155" y="3716380"/>
+            <a:ext cx="178277" cy="137520"/>
+          </a:xfrm>
+          <a:prstGeom prst="rect">
+            <a:avLst/>
+          </a:prstGeom>
+          <a:solidFill>
+            <a:srgbClr val="EAEBEF"/>
+          </a:solidFill>
+          <a:ln>
+            <a:solidFill>
+              <a:srgbClr val="EAEBEF"/>
+            </a:solidFill>
+          </a:ln>
+        </p:spPr>
+        <p:style>
+          <a:lnRef idx="2">
+            <a:schemeClr val="accent1">
+              <a:shade val="50000"/>
+            </a:schemeClr>
+          </a:lnRef>
+          <a:fillRef idx="1">
+            <a:schemeClr val="accent1"/>
+          </a:fillRef>
+          <a:effectRef idx="0">
+            <a:schemeClr val="accent1"/>
+          </a:effectRef>
+          <a:fontRef idx="minor">
+            <a:schemeClr val="lt1"/>
+          </a:fontRef>
+        </p:style>
+        <p:txBody>
+          <a:bodyPr rtlCol="0" anchor="ctr"/>
+          <a:lstStyle/>
+          <a:p>
+            <a:pPr algn="ctr"/>
+            <a:endParaRPr lang="pt-BR"/>
+          </a:p>
+        </p:txBody>
+      </p:sp>
+      <p:sp>
+        <p:nvSpPr>
+          <p:cNvPr id="28" name="Retângulo 27"/>
+          <p:cNvSpPr/>
+          <p:nvPr/>
+        </p:nvSpPr>
+        <p:spPr>
+          <a:xfrm>
+            <a:off x="10803732" y="5925132"/>
+            <a:ext cx="45719" cy="149096"/>
+          </a:xfrm>
+          <a:prstGeom prst="rect">
+            <a:avLst/>
+          </a:prstGeom>
+          <a:solidFill>
+            <a:srgbClr val="EDEEF0"/>
+          </a:solidFill>
+          <a:ln>
+            <a:solidFill>
+              <a:srgbClr val="ECEDEF"/>
+            </a:solidFill>
+          </a:ln>
+        </p:spPr>
+        <p:style>
+          <a:lnRef idx="2">
+            <a:schemeClr val="accent1">
+              <a:shade val="50000"/>
+            </a:schemeClr>
+          </a:lnRef>
+          <a:fillRef idx="1">
+            <a:schemeClr val="accent1"/>
+          </a:fillRef>
+          <a:effectRef idx="0">
+            <a:schemeClr val="accent1"/>
+          </a:effectRef>
+          <a:fontRef idx="minor">
+            <a:schemeClr val="lt1"/>
+          </a:fontRef>
+        </p:style>
+        <p:txBody>
+          <a:bodyPr rtlCol="0" anchor="ctr"/>
+          <a:lstStyle/>
+          <a:p>
+            <a:pPr algn="ctr"/>
+            <a:endParaRPr lang="pt-BR"/>
+          </a:p>
+        </p:txBody>
+      </p:sp>
+      <p:pic>
+        <p:nvPicPr>
+          <p:cNvPr id="21" name="Espaço Reservado para Imagem 20">
+            <a:extLst>
+              <a:ext uri="{FF2B5EF4-FFF2-40B4-BE49-F238E27FC236}">
+                <a16:creationId xmlns:a16="http://schemas.microsoft.com/office/drawing/2014/main" id="{B00D77EA-B76F-407C-B39A-DD5CADCB8884}"/>
+              </a:ext>
+            </a:extLst>
+          </p:cNvPr>
+          <p:cNvPicPr>
+            <a:picLocks noGrp="1" noChangeAspect="1"/>
+          </p:cNvPicPr>
+          <p:nvPr>
+            <p:ph type="pic" sz="quarter" idx="10"/>
+          </p:nvPr>
+        </p:nvPicPr>
+        <p:blipFill>
+          <a:blip r:embed="rId7"/>
+          <a:srcRect l="14533" r="14533"/>
+          <a:stretch>
+            <a:fillRect/>
+          </a:stretch>
+        </p:blipFill>
+        <p:spPr>
+          <a:xfrm>
+            <a:off x="6743703" y="16926"/>
+            <a:ext cx="5448297" cy="6858000"/>
+          </a:xfrm>
+          <a:solidFill>
+            <a:srgbClr val="EAEBEF"/>
+          </a:solidFill>
+          <a:ln>
+            <a:solidFill>
+              <a:srgbClr val="EAEBEF"/>
+            </a:solidFill>
+          </a:ln>
+        </p:spPr>
+      </p:pic>
+    </p:spTree>
+    <p:extLst>
+      <p:ext uri="{BB962C8B-B14F-4D97-AF65-F5344CB8AC3E}">
+        <p14:creationId xmlns:p14="http://schemas.microsoft.com/office/powerpoint/2010/main" val="3752110924"/>
+      </p:ext>
+    </p:extLst>
+  </p:cSld>
+  <p:clrMapOvr>
+    <a:masterClrMapping/>
+  </p:clrMapOvr>
+  <p:transition spd="slow">
+    <p:push dir="u"/>
+  </p:transition>
+</p:sld>
+</file>
+
+<file path=ppt/slides/slide26.xml><?xml version="1.0" encoding="utf-8"?>
+<p:sld xmlns:a="http://schemas.openxmlformats.org/drawingml/2006/main" xmlns:r="http://schemas.openxmlformats.org/officeDocument/2006/relationships" xmlns:p="http://schemas.openxmlformats.org/presentationml/2006/main">
+  <p:cSld>
+    <p:spTree>
+      <p:nvGrpSpPr>
+        <p:cNvPr id="1" name=""/>
+        <p:cNvGrpSpPr/>
+        <p:nvPr/>
+      </p:nvGrpSpPr>
+      <p:grpSpPr>
+        <a:xfrm>
+          <a:off x="0" y="0"/>
+          <a:ext cx="0" cy="0"/>
+          <a:chOff x="0" y="0"/>
+          <a:chExt cx="0" cy="0"/>
+        </a:xfrm>
+      </p:grpSpPr>
+      <p:sp>
+        <p:nvSpPr>
           <p:cNvPr id="2" name="CaixaDeTexto 1"/>
           <p:cNvSpPr txBox="1"/>
           <p:nvPr/>
@@ -12627,10 +14950,9 @@
           <a:p>
             <a:pPr algn="ctr"/>
             <a:r>
-              <a:rPr lang="pt-BR" sz="11500" dirty="0" smtClean="0"/>
+              <a:rPr lang="pt-BR" sz="11500" dirty="0"/>
               <a:t>O que cada um fez/aprendeu no trabalho</a:t>
             </a:r>
-            <a:endParaRPr lang="pt-BR" sz="11500" dirty="0"/>
           </a:p>
         </p:txBody>
       </p:sp>
@@ -12656,17 +14978,10 @@
       </p:transition>
     </mc:Fallback>
   </mc:AlternateContent>
-  <p:timing>
-    <p:tnLst>
-      <p:par>
-        <p:cTn id="1" dur="indefinite" restart="never" nodeType="tmRoot"/>
-      </p:par>
-    </p:tnLst>
-  </p:timing>
 </p:sld>
 </file>
 
-<file path=ppt/slides/slide21.xml><?xml version="1.0" encoding="utf-8"?>
+<file path=ppt/slides/slide27.xml><?xml version="1.0" encoding="utf-8"?>
 <p:sld xmlns:a="http://schemas.openxmlformats.org/drawingml/2006/main" xmlns:r="http://schemas.openxmlformats.org/officeDocument/2006/relationships" xmlns:p="http://schemas.openxmlformats.org/presentationml/2006/main">
   <p:cSld>
     <p:spTree>
@@ -13152,25 +15467,18 @@
   <p:clrMapOvr>
     <a:masterClrMapping/>
   </p:clrMapOvr>
-  <mc:AlternateContent xmlns:mc="http://schemas.openxmlformats.org/markup-compatibility/2006">
-    <mc:Choice xmlns:p159="http://schemas.microsoft.com/office/powerpoint/2015/09/main" xmlns="" Requires="p159">
+  <mc:AlternateContent xmlns:mc="http://schemas.openxmlformats.org/markup-compatibility/2006" xmlns:p159="http://schemas.microsoft.com/office/powerpoint/2015/09/main">
+    <mc:Choice Requires="p159">
       <p:transition xmlns:p14="http://schemas.microsoft.com/office/powerpoint/2010/main" spd="slow" p14:dur="1250">
         <p159:morph option="byObject"/>
       </p:transition>
     </mc:Choice>
-    <mc:Fallback>
+    <mc:Fallback xmlns="">
       <p:transition spd="slow">
         <p:fade/>
       </p:transition>
     </mc:Fallback>
   </mc:AlternateContent>
-  <p:timing>
-    <p:tnLst>
-      <p:par>
-        <p:cTn id="1" dur="indefinite" restart="never" nodeType="tmRoot"/>
-      </p:par>
-    </p:tnLst>
-  </p:timing>
 </p:sld>
 </file>
 
@@ -13245,14 +15553,11 @@
           <a:lstStyle/>
           <a:p>
             <a:r>
-              <a:rPr lang="pt-BR" sz="7200" dirty="0" smtClean="0">
+              <a:rPr lang="pt-BR" sz="7200" dirty="0">
                 <a:latin typeface="+mj-lt"/>
               </a:rPr>
               <a:t>Contexto </a:t>
             </a:r>
-            <a:endParaRPr lang="pt-BR" sz="7200" dirty="0">
-              <a:latin typeface="+mj-lt"/>
-            </a:endParaRPr>
           </a:p>
         </p:txBody>
       </p:sp>
@@ -13269,13 +15574,6 @@
   <p:transition spd="slow">
     <p:push dir="u"/>
   </p:transition>
-  <p:timing>
-    <p:tnLst>
-      <p:par>
-        <p:cTn id="1" dur="indefinite" restart="never" nodeType="tmRoot"/>
-      </p:par>
-    </p:tnLst>
-  </p:timing>
 </p:sld>
 </file>
 
@@ -13313,10 +15611,9 @@
           <a:p>
             <a:pPr rtl="0"/>
             <a:r>
-              <a:rPr lang="pt-BR" dirty="0" smtClean="0"/>
+              <a:rPr lang="pt-BR" dirty="0"/>
               <a:t>O que é umidade?</a:t>
             </a:r>
-            <a:endParaRPr lang="pt-BR" dirty="0"/>
           </a:p>
         </p:txBody>
       </p:sp>
@@ -13663,13 +15960,6 @@
   <p:transition spd="slow">
     <p:push dir="u"/>
   </p:transition>
-  <p:timing>
-    <p:tnLst>
-      <p:par>
-        <p:cTn id="1" dur="indefinite" restart="never" nodeType="tmRoot"/>
-      </p:par>
-    </p:tnLst>
-  </p:timing>
 </p:sld>
 </file>
 
@@ -13708,13 +15998,8 @@
             <a:pPr rtl="0"/>
             <a:r>
               <a:rPr lang="pt-BR" dirty="0"/>
-              <a:t>Bem </a:t>
+              <a:t>Bem estar e produtividade</a:t>
             </a:r>
-            <a:r>
-              <a:rPr lang="pt-BR" dirty="0" smtClean="0"/>
-              <a:t>estar e produtividade</a:t>
-            </a:r>
-            <a:endParaRPr lang="pt-BR" dirty="0"/>
           </a:p>
         </p:txBody>
       </p:sp>
@@ -13852,13 +16137,6 @@
   <p:transition spd="slow">
     <p:push dir="u"/>
   </p:transition>
-  <p:timing>
-    <p:tnLst>
-      <p:par>
-        <p:cTn id="1" dur="indefinite" restart="never" nodeType="tmRoot"/>
-      </p:par>
-    </p:tnLst>
-  </p:timing>
 </p:sld>
 </file>
 
@@ -13975,13 +16253,6 @@
   <p:transition spd="med">
     <p:pull/>
   </p:transition>
-  <p:timing>
-    <p:tnLst>
-      <p:par>
-        <p:cTn id="1" dur="indefinite" restart="never" nodeType="tmRoot"/>
-      </p:par>
-    </p:tnLst>
-  </p:timing>
 </p:sld>
 </file>
 
@@ -14002,46 +16273,6 @@
           <a:chExt cx="0" cy="0"/>
         </a:xfrm>
       </p:grpSpPr>
-      <p:sp>
-        <p:nvSpPr>
-          <p:cNvPr id="22" name="CaixaDeTexto 21">
-            <a:extLst>
-              <a:ext uri="{FF2B5EF4-FFF2-40B4-BE49-F238E27FC236}">
-                <a16:creationId xmlns:a16="http://schemas.microsoft.com/office/drawing/2014/main" id="{902BE623-A1E3-4A07-AC2E-F76A6029298C}"/>
-              </a:ext>
-            </a:extLst>
-          </p:cNvPr>
-          <p:cNvSpPr txBox="1"/>
-          <p:nvPr/>
-        </p:nvSpPr>
-        <p:spPr>
-          <a:xfrm>
-            <a:off x="1070909" y="2673256"/>
-            <a:ext cx="4761800" cy="1200329"/>
-          </a:xfrm>
-          <a:prstGeom prst="rect">
-            <a:avLst/>
-          </a:prstGeom>
-          <a:noFill/>
-        </p:spPr>
-        <p:txBody>
-          <a:bodyPr wrap="square" rtlCol="0">
-            <a:spAutoFit/>
-          </a:bodyPr>
-          <a:lstStyle/>
-          <a:p>
-            <a:r>
-              <a:rPr lang="pt-BR" sz="7200" dirty="0" smtClean="0">
-                <a:latin typeface="+mj-lt"/>
-              </a:rPr>
-              <a:t>Justificativa </a:t>
-            </a:r>
-            <a:endParaRPr lang="pt-BR" sz="7200" dirty="0">
-              <a:latin typeface="+mj-lt"/>
-            </a:endParaRPr>
-          </a:p>
-        </p:txBody>
-      </p:sp>
       <p:pic>
         <p:nvPicPr>
           <p:cNvPr id="7" name="Imagem 6" descr="Uma imagem contendo kit de primeiros socorros, objeto&#10;&#10;Descrição gerada automaticamente">
@@ -14740,6 +16971,62 @@
           </a:ln>
         </p:spPr>
       </p:pic>
+      <p:sp>
+        <p:nvSpPr>
+          <p:cNvPr id="22" name="CaixaDeTexto 21">
+            <a:extLst>
+              <a:ext uri="{FF2B5EF4-FFF2-40B4-BE49-F238E27FC236}">
+                <a16:creationId xmlns:a16="http://schemas.microsoft.com/office/drawing/2014/main" id="{902BE623-A1E3-4A07-AC2E-F76A6029298C}"/>
+              </a:ext>
+            </a:extLst>
+          </p:cNvPr>
+          <p:cNvSpPr txBox="1"/>
+          <p:nvPr/>
+        </p:nvSpPr>
+        <p:spPr>
+          <a:xfrm>
+            <a:off x="894278" y="1720840"/>
+            <a:ext cx="5157873" cy="3416320"/>
+          </a:xfrm>
+          <a:prstGeom prst="rect">
+            <a:avLst/>
+          </a:prstGeom>
+          <a:noFill/>
+        </p:spPr>
+        <p:txBody>
+          <a:bodyPr wrap="square" rtlCol="0">
+            <a:spAutoFit/>
+          </a:bodyPr>
+          <a:lstStyle/>
+          <a:p>
+            <a:pPr algn="ctr"/>
+            <a:r>
+              <a:rPr lang="pt-BR" sz="7200" dirty="0">
+                <a:latin typeface="+mj-lt"/>
+              </a:rPr>
+              <a:t>Justificativa </a:t>
+            </a:r>
+          </a:p>
+          <a:p>
+            <a:pPr algn="ctr"/>
+            <a:r>
+              <a:rPr lang="pt-BR" sz="7200" dirty="0">
+                <a:latin typeface="+mj-lt"/>
+              </a:rPr>
+              <a:t>e</a:t>
+            </a:r>
+          </a:p>
+          <a:p>
+            <a:pPr algn="ctr"/>
+            <a:r>
+              <a:rPr lang="pt-BR" sz="7200" dirty="0">
+                <a:latin typeface="+mj-lt"/>
+              </a:rPr>
+              <a:t>Objetivo</a:t>
+            </a:r>
+          </a:p>
+        </p:txBody>
+      </p:sp>
     </p:spTree>
     <p:extLst>
       <p:ext uri="{BB962C8B-B14F-4D97-AF65-F5344CB8AC3E}">
@@ -14753,13 +17040,6 @@
   <p:transition spd="slow">
     <p:push dir="u"/>
   </p:transition>
-  <p:timing>
-    <p:tnLst>
-      <p:par>
-        <p:cTn id="1" dur="indefinite" restart="never" nodeType="tmRoot"/>
-      </p:par>
-    </p:tnLst>
-  </p:timing>
 </p:sld>
 </file>
 
@@ -15037,7 +17317,7 @@
               </a:buBlip>
             </a:pPr>
             <a:r>
-              <a:rPr lang="pt-BR" dirty="0" smtClean="0"/>
+              <a:rPr lang="pt-BR" dirty="0"/>
               <a:t> Adequação às normas.</a:t>
             </a:r>
           </a:p>
@@ -15049,7 +17329,7 @@
               </a:buBlip>
             </a:pPr>
             <a:r>
-              <a:rPr lang="pt-BR" dirty="0" smtClean="0"/>
+              <a:rPr lang="pt-BR" dirty="0"/>
               <a:t> Monitoramento constante, seguro e automatizado. </a:t>
             </a:r>
           </a:p>
@@ -15061,7 +17341,7 @@
               </a:buBlip>
             </a:pPr>
             <a:r>
-              <a:rPr lang="pt-BR" dirty="0" smtClean="0"/>
+              <a:rPr lang="pt-BR" dirty="0"/>
               <a:t> Economia de energia e tempo.</a:t>
             </a:r>
           </a:p>
@@ -15073,7 +17353,7 @@
               </a:buBlip>
             </a:pPr>
             <a:r>
-              <a:rPr lang="pt-BR" dirty="0" smtClean="0"/>
+              <a:rPr lang="pt-BR" dirty="0"/>
               <a:t> Como funciona.</a:t>
             </a:r>
           </a:p>
@@ -15085,7 +17365,7 @@
               </a:buBlip>
             </a:pPr>
             <a:r>
-              <a:rPr lang="pt-BR" dirty="0" smtClean="0"/>
+              <a:rPr lang="pt-BR" dirty="0"/>
               <a:t> Tecnologias e ferramentas utilizadas.</a:t>
             </a:r>
           </a:p>
@@ -15096,7 +17376,7 @@
                 <a:blip r:embed="rId3"/>
               </a:buBlip>
             </a:pPr>
-            <a:endParaRPr lang="pt-BR" dirty="0" smtClean="0"/>
+            <a:endParaRPr lang="pt-BR" dirty="0"/>
           </a:p>
           <a:p>
             <a:pPr>
@@ -15122,13 +17402,6 @@
   <p:transition spd="slow">
     <p:push dir="u"/>
   </p:transition>
-  <p:timing>
-    <p:tnLst>
-      <p:par>
-        <p:cTn id="1" dur="indefinite" restart="never" nodeType="tmRoot"/>
-      </p:par>
-    </p:tnLst>
-  </p:timing>
 </p:sld>
 </file>
 

--- a/documentacao/PowerPoint.pptx
+++ b/documentacao/PowerPoint.pptx
@@ -339,7 +339,9 @@
               <c:showPercent val="0"/>
               <c:showBubbleSize val="0"/>
               <c:extLst>
-                <c:ext xmlns:c15="http://schemas.microsoft.com/office/drawing/2012/chart" uri="{CE6537A1-D6FC-4f65-9D91-7224C49458BB}"/>
+                <c:ext xmlns:c15="http://schemas.microsoft.com/office/drawing/2012/chart" uri="{CE6537A1-D6FC-4f65-9D91-7224C49458BB}">
+                  <c15:layout/>
+                </c:ext>
                 <c:ext xmlns:c16="http://schemas.microsoft.com/office/drawing/2014/chart" uri="{C3380CC4-5D6E-409C-BE32-E72D297353CC}">
                   <c16:uniqueId val="{00000003-749E-4529-A1A6-5419C5DD7C65}"/>
                 </c:ext>
@@ -360,7 +362,9 @@
               <c:showPercent val="0"/>
               <c:showBubbleSize val="0"/>
               <c:extLst>
-                <c:ext xmlns:c15="http://schemas.microsoft.com/office/drawing/2012/chart" uri="{CE6537A1-D6FC-4f65-9D91-7224C49458BB}"/>
+                <c:ext xmlns:c15="http://schemas.microsoft.com/office/drawing/2012/chart" uri="{CE6537A1-D6FC-4f65-9D91-7224C49458BB}">
+                  <c15:layout/>
+                </c:ext>
                 <c:ext xmlns:c16="http://schemas.microsoft.com/office/drawing/2014/chart" uri="{C3380CC4-5D6E-409C-BE32-E72D297353CC}">
                   <c16:uniqueId val="{00000005-749E-4529-A1A6-5419C5DD7C65}"/>
                 </c:ext>
@@ -381,7 +385,9 @@
               <c:showPercent val="0"/>
               <c:showBubbleSize val="0"/>
               <c:extLst>
-                <c:ext xmlns:c15="http://schemas.microsoft.com/office/drawing/2012/chart" uri="{CE6537A1-D6FC-4f65-9D91-7224C49458BB}"/>
+                <c:ext xmlns:c15="http://schemas.microsoft.com/office/drawing/2012/chart" uri="{CE6537A1-D6FC-4f65-9D91-7224C49458BB}">
+                  <c15:layout/>
+                </c:ext>
                 <c:ext xmlns:c16="http://schemas.microsoft.com/office/drawing/2014/chart" uri="{C3380CC4-5D6E-409C-BE32-E72D297353CC}">
                   <c16:uniqueId val="{0000000C-0D5B-4790-9681-FF0CECD76294}"/>
                 </c:ext>
@@ -402,7 +408,9 @@
               <c:showPercent val="0"/>
               <c:showBubbleSize val="0"/>
               <c:extLst>
-                <c:ext xmlns:c15="http://schemas.microsoft.com/office/drawing/2012/chart" uri="{CE6537A1-D6FC-4f65-9D91-7224C49458BB}"/>
+                <c:ext xmlns:c15="http://schemas.microsoft.com/office/drawing/2012/chart" uri="{CE6537A1-D6FC-4f65-9D91-7224C49458BB}">
+                  <c15:layout/>
+                </c:ext>
                 <c:ext xmlns:c16="http://schemas.microsoft.com/office/drawing/2014/chart" uri="{C3380CC4-5D6E-409C-BE32-E72D297353CC}">
                   <c16:uniqueId val="{0000000F-0D5B-4790-9681-FF0CECD76294}"/>
                 </c:ext>
@@ -423,7 +431,9 @@
               <c:showPercent val="0"/>
               <c:showBubbleSize val="0"/>
               <c:extLst>
-                <c:ext xmlns:c15="http://schemas.microsoft.com/office/drawing/2012/chart" uri="{CE6537A1-D6FC-4f65-9D91-7224C49458BB}"/>
+                <c:ext xmlns:c15="http://schemas.microsoft.com/office/drawing/2012/chart" uri="{CE6537A1-D6FC-4f65-9D91-7224C49458BB}">
+                  <c15:layout/>
+                </c:ext>
                 <c:ext xmlns:c16="http://schemas.microsoft.com/office/drawing/2014/chart" uri="{C3380CC4-5D6E-409C-BE32-E72D297353CC}">
                   <c16:uniqueId val="{0000000D-0D5B-4790-9681-FF0CECD76294}"/>
                 </c:ext>
@@ -444,7 +454,9 @@
               <c:showPercent val="0"/>
               <c:showBubbleSize val="0"/>
               <c:extLst>
-                <c:ext xmlns:c15="http://schemas.microsoft.com/office/drawing/2012/chart" uri="{CE6537A1-D6FC-4f65-9D91-7224C49458BB}"/>
+                <c:ext xmlns:c15="http://schemas.microsoft.com/office/drawing/2012/chart" uri="{CE6537A1-D6FC-4f65-9D91-7224C49458BB}">
+                  <c15:layout/>
+                </c:ext>
                 <c:ext xmlns:c16="http://schemas.microsoft.com/office/drawing/2014/chart" uri="{C3380CC4-5D6E-409C-BE32-E72D297353CC}">
                   <c16:uniqueId val="{0000000E-0D5B-4790-9681-FF0CECD76294}"/>
                 </c:ext>
@@ -483,6 +495,7 @@
             <c:showLeaderLines val="0"/>
             <c:extLst>
               <c:ext xmlns:c15="http://schemas.microsoft.com/office/drawing/2012/chart" uri="{CE6537A1-D6FC-4f65-9D91-7224C49458BB}">
+                <c15:layout/>
                 <c15:showLeaderLines val="1"/>
                 <c15:leaderLines>
                   <c:spPr>
@@ -723,7 +736,9 @@
               <c:showPercent val="0"/>
               <c:showBubbleSize val="0"/>
               <c:extLst>
-                <c:ext xmlns:c15="http://schemas.microsoft.com/office/drawing/2012/chart" uri="{CE6537A1-D6FC-4f65-9D91-7224C49458BB}"/>
+                <c:ext xmlns:c15="http://schemas.microsoft.com/office/drawing/2012/chart" uri="{CE6537A1-D6FC-4f65-9D91-7224C49458BB}">
+                  <c15:layout/>
+                </c:ext>
                 <c:ext xmlns:c16="http://schemas.microsoft.com/office/drawing/2014/chart" uri="{C3380CC4-5D6E-409C-BE32-E72D297353CC}">
                   <c16:uniqueId val="{0000000B-749E-4529-A1A6-5419C5DD7C65}"/>
                 </c:ext>
@@ -744,7 +759,9 @@
               <c:showPercent val="0"/>
               <c:showBubbleSize val="0"/>
               <c:extLst>
-                <c:ext xmlns:c15="http://schemas.microsoft.com/office/drawing/2012/chart" uri="{CE6537A1-D6FC-4f65-9D91-7224C49458BB}"/>
+                <c:ext xmlns:c15="http://schemas.microsoft.com/office/drawing/2012/chart" uri="{CE6537A1-D6FC-4f65-9D91-7224C49458BB}">
+                  <c15:layout/>
+                </c:ext>
                 <c:ext xmlns:c16="http://schemas.microsoft.com/office/drawing/2014/chart" uri="{C3380CC4-5D6E-409C-BE32-E72D297353CC}">
                   <c16:uniqueId val="{0000000D-749E-4529-A1A6-5419C5DD7C65}"/>
                 </c:ext>
@@ -765,7 +782,9 @@
               <c:showPercent val="0"/>
               <c:showBubbleSize val="0"/>
               <c:extLst>
-                <c:ext xmlns:c15="http://schemas.microsoft.com/office/drawing/2012/chart" uri="{CE6537A1-D6FC-4f65-9D91-7224C49458BB}"/>
+                <c:ext xmlns:c15="http://schemas.microsoft.com/office/drawing/2012/chart" uri="{CE6537A1-D6FC-4f65-9D91-7224C49458BB}">
+                  <c15:layout/>
+                </c:ext>
                 <c:ext xmlns:c16="http://schemas.microsoft.com/office/drawing/2014/chart" uri="{C3380CC4-5D6E-409C-BE32-E72D297353CC}">
                   <c16:uniqueId val="{0000000F-749E-4529-A1A6-5419C5DD7C65}"/>
                 </c:ext>
@@ -786,7 +805,9 @@
               <c:showPercent val="0"/>
               <c:showBubbleSize val="0"/>
               <c:extLst>
-                <c:ext xmlns:c15="http://schemas.microsoft.com/office/drawing/2012/chart" uri="{CE6537A1-D6FC-4f65-9D91-7224C49458BB}"/>
+                <c:ext xmlns:c15="http://schemas.microsoft.com/office/drawing/2012/chart" uri="{CE6537A1-D6FC-4f65-9D91-7224C49458BB}">
+                  <c15:layout/>
+                </c:ext>
                 <c:ext xmlns:c16="http://schemas.microsoft.com/office/drawing/2014/chart" uri="{C3380CC4-5D6E-409C-BE32-E72D297353CC}">
                   <c16:uniqueId val="{00000008-0D5B-4790-9681-FF0CECD76294}"/>
                 </c:ext>
@@ -807,7 +828,9 @@
               <c:showPercent val="0"/>
               <c:showBubbleSize val="0"/>
               <c:extLst>
-                <c:ext xmlns:c15="http://schemas.microsoft.com/office/drawing/2012/chart" uri="{CE6537A1-D6FC-4f65-9D91-7224C49458BB}"/>
+                <c:ext xmlns:c15="http://schemas.microsoft.com/office/drawing/2012/chart" uri="{CE6537A1-D6FC-4f65-9D91-7224C49458BB}">
+                  <c15:layout/>
+                </c:ext>
                 <c:ext xmlns:c16="http://schemas.microsoft.com/office/drawing/2014/chart" uri="{C3380CC4-5D6E-409C-BE32-E72D297353CC}">
                   <c16:uniqueId val="{00000009-0D5B-4790-9681-FF0CECD76294}"/>
                 </c:ext>
@@ -828,7 +851,9 @@
               <c:showPercent val="0"/>
               <c:showBubbleSize val="0"/>
               <c:extLst>
-                <c:ext xmlns:c15="http://schemas.microsoft.com/office/drawing/2012/chart" uri="{CE6537A1-D6FC-4f65-9D91-7224C49458BB}"/>
+                <c:ext xmlns:c15="http://schemas.microsoft.com/office/drawing/2012/chart" uri="{CE6537A1-D6FC-4f65-9D91-7224C49458BB}">
+                  <c15:layout/>
+                </c:ext>
                 <c:ext xmlns:c16="http://schemas.microsoft.com/office/drawing/2014/chart" uri="{C3380CC4-5D6E-409C-BE32-E72D297353CC}">
                   <c16:uniqueId val="{0000000A-0D5B-4790-9681-FF0CECD76294}"/>
                 </c:ext>
@@ -849,7 +874,9 @@
               <c:showPercent val="0"/>
               <c:showBubbleSize val="0"/>
               <c:extLst>
-                <c:ext xmlns:c15="http://schemas.microsoft.com/office/drawing/2012/chart" uri="{CE6537A1-D6FC-4f65-9D91-7224C49458BB}"/>
+                <c:ext xmlns:c15="http://schemas.microsoft.com/office/drawing/2012/chart" uri="{CE6537A1-D6FC-4f65-9D91-7224C49458BB}">
+                  <c15:layout/>
+                </c:ext>
                 <c:ext xmlns:c16="http://schemas.microsoft.com/office/drawing/2014/chart" uri="{C3380CC4-5D6E-409C-BE32-E72D297353CC}">
                   <c16:uniqueId val="{0000000B-0D5B-4790-9681-FF0CECD76294}"/>
                 </c:ext>
@@ -888,6 +915,7 @@
             <c:showLeaderLines val="0"/>
             <c:extLst>
               <c:ext xmlns:c15="http://schemas.microsoft.com/office/drawing/2012/chart" uri="{CE6537A1-D6FC-4f65-9D91-7224C49458BB}">
+                <c15:layout/>
                 <c15:showLeaderLines val="1"/>
                 <c15:leaderLines>
                   <c:spPr>
@@ -1108,6 +1136,7 @@
     </c:plotArea>
     <c:legend>
       <c:legendPos val="b"/>
+      <c:layout/>
       <c:overlay val="0"/>
       <c:spPr>
         <a:noFill/>
@@ -1801,7 +1830,7 @@
             <a:pPr rtl="0"/>
             <a:fld id="{F769B0D5-7F55-455B-B769-84B61581E250}" type="datetime1">
               <a:rPr lang="pt-BR" smtClean="0"/>
-              <a:t>10/05/2019</a:t>
+              <a:t>13/05/2019</a:t>
             </a:fld>
             <a:endParaRPr lang="pt-BR" dirty="0"/>
           </a:p>
@@ -1971,7 +2000,7 @@
             <a:pPr rtl="0"/>
             <a:fld id="{1AFE56F6-A70B-491B-A989-29E38C94819E}" type="datetime1">
               <a:rPr lang="pt-BR" noProof="0" smtClean="0"/>
-              <a:t>10/05/2019</a:t>
+              <a:t>13/05/2019</a:t>
             </a:fld>
             <a:endParaRPr lang="pt-BR" noProof="0" dirty="0"/>
           </a:p>
@@ -4410,7 +4439,7 @@
             <a:pPr rtl="0"/>
             <a:fld id="{ED540BCD-A9BE-4069-AF5C-2A3DFF693F79}" type="datetime1">
               <a:rPr lang="pt-BR" noProof="0" smtClean="0"/>
-              <a:t>10/05/2019</a:t>
+              <a:t>13/05/2019</a:t>
             </a:fld>
             <a:endParaRPr lang="pt-BR" noProof="0" dirty="0"/>
           </a:p>
@@ -5024,7 +5053,7 @@
             <a:pPr rtl="0"/>
             <a:fld id="{1CECCB52-40C2-4E99-85EA-E8A293866E2D}" type="datetime1">
               <a:rPr lang="pt-BR" noProof="0" smtClean="0"/>
-              <a:t>10/05/2019</a:t>
+              <a:t>13/05/2019</a:t>
             </a:fld>
             <a:endParaRPr lang="pt-BR" noProof="0" dirty="0"/>
           </a:p>
@@ -5213,7 +5242,7 @@
             <a:pPr rtl="0"/>
             <a:fld id="{E24EF33E-C11E-476F-ABF9-879EF9D37700}" type="datetime1">
               <a:rPr lang="pt-BR" noProof="0" smtClean="0"/>
-              <a:t>10/05/2019</a:t>
+              <a:t>13/05/2019</a:t>
             </a:fld>
             <a:endParaRPr lang="pt-BR" noProof="0" dirty="0"/>
           </a:p>
@@ -5552,7 +5581,7 @@
             <a:pPr rtl="0"/>
             <a:fld id="{AF3A9F66-FD54-49C7-9D08-483FEB75E766}" type="datetime1">
               <a:rPr lang="pt-BR" noProof="0" smtClean="0"/>
-              <a:t>10/05/2019</a:t>
+              <a:t>13/05/2019</a:t>
             </a:fld>
             <a:endParaRPr lang="pt-BR" noProof="0" dirty="0"/>
           </a:p>
@@ -5750,7 +5779,7 @@
             <a:pPr rtl="0"/>
             <a:fld id="{B76F022E-73DC-465B-A81F-663C39E9C6BC}" type="datetime1">
               <a:rPr lang="pt-BR" noProof="0" smtClean="0"/>
-              <a:t>10/05/2019</a:t>
+              <a:t>13/05/2019</a:t>
             </a:fld>
             <a:endParaRPr lang="pt-BR" noProof="0" dirty="0"/>
           </a:p>
@@ -6931,7 +6960,7 @@
             <a:pPr rtl="0"/>
             <a:fld id="{D032D7E7-0E3D-42EA-B60A-46262A5D0676}" type="datetime1">
               <a:rPr lang="pt-BR" noProof="0" smtClean="0"/>
-              <a:t>10/05/2019</a:t>
+              <a:t>13/05/2019</a:t>
             </a:fld>
             <a:endParaRPr lang="pt-BR" noProof="0" dirty="0"/>
           </a:p>
@@ -7321,7 +7350,7 @@
             <a:pPr rtl="0"/>
             <a:fld id="{A0DCB2DA-9F14-430D-AF4F-64B6EB5E00E7}" type="datetime1">
               <a:rPr lang="pt-BR" noProof="0" smtClean="0"/>
-              <a:t>10/05/2019</a:t>
+              <a:t>13/05/2019</a:t>
             </a:fld>
             <a:endParaRPr lang="pt-BR" noProof="0" dirty="0"/>
           </a:p>
@@ -7458,7 +7487,7 @@
             <a:pPr rtl="0"/>
             <a:fld id="{58A91CED-09DA-4ECE-92C8-759A4ED95185}" type="datetime1">
               <a:rPr lang="pt-BR" noProof="0" smtClean="0"/>
-              <a:t>10/05/2019</a:t>
+              <a:t>13/05/2019</a:t>
             </a:fld>
             <a:endParaRPr lang="pt-BR" noProof="0" dirty="0"/>
           </a:p>
@@ -7571,7 +7600,7 @@
             <a:pPr rtl="0"/>
             <a:fld id="{84518F8F-CA65-4BFD-A461-B66071DAF05B}" type="datetime1">
               <a:rPr lang="pt-BR" noProof="0" smtClean="0"/>
-              <a:t>10/05/2019</a:t>
+              <a:t>13/05/2019</a:t>
             </a:fld>
             <a:endParaRPr lang="pt-BR" noProof="0" dirty="0"/>
           </a:p>
@@ -7869,7 +7898,7 @@
             <a:pPr rtl="0"/>
             <a:fld id="{1FF51EBE-146A-4C5F-B6C5-AA4426FEB226}" type="datetime1">
               <a:rPr lang="pt-BR" noProof="0" smtClean="0"/>
-              <a:t>10/05/2019</a:t>
+              <a:t>13/05/2019</a:t>
             </a:fld>
             <a:endParaRPr lang="pt-BR" noProof="0" dirty="0"/>
           </a:p>
@@ -8253,7 +8282,7 @@
             <a:pPr rtl="0"/>
             <a:fld id="{AF879DE6-BF0A-412B-BA5D-89651B90F81D}" type="datetime1">
               <a:rPr lang="pt-BR" noProof="0" smtClean="0"/>
-              <a:t>10/05/2019</a:t>
+              <a:t>13/05/2019</a:t>
             </a:fld>
             <a:endParaRPr lang="pt-BR" noProof="0" dirty="0"/>
           </a:p>
@@ -10164,28 +10193,28 @@
       </p:sp>
       <p:pic>
         <p:nvPicPr>
-          <p:cNvPr id="4" name="Imagem 3">
-            <a:extLst>
-              <a:ext uri="{FF2B5EF4-FFF2-40B4-BE49-F238E27FC236}">
-                <a16:creationId xmlns:a16="http://schemas.microsoft.com/office/drawing/2014/main" id="{396D7D88-E0FB-4E78-9F4D-013AE1398AA1}"/>
-              </a:ext>
-            </a:extLst>
-          </p:cNvPr>
+          <p:cNvPr id="3" name="Imagem 2"/>
           <p:cNvPicPr>
             <a:picLocks noChangeAspect="1"/>
           </p:cNvPicPr>
           <p:nvPr/>
         </p:nvPicPr>
         <p:blipFill>
-          <a:blip r:embed="rId2"/>
+          <a:blip r:embed="rId2">
+            <a:extLst>
+              <a:ext uri="{28A0092B-C50C-407E-A947-70E740481C1C}">
+                <a14:useLocalDpi xmlns:a14="http://schemas.microsoft.com/office/drawing/2010/main" val="0"/>
+              </a:ext>
+            </a:extLst>
+          </a:blip>
           <a:stretch>
             <a:fillRect/>
           </a:stretch>
         </p:blipFill>
         <p:spPr>
           <a:xfrm>
-            <a:off x="1295401" y="1538680"/>
-            <a:ext cx="9720262" cy="5319320"/>
+            <a:off x="1173707" y="1537240"/>
+            <a:ext cx="9722893" cy="5320760"/>
           </a:xfrm>
           <a:prstGeom prst="rect">
             <a:avLst/>
@@ -11984,13 +12013,13 @@
   <p:clrMapOvr>
     <a:masterClrMapping/>
   </p:clrMapOvr>
-  <mc:AlternateContent xmlns:mc="http://schemas.openxmlformats.org/markup-compatibility/2006" xmlns:p159="http://schemas.microsoft.com/office/powerpoint/2015/09/main">
-    <mc:Choice Requires="p159">
+  <mc:AlternateContent xmlns:mc="http://schemas.openxmlformats.org/markup-compatibility/2006">
+    <mc:Choice xmlns:p159="http://schemas.microsoft.com/office/powerpoint/2015/09/main" xmlns="" Requires="p159">
       <p:transition xmlns:p14="http://schemas.microsoft.com/office/powerpoint/2010/main" spd="slow" p14:dur="2000">
         <p159:morph option="byObject"/>
       </p:transition>
     </mc:Choice>
-    <mc:Fallback xmlns="">
+    <mc:Fallback>
       <p:transition spd="slow">
         <p:fade/>
       </p:transition>
@@ -14522,13 +14551,13 @@
   <p:clrMapOvr>
     <a:masterClrMapping/>
   </p:clrMapOvr>
-  <mc:AlternateContent xmlns:mc="http://schemas.openxmlformats.org/markup-compatibility/2006" xmlns:p159="http://schemas.microsoft.com/office/powerpoint/2015/09/main">
-    <mc:Choice Requires="p159">
+  <mc:AlternateContent xmlns:mc="http://schemas.openxmlformats.org/markup-compatibility/2006">
+    <mc:Choice xmlns:p159="http://schemas.microsoft.com/office/powerpoint/2015/09/main" xmlns="" Requires="p159">
       <p:transition xmlns:p14="http://schemas.microsoft.com/office/powerpoint/2010/main" spd="slow" p14:dur="2000">
         <p159:morph option="byObject"/>
       </p:transition>
     </mc:Choice>
-    <mc:Fallback xmlns="">
+    <mc:Fallback>
       <p:transition spd="slow">
         <p:fade/>
       </p:transition>
@@ -15467,13 +15496,13 @@
   <p:clrMapOvr>
     <a:masterClrMapping/>
   </p:clrMapOvr>
-  <mc:AlternateContent xmlns:mc="http://schemas.openxmlformats.org/markup-compatibility/2006" xmlns:p159="http://schemas.microsoft.com/office/powerpoint/2015/09/main">
-    <mc:Choice Requires="p159">
+  <mc:AlternateContent xmlns:mc="http://schemas.openxmlformats.org/markup-compatibility/2006">
+    <mc:Choice xmlns:p159="http://schemas.microsoft.com/office/powerpoint/2015/09/main" xmlns="" Requires="p159">
       <p:transition xmlns:p14="http://schemas.microsoft.com/office/powerpoint/2010/main" spd="slow" p14:dur="1250">
         <p159:morph option="byObject"/>
       </p:transition>
     </mc:Choice>
-    <mc:Fallback xmlns="">
+    <mc:Fallback>
       <p:transition spd="slow">
         <p:fade/>
       </p:transition>
